--- a/trunk/preliminary/Working/presentations/KeyStoneII ARM Overview.pptx
+++ b/trunk/preliminary/Working/presentations/KeyStoneII ARM Overview.pptx
@@ -5,66 +5,72 @@
     <p:sldMasterId id="2147484452" r:id="rId5"/>
   </p:sldMasterIdLst>
   <p:notesMasterIdLst>
-    <p:notesMasterId r:id="rId55"/>
+    <p:notesMasterId r:id="rId61"/>
   </p:notesMasterIdLst>
   <p:handoutMasterIdLst>
-    <p:handoutMasterId r:id="rId56"/>
+    <p:handoutMasterId r:id="rId62"/>
   </p:handoutMasterIdLst>
   <p:sldIdLst>
     <p:sldId id="868" r:id="rId6"/>
     <p:sldId id="869" r:id="rId7"/>
     <p:sldId id="909" r:id="rId8"/>
     <p:sldId id="870" r:id="rId9"/>
-    <p:sldId id="871" r:id="rId10"/>
-    <p:sldId id="872" r:id="rId11"/>
-    <p:sldId id="873" r:id="rId12"/>
-    <p:sldId id="874" r:id="rId13"/>
-    <p:sldId id="875" r:id="rId14"/>
-    <p:sldId id="910" r:id="rId15"/>
-    <p:sldId id="876" r:id="rId16"/>
-    <p:sldId id="877" r:id="rId17"/>
-    <p:sldId id="911" r:id="rId18"/>
-    <p:sldId id="878" r:id="rId19"/>
-    <p:sldId id="912" r:id="rId20"/>
-    <p:sldId id="879" r:id="rId21"/>
-    <p:sldId id="913" r:id="rId22"/>
-    <p:sldId id="914" r:id="rId23"/>
-    <p:sldId id="880" r:id="rId24"/>
-    <p:sldId id="881" r:id="rId25"/>
-    <p:sldId id="882" r:id="rId26"/>
-    <p:sldId id="883" r:id="rId27"/>
-    <p:sldId id="884" r:id="rId28"/>
-    <p:sldId id="915" r:id="rId29"/>
-    <p:sldId id="885" r:id="rId30"/>
-    <p:sldId id="886" r:id="rId31"/>
-    <p:sldId id="887" r:id="rId32"/>
-    <p:sldId id="888" r:id="rId33"/>
-    <p:sldId id="889" r:id="rId34"/>
-    <p:sldId id="890" r:id="rId35"/>
-    <p:sldId id="891" r:id="rId36"/>
-    <p:sldId id="892" r:id="rId37"/>
-    <p:sldId id="916" r:id="rId38"/>
-    <p:sldId id="893" r:id="rId39"/>
-    <p:sldId id="894" r:id="rId40"/>
-    <p:sldId id="895" r:id="rId41"/>
-    <p:sldId id="896" r:id="rId42"/>
-    <p:sldId id="897" r:id="rId43"/>
-    <p:sldId id="898" r:id="rId44"/>
-    <p:sldId id="899" r:id="rId45"/>
-    <p:sldId id="900" r:id="rId46"/>
-    <p:sldId id="901" r:id="rId47"/>
-    <p:sldId id="902" r:id="rId48"/>
-    <p:sldId id="903" r:id="rId49"/>
-    <p:sldId id="904" r:id="rId50"/>
-    <p:sldId id="905" r:id="rId51"/>
-    <p:sldId id="906" r:id="rId52"/>
-    <p:sldId id="907" r:id="rId53"/>
-    <p:sldId id="908" r:id="rId54"/>
+    <p:sldId id="919" r:id="rId10"/>
+    <p:sldId id="871" r:id="rId11"/>
+    <p:sldId id="872" r:id="rId12"/>
+    <p:sldId id="873" r:id="rId13"/>
+    <p:sldId id="874" r:id="rId14"/>
+    <p:sldId id="875" r:id="rId15"/>
+    <p:sldId id="910" r:id="rId16"/>
+    <p:sldId id="876" r:id="rId17"/>
+    <p:sldId id="877" r:id="rId18"/>
+    <p:sldId id="911" r:id="rId19"/>
+    <p:sldId id="878" r:id="rId20"/>
+    <p:sldId id="912" r:id="rId21"/>
+    <p:sldId id="879" r:id="rId22"/>
+    <p:sldId id="913" r:id="rId23"/>
+    <p:sldId id="914" r:id="rId24"/>
+    <p:sldId id="880" r:id="rId25"/>
+    <p:sldId id="881" r:id="rId26"/>
+    <p:sldId id="917" r:id="rId27"/>
+    <p:sldId id="918" r:id="rId28"/>
+    <p:sldId id="882" r:id="rId29"/>
+    <p:sldId id="883" r:id="rId30"/>
+    <p:sldId id="884" r:id="rId31"/>
+    <p:sldId id="915" r:id="rId32"/>
+    <p:sldId id="885" r:id="rId33"/>
+    <p:sldId id="886" r:id="rId34"/>
+    <p:sldId id="887" r:id="rId35"/>
+    <p:sldId id="888" r:id="rId36"/>
+    <p:sldId id="889" r:id="rId37"/>
+    <p:sldId id="890" r:id="rId38"/>
+    <p:sldId id="891" r:id="rId39"/>
+    <p:sldId id="892" r:id="rId40"/>
+    <p:sldId id="920" r:id="rId41"/>
+    <p:sldId id="916" r:id="rId42"/>
+    <p:sldId id="921" r:id="rId43"/>
+    <p:sldId id="922" r:id="rId44"/>
+    <p:sldId id="894" r:id="rId45"/>
+    <p:sldId id="895" r:id="rId46"/>
+    <p:sldId id="896" r:id="rId47"/>
+    <p:sldId id="897" r:id="rId48"/>
+    <p:sldId id="898" r:id="rId49"/>
+    <p:sldId id="899" r:id="rId50"/>
+    <p:sldId id="900" r:id="rId51"/>
+    <p:sldId id="923" r:id="rId52"/>
+    <p:sldId id="901" r:id="rId53"/>
+    <p:sldId id="902" r:id="rId54"/>
+    <p:sldId id="903" r:id="rId55"/>
+    <p:sldId id="904" r:id="rId56"/>
+    <p:sldId id="905" r:id="rId57"/>
+    <p:sldId id="906" r:id="rId58"/>
+    <p:sldId id="907" r:id="rId59"/>
+    <p:sldId id="908" r:id="rId60"/>
   </p:sldIdLst>
   <p:sldSz cx="9144000" cy="6858000" type="screen4x3"/>
   <p:notesSz cx="7010400" cy="9296400"/>
   <p:custDataLst>
-    <p:tags r:id="rId57"/>
+    <p:tags r:id="rId63"/>
   </p:custDataLst>
   <p:defaultTextStyle>
     <a:defPPr>
@@ -311,7 +317,7 @@
               <a:pPr>
                 <a:defRPr/>
               </a:pPr>
-              <a:t>1/2/2013</a:t>
+              <a:t>1/28/2013</a:t>
             </a:fld>
             <a:endParaRPr lang="en-US" dirty="0"/>
           </a:p>
@@ -1036,20 +1042,11 @@
               <a:buAutoNum type="arabicPeriod"/>
             </a:pPr>
             <a:r>
-              <a:rPr lang="en-US" baseline="0" dirty="0" err="1" smtClean="0">
+              <a:rPr lang="en-US" baseline="0" dirty="0" smtClean="0">
                 <a:latin typeface="Arial" pitchFamily="34" charset="0"/>
               </a:rPr>
-              <a:t>BootROM</a:t>
-            </a:r>
-            <a:r>
-              <a:rPr lang="en-US" baseline="0" smtClean="0">
-                <a:latin typeface="Arial" pitchFamily="34" charset="0"/>
-              </a:rPr>
-              <a:t>.</a:t>
-            </a:r>
-            <a:endParaRPr lang="en-US" baseline="0" dirty="0" smtClean="0">
-              <a:latin typeface="Arial" pitchFamily="34" charset="0"/>
-            </a:endParaRPr>
+              <a:t>BootROM.</a:t>
+            </a:r>
           </a:p>
         </p:txBody>
       </p:sp>
@@ -1126,10 +1123,15 @@
           <a:bodyPr/>
           <a:lstStyle/>
           <a:p>
-            <a:fld id="{9295E5E2-942B-4086-8EFE-9DF4A2A8CF3E}" type="slidenum">
+            <a:pPr>
+              <a:defRPr/>
+            </a:pPr>
+            <a:fld id="{9AF68C97-DBEA-40B2-91B6-F690EAC6BBD6}" type="slidenum">
               <a:rPr lang="en-US" smtClean="0"/>
-              <a:pPr/>
-              <a:t>37</a:t>
+              <a:pPr>
+                <a:defRPr/>
+              </a:pPr>
+              <a:t>31</a:t>
             </a:fld>
             <a:endParaRPr lang="en-US" dirty="0"/>
           </a:p>
@@ -1191,11 +1193,23 @@
           <a:p>
             <a:r>
               <a:rPr lang="en-US" dirty="0" smtClean="0"/>
-              <a:t>Depending on the transistor</a:t>
+              <a:t>Dhrystone score of 3.5DMIPS/MHz requires right</a:t>
             </a:r>
             <a:r>
               <a:rPr lang="en-US" baseline="0" dirty="0" smtClean="0"/>
-              <a:t> temperature, static power (leakage) is ½ to 2/3 of total power. Dynamic power scales with clock speed, static does not.</a:t>
+              <a:t> version of compiler (ARM RVCT or GCC 4.8.0) that uses NEON SIMD instructions for loads and stores, measures core and L1D only. Benchmark confirms the 3-issue performance.</a:t>
+            </a:r>
+          </a:p>
+          <a:p>
+            <a:r>
+              <a:rPr lang="en-US" baseline="0" dirty="0" smtClean="0"/>
+              <a:t>Floating point is 4 operations per cycle. An operation is add, multiply, multiply and accumulate, etc. In a typical application loads and stores will reduce the sustained operations to 50% or less.</a:t>
+            </a:r>
+          </a:p>
+          <a:p>
+            <a:r>
+              <a:rPr lang="en-US" baseline="0" dirty="0" smtClean="0"/>
+              <a:t>19600 = 1.4 * 3.5 * 4 (cores)</a:t>
             </a:r>
             <a:endParaRPr lang="en-US" dirty="0"/>
           </a:p>
@@ -1216,10 +1230,15 @@
           <a:bodyPr/>
           <a:lstStyle/>
           <a:p>
-            <a:fld id="{9295E5E2-942B-4086-8EFE-9DF4A2A8CF3E}" type="slidenum">
+            <a:pPr>
+              <a:defRPr/>
+            </a:pPr>
+            <a:fld id="{9AF68C97-DBEA-40B2-91B6-F690EAC6BBD6}" type="slidenum">
               <a:rPr lang="en-US" smtClean="0"/>
-              <a:pPr/>
-              <a:t>38</a:t>
+              <a:pPr>
+                <a:defRPr/>
+              </a:pPr>
+              <a:t>33</a:t>
             </a:fld>
             <a:endParaRPr lang="en-US" dirty="0"/>
           </a:p>
@@ -1279,6 +1298,26 @@
           </a:bodyPr>
           <a:lstStyle/>
           <a:p>
+            <a:r>
+              <a:rPr lang="en-US" dirty="0" smtClean="0"/>
+              <a:t>Stream is defined to use data arrays sized larger than SoC caches so the benefit of large L2 is ignored. Stream</a:t>
+            </a:r>
+            <a:r>
+              <a:rPr lang="en-US" baseline="0" dirty="0" smtClean="0"/>
+              <a:t> exercises the number of outstanding loads and stores, and the write through (or streaming) mode of the L2 cache.</a:t>
+            </a:r>
+          </a:p>
+          <a:p>
+            <a:r>
+              <a:rPr lang="en-US" baseline="0" dirty="0" smtClean="0"/>
+              <a:t>The formula to calculate external memory bandwidth accounts for read and write in copy and scale, and two reads and write in add and triad. The extra read that a write-allocate cache needs is not included in the formula, and turning of the streaming/write-through will significantly drop the results. But code like this is why the streaming mode is there.</a:t>
+            </a:r>
+          </a:p>
+          <a:p>
+            <a:r>
+              <a:rPr lang="en-US" baseline="0" dirty="0" smtClean="0"/>
+              <a:t>Memory location of arrays is critical, maximum number of open DDR pages (sized 8kB) per DDR rank required. Linux page tables with 4kB pages with normal setup results in linear virtual memory being pseudorandom in physical space is close to optimal for stream.</a:t>
+            </a:r>
             <a:endParaRPr lang="en-US" dirty="0"/>
           </a:p>
         </p:txBody>
@@ -1298,10 +1337,10 @@
           <a:bodyPr/>
           <a:lstStyle/>
           <a:p>
-            <a:fld id="{5A66AFF2-6912-47BF-8417-4BCCFAB39D19}" type="slidenum">
+            <a:fld id="{9295E5E2-942B-4086-8EFE-9DF4A2A8CF3E}" type="slidenum">
               <a:rPr lang="en-US" smtClean="0"/>
               <a:pPr/>
-              <a:t>39</a:t>
+              <a:t>34</a:t>
             </a:fld>
             <a:endParaRPr lang="en-US" dirty="0"/>
           </a:p>
@@ -1361,6 +1400,10 @@
           </a:bodyPr>
           <a:lstStyle/>
           <a:p>
+            <a:r>
+              <a:rPr lang="en-US" dirty="0" smtClean="0"/>
+              <a:t>Wh</a:t>
+            </a:r>
             <a:endParaRPr lang="en-US" dirty="0"/>
           </a:p>
         </p:txBody>
@@ -1380,10 +1423,15 @@
           <a:bodyPr/>
           <a:lstStyle/>
           <a:p>
-            <a:fld id="{9295E5E2-942B-4086-8EFE-9DF4A2A8CF3E}" type="slidenum">
+            <a:pPr>
+              <a:defRPr/>
+            </a:pPr>
+            <a:fld id="{9AF68C97-DBEA-40B2-91B6-F690EAC6BBD6}" type="slidenum">
               <a:rPr lang="en-US" smtClean="0"/>
-              <a:pPr/>
-              <a:t>40</a:t>
+              <a:pPr>
+                <a:defRPr/>
+              </a:pPr>
+              <a:t>36</a:t>
             </a:fld>
             <a:endParaRPr lang="en-US" dirty="0"/>
           </a:p>
@@ -1462,10 +1510,15 @@
           <a:bodyPr/>
           <a:lstStyle/>
           <a:p>
-            <a:fld id="{9295E5E2-942B-4086-8EFE-9DF4A2A8CF3E}" type="slidenum">
+            <a:pPr>
+              <a:defRPr/>
+            </a:pPr>
+            <a:fld id="{9AF68C97-DBEA-40B2-91B6-F690EAC6BBD6}" type="slidenum">
               <a:rPr lang="en-US" smtClean="0"/>
-              <a:pPr/>
-              <a:t>41</a:t>
+              <a:pPr>
+                <a:defRPr/>
+              </a:pPr>
+              <a:t>38</a:t>
             </a:fld>
             <a:endParaRPr lang="en-US" dirty="0"/>
           </a:p>
@@ -1544,10 +1597,15 @@
           <a:bodyPr/>
           <a:lstStyle/>
           <a:p>
-            <a:fld id="{9295E5E2-942B-4086-8EFE-9DF4A2A8CF3E}" type="slidenum">
+            <a:pPr>
+              <a:defRPr/>
+            </a:pPr>
+            <a:fld id="{9AF68C97-DBEA-40B2-91B6-F690EAC6BBD6}" type="slidenum">
               <a:rPr lang="en-US" smtClean="0"/>
-              <a:pPr/>
-              <a:t>42</a:t>
+              <a:pPr>
+                <a:defRPr/>
+              </a:pPr>
+              <a:t>39</a:t>
             </a:fld>
             <a:endParaRPr lang="en-US" dirty="0"/>
           </a:p>
@@ -1629,7 +1687,7 @@
             <a:fld id="{9295E5E2-942B-4086-8EFE-9DF4A2A8CF3E}" type="slidenum">
               <a:rPr lang="en-US" smtClean="0"/>
               <a:pPr/>
-              <a:t>43</a:t>
+              <a:t>42</a:t>
             </a:fld>
             <a:endParaRPr lang="en-US" dirty="0"/>
           </a:p>
@@ -1689,6 +1747,14 @@
           </a:bodyPr>
           <a:lstStyle/>
           <a:p>
+            <a:r>
+              <a:rPr lang="en-US" dirty="0" smtClean="0"/>
+              <a:t>Depending on the transistor</a:t>
+            </a:r>
+            <a:r>
+              <a:rPr lang="en-US" baseline="0" dirty="0" smtClean="0"/>
+              <a:t> temperature, static power (leakage) is ½ to 2/3 of total power. Dynamic power scales with clock speed, static does not.</a:t>
+            </a:r>
             <a:endParaRPr lang="en-US" dirty="0"/>
           </a:p>
         </p:txBody>
@@ -1711,7 +1777,7 @@
             <a:fld id="{9295E5E2-942B-4086-8EFE-9DF4A2A8CF3E}" type="slidenum">
               <a:rPr lang="en-US" smtClean="0"/>
               <a:pPr/>
-              <a:t>45</a:t>
+              <a:t>43</a:t>
             </a:fld>
             <a:endParaRPr lang="en-US" dirty="0"/>
           </a:p>
@@ -1771,10 +1837,6 @@
           </a:bodyPr>
           <a:lstStyle/>
           <a:p>
-            <a:r>
-              <a:rPr lang="en-US" dirty="0" smtClean="0"/>
-              <a:t>ECT   - Embedded Cross Triggering</a:t>
-            </a:r>
             <a:endParaRPr lang="en-US" dirty="0"/>
           </a:p>
         </p:txBody>
@@ -1794,10 +1856,10 @@
           <a:bodyPr/>
           <a:lstStyle/>
           <a:p>
-            <a:fld id="{9295E5E2-942B-4086-8EFE-9DF4A2A8CF3E}" type="slidenum">
+            <a:fld id="{5A66AFF2-6912-47BF-8417-4BCCFAB39D19}" type="slidenum">
               <a:rPr lang="en-US" smtClean="0"/>
               <a:pPr/>
-              <a:t>46</a:t>
+              <a:t>44</a:t>
             </a:fld>
             <a:endParaRPr lang="en-US" dirty="0"/>
           </a:p>
@@ -1879,7 +1941,7 @@
             <a:fld id="{9295E5E2-942B-4086-8EFE-9DF4A2A8CF3E}" type="slidenum">
               <a:rPr lang="en-US" smtClean="0"/>
               <a:pPr/>
-              <a:t>47</a:t>
+              <a:t>45</a:t>
             </a:fld>
             <a:endParaRPr lang="en-US" dirty="0"/>
           </a:p>
@@ -1912,7 +1974,53 @@
       </p:grpSpPr>
       <p:sp>
         <p:nvSpPr>
-          <p:cNvPr id="66561" name="Rectangle 2"/>
+          <p:cNvPr id="119810" name="Rectangle 7"/>
+          <p:cNvSpPr txBox="1">
+            <a:spLocks noGrp="1" noChangeArrowheads="1"/>
+          </p:cNvSpPr>
+          <p:nvPr/>
+        </p:nvSpPr>
+        <p:spPr bwMode="auto">
+          <a:xfrm>
+            <a:off x="3970339" y="8829676"/>
+            <a:ext cx="3038476" cy="465137"/>
+          </a:xfrm>
+          <a:prstGeom prst="rect">
+            <a:avLst/>
+          </a:prstGeom>
+          <a:noFill/>
+          <a:ln w="9525">
+            <a:noFill/>
+            <a:miter lim="800000"/>
+            <a:headEnd/>
+            <a:tailEnd/>
+          </a:ln>
+        </p:spPr>
+        <p:txBody>
+          <a:bodyPr lIns="91909" tIns="45954" rIns="91909" bIns="45954" anchor="b"/>
+          <a:lstStyle/>
+          <a:p>
+            <a:pPr defTabSz="917415"/>
+            <a:fld id="{BDFEC6E6-BCD5-4F32-85F3-FB692D89CDBC}" type="slidenum">
+              <a:rPr lang="en-US" sz="1100">
+                <a:solidFill>
+                  <a:srgbClr val="000000"/>
+                </a:solidFill>
+              </a:rPr>
+              <a:pPr defTabSz="917415"/>
+              <a:t>5</a:t>
+            </a:fld>
+            <a:endParaRPr lang="en-US" sz="1100" dirty="0">
+              <a:solidFill>
+                <a:srgbClr val="000000"/>
+              </a:solidFill>
+            </a:endParaRPr>
+          </a:p>
+        </p:txBody>
+      </p:sp>
+      <p:sp>
+        <p:nvSpPr>
+          <p:cNvPr id="119811" name="Rectangle 2"/>
           <p:cNvSpPr>
             <a:spLocks noGrp="1" noRot="1" noChangeAspect="1" noChangeArrowheads="1" noTextEdit="1"/>
           </p:cNvSpPr>
@@ -1921,16 +2029,12 @@
           </p:nvPr>
         </p:nvSpPr>
         <p:spPr>
-          <a:xfrm>
-            <a:off x="1182688" y="696913"/>
-            <a:ext cx="4649787" cy="3486150"/>
-          </a:xfrm>
           <a:ln/>
         </p:spPr>
       </p:sp>
       <p:sp>
         <p:nvSpPr>
-          <p:cNvPr id="66562" name="Rectangle 3"/>
+          <p:cNvPr id="119812" name="Rectangle 3"/>
           <p:cNvSpPr>
             <a:spLocks noGrp="1" noChangeArrowheads="1"/>
           </p:cNvSpPr>
@@ -1939,64 +2043,88 @@
           </p:nvPr>
         </p:nvSpPr>
         <p:spPr>
-          <a:xfrm>
-            <a:off x="699597" y="4414511"/>
-            <a:ext cx="5611208" cy="4185621"/>
-          </a:xfrm>
           <a:noFill/>
           <a:ln/>
         </p:spPr>
         <p:txBody>
-          <a:bodyPr/>
-          <a:lstStyle/>
-          <a:p>
-            <a:r>
-              <a:rPr lang="en-US" altLang="ko-KR" dirty="0" smtClean="0">
-                <a:ea typeface="굴림" pitchFamily="50" charset="-127"/>
+          <a:bodyPr lIns="91909" tIns="45954" rIns="91909" bIns="45954"/>
+          <a:lstStyle/>
+          <a:p>
+            <a:pPr marL="228560" indent="-228560">
+              <a:buAutoNum type="arabicPeriod"/>
+            </a:pPr>
+            <a:r>
+              <a:rPr lang="en-US" baseline="0" dirty="0" smtClean="0">
+                <a:latin typeface="Arial" pitchFamily="34" charset="0"/>
               </a:rPr>
-              <a:t>CTM – Cross Trigger matrix</a:t>
-            </a:r>
-          </a:p>
-          <a:p>
-            <a:r>
-              <a:rPr lang="en-US" altLang="ko-KR" dirty="0" smtClean="0">
-                <a:ea typeface="굴림" pitchFamily="50" charset="-127"/>
+              <a:t>Contains an ARM cluster with one, two or 4 ARMs in it.</a:t>
+            </a:r>
+          </a:p>
+          <a:p>
+            <a:pPr marL="228560" indent="-228560">
+              <a:buAutoNum type="arabicPeriod"/>
+            </a:pPr>
+            <a:r>
+              <a:rPr lang="en-US" baseline="0" dirty="0" smtClean="0">
+                <a:latin typeface="Arial" pitchFamily="34" charset="0"/>
               </a:rPr>
-              <a:t>STM – System Trace Microcell</a:t>
-            </a:r>
-          </a:p>
-          <a:p>
-            <a:r>
-              <a:rPr lang="en-US" altLang="ko-KR" dirty="0" smtClean="0">
-                <a:ea typeface="굴림" pitchFamily="50" charset="-127"/>
+              <a:t>Running at 1.4GHz.</a:t>
+            </a:r>
+          </a:p>
+          <a:p>
+            <a:pPr marL="228560" indent="-228560">
+              <a:buAutoNum type="arabicPeriod"/>
+            </a:pPr>
+            <a:r>
+              <a:rPr lang="en-US" baseline="0" dirty="0" smtClean="0">
+                <a:latin typeface="Arial" pitchFamily="34" charset="0"/>
               </a:rPr>
-              <a:t>ACP – Accelerated coherency port</a:t>
-            </a:r>
-          </a:p>
-          <a:p>
-            <a:r>
-              <a:rPr lang="en-US" altLang="ko-KR" dirty="0" smtClean="0">
-                <a:ea typeface="굴림" pitchFamily="50" charset="-127"/>
+              <a:t>Two levels of memory just like DSP.</a:t>
+            </a:r>
+          </a:p>
+          <a:p>
+            <a:pPr marL="228560" indent="-228560">
+              <a:buAutoNum type="arabicPeriod"/>
+            </a:pPr>
+            <a:r>
+              <a:rPr lang="en-US" baseline="0" dirty="0" smtClean="0">
+                <a:latin typeface="Arial" pitchFamily="34" charset="0"/>
               </a:rPr>
-              <a:t>Next – Asynchronous</a:t>
-            </a:r>
-            <a:r>
-              <a:rPr lang="en-US" altLang="ko-KR" baseline="0" dirty="0" smtClean="0">
-                <a:ea typeface="굴림" pitchFamily="50" charset="-127"/>
+              <a:t>But L2 is shared for cache coherency.</a:t>
+            </a:r>
+          </a:p>
+          <a:p>
+            <a:pPr marL="228560" indent="-228560">
+              <a:buAutoNum type="arabicPeriod"/>
+            </a:pPr>
+            <a:r>
+              <a:rPr lang="en-US" baseline="0" dirty="0" smtClean="0">
+                <a:latin typeface="Arial" pitchFamily="34" charset="0"/>
               </a:rPr>
-              <a:t> interface to MSMC</a:t>
-            </a:r>
-          </a:p>
-          <a:p>
-            <a:r>
-              <a:rPr lang="en-US" altLang="ko-KR" baseline="0" dirty="0" smtClean="0">
-                <a:ea typeface="굴림" pitchFamily="50" charset="-127"/>
+              <a:t>Connected to the MSMC through ACE also provided cache coherency with other peripheral masters.</a:t>
+            </a:r>
+          </a:p>
+          <a:p>
+            <a:pPr marL="228560" indent="-228560">
+              <a:buAutoNum type="arabicPeriod"/>
+            </a:pPr>
+            <a:r>
+              <a:rPr lang="en-US" baseline="0" dirty="0" smtClean="0">
+                <a:latin typeface="Arial" pitchFamily="34" charset="0"/>
               </a:rPr>
-              <a:t>AXI – is really via the MSMC</a:t>
-            </a:r>
-            <a:endParaRPr lang="ko-KR" altLang="en-US" dirty="0" smtClean="0">
-              <a:ea typeface="굴림" pitchFamily="50" charset="-127"/>
-            </a:endParaRPr>
+              <a:t>Power management.(Wait for Interrupt/ Wait for Event).</a:t>
+            </a:r>
+          </a:p>
+          <a:p>
+            <a:pPr marL="228560" indent="-228560">
+              <a:buAutoNum type="arabicPeriod"/>
+            </a:pPr>
+            <a:r>
+              <a:rPr lang="en-US" baseline="0" dirty="0" smtClean="0">
+                <a:latin typeface="Arial" pitchFamily="34" charset="0"/>
+              </a:rPr>
+              <a:t>BootROM.</a:t>
+            </a:r>
           </a:p>
         </p:txBody>
       </p:sp>
@@ -2054,53 +2182,6 @@
           </a:bodyPr>
           <a:lstStyle/>
           <a:p>
-            <a:r>
-              <a:rPr lang="en-US" dirty="0" smtClean="0"/>
-              <a:t>Yellow area is the standard quad A15 </a:t>
-            </a:r>
-            <a:r>
-              <a:rPr lang="en-US" dirty="0" err="1" smtClean="0"/>
-              <a:t>MPCore</a:t>
-            </a:r>
-            <a:r>
-              <a:rPr lang="en-US" dirty="0" smtClean="0"/>
-              <a:t> with 4MB of shared coherent cache, each core is</a:t>
-            </a:r>
-            <a:r>
-              <a:rPr lang="en-US" baseline="0" dirty="0" smtClean="0"/>
-              <a:t> in its own power switched domain and the </a:t>
-            </a:r>
-            <a:r>
-              <a:rPr lang="en-US" baseline="0" dirty="0" err="1" smtClean="0"/>
-              <a:t>MPCore</a:t>
-            </a:r>
-            <a:r>
-              <a:rPr lang="en-US" baseline="0" dirty="0" smtClean="0"/>
-              <a:t> with L2 cache is in a further power switched domain</a:t>
-            </a:r>
-            <a:endParaRPr lang="en-US" dirty="0" smtClean="0"/>
-          </a:p>
-          <a:p>
-            <a:r>
-              <a:rPr lang="en-US" dirty="0" smtClean="0"/>
-              <a:t>GIC-400 is the standard interrupt controller from ARM</a:t>
-            </a:r>
-          </a:p>
-          <a:p>
-            <a:r>
-              <a:rPr lang="en-US" dirty="0" smtClean="0"/>
-              <a:t>The</a:t>
-            </a:r>
-            <a:r>
-              <a:rPr lang="en-US" baseline="0" dirty="0" smtClean="0"/>
-              <a:t> path the cores and caches do memory reads and writes goes through Eagles Nest to MSMC. Snooping by MSMC use this path as well</a:t>
-            </a:r>
-          </a:p>
-          <a:p>
-            <a:r>
-              <a:rPr lang="en-US" baseline="0" dirty="0" smtClean="0"/>
-              <a:t>The rest of the interfaces are related to clocking, debugging, tracing, and production testing.</a:t>
-            </a:r>
             <a:endParaRPr lang="en-US" dirty="0"/>
           </a:p>
         </p:txBody>
@@ -2123,9 +2204,9 @@
             <a:fld id="{9295E5E2-942B-4086-8EFE-9DF4A2A8CF3E}" type="slidenum">
               <a:rPr lang="en-US" smtClean="0"/>
               <a:pPr/>
-              <a:t>48</a:t>
+              <a:t>46</a:t>
             </a:fld>
-            <a:endParaRPr lang="en-US"/>
+            <a:endParaRPr lang="en-US" dirty="0"/>
           </a:p>
         </p:txBody>
       </p:sp>
@@ -2183,7 +2264,534 @@
           </a:bodyPr>
           <a:lstStyle/>
           <a:p>
-            <a:endParaRPr lang="en-US"/>
+            <a:endParaRPr lang="en-US" dirty="0"/>
+          </a:p>
+        </p:txBody>
+      </p:sp>
+      <p:sp>
+        <p:nvSpPr>
+          <p:cNvPr id="4" name="Slide Number Placeholder 3"/>
+          <p:cNvSpPr>
+            <a:spLocks noGrp="1"/>
+          </p:cNvSpPr>
+          <p:nvPr>
+            <p:ph type="sldNum" sz="quarter" idx="10"/>
+          </p:nvPr>
+        </p:nvSpPr>
+        <p:spPr/>
+        <p:txBody>
+          <a:bodyPr/>
+          <a:lstStyle/>
+          <a:p>
+            <a:fld id="{9295E5E2-942B-4086-8EFE-9DF4A2A8CF3E}" type="slidenum">
+              <a:rPr lang="en-US" smtClean="0"/>
+              <a:pPr/>
+              <a:t>48</a:t>
+            </a:fld>
+            <a:endParaRPr lang="en-US" dirty="0"/>
+          </a:p>
+        </p:txBody>
+      </p:sp>
+    </p:spTree>
+  </p:cSld>
+  <p:clrMapOvr>
+    <a:masterClrMapping/>
+  </p:clrMapOvr>
+</p:notes>
+</file>
+
+<file path=ppt/notesSlides/notesSlide22.xml><?xml version="1.0" encoding="utf-8"?>
+<p:notes xmlns:a="http://schemas.openxmlformats.org/drawingml/2006/main" xmlns:r="http://schemas.openxmlformats.org/officeDocument/2006/relationships" xmlns:p="http://schemas.openxmlformats.org/presentationml/2006/main">
+  <p:cSld>
+    <p:spTree>
+      <p:nvGrpSpPr>
+        <p:cNvPr id="1" name=""/>
+        <p:cNvGrpSpPr/>
+        <p:nvPr/>
+      </p:nvGrpSpPr>
+      <p:grpSpPr>
+        <a:xfrm>
+          <a:off x="0" y="0"/>
+          <a:ext cx="0" cy="0"/>
+          <a:chOff x="0" y="0"/>
+          <a:chExt cx="0" cy="0"/>
+        </a:xfrm>
+      </p:grpSpPr>
+      <p:sp>
+        <p:nvSpPr>
+          <p:cNvPr id="2" name="Slide Image Placeholder 1"/>
+          <p:cNvSpPr>
+            <a:spLocks noGrp="1" noRot="1" noChangeAspect="1"/>
+          </p:cNvSpPr>
+          <p:nvPr>
+            <p:ph type="sldImg"/>
+          </p:nvPr>
+        </p:nvSpPr>
+        <p:spPr/>
+      </p:sp>
+      <p:sp>
+        <p:nvSpPr>
+          <p:cNvPr id="3" name="Notes Placeholder 2"/>
+          <p:cNvSpPr>
+            <a:spLocks noGrp="1"/>
+          </p:cNvSpPr>
+          <p:nvPr>
+            <p:ph type="body" idx="1"/>
+          </p:nvPr>
+        </p:nvSpPr>
+        <p:spPr/>
+        <p:txBody>
+          <a:bodyPr>
+            <a:normAutofit/>
+          </a:bodyPr>
+          <a:lstStyle/>
+          <a:p>
+            <a:endParaRPr lang="en-US" dirty="0"/>
+          </a:p>
+        </p:txBody>
+      </p:sp>
+      <p:sp>
+        <p:nvSpPr>
+          <p:cNvPr id="4" name="Slide Number Placeholder 3"/>
+          <p:cNvSpPr>
+            <a:spLocks noGrp="1"/>
+          </p:cNvSpPr>
+          <p:nvPr>
+            <p:ph type="sldNum" sz="quarter" idx="10"/>
+          </p:nvPr>
+        </p:nvSpPr>
+        <p:spPr/>
+        <p:txBody>
+          <a:bodyPr/>
+          <a:lstStyle/>
+          <a:p>
+            <a:fld id="{9295E5E2-942B-4086-8EFE-9DF4A2A8CF3E}" type="slidenum">
+              <a:rPr lang="en-US" smtClean="0"/>
+              <a:pPr/>
+              <a:t>49</a:t>
+            </a:fld>
+            <a:endParaRPr lang="en-US" dirty="0"/>
+          </a:p>
+        </p:txBody>
+      </p:sp>
+    </p:spTree>
+  </p:cSld>
+  <p:clrMapOvr>
+    <a:masterClrMapping/>
+  </p:clrMapOvr>
+</p:notes>
+</file>
+
+<file path=ppt/notesSlides/notesSlide23.xml><?xml version="1.0" encoding="utf-8"?>
+<p:notes xmlns:a="http://schemas.openxmlformats.org/drawingml/2006/main" xmlns:r="http://schemas.openxmlformats.org/officeDocument/2006/relationships" xmlns:p="http://schemas.openxmlformats.org/presentationml/2006/main">
+  <p:cSld>
+    <p:spTree>
+      <p:nvGrpSpPr>
+        <p:cNvPr id="1" name=""/>
+        <p:cNvGrpSpPr/>
+        <p:nvPr/>
+      </p:nvGrpSpPr>
+      <p:grpSpPr>
+        <a:xfrm>
+          <a:off x="0" y="0"/>
+          <a:ext cx="0" cy="0"/>
+          <a:chOff x="0" y="0"/>
+          <a:chExt cx="0" cy="0"/>
+        </a:xfrm>
+      </p:grpSpPr>
+      <p:sp>
+        <p:nvSpPr>
+          <p:cNvPr id="2" name="Slide Image Placeholder 1"/>
+          <p:cNvSpPr>
+            <a:spLocks noGrp="1" noRot="1" noChangeAspect="1"/>
+          </p:cNvSpPr>
+          <p:nvPr>
+            <p:ph type="sldImg"/>
+          </p:nvPr>
+        </p:nvSpPr>
+        <p:spPr/>
+      </p:sp>
+      <p:sp>
+        <p:nvSpPr>
+          <p:cNvPr id="3" name="Notes Placeholder 2"/>
+          <p:cNvSpPr>
+            <a:spLocks noGrp="1"/>
+          </p:cNvSpPr>
+          <p:nvPr>
+            <p:ph type="body" idx="1"/>
+          </p:nvPr>
+        </p:nvSpPr>
+        <p:spPr/>
+        <p:txBody>
+          <a:bodyPr>
+            <a:normAutofit/>
+          </a:bodyPr>
+          <a:lstStyle/>
+          <a:p>
+            <a:endParaRPr lang="en-US" dirty="0"/>
+          </a:p>
+        </p:txBody>
+      </p:sp>
+      <p:sp>
+        <p:nvSpPr>
+          <p:cNvPr id="4" name="Slide Number Placeholder 3"/>
+          <p:cNvSpPr>
+            <a:spLocks noGrp="1"/>
+          </p:cNvSpPr>
+          <p:nvPr>
+            <p:ph type="sldNum" sz="quarter" idx="10"/>
+          </p:nvPr>
+        </p:nvSpPr>
+        <p:spPr/>
+        <p:txBody>
+          <a:bodyPr/>
+          <a:lstStyle/>
+          <a:p>
+            <a:fld id="{9295E5E2-942B-4086-8EFE-9DF4A2A8CF3E}" type="slidenum">
+              <a:rPr lang="en-US" smtClean="0"/>
+              <a:pPr/>
+              <a:t>51</a:t>
+            </a:fld>
+            <a:endParaRPr lang="en-US" dirty="0"/>
+          </a:p>
+        </p:txBody>
+      </p:sp>
+    </p:spTree>
+  </p:cSld>
+  <p:clrMapOvr>
+    <a:masterClrMapping/>
+  </p:clrMapOvr>
+</p:notes>
+</file>
+
+<file path=ppt/notesSlides/notesSlide24.xml><?xml version="1.0" encoding="utf-8"?>
+<p:notes xmlns:a="http://schemas.openxmlformats.org/drawingml/2006/main" xmlns:r="http://schemas.openxmlformats.org/officeDocument/2006/relationships" xmlns:p="http://schemas.openxmlformats.org/presentationml/2006/main">
+  <p:cSld>
+    <p:spTree>
+      <p:nvGrpSpPr>
+        <p:cNvPr id="1" name=""/>
+        <p:cNvGrpSpPr/>
+        <p:nvPr/>
+      </p:nvGrpSpPr>
+      <p:grpSpPr>
+        <a:xfrm>
+          <a:off x="0" y="0"/>
+          <a:ext cx="0" cy="0"/>
+          <a:chOff x="0" y="0"/>
+          <a:chExt cx="0" cy="0"/>
+        </a:xfrm>
+      </p:grpSpPr>
+      <p:sp>
+        <p:nvSpPr>
+          <p:cNvPr id="2" name="Slide Image Placeholder 1"/>
+          <p:cNvSpPr>
+            <a:spLocks noGrp="1" noRot="1" noChangeAspect="1"/>
+          </p:cNvSpPr>
+          <p:nvPr>
+            <p:ph type="sldImg"/>
+          </p:nvPr>
+        </p:nvSpPr>
+        <p:spPr/>
+      </p:sp>
+      <p:sp>
+        <p:nvSpPr>
+          <p:cNvPr id="3" name="Notes Placeholder 2"/>
+          <p:cNvSpPr>
+            <a:spLocks noGrp="1"/>
+          </p:cNvSpPr>
+          <p:nvPr>
+            <p:ph type="body" idx="1"/>
+          </p:nvPr>
+        </p:nvSpPr>
+        <p:spPr/>
+        <p:txBody>
+          <a:bodyPr>
+            <a:normAutofit/>
+          </a:bodyPr>
+          <a:lstStyle/>
+          <a:p>
+            <a:r>
+              <a:rPr lang="en-US" dirty="0" smtClean="0"/>
+              <a:t>ECT   - Embedded Cross Triggering</a:t>
+            </a:r>
+            <a:endParaRPr lang="en-US" dirty="0"/>
+          </a:p>
+        </p:txBody>
+      </p:sp>
+      <p:sp>
+        <p:nvSpPr>
+          <p:cNvPr id="4" name="Slide Number Placeholder 3"/>
+          <p:cNvSpPr>
+            <a:spLocks noGrp="1"/>
+          </p:cNvSpPr>
+          <p:nvPr>
+            <p:ph type="sldNum" sz="quarter" idx="10"/>
+          </p:nvPr>
+        </p:nvSpPr>
+        <p:spPr/>
+        <p:txBody>
+          <a:bodyPr/>
+          <a:lstStyle/>
+          <a:p>
+            <a:fld id="{9295E5E2-942B-4086-8EFE-9DF4A2A8CF3E}" type="slidenum">
+              <a:rPr lang="en-US" smtClean="0"/>
+              <a:pPr/>
+              <a:t>52</a:t>
+            </a:fld>
+            <a:endParaRPr lang="en-US" dirty="0"/>
+          </a:p>
+        </p:txBody>
+      </p:sp>
+    </p:spTree>
+  </p:cSld>
+  <p:clrMapOvr>
+    <a:masterClrMapping/>
+  </p:clrMapOvr>
+</p:notes>
+</file>
+
+<file path=ppt/notesSlides/notesSlide25.xml><?xml version="1.0" encoding="utf-8"?>
+<p:notes xmlns:a="http://schemas.openxmlformats.org/drawingml/2006/main" xmlns:r="http://schemas.openxmlformats.org/officeDocument/2006/relationships" xmlns:p="http://schemas.openxmlformats.org/presentationml/2006/main">
+  <p:cSld>
+    <p:spTree>
+      <p:nvGrpSpPr>
+        <p:cNvPr id="1" name=""/>
+        <p:cNvGrpSpPr/>
+        <p:nvPr/>
+      </p:nvGrpSpPr>
+      <p:grpSpPr>
+        <a:xfrm>
+          <a:off x="0" y="0"/>
+          <a:ext cx="0" cy="0"/>
+          <a:chOff x="0" y="0"/>
+          <a:chExt cx="0" cy="0"/>
+        </a:xfrm>
+      </p:grpSpPr>
+      <p:sp>
+        <p:nvSpPr>
+          <p:cNvPr id="2" name="Slide Image Placeholder 1"/>
+          <p:cNvSpPr>
+            <a:spLocks noGrp="1" noRot="1" noChangeAspect="1"/>
+          </p:cNvSpPr>
+          <p:nvPr>
+            <p:ph type="sldImg"/>
+          </p:nvPr>
+        </p:nvSpPr>
+        <p:spPr/>
+      </p:sp>
+      <p:sp>
+        <p:nvSpPr>
+          <p:cNvPr id="3" name="Notes Placeholder 2"/>
+          <p:cNvSpPr>
+            <a:spLocks noGrp="1"/>
+          </p:cNvSpPr>
+          <p:nvPr>
+            <p:ph type="body" idx="1"/>
+          </p:nvPr>
+        </p:nvSpPr>
+        <p:spPr/>
+        <p:txBody>
+          <a:bodyPr>
+            <a:normAutofit/>
+          </a:bodyPr>
+          <a:lstStyle/>
+          <a:p>
+            <a:endParaRPr lang="en-US" dirty="0"/>
+          </a:p>
+        </p:txBody>
+      </p:sp>
+      <p:sp>
+        <p:nvSpPr>
+          <p:cNvPr id="4" name="Slide Number Placeholder 3"/>
+          <p:cNvSpPr>
+            <a:spLocks noGrp="1"/>
+          </p:cNvSpPr>
+          <p:nvPr>
+            <p:ph type="sldNum" sz="quarter" idx="10"/>
+          </p:nvPr>
+        </p:nvSpPr>
+        <p:spPr/>
+        <p:txBody>
+          <a:bodyPr/>
+          <a:lstStyle/>
+          <a:p>
+            <a:fld id="{9295E5E2-942B-4086-8EFE-9DF4A2A8CF3E}" type="slidenum">
+              <a:rPr lang="en-US" smtClean="0"/>
+              <a:pPr/>
+              <a:t>53</a:t>
+            </a:fld>
+            <a:endParaRPr lang="en-US" dirty="0"/>
+          </a:p>
+        </p:txBody>
+      </p:sp>
+    </p:spTree>
+  </p:cSld>
+  <p:clrMapOvr>
+    <a:masterClrMapping/>
+  </p:clrMapOvr>
+</p:notes>
+</file>
+
+<file path=ppt/notesSlides/notesSlide26.xml><?xml version="1.0" encoding="utf-8"?>
+<p:notes xmlns:a="http://schemas.openxmlformats.org/drawingml/2006/main" xmlns:r="http://schemas.openxmlformats.org/officeDocument/2006/relationships" xmlns:p="http://schemas.openxmlformats.org/presentationml/2006/main">
+  <p:cSld>
+    <p:spTree>
+      <p:nvGrpSpPr>
+        <p:cNvPr id="1" name=""/>
+        <p:cNvGrpSpPr/>
+        <p:nvPr/>
+      </p:nvGrpSpPr>
+      <p:grpSpPr>
+        <a:xfrm>
+          <a:off x="0" y="0"/>
+          <a:ext cx="0" cy="0"/>
+          <a:chOff x="0" y="0"/>
+          <a:chExt cx="0" cy="0"/>
+        </a:xfrm>
+      </p:grpSpPr>
+      <p:sp>
+        <p:nvSpPr>
+          <p:cNvPr id="2" name="Slide Image Placeholder 1"/>
+          <p:cNvSpPr>
+            <a:spLocks noGrp="1" noRot="1" noChangeAspect="1"/>
+          </p:cNvSpPr>
+          <p:nvPr>
+            <p:ph type="sldImg"/>
+          </p:nvPr>
+        </p:nvSpPr>
+        <p:spPr/>
+      </p:sp>
+      <p:sp>
+        <p:nvSpPr>
+          <p:cNvPr id="3" name="Notes Placeholder 2"/>
+          <p:cNvSpPr>
+            <a:spLocks noGrp="1"/>
+          </p:cNvSpPr>
+          <p:nvPr>
+            <p:ph type="body" idx="1"/>
+          </p:nvPr>
+        </p:nvSpPr>
+        <p:spPr/>
+        <p:txBody>
+          <a:bodyPr>
+            <a:normAutofit/>
+          </a:bodyPr>
+          <a:lstStyle/>
+          <a:p>
+            <a:r>
+              <a:rPr lang="en-US" dirty="0" smtClean="0"/>
+              <a:t>Yellow area is the standard quad A15 MPCore with 4MB of shared coherent cache, each core is</a:t>
+            </a:r>
+            <a:r>
+              <a:rPr lang="en-US" baseline="0" dirty="0" smtClean="0"/>
+              <a:t> in its own power switched domain and the MPCore with L2 cache is in a further power switched domain</a:t>
+            </a:r>
+            <a:endParaRPr lang="en-US" dirty="0" smtClean="0"/>
+          </a:p>
+          <a:p>
+            <a:r>
+              <a:rPr lang="en-US" dirty="0" smtClean="0"/>
+              <a:t>GIC-400 is the standard interrupt controller from ARM</a:t>
+            </a:r>
+          </a:p>
+          <a:p>
+            <a:r>
+              <a:rPr lang="en-US" dirty="0" smtClean="0"/>
+              <a:t>The</a:t>
+            </a:r>
+            <a:r>
+              <a:rPr lang="en-US" baseline="0" dirty="0" smtClean="0"/>
+              <a:t> path the cores and caches do memory reads and writes goes through Eagles Nest to MSMC. Snooping by MSMC use this path as well</a:t>
+            </a:r>
+          </a:p>
+          <a:p>
+            <a:r>
+              <a:rPr lang="en-US" baseline="0" dirty="0" smtClean="0"/>
+              <a:t>The rest of the interfaces are related to clocking, debugging, tracing, and production testing.</a:t>
+            </a:r>
+            <a:endParaRPr lang="en-US" dirty="0"/>
+          </a:p>
+        </p:txBody>
+      </p:sp>
+      <p:sp>
+        <p:nvSpPr>
+          <p:cNvPr id="4" name="Slide Number Placeholder 3"/>
+          <p:cNvSpPr>
+            <a:spLocks noGrp="1"/>
+          </p:cNvSpPr>
+          <p:nvPr>
+            <p:ph type="sldNum" sz="quarter" idx="10"/>
+          </p:nvPr>
+        </p:nvSpPr>
+        <p:spPr/>
+        <p:txBody>
+          <a:bodyPr/>
+          <a:lstStyle/>
+          <a:p>
+            <a:fld id="{9295E5E2-942B-4086-8EFE-9DF4A2A8CF3E}" type="slidenum">
+              <a:rPr lang="en-US" smtClean="0"/>
+              <a:pPr/>
+              <a:t>54</a:t>
+            </a:fld>
+            <a:endParaRPr lang="en-US" dirty="0"/>
+          </a:p>
+        </p:txBody>
+      </p:sp>
+    </p:spTree>
+  </p:cSld>
+  <p:clrMapOvr>
+    <a:masterClrMapping/>
+  </p:clrMapOvr>
+</p:notes>
+</file>
+
+<file path=ppt/notesSlides/notesSlide27.xml><?xml version="1.0" encoding="utf-8"?>
+<p:notes xmlns:a="http://schemas.openxmlformats.org/drawingml/2006/main" xmlns:r="http://schemas.openxmlformats.org/officeDocument/2006/relationships" xmlns:p="http://schemas.openxmlformats.org/presentationml/2006/main">
+  <p:cSld>
+    <p:spTree>
+      <p:nvGrpSpPr>
+        <p:cNvPr id="1" name=""/>
+        <p:cNvGrpSpPr/>
+        <p:nvPr/>
+      </p:nvGrpSpPr>
+      <p:grpSpPr>
+        <a:xfrm>
+          <a:off x="0" y="0"/>
+          <a:ext cx="0" cy="0"/>
+          <a:chOff x="0" y="0"/>
+          <a:chExt cx="0" cy="0"/>
+        </a:xfrm>
+      </p:grpSpPr>
+      <p:sp>
+        <p:nvSpPr>
+          <p:cNvPr id="2" name="Slide Image Placeholder 1"/>
+          <p:cNvSpPr>
+            <a:spLocks noGrp="1" noRot="1" noChangeAspect="1"/>
+          </p:cNvSpPr>
+          <p:nvPr>
+            <p:ph type="sldImg"/>
+          </p:nvPr>
+        </p:nvSpPr>
+        <p:spPr/>
+      </p:sp>
+      <p:sp>
+        <p:nvSpPr>
+          <p:cNvPr id="3" name="Notes Placeholder 2"/>
+          <p:cNvSpPr>
+            <a:spLocks noGrp="1"/>
+          </p:cNvSpPr>
+          <p:nvPr>
+            <p:ph type="body" idx="1"/>
+          </p:nvPr>
+        </p:nvSpPr>
+        <p:spPr/>
+        <p:txBody>
+          <a:bodyPr>
+            <a:normAutofit/>
+          </a:bodyPr>
+          <a:lstStyle/>
+          <a:p>
+            <a:endParaRPr lang="en-US" dirty="0"/>
           </a:p>
         </p:txBody>
       </p:sp>
@@ -2210,9 +2818,9 @@
               <a:pPr>
                 <a:defRPr/>
               </a:pPr>
-              <a:t>49</a:t>
+              <a:t>55</a:t>
             </a:fld>
-            <a:endParaRPr lang="en-US"/>
+            <a:endParaRPr lang="en-US" dirty="0"/>
           </a:p>
         </p:txBody>
       </p:sp>
@@ -2243,58 +2851,99 @@
       </p:grpSpPr>
       <p:sp>
         <p:nvSpPr>
-          <p:cNvPr id="2" name="Slide Image Placeholder 1"/>
-          <p:cNvSpPr>
-            <a:spLocks noGrp="1" noRot="1" noChangeAspect="1"/>
+          <p:cNvPr id="66561" name="Rectangle 2"/>
+          <p:cNvSpPr>
+            <a:spLocks noGrp="1" noRot="1" noChangeAspect="1" noChangeArrowheads="1" noTextEdit="1"/>
           </p:cNvSpPr>
           <p:nvPr>
             <p:ph type="sldImg"/>
           </p:nvPr>
         </p:nvSpPr>
-        <p:spPr/>
-      </p:sp>
-      <p:sp>
-        <p:nvSpPr>
-          <p:cNvPr id="3" name="Notes Placeholder 2"/>
-          <p:cNvSpPr>
-            <a:spLocks noGrp="1"/>
+        <p:spPr>
+          <a:xfrm>
+            <a:off x="1182688" y="696913"/>
+            <a:ext cx="4649787" cy="3486150"/>
+          </a:xfrm>
+          <a:ln/>
+        </p:spPr>
+      </p:sp>
+      <p:sp>
+        <p:nvSpPr>
+          <p:cNvPr id="66562" name="Rectangle 3"/>
+          <p:cNvSpPr>
+            <a:spLocks noGrp="1" noChangeArrowheads="1"/>
           </p:cNvSpPr>
           <p:nvPr>
             <p:ph type="body" idx="1"/>
           </p:nvPr>
         </p:nvSpPr>
-        <p:spPr/>
-        <p:txBody>
-          <a:bodyPr>
-            <a:normAutofit/>
-          </a:bodyPr>
-          <a:lstStyle/>
-          <a:p>
-            <a:endParaRPr lang="en-US" dirty="0"/>
-          </a:p>
-        </p:txBody>
-      </p:sp>
-      <p:sp>
-        <p:nvSpPr>
-          <p:cNvPr id="4" name="Slide Number Placeholder 3"/>
-          <p:cNvSpPr>
-            <a:spLocks noGrp="1"/>
-          </p:cNvSpPr>
-          <p:nvPr>
-            <p:ph type="sldNum" sz="quarter" idx="10"/>
-          </p:nvPr>
-        </p:nvSpPr>
-        <p:spPr/>
+        <p:spPr>
+          <a:xfrm>
+            <a:off x="699597" y="4414511"/>
+            <a:ext cx="5611208" cy="4185621"/>
+          </a:xfrm>
+          <a:noFill/>
+          <a:ln/>
+        </p:spPr>
         <p:txBody>
           <a:bodyPr/>
           <a:lstStyle/>
           <a:p>
-            <a:fld id="{5A66AFF2-6912-47BF-8417-4BCCFAB39D19}" type="slidenum">
-              <a:rPr lang="en-US" smtClean="0"/>
-              <a:pPr/>
-              <a:t>21</a:t>
-            </a:fld>
-            <a:endParaRPr lang="en-US" dirty="0"/>
+            <a:r>
+              <a:rPr lang="en-US" altLang="ko-KR" dirty="0" smtClean="0">
+                <a:ea typeface="굴림" pitchFamily="50" charset="-127"/>
+              </a:rPr>
+              <a:t>CTM – Cross Trigger matrix</a:t>
+            </a:r>
+          </a:p>
+          <a:p>
+            <a:r>
+              <a:rPr lang="en-US" altLang="ko-KR" dirty="0" smtClean="0">
+                <a:ea typeface="굴림" pitchFamily="50" charset="-127"/>
+              </a:rPr>
+              <a:t>STM – System Trace Microcell</a:t>
+            </a:r>
+          </a:p>
+          <a:p>
+            <a:r>
+              <a:rPr lang="en-US" altLang="ko-KR" dirty="0" smtClean="0">
+                <a:ea typeface="굴림" pitchFamily="50" charset="-127"/>
+              </a:rPr>
+              <a:t>ACP – Accelerated coherency port</a:t>
+            </a:r>
+          </a:p>
+          <a:p>
+            <a:r>
+              <a:rPr lang="en-US" altLang="ko-KR" dirty="0" smtClean="0">
+                <a:ea typeface="굴림" pitchFamily="50" charset="-127"/>
+              </a:rPr>
+              <a:t>Next – Asynchronous</a:t>
+            </a:r>
+            <a:r>
+              <a:rPr lang="en-US" altLang="ko-KR" baseline="0" dirty="0" smtClean="0">
+                <a:ea typeface="굴림" pitchFamily="50" charset="-127"/>
+              </a:rPr>
+              <a:t> interface to MSMC</a:t>
+            </a:r>
+          </a:p>
+          <a:p>
+            <a:r>
+              <a:rPr lang="en-US" altLang="ko-KR" baseline="0" dirty="0" smtClean="0">
+                <a:ea typeface="굴림" pitchFamily="50" charset="-127"/>
+              </a:rPr>
+              <a:t>AXI – is really via the MSMC</a:t>
+            </a:r>
+          </a:p>
+          <a:p>
+            <a:r>
+              <a:rPr lang="en-US" altLang="ko-KR" baseline="0" dirty="0" smtClean="0">
+                <a:ea typeface="굴림" pitchFamily="50" charset="-127"/>
+              </a:rPr>
+              <a:t>This is a functional diagram. Physically, all ports go through the MSMC port (except the interrupt?)</a:t>
+            </a:r>
+            <a:endParaRPr lang="ko-KR" altLang="en-US" dirty="0" smtClean="0">
+              <a:ea typeface="굴림" pitchFamily="50" charset="-127"/>
+            </a:endParaRPr>
           </a:p>
         </p:txBody>
       </p:sp>
@@ -2354,11 +3003,25 @@
           <a:p>
             <a:r>
               <a:rPr lang="en-US" dirty="0" smtClean="0"/>
-              <a:t>One</a:t>
-            </a:r>
-            <a:r>
-              <a:rPr lang="en-US" baseline="0" dirty="0" smtClean="0"/>
-              <a:t> still needs to do ensure consistency, with load and store exclusive instructions and data barriers (DMB); SIMPLIFY?</a:t>
+              <a:t>8 issues:</a:t>
+            </a:r>
+          </a:p>
+          <a:p>
+            <a:r>
+              <a:rPr lang="en-US" dirty="0" smtClean="0"/>
+              <a:t>2 for Neon- VFP</a:t>
+            </a:r>
+          </a:p>
+          <a:p>
+            <a:r>
+              <a:rPr lang="en-US" dirty="0" smtClean="0"/>
+              <a:t>2 for load and store</a:t>
+            </a:r>
+          </a:p>
+          <a:p>
+            <a:r>
+              <a:rPr lang="en-US" dirty="0" smtClean="0"/>
+              <a:t>4 for the other (ALU, Shift, multiply)</a:t>
             </a:r>
             <a:endParaRPr lang="en-US" dirty="0"/>
           </a:p>
@@ -2379,10 +3042,15 @@
           <a:bodyPr/>
           <a:lstStyle/>
           <a:p>
-            <a:fld id="{9295E5E2-942B-4086-8EFE-9DF4A2A8CF3E}" type="slidenum">
+            <a:pPr>
+              <a:defRPr/>
+            </a:pPr>
+            <a:fld id="{9AF68C97-DBEA-40B2-91B6-F690EAC6BBD6}" type="slidenum">
               <a:rPr lang="en-US" smtClean="0"/>
-              <a:pPr/>
-              <a:t>25</a:t>
+              <a:pPr>
+                <a:defRPr/>
+              </a:pPr>
+              <a:t>8</a:t>
             </a:fld>
             <a:endParaRPr lang="en-US" dirty="0"/>
           </a:p>
@@ -2444,7 +3112,26 @@
           <a:p>
             <a:r>
               <a:rPr lang="en-US" dirty="0" smtClean="0"/>
-              <a:t>Include memory portion of KII diagram</a:t>
+              <a:t>The translation between virtual address to physical address is done via two or three steps </a:t>
+            </a:r>
+            <a:endParaRPr lang="en-US" dirty="0" smtClean="0"/>
+          </a:p>
+          <a:p>
+            <a:r>
+              <a:rPr lang="en-US" dirty="0" smtClean="0"/>
+              <a:t>32 L1 Instructions</a:t>
+            </a:r>
+          </a:p>
+          <a:p>
+            <a:r>
+              <a:rPr lang="en-US" dirty="0" smtClean="0"/>
+              <a:t>2 by 32 data L1</a:t>
+            </a:r>
+          </a:p>
+          <a:p>
+            <a:r>
+              <a:rPr lang="en-US" dirty="0" smtClean="0"/>
+              <a:t>4 ways 512-entry L2 TLB  (for each processor)</a:t>
             </a:r>
             <a:endParaRPr lang="en-US" dirty="0"/>
           </a:p>
@@ -2473,7 +3160,7 @@
               <a:pPr>
                 <a:defRPr/>
               </a:pPr>
-              <a:t>26</a:t>
+              <a:t>17</a:t>
             </a:fld>
             <a:endParaRPr lang="en-US" dirty="0"/>
           </a:p>
@@ -2552,15 +3239,10 @@
           <a:bodyPr/>
           <a:lstStyle/>
           <a:p>
-            <a:pPr>
-              <a:defRPr/>
-            </a:pPr>
-            <a:fld id="{9AF68C97-DBEA-40B2-91B6-F690EAC6BBD6}" type="slidenum">
+            <a:fld id="{5A66AFF2-6912-47BF-8417-4BCCFAB39D19}" type="slidenum">
               <a:rPr lang="en-US" smtClean="0"/>
-              <a:pPr>
-                <a:defRPr/>
-              </a:pPr>
-              <a:t>27</a:t>
+              <a:pPr/>
+              <a:t>24</a:t>
             </a:fld>
             <a:endParaRPr lang="en-US" dirty="0"/>
           </a:p>
@@ -2620,6 +3302,23 @@
           </a:bodyPr>
           <a:lstStyle/>
           <a:p>
+            <a:r>
+              <a:rPr lang="en-US" dirty="0" smtClean="0"/>
+              <a:t>One</a:t>
+            </a:r>
+            <a:r>
+              <a:rPr lang="en-US" baseline="0" dirty="0" smtClean="0"/>
+              <a:t> still needs to do ensure consistency, with load and store exclusive instructions and data barriers (DMB); SIMPLIFY?</a:t>
+            </a:r>
+          </a:p>
+          <a:p>
+            <a:endParaRPr lang="en-US" baseline="0" dirty="0" smtClean="0"/>
+          </a:p>
+          <a:p>
+            <a:r>
+              <a:rPr lang="en-US" baseline="0" dirty="0" smtClean="0"/>
+              <a:t>I think that the reason why there are two snoops is because there are two ways to get into the MSMC and from the MSMC to the memories, but the DSP to MSMC - </a:t>
+            </a:r>
             <a:endParaRPr lang="en-US" dirty="0"/>
           </a:p>
         </p:txBody>
@@ -2639,14 +3338,9 @@
           <a:bodyPr/>
           <a:lstStyle/>
           <a:p>
-            <a:pPr>
-              <a:defRPr/>
-            </a:pPr>
-            <a:fld id="{9AF68C97-DBEA-40B2-91B6-F690EAC6BBD6}" type="slidenum">
+            <a:fld id="{9295E5E2-942B-4086-8EFE-9DF4A2A8CF3E}" type="slidenum">
               <a:rPr lang="en-US" smtClean="0"/>
-              <a:pPr>
-                <a:defRPr/>
-              </a:pPr>
+              <a:pPr/>
               <a:t>28</a:t>
             </a:fld>
             <a:endParaRPr lang="en-US" dirty="0"/>
@@ -2709,17 +3403,7 @@
           <a:p>
             <a:r>
               <a:rPr lang="en-US" dirty="0" smtClean="0"/>
-              <a:t>Dhrystone score of 3.5DMIPS/MHz requires right</a:t>
-            </a:r>
-            <a:r>
-              <a:rPr lang="en-US" baseline="0" dirty="0" smtClean="0"/>
-              <a:t> version of compiler (ARM RVCT or GCC 4.8.0) that uses NEON SIMD instructions for loads and stores, measures core and L1D only. Benchmark confirms the 3-issue performance.</a:t>
-            </a:r>
-          </a:p>
-          <a:p>
-            <a:r>
-              <a:rPr lang="en-US" baseline="0" dirty="0" smtClean="0"/>
-              <a:t>Floating point is 4 operations per cycle. An operation is add, multiply, multiply and accumulate, etc. In a typical application loads and stores will reduce the sustained operations to 50% or less.</a:t>
+              <a:t>Include memory portion of KII diagram</a:t>
             </a:r>
             <a:endParaRPr lang="en-US" dirty="0"/>
           </a:p>
@@ -2748,7 +3432,7 @@
               <a:pPr>
                 <a:defRPr/>
               </a:pPr>
-              <a:t>30</a:t>
+              <a:t>29</a:t>
             </a:fld>
             <a:endParaRPr lang="en-US" dirty="0"/>
           </a:p>
@@ -2808,34 +3492,6 @@
           </a:bodyPr>
           <a:lstStyle/>
           <a:p>
-            <a:r>
-              <a:rPr lang="en-US" dirty="0" smtClean="0"/>
-              <a:t>Stream is defined to use data arrays sized larger than </a:t>
-            </a:r>
-            <a:r>
-              <a:rPr lang="en-US" dirty="0" err="1" smtClean="0"/>
-              <a:t>SoC</a:t>
-            </a:r>
-            <a:r>
-              <a:rPr lang="en-US" dirty="0" smtClean="0"/>
-              <a:t> caches so the benefit of large L2 is ignored. Stream</a:t>
-            </a:r>
-            <a:r>
-              <a:rPr lang="en-US" baseline="0" dirty="0" smtClean="0"/>
-              <a:t> exercises the number of outstanding loads and stores, and the write through (or streaming) mode of the L2 cache.</a:t>
-            </a:r>
-          </a:p>
-          <a:p>
-            <a:r>
-              <a:rPr lang="en-US" baseline="0" dirty="0" smtClean="0"/>
-              <a:t>The formula to calculate external memory bandwidth accounts for read and write in copy and scale, and two reads and write in add and triad. The extra read that a write-allocate cache needs is not included in the formula, and turning of the streaming/write-through will significantly drop the results. But code like this is why the streaming mode is there.</a:t>
-            </a:r>
-          </a:p>
-          <a:p>
-            <a:r>
-              <a:rPr lang="en-US" baseline="0" dirty="0" smtClean="0"/>
-              <a:t>Memory location of arrays is critical, maximum number of open DDR pages (sized 8kB) per DDR rank required. Linux page tables with 4kB pages with normal setup results in linear virtual memory being pseudorandom in physical space is close to optimal for stream.</a:t>
-            </a:r>
             <a:endParaRPr lang="en-US" dirty="0"/>
           </a:p>
         </p:txBody>
@@ -2855,10 +3511,15 @@
           <a:bodyPr/>
           <a:lstStyle/>
           <a:p>
-            <a:fld id="{9295E5E2-942B-4086-8EFE-9DF4A2A8CF3E}" type="slidenum">
+            <a:pPr>
+              <a:defRPr/>
+            </a:pPr>
+            <a:fld id="{9AF68C97-DBEA-40B2-91B6-F690EAC6BBD6}" type="slidenum">
               <a:rPr lang="en-US" smtClean="0"/>
-              <a:pPr/>
-              <a:t>31</a:t>
+              <a:pPr>
+                <a:defRPr/>
+              </a:pPr>
+              <a:t>30</a:t>
             </a:fld>
             <a:endParaRPr lang="en-US" dirty="0"/>
           </a:p>
@@ -3136,7 +3797,7 @@
             <a:fld id="{1B8179A2-2F23-44AB-AC94-6CE8F5D0AE56}" type="datetimeFigureOut">
               <a:rPr lang="en-US" smtClean="0"/>
               <a:pPr/>
-              <a:t>1/2/2013</a:t>
+              <a:t>1/28/2013</a:t>
             </a:fld>
             <a:endParaRPr lang="en-US" dirty="0"/>
           </a:p>
@@ -4249,6 +4910,13 @@
   <p:transition spd="med">
     <p:fade/>
   </p:transition>
+  <p:timing>
+    <p:tnLst>
+      <p:par>
+        <p:cTn id="1" dur="indefinite" restart="never" nodeType="tmRoot"/>
+      </p:par>
+    </p:tnLst>
+  </p:timing>
 </p:sld>
 </file>
 
@@ -4279,129 +4947,98 @@
             <p:ph type="title"/>
           </p:nvPr>
         </p:nvSpPr>
-        <p:spPr/>
-        <p:txBody>
-          <a:bodyPr>
-            <a:normAutofit/>
-          </a:bodyPr>
-          <a:lstStyle/>
-          <a:p>
-            <a:r>
-              <a:rPr lang="en-US" sz="4000" dirty="0" smtClean="0"/>
-              <a:t>ARM Cortex A-15 Features: NEON</a:t>
-            </a:r>
-          </a:p>
-        </p:txBody>
-      </p:sp>
-      <p:sp>
-        <p:nvSpPr>
-          <p:cNvPr id="3" name="Content Placeholder 2"/>
-          <p:cNvSpPr>
-            <a:spLocks noGrp="1"/>
-          </p:cNvSpPr>
-          <p:nvPr>
-            <p:ph idx="1"/>
-          </p:nvPr>
-        </p:nvSpPr>
         <p:spPr>
           <a:xfrm>
-            <a:off x="457200" y="883920"/>
-            <a:ext cx="8229600" cy="5585460"/>
+            <a:off x="135802" y="75472"/>
+            <a:ext cx="8799968" cy="1020762"/>
           </a:xfrm>
         </p:spPr>
         <p:txBody>
           <a:bodyPr>
-            <a:normAutofit fontScale="92500" lnSpcReduction="10000"/>
+            <a:noAutofit/>
           </a:bodyPr>
           <a:lstStyle/>
           <a:p>
             <a:r>
-              <a:rPr lang="en-US" dirty="0" smtClean="0"/>
-              <a:t>ARM </a:t>
-            </a:r>
-            <a:r>
-              <a:rPr lang="en-US" dirty="0" err="1" smtClean="0"/>
-              <a:t>CorePac</a:t>
-            </a:r>
-            <a:r>
-              <a:rPr lang="en-US" dirty="0" smtClean="0"/>
-              <a:t> in </a:t>
-            </a:r>
-            <a:r>
-              <a:rPr lang="en-US" dirty="0" err="1" smtClean="0"/>
-              <a:t>KeyStone</a:t>
-            </a:r>
-            <a:r>
-              <a:rPr lang="en-US" dirty="0" smtClean="0"/>
-              <a:t> II</a:t>
-            </a:r>
-          </a:p>
-          <a:p>
-            <a:r>
-              <a:rPr lang="en-US" b="1" dirty="0" smtClean="0"/>
-              <a:t>ARM Cortex A-15 Features</a:t>
+              <a:rPr lang="en-US" sz="4000" dirty="0" smtClean="0"/>
+              <a:t>Cortex A-15 Features – Fetch &amp; Memory</a:t>
+            </a:r>
+            <a:endParaRPr lang="en-US" sz="4000" dirty="0"/>
+          </a:p>
+        </p:txBody>
+      </p:sp>
+      <p:sp>
+        <p:nvSpPr>
+          <p:cNvPr id="3" name="Content Placeholder 2"/>
+          <p:cNvSpPr>
+            <a:spLocks noGrp="1"/>
+          </p:cNvSpPr>
+          <p:nvPr>
+            <p:ph idx="1"/>
+          </p:nvPr>
+        </p:nvSpPr>
+        <p:spPr>
+          <a:xfrm>
+            <a:off x="457200" y="1126395"/>
+            <a:ext cx="8229600" cy="2884283"/>
+          </a:xfrm>
+        </p:spPr>
+        <p:txBody>
+          <a:bodyPr>
+            <a:normAutofit fontScale="85000" lnSpcReduction="20000"/>
+          </a:bodyPr>
+          <a:lstStyle/>
+          <a:p>
+            <a:r>
+              <a:rPr lang="en-US" sz="2800" dirty="0" smtClean="0"/>
+              <a:t>Increase fetch from 64 to 128 bits</a:t>
+            </a:r>
+          </a:p>
+          <a:p>
+            <a:r>
+              <a:rPr lang="en-US" sz="2800" dirty="0" smtClean="0"/>
+              <a:t>Full support for unaligned fetch address</a:t>
+            </a:r>
+          </a:p>
+          <a:p>
+            <a:r>
+              <a:rPr lang="en-US" sz="2800" dirty="0" smtClean="0"/>
+              <a:t>L1D and L1P</a:t>
             </a:r>
           </a:p>
           <a:p>
             <a:pPr lvl="1"/>
             <a:r>
-              <a:rPr lang="en-US" dirty="0" smtClean="0"/>
-              <a:t>ARM Core</a:t>
+              <a:rPr lang="en-US" sz="2400" dirty="0" smtClean="0"/>
+              <a:t>32KB size</a:t>
             </a:r>
           </a:p>
           <a:p>
             <a:pPr lvl="1"/>
             <a:r>
-              <a:rPr lang="en-US" b="1" dirty="0" smtClean="0"/>
-              <a:t>NEON</a:t>
+              <a:rPr lang="en-US" sz="2400" dirty="0" smtClean="0"/>
+              <a:t>Configured as cache</a:t>
+            </a:r>
+          </a:p>
+          <a:p>
+            <a:r>
+              <a:rPr lang="en-US" sz="2800" dirty="0" smtClean="0"/>
+              <a:t>L2 is unified memory that serves ALL cores in the cluster:</a:t>
             </a:r>
           </a:p>
           <a:p>
             <a:pPr lvl="1"/>
             <a:r>
-              <a:rPr lang="en-US" dirty="0" smtClean="0"/>
-              <a:t>VFP</a:t>
+              <a:rPr lang="en-US" sz="2400" dirty="0" smtClean="0"/>
+              <a:t>4MB size</a:t>
             </a:r>
           </a:p>
           <a:p>
             <a:pPr lvl="1"/>
             <a:r>
-              <a:rPr lang="en-US" dirty="0" smtClean="0"/>
-              <a:t>MMU</a:t>
-            </a:r>
-          </a:p>
-          <a:p>
-            <a:r>
-              <a:rPr lang="en-US" dirty="0" smtClean="0"/>
-              <a:t>Interface to the SOC and Coherency Issues</a:t>
-            </a:r>
-          </a:p>
-          <a:p>
-            <a:r>
-              <a:rPr lang="en-US" dirty="0" smtClean="0"/>
-              <a:t>Benchmarks</a:t>
-            </a:r>
-          </a:p>
-          <a:p>
-            <a:r>
-              <a:rPr lang="en-US" dirty="0" smtClean="0"/>
-              <a:t>Interrupt Controller</a:t>
-            </a:r>
-          </a:p>
-          <a:p>
-            <a:r>
-              <a:rPr lang="en-US" dirty="0" smtClean="0"/>
-              <a:t>Power Management</a:t>
-            </a:r>
-          </a:p>
-          <a:p>
-            <a:r>
-              <a:rPr lang="en-US" dirty="0" smtClean="0"/>
-              <a:t>Debug and Trace</a:t>
-            </a:r>
-          </a:p>
-          <a:p>
-            <a:endParaRPr lang="en-US" dirty="0"/>
+              <a:rPr lang="en-US" sz="2400" dirty="0" smtClean="0"/>
+              <a:t>Configured as cache</a:t>
+            </a:r>
           </a:p>
         </p:txBody>
       </p:sp>
@@ -4440,42 +5077,7 @@
             <p:ph type="title"/>
           </p:nvPr>
         </p:nvSpPr>
-        <p:spPr>
-          <a:xfrm>
-            <a:off x="457200" y="-6005"/>
-            <a:ext cx="8229600" cy="1020762"/>
-          </a:xfrm>
-        </p:spPr>
-        <p:txBody>
-          <a:bodyPr>
-            <a:noAutofit/>
-          </a:bodyPr>
-          <a:lstStyle/>
-          <a:p>
-            <a:r>
-              <a:rPr lang="en-US" sz="4000" dirty="0" smtClean="0"/>
-              <a:t>SIMD Engine NEON</a:t>
-            </a:r>
-            <a:endParaRPr lang="en-US" sz="4000" dirty="0"/>
-          </a:p>
-        </p:txBody>
-      </p:sp>
-      <p:sp>
-        <p:nvSpPr>
-          <p:cNvPr id="3" name="Content Placeholder 2"/>
-          <p:cNvSpPr>
-            <a:spLocks noGrp="1"/>
-          </p:cNvSpPr>
-          <p:nvPr>
-            <p:ph idx="1"/>
-          </p:nvPr>
-        </p:nvSpPr>
-        <p:spPr>
-          <a:xfrm>
-            <a:off x="344032" y="990600"/>
-            <a:ext cx="8464990" cy="5334000"/>
-          </a:xfrm>
-        </p:spPr>
+        <p:spPr/>
         <p:txBody>
           <a:bodyPr>
             <a:normAutofit/>
@@ -4483,55 +5085,105 @@
           <a:lstStyle/>
           <a:p>
             <a:r>
-              <a:rPr lang="en-US" sz="2800" dirty="0" smtClean="0"/>
-              <a:t>64/128-bit data instructions</a:t>
-            </a:r>
-          </a:p>
-          <a:p>
-            <a:r>
-              <a:rPr lang="en-US" sz="2800" dirty="0" smtClean="0"/>
-              <a:t>Fully integrated into the main pipeline</a:t>
-            </a:r>
-          </a:p>
-          <a:p>
-            <a:r>
-              <a:rPr lang="en-US" sz="2800" dirty="0" smtClean="0"/>
-              <a:t>32x 64-bit registers that can be arranged as 128-bit registers</a:t>
-            </a:r>
-          </a:p>
-          <a:p>
-            <a:r>
-              <a:rPr lang="en-US" sz="2800" dirty="0" smtClean="0"/>
-              <a:t>Data can be interpreted as follows:</a:t>
+              <a:rPr lang="en-US" sz="4000" dirty="0" smtClean="0"/>
+              <a:t>ARM Cortex A-15 Features: NEON</a:t>
+            </a:r>
+          </a:p>
+        </p:txBody>
+      </p:sp>
+      <p:sp>
+        <p:nvSpPr>
+          <p:cNvPr id="3" name="Content Placeholder 2"/>
+          <p:cNvSpPr>
+            <a:spLocks noGrp="1"/>
+          </p:cNvSpPr>
+          <p:nvPr>
+            <p:ph idx="1"/>
+          </p:nvPr>
+        </p:nvSpPr>
+        <p:spPr>
+          <a:xfrm>
+            <a:off x="457200" y="883920"/>
+            <a:ext cx="8229600" cy="5585460"/>
+          </a:xfrm>
+        </p:spPr>
+        <p:txBody>
+          <a:bodyPr>
+            <a:normAutofit fontScale="92500" lnSpcReduction="10000"/>
+          </a:bodyPr>
+          <a:lstStyle/>
+          <a:p>
+            <a:r>
+              <a:rPr lang="en-US" dirty="0" smtClean="0"/>
+              <a:t>ARM CorePac in KeyStone II</a:t>
+            </a:r>
+          </a:p>
+          <a:p>
+            <a:r>
+              <a:rPr lang="en-US" b="1" dirty="0" smtClean="0"/>
+              <a:t>ARM Cortex A-15 Features</a:t>
             </a:r>
           </a:p>
           <a:p>
             <a:pPr lvl="1"/>
             <a:r>
-              <a:rPr lang="en-US" sz="2400" dirty="0" smtClean="0"/>
-              <a:t>Byte</a:t>
+              <a:rPr lang="en-US" dirty="0" smtClean="0"/>
+              <a:t>ARM Core</a:t>
             </a:r>
           </a:p>
           <a:p>
             <a:pPr lvl="1"/>
             <a:r>
-              <a:rPr lang="en-US" sz="2400" dirty="0" smtClean="0"/>
-              <a:t>Half-word (16-bit)</a:t>
+              <a:rPr lang="en-US" b="1" dirty="0" smtClean="0"/>
+              <a:t>NEON</a:t>
             </a:r>
           </a:p>
           <a:p>
             <a:pPr lvl="1"/>
             <a:r>
-              <a:rPr lang="en-US" sz="2400" dirty="0" smtClean="0"/>
-              <a:t>Word</a:t>
+              <a:rPr lang="en-US" dirty="0" smtClean="0"/>
+              <a:t>VFP</a:t>
             </a:r>
           </a:p>
           <a:p>
             <a:pPr lvl="1"/>
             <a:r>
-              <a:rPr lang="en-US" sz="2400" dirty="0" smtClean="0"/>
-              <a:t>Long </a:t>
-            </a:r>
+              <a:rPr lang="en-US" dirty="0" smtClean="0"/>
+              <a:t>MMU</a:t>
+            </a:r>
+          </a:p>
+          <a:p>
+            <a:r>
+              <a:rPr lang="en-US" dirty="0" smtClean="0"/>
+              <a:t>Interface to the SOC and Coherency Issues</a:t>
+            </a:r>
+          </a:p>
+          <a:p>
+            <a:r>
+              <a:rPr lang="en-US" dirty="0" smtClean="0"/>
+              <a:t>Benchmarks</a:t>
+            </a:r>
+          </a:p>
+          <a:p>
+            <a:r>
+              <a:rPr lang="en-US" dirty="0" smtClean="0"/>
+              <a:t>Interrupt Controller</a:t>
+            </a:r>
+          </a:p>
+          <a:p>
+            <a:r>
+              <a:rPr lang="en-US" dirty="0" smtClean="0"/>
+              <a:t>Power Management</a:t>
+            </a:r>
+          </a:p>
+          <a:p>
+            <a:r>
+              <a:rPr lang="en-US" dirty="0" smtClean="0"/>
+              <a:t>Debug and Trace</a:t>
+            </a:r>
+          </a:p>
+          <a:p>
+            <a:endParaRPr lang="en-US" dirty="0"/>
           </a:p>
         </p:txBody>
       </p:sp>
@@ -4544,6 +5196,136 @@
 </file>
 
 <file path=ppt/slides/slide12.xml><?xml version="1.0" encoding="utf-8"?>
+<p:sld xmlns:a="http://schemas.openxmlformats.org/drawingml/2006/main" xmlns:r="http://schemas.openxmlformats.org/officeDocument/2006/relationships" xmlns:p="http://schemas.openxmlformats.org/presentationml/2006/main">
+  <p:cSld>
+    <p:spTree>
+      <p:nvGrpSpPr>
+        <p:cNvPr id="1" name=""/>
+        <p:cNvGrpSpPr/>
+        <p:nvPr/>
+      </p:nvGrpSpPr>
+      <p:grpSpPr>
+        <a:xfrm>
+          <a:off x="0" y="0"/>
+          <a:ext cx="0" cy="0"/>
+          <a:chOff x="0" y="0"/>
+          <a:chExt cx="0" cy="0"/>
+        </a:xfrm>
+      </p:grpSpPr>
+      <p:sp>
+        <p:nvSpPr>
+          <p:cNvPr id="2" name="Title 1"/>
+          <p:cNvSpPr>
+            <a:spLocks noGrp="1"/>
+          </p:cNvSpPr>
+          <p:nvPr>
+            <p:ph type="title"/>
+          </p:nvPr>
+        </p:nvSpPr>
+        <p:spPr>
+          <a:xfrm>
+            <a:off x="457200" y="-6005"/>
+            <a:ext cx="8229600" cy="1020762"/>
+          </a:xfrm>
+        </p:spPr>
+        <p:txBody>
+          <a:bodyPr>
+            <a:noAutofit/>
+          </a:bodyPr>
+          <a:lstStyle/>
+          <a:p>
+            <a:r>
+              <a:rPr lang="en-US" sz="4000" dirty="0" smtClean="0"/>
+              <a:t>SIMD Engine NEON</a:t>
+            </a:r>
+            <a:endParaRPr lang="en-US" sz="4000" dirty="0"/>
+          </a:p>
+        </p:txBody>
+      </p:sp>
+      <p:sp>
+        <p:nvSpPr>
+          <p:cNvPr id="3" name="Content Placeholder 2"/>
+          <p:cNvSpPr>
+            <a:spLocks noGrp="1"/>
+          </p:cNvSpPr>
+          <p:nvPr>
+            <p:ph idx="1"/>
+          </p:nvPr>
+        </p:nvSpPr>
+        <p:spPr>
+          <a:xfrm>
+            <a:off x="344032" y="990600"/>
+            <a:ext cx="8464990" cy="5334000"/>
+          </a:xfrm>
+        </p:spPr>
+        <p:txBody>
+          <a:bodyPr>
+            <a:normAutofit/>
+          </a:bodyPr>
+          <a:lstStyle/>
+          <a:p>
+            <a:r>
+              <a:rPr lang="en-US" sz="2800" dirty="0" smtClean="0"/>
+              <a:t>64/128-bit data instructions</a:t>
+            </a:r>
+          </a:p>
+          <a:p>
+            <a:r>
+              <a:rPr lang="en-US" sz="2800" dirty="0" smtClean="0"/>
+              <a:t>Fully integrated into the main pipeline</a:t>
+            </a:r>
+          </a:p>
+          <a:p>
+            <a:r>
+              <a:rPr lang="en-US" sz="2800" dirty="0" smtClean="0"/>
+              <a:t>32x 64-bit registers that can be arranged as 128-bit registers</a:t>
+            </a:r>
+          </a:p>
+          <a:p>
+            <a:r>
+              <a:rPr lang="en-US" sz="2800" dirty="0" smtClean="0"/>
+              <a:t>Data can be interpreted as follows:</a:t>
+            </a:r>
+          </a:p>
+          <a:p>
+            <a:pPr lvl="1"/>
+            <a:r>
+              <a:rPr lang="en-US" sz="2400" dirty="0" smtClean="0"/>
+              <a:t>Byte</a:t>
+            </a:r>
+          </a:p>
+          <a:p>
+            <a:pPr lvl="1"/>
+            <a:r>
+              <a:rPr lang="en-US" sz="2400" dirty="0" smtClean="0"/>
+              <a:t>Half-word (16-bit)</a:t>
+            </a:r>
+          </a:p>
+          <a:p>
+            <a:pPr lvl="1"/>
+            <a:r>
+              <a:rPr lang="en-US" sz="2400" dirty="0" smtClean="0"/>
+              <a:t>Word</a:t>
+            </a:r>
+          </a:p>
+          <a:p>
+            <a:pPr lvl="1"/>
+            <a:r>
+              <a:rPr lang="en-US" sz="2400" dirty="0" smtClean="0"/>
+              <a:t>Long </a:t>
+            </a:r>
+          </a:p>
+        </p:txBody>
+      </p:sp>
+    </p:spTree>
+  </p:cSld>
+  <p:clrMapOvr>
+    <a:masterClrMapping/>
+  </p:clrMapOvr>
+</p:sld>
+</file>
+
+<file path=ppt/slides/slide13.xml><?xml version="1.0" encoding="utf-8"?>
 <p:sld xmlns:a="http://schemas.openxmlformats.org/drawingml/2006/main" xmlns:r="http://schemas.openxmlformats.org/officeDocument/2006/relationships" xmlns:p="http://schemas.openxmlformats.org/presentationml/2006/main">
   <p:cSld>
     <p:spTree>
@@ -4665,167 +5447,6 @@
 </p:sld>
 </file>
 
-<file path=ppt/slides/slide13.xml><?xml version="1.0" encoding="utf-8"?>
-<p:sld xmlns:a="http://schemas.openxmlformats.org/drawingml/2006/main" xmlns:r="http://schemas.openxmlformats.org/officeDocument/2006/relationships" xmlns:p="http://schemas.openxmlformats.org/presentationml/2006/main">
-  <p:cSld>
-    <p:spTree>
-      <p:nvGrpSpPr>
-        <p:cNvPr id="1" name=""/>
-        <p:cNvGrpSpPr/>
-        <p:nvPr/>
-      </p:nvGrpSpPr>
-      <p:grpSpPr>
-        <a:xfrm>
-          <a:off x="0" y="0"/>
-          <a:ext cx="0" cy="0"/>
-          <a:chOff x="0" y="0"/>
-          <a:chExt cx="0" cy="0"/>
-        </a:xfrm>
-      </p:grpSpPr>
-      <p:sp>
-        <p:nvSpPr>
-          <p:cNvPr id="2" name="Title 1"/>
-          <p:cNvSpPr>
-            <a:spLocks noGrp="1"/>
-          </p:cNvSpPr>
-          <p:nvPr>
-            <p:ph type="title"/>
-          </p:nvPr>
-        </p:nvSpPr>
-        <p:spPr/>
-        <p:txBody>
-          <a:bodyPr>
-            <a:normAutofit/>
-          </a:bodyPr>
-          <a:lstStyle/>
-          <a:p>
-            <a:r>
-              <a:rPr lang="en-US" sz="4000" dirty="0" smtClean="0"/>
-              <a:t>ARM Cortex A-15 Features: VFP</a:t>
-            </a:r>
-          </a:p>
-        </p:txBody>
-      </p:sp>
-      <p:sp>
-        <p:nvSpPr>
-          <p:cNvPr id="3" name="Content Placeholder 2"/>
-          <p:cNvSpPr>
-            <a:spLocks noGrp="1"/>
-          </p:cNvSpPr>
-          <p:nvPr>
-            <p:ph idx="1"/>
-          </p:nvPr>
-        </p:nvSpPr>
-        <p:spPr>
-          <a:xfrm>
-            <a:off x="457200" y="883920"/>
-            <a:ext cx="8229600" cy="5585460"/>
-          </a:xfrm>
-        </p:spPr>
-        <p:txBody>
-          <a:bodyPr>
-            <a:normAutofit fontScale="92500" lnSpcReduction="10000"/>
-          </a:bodyPr>
-          <a:lstStyle/>
-          <a:p>
-            <a:r>
-              <a:rPr lang="en-US" dirty="0" smtClean="0"/>
-              <a:t>ARM </a:t>
-            </a:r>
-            <a:r>
-              <a:rPr lang="en-US" dirty="0" err="1" smtClean="0"/>
-              <a:t>CorePac</a:t>
-            </a:r>
-            <a:r>
-              <a:rPr lang="en-US" dirty="0" smtClean="0"/>
-              <a:t> in </a:t>
-            </a:r>
-            <a:r>
-              <a:rPr lang="en-US" dirty="0" err="1" smtClean="0"/>
-              <a:t>KeyStone</a:t>
-            </a:r>
-            <a:r>
-              <a:rPr lang="en-US" dirty="0" smtClean="0"/>
-              <a:t> II</a:t>
-            </a:r>
-          </a:p>
-          <a:p>
-            <a:r>
-              <a:rPr lang="en-US" b="1" dirty="0" smtClean="0"/>
-              <a:t>ARM Cortex A-15 Features</a:t>
-            </a:r>
-          </a:p>
-          <a:p>
-            <a:pPr lvl="1"/>
-            <a:r>
-              <a:rPr lang="en-US" dirty="0" smtClean="0"/>
-              <a:t>ARM Core</a:t>
-            </a:r>
-          </a:p>
-          <a:p>
-            <a:pPr lvl="1"/>
-            <a:r>
-              <a:rPr lang="en-US" dirty="0" smtClean="0"/>
-              <a:t>NEON</a:t>
-            </a:r>
-          </a:p>
-          <a:p>
-            <a:pPr lvl="1"/>
-            <a:r>
-              <a:rPr lang="en-US" b="1" dirty="0" smtClean="0"/>
-              <a:t>VFP</a:t>
-            </a:r>
-          </a:p>
-          <a:p>
-            <a:pPr lvl="1"/>
-            <a:r>
-              <a:rPr lang="en-US" dirty="0" smtClean="0"/>
-              <a:t>MMU</a:t>
-            </a:r>
-          </a:p>
-          <a:p>
-            <a:r>
-              <a:rPr lang="en-US" dirty="0" smtClean="0"/>
-              <a:t>Interface to the SOC and Coherency Issues</a:t>
-            </a:r>
-          </a:p>
-          <a:p>
-            <a:r>
-              <a:rPr lang="en-US" dirty="0" smtClean="0"/>
-              <a:t>Benchmarks</a:t>
-            </a:r>
-          </a:p>
-          <a:p>
-            <a:r>
-              <a:rPr lang="en-US" dirty="0" smtClean="0"/>
-              <a:t>Interrupt Controller</a:t>
-            </a:r>
-          </a:p>
-          <a:p>
-            <a:r>
-              <a:rPr lang="en-US" dirty="0" smtClean="0"/>
-              <a:t>Power Management</a:t>
-            </a:r>
-          </a:p>
-          <a:p>
-            <a:r>
-              <a:rPr lang="en-US" dirty="0" smtClean="0"/>
-              <a:t>Debug and Trace</a:t>
-            </a:r>
-          </a:p>
-          <a:p>
-            <a:endParaRPr lang="en-US" dirty="0"/>
-          </a:p>
-        </p:txBody>
-      </p:sp>
-    </p:spTree>
-  </p:cSld>
-  <p:clrMapOvr>
-    <a:masterClrMapping/>
-  </p:clrMapOvr>
-</p:sld>
-</file>
-
 <file path=ppt/slides/slide14.xml><?xml version="1.0" encoding="utf-8"?>
 <p:sld xmlns:a="http://schemas.openxmlformats.org/drawingml/2006/main" xmlns:r="http://schemas.openxmlformats.org/officeDocument/2006/relationships" xmlns:p="http://schemas.openxmlformats.org/presentationml/2006/main">
   <p:cSld>
@@ -4853,12 +5474,7 @@
             <p:ph type="title"/>
           </p:nvPr>
         </p:nvSpPr>
-        <p:spPr>
-          <a:xfrm>
-            <a:off x="457200" y="274638"/>
-            <a:ext cx="8229600" cy="1020762"/>
-          </a:xfrm>
-        </p:spPr>
+        <p:spPr/>
         <p:txBody>
           <a:bodyPr>
             <a:normAutofit/>
@@ -4867,9 +5483,8 @@
           <a:p>
             <a:r>
               <a:rPr lang="en-US" sz="4000" dirty="0" smtClean="0"/>
-              <a:t>Vector Floating Point (VFP)</a:t>
-            </a:r>
-            <a:endParaRPr lang="en-US" sz="4000" dirty="0"/>
+              <a:t>ARM Cortex A-15 Features: VFP</a:t>
+            </a:r>
           </a:p>
         </p:txBody>
       </p:sp>
@@ -4885,53 +5500,87 @@
         </p:nvSpPr>
         <p:spPr>
           <a:xfrm>
-            <a:off x="457200" y="1600200"/>
-            <a:ext cx="8229600" cy="3962399"/>
+            <a:off x="457200" y="883920"/>
+            <a:ext cx="8229600" cy="5585460"/>
           </a:xfrm>
         </p:spPr>
         <p:txBody>
           <a:bodyPr>
-            <a:normAutofit lnSpcReduction="10000"/>
+            <a:normAutofit fontScale="92500" lnSpcReduction="10000"/>
           </a:bodyPr>
           <a:lstStyle/>
           <a:p>
             <a:r>
-              <a:rPr lang="en-US" sz="2800" dirty="0" smtClean="0"/>
-              <a:t>Fully integrated into the main pipeline</a:t>
-            </a:r>
-          </a:p>
-          <a:p>
-            <a:r>
-              <a:rPr lang="en-US" sz="2800" dirty="0" smtClean="0"/>
-              <a:t>32 DP registers for FP operations</a:t>
-            </a:r>
-          </a:p>
-          <a:p>
-            <a:r>
-              <a:rPr lang="en-US" sz="2800" dirty="0" smtClean="0"/>
-              <a:t>Native (Hardware) support for all IEEE-defined floating-point operations and rounding modes; single and double precision</a:t>
-            </a:r>
-          </a:p>
-          <a:p>
-            <a:r>
-              <a:rPr lang="en-US" sz="2800" dirty="0" smtClean="0"/>
-              <a:t>Supports fused MAC operation (e.g., rounding after the addition or after the multiplication)</a:t>
-            </a:r>
-          </a:p>
-          <a:p>
-            <a:r>
-              <a:rPr lang="en-US" sz="2800" dirty="0" smtClean="0"/>
-              <a:t>Supports half-precision (IEEE754-2008) (1 sign, 5 exponent, 10 mantissa)</a:t>
-            </a:r>
-          </a:p>
-          <a:p>
-            <a:endParaRPr lang="en-US" sz="2800" dirty="0" smtClean="0"/>
-          </a:p>
-          <a:p>
-            <a:endParaRPr lang="en-US" sz="2800" dirty="0" smtClean="0"/>
-          </a:p>
-          <a:p>
-            <a:endParaRPr lang="en-US" sz="2800" dirty="0" smtClean="0"/>
+              <a:rPr lang="en-US" dirty="0" smtClean="0"/>
+              <a:t>ARM CorePac in KeyStone II</a:t>
+            </a:r>
+          </a:p>
+          <a:p>
+            <a:r>
+              <a:rPr lang="en-US" b="1" dirty="0" smtClean="0"/>
+              <a:t>ARM Cortex A-15 Features</a:t>
+            </a:r>
+          </a:p>
+          <a:p>
+            <a:pPr lvl="1"/>
+            <a:r>
+              <a:rPr lang="en-US" dirty="0" smtClean="0"/>
+              <a:t>ARM Core</a:t>
+            </a:r>
+          </a:p>
+          <a:p>
+            <a:pPr lvl="1"/>
+            <a:r>
+              <a:rPr lang="en-US" dirty="0" smtClean="0"/>
+              <a:t>NEON</a:t>
+            </a:r>
+          </a:p>
+          <a:p>
+            <a:pPr lvl="1"/>
+            <a:r>
+              <a:rPr lang="en-US" b="1" dirty="0" smtClean="0"/>
+              <a:t>VFP</a:t>
+            </a:r>
+          </a:p>
+          <a:p>
+            <a:pPr lvl="1"/>
+            <a:r>
+              <a:rPr lang="en-US" dirty="0" smtClean="0"/>
+              <a:t>MMU</a:t>
+            </a:r>
+          </a:p>
+          <a:p>
+            <a:r>
+              <a:rPr lang="en-US" dirty="0" smtClean="0"/>
+              <a:t>Interface to the SOC and Coherency Issues</a:t>
+            </a:r>
+          </a:p>
+          <a:p>
+            <a:r>
+              <a:rPr lang="en-US" dirty="0" smtClean="0"/>
+              <a:t>Benchmarks</a:t>
+            </a:r>
+          </a:p>
+          <a:p>
+            <a:r>
+              <a:rPr lang="en-US" dirty="0" smtClean="0"/>
+              <a:t>Interrupt Controller</a:t>
+            </a:r>
+          </a:p>
+          <a:p>
+            <a:r>
+              <a:rPr lang="en-US" dirty="0" smtClean="0"/>
+              <a:t>Power Management</a:t>
+            </a:r>
+          </a:p>
+          <a:p>
+            <a:r>
+              <a:rPr lang="en-US" dirty="0" smtClean="0"/>
+              <a:t>Debug and Trace</a:t>
+            </a:r>
+          </a:p>
+          <a:p>
+            <a:endParaRPr lang="en-US" dirty="0"/>
           </a:p>
         </p:txBody>
       </p:sp>
@@ -4970,7 +5619,12 @@
             <p:ph type="title"/>
           </p:nvPr>
         </p:nvSpPr>
-        <p:spPr/>
+        <p:spPr>
+          <a:xfrm>
+            <a:off x="457200" y="274638"/>
+            <a:ext cx="8229600" cy="1020762"/>
+          </a:xfrm>
+        </p:spPr>
         <p:txBody>
           <a:bodyPr>
             <a:normAutofit/>
@@ -4979,8 +5633,9 @@
           <a:p>
             <a:r>
               <a:rPr lang="en-US" sz="4000" dirty="0" smtClean="0"/>
-              <a:t>ARM Cortex A-15 Features: MMU</a:t>
-            </a:r>
+              <a:t>Vector Floating Point (VFP)</a:t>
+            </a:r>
+            <a:endParaRPr lang="en-US" sz="4000" dirty="0"/>
           </a:p>
         </p:txBody>
       </p:sp>
@@ -4996,103 +5651,53 @@
         </p:nvSpPr>
         <p:spPr>
           <a:xfrm>
-            <a:off x="457200" y="883920"/>
-            <a:ext cx="8229600" cy="5585460"/>
+            <a:off x="457200" y="1600200"/>
+            <a:ext cx="8229600" cy="3962399"/>
           </a:xfrm>
         </p:spPr>
         <p:txBody>
           <a:bodyPr>
-            <a:normAutofit fontScale="92500" lnSpcReduction="10000"/>
+            <a:normAutofit lnSpcReduction="10000"/>
           </a:bodyPr>
           <a:lstStyle/>
           <a:p>
             <a:r>
-              <a:rPr lang="en-US" dirty="0" smtClean="0"/>
-              <a:t>ARM </a:t>
-            </a:r>
-            <a:r>
-              <a:rPr lang="en-US" dirty="0" err="1" smtClean="0"/>
-              <a:t>CorePac</a:t>
-            </a:r>
-            <a:r>
-              <a:rPr lang="en-US" dirty="0" smtClean="0"/>
-              <a:t> in </a:t>
-            </a:r>
-            <a:r>
-              <a:rPr lang="en-US" dirty="0" err="1" smtClean="0"/>
-              <a:t>KeyStone</a:t>
-            </a:r>
-            <a:r>
-              <a:rPr lang="en-US" dirty="0" smtClean="0"/>
-              <a:t> II</a:t>
-            </a:r>
-          </a:p>
-          <a:p>
-            <a:r>
-              <a:rPr lang="en-US" b="1" dirty="0" smtClean="0"/>
-              <a:t>ARM Cortex A-15 Features</a:t>
-            </a:r>
-          </a:p>
-          <a:p>
-            <a:pPr lvl="1"/>
-            <a:r>
-              <a:rPr lang="en-US" dirty="0" smtClean="0"/>
-              <a:t>ARM Core</a:t>
-            </a:r>
-          </a:p>
-          <a:p>
-            <a:pPr lvl="1"/>
-            <a:r>
-              <a:rPr lang="en-US" dirty="0" smtClean="0"/>
-              <a:t>NEON</a:t>
-            </a:r>
-          </a:p>
-          <a:p>
-            <a:pPr lvl="1"/>
-            <a:r>
-              <a:rPr lang="en-US" dirty="0" smtClean="0"/>
-              <a:t>VFP</a:t>
-            </a:r>
-          </a:p>
-          <a:p>
-            <a:pPr lvl="1"/>
-            <a:r>
-              <a:rPr lang="en-US" b="1" dirty="0" smtClean="0"/>
-              <a:t>MMU</a:t>
-            </a:r>
-          </a:p>
-          <a:p>
-            <a:r>
-              <a:rPr lang="en-US" dirty="0" smtClean="0"/>
-              <a:t>Interface to the SOC and Coherency Issues</a:t>
-            </a:r>
-          </a:p>
-          <a:p>
-            <a:r>
-              <a:rPr lang="en-US" dirty="0" smtClean="0"/>
-              <a:t>Benchmarks</a:t>
-            </a:r>
-          </a:p>
-          <a:p>
-            <a:r>
-              <a:rPr lang="en-US" dirty="0" smtClean="0"/>
-              <a:t>Interrupt Controller</a:t>
-            </a:r>
-          </a:p>
-          <a:p>
-            <a:r>
-              <a:rPr lang="en-US" dirty="0" smtClean="0"/>
-              <a:t>Power Management</a:t>
-            </a:r>
-          </a:p>
-          <a:p>
-            <a:r>
-              <a:rPr lang="en-US" dirty="0" smtClean="0"/>
-              <a:t>Debug and Trace</a:t>
-            </a:r>
-          </a:p>
-          <a:p>
-            <a:endParaRPr lang="en-US" dirty="0"/>
+              <a:rPr lang="en-US" sz="2800" dirty="0" smtClean="0"/>
+              <a:t>Fully integrated into the main pipeline</a:t>
+            </a:r>
+          </a:p>
+          <a:p>
+            <a:r>
+              <a:rPr lang="en-US" sz="2800" dirty="0" smtClean="0"/>
+              <a:t>32 DP registers for FP operations</a:t>
+            </a:r>
+          </a:p>
+          <a:p>
+            <a:r>
+              <a:rPr lang="en-US" sz="2800" dirty="0" smtClean="0"/>
+              <a:t>Native (Hardware) support for all IEEE-defined floating-point operations and rounding modes; single and double precision</a:t>
+            </a:r>
+          </a:p>
+          <a:p>
+            <a:r>
+              <a:rPr lang="en-US" sz="2800" dirty="0" smtClean="0"/>
+              <a:t>Supports fused MAC operation (e.g., rounding after the addition or after the multiplication)</a:t>
+            </a:r>
+          </a:p>
+          <a:p>
+            <a:r>
+              <a:rPr lang="en-US" sz="2800" dirty="0" smtClean="0"/>
+              <a:t>Supports half-precision (IEEE754-2008) (1 sign, 5 exponent, 10 mantissa)</a:t>
+            </a:r>
+          </a:p>
+          <a:p>
+            <a:endParaRPr lang="en-US" sz="2800" dirty="0" smtClean="0"/>
+          </a:p>
+          <a:p>
+            <a:endParaRPr lang="en-US" sz="2800" dirty="0" smtClean="0"/>
+          </a:p>
+          <a:p>
+            <a:endParaRPr lang="en-US" sz="2800" dirty="0" smtClean="0"/>
           </a:p>
         </p:txBody>
       </p:sp>
@@ -5131,12 +5736,7 @@
             <p:ph type="title"/>
           </p:nvPr>
         </p:nvSpPr>
-        <p:spPr>
-          <a:xfrm>
-            <a:off x="457200" y="102631"/>
-            <a:ext cx="8229600" cy="1020762"/>
-          </a:xfrm>
-        </p:spPr>
+        <p:spPr/>
         <p:txBody>
           <a:bodyPr>
             <a:normAutofit/>
@@ -5145,9 +5745,8 @@
           <a:p>
             <a:r>
               <a:rPr lang="en-US" sz="4000" dirty="0" smtClean="0"/>
-              <a:t>Memory Management Unit (MMU)</a:t>
-            </a:r>
-            <a:endParaRPr lang="en-US" sz="4000" dirty="0"/>
+              <a:t>ARM Cortex A-15 Features: MMU</a:t>
+            </a:r>
           </a:p>
         </p:txBody>
       </p:sp>
@@ -5163,75 +5762,87 @@
         </p:nvSpPr>
         <p:spPr>
           <a:xfrm>
-            <a:off x="533400" y="1020034"/>
-            <a:ext cx="8229600" cy="5410200"/>
+            <a:off x="457200" y="883920"/>
+            <a:ext cx="8229600" cy="5585460"/>
           </a:xfrm>
         </p:spPr>
         <p:txBody>
           <a:bodyPr>
-            <a:normAutofit/>
+            <a:normAutofit fontScale="92500" lnSpcReduction="10000"/>
           </a:bodyPr>
           <a:lstStyle/>
           <a:p>
             <a:r>
-              <a:rPr lang="en-US" sz="2800" dirty="0" smtClean="0"/>
-              <a:t>Logical-to-physical memory translation</a:t>
+              <a:rPr lang="en-US" dirty="0" smtClean="0"/>
+              <a:t>ARM CorePac in KeyStone II</a:t>
+            </a:r>
+          </a:p>
+          <a:p>
+            <a:r>
+              <a:rPr lang="en-US" b="1" dirty="0" smtClean="0"/>
+              <a:t>ARM Cortex A-15 Features</a:t>
             </a:r>
           </a:p>
           <a:p>
             <a:pPr lvl="1"/>
             <a:r>
-              <a:rPr lang="en-US" sz="2400" dirty="0" smtClean="0"/>
-              <a:t>Users protection</a:t>
+              <a:rPr lang="en-US" dirty="0" smtClean="0"/>
+              <a:t>ARM Core</a:t>
             </a:r>
           </a:p>
           <a:p>
             <a:pPr lvl="1"/>
             <a:r>
-              <a:rPr lang="en-US" sz="2400" dirty="0" smtClean="0"/>
-              <a:t>Hardware manages the actual memory</a:t>
-            </a:r>
-          </a:p>
-          <a:p>
-            <a:r>
-              <a:rPr lang="en-US" sz="2800" dirty="0" smtClean="0"/>
-              <a:t>Large physical addressing, 40-bit (1TB)</a:t>
-            </a:r>
-          </a:p>
-          <a:p>
-            <a:r>
-              <a:rPr lang="en-US" sz="2800" dirty="0" smtClean="0"/>
-              <a:t>Three-level data structure to get to 4kB page at each stage</a:t>
+              <a:rPr lang="en-US" dirty="0" smtClean="0"/>
+              <a:t>NEON</a:t>
             </a:r>
           </a:p>
           <a:p>
             <a:pPr lvl="1"/>
             <a:r>
-              <a:rPr lang="en-US" sz="2400" dirty="0" smtClean="0"/>
-              <a:t>Two levels to get to 2MB pages (Linux huge pages)</a:t>
+              <a:rPr lang="en-US" dirty="0" smtClean="0"/>
+              <a:t>VFP</a:t>
             </a:r>
           </a:p>
           <a:p>
             <a:pPr lvl="1"/>
             <a:r>
-              <a:rPr lang="en-US" sz="2400" dirty="0" smtClean="0"/>
-              <a:t>Translation Lookaside Buffers (TLB) cache one page of address translations per entry to speed up translation process</a:t>
-            </a:r>
-          </a:p>
-          <a:p>
-            <a:pPr>
-              <a:buNone/>
-            </a:pPr>
-            <a:endParaRPr lang="en-US" dirty="0" smtClean="0"/>
-          </a:p>
-          <a:p>
-            <a:endParaRPr lang="en-US" sz="2800" dirty="0" smtClean="0"/>
-          </a:p>
-          <a:p>
-            <a:endParaRPr lang="en-US" sz="2800" dirty="0" smtClean="0"/>
-          </a:p>
-          <a:p>
-            <a:endParaRPr lang="en-US" sz="2800" dirty="0" smtClean="0"/>
+              <a:rPr lang="en-US" b="1" dirty="0" smtClean="0"/>
+              <a:t>MMU</a:t>
+            </a:r>
+          </a:p>
+          <a:p>
+            <a:r>
+              <a:rPr lang="en-US" dirty="0" smtClean="0"/>
+              <a:t>Interface to the SOC and Coherency Issues</a:t>
+            </a:r>
+          </a:p>
+          <a:p>
+            <a:r>
+              <a:rPr lang="en-US" dirty="0" smtClean="0"/>
+              <a:t>Benchmarks</a:t>
+            </a:r>
+          </a:p>
+          <a:p>
+            <a:r>
+              <a:rPr lang="en-US" dirty="0" smtClean="0"/>
+              <a:t>Interrupt Controller</a:t>
+            </a:r>
+          </a:p>
+          <a:p>
+            <a:r>
+              <a:rPr lang="en-US" dirty="0" smtClean="0"/>
+              <a:t>Power Management</a:t>
+            </a:r>
+          </a:p>
+          <a:p>
+            <a:r>
+              <a:rPr lang="en-US" dirty="0" smtClean="0"/>
+              <a:t>Debug and Trace</a:t>
+            </a:r>
+          </a:p>
+          <a:p>
+            <a:endParaRPr lang="en-US" dirty="0"/>
           </a:p>
         </p:txBody>
       </p:sp>
@@ -5244,6 +5855,158 @@
 </file>
 
 <file path=ppt/slides/slide17.xml><?xml version="1.0" encoding="utf-8"?>
+<p:sld xmlns:a="http://schemas.openxmlformats.org/drawingml/2006/main" xmlns:r="http://schemas.openxmlformats.org/officeDocument/2006/relationships" xmlns:p="http://schemas.openxmlformats.org/presentationml/2006/main">
+  <p:cSld>
+    <p:spTree>
+      <p:nvGrpSpPr>
+        <p:cNvPr id="1" name=""/>
+        <p:cNvGrpSpPr/>
+        <p:nvPr/>
+      </p:nvGrpSpPr>
+      <p:grpSpPr>
+        <a:xfrm>
+          <a:off x="0" y="0"/>
+          <a:ext cx="0" cy="0"/>
+          <a:chOff x="0" y="0"/>
+          <a:chExt cx="0" cy="0"/>
+        </a:xfrm>
+      </p:grpSpPr>
+      <p:sp>
+        <p:nvSpPr>
+          <p:cNvPr id="2" name="Title 1"/>
+          <p:cNvSpPr>
+            <a:spLocks noGrp="1"/>
+          </p:cNvSpPr>
+          <p:nvPr>
+            <p:ph type="title"/>
+          </p:nvPr>
+        </p:nvSpPr>
+        <p:spPr>
+          <a:xfrm>
+            <a:off x="457200" y="102631"/>
+            <a:ext cx="8229600" cy="1020762"/>
+          </a:xfrm>
+        </p:spPr>
+        <p:txBody>
+          <a:bodyPr>
+            <a:normAutofit/>
+          </a:bodyPr>
+          <a:lstStyle/>
+          <a:p>
+            <a:r>
+              <a:rPr lang="en-US" sz="4000" dirty="0" smtClean="0"/>
+              <a:t>Memory Management Unit (MMU)</a:t>
+            </a:r>
+            <a:endParaRPr lang="en-US" sz="4000" dirty="0"/>
+          </a:p>
+        </p:txBody>
+      </p:sp>
+      <p:sp>
+        <p:nvSpPr>
+          <p:cNvPr id="3" name="Content Placeholder 2"/>
+          <p:cNvSpPr>
+            <a:spLocks noGrp="1"/>
+          </p:cNvSpPr>
+          <p:nvPr>
+            <p:ph idx="1"/>
+          </p:nvPr>
+        </p:nvSpPr>
+        <p:spPr>
+          <a:xfrm>
+            <a:off x="533400" y="1020034"/>
+            <a:ext cx="8229600" cy="5410200"/>
+          </a:xfrm>
+        </p:spPr>
+        <p:txBody>
+          <a:bodyPr>
+            <a:normAutofit/>
+          </a:bodyPr>
+          <a:lstStyle/>
+          <a:p>
+            <a:r>
+              <a:rPr lang="en-US" sz="2800" dirty="0" smtClean="0"/>
+              <a:t>Logical-to-physical memory translation</a:t>
+            </a:r>
+          </a:p>
+          <a:p>
+            <a:pPr lvl="1"/>
+            <a:r>
+              <a:rPr lang="en-US" sz="2400" dirty="0" smtClean="0"/>
+              <a:t>Users protection</a:t>
+            </a:r>
+          </a:p>
+          <a:p>
+            <a:pPr lvl="1"/>
+            <a:r>
+              <a:rPr lang="en-US" sz="2400" dirty="0" smtClean="0"/>
+              <a:t>Hardware manages the actual memory</a:t>
+            </a:r>
+          </a:p>
+          <a:p>
+            <a:r>
+              <a:rPr lang="en-US" sz="2800" dirty="0" smtClean="0"/>
+              <a:t>Large physical addressing, 40-bit (1TB)</a:t>
+            </a:r>
+          </a:p>
+          <a:p>
+            <a:r>
+              <a:rPr lang="en-US" sz="2800" dirty="0" smtClean="0"/>
+              <a:t>Three-level data structure for virtual 4kB page </a:t>
+            </a:r>
+          </a:p>
+          <a:p>
+            <a:pPr lvl="1"/>
+            <a:r>
+              <a:rPr lang="en-US" sz="2400" dirty="0" smtClean="0"/>
+              <a:t>Two levels for virtual 2MB pages (Linux huge pages)</a:t>
+            </a:r>
+          </a:p>
+          <a:p>
+            <a:pPr lvl="1"/>
+            <a:r>
+              <a:rPr lang="en-US" sz="2400" dirty="0" smtClean="0"/>
+              <a:t>Translation Lookaside Buffers (TLB) </a:t>
+            </a:r>
+            <a:r>
+              <a:rPr lang="en-US" sz="2400" dirty="0" smtClean="0"/>
+              <a:t>caches </a:t>
+            </a:r>
+            <a:r>
+              <a:rPr lang="en-US" sz="2400" dirty="0" smtClean="0"/>
+              <a:t>one page of address translations per entry to speed up translation </a:t>
+            </a:r>
+            <a:r>
+              <a:rPr lang="en-US" sz="2400" dirty="0" smtClean="0"/>
+              <a:t>process (L1 instruction access, L1 data access and L2 TLB)</a:t>
+            </a:r>
+            <a:endParaRPr lang="en-US" sz="2400" dirty="0" smtClean="0"/>
+          </a:p>
+          <a:p>
+            <a:pPr>
+              <a:buNone/>
+            </a:pPr>
+            <a:endParaRPr lang="en-US" dirty="0" smtClean="0"/>
+          </a:p>
+          <a:p>
+            <a:endParaRPr lang="en-US" sz="2800" dirty="0" smtClean="0"/>
+          </a:p>
+          <a:p>
+            <a:endParaRPr lang="en-US" sz="2800" dirty="0" smtClean="0"/>
+          </a:p>
+          <a:p>
+            <a:endParaRPr lang="en-US" sz="2800" dirty="0" smtClean="0"/>
+          </a:p>
+        </p:txBody>
+      </p:sp>
+    </p:spTree>
+  </p:cSld>
+  <p:clrMapOvr>
+    <a:masterClrMapping/>
+  </p:clrMapOvr>
+</p:sld>
+</file>
+
+<file path=ppt/slides/slide18.xml><?xml version="1.0" encoding="utf-8"?>
 <p:sld xmlns:a="http://schemas.openxmlformats.org/drawingml/2006/main" xmlns:r="http://schemas.openxmlformats.org/officeDocument/2006/relationships" xmlns:p="http://schemas.openxmlformats.org/presentationml/2006/main">
   <p:cSld>
     <p:spTree>
@@ -5339,7 +6102,7 @@
 </p:sld>
 </file>
 
-<file path=ppt/slides/slide18.xml><?xml version="1.0" encoding="utf-8"?>
+<file path=ppt/slides/slide19.xml><?xml version="1.0" encoding="utf-8"?>
 <p:sld xmlns:a="http://schemas.openxmlformats.org/drawingml/2006/main" xmlns:r="http://schemas.openxmlformats.org/officeDocument/2006/relationships" xmlns:p="http://schemas.openxmlformats.org/presentationml/2006/main">
   <p:cSld>
     <p:spTree>
@@ -5496,8 +6259,125 @@
 </p:sld>
 </file>
 
-<file path=ppt/slides/slide19.xml><?xml version="1.0" encoding="utf-8"?>
-<p:sld xmlns:a="http://schemas.openxmlformats.org/drawingml/2006/main" xmlns:r="http://schemas.openxmlformats.org/officeDocument/2006/relationships" xmlns:p="http://schemas.openxmlformats.org/presentationml/2006/main" show="0">
+<file path=ppt/slides/slide2.xml><?xml version="1.0" encoding="utf-8"?>
+<p:sld xmlns:a="http://schemas.openxmlformats.org/drawingml/2006/main" xmlns:r="http://schemas.openxmlformats.org/officeDocument/2006/relationships" xmlns:p="http://schemas.openxmlformats.org/presentationml/2006/main">
+  <p:cSld>
+    <p:spTree>
+      <p:nvGrpSpPr>
+        <p:cNvPr id="1" name=""/>
+        <p:cNvGrpSpPr/>
+        <p:nvPr/>
+      </p:nvGrpSpPr>
+      <p:grpSpPr>
+        <a:xfrm>
+          <a:off x="0" y="0"/>
+          <a:ext cx="0" cy="0"/>
+          <a:chOff x="0" y="0"/>
+          <a:chExt cx="0" cy="0"/>
+        </a:xfrm>
+      </p:grpSpPr>
+      <p:sp>
+        <p:nvSpPr>
+          <p:cNvPr id="2" name="Title 1"/>
+          <p:cNvSpPr>
+            <a:spLocks noGrp="1"/>
+          </p:cNvSpPr>
+          <p:nvPr>
+            <p:ph type="title"/>
+          </p:nvPr>
+        </p:nvSpPr>
+        <p:spPr/>
+        <p:txBody>
+          <a:bodyPr>
+            <a:normAutofit/>
+          </a:bodyPr>
+          <a:lstStyle/>
+          <a:p>
+            <a:r>
+              <a:rPr lang="en-US" sz="4000" dirty="0" smtClean="0"/>
+              <a:t>Agenda</a:t>
+            </a:r>
+            <a:endParaRPr lang="en-US" sz="4000" dirty="0"/>
+          </a:p>
+        </p:txBody>
+      </p:sp>
+      <p:sp>
+        <p:nvSpPr>
+          <p:cNvPr id="3" name="Content Placeholder 2"/>
+          <p:cNvSpPr>
+            <a:spLocks noGrp="1"/>
+          </p:cNvSpPr>
+          <p:nvPr>
+            <p:ph idx="1"/>
+          </p:nvPr>
+        </p:nvSpPr>
+        <p:spPr/>
+        <p:txBody>
+          <a:bodyPr>
+            <a:normAutofit/>
+          </a:bodyPr>
+          <a:lstStyle/>
+          <a:p>
+            <a:r>
+              <a:rPr lang="en-US" dirty="0" smtClean="0"/>
+              <a:t>ARM CorePac in KeyStone II</a:t>
+            </a:r>
+          </a:p>
+          <a:p>
+            <a:r>
+              <a:rPr lang="en-US" dirty="0" smtClean="0"/>
+              <a:t>ARM Cortex A-15 Features</a:t>
+            </a:r>
+          </a:p>
+          <a:p>
+            <a:r>
+              <a:rPr lang="en-US" dirty="0" smtClean="0"/>
+              <a:t>Interface to the SOC and Coherency Issues</a:t>
+            </a:r>
+          </a:p>
+          <a:p>
+            <a:r>
+              <a:rPr lang="en-US" dirty="0" smtClean="0"/>
+              <a:t>Benchmarks</a:t>
+            </a:r>
+          </a:p>
+          <a:p>
+            <a:r>
+              <a:rPr lang="en-US" dirty="0" smtClean="0"/>
+              <a:t>Interrupt Controller</a:t>
+            </a:r>
+          </a:p>
+          <a:p>
+            <a:r>
+              <a:rPr lang="en-US" dirty="0" smtClean="0"/>
+              <a:t>Power Management</a:t>
+            </a:r>
+          </a:p>
+          <a:p>
+            <a:r>
+              <a:rPr lang="en-US" dirty="0" smtClean="0"/>
+              <a:t>Debug and Trace</a:t>
+            </a:r>
+          </a:p>
+        </p:txBody>
+      </p:sp>
+    </p:spTree>
+  </p:cSld>
+  <p:clrMapOvr>
+    <a:masterClrMapping/>
+  </p:clrMapOvr>
+  <p:timing>
+    <p:tnLst>
+      <p:par>
+        <p:cTn id="1" dur="indefinite" restart="never" nodeType="tmRoot"/>
+      </p:par>
+    </p:tnLst>
+  </p:timing>
+</p:sld>
+</file>
+
+<file path=ppt/slides/slide20.xml><?xml version="1.0" encoding="utf-8"?>
+<p:sld xmlns:a="http://schemas.openxmlformats.org/drawingml/2006/main" xmlns:r="http://schemas.openxmlformats.org/officeDocument/2006/relationships" xmlns:p="http://schemas.openxmlformats.org/presentationml/2006/main">
   <p:cSld>
     <p:spTree>
       <p:nvGrpSpPr>
@@ -5580,133 +6460,7 @@
 </p:sld>
 </file>
 
-<file path=ppt/slides/slide2.xml><?xml version="1.0" encoding="utf-8"?>
-<p:sld xmlns:a="http://schemas.openxmlformats.org/drawingml/2006/main" xmlns:r="http://schemas.openxmlformats.org/officeDocument/2006/relationships" xmlns:p="http://schemas.openxmlformats.org/presentationml/2006/main">
-  <p:cSld>
-    <p:spTree>
-      <p:nvGrpSpPr>
-        <p:cNvPr id="1" name=""/>
-        <p:cNvGrpSpPr/>
-        <p:nvPr/>
-      </p:nvGrpSpPr>
-      <p:grpSpPr>
-        <a:xfrm>
-          <a:off x="0" y="0"/>
-          <a:ext cx="0" cy="0"/>
-          <a:chOff x="0" y="0"/>
-          <a:chExt cx="0" cy="0"/>
-        </a:xfrm>
-      </p:grpSpPr>
-      <p:sp>
-        <p:nvSpPr>
-          <p:cNvPr id="2" name="Title 1"/>
-          <p:cNvSpPr>
-            <a:spLocks noGrp="1"/>
-          </p:cNvSpPr>
-          <p:nvPr>
-            <p:ph type="title"/>
-          </p:nvPr>
-        </p:nvSpPr>
-        <p:spPr/>
-        <p:txBody>
-          <a:bodyPr>
-            <a:normAutofit/>
-          </a:bodyPr>
-          <a:lstStyle/>
-          <a:p>
-            <a:r>
-              <a:rPr lang="en-US" sz="4000" dirty="0" smtClean="0"/>
-              <a:t>Agenda</a:t>
-            </a:r>
-            <a:endParaRPr lang="en-US" sz="4000" dirty="0"/>
-          </a:p>
-        </p:txBody>
-      </p:sp>
-      <p:sp>
-        <p:nvSpPr>
-          <p:cNvPr id="3" name="Content Placeholder 2"/>
-          <p:cNvSpPr>
-            <a:spLocks noGrp="1"/>
-          </p:cNvSpPr>
-          <p:nvPr>
-            <p:ph idx="1"/>
-          </p:nvPr>
-        </p:nvSpPr>
-        <p:spPr/>
-        <p:txBody>
-          <a:bodyPr>
-            <a:normAutofit/>
-          </a:bodyPr>
-          <a:lstStyle/>
-          <a:p>
-            <a:r>
-              <a:rPr lang="en-US" dirty="0" smtClean="0"/>
-              <a:t>ARM </a:t>
-            </a:r>
-            <a:r>
-              <a:rPr lang="en-US" dirty="0" err="1" smtClean="0"/>
-              <a:t>CorePac</a:t>
-            </a:r>
-            <a:r>
-              <a:rPr lang="en-US" dirty="0" smtClean="0"/>
-              <a:t> in </a:t>
-            </a:r>
-            <a:r>
-              <a:rPr lang="en-US" dirty="0" err="1" smtClean="0"/>
-              <a:t>KeyStone</a:t>
-            </a:r>
-            <a:r>
-              <a:rPr lang="en-US" dirty="0" smtClean="0"/>
-              <a:t> II</a:t>
-            </a:r>
-          </a:p>
-          <a:p>
-            <a:r>
-              <a:rPr lang="en-US" dirty="0" smtClean="0"/>
-              <a:t>ARM Cortex A-15 Features</a:t>
-            </a:r>
-          </a:p>
-          <a:p>
-            <a:r>
-              <a:rPr lang="en-US" dirty="0" smtClean="0"/>
-              <a:t>Interface to the SOC and Coherency Issues</a:t>
-            </a:r>
-          </a:p>
-          <a:p>
-            <a:r>
-              <a:rPr lang="en-US" dirty="0" smtClean="0"/>
-              <a:t>Benchmarks</a:t>
-            </a:r>
-          </a:p>
-          <a:p>
-            <a:r>
-              <a:rPr lang="en-US" dirty="0" smtClean="0"/>
-              <a:t>Interrupt Controller</a:t>
-            </a:r>
-          </a:p>
-          <a:p>
-            <a:r>
-              <a:rPr lang="en-US" dirty="0" smtClean="0"/>
-              <a:t>Power Management</a:t>
-            </a:r>
-          </a:p>
-          <a:p>
-            <a:r>
-              <a:rPr lang="en-US" dirty="0" smtClean="0"/>
-              <a:t>Debug and Trace</a:t>
-            </a:r>
-          </a:p>
-        </p:txBody>
-      </p:sp>
-    </p:spTree>
-  </p:cSld>
-  <p:clrMapOvr>
-    <a:masterClrMapping/>
-  </p:clrMapOvr>
-</p:sld>
-</file>
-
-<file path=ppt/slides/slide20.xml><?xml version="1.0" encoding="utf-8"?>
+<file path=ppt/slides/slide21.xml><?xml version="1.0" encoding="utf-8"?>
 <p:sld xmlns:a="http://schemas.openxmlformats.org/drawingml/2006/main" xmlns:r="http://schemas.openxmlformats.org/officeDocument/2006/relationships" xmlns:p="http://schemas.openxmlformats.org/presentationml/2006/main">
   <p:cSld>
     <p:spTree>
@@ -5785,132 +6539,7 @@
   <p:clrMapOvr>
     <a:masterClrMapping/>
   </p:clrMapOvr>
-</p:sld>
-</file>
-
-<file path=ppt/slides/slide21.xml><?xml version="1.0" encoding="utf-8"?>
-<p:sld xmlns:a="http://schemas.openxmlformats.org/drawingml/2006/main" xmlns:r="http://schemas.openxmlformats.org/officeDocument/2006/relationships" xmlns:p="http://schemas.openxmlformats.org/presentationml/2006/main">
-  <p:cSld>
-    <p:spTree>
-      <p:nvGrpSpPr>
-        <p:cNvPr id="1" name=""/>
-        <p:cNvGrpSpPr/>
-        <p:nvPr/>
-      </p:nvGrpSpPr>
-      <p:grpSpPr>
-        <a:xfrm>
-          <a:off x="0" y="0"/>
-          <a:ext cx="0" cy="0"/>
-          <a:chOff x="0" y="0"/>
-          <a:chExt cx="0" cy="0"/>
-        </a:xfrm>
-      </p:grpSpPr>
-      <p:sp>
-        <p:nvSpPr>
-          <p:cNvPr id="2" name="Title 1"/>
-          <p:cNvSpPr>
-            <a:spLocks noGrp="1"/>
-          </p:cNvSpPr>
-          <p:nvPr>
-            <p:ph type="title"/>
-          </p:nvPr>
-        </p:nvSpPr>
-        <p:spPr/>
-        <p:txBody>
-          <a:bodyPr>
-            <a:normAutofit fontScale="90000"/>
-          </a:bodyPr>
-          <a:lstStyle/>
-          <a:p>
-            <a:r>
-              <a:rPr lang="en-US" sz="4000" dirty="0" smtClean="0"/>
-              <a:t>Interface to the SOC and Coherency Issues</a:t>
-            </a:r>
-          </a:p>
-        </p:txBody>
-      </p:sp>
-      <p:sp>
-        <p:nvSpPr>
-          <p:cNvPr id="3" name="Content Placeholder 2"/>
-          <p:cNvSpPr>
-            <a:spLocks noGrp="1"/>
-          </p:cNvSpPr>
-          <p:nvPr>
-            <p:ph idx="1"/>
-          </p:nvPr>
-        </p:nvSpPr>
-        <p:spPr/>
-        <p:txBody>
-          <a:bodyPr>
-            <a:normAutofit/>
-          </a:bodyPr>
-          <a:lstStyle/>
-          <a:p>
-            <a:r>
-              <a:rPr lang="en-US" dirty="0" smtClean="0"/>
-              <a:t>ARM </a:t>
-            </a:r>
-            <a:r>
-              <a:rPr lang="en-US" dirty="0" err="1" smtClean="0"/>
-              <a:t>CorePac</a:t>
-            </a:r>
-            <a:r>
-              <a:rPr lang="en-US" dirty="0" smtClean="0"/>
-              <a:t> in </a:t>
-            </a:r>
-            <a:r>
-              <a:rPr lang="en-US" dirty="0" err="1" smtClean="0"/>
-              <a:t>KeyStone</a:t>
-            </a:r>
-            <a:r>
-              <a:rPr lang="en-US" dirty="0" smtClean="0"/>
-              <a:t> II</a:t>
-            </a:r>
-          </a:p>
-          <a:p>
-            <a:r>
-              <a:rPr lang="en-US" dirty="0" smtClean="0"/>
-              <a:t>ARM Cortex A-15 Features</a:t>
-            </a:r>
-          </a:p>
-          <a:p>
-            <a:r>
-              <a:rPr lang="en-US" b="1" dirty="0" smtClean="0"/>
-              <a:t>Interface to the SOC and Coherency Issues</a:t>
-            </a:r>
-          </a:p>
-          <a:p>
-            <a:r>
-              <a:rPr lang="en-US" dirty="0" smtClean="0"/>
-              <a:t>Benchmarks</a:t>
-            </a:r>
-          </a:p>
-          <a:p>
-            <a:r>
-              <a:rPr lang="en-US" dirty="0" smtClean="0"/>
-              <a:t>Interrupt Controller</a:t>
-            </a:r>
-          </a:p>
-          <a:p>
-            <a:r>
-              <a:rPr lang="en-US" dirty="0" smtClean="0"/>
-              <a:t>Power Management</a:t>
-            </a:r>
-          </a:p>
-          <a:p>
-            <a:r>
-              <a:rPr lang="en-US" dirty="0" smtClean="0"/>
-              <a:t>Debug and Trace</a:t>
-            </a:r>
-            <a:endParaRPr lang="en-US" dirty="0"/>
-          </a:p>
-        </p:txBody>
-      </p:sp>
-    </p:spTree>
-  </p:cSld>
-  <p:clrMapOvr>
-    <a:masterClrMapping/>
-  </p:clrMapOvr>
+  <p:transition/>
 </p:sld>
 </file>
 
@@ -5941,98 +6570,51 @@
             <p:ph type="title"/>
           </p:nvPr>
         </p:nvSpPr>
-        <p:spPr>
+        <p:spPr/>
+        <p:txBody>
+          <a:bodyPr/>
+          <a:lstStyle/>
+          <a:p>
+            <a:r>
+              <a:rPr lang="en-US" sz="3200" dirty="0" smtClean="0"/>
+              <a:t>From ARM white paper on two stages MMU</a:t>
+            </a:r>
+            <a:endParaRPr lang="en-US" sz="3200" dirty="0"/>
+          </a:p>
+        </p:txBody>
+      </p:sp>
+      <p:pic>
+        <p:nvPicPr>
+          <p:cNvPr id="122882" name="Picture 2"/>
+          <p:cNvPicPr>
+            <a:picLocks noChangeAspect="1" noChangeArrowheads="1"/>
+          </p:cNvPicPr>
+          <p:nvPr/>
+        </p:nvPicPr>
+        <p:blipFill>
+          <a:blip r:embed="rId2" cstate="print"/>
+          <a:srcRect/>
+          <a:stretch>
+            <a:fillRect/>
+          </a:stretch>
+        </p:blipFill>
+        <p:spPr bwMode="auto">
           <a:xfrm>
-            <a:off x="434340" y="0"/>
-            <a:ext cx="8229600" cy="1477962"/>
+            <a:off x="119063" y="1419225"/>
+            <a:ext cx="8905875" cy="4019550"/>
           </a:xfrm>
+          <a:prstGeom prst="rect">
+            <a:avLst/>
+          </a:prstGeom>
+          <a:noFill/>
+          <a:ln w="9525">
+            <a:noFill/>
+            <a:miter lim="800000"/>
+            <a:headEnd/>
+            <a:tailEnd/>
+          </a:ln>
         </p:spPr>
-        <p:txBody>
-          <a:bodyPr>
-            <a:normAutofit/>
-          </a:bodyPr>
-          <a:lstStyle/>
-          <a:p>
-            <a:r>
-              <a:rPr lang="en-US" dirty="0" smtClean="0"/>
-              <a:t>ARM Cluster Buses</a:t>
-            </a:r>
-            <a:r>
-              <a:rPr lang="en-US" sz="3600" dirty="0" smtClean="0"/>
-              <a:t/>
-            </a:r>
-            <a:br>
-              <a:rPr lang="en-US" sz="3600" dirty="0" smtClean="0"/>
-            </a:br>
-            <a:r>
-              <a:rPr lang="en-US" sz="2700" dirty="0" smtClean="0"/>
-              <a:t>AMBA – Advance Microcontroller Bus Architecture</a:t>
-            </a:r>
-            <a:endParaRPr lang="en-US" sz="2700" dirty="0"/>
-          </a:p>
-        </p:txBody>
-      </p:sp>
-      <p:sp>
-        <p:nvSpPr>
-          <p:cNvPr id="3" name="Content Placeholder 2"/>
-          <p:cNvSpPr>
-            <a:spLocks noGrp="1"/>
-          </p:cNvSpPr>
-          <p:nvPr>
-            <p:ph idx="1"/>
-          </p:nvPr>
-        </p:nvSpPr>
-        <p:spPr>
-          <a:xfrm>
-            <a:off x="457200" y="1539240"/>
-            <a:ext cx="8229600" cy="3428999"/>
-          </a:xfrm>
-        </p:spPr>
-        <p:txBody>
-          <a:bodyPr>
-            <a:normAutofit/>
-          </a:bodyPr>
-          <a:lstStyle/>
-          <a:p>
-            <a:r>
-              <a:rPr lang="en-US" sz="2800" dirty="0" smtClean="0"/>
-              <a:t>AXI (AMBA Advanced </a:t>
-            </a:r>
-            <a:r>
-              <a:rPr lang="en-US" sz="2800" dirty="0" err="1" smtClean="0"/>
-              <a:t>eXtensible</a:t>
-            </a:r>
-            <a:r>
-              <a:rPr lang="en-US" sz="2800" dirty="0" smtClean="0"/>
-              <a:t> Interface) c</a:t>
-            </a:r>
-            <a:r>
-              <a:rPr lang="en-US" sz="2400" dirty="0" smtClean="0"/>
-              <a:t>onnects the ARM cluster with MSMC module using the AXI-VBUS master.</a:t>
-            </a:r>
-          </a:p>
-          <a:p>
-            <a:r>
-              <a:rPr lang="en-US" sz="2800" dirty="0" smtClean="0"/>
-              <a:t>APB (AMBA Advanced Peripheral Bus) p</a:t>
-            </a:r>
-            <a:r>
-              <a:rPr lang="en-US" sz="2400" dirty="0" smtClean="0"/>
-              <a:t>rovides access to peripherals and internal memories.</a:t>
-            </a:r>
-          </a:p>
-          <a:p>
-            <a:r>
-              <a:rPr lang="en-US" sz="2800" dirty="0" smtClean="0"/>
-              <a:t>ATB (AMBA Trace Bus) s</a:t>
-            </a:r>
-            <a:r>
-              <a:rPr lang="en-US" sz="2400" dirty="0" smtClean="0"/>
-              <a:t>upports the trace features for the ARM cluster.</a:t>
-            </a:r>
-          </a:p>
-        </p:txBody>
-      </p:sp>
+      </p:pic>
     </p:spTree>
   </p:cSld>
   <p:clrMapOvr>
@@ -6042,6 +6624,315 @@
 </file>
 
 <file path=ppt/slides/slide23.xml><?xml version="1.0" encoding="utf-8"?>
+<p:sld xmlns:a="http://schemas.openxmlformats.org/drawingml/2006/main" xmlns:r="http://schemas.openxmlformats.org/officeDocument/2006/relationships" xmlns:p="http://schemas.openxmlformats.org/presentationml/2006/main">
+  <p:cSld>
+    <p:spTree>
+      <p:nvGrpSpPr>
+        <p:cNvPr id="1" name=""/>
+        <p:cNvGrpSpPr/>
+        <p:nvPr/>
+      </p:nvGrpSpPr>
+      <p:grpSpPr>
+        <a:xfrm>
+          <a:off x="0" y="0"/>
+          <a:ext cx="0" cy="0"/>
+          <a:chOff x="0" y="0"/>
+          <a:chExt cx="0" cy="0"/>
+        </a:xfrm>
+      </p:grpSpPr>
+      <p:sp>
+        <p:nvSpPr>
+          <p:cNvPr id="2" name="Title 1"/>
+          <p:cNvSpPr>
+            <a:spLocks noGrp="1"/>
+          </p:cNvSpPr>
+          <p:nvPr>
+            <p:ph type="title"/>
+          </p:nvPr>
+        </p:nvSpPr>
+        <p:spPr/>
+        <p:txBody>
+          <a:bodyPr/>
+          <a:lstStyle/>
+          <a:p>
+            <a:r>
+              <a:rPr lang="en-US" sz="3200" dirty="0" smtClean="0"/>
+              <a:t>From ARM white paper on two stages MMU</a:t>
+            </a:r>
+            <a:endParaRPr lang="en-US" sz="3200" dirty="0"/>
+          </a:p>
+        </p:txBody>
+      </p:sp>
+      <p:pic>
+        <p:nvPicPr>
+          <p:cNvPr id="123906" name="Picture 2"/>
+          <p:cNvPicPr>
+            <a:picLocks noChangeAspect="1" noChangeArrowheads="1"/>
+          </p:cNvPicPr>
+          <p:nvPr/>
+        </p:nvPicPr>
+        <p:blipFill>
+          <a:blip r:embed="rId2" cstate="print"/>
+          <a:srcRect/>
+          <a:stretch>
+            <a:fillRect/>
+          </a:stretch>
+        </p:blipFill>
+        <p:spPr bwMode="auto">
+          <a:xfrm>
+            <a:off x="312516" y="1354238"/>
+            <a:ext cx="8289289" cy="4240674"/>
+          </a:xfrm>
+          <a:prstGeom prst="rect">
+            <a:avLst/>
+          </a:prstGeom>
+          <a:noFill/>
+          <a:ln w="9525">
+            <a:noFill/>
+            <a:miter lim="800000"/>
+            <a:headEnd/>
+            <a:tailEnd/>
+          </a:ln>
+        </p:spPr>
+      </p:pic>
+    </p:spTree>
+  </p:cSld>
+  <p:clrMapOvr>
+    <a:masterClrMapping/>
+  </p:clrMapOvr>
+</p:sld>
+</file>
+
+<file path=ppt/slides/slide24.xml><?xml version="1.0" encoding="utf-8"?>
+<p:sld xmlns:a="http://schemas.openxmlformats.org/drawingml/2006/main" xmlns:r="http://schemas.openxmlformats.org/officeDocument/2006/relationships" xmlns:p="http://schemas.openxmlformats.org/presentationml/2006/main">
+  <p:cSld>
+    <p:spTree>
+      <p:nvGrpSpPr>
+        <p:cNvPr id="1" name=""/>
+        <p:cNvGrpSpPr/>
+        <p:nvPr/>
+      </p:nvGrpSpPr>
+      <p:grpSpPr>
+        <a:xfrm>
+          <a:off x="0" y="0"/>
+          <a:ext cx="0" cy="0"/>
+          <a:chOff x="0" y="0"/>
+          <a:chExt cx="0" cy="0"/>
+        </a:xfrm>
+      </p:grpSpPr>
+      <p:sp>
+        <p:nvSpPr>
+          <p:cNvPr id="2" name="Title 1"/>
+          <p:cNvSpPr>
+            <a:spLocks noGrp="1"/>
+          </p:cNvSpPr>
+          <p:nvPr>
+            <p:ph type="title"/>
+          </p:nvPr>
+        </p:nvSpPr>
+        <p:spPr/>
+        <p:txBody>
+          <a:bodyPr>
+            <a:normAutofit fontScale="90000"/>
+          </a:bodyPr>
+          <a:lstStyle/>
+          <a:p>
+            <a:r>
+              <a:rPr lang="en-US" sz="4000" dirty="0" smtClean="0"/>
+              <a:t>Interface to the SOC and Coherency Issues</a:t>
+            </a:r>
+          </a:p>
+        </p:txBody>
+      </p:sp>
+      <p:sp>
+        <p:nvSpPr>
+          <p:cNvPr id="3" name="Content Placeholder 2"/>
+          <p:cNvSpPr>
+            <a:spLocks noGrp="1"/>
+          </p:cNvSpPr>
+          <p:nvPr>
+            <p:ph idx="1"/>
+          </p:nvPr>
+        </p:nvSpPr>
+        <p:spPr/>
+        <p:txBody>
+          <a:bodyPr>
+            <a:normAutofit/>
+          </a:bodyPr>
+          <a:lstStyle/>
+          <a:p>
+            <a:r>
+              <a:rPr lang="en-US" dirty="0" smtClean="0"/>
+              <a:t>ARM CorePac in KeyStone II</a:t>
+            </a:r>
+          </a:p>
+          <a:p>
+            <a:r>
+              <a:rPr lang="en-US" dirty="0" smtClean="0"/>
+              <a:t>ARM Cortex A-15 Features</a:t>
+            </a:r>
+          </a:p>
+          <a:p>
+            <a:r>
+              <a:rPr lang="en-US" b="1" dirty="0" smtClean="0"/>
+              <a:t>Interface to the SOC and Coherency Issues</a:t>
+            </a:r>
+          </a:p>
+          <a:p>
+            <a:r>
+              <a:rPr lang="en-US" dirty="0" smtClean="0"/>
+              <a:t>Benchmarks</a:t>
+            </a:r>
+          </a:p>
+          <a:p>
+            <a:r>
+              <a:rPr lang="en-US" dirty="0" smtClean="0"/>
+              <a:t>Interrupt Controller</a:t>
+            </a:r>
+          </a:p>
+          <a:p>
+            <a:r>
+              <a:rPr lang="en-US" dirty="0" smtClean="0"/>
+              <a:t>Power Management</a:t>
+            </a:r>
+          </a:p>
+          <a:p>
+            <a:r>
+              <a:rPr lang="en-US" dirty="0" smtClean="0"/>
+              <a:t>Debug and Trace</a:t>
+            </a:r>
+            <a:endParaRPr lang="en-US" dirty="0"/>
+          </a:p>
+        </p:txBody>
+      </p:sp>
+    </p:spTree>
+  </p:cSld>
+  <p:clrMapOvr>
+    <a:masterClrMapping/>
+  </p:clrMapOvr>
+</p:sld>
+</file>
+
+<file path=ppt/slides/slide25.xml><?xml version="1.0" encoding="utf-8"?>
+<p:sld xmlns:a="http://schemas.openxmlformats.org/drawingml/2006/main" xmlns:r="http://schemas.openxmlformats.org/officeDocument/2006/relationships" xmlns:p="http://schemas.openxmlformats.org/presentationml/2006/main">
+  <p:cSld>
+    <p:spTree>
+      <p:nvGrpSpPr>
+        <p:cNvPr id="1" name=""/>
+        <p:cNvGrpSpPr/>
+        <p:nvPr/>
+      </p:nvGrpSpPr>
+      <p:grpSpPr>
+        <a:xfrm>
+          <a:off x="0" y="0"/>
+          <a:ext cx="0" cy="0"/>
+          <a:chOff x="0" y="0"/>
+          <a:chExt cx="0" cy="0"/>
+        </a:xfrm>
+      </p:grpSpPr>
+      <p:sp>
+        <p:nvSpPr>
+          <p:cNvPr id="2" name="Title 1"/>
+          <p:cNvSpPr>
+            <a:spLocks noGrp="1"/>
+          </p:cNvSpPr>
+          <p:nvPr>
+            <p:ph type="title"/>
+          </p:nvPr>
+        </p:nvSpPr>
+        <p:spPr>
+          <a:xfrm>
+            <a:off x="434340" y="0"/>
+            <a:ext cx="8229600" cy="1477962"/>
+          </a:xfrm>
+        </p:spPr>
+        <p:txBody>
+          <a:bodyPr>
+            <a:normAutofit/>
+          </a:bodyPr>
+          <a:lstStyle/>
+          <a:p>
+            <a:r>
+              <a:rPr lang="en-US" dirty="0" smtClean="0"/>
+              <a:t>ARM Cluster Buses</a:t>
+            </a:r>
+            <a:r>
+              <a:rPr lang="en-US" sz="3600" dirty="0" smtClean="0"/>
+              <a:t/>
+            </a:r>
+            <a:br>
+              <a:rPr lang="en-US" sz="3600" dirty="0" smtClean="0"/>
+            </a:br>
+            <a:r>
+              <a:rPr lang="en-US" sz="2700" dirty="0" smtClean="0"/>
+              <a:t>AMBA – Advance Microcontroller Bus Architecture</a:t>
+            </a:r>
+            <a:endParaRPr lang="en-US" sz="2700" dirty="0"/>
+          </a:p>
+        </p:txBody>
+      </p:sp>
+      <p:sp>
+        <p:nvSpPr>
+          <p:cNvPr id="3" name="Content Placeholder 2"/>
+          <p:cNvSpPr>
+            <a:spLocks noGrp="1"/>
+          </p:cNvSpPr>
+          <p:nvPr>
+            <p:ph idx="1"/>
+          </p:nvPr>
+        </p:nvSpPr>
+        <p:spPr>
+          <a:xfrm>
+            <a:off x="457200" y="1539240"/>
+            <a:ext cx="8229600" cy="3428999"/>
+          </a:xfrm>
+        </p:spPr>
+        <p:txBody>
+          <a:bodyPr>
+            <a:normAutofit/>
+          </a:bodyPr>
+          <a:lstStyle/>
+          <a:p>
+            <a:r>
+              <a:rPr lang="en-US" sz="2800" dirty="0" smtClean="0"/>
+              <a:t>AXI (AMBA Advanced eXtensible Interface) c</a:t>
+            </a:r>
+            <a:r>
+              <a:rPr lang="en-US" sz="2400" dirty="0" smtClean="0"/>
+              <a:t>onnects the ARM cluster with MSMC module using the AXI-VBUS master.</a:t>
+            </a:r>
+          </a:p>
+          <a:p>
+            <a:r>
+              <a:rPr lang="en-US" sz="2800" dirty="0" smtClean="0"/>
+              <a:t>APB (AMBA Advanced Peripheral Bus) p</a:t>
+            </a:r>
+            <a:r>
+              <a:rPr lang="en-US" sz="2400" dirty="0" smtClean="0"/>
+              <a:t>rovides access to peripherals and internal memories.</a:t>
+            </a:r>
+          </a:p>
+          <a:p>
+            <a:r>
+              <a:rPr lang="en-US" sz="2800" dirty="0" smtClean="0"/>
+              <a:t>ATB (AMBA Trace Bus) s</a:t>
+            </a:r>
+            <a:r>
+              <a:rPr lang="en-US" sz="2400" dirty="0" smtClean="0"/>
+              <a:t>upports the trace features for the ARM cluster.</a:t>
+            </a:r>
+          </a:p>
+        </p:txBody>
+      </p:sp>
+    </p:spTree>
+  </p:cSld>
+  <p:clrMapOvr>
+    <a:masterClrMapping/>
+  </p:clrMapOvr>
+</p:sld>
+</file>
+
+<file path=ppt/slides/slide26.xml><?xml version="1.0" encoding="utf-8"?>
 <p:sld xmlns:a="http://schemas.openxmlformats.org/drawingml/2006/main" xmlns:r="http://schemas.openxmlformats.org/officeDocument/2006/relationships" xmlns:p="http://schemas.openxmlformats.org/presentationml/2006/main" show="0">
   <p:cSld>
     <p:spTree>
@@ -6129,7 +7020,7 @@
 </p:sld>
 </file>
 
-<file path=ppt/slides/slide24.xml><?xml version="1.0" encoding="utf-8"?>
+<file path=ppt/slides/slide27.xml><?xml version="1.0" encoding="utf-8"?>
 <p:sld xmlns:a="http://schemas.openxmlformats.org/drawingml/2006/main" xmlns:r="http://schemas.openxmlformats.org/officeDocument/2006/relationships" xmlns:p="http://schemas.openxmlformats.org/presentationml/2006/main">
   <p:cSld>
     <p:spTree>
@@ -6287,7 +7178,7 @@
 </p:sld>
 </file>
 
-<file path=ppt/slides/slide25.xml><?xml version="1.0" encoding="utf-8"?>
+<file path=ppt/slides/slide28.xml><?xml version="1.0" encoding="utf-8"?>
 <p:sld xmlns:a="http://schemas.openxmlformats.org/drawingml/2006/main" xmlns:r="http://schemas.openxmlformats.org/officeDocument/2006/relationships" xmlns:p="http://schemas.openxmlformats.org/presentationml/2006/main">
   <p:cSld>
     <p:spTree>
@@ -6827,381 +7718,6 @@
 </p:sld>
 </file>
 
-<file path=ppt/slides/slide26.xml><?xml version="1.0" encoding="utf-8"?>
-<p:sld xmlns:a="http://schemas.openxmlformats.org/drawingml/2006/main" xmlns:r="http://schemas.openxmlformats.org/officeDocument/2006/relationships" xmlns:p="http://schemas.openxmlformats.org/presentationml/2006/main">
-  <p:cSld>
-    <p:spTree>
-      <p:nvGrpSpPr>
-        <p:cNvPr id="1" name=""/>
-        <p:cNvGrpSpPr/>
-        <p:nvPr/>
-      </p:nvGrpSpPr>
-      <p:grpSpPr>
-        <a:xfrm>
-          <a:off x="0" y="0"/>
-          <a:ext cx="0" cy="0"/>
-          <a:chOff x="0" y="0"/>
-          <a:chExt cx="0" cy="0"/>
-        </a:xfrm>
-      </p:grpSpPr>
-      <p:sp>
-        <p:nvSpPr>
-          <p:cNvPr id="2" name="Title 1"/>
-          <p:cNvSpPr>
-            <a:spLocks noGrp="1"/>
-          </p:cNvSpPr>
-          <p:nvPr>
-            <p:ph type="title"/>
-          </p:nvPr>
-        </p:nvSpPr>
-        <p:spPr>
-          <a:xfrm>
-            <a:off x="381000" y="259080"/>
-            <a:ext cx="8229600" cy="762000"/>
-          </a:xfrm>
-        </p:spPr>
-        <p:txBody>
-          <a:bodyPr>
-            <a:normAutofit/>
-          </a:bodyPr>
-          <a:lstStyle/>
-          <a:p>
-            <a:r>
-              <a:rPr lang="en-US" sz="4000" dirty="0" smtClean="0"/>
-              <a:t>ARM CorePac: Cache and Coherency </a:t>
-            </a:r>
-            <a:endParaRPr lang="en-US" sz="4000" dirty="0"/>
-          </a:p>
-        </p:txBody>
-      </p:sp>
-      <p:sp>
-        <p:nvSpPr>
-          <p:cNvPr id="3" name="Content Placeholder 2"/>
-          <p:cNvSpPr>
-            <a:spLocks noGrp="1"/>
-          </p:cNvSpPr>
-          <p:nvPr>
-            <p:ph idx="1"/>
-          </p:nvPr>
-        </p:nvSpPr>
-        <p:spPr>
-          <a:xfrm>
-            <a:off x="337285" y="1470660"/>
-            <a:ext cx="8402855" cy="4191000"/>
-          </a:xfrm>
-        </p:spPr>
-        <p:txBody>
-          <a:bodyPr>
-            <a:normAutofit/>
-          </a:bodyPr>
-          <a:lstStyle/>
-          <a:p>
-            <a:r>
-              <a:rPr lang="en-US" sz="2200" dirty="0" smtClean="0"/>
-              <a:t>L1 to L2 cache coherency based on SCU (Snoop Control Unit) algorithm.</a:t>
-            </a:r>
-          </a:p>
-          <a:p>
-            <a:r>
-              <a:rPr lang="en-US" sz="2200" dirty="0" smtClean="0"/>
-              <a:t>Unified L2 Cache coherency for external (to the CorePac) memory and IO; Based on snooping cache coherency protocol. </a:t>
-            </a:r>
-          </a:p>
-          <a:p>
-            <a:pPr lvl="1"/>
-            <a:r>
-              <a:rPr lang="en-US" sz="2200" dirty="0" smtClean="0"/>
-              <a:t>Between ARM cache and DDR3A</a:t>
-            </a:r>
-          </a:p>
-          <a:p>
-            <a:pPr lvl="1"/>
-            <a:r>
-              <a:rPr lang="en-US" sz="2200" dirty="0" smtClean="0"/>
-              <a:t>Between ARM cache and MSMC SRAM (on-chip scratch memory)</a:t>
-            </a:r>
-          </a:p>
-          <a:p>
-            <a:pPr lvl="1"/>
-            <a:r>
-              <a:rPr lang="en-US" sz="2200" dirty="0" smtClean="0"/>
-              <a:t>No IO or DDRB coherency supported by the hardware. </a:t>
-            </a:r>
-          </a:p>
-        </p:txBody>
-      </p:sp>
-    </p:spTree>
-    <p:custDataLst>
-      <p:tags r:id="rId1"/>
-    </p:custDataLst>
-  </p:cSld>
-  <p:clrMapOvr>
-    <a:masterClrMapping/>
-  </p:clrMapOvr>
-  <p:timing>
-    <p:tnLst>
-      <p:par>
-        <p:cTn id="1" dur="indefinite" restart="never" nodeType="tmRoot"/>
-      </p:par>
-    </p:tnLst>
-  </p:timing>
-</p:sld>
-</file>
-
-<file path=ppt/slides/slide27.xml><?xml version="1.0" encoding="utf-8"?>
-<p:sld xmlns:a="http://schemas.openxmlformats.org/drawingml/2006/main" xmlns:r="http://schemas.openxmlformats.org/officeDocument/2006/relationships" xmlns:p="http://schemas.openxmlformats.org/presentationml/2006/main">
-  <p:cSld>
-    <p:spTree>
-      <p:nvGrpSpPr>
-        <p:cNvPr id="1" name=""/>
-        <p:cNvGrpSpPr/>
-        <p:nvPr/>
-      </p:nvGrpSpPr>
-      <p:grpSpPr>
-        <a:xfrm>
-          <a:off x="0" y="0"/>
-          <a:ext cx="0" cy="0"/>
-          <a:chOff x="0" y="0"/>
-          <a:chExt cx="0" cy="0"/>
-        </a:xfrm>
-      </p:grpSpPr>
-      <p:sp>
-        <p:nvSpPr>
-          <p:cNvPr id="2" name="Title 1"/>
-          <p:cNvSpPr>
-            <a:spLocks noGrp="1"/>
-          </p:cNvSpPr>
-          <p:nvPr>
-            <p:ph type="title"/>
-          </p:nvPr>
-        </p:nvSpPr>
-        <p:spPr>
-          <a:xfrm>
-            <a:off x="457200" y="381000"/>
-            <a:ext cx="8229600" cy="762000"/>
-          </a:xfrm>
-        </p:spPr>
-        <p:txBody>
-          <a:bodyPr>
-            <a:normAutofit/>
-          </a:bodyPr>
-          <a:lstStyle/>
-          <a:p>
-            <a:r>
-              <a:rPr lang="en-US" sz="4000" dirty="0" smtClean="0"/>
-              <a:t>Error Correction and Latency</a:t>
-            </a:r>
-            <a:endParaRPr lang="en-US" sz="4000" dirty="0"/>
-          </a:p>
-        </p:txBody>
-      </p:sp>
-      <p:sp>
-        <p:nvSpPr>
-          <p:cNvPr id="3" name="Content Placeholder 2"/>
-          <p:cNvSpPr>
-            <a:spLocks noGrp="1"/>
-          </p:cNvSpPr>
-          <p:nvPr>
-            <p:ph idx="1"/>
-          </p:nvPr>
-        </p:nvSpPr>
-        <p:spPr>
-          <a:xfrm>
-            <a:off x="381000" y="1371600"/>
-            <a:ext cx="8402855" cy="4572000"/>
-          </a:xfrm>
-        </p:spPr>
-        <p:txBody>
-          <a:bodyPr>
-            <a:normAutofit/>
-          </a:bodyPr>
-          <a:lstStyle/>
-          <a:p>
-            <a:r>
-              <a:rPr lang="en-US" sz="2200" dirty="0" smtClean="0"/>
-              <a:t>32KB L1 cache program, 32KB L1 cache data</a:t>
-            </a:r>
-          </a:p>
-          <a:p>
-            <a:r>
-              <a:rPr lang="en-US" sz="2200" dirty="0" smtClean="0"/>
-              <a:t>Large L2 cache (4MB, 16-way set associative)</a:t>
-            </a:r>
-          </a:p>
-          <a:p>
-            <a:pPr lvl="1"/>
-            <a:r>
-              <a:rPr lang="en-US" sz="2200" dirty="0" smtClean="0"/>
-              <a:t>1MB, 16-way set associative in some variants</a:t>
-            </a:r>
-          </a:p>
-          <a:p>
-            <a:r>
-              <a:rPr lang="en-US" sz="2200" dirty="0" smtClean="0"/>
-              <a:t>Internal and external memory Error Correction Code (ECC)</a:t>
-            </a:r>
-          </a:p>
-          <a:p>
-            <a:pPr lvl="1"/>
-            <a:r>
-              <a:rPr lang="en-US" sz="2200" dirty="0" smtClean="0"/>
-              <a:t>1 bit error correct, 2 bits error detect</a:t>
-            </a:r>
-          </a:p>
-          <a:p>
-            <a:r>
-              <a:rPr lang="en-US" sz="2200" dirty="0" smtClean="0"/>
-              <a:t>L1 hit – 4 cycles latency (4 stage load pipeline, can be hidden)</a:t>
-            </a:r>
-          </a:p>
-          <a:p>
-            <a:r>
-              <a:rPr lang="en-US" sz="2200" dirty="0" smtClean="0"/>
-              <a:t>L1 miss, L2 hit – 20 cycles (4MB) or less (16 cycles 1MB)</a:t>
-            </a:r>
-          </a:p>
-          <a:p>
-            <a:r>
-              <a:rPr lang="en-US" sz="2200" dirty="0" smtClean="0"/>
-              <a:t>L2 miss MSMC SRAM  - ~50 cycles</a:t>
-            </a:r>
-          </a:p>
-          <a:p>
-            <a:r>
-              <a:rPr lang="en-US" sz="2200" dirty="0" smtClean="0"/>
-              <a:t>L2 miss DDRA memory ~100ns (~140 cycles) if DDR page is open</a:t>
-            </a:r>
-            <a:endParaRPr lang="en-US" sz="1800" dirty="0" smtClean="0"/>
-          </a:p>
-        </p:txBody>
-      </p:sp>
-    </p:spTree>
-    <p:custDataLst>
-      <p:tags r:id="rId1"/>
-    </p:custDataLst>
-  </p:cSld>
-  <p:clrMapOvr>
-    <a:masterClrMapping/>
-  </p:clrMapOvr>
-  <p:timing>
-    <p:tnLst>
-      <p:par>
-        <p:cTn id="1" dur="indefinite" restart="never" nodeType="tmRoot"/>
-      </p:par>
-    </p:tnLst>
-  </p:timing>
-</p:sld>
-</file>
-
-<file path=ppt/slides/slide28.xml><?xml version="1.0" encoding="utf-8"?>
-<p:sld xmlns:a="http://schemas.openxmlformats.org/drawingml/2006/main" xmlns:r="http://schemas.openxmlformats.org/officeDocument/2006/relationships" xmlns:p="http://schemas.openxmlformats.org/presentationml/2006/main">
-  <p:cSld>
-    <p:spTree>
-      <p:nvGrpSpPr>
-        <p:cNvPr id="1" name=""/>
-        <p:cNvGrpSpPr/>
-        <p:nvPr/>
-      </p:nvGrpSpPr>
-      <p:grpSpPr>
-        <a:xfrm>
-          <a:off x="0" y="0"/>
-          <a:ext cx="0" cy="0"/>
-          <a:chOff x="0" y="0"/>
-          <a:chExt cx="0" cy="0"/>
-        </a:xfrm>
-      </p:grpSpPr>
-      <p:sp>
-        <p:nvSpPr>
-          <p:cNvPr id="2" name="Title 1"/>
-          <p:cNvSpPr>
-            <a:spLocks noGrp="1"/>
-          </p:cNvSpPr>
-          <p:nvPr>
-            <p:ph type="title"/>
-          </p:nvPr>
-        </p:nvSpPr>
-        <p:spPr>
-          <a:xfrm>
-            <a:off x="457200" y="381000"/>
-            <a:ext cx="8229600" cy="762000"/>
-          </a:xfrm>
-        </p:spPr>
-        <p:txBody>
-          <a:bodyPr>
-            <a:normAutofit/>
-          </a:bodyPr>
-          <a:lstStyle/>
-          <a:p>
-            <a:r>
-              <a:rPr lang="en-US" sz="4000" dirty="0" smtClean="0"/>
-              <a:t>Reliability</a:t>
-            </a:r>
-            <a:endParaRPr lang="en-US" sz="4000" dirty="0"/>
-          </a:p>
-        </p:txBody>
-      </p:sp>
-      <p:sp>
-        <p:nvSpPr>
-          <p:cNvPr id="3" name="Content Placeholder 2"/>
-          <p:cNvSpPr>
-            <a:spLocks noGrp="1"/>
-          </p:cNvSpPr>
-          <p:nvPr>
-            <p:ph idx="1"/>
-          </p:nvPr>
-        </p:nvSpPr>
-        <p:spPr>
-          <a:xfrm>
-            <a:off x="381000" y="1676400"/>
-            <a:ext cx="8402855" cy="2667000"/>
-          </a:xfrm>
-        </p:spPr>
-        <p:txBody>
-          <a:bodyPr>
-            <a:normAutofit/>
-          </a:bodyPr>
-          <a:lstStyle/>
-          <a:p>
-            <a:pPr marL="0" indent="0">
-              <a:buNone/>
-            </a:pPr>
-            <a:r>
-              <a:rPr lang="en-US" dirty="0" smtClean="0"/>
-              <a:t>The KeyStone II ARM A15 CorePac is designed for high-reliability embedded applications;</a:t>
-            </a:r>
-            <a:br>
-              <a:rPr lang="en-US" dirty="0" smtClean="0"/>
-            </a:br>
-            <a:r>
-              <a:rPr lang="en-US" dirty="0" smtClean="0"/>
-              <a:t>100k power-on hours at 105C</a:t>
-            </a:r>
-            <a:r>
-              <a:rPr lang="en-US" sz="1800" dirty="0" smtClean="0"/>
-              <a:t>.</a:t>
-            </a:r>
-            <a:endParaRPr lang="en-US" dirty="0" smtClean="0"/>
-          </a:p>
-        </p:txBody>
-      </p:sp>
-    </p:spTree>
-    <p:custDataLst>
-      <p:tags r:id="rId1"/>
-    </p:custDataLst>
-  </p:cSld>
-  <p:clrMapOvr>
-    <a:masterClrMapping/>
-  </p:clrMapOvr>
-  <p:timing>
-    <p:tnLst>
-      <p:par>
-        <p:cTn id="1" dur="indefinite" restart="never" nodeType="tmRoot"/>
-      </p:par>
-    </p:tnLst>
-  </p:timing>
-</p:sld>
-</file>
-
 <file path=ppt/slides/slide29.xml><?xml version="1.0" encoding="utf-8"?>
 <p:sld xmlns:a="http://schemas.openxmlformats.org/drawingml/2006/main" xmlns:r="http://schemas.openxmlformats.org/officeDocument/2006/relationships" xmlns:p="http://schemas.openxmlformats.org/presentationml/2006/main">
   <p:cSld>
@@ -7229,7 +7745,12 @@
             <p:ph type="title"/>
           </p:nvPr>
         </p:nvSpPr>
-        <p:spPr/>
+        <p:spPr>
+          <a:xfrm>
+            <a:off x="381000" y="259080"/>
+            <a:ext cx="8229600" cy="762000"/>
+          </a:xfrm>
+        </p:spPr>
         <p:txBody>
           <a:bodyPr>
             <a:normAutofit/>
@@ -7238,7 +7759,7 @@
           <a:p>
             <a:r>
               <a:rPr lang="en-US" sz="4000" dirty="0" smtClean="0"/>
-              <a:t>Benchmarks</a:t>
+              <a:t>ARM CorePac: Cache and Coherency </a:t>
             </a:r>
             <a:endParaRPr lang="en-US" sz="4000" dirty="0"/>
           </a:p>
@@ -7254,7 +7775,12 @@
             <p:ph idx="1"/>
           </p:nvPr>
         </p:nvSpPr>
-        <p:spPr/>
+        <p:spPr>
+          <a:xfrm>
+            <a:off x="337285" y="1470660"/>
+            <a:ext cx="8402855" cy="4191000"/>
+          </a:xfrm>
+        </p:spPr>
         <p:txBody>
           <a:bodyPr>
             <a:normAutofit/>
@@ -7262,72 +7788,54 @@
           <a:lstStyle/>
           <a:p>
             <a:r>
-              <a:rPr lang="en-US" dirty="0" smtClean="0"/>
-              <a:t>ARM </a:t>
-            </a:r>
-            <a:r>
-              <a:rPr lang="en-US" dirty="0" err="1" smtClean="0"/>
-              <a:t>CorePac</a:t>
-            </a:r>
-            <a:r>
-              <a:rPr lang="en-US" dirty="0" smtClean="0"/>
-              <a:t> in </a:t>
-            </a:r>
-            <a:r>
-              <a:rPr lang="en-US" dirty="0" err="1" smtClean="0"/>
-              <a:t>KeyStone</a:t>
-            </a:r>
-            <a:r>
-              <a:rPr lang="en-US" dirty="0" smtClean="0"/>
-              <a:t> II</a:t>
-            </a:r>
-          </a:p>
-          <a:p>
-            <a:r>
-              <a:rPr lang="en-US" dirty="0" smtClean="0"/>
-              <a:t>ARM Cortex A-15 Features</a:t>
-            </a:r>
-          </a:p>
-          <a:p>
-            <a:r>
-              <a:rPr lang="en-US" dirty="0" smtClean="0"/>
-              <a:t>Interface to the SOC and Coherency Issues</a:t>
-            </a:r>
-          </a:p>
-          <a:p>
-            <a:r>
-              <a:rPr lang="en-US" b="1" dirty="0" smtClean="0"/>
-              <a:t>Benchmarks</a:t>
-            </a:r>
-          </a:p>
-          <a:p>
-            <a:r>
-              <a:rPr lang="en-US" dirty="0" smtClean="0"/>
-              <a:t>Interrupt Controller</a:t>
-            </a:r>
-          </a:p>
-          <a:p>
-            <a:r>
-              <a:rPr lang="en-US" dirty="0" smtClean="0"/>
-              <a:t>Power Management</a:t>
-            </a:r>
-          </a:p>
-          <a:p>
-            <a:r>
-              <a:rPr lang="en-US" dirty="0" smtClean="0"/>
-              <a:t>Debug and Trace</a:t>
-            </a:r>
-          </a:p>
-          <a:p>
-            <a:endParaRPr lang="en-US" dirty="0"/>
+              <a:rPr lang="en-US" sz="2200" dirty="0" smtClean="0"/>
+              <a:t>L1 to L2 cache coherency based on SCU (Snoop Control Unit) algorithm.</a:t>
+            </a:r>
+          </a:p>
+          <a:p>
+            <a:r>
+              <a:rPr lang="en-US" sz="2200" dirty="0" smtClean="0"/>
+              <a:t>Unified L2 Cache coherency for external (to the CorePac) memory and IO; Based on snooping cache coherency protocol. </a:t>
+            </a:r>
+          </a:p>
+          <a:p>
+            <a:pPr lvl="1"/>
+            <a:r>
+              <a:rPr lang="en-US" sz="2200" dirty="0" smtClean="0"/>
+              <a:t>Between ARM cache and DDR3A</a:t>
+            </a:r>
+          </a:p>
+          <a:p>
+            <a:pPr lvl="1"/>
+            <a:r>
+              <a:rPr lang="en-US" sz="2200" dirty="0" smtClean="0"/>
+              <a:t>Between ARM cache and MSMC SRAM (on-chip scratch memory)</a:t>
+            </a:r>
+          </a:p>
+          <a:p>
+            <a:pPr lvl="1"/>
+            <a:r>
+              <a:rPr lang="en-US" sz="2200" dirty="0" smtClean="0"/>
+              <a:t>No IO or DDRB coherency supported by the hardware. </a:t>
+            </a:r>
           </a:p>
         </p:txBody>
       </p:sp>
     </p:spTree>
+    <p:custDataLst>
+      <p:tags r:id="rId1"/>
+    </p:custDataLst>
   </p:cSld>
   <p:clrMapOvr>
     <a:masterClrMapping/>
   </p:clrMapOvr>
+  <p:timing>
+    <p:tnLst>
+      <p:par>
+        <p:cTn id="1" dur="indefinite" restart="never" nodeType="tmRoot"/>
+      </p:par>
+    </p:tnLst>
+  </p:timing>
 </p:sld>
 </file>
 
@@ -7367,15 +7875,7 @@
           <a:p>
             <a:r>
               <a:rPr lang="en-US" sz="4000" dirty="0" smtClean="0"/>
-              <a:t>ARM CorePac in </a:t>
-            </a:r>
-            <a:r>
-              <a:rPr lang="en-US" sz="4000" dirty="0" err="1" smtClean="0"/>
-              <a:t>KeyStone</a:t>
-            </a:r>
-            <a:r>
-              <a:rPr lang="en-US" sz="4000" dirty="0" smtClean="0"/>
-              <a:t> II</a:t>
+              <a:t>ARM CorePac in KeyStone II</a:t>
             </a:r>
           </a:p>
         </p:txBody>
@@ -7399,23 +7899,7 @@
           <a:p>
             <a:r>
               <a:rPr lang="en-US" b="1" dirty="0" smtClean="0"/>
-              <a:t>ARM </a:t>
-            </a:r>
-            <a:r>
-              <a:rPr lang="en-US" b="1" dirty="0" err="1" smtClean="0"/>
-              <a:t>CorePac</a:t>
-            </a:r>
-            <a:r>
-              <a:rPr lang="en-US" b="1" dirty="0" smtClean="0"/>
-              <a:t> in </a:t>
-            </a:r>
-            <a:r>
-              <a:rPr lang="en-US" b="1" dirty="0" err="1" smtClean="0"/>
-              <a:t>KeyStone</a:t>
-            </a:r>
-            <a:r>
-              <a:rPr lang="en-US" b="1" dirty="0" smtClean="0"/>
-              <a:t> II</a:t>
+              <a:t>ARM CorePac in KeyStone II</a:t>
             </a:r>
           </a:p>
           <a:p>
@@ -7461,6 +7945,13 @@
   <p:clrMapOvr>
     <a:masterClrMapping/>
   </p:clrMapOvr>
+  <p:timing>
+    <p:tnLst>
+      <p:par>
+        <p:cTn id="1" dur="indefinite" restart="never" nodeType="tmRoot"/>
+      </p:par>
+    </p:tnLst>
+  </p:timing>
 </p:sld>
 </file>
 
@@ -7493,7 +7984,7 @@
         </p:nvSpPr>
         <p:spPr>
           <a:xfrm>
-            <a:off x="411480" y="190500"/>
+            <a:off x="457200" y="381000"/>
             <a:ext cx="8229600" cy="762000"/>
           </a:xfrm>
         </p:spPr>
@@ -7505,7 +7996,7 @@
           <a:p>
             <a:r>
               <a:rPr lang="en-US" sz="4000" dirty="0" smtClean="0"/>
-              <a:t>Benchmarks Overview</a:t>
+              <a:t>Error Correction and Latency</a:t>
             </a:r>
             <a:endParaRPr lang="en-US" sz="4000" dirty="0"/>
           </a:p>
@@ -7523,7 +8014,7 @@
         </p:nvSpPr>
         <p:spPr>
           <a:xfrm>
-            <a:off x="375385" y="1264920"/>
+            <a:off x="381000" y="1371600"/>
             <a:ext cx="8402855" cy="4572000"/>
           </a:xfrm>
         </p:spPr>
@@ -7534,38 +8025,59 @@
           <a:lstStyle/>
           <a:p>
             <a:r>
-              <a:rPr lang="en-US" sz="2400" dirty="0" smtClean="0"/>
-              <a:t>Dhrystone, DMIPS/MHz, CPU core and L1 only:</a:t>
+              <a:rPr lang="en-US" sz="2200" dirty="0" smtClean="0"/>
+              <a:t>32KB L1 cache program, 32KB L1 cache data</a:t>
+            </a:r>
+          </a:p>
+          <a:p>
+            <a:r>
+              <a:rPr lang="en-US" sz="2200" dirty="0" smtClean="0"/>
+              <a:t>Large L2 cache (4MB, 16-way set associative)</a:t>
             </a:r>
           </a:p>
           <a:p>
             <a:pPr lvl="1"/>
             <a:r>
-              <a:rPr lang="en-US" sz="2400" dirty="0" smtClean="0"/>
-              <a:t>3.5 DMIPS/MHz (highly dependant on compiler)</a:t>
+              <a:rPr lang="en-US" sz="2200" dirty="0" smtClean="0"/>
+              <a:t>1MB, 16-way set associative in some variants</a:t>
+            </a:r>
+          </a:p>
+          <a:p>
+            <a:r>
+              <a:rPr lang="en-US" sz="2200" dirty="0" smtClean="0"/>
+              <a:t>Internal and external memory Error Correction Code (ECC)</a:t>
             </a:r>
           </a:p>
           <a:p>
             <a:pPr lvl="1"/>
             <a:r>
-              <a:rPr lang="en-US" sz="2400" dirty="0" smtClean="0"/>
-              <a:t>19600 DMIPS with KeyStone II Quad-ARM CorePac at 1.4GHz</a:t>
-            </a:r>
-          </a:p>
-          <a:p>
-            <a:r>
-              <a:rPr lang="en-US" sz="2400" dirty="0" smtClean="0"/>
-              <a:t>Floating point:</a:t>
-            </a:r>
-          </a:p>
-          <a:p>
-            <a:pPr lvl="1"/>
-            <a:r>
-              <a:rPr lang="en-US" sz="2400" dirty="0" smtClean="0"/>
-              <a:t>Quad single-precision IEEE-754 FMAC per cycle</a:t>
-            </a:r>
-          </a:p>
-          <a:p>
+              <a:rPr lang="en-US" sz="2200" dirty="0" smtClean="0"/>
+              <a:t>1 bit error correct, 2 bits error detect</a:t>
+            </a:r>
+          </a:p>
+          <a:p>
+            <a:r>
+              <a:rPr lang="en-US" sz="2200" dirty="0" smtClean="0"/>
+              <a:t>L1 hit – 4 cycles latency (4 stage load pipeline, can be hidden)</a:t>
+            </a:r>
+          </a:p>
+          <a:p>
+            <a:r>
+              <a:rPr lang="en-US" sz="2200" dirty="0" smtClean="0"/>
+              <a:t>L1 miss, L2 hit – 20 cycles (4MB) or less (16 cycles 1MB)</a:t>
+            </a:r>
+          </a:p>
+          <a:p>
+            <a:r>
+              <a:rPr lang="en-US" sz="2200" dirty="0" smtClean="0"/>
+              <a:t>L2 miss MSMC SRAM  - ~50 cycles</a:t>
+            </a:r>
+          </a:p>
+          <a:p>
+            <a:r>
+              <a:rPr lang="en-US" sz="2200" dirty="0" smtClean="0"/>
+              <a:t>L2 miss DDRA memory ~100ns (~140 cycles) if DDR page is open</a:t>
+            </a:r>
             <a:endParaRPr lang="en-US" sz="1800" dirty="0" smtClean="0"/>
           </a:p>
         </p:txBody>
@@ -7589,6 +8101,352 @@
 </file>
 
 <file path=ppt/slides/slide31.xml><?xml version="1.0" encoding="utf-8"?>
+<p:sld xmlns:a="http://schemas.openxmlformats.org/drawingml/2006/main" xmlns:r="http://schemas.openxmlformats.org/officeDocument/2006/relationships" xmlns:p="http://schemas.openxmlformats.org/presentationml/2006/main">
+  <p:cSld>
+    <p:spTree>
+      <p:nvGrpSpPr>
+        <p:cNvPr id="1" name=""/>
+        <p:cNvGrpSpPr/>
+        <p:nvPr/>
+      </p:nvGrpSpPr>
+      <p:grpSpPr>
+        <a:xfrm>
+          <a:off x="0" y="0"/>
+          <a:ext cx="0" cy="0"/>
+          <a:chOff x="0" y="0"/>
+          <a:chExt cx="0" cy="0"/>
+        </a:xfrm>
+      </p:grpSpPr>
+      <p:sp>
+        <p:nvSpPr>
+          <p:cNvPr id="2" name="Title 1"/>
+          <p:cNvSpPr>
+            <a:spLocks noGrp="1"/>
+          </p:cNvSpPr>
+          <p:nvPr>
+            <p:ph type="title"/>
+          </p:nvPr>
+        </p:nvSpPr>
+        <p:spPr>
+          <a:xfrm>
+            <a:off x="457200" y="381000"/>
+            <a:ext cx="8229600" cy="762000"/>
+          </a:xfrm>
+        </p:spPr>
+        <p:txBody>
+          <a:bodyPr>
+            <a:normAutofit/>
+          </a:bodyPr>
+          <a:lstStyle/>
+          <a:p>
+            <a:r>
+              <a:rPr lang="en-US" sz="4000" dirty="0" smtClean="0"/>
+              <a:t>Reliability</a:t>
+            </a:r>
+            <a:endParaRPr lang="en-US" sz="4000" dirty="0"/>
+          </a:p>
+        </p:txBody>
+      </p:sp>
+      <p:sp>
+        <p:nvSpPr>
+          <p:cNvPr id="3" name="Content Placeholder 2"/>
+          <p:cNvSpPr>
+            <a:spLocks noGrp="1"/>
+          </p:cNvSpPr>
+          <p:nvPr>
+            <p:ph idx="1"/>
+          </p:nvPr>
+        </p:nvSpPr>
+        <p:spPr>
+          <a:xfrm>
+            <a:off x="381000" y="1676400"/>
+            <a:ext cx="8402855" cy="2667000"/>
+          </a:xfrm>
+        </p:spPr>
+        <p:txBody>
+          <a:bodyPr>
+            <a:normAutofit/>
+          </a:bodyPr>
+          <a:lstStyle/>
+          <a:p>
+            <a:pPr marL="0" indent="0">
+              <a:buNone/>
+            </a:pPr>
+            <a:r>
+              <a:rPr lang="en-US" dirty="0" smtClean="0"/>
+              <a:t>The KeyStone II ARM A15 CorePac is designed for high-reliability embedded applications;</a:t>
+            </a:r>
+            <a:br>
+              <a:rPr lang="en-US" dirty="0" smtClean="0"/>
+            </a:br>
+            <a:r>
+              <a:rPr lang="en-US" dirty="0" smtClean="0"/>
+              <a:t>100k power-on hours at 105C</a:t>
+            </a:r>
+            <a:r>
+              <a:rPr lang="en-US" sz="1800" dirty="0" smtClean="0"/>
+              <a:t>.</a:t>
+            </a:r>
+            <a:endParaRPr lang="en-US" dirty="0" smtClean="0"/>
+          </a:p>
+        </p:txBody>
+      </p:sp>
+    </p:spTree>
+    <p:custDataLst>
+      <p:tags r:id="rId1"/>
+    </p:custDataLst>
+  </p:cSld>
+  <p:clrMapOvr>
+    <a:masterClrMapping/>
+  </p:clrMapOvr>
+  <p:timing>
+    <p:tnLst>
+      <p:par>
+        <p:cTn id="1" dur="indefinite" restart="never" nodeType="tmRoot"/>
+      </p:par>
+    </p:tnLst>
+  </p:timing>
+</p:sld>
+</file>
+
+<file path=ppt/slides/slide32.xml><?xml version="1.0" encoding="utf-8"?>
+<p:sld xmlns:a="http://schemas.openxmlformats.org/drawingml/2006/main" xmlns:r="http://schemas.openxmlformats.org/officeDocument/2006/relationships" xmlns:p="http://schemas.openxmlformats.org/presentationml/2006/main">
+  <p:cSld>
+    <p:spTree>
+      <p:nvGrpSpPr>
+        <p:cNvPr id="1" name=""/>
+        <p:cNvGrpSpPr/>
+        <p:nvPr/>
+      </p:nvGrpSpPr>
+      <p:grpSpPr>
+        <a:xfrm>
+          <a:off x="0" y="0"/>
+          <a:ext cx="0" cy="0"/>
+          <a:chOff x="0" y="0"/>
+          <a:chExt cx="0" cy="0"/>
+        </a:xfrm>
+      </p:grpSpPr>
+      <p:sp>
+        <p:nvSpPr>
+          <p:cNvPr id="2" name="Title 1"/>
+          <p:cNvSpPr>
+            <a:spLocks noGrp="1"/>
+          </p:cNvSpPr>
+          <p:nvPr>
+            <p:ph type="title"/>
+          </p:nvPr>
+        </p:nvSpPr>
+        <p:spPr/>
+        <p:txBody>
+          <a:bodyPr>
+            <a:normAutofit/>
+          </a:bodyPr>
+          <a:lstStyle/>
+          <a:p>
+            <a:r>
+              <a:rPr lang="en-US" sz="4000" dirty="0" smtClean="0"/>
+              <a:t>Benchmarks</a:t>
+            </a:r>
+            <a:endParaRPr lang="en-US" sz="4000" dirty="0"/>
+          </a:p>
+        </p:txBody>
+      </p:sp>
+      <p:sp>
+        <p:nvSpPr>
+          <p:cNvPr id="3" name="Content Placeholder 2"/>
+          <p:cNvSpPr>
+            <a:spLocks noGrp="1"/>
+          </p:cNvSpPr>
+          <p:nvPr>
+            <p:ph idx="1"/>
+          </p:nvPr>
+        </p:nvSpPr>
+        <p:spPr/>
+        <p:txBody>
+          <a:bodyPr>
+            <a:normAutofit/>
+          </a:bodyPr>
+          <a:lstStyle/>
+          <a:p>
+            <a:r>
+              <a:rPr lang="en-US" dirty="0" smtClean="0"/>
+              <a:t>ARM CorePac in KeyStone II</a:t>
+            </a:r>
+          </a:p>
+          <a:p>
+            <a:r>
+              <a:rPr lang="en-US" dirty="0" smtClean="0"/>
+              <a:t>ARM Cortex A-15 Features</a:t>
+            </a:r>
+          </a:p>
+          <a:p>
+            <a:r>
+              <a:rPr lang="en-US" dirty="0" smtClean="0"/>
+              <a:t>Interface to the SOC and Coherency Issues</a:t>
+            </a:r>
+          </a:p>
+          <a:p>
+            <a:r>
+              <a:rPr lang="en-US" b="1" dirty="0" smtClean="0"/>
+              <a:t>Benchmarks</a:t>
+            </a:r>
+          </a:p>
+          <a:p>
+            <a:r>
+              <a:rPr lang="en-US" dirty="0" smtClean="0"/>
+              <a:t>Interrupt Controller</a:t>
+            </a:r>
+          </a:p>
+          <a:p>
+            <a:r>
+              <a:rPr lang="en-US" dirty="0" smtClean="0"/>
+              <a:t>Power Management</a:t>
+            </a:r>
+          </a:p>
+          <a:p>
+            <a:r>
+              <a:rPr lang="en-US" dirty="0" smtClean="0"/>
+              <a:t>Debug and Trace</a:t>
+            </a:r>
+          </a:p>
+          <a:p>
+            <a:endParaRPr lang="en-US" dirty="0"/>
+          </a:p>
+        </p:txBody>
+      </p:sp>
+    </p:spTree>
+  </p:cSld>
+  <p:clrMapOvr>
+    <a:masterClrMapping/>
+  </p:clrMapOvr>
+</p:sld>
+</file>
+
+<file path=ppt/slides/slide33.xml><?xml version="1.0" encoding="utf-8"?>
+<p:sld xmlns:a="http://schemas.openxmlformats.org/drawingml/2006/main" xmlns:r="http://schemas.openxmlformats.org/officeDocument/2006/relationships" xmlns:p="http://schemas.openxmlformats.org/presentationml/2006/main">
+  <p:cSld>
+    <p:spTree>
+      <p:nvGrpSpPr>
+        <p:cNvPr id="1" name=""/>
+        <p:cNvGrpSpPr/>
+        <p:nvPr/>
+      </p:nvGrpSpPr>
+      <p:grpSpPr>
+        <a:xfrm>
+          <a:off x="0" y="0"/>
+          <a:ext cx="0" cy="0"/>
+          <a:chOff x="0" y="0"/>
+          <a:chExt cx="0" cy="0"/>
+        </a:xfrm>
+      </p:grpSpPr>
+      <p:sp>
+        <p:nvSpPr>
+          <p:cNvPr id="2" name="Title 1"/>
+          <p:cNvSpPr>
+            <a:spLocks noGrp="1"/>
+          </p:cNvSpPr>
+          <p:nvPr>
+            <p:ph type="title"/>
+          </p:nvPr>
+        </p:nvSpPr>
+        <p:spPr>
+          <a:xfrm>
+            <a:off x="411480" y="190500"/>
+            <a:ext cx="8229600" cy="762000"/>
+          </a:xfrm>
+        </p:spPr>
+        <p:txBody>
+          <a:bodyPr>
+            <a:normAutofit/>
+          </a:bodyPr>
+          <a:lstStyle/>
+          <a:p>
+            <a:r>
+              <a:rPr lang="en-US" sz="4000" dirty="0" smtClean="0"/>
+              <a:t>Benchmarks Overview</a:t>
+            </a:r>
+            <a:endParaRPr lang="en-US" sz="4000" dirty="0"/>
+          </a:p>
+        </p:txBody>
+      </p:sp>
+      <p:sp>
+        <p:nvSpPr>
+          <p:cNvPr id="3" name="Content Placeholder 2"/>
+          <p:cNvSpPr>
+            <a:spLocks noGrp="1"/>
+          </p:cNvSpPr>
+          <p:nvPr>
+            <p:ph idx="1"/>
+          </p:nvPr>
+        </p:nvSpPr>
+        <p:spPr>
+          <a:xfrm>
+            <a:off x="375385" y="1264920"/>
+            <a:ext cx="8402855" cy="4572000"/>
+          </a:xfrm>
+        </p:spPr>
+        <p:txBody>
+          <a:bodyPr>
+            <a:normAutofit/>
+          </a:bodyPr>
+          <a:lstStyle/>
+          <a:p>
+            <a:r>
+              <a:rPr lang="en-US" sz="2400" dirty="0" smtClean="0"/>
+              <a:t>Dhrystone, DMIPS/MHz, CPU core and L1 only:</a:t>
+            </a:r>
+          </a:p>
+          <a:p>
+            <a:pPr lvl="1"/>
+            <a:r>
+              <a:rPr lang="en-US" sz="2400" dirty="0" smtClean="0"/>
+              <a:t>3.5 DMIPS/MHz (highly dependant on compiler)</a:t>
+            </a:r>
+          </a:p>
+          <a:p>
+            <a:pPr lvl="1"/>
+            <a:r>
+              <a:rPr lang="en-US" sz="2400" dirty="0" smtClean="0"/>
+              <a:t>19600 DMIPS with KeyStone II Quad-ARM CorePac at 1.4GHz</a:t>
+            </a:r>
+          </a:p>
+          <a:p>
+            <a:r>
+              <a:rPr lang="en-US" sz="2400" dirty="0" smtClean="0"/>
+              <a:t>Floating point:</a:t>
+            </a:r>
+          </a:p>
+          <a:p>
+            <a:pPr lvl="1"/>
+            <a:r>
+              <a:rPr lang="en-US" sz="2400" dirty="0" smtClean="0"/>
+              <a:t>Quad single-precision IEEE-754 FMAC per cycle</a:t>
+            </a:r>
+          </a:p>
+          <a:p>
+            <a:endParaRPr lang="en-US" sz="1800" dirty="0" smtClean="0"/>
+          </a:p>
+        </p:txBody>
+      </p:sp>
+    </p:spTree>
+    <p:custDataLst>
+      <p:tags r:id="rId1"/>
+    </p:custDataLst>
+  </p:cSld>
+  <p:clrMapOvr>
+    <a:masterClrMapping/>
+  </p:clrMapOvr>
+  <p:timing>
+    <p:tnLst>
+      <p:par>
+        <p:cTn id="1" dur="indefinite" restart="never" nodeType="tmRoot"/>
+      </p:par>
+    </p:tnLst>
+  </p:timing>
+</p:sld>
+</file>
+
+<file path=ppt/slides/slide34.xml><?xml version="1.0" encoding="utf-8"?>
 <p:sld xmlns:a="http://schemas.openxmlformats.org/drawingml/2006/main" xmlns:r="http://schemas.openxmlformats.org/officeDocument/2006/relationships" xmlns:p="http://schemas.openxmlformats.org/presentationml/2006/main">
   <p:cSld>
     <p:spTree>
@@ -7867,7 +8725,7 @@
 </p:sld>
 </file>
 
-<file path=ppt/slides/slide32.xml><?xml version="1.0" encoding="utf-8"?>
+<file path=ppt/slides/slide35.xml><?xml version="1.0" encoding="utf-8"?>
 <p:sld xmlns:a="http://schemas.openxmlformats.org/drawingml/2006/main" xmlns:r="http://schemas.openxmlformats.org/officeDocument/2006/relationships" xmlns:p="http://schemas.openxmlformats.org/presentationml/2006/main">
   <p:cSld>
     <p:spTree>
@@ -7928,23 +8786,7 @@
           <a:p>
             <a:r>
               <a:rPr lang="en-US" dirty="0" smtClean="0"/>
-              <a:t>ARM </a:t>
-            </a:r>
-            <a:r>
-              <a:rPr lang="en-US" dirty="0" err="1" smtClean="0"/>
-              <a:t>CorePac</a:t>
-            </a:r>
-            <a:r>
-              <a:rPr lang="en-US" dirty="0" smtClean="0"/>
-              <a:t> in </a:t>
-            </a:r>
-            <a:r>
-              <a:rPr lang="en-US" dirty="0" err="1" smtClean="0"/>
-              <a:t>KeyStone</a:t>
-            </a:r>
-            <a:r>
-              <a:rPr lang="en-US" dirty="0" smtClean="0"/>
-              <a:t> II</a:t>
+              <a:t>ARM CorePac in KeyStone II</a:t>
             </a:r>
           </a:p>
           <a:p>
@@ -7994,7 +8836,125 @@
 </p:sld>
 </file>
 
-<file path=ppt/slides/slide33.xml><?xml version="1.0" encoding="utf-8"?>
+<file path=ppt/slides/slide36.xml><?xml version="1.0" encoding="utf-8"?>
+<p:sld xmlns:a="http://schemas.openxmlformats.org/drawingml/2006/main" xmlns:r="http://schemas.openxmlformats.org/officeDocument/2006/relationships" xmlns:p="http://schemas.openxmlformats.org/presentationml/2006/main" show="0">
+  <p:cSld>
+    <p:spTree>
+      <p:nvGrpSpPr>
+        <p:cNvPr id="1" name=""/>
+        <p:cNvGrpSpPr/>
+        <p:nvPr/>
+      </p:nvGrpSpPr>
+      <p:grpSpPr>
+        <a:xfrm>
+          <a:off x="0" y="0"/>
+          <a:ext cx="0" cy="0"/>
+          <a:chOff x="0" y="0"/>
+          <a:chExt cx="0" cy="0"/>
+        </a:xfrm>
+      </p:grpSpPr>
+      <p:sp>
+        <p:nvSpPr>
+          <p:cNvPr id="75777" name="Rectangle 2"/>
+          <p:cNvSpPr>
+            <a:spLocks noGrp="1" noChangeArrowheads="1"/>
+          </p:cNvSpPr>
+          <p:nvPr>
+            <p:ph type="title" idx="4294967295"/>
+          </p:nvPr>
+        </p:nvSpPr>
+        <p:spPr>
+          <a:xfrm>
+            <a:off x="0" y="671332"/>
+            <a:ext cx="9144000" cy="646113"/>
+          </a:xfrm>
+        </p:spPr>
+        <p:txBody>
+          <a:bodyPr/>
+          <a:lstStyle/>
+          <a:p>
+            <a:r>
+              <a:rPr lang="en-US" altLang="ko-KR" sz="3600" dirty="0" smtClean="0"/>
+              <a:t>Purpose of Interrupt Controller</a:t>
+            </a:r>
+            <a:endParaRPr lang="en-US" altLang="ko-KR" sz="3600" dirty="0" smtClean="0"/>
+          </a:p>
+        </p:txBody>
+      </p:sp>
+      <p:sp>
+        <p:nvSpPr>
+          <p:cNvPr id="75778" name="Rectangle 3"/>
+          <p:cNvSpPr>
+            <a:spLocks noGrp="1" noChangeArrowheads="1"/>
+          </p:cNvSpPr>
+          <p:nvPr>
+            <p:ph type="body" idx="4294967295"/>
+          </p:nvPr>
+        </p:nvSpPr>
+        <p:spPr>
+          <a:xfrm>
+            <a:off x="152400" y="2245489"/>
+            <a:ext cx="8831579" cy="4201031"/>
+          </a:xfrm>
+        </p:spPr>
+        <p:txBody>
+          <a:bodyPr/>
+          <a:lstStyle/>
+          <a:p>
+            <a:pPr marL="347472" indent="-347472"/>
+            <a:r>
+              <a:rPr lang="en-US" altLang="ko-KR" sz="2000" dirty="0" smtClean="0"/>
+              <a:t>Masking and unmasking of interrupts and events</a:t>
+            </a:r>
+          </a:p>
+          <a:p>
+            <a:pPr marL="347472" indent="-347472"/>
+            <a:r>
+              <a:rPr lang="en-US" altLang="ko-KR" sz="2000" dirty="0" smtClean="0"/>
+              <a:t>Prioritize interrupt</a:t>
+            </a:r>
+          </a:p>
+          <a:p>
+            <a:pPr marL="347472" indent="-347472"/>
+            <a:r>
+              <a:rPr lang="en-US" altLang="ko-KR" sz="2000" dirty="0" smtClean="0"/>
+              <a:t>Distribution of interrupts to the appropriate processor</a:t>
+            </a:r>
+          </a:p>
+          <a:p>
+            <a:pPr marL="347472" indent="-347472"/>
+            <a:r>
+              <a:rPr lang="en-US" altLang="ko-KR" sz="2000" dirty="0" smtClean="0"/>
+              <a:t>Software generation of interrupts</a:t>
+            </a:r>
+          </a:p>
+          <a:p>
+            <a:pPr marL="347472" indent="-347472"/>
+            <a:r>
+              <a:rPr lang="en-US" altLang="ko-KR" sz="2000" dirty="0" smtClean="0"/>
+              <a:t>Tracking the status of interrupt</a:t>
+            </a:r>
+            <a:endParaRPr lang="en-US" altLang="ko-KR" sz="2000" dirty="0" smtClean="0"/>
+          </a:p>
+        </p:txBody>
+      </p:sp>
+    </p:spTree>
+  </p:cSld>
+  <p:clrMapOvr>
+    <a:masterClrMapping/>
+  </p:clrMapOvr>
+  <p:transition/>
+  <p:timing>
+    <p:tnLst>
+      <p:par>
+        <p:cTn id="1" dur="indefinite" restart="never" nodeType="tmRoot"/>
+      </p:par>
+    </p:tnLst>
+  </p:timing>
+</p:sld>
+</file>
+
+<file path=ppt/slides/slide37.xml><?xml version="1.0" encoding="utf-8"?>
 <p:sld xmlns:a="http://schemas.openxmlformats.org/drawingml/2006/main" xmlns:r="http://schemas.openxmlformats.org/officeDocument/2006/relationships" xmlns:p="http://schemas.openxmlformats.org/presentationml/2006/main">
   <p:cSld>
     <p:spTree>
@@ -8157,8 +9117,17 @@
               <a:rPr lang="en-US" altLang="ko-KR" sz="2000" kern="1200" dirty="0" smtClean="0">
                 <a:latin typeface="Arial" pitchFamily="34" charset="0"/>
               </a:rPr>
-              <a:t>Virtual and physical interrupts</a:t>
-            </a:r>
+              <a:t>Virtual and physical </a:t>
+            </a:r>
+            <a:r>
+              <a:rPr lang="en-US" altLang="ko-KR" sz="2000" kern="1200" dirty="0" smtClean="0">
+                <a:latin typeface="Arial" pitchFamily="34" charset="0"/>
+              </a:rPr>
+              <a:t>interrupts</a:t>
+            </a:r>
+            <a:endParaRPr lang="en-US" altLang="ko-KR" sz="2000" kern="1200" dirty="0" smtClean="0">
+              <a:latin typeface="Arial" pitchFamily="34" charset="0"/>
+            </a:endParaRPr>
           </a:p>
         </p:txBody>
       </p:sp>
@@ -8177,7 +9146,7 @@
 </p:sld>
 </file>
 
-<file path=ppt/slides/slide34.xml><?xml version="1.0" encoding="utf-8"?>
+<file path=ppt/slides/slide38.xml><?xml version="1.0" encoding="utf-8"?>
 <p:sld xmlns:a="http://schemas.openxmlformats.org/drawingml/2006/main" xmlns:r="http://schemas.openxmlformats.org/officeDocument/2006/relationships" xmlns:p="http://schemas.openxmlformats.org/presentationml/2006/main" show="0">
   <p:cSld>
     <p:spTree>
@@ -8207,7 +9176,7 @@
         <p:spPr>
           <a:xfrm>
             <a:off x="0" y="0"/>
-            <a:ext cx="9144000" cy="646113"/>
+            <a:ext cx="9144000" cy="1122744"/>
           </a:xfrm>
         </p:spPr>
         <p:txBody>
@@ -8216,8 +9185,20 @@
           <a:p>
             <a:r>
               <a:rPr lang="en-US" altLang="ko-KR" sz="3600" dirty="0" smtClean="0"/>
-              <a:t>GIC-400 Interrupt Controller</a:t>
-            </a:r>
+              <a:t>GIC-400 Interrupt </a:t>
+            </a:r>
+            <a:r>
+              <a:rPr lang="en-US" altLang="ko-KR" sz="3600" dirty="0" smtClean="0"/>
+              <a:t>Controller</a:t>
+            </a:r>
+            <a:br>
+              <a:rPr lang="en-US" altLang="ko-KR" sz="3600" dirty="0" smtClean="0"/>
+            </a:br>
+            <a:r>
+              <a:rPr lang="en-US" altLang="ko-KR" sz="3600" dirty="0" smtClean="0"/>
+              <a:t>Distributer Side</a:t>
+            </a:r>
+            <a:endParaRPr lang="en-US" altLang="ko-KR" sz="3600" dirty="0" smtClean="0"/>
           </a:p>
         </p:txBody>
       </p:sp>
@@ -8233,8 +9214,8 @@
         </p:nvSpPr>
         <p:spPr>
           <a:xfrm>
-            <a:off x="152400" y="722313"/>
-            <a:ext cx="8831579" cy="5724207"/>
+            <a:off x="152400" y="1388963"/>
+            <a:ext cx="8831579" cy="5046562"/>
           </a:xfrm>
         </p:spPr>
         <p:txBody>
@@ -8243,109 +9224,72 @@
           <a:p>
             <a:pPr marL="347472" indent="-347472"/>
             <a:r>
-              <a:rPr lang="en-US" altLang="ko-KR" sz="2000" dirty="0" smtClean="0"/>
-              <a:t>The  ARM Generic Interrupt Controller, a.k.a. the GIC-400, is a high-performance, area-optimized interrupt controller with an Advanced Microcontroller Bus Architecture (AMBA) Advanced eXtensible Interface (AXI) interface.</a:t>
+              <a:rPr lang="en-US" altLang="ko-KR" sz="2200" dirty="0" smtClean="0"/>
+              <a:t>The  ARM Generic Interrupt Controller, </a:t>
+            </a:r>
+            <a:r>
+              <a:rPr lang="en-US" altLang="ko-KR" sz="2200" dirty="0" smtClean="0"/>
+              <a:t>the </a:t>
+            </a:r>
+            <a:r>
+              <a:rPr lang="en-US" altLang="ko-KR" sz="2200" dirty="0" smtClean="0"/>
+              <a:t>GIC-400, is a high-performance, area-optimized interrupt controller with an Advanced Microcontroller Bus Architecture (AMBA) Advanced eXtensible Interface (AXI) interface</a:t>
+            </a:r>
+            <a:r>
+              <a:rPr lang="en-US" altLang="ko-KR" sz="2200" dirty="0" smtClean="0"/>
+              <a:t>.</a:t>
             </a:r>
           </a:p>
           <a:p>
             <a:pPr marL="347472" indent="-347472"/>
             <a:r>
-              <a:rPr lang="en-US" altLang="ko-KR" sz="2000" dirty="0" smtClean="0"/>
-              <a:t>The GIC-400 implements:</a:t>
-            </a:r>
-          </a:p>
-          <a:p>
-            <a:pPr lvl="1"/>
-            <a:r>
-              <a:rPr lang="en-US" altLang="ko-KR" sz="2000" dirty="0" smtClean="0"/>
-              <a:t>16 Software Generated Interrupts (SGIs)</a:t>
-            </a:r>
-          </a:p>
-          <a:p>
-            <a:pPr lvl="1"/>
-            <a:r>
-              <a:rPr lang="en-US" altLang="ko-KR" sz="2000" dirty="0" smtClean="0"/>
-              <a:t>6 external Private Peripheral Interrupts (PPIs) for each processor</a:t>
-            </a:r>
-          </a:p>
-          <a:p>
-            <a:pPr lvl="1"/>
-            <a:r>
-              <a:rPr lang="en-US" altLang="ko-KR" sz="2000" dirty="0" smtClean="0"/>
-              <a:t>1 internal PPI for each processor</a:t>
-            </a:r>
-          </a:p>
-          <a:p>
-            <a:pPr lvl="1"/>
-            <a:r>
-              <a:rPr lang="en-US" altLang="ko-KR" sz="2000" dirty="0" smtClean="0"/>
-              <a:t>A configurable number of Shared Peripheral Interrupt (SPIs)</a:t>
-            </a:r>
-          </a:p>
-          <a:p>
-            <a:pPr marL="347472" indent="-347472"/>
-            <a:r>
-              <a:rPr lang="en-US" altLang="ko-KR" sz="2000" dirty="0" smtClean="0"/>
-              <a:t>The GIC-400 asserts the following signals to indicate pending interrupts:</a:t>
-            </a:r>
-          </a:p>
-          <a:p>
-            <a:pPr lvl="1"/>
-            <a:r>
-              <a:rPr lang="en-US" altLang="ko-KR" sz="2000" dirty="0" smtClean="0"/>
-              <a:t>Physical interrupts:</a:t>
-            </a:r>
-          </a:p>
-          <a:p>
-            <a:pPr lvl="2"/>
-            <a:r>
-              <a:rPr lang="en-US" altLang="ko-KR" sz="2000" dirty="0" err="1" smtClean="0"/>
-              <a:t>nFIQCPU</a:t>
-            </a:r>
-            <a:r>
-              <a:rPr lang="en-US" altLang="ko-KR" sz="2000" dirty="0" smtClean="0"/>
-              <a:t>[NUM_CPUS–1:0]</a:t>
-            </a:r>
-          </a:p>
-          <a:p>
-            <a:pPr lvl="2"/>
-            <a:r>
-              <a:rPr lang="en-US" altLang="ko-KR" sz="2000" dirty="0" err="1" smtClean="0"/>
-              <a:t>nIRQCPU</a:t>
-            </a:r>
-            <a:r>
-              <a:rPr lang="en-US" altLang="ko-KR" sz="2000" dirty="0" smtClean="0"/>
-              <a:t>[NUM_CPUS–1:0].</a:t>
-            </a:r>
-          </a:p>
-          <a:p>
-            <a:pPr lvl="1"/>
-            <a:r>
-              <a:rPr lang="en-US" altLang="ko-KR" sz="2000" dirty="0" smtClean="0"/>
-              <a:t>Virtual interrupts,</a:t>
-            </a:r>
-          </a:p>
-          <a:p>
-            <a:pPr lvl="2"/>
-            <a:r>
-              <a:rPr lang="en-US" altLang="ko-KR" sz="2000" dirty="0" err="1" smtClean="0"/>
-              <a:t>nVFIQCPU</a:t>
-            </a:r>
-            <a:r>
-              <a:rPr lang="en-US" altLang="ko-KR" sz="2000" dirty="0" smtClean="0"/>
-              <a:t>[NUM_CPUS–1:0]</a:t>
-            </a:r>
-          </a:p>
-          <a:p>
-            <a:pPr lvl="2"/>
-            <a:r>
-              <a:rPr lang="en-US" altLang="ko-KR" sz="2000" dirty="0" err="1" smtClean="0"/>
-              <a:t>nVIRQCPU</a:t>
-            </a:r>
-            <a:r>
-              <a:rPr lang="en-US" altLang="ko-KR" sz="2000" dirty="0" smtClean="0"/>
-              <a:t>[NUM_CPUS–1:0].</a:t>
-            </a:r>
+              <a:rPr lang="en-US" altLang="ko-KR" sz="2200" dirty="0" smtClean="0"/>
+              <a:t>Interrupt’s sources</a:t>
+            </a:r>
+          </a:p>
+          <a:p>
+            <a:pPr marL="644335" lvl="1" indent="-347472"/>
+            <a:r>
+              <a:rPr lang="en-US" altLang="ko-KR" sz="2200" dirty="0" smtClean="0"/>
+              <a:t>Up to 1020 interrupts</a:t>
+            </a:r>
+          </a:p>
+          <a:p>
+            <a:pPr marL="644335" lvl="1" indent="-347472"/>
+            <a:r>
+              <a:rPr lang="en-US" altLang="ko-KR" sz="2200" dirty="0" smtClean="0"/>
+              <a:t>4 special purpose interrupts </a:t>
+            </a:r>
+            <a:endParaRPr lang="en-US" altLang="ko-KR" sz="2200" dirty="0" smtClean="0"/>
+          </a:p>
+          <a:p>
+            <a:pPr marL="644335" lvl="1" indent="-347472"/>
+            <a:r>
+              <a:rPr lang="en-US" altLang="ko-KR" sz="2200" dirty="0" smtClean="0"/>
+              <a:t>Each interrupt has a unique ID </a:t>
+            </a:r>
+          </a:p>
+          <a:p>
+            <a:pPr marL="644335" lvl="1" indent="-347472"/>
+            <a:r>
+              <a:rPr lang="en-US" altLang="ko-KR" sz="2200" dirty="0" smtClean="0"/>
+              <a:t>Private and shared interrupts</a:t>
+            </a:r>
+          </a:p>
+          <a:p>
+            <a:pPr marL="644335" lvl="1" indent="-347472"/>
+            <a:r>
+              <a:rPr lang="en-US" altLang="ko-KR" sz="2200" dirty="0" smtClean="0"/>
+              <a:t>32 ID for private interrupts, 16 for PPI and 16 for software generated interrupts</a:t>
+            </a:r>
+          </a:p>
+          <a:p>
+            <a:pPr marL="918972" lvl="2" indent="-347472"/>
+            <a:r>
+              <a:rPr lang="en-US" altLang="ko-KR" sz="2200" dirty="0" smtClean="0"/>
+              <a:t>Note – These are banked ID, meaning, same ID for different interrupts (for different CPU)</a:t>
+            </a:r>
+            <a:endParaRPr lang="en-US" altLang="ko-KR" sz="2200" dirty="0" smtClean="0"/>
           </a:p>
         </p:txBody>
       </p:sp>
@@ -8365,7 +9309,7 @@
 </p:sld>
 </file>
 
-<file path=ppt/slides/slide35.xml><?xml version="1.0" encoding="utf-8"?>
+<file path=ppt/slides/slide39.xml><?xml version="1.0" encoding="utf-8"?>
 <p:sld xmlns:a="http://schemas.openxmlformats.org/drawingml/2006/main" xmlns:r="http://schemas.openxmlformats.org/officeDocument/2006/relationships" xmlns:p="http://schemas.openxmlformats.org/presentationml/2006/main" show="0">
   <p:cSld>
     <p:spTree>
@@ -8384,7 +9328,7 @@
       </p:grpSpPr>
       <p:sp>
         <p:nvSpPr>
-          <p:cNvPr id="92165" name="Rectangle 2"/>
+          <p:cNvPr id="75777" name="Rectangle 2"/>
           <p:cNvSpPr>
             <a:spLocks noGrp="1" noChangeArrowheads="1"/>
           </p:cNvSpPr>
@@ -8394,8 +9338,8 @@
         </p:nvSpPr>
         <p:spPr>
           <a:xfrm>
-            <a:off x="246063" y="0"/>
-            <a:ext cx="8564562" cy="646113"/>
+            <a:off x="0" y="254643"/>
+            <a:ext cx="9144000" cy="1157468"/>
           </a:xfrm>
         </p:spPr>
         <p:txBody>
@@ -8404,14 +9348,26 @@
           <a:p>
             <a:r>
               <a:rPr lang="en-US" altLang="ko-KR" sz="3600" dirty="0" smtClean="0"/>
-              <a:t>GIC400 in KeyStone II</a:t>
-            </a:r>
-          </a:p>
-        </p:txBody>
-      </p:sp>
-      <p:sp>
-        <p:nvSpPr>
-          <p:cNvPr id="92166" name="Rectangle 3"/>
+              <a:t>GIC-400 Interrupt </a:t>
+            </a:r>
+            <a:r>
+              <a:rPr lang="en-US" altLang="ko-KR" sz="3600" dirty="0" smtClean="0"/>
+              <a:t>Controller</a:t>
+            </a:r>
+            <a:br>
+              <a:rPr lang="en-US" altLang="ko-KR" sz="3600" dirty="0" smtClean="0"/>
+            </a:br>
+            <a:r>
+              <a:rPr lang="en-US" altLang="ko-KR" sz="3600" dirty="0" smtClean="0"/>
+              <a:t>CPU Interface</a:t>
+            </a:r>
+            <a:endParaRPr lang="en-US" altLang="ko-KR" sz="3600" dirty="0" smtClean="0"/>
+          </a:p>
+        </p:txBody>
+      </p:sp>
+      <p:sp>
+        <p:nvSpPr>
+          <p:cNvPr id="75778" name="Rectangle 3"/>
           <p:cNvSpPr>
             <a:spLocks noGrp="1" noChangeArrowheads="1"/>
           </p:cNvSpPr>
@@ -8421,49 +9377,72 @@
         </p:nvSpPr>
         <p:spPr>
           <a:xfrm>
-            <a:off x="561975" y="722312"/>
-            <a:ext cx="8259763" cy="1076007"/>
+            <a:off x="152400" y="2083443"/>
+            <a:ext cx="8831579" cy="4363077"/>
           </a:xfrm>
         </p:spPr>
         <p:txBody>
           <a:bodyPr/>
           <a:lstStyle/>
           <a:p>
-            <a:pPr marL="0" indent="-457200">
-              <a:buNone/>
-            </a:pPr>
-            <a:r>
-              <a:rPr lang="en-US" altLang="ko-KR" sz="2000" dirty="0" smtClean="0"/>
-              <a:t>The following figure gives an overview of the GIC-400 in KeyStone II devices. It shows the interrupts that are sent to the GIC-400 from various sources and the key phases of interrupt-related signaling in the </a:t>
-            </a:r>
-            <a:r>
-              <a:rPr lang="en-US" altLang="ko-KR" sz="2000" dirty="0" err="1" smtClean="0"/>
-              <a:t>SoC.</a:t>
-            </a:r>
-            <a:endParaRPr lang="en-US" altLang="ko-KR" sz="2000" dirty="0" smtClean="0"/>
-          </a:p>
-        </p:txBody>
-      </p:sp>
-      <p:graphicFrame>
-        <p:nvGraphicFramePr>
-          <p:cNvPr id="92164" name="Object 4"/>
-          <p:cNvGraphicFramePr>
-            <a:graphicFrameLocks noChangeAspect="1"/>
-          </p:cNvGraphicFramePr>
-          <p:nvPr/>
-        </p:nvGraphicFramePr>
-        <p:xfrm>
-          <a:off x="1797050" y="1909763"/>
-          <a:ext cx="5608638" cy="3951287"/>
-        </p:xfrm>
-        <a:graphic>
-          <a:graphicData uri="http://schemas.openxmlformats.org/presentationml/2006/ole">
-            <p:oleObj spid="_x0000_s52226" name="Visio" r:id="rId3" imgW="4384167" imgH="3355467" progId="Visio.Drawing.11">
-              <p:embed/>
-            </p:oleObj>
-          </a:graphicData>
-        </a:graphic>
-      </p:graphicFrame>
+            <a:pPr marL="347472" indent="-347472"/>
+            <a:r>
+              <a:rPr lang="en-US" altLang="ko-KR" sz="2400" dirty="0" smtClean="0"/>
+              <a:t>Signal to the CPU is FIQ or IRQ</a:t>
+            </a:r>
+          </a:p>
+          <a:p>
+            <a:pPr marL="347472" indent="-347472"/>
+            <a:r>
+              <a:rPr lang="en-US" altLang="ko-KR" sz="2400" dirty="0" smtClean="0"/>
+              <a:t>Grouping</a:t>
+            </a:r>
+          </a:p>
+          <a:p>
+            <a:pPr marL="644335" lvl="1" indent="-347472"/>
+            <a:r>
+              <a:rPr lang="en-US" altLang="ko-KR" sz="2400" dirty="0" smtClean="0"/>
+              <a:t>Group 0 interrupts can be sent to processors using IRQ or FIQ</a:t>
+            </a:r>
+          </a:p>
+          <a:p>
+            <a:pPr marL="644335" lvl="1" indent="-347472"/>
+            <a:r>
+              <a:rPr lang="en-US" altLang="ko-KR" sz="2400" dirty="0" smtClean="0"/>
+              <a:t>Group 1 interrupts can be sent only via IRQ</a:t>
+            </a:r>
+          </a:p>
+          <a:p>
+            <a:pPr marL="347472" indent="-347472"/>
+            <a:r>
+              <a:rPr lang="en-US" altLang="ko-KR" sz="2400" dirty="0" smtClean="0"/>
+              <a:t>Interrupt state – pending, active,  active pending</a:t>
+            </a:r>
+          </a:p>
+          <a:p>
+            <a:pPr marL="347472" indent="-347472"/>
+            <a:r>
+              <a:rPr lang="en-US" altLang="ko-KR" sz="2400" dirty="0" smtClean="0"/>
+              <a:t>CPU acknowledge the interrupt </a:t>
+            </a:r>
+          </a:p>
+          <a:p>
+            <a:pPr marL="644335" lvl="1" indent="-347472"/>
+            <a:r>
+              <a:rPr lang="en-US" altLang="ko-KR" sz="2400" dirty="0" smtClean="0"/>
+              <a:t>Status of interrupt is changing from </a:t>
+            </a:r>
+            <a:r>
+              <a:rPr lang="en-US" altLang="ko-KR" sz="2400" dirty="0" smtClean="0"/>
+              <a:t>p</a:t>
+            </a:r>
+            <a:r>
+              <a:rPr lang="en-US" altLang="ko-KR" sz="2400" dirty="0" smtClean="0"/>
+              <a:t>ending to active or active pending, enable other interrupts </a:t>
+            </a:r>
+          </a:p>
+        </p:txBody>
+      </p:sp>
     </p:spTree>
   </p:cSld>
   <p:clrMapOvr>
@@ -8477,520 +9456,6 @@
       </p:par>
     </p:tnLst>
   </p:timing>
-</p:sld>
-</file>
-
-<file path=ppt/slides/slide36.xml><?xml version="1.0" encoding="utf-8"?>
-<p:sld xmlns:a="http://schemas.openxmlformats.org/drawingml/2006/main" xmlns:r="http://schemas.openxmlformats.org/officeDocument/2006/relationships" xmlns:p="http://schemas.openxmlformats.org/presentationml/2006/main">
-  <p:cSld>
-    <p:spTree>
-      <p:nvGrpSpPr>
-        <p:cNvPr id="1" name=""/>
-        <p:cNvGrpSpPr/>
-        <p:nvPr/>
-      </p:nvGrpSpPr>
-      <p:grpSpPr>
-        <a:xfrm>
-          <a:off x="0" y="0"/>
-          <a:ext cx="0" cy="0"/>
-          <a:chOff x="0" y="0"/>
-          <a:chExt cx="0" cy="0"/>
-        </a:xfrm>
-      </p:grpSpPr>
-      <p:sp>
-        <p:nvSpPr>
-          <p:cNvPr id="2" name="Title 1"/>
-          <p:cNvSpPr>
-            <a:spLocks noGrp="1"/>
-          </p:cNvSpPr>
-          <p:nvPr>
-            <p:ph type="title"/>
-          </p:nvPr>
-        </p:nvSpPr>
-        <p:spPr/>
-        <p:txBody>
-          <a:bodyPr>
-            <a:normAutofit/>
-          </a:bodyPr>
-          <a:lstStyle/>
-          <a:p>
-            <a:r>
-              <a:rPr lang="en-US" sz="4000" dirty="0" smtClean="0"/>
-              <a:t>Power Management</a:t>
-            </a:r>
-            <a:endParaRPr lang="en-US" sz="4000" dirty="0"/>
-          </a:p>
-        </p:txBody>
-      </p:sp>
-      <p:sp>
-        <p:nvSpPr>
-          <p:cNvPr id="3" name="Content Placeholder 2"/>
-          <p:cNvSpPr>
-            <a:spLocks noGrp="1"/>
-          </p:cNvSpPr>
-          <p:nvPr>
-            <p:ph idx="1"/>
-          </p:nvPr>
-        </p:nvSpPr>
-        <p:spPr/>
-        <p:txBody>
-          <a:bodyPr>
-            <a:normAutofit/>
-          </a:bodyPr>
-          <a:lstStyle/>
-          <a:p>
-            <a:r>
-              <a:rPr lang="en-US" dirty="0" smtClean="0"/>
-              <a:t>ARM </a:t>
-            </a:r>
-            <a:r>
-              <a:rPr lang="en-US" dirty="0" err="1" smtClean="0"/>
-              <a:t>CorePac</a:t>
-            </a:r>
-            <a:r>
-              <a:rPr lang="en-US" dirty="0" smtClean="0"/>
-              <a:t> in </a:t>
-            </a:r>
-            <a:r>
-              <a:rPr lang="en-US" dirty="0" err="1" smtClean="0"/>
-              <a:t>KeyStone</a:t>
-            </a:r>
-            <a:r>
-              <a:rPr lang="en-US" dirty="0" smtClean="0"/>
-              <a:t> II</a:t>
-            </a:r>
-          </a:p>
-          <a:p>
-            <a:r>
-              <a:rPr lang="en-US" dirty="0" smtClean="0"/>
-              <a:t>ARM Cortex A-15 Features</a:t>
-            </a:r>
-          </a:p>
-          <a:p>
-            <a:r>
-              <a:rPr lang="en-US" dirty="0" smtClean="0"/>
-              <a:t>Interface to the SOC and Coherency Issues</a:t>
-            </a:r>
-          </a:p>
-          <a:p>
-            <a:r>
-              <a:rPr lang="en-US" dirty="0" smtClean="0"/>
-              <a:t>Benchmarks</a:t>
-            </a:r>
-          </a:p>
-          <a:p>
-            <a:r>
-              <a:rPr lang="en-US" dirty="0" smtClean="0"/>
-              <a:t>Interrupt Controller</a:t>
-            </a:r>
-          </a:p>
-          <a:p>
-            <a:r>
-              <a:rPr lang="en-US" b="1" dirty="0" smtClean="0"/>
-              <a:t>Power Management</a:t>
-            </a:r>
-          </a:p>
-          <a:p>
-            <a:r>
-              <a:rPr lang="en-US" dirty="0" smtClean="0"/>
-              <a:t>Debug and Trace</a:t>
-            </a:r>
-          </a:p>
-        </p:txBody>
-      </p:sp>
-    </p:spTree>
-  </p:cSld>
-  <p:clrMapOvr>
-    <a:masterClrMapping/>
-  </p:clrMapOvr>
-</p:sld>
-</file>
-
-<file path=ppt/slides/slide37.xml><?xml version="1.0" encoding="utf-8"?>
-<p:sld xmlns:a="http://schemas.openxmlformats.org/drawingml/2006/main" xmlns:r="http://schemas.openxmlformats.org/officeDocument/2006/relationships" xmlns:p="http://schemas.openxmlformats.org/presentationml/2006/main">
-  <p:cSld>
-    <p:spTree>
-      <p:nvGrpSpPr>
-        <p:cNvPr id="1" name=""/>
-        <p:cNvGrpSpPr/>
-        <p:nvPr/>
-      </p:nvGrpSpPr>
-      <p:grpSpPr>
-        <a:xfrm>
-          <a:off x="0" y="0"/>
-          <a:ext cx="0" cy="0"/>
-          <a:chOff x="0" y="0"/>
-          <a:chExt cx="0" cy="0"/>
-        </a:xfrm>
-      </p:grpSpPr>
-      <p:sp>
-        <p:nvSpPr>
-          <p:cNvPr id="2" name="Title 1"/>
-          <p:cNvSpPr>
-            <a:spLocks noGrp="1"/>
-          </p:cNvSpPr>
-          <p:nvPr>
-            <p:ph type="title"/>
-          </p:nvPr>
-        </p:nvSpPr>
-        <p:spPr>
-          <a:xfrm>
-            <a:off x="457200" y="114618"/>
-            <a:ext cx="8229600" cy="792162"/>
-          </a:xfrm>
-        </p:spPr>
-        <p:txBody>
-          <a:bodyPr>
-            <a:normAutofit/>
-          </a:bodyPr>
-          <a:lstStyle/>
-          <a:p>
-            <a:r>
-              <a:rPr lang="en-US" sz="4000" dirty="0" smtClean="0"/>
-              <a:t>Advanced Power Management</a:t>
-            </a:r>
-            <a:endParaRPr lang="en-US" sz="4000" dirty="0"/>
-          </a:p>
-        </p:txBody>
-      </p:sp>
-      <p:sp>
-        <p:nvSpPr>
-          <p:cNvPr id="3" name="Content Placeholder 2"/>
-          <p:cNvSpPr>
-            <a:spLocks noGrp="1"/>
-          </p:cNvSpPr>
-          <p:nvPr>
-            <p:ph idx="1"/>
-          </p:nvPr>
-        </p:nvSpPr>
-        <p:spPr/>
-        <p:txBody>
-          <a:bodyPr>
-            <a:normAutofit/>
-          </a:bodyPr>
-          <a:lstStyle/>
-          <a:p>
-            <a:r>
-              <a:rPr lang="en-US" sz="2800" dirty="0" smtClean="0"/>
-              <a:t>Multiple power domains inside the ARM </a:t>
-            </a:r>
-            <a:r>
-              <a:rPr lang="en-US" sz="2800" dirty="0" err="1" smtClean="0"/>
-              <a:t>CorePac</a:t>
-            </a:r>
-            <a:endParaRPr lang="en-US" sz="2800" dirty="0" smtClean="0"/>
-          </a:p>
-          <a:p>
-            <a:r>
-              <a:rPr lang="en-US" sz="2800" dirty="0" smtClean="0"/>
-              <a:t>Extremely fast </a:t>
-            </a:r>
-            <a:r>
-              <a:rPr lang="en-US" sz="2800" i="1" dirty="0" smtClean="0"/>
-              <a:t>state save </a:t>
-            </a:r>
-            <a:r>
-              <a:rPr lang="en-US" sz="2800" dirty="0" smtClean="0"/>
-              <a:t>and </a:t>
-            </a:r>
-            <a:r>
-              <a:rPr lang="en-US" sz="2800" i="1" dirty="0" smtClean="0"/>
-              <a:t>restore</a:t>
-            </a:r>
-            <a:r>
-              <a:rPr lang="en-US" sz="2800" dirty="0" smtClean="0"/>
-              <a:t> speeds up hibernation</a:t>
-            </a:r>
-          </a:p>
-          <a:p>
-            <a:r>
-              <a:rPr lang="en-US" sz="2800" dirty="0" smtClean="0"/>
-              <a:t>Fine-grain pipeline shutdown using 32-entry loop buffer disables fetch and some decode pipeline stages.</a:t>
-            </a:r>
-          </a:p>
-        </p:txBody>
-      </p:sp>
-    </p:spTree>
-    <p:custDataLst>
-      <p:tags r:id="rId1"/>
-    </p:custDataLst>
-  </p:cSld>
-  <p:clrMapOvr>
-    <a:masterClrMapping/>
-  </p:clrMapOvr>
-  <p:timing>
-    <p:tnLst>
-      <p:par>
-        <p:cTn id="1" dur="indefinite" restart="never" nodeType="tmRoot"/>
-      </p:par>
-    </p:tnLst>
-  </p:timing>
-</p:sld>
-</file>
-
-<file path=ppt/slides/slide38.xml><?xml version="1.0" encoding="utf-8"?>
-<p:sld xmlns:a="http://schemas.openxmlformats.org/drawingml/2006/main" xmlns:r="http://schemas.openxmlformats.org/officeDocument/2006/relationships" xmlns:p="http://schemas.openxmlformats.org/presentationml/2006/main">
-  <p:cSld>
-    <p:spTree>
-      <p:nvGrpSpPr>
-        <p:cNvPr id="1" name=""/>
-        <p:cNvGrpSpPr/>
-        <p:nvPr/>
-      </p:nvGrpSpPr>
-      <p:grpSpPr>
-        <a:xfrm>
-          <a:off x="0" y="0"/>
-          <a:ext cx="0" cy="0"/>
-          <a:chOff x="0" y="0"/>
-          <a:chExt cx="0" cy="0"/>
-        </a:xfrm>
-      </p:grpSpPr>
-      <p:sp>
-        <p:nvSpPr>
-          <p:cNvPr id="2" name="Title 1"/>
-          <p:cNvSpPr>
-            <a:spLocks noGrp="1"/>
-          </p:cNvSpPr>
-          <p:nvPr>
-            <p:ph type="title"/>
-          </p:nvPr>
-        </p:nvSpPr>
-        <p:spPr/>
-        <p:txBody>
-          <a:bodyPr/>
-          <a:lstStyle/>
-          <a:p>
-            <a:r>
-              <a:rPr lang="en-US" sz="4000" dirty="0" smtClean="0"/>
-              <a:t>Energy Efficiency</a:t>
-            </a:r>
-            <a:endParaRPr lang="en-US" sz="4000" dirty="0"/>
-          </a:p>
-        </p:txBody>
-      </p:sp>
-      <p:sp>
-        <p:nvSpPr>
-          <p:cNvPr id="3" name="Content Placeholder 2"/>
-          <p:cNvSpPr>
-            <a:spLocks noGrp="1"/>
-          </p:cNvSpPr>
-          <p:nvPr>
-            <p:ph idx="1"/>
-          </p:nvPr>
-        </p:nvSpPr>
-        <p:spPr>
-          <a:xfrm>
-            <a:off x="344031" y="990600"/>
-            <a:ext cx="8437829" cy="5334000"/>
-          </a:xfrm>
-        </p:spPr>
-        <p:txBody>
-          <a:bodyPr>
-            <a:normAutofit/>
-          </a:bodyPr>
-          <a:lstStyle/>
-          <a:p>
-            <a:r>
-              <a:rPr lang="en-US" sz="2800" dirty="0" smtClean="0"/>
-              <a:t>Clock gating inside the ARM CorePac:</a:t>
-            </a:r>
-          </a:p>
-          <a:p>
-            <a:pPr lvl="1"/>
-            <a:r>
-              <a:rPr lang="en-US" sz="2400" dirty="0" smtClean="0"/>
-              <a:t>Total dynamic power consumption for a fully-loaded 1.4GHz core will range from 1.2W to 0.35W depending on the type of instructions it runs.</a:t>
-            </a:r>
-          </a:p>
-          <a:p>
-            <a:pPr lvl="1"/>
-            <a:r>
-              <a:rPr lang="en-US" sz="2400" dirty="0" smtClean="0"/>
-              <a:t>Wait for interrupt and event (WFI, WFE) instructions bring the dynamic power down to &lt;0.1W per core.</a:t>
-            </a:r>
-          </a:p>
-          <a:p>
-            <a:r>
-              <a:rPr lang="en-US" sz="2800" dirty="0" smtClean="0"/>
-              <a:t>Power switches per core and per </a:t>
-            </a:r>
-            <a:r>
-              <a:rPr lang="en-US" sz="2800" dirty="0" err="1" smtClean="0"/>
-              <a:t>CorePac</a:t>
-            </a:r>
-            <a:r>
-              <a:rPr lang="en-US" sz="2800" dirty="0" smtClean="0"/>
-              <a:t> including L2:</a:t>
-            </a:r>
-          </a:p>
-          <a:p>
-            <a:pPr lvl="1"/>
-            <a:r>
-              <a:rPr lang="en-US" sz="2400" dirty="0" smtClean="0"/>
-              <a:t>Each ARM A15 core can be shut down independently.</a:t>
-            </a:r>
-          </a:p>
-          <a:p>
-            <a:pPr lvl="1"/>
-            <a:r>
-              <a:rPr lang="en-US" sz="2400" dirty="0" smtClean="0"/>
-              <a:t>The entire ARM A15 CorePac, including the 4MB/1MB L2 cache, can also be shut down.</a:t>
-            </a:r>
-          </a:p>
-          <a:p>
-            <a:pPr lvl="1"/>
-            <a:r>
-              <a:rPr lang="en-US" sz="2400" dirty="0" smtClean="0"/>
-              <a:t>Reduces static power to &lt;5%</a:t>
-            </a:r>
-            <a:endParaRPr lang="en-US" sz="2400" dirty="0"/>
-          </a:p>
-        </p:txBody>
-      </p:sp>
-    </p:spTree>
-    <p:custDataLst>
-      <p:tags r:id="rId1"/>
-    </p:custDataLst>
-  </p:cSld>
-  <p:clrMapOvr>
-    <a:masterClrMapping/>
-  </p:clrMapOvr>
-  <p:timing>
-    <p:tnLst>
-      <p:par>
-        <p:cTn id="1" dur="indefinite" restart="never" nodeType="tmRoot"/>
-      </p:par>
-    </p:tnLst>
-  </p:timing>
-</p:sld>
-</file>
-
-<file path=ppt/slides/slide39.xml><?xml version="1.0" encoding="utf-8"?>
-<p:sld xmlns:a="http://schemas.openxmlformats.org/drawingml/2006/main" xmlns:r="http://schemas.openxmlformats.org/officeDocument/2006/relationships" xmlns:p="http://schemas.openxmlformats.org/presentationml/2006/main">
-  <p:cSld>
-    <p:spTree>
-      <p:nvGrpSpPr>
-        <p:cNvPr id="1" name=""/>
-        <p:cNvGrpSpPr/>
-        <p:nvPr/>
-      </p:nvGrpSpPr>
-      <p:grpSpPr>
-        <a:xfrm>
-          <a:off x="0" y="0"/>
-          <a:ext cx="0" cy="0"/>
-          <a:chOff x="0" y="0"/>
-          <a:chExt cx="0" cy="0"/>
-        </a:xfrm>
-      </p:grpSpPr>
-      <p:sp>
-        <p:nvSpPr>
-          <p:cNvPr id="2" name="Title 1"/>
-          <p:cNvSpPr>
-            <a:spLocks noGrp="1"/>
-          </p:cNvSpPr>
-          <p:nvPr>
-            <p:ph type="title"/>
-          </p:nvPr>
-        </p:nvSpPr>
-        <p:spPr/>
-        <p:txBody>
-          <a:bodyPr>
-            <a:normAutofit/>
-          </a:bodyPr>
-          <a:lstStyle/>
-          <a:p>
-            <a:r>
-              <a:rPr lang="en-US" sz="4000" dirty="0" smtClean="0"/>
-              <a:t>Debug and Trace</a:t>
-            </a:r>
-            <a:endParaRPr lang="en-US" sz="4000" dirty="0"/>
-          </a:p>
-        </p:txBody>
-      </p:sp>
-      <p:sp>
-        <p:nvSpPr>
-          <p:cNvPr id="3" name="Content Placeholder 2"/>
-          <p:cNvSpPr>
-            <a:spLocks noGrp="1"/>
-          </p:cNvSpPr>
-          <p:nvPr>
-            <p:ph idx="1"/>
-          </p:nvPr>
-        </p:nvSpPr>
-        <p:spPr/>
-        <p:txBody>
-          <a:bodyPr>
-            <a:normAutofit/>
-          </a:bodyPr>
-          <a:lstStyle/>
-          <a:p>
-            <a:r>
-              <a:rPr lang="en-US" dirty="0" smtClean="0"/>
-              <a:t>ARM </a:t>
-            </a:r>
-            <a:r>
-              <a:rPr lang="en-US" dirty="0" err="1" smtClean="0"/>
-              <a:t>CorePac</a:t>
-            </a:r>
-            <a:r>
-              <a:rPr lang="en-US" dirty="0" smtClean="0"/>
-              <a:t> in </a:t>
-            </a:r>
-            <a:r>
-              <a:rPr lang="en-US" dirty="0" err="1" smtClean="0"/>
-              <a:t>KeyStone</a:t>
-            </a:r>
-            <a:r>
-              <a:rPr lang="en-US" dirty="0" smtClean="0"/>
-              <a:t> II</a:t>
-            </a:r>
-          </a:p>
-          <a:p>
-            <a:r>
-              <a:rPr lang="en-US" dirty="0" smtClean="0"/>
-              <a:t>ARM Cortex A-15 Features</a:t>
-            </a:r>
-          </a:p>
-          <a:p>
-            <a:r>
-              <a:rPr lang="en-US" dirty="0" smtClean="0"/>
-              <a:t>Interface to the SOC and Coherency Issues</a:t>
-            </a:r>
-          </a:p>
-          <a:p>
-            <a:r>
-              <a:rPr lang="en-US" dirty="0" smtClean="0"/>
-              <a:t>Benchmark</a:t>
-            </a:r>
-          </a:p>
-          <a:p>
-            <a:r>
-              <a:rPr lang="en-US" dirty="0" smtClean="0"/>
-              <a:t>Interrupt Controller</a:t>
-            </a:r>
-          </a:p>
-          <a:p>
-            <a:r>
-              <a:rPr lang="en-US" dirty="0" smtClean="0"/>
-              <a:t>Power Management</a:t>
-            </a:r>
-          </a:p>
-          <a:p>
-            <a:r>
-              <a:rPr lang="en-US" b="1" dirty="0" smtClean="0"/>
-              <a:t>Debug and Trace</a:t>
-            </a:r>
-          </a:p>
-          <a:p>
-            <a:endParaRPr lang="en-US" dirty="0"/>
-          </a:p>
-        </p:txBody>
-      </p:sp>
-    </p:spTree>
-  </p:cSld>
-  <p:clrMapOvr>
-    <a:masterClrMapping/>
-  </p:clrMapOvr>
 </p:sld>
 </file>
 
@@ -9076,13 +9541,8 @@
             </a:r>
             <a:r>
               <a:rPr lang="en-US" sz="4000" dirty="0" smtClean="0"/>
-              <a:t>KeyStone II and ARM </a:t>
-            </a:r>
-            <a:r>
-              <a:rPr lang="en-US" sz="4000" dirty="0" err="1" smtClean="0"/>
-              <a:t>CorePac</a:t>
-            </a:r>
-            <a:endParaRPr lang="en-US" sz="4000" dirty="0" smtClean="0"/>
+              <a:t>KeyStone II and ARM CorePac</a:t>
+            </a:r>
           </a:p>
         </p:txBody>
       </p:sp>
@@ -9130,8 +9590,41 @@
             </a:pPr>
             <a:r>
               <a:rPr lang="en-US" sz="2000" dirty="0" smtClean="0"/>
-              <a:t>L1 Memory: 32KB L1 Data cache 32KB L1 Program Cache</a:t>
-            </a:r>
+              <a:t>L1 Memory: 32KB L1 Data cache 32KB L1 Program </a:t>
+            </a:r>
+            <a:r>
+              <a:rPr lang="en-US" sz="2000" dirty="0" smtClean="0"/>
+              <a:t>Cache</a:t>
+            </a:r>
+          </a:p>
+          <a:p>
+            <a:pPr marL="227013" indent="-227013" eaLnBrk="1" hangingPunct="1">
+              <a:spcBef>
+                <a:spcPct val="0"/>
+              </a:spcBef>
+              <a:spcAft>
+                <a:spcPct val="10000"/>
+              </a:spcAft>
+            </a:pPr>
+            <a:r>
+              <a:rPr lang="en-US" sz="2000" dirty="0" smtClean="0"/>
+              <a:t>Up to 128-bit access</a:t>
+            </a:r>
+          </a:p>
+          <a:p>
+            <a:pPr marL="227013" indent="-227013" eaLnBrk="1" hangingPunct="1">
+              <a:spcBef>
+                <a:spcPct val="0"/>
+              </a:spcBef>
+              <a:spcAft>
+                <a:spcPct val="10000"/>
+              </a:spcAft>
+            </a:pPr>
+            <a:r>
+              <a:rPr lang="en-US" sz="2000" dirty="0" smtClean="0"/>
+              <a:t>64 bytes L1 D cache line (up to 6 outstanding requests)</a:t>
+            </a:r>
+            <a:endParaRPr lang="en-US" sz="2000" dirty="0" smtClean="0"/>
           </a:p>
           <a:p>
             <a:pPr marL="227013" lvl="1" indent="-227013" eaLnBrk="1" hangingPunct="1">
@@ -9153,8 +9646,13 @@
             </a:r>
             <a:r>
               <a:rPr lang="en-US" sz="2000" dirty="0" smtClean="0"/>
-              <a:t>4 MB L2 Cache is shared between the 1 to 4 ARM A-15 core(s)</a:t>
-            </a:r>
+              <a:t>4 MB L2 Cache is shared between the 1 to 4 ARM A-15 core(s</a:t>
+            </a:r>
+            <a:r>
+              <a:rPr lang="en-US" sz="2000" dirty="0" smtClean="0"/>
+              <a:t>) (4 tag bank, 4 data bank each)</a:t>
+            </a:r>
+            <a:endParaRPr lang="en-US" sz="2000" dirty="0" smtClean="0"/>
           </a:p>
           <a:p>
             <a:pPr marL="227013" indent="-227013" eaLnBrk="1" hangingPunct="1">
@@ -9167,65 +9665,8 @@
             </a:pPr>
             <a:r>
               <a:rPr lang="en-US" sz="2000" dirty="0" smtClean="0"/>
-              <a:t>AMBA 4.0 AXI Coherency Extension (ACE) master port</a:t>
-            </a:r>
-          </a:p>
-          <a:p>
-            <a:pPr marL="227013" indent="-227013" eaLnBrk="1" hangingPunct="1">
-              <a:spcBef>
-                <a:spcPct val="0"/>
-              </a:spcBef>
-              <a:spcAft>
-                <a:spcPct val="10000"/>
-              </a:spcAft>
-            </a:pPr>
-            <a:r>
-              <a:rPr lang="en-US" sz="2000" dirty="0"/>
-              <a:t>M</a:t>
-            </a:r>
-            <a:r>
-              <a:rPr lang="en-US" sz="2000" dirty="0" smtClean="0"/>
-              <a:t>odule interrupt controller</a:t>
-            </a:r>
-          </a:p>
-          <a:p>
-            <a:pPr marL="227013" indent="-227013" eaLnBrk="1" hangingPunct="1">
-              <a:spcBef>
-                <a:spcPct val="0"/>
-              </a:spcBef>
-              <a:spcAft>
-                <a:spcPct val="10000"/>
-              </a:spcAft>
-            </a:pPr>
-            <a:r>
-              <a:rPr lang="en-US" sz="2000" dirty="0" smtClean="0"/>
-              <a:t>Cluster-level and core-level power management and low-power standby modes</a:t>
-            </a:r>
-          </a:p>
-          <a:p>
-            <a:pPr marL="227013" indent="-227013" eaLnBrk="1" hangingPunct="1">
-              <a:spcBef>
-                <a:spcPct val="0"/>
-              </a:spcBef>
-              <a:spcAft>
-                <a:spcPct val="10000"/>
-              </a:spcAft>
-            </a:pPr>
-            <a:r>
-              <a:rPr lang="en-US" sz="2000" dirty="0" smtClean="0"/>
-              <a:t>Advance debug features</a:t>
-            </a:r>
-          </a:p>
-          <a:p>
-            <a:pPr marL="227013" indent="-227013" eaLnBrk="1" hangingPunct="1">
-              <a:spcBef>
-                <a:spcPct val="0"/>
-              </a:spcBef>
-              <a:spcAft>
-                <a:spcPct val="10000"/>
-              </a:spcAft>
-            </a:pPr>
-            <a:endParaRPr lang="en-US" sz="2000" dirty="0" smtClean="0"/>
+              <a:t>64 bytes cache line</a:t>
+            </a:r>
           </a:p>
         </p:txBody>
       </p:sp>
@@ -9281,7 +9722,7 @@
 </file>
 
 <file path=ppt/slides/slide40.xml><?xml version="1.0" encoding="utf-8"?>
-<p:sld xmlns:a="http://schemas.openxmlformats.org/drawingml/2006/main" xmlns:r="http://schemas.openxmlformats.org/officeDocument/2006/relationships" xmlns:p="http://schemas.openxmlformats.org/presentationml/2006/main">
+<p:sld xmlns:a="http://schemas.openxmlformats.org/drawingml/2006/main" xmlns:r="http://schemas.openxmlformats.org/officeDocument/2006/relationships" xmlns:p="http://schemas.openxmlformats.org/presentationml/2006/main" show="0">
   <p:cSld>
     <p:spTree>
       <p:nvGrpSpPr>
@@ -9299,65 +9740,87 @@
       </p:grpSpPr>
       <p:sp>
         <p:nvSpPr>
-          <p:cNvPr id="2" name="Title 1"/>
-          <p:cNvSpPr>
-            <a:spLocks noGrp="1"/>
-          </p:cNvSpPr>
-          <p:nvPr>
-            <p:ph type="title"/>
-          </p:nvPr>
-        </p:nvSpPr>
-        <p:spPr/>
+          <p:cNvPr id="92165" name="Rectangle 2"/>
+          <p:cNvSpPr>
+            <a:spLocks noGrp="1" noChangeArrowheads="1"/>
+          </p:cNvSpPr>
+          <p:nvPr>
+            <p:ph type="title" idx="4294967295"/>
+          </p:nvPr>
+        </p:nvSpPr>
+        <p:spPr>
+          <a:xfrm>
+            <a:off x="246063" y="0"/>
+            <a:ext cx="8564562" cy="646113"/>
+          </a:xfrm>
+        </p:spPr>
         <p:txBody>
           <a:bodyPr/>
           <a:lstStyle/>
           <a:p>
             <a:r>
-              <a:rPr lang="en-US" sz="4000" dirty="0" smtClean="0"/>
-              <a:t>Debug and Trace Options</a:t>
-            </a:r>
-            <a:endParaRPr lang="en-US" sz="4000" dirty="0"/>
-          </a:p>
-        </p:txBody>
-      </p:sp>
-      <p:sp>
-        <p:nvSpPr>
-          <p:cNvPr id="3" name="Content Placeholder 2"/>
-          <p:cNvSpPr>
-            <a:spLocks noGrp="1"/>
-          </p:cNvSpPr>
-          <p:nvPr>
-            <p:ph idx="1"/>
-          </p:nvPr>
-        </p:nvSpPr>
-        <p:spPr/>
-        <p:txBody>
-          <a:bodyPr>
-            <a:normAutofit/>
-          </a:bodyPr>
-          <a:lstStyle/>
-          <a:p>
-            <a:r>
-              <a:rPr lang="en-US" sz="2800" dirty="0" smtClean="0"/>
-              <a:t>Lab-based debug; CCSv5 gives full support</a:t>
-            </a:r>
-          </a:p>
-          <a:p>
-            <a:r>
-              <a:rPr lang="en-US" sz="2800" dirty="0" smtClean="0"/>
-              <a:t>Trace and Run-Time debug</a:t>
-            </a:r>
-          </a:p>
-        </p:txBody>
-      </p:sp>
+              <a:rPr lang="en-US" altLang="ko-KR" sz="3600" dirty="0" smtClean="0"/>
+              <a:t>GIC400 in KeyStone II</a:t>
+            </a:r>
+          </a:p>
+        </p:txBody>
+      </p:sp>
+      <p:sp>
+        <p:nvSpPr>
+          <p:cNvPr id="92166" name="Rectangle 3"/>
+          <p:cNvSpPr>
+            <a:spLocks noGrp="1" noChangeArrowheads="1"/>
+          </p:cNvSpPr>
+          <p:nvPr>
+            <p:ph type="body" idx="4294967295"/>
+          </p:nvPr>
+        </p:nvSpPr>
+        <p:spPr>
+          <a:xfrm>
+            <a:off x="561975" y="722312"/>
+            <a:ext cx="8259763" cy="1076007"/>
+          </a:xfrm>
+        </p:spPr>
+        <p:txBody>
+          <a:bodyPr/>
+          <a:lstStyle/>
+          <a:p>
+            <a:pPr marL="0" indent="-457200">
+              <a:buNone/>
+            </a:pPr>
+            <a:r>
+              <a:rPr lang="en-US" altLang="ko-KR" sz="2000" dirty="0" smtClean="0"/>
+              <a:t>The following figure gives an overview of the GIC-400 in KeyStone II devices. It shows the interrupts that are sent to the GIC-400 from various sources and the key phases of interrupt-related signaling in the SoC.</a:t>
+            </a:r>
+          </a:p>
+        </p:txBody>
+      </p:sp>
+      <p:graphicFrame>
+        <p:nvGraphicFramePr>
+          <p:cNvPr id="92164" name="Object 4"/>
+          <p:cNvGraphicFramePr>
+            <a:graphicFrameLocks noChangeAspect="1"/>
+          </p:cNvGraphicFramePr>
+          <p:nvPr/>
+        </p:nvGraphicFramePr>
+        <p:xfrm>
+          <a:off x="1797050" y="1909763"/>
+          <a:ext cx="5608638" cy="3951287"/>
+        </p:xfrm>
+        <a:graphic>
+          <a:graphicData uri="http://schemas.openxmlformats.org/presentationml/2006/ole">
+            <p:oleObj spid="_x0000_s52226" name="Visio" r:id="rId3" imgW="4384167" imgH="3355467" progId="Visio.Drawing.11">
+              <p:embed/>
+            </p:oleObj>
+          </a:graphicData>
+        </a:graphic>
+      </p:graphicFrame>
     </p:spTree>
-    <p:custDataLst>
-      <p:tags r:id="rId1"/>
-    </p:custDataLst>
   </p:cSld>
   <p:clrMapOvr>
     <a:masterClrMapping/>
   </p:clrMapOvr>
+  <p:transition/>
   <p:timing>
     <p:tnLst>
       <p:par>
@@ -9397,75 +9860,84 @@
         </p:nvSpPr>
         <p:spPr/>
         <p:txBody>
-          <a:bodyPr/>
-          <a:lstStyle/>
-          <a:p>
-            <a:r>
-              <a:rPr lang="en-US" sz="4000" dirty="0" smtClean="0"/>
-              <a:t>Lab-Based Debug</a:t>
-            </a:r>
-            <a:endParaRPr lang="en-US" sz="4000" dirty="0"/>
-          </a:p>
-        </p:txBody>
-      </p:sp>
-      <p:sp>
-        <p:nvSpPr>
-          <p:cNvPr id="3" name="Content Placeholder 2"/>
-          <p:cNvSpPr>
-            <a:spLocks noGrp="1"/>
-          </p:cNvSpPr>
-          <p:nvPr>
-            <p:ph idx="1"/>
-          </p:nvPr>
-        </p:nvSpPr>
-        <p:spPr>
-          <a:xfrm>
-            <a:off x="381000" y="1665838"/>
-            <a:ext cx="8229600" cy="3210962"/>
-          </a:xfrm>
-        </p:spPr>
-        <p:txBody>
           <a:bodyPr>
             <a:normAutofit/>
           </a:bodyPr>
           <a:lstStyle/>
           <a:p>
             <a:r>
-              <a:rPr lang="en-US" sz="2800" dirty="0" smtClean="0"/>
-              <a:t>CCSv5 works with the ARM cores. </a:t>
-            </a:r>
-          </a:p>
-          <a:p>
-            <a:r>
-              <a:rPr lang="en-US" sz="2800" dirty="0" smtClean="0"/>
-              <a:t>The ARM integrated development environment, RealView Development Suite (RDS), provides lab-based debug facilities (breakpoint, memory view, etc.).</a:t>
-            </a:r>
-          </a:p>
-          <a:p>
-            <a:pPr lvl="1"/>
-            <a:r>
-              <a:rPr lang="en-US" sz="2400" dirty="0" smtClean="0"/>
-              <a:t>GNU Debugger (GDB)</a:t>
-            </a:r>
-            <a:endParaRPr lang="en-US" sz="2400" dirty="0"/>
+              <a:rPr lang="en-US" sz="4000" dirty="0" smtClean="0"/>
+              <a:t>Power Management</a:t>
+            </a:r>
+            <a:endParaRPr lang="en-US" sz="4000" dirty="0"/>
+          </a:p>
+        </p:txBody>
+      </p:sp>
+      <p:sp>
+        <p:nvSpPr>
+          <p:cNvPr id="3" name="Content Placeholder 2"/>
+          <p:cNvSpPr>
+            <a:spLocks noGrp="1"/>
+          </p:cNvSpPr>
+          <p:nvPr>
+            <p:ph idx="1"/>
+          </p:nvPr>
+        </p:nvSpPr>
+        <p:spPr/>
+        <p:txBody>
+          <a:bodyPr>
+            <a:normAutofit/>
+          </a:bodyPr>
+          <a:lstStyle/>
+          <a:p>
+            <a:r>
+              <a:rPr lang="en-US" dirty="0" smtClean="0"/>
+              <a:t>ARM CorePac in KeyStone II</a:t>
+            </a:r>
+          </a:p>
+          <a:p>
+            <a:r>
+              <a:rPr lang="en-US" dirty="0" smtClean="0"/>
+              <a:t>ARM Cortex A-15 Features</a:t>
+            </a:r>
+          </a:p>
+          <a:p>
+            <a:r>
+              <a:rPr lang="en-US" dirty="0" smtClean="0"/>
+              <a:t>Interface to the SOC and Coherency Issues</a:t>
+            </a:r>
+          </a:p>
+          <a:p>
+            <a:r>
+              <a:rPr lang="en-US" dirty="0" smtClean="0"/>
+              <a:t>Benchmarks</a:t>
+            </a:r>
+          </a:p>
+          <a:p>
+            <a:r>
+              <a:rPr lang="en-US" dirty="0" smtClean="0"/>
+              <a:t>Interrupt Controller</a:t>
+            </a:r>
+          </a:p>
+          <a:p>
+            <a:r>
+              <a:rPr lang="en-US" b="1" dirty="0" smtClean="0"/>
+              <a:t>Power Management</a:t>
+            </a:r>
+          </a:p>
+          <a:p>
+            <a:r>
+              <a:rPr lang="en-US" dirty="0" smtClean="0"/>
+              <a:t>Debug and Trace</a:t>
+            </a:r>
           </a:p>
         </p:txBody>
       </p:sp>
     </p:spTree>
-    <p:custDataLst>
-      <p:tags r:id="rId1"/>
-    </p:custDataLst>
   </p:cSld>
   <p:clrMapOvr>
     <a:masterClrMapping/>
   </p:clrMapOvr>
-  <p:timing>
-    <p:tnLst>
-      <p:par>
-        <p:cTn id="1" dur="indefinite" restart="never" nodeType="tmRoot"/>
-      </p:par>
-    </p:tnLst>
-  </p:timing>
 </p:sld>
 </file>
 
@@ -9496,16 +9968,710 @@
             <p:ph type="title"/>
           </p:nvPr>
         </p:nvSpPr>
+        <p:spPr>
+          <a:xfrm>
+            <a:off x="457200" y="114618"/>
+            <a:ext cx="8229600" cy="792162"/>
+          </a:xfrm>
+        </p:spPr>
+        <p:txBody>
+          <a:bodyPr>
+            <a:normAutofit/>
+          </a:bodyPr>
+          <a:lstStyle/>
+          <a:p>
+            <a:r>
+              <a:rPr lang="en-US" sz="4000" dirty="0" smtClean="0"/>
+              <a:t>Advanced Power Management</a:t>
+            </a:r>
+            <a:endParaRPr lang="en-US" sz="4000" dirty="0"/>
+          </a:p>
+        </p:txBody>
+      </p:sp>
+      <p:sp>
+        <p:nvSpPr>
+          <p:cNvPr id="3" name="Content Placeholder 2"/>
+          <p:cNvSpPr>
+            <a:spLocks noGrp="1"/>
+          </p:cNvSpPr>
+          <p:nvPr>
+            <p:ph idx="1"/>
+          </p:nvPr>
+        </p:nvSpPr>
         <p:spPr/>
         <p:txBody>
+          <a:bodyPr>
+            <a:normAutofit/>
+          </a:bodyPr>
+          <a:lstStyle/>
+          <a:p>
+            <a:r>
+              <a:rPr lang="en-US" sz="2800" dirty="0" smtClean="0"/>
+              <a:t>Multiple power domains inside the ARM CorePac</a:t>
+            </a:r>
+          </a:p>
+          <a:p>
+            <a:r>
+              <a:rPr lang="en-US" sz="2800" dirty="0" smtClean="0"/>
+              <a:t>Extremely fast </a:t>
+            </a:r>
+            <a:r>
+              <a:rPr lang="en-US" sz="2800" i="1" dirty="0" smtClean="0"/>
+              <a:t>state save </a:t>
+            </a:r>
+            <a:r>
+              <a:rPr lang="en-US" sz="2800" dirty="0" smtClean="0"/>
+              <a:t>and </a:t>
+            </a:r>
+            <a:r>
+              <a:rPr lang="en-US" sz="2800" i="1" dirty="0" smtClean="0"/>
+              <a:t>restore</a:t>
+            </a:r>
+            <a:r>
+              <a:rPr lang="en-US" sz="2800" dirty="0" smtClean="0"/>
+              <a:t> speeds up hibernation</a:t>
+            </a:r>
+          </a:p>
+          <a:p>
+            <a:r>
+              <a:rPr lang="en-US" sz="2800" dirty="0" smtClean="0"/>
+              <a:t>Fine-grain pipeline shutdown using 32-entry loop buffer disables fetch and some decode pipeline stages.</a:t>
+            </a:r>
+          </a:p>
+        </p:txBody>
+      </p:sp>
+    </p:spTree>
+    <p:custDataLst>
+      <p:tags r:id="rId1"/>
+    </p:custDataLst>
+  </p:cSld>
+  <p:clrMapOvr>
+    <a:masterClrMapping/>
+  </p:clrMapOvr>
+  <p:timing>
+    <p:tnLst>
+      <p:par>
+        <p:cTn id="1" dur="indefinite" restart="never" nodeType="tmRoot"/>
+      </p:par>
+    </p:tnLst>
+  </p:timing>
+</p:sld>
+</file>
+
+<file path=ppt/slides/slide43.xml><?xml version="1.0" encoding="utf-8"?>
+<p:sld xmlns:a="http://schemas.openxmlformats.org/drawingml/2006/main" xmlns:r="http://schemas.openxmlformats.org/officeDocument/2006/relationships" xmlns:p="http://schemas.openxmlformats.org/presentationml/2006/main">
+  <p:cSld>
+    <p:spTree>
+      <p:nvGrpSpPr>
+        <p:cNvPr id="1" name=""/>
+        <p:cNvGrpSpPr/>
+        <p:nvPr/>
+      </p:nvGrpSpPr>
+      <p:grpSpPr>
+        <a:xfrm>
+          <a:off x="0" y="0"/>
+          <a:ext cx="0" cy="0"/>
+          <a:chOff x="0" y="0"/>
+          <a:chExt cx="0" cy="0"/>
+        </a:xfrm>
+      </p:grpSpPr>
+      <p:sp>
+        <p:nvSpPr>
+          <p:cNvPr id="2" name="Title 1"/>
+          <p:cNvSpPr>
+            <a:spLocks noGrp="1"/>
+          </p:cNvSpPr>
+          <p:nvPr>
+            <p:ph type="title"/>
+          </p:nvPr>
+        </p:nvSpPr>
+        <p:spPr/>
+        <p:txBody>
           <a:bodyPr/>
           <a:lstStyle/>
           <a:p>
             <a:r>
               <a:rPr lang="en-US" sz="4000" dirty="0" smtClean="0"/>
-              <a:t>Trace Facilities </a:t>
+              <a:t>Energy Efficiency</a:t>
             </a:r>
             <a:endParaRPr lang="en-US" sz="4000" dirty="0"/>
+          </a:p>
+        </p:txBody>
+      </p:sp>
+      <p:sp>
+        <p:nvSpPr>
+          <p:cNvPr id="3" name="Content Placeholder 2"/>
+          <p:cNvSpPr>
+            <a:spLocks noGrp="1"/>
+          </p:cNvSpPr>
+          <p:nvPr>
+            <p:ph idx="1"/>
+          </p:nvPr>
+        </p:nvSpPr>
+        <p:spPr>
+          <a:xfrm>
+            <a:off x="344031" y="990600"/>
+            <a:ext cx="8437829" cy="5334000"/>
+          </a:xfrm>
+        </p:spPr>
+        <p:txBody>
+          <a:bodyPr>
+            <a:normAutofit/>
+          </a:bodyPr>
+          <a:lstStyle/>
+          <a:p>
+            <a:r>
+              <a:rPr lang="en-US" sz="2800" dirty="0" smtClean="0"/>
+              <a:t>Clock gating inside the ARM CorePac:</a:t>
+            </a:r>
+          </a:p>
+          <a:p>
+            <a:pPr lvl="1"/>
+            <a:r>
+              <a:rPr lang="en-US" sz="2400" dirty="0" smtClean="0"/>
+              <a:t>Total dynamic power consumption for a fully-loaded 1.4GHz core will range from 1.2W to 0.35W depending on the type of instructions it runs.</a:t>
+            </a:r>
+          </a:p>
+          <a:p>
+            <a:pPr lvl="1"/>
+            <a:r>
+              <a:rPr lang="en-US" sz="2400" dirty="0" smtClean="0"/>
+              <a:t>Wait for interrupt and event (WFI, WFE) instructions bring the dynamic power down to &lt;0.1W per core.</a:t>
+            </a:r>
+          </a:p>
+          <a:p>
+            <a:r>
+              <a:rPr lang="en-US" sz="2800" dirty="0" smtClean="0"/>
+              <a:t>Power switches per core and per CorePac including L2:</a:t>
+            </a:r>
+          </a:p>
+          <a:p>
+            <a:pPr lvl="1"/>
+            <a:r>
+              <a:rPr lang="en-US" sz="2400" dirty="0" smtClean="0"/>
+              <a:t>Each ARM A15 core can be shut down independently.</a:t>
+            </a:r>
+          </a:p>
+          <a:p>
+            <a:pPr lvl="1"/>
+            <a:r>
+              <a:rPr lang="en-US" sz="2400" dirty="0" smtClean="0"/>
+              <a:t>The entire ARM A15 CorePac, including the 4MB/1MB L2 cache, can also be shut down.</a:t>
+            </a:r>
+          </a:p>
+          <a:p>
+            <a:pPr lvl="1"/>
+            <a:r>
+              <a:rPr lang="en-US" sz="2400" dirty="0" smtClean="0"/>
+              <a:t>Reduces static power to &lt;5%</a:t>
+            </a:r>
+            <a:endParaRPr lang="en-US" sz="2400" dirty="0"/>
+          </a:p>
+        </p:txBody>
+      </p:sp>
+    </p:spTree>
+    <p:custDataLst>
+      <p:tags r:id="rId1"/>
+    </p:custDataLst>
+  </p:cSld>
+  <p:clrMapOvr>
+    <a:masterClrMapping/>
+  </p:clrMapOvr>
+  <p:timing>
+    <p:tnLst>
+      <p:par>
+        <p:cTn id="1" dur="indefinite" restart="never" nodeType="tmRoot"/>
+      </p:par>
+    </p:tnLst>
+  </p:timing>
+</p:sld>
+</file>
+
+<file path=ppt/slides/slide44.xml><?xml version="1.0" encoding="utf-8"?>
+<p:sld xmlns:a="http://schemas.openxmlformats.org/drawingml/2006/main" xmlns:r="http://schemas.openxmlformats.org/officeDocument/2006/relationships" xmlns:p="http://schemas.openxmlformats.org/presentationml/2006/main">
+  <p:cSld>
+    <p:spTree>
+      <p:nvGrpSpPr>
+        <p:cNvPr id="1" name=""/>
+        <p:cNvGrpSpPr/>
+        <p:nvPr/>
+      </p:nvGrpSpPr>
+      <p:grpSpPr>
+        <a:xfrm>
+          <a:off x="0" y="0"/>
+          <a:ext cx="0" cy="0"/>
+          <a:chOff x="0" y="0"/>
+          <a:chExt cx="0" cy="0"/>
+        </a:xfrm>
+      </p:grpSpPr>
+      <p:sp>
+        <p:nvSpPr>
+          <p:cNvPr id="2" name="Title 1"/>
+          <p:cNvSpPr>
+            <a:spLocks noGrp="1"/>
+          </p:cNvSpPr>
+          <p:nvPr>
+            <p:ph type="title"/>
+          </p:nvPr>
+        </p:nvSpPr>
+        <p:spPr/>
+        <p:txBody>
+          <a:bodyPr>
+            <a:normAutofit/>
+          </a:bodyPr>
+          <a:lstStyle/>
+          <a:p>
+            <a:r>
+              <a:rPr lang="en-US" sz="4000" dirty="0" smtClean="0"/>
+              <a:t>Debug and Trace</a:t>
+            </a:r>
+            <a:endParaRPr lang="en-US" sz="4000" dirty="0"/>
+          </a:p>
+        </p:txBody>
+      </p:sp>
+      <p:sp>
+        <p:nvSpPr>
+          <p:cNvPr id="3" name="Content Placeholder 2"/>
+          <p:cNvSpPr>
+            <a:spLocks noGrp="1"/>
+          </p:cNvSpPr>
+          <p:nvPr>
+            <p:ph idx="1"/>
+          </p:nvPr>
+        </p:nvSpPr>
+        <p:spPr/>
+        <p:txBody>
+          <a:bodyPr>
+            <a:normAutofit/>
+          </a:bodyPr>
+          <a:lstStyle/>
+          <a:p>
+            <a:r>
+              <a:rPr lang="en-US" dirty="0" smtClean="0"/>
+              <a:t>ARM CorePac in KeyStone II</a:t>
+            </a:r>
+          </a:p>
+          <a:p>
+            <a:r>
+              <a:rPr lang="en-US" dirty="0" smtClean="0"/>
+              <a:t>ARM Cortex A-15 Features</a:t>
+            </a:r>
+          </a:p>
+          <a:p>
+            <a:r>
+              <a:rPr lang="en-US" dirty="0" smtClean="0"/>
+              <a:t>Interface to the SOC and Coherency Issues</a:t>
+            </a:r>
+          </a:p>
+          <a:p>
+            <a:r>
+              <a:rPr lang="en-US" dirty="0" smtClean="0"/>
+              <a:t>Benchmark</a:t>
+            </a:r>
+          </a:p>
+          <a:p>
+            <a:r>
+              <a:rPr lang="en-US" dirty="0" smtClean="0"/>
+              <a:t>Interrupt Controller</a:t>
+            </a:r>
+          </a:p>
+          <a:p>
+            <a:r>
+              <a:rPr lang="en-US" dirty="0" smtClean="0"/>
+              <a:t>Power Management</a:t>
+            </a:r>
+          </a:p>
+          <a:p>
+            <a:r>
+              <a:rPr lang="en-US" b="1" dirty="0" smtClean="0"/>
+              <a:t>Debug and Trace</a:t>
+            </a:r>
+          </a:p>
+          <a:p>
+            <a:endParaRPr lang="en-US" dirty="0"/>
+          </a:p>
+        </p:txBody>
+      </p:sp>
+    </p:spTree>
+  </p:cSld>
+  <p:clrMapOvr>
+    <a:masterClrMapping/>
+  </p:clrMapOvr>
+</p:sld>
+</file>
+
+<file path=ppt/slides/slide45.xml><?xml version="1.0" encoding="utf-8"?>
+<p:sld xmlns:a="http://schemas.openxmlformats.org/drawingml/2006/main" xmlns:r="http://schemas.openxmlformats.org/officeDocument/2006/relationships" xmlns:p="http://schemas.openxmlformats.org/presentationml/2006/main">
+  <p:cSld>
+    <p:spTree>
+      <p:nvGrpSpPr>
+        <p:cNvPr id="1" name=""/>
+        <p:cNvGrpSpPr/>
+        <p:nvPr/>
+      </p:nvGrpSpPr>
+      <p:grpSpPr>
+        <a:xfrm>
+          <a:off x="0" y="0"/>
+          <a:ext cx="0" cy="0"/>
+          <a:chOff x="0" y="0"/>
+          <a:chExt cx="0" cy="0"/>
+        </a:xfrm>
+      </p:grpSpPr>
+      <p:sp>
+        <p:nvSpPr>
+          <p:cNvPr id="2" name="Title 1"/>
+          <p:cNvSpPr>
+            <a:spLocks noGrp="1"/>
+          </p:cNvSpPr>
+          <p:nvPr>
+            <p:ph type="title"/>
+          </p:nvPr>
+        </p:nvSpPr>
+        <p:spPr/>
+        <p:txBody>
+          <a:bodyPr/>
+          <a:lstStyle/>
+          <a:p>
+            <a:r>
+              <a:rPr lang="en-US" sz="4000" dirty="0" smtClean="0"/>
+              <a:t>Debug and Trace Options</a:t>
+            </a:r>
+            <a:endParaRPr lang="en-US" sz="4000" dirty="0"/>
+          </a:p>
+        </p:txBody>
+      </p:sp>
+      <p:sp>
+        <p:nvSpPr>
+          <p:cNvPr id="3" name="Content Placeholder 2"/>
+          <p:cNvSpPr>
+            <a:spLocks noGrp="1"/>
+          </p:cNvSpPr>
+          <p:nvPr>
+            <p:ph idx="1"/>
+          </p:nvPr>
+        </p:nvSpPr>
+        <p:spPr/>
+        <p:txBody>
+          <a:bodyPr>
+            <a:normAutofit/>
+          </a:bodyPr>
+          <a:lstStyle/>
+          <a:p>
+            <a:r>
+              <a:rPr lang="en-US" sz="2400" dirty="0" smtClean="0"/>
+              <a:t>Lab-based debug; CCSv5 gives full support</a:t>
+            </a:r>
+          </a:p>
+          <a:p>
+            <a:pPr lvl="1"/>
+            <a:r>
+              <a:rPr lang="en-US" sz="2400" dirty="0" smtClean="0"/>
+              <a:t>Run-Time debug module</a:t>
+            </a:r>
+          </a:p>
+          <a:p>
+            <a:r>
+              <a:rPr lang="en-US" sz="2400" dirty="0" smtClean="0"/>
+              <a:t>PMU  - performance Monitoring Unit</a:t>
+            </a:r>
+          </a:p>
+          <a:p>
+            <a:pPr lvl="1"/>
+            <a:r>
+              <a:rPr lang="en-US" sz="2400" dirty="0" smtClean="0"/>
+              <a:t>Set of counters that can count various events</a:t>
+            </a:r>
+          </a:p>
+          <a:p>
+            <a:r>
+              <a:rPr lang="en-US" sz="2400" dirty="0" smtClean="0"/>
+              <a:t>Trace Macrocell</a:t>
+            </a:r>
+          </a:p>
+          <a:p>
+            <a:pPr lvl="1"/>
+            <a:r>
+              <a:rPr lang="en-US" sz="2400" dirty="0" smtClean="0"/>
+              <a:t>Logic to control the trace</a:t>
+            </a:r>
+          </a:p>
+          <a:p>
+            <a:pPr lvl="1"/>
+            <a:r>
+              <a:rPr lang="en-US" sz="2400" dirty="0" smtClean="0"/>
+              <a:t>Path to move the trace data outside</a:t>
+            </a:r>
+          </a:p>
+          <a:p>
+            <a:r>
+              <a:rPr lang="en-US" sz="2400" dirty="0" smtClean="0"/>
+              <a:t>Cross trigger unit</a:t>
+            </a:r>
+          </a:p>
+          <a:p>
+            <a:pPr lvl="1"/>
+            <a:r>
+              <a:rPr lang="en-US" sz="2400" dirty="0" smtClean="0"/>
+              <a:t>Enable event from one CPU to trigger trace at another CPU</a:t>
+            </a:r>
+            <a:r>
+              <a:rPr lang="en-US" sz="2400" dirty="0" smtClean="0"/>
+              <a:t> </a:t>
+            </a:r>
+            <a:endParaRPr lang="en-US" sz="2400" dirty="0" smtClean="0"/>
+          </a:p>
+        </p:txBody>
+      </p:sp>
+    </p:spTree>
+    <p:custDataLst>
+      <p:tags r:id="rId1"/>
+    </p:custDataLst>
+  </p:cSld>
+  <p:clrMapOvr>
+    <a:masterClrMapping/>
+  </p:clrMapOvr>
+  <p:timing>
+    <p:tnLst>
+      <p:par>
+        <p:cTn id="1" dur="indefinite" restart="never" nodeType="tmRoot"/>
+      </p:par>
+    </p:tnLst>
+  </p:timing>
+</p:sld>
+</file>
+
+<file path=ppt/slides/slide46.xml><?xml version="1.0" encoding="utf-8"?>
+<p:sld xmlns:a="http://schemas.openxmlformats.org/drawingml/2006/main" xmlns:r="http://schemas.openxmlformats.org/officeDocument/2006/relationships" xmlns:p="http://schemas.openxmlformats.org/presentationml/2006/main">
+  <p:cSld>
+    <p:spTree>
+      <p:nvGrpSpPr>
+        <p:cNvPr id="1" name=""/>
+        <p:cNvGrpSpPr/>
+        <p:nvPr/>
+      </p:nvGrpSpPr>
+      <p:grpSpPr>
+        <a:xfrm>
+          <a:off x="0" y="0"/>
+          <a:ext cx="0" cy="0"/>
+          <a:chOff x="0" y="0"/>
+          <a:chExt cx="0" cy="0"/>
+        </a:xfrm>
+      </p:grpSpPr>
+      <p:sp>
+        <p:nvSpPr>
+          <p:cNvPr id="2" name="Title 1"/>
+          <p:cNvSpPr>
+            <a:spLocks noGrp="1"/>
+          </p:cNvSpPr>
+          <p:nvPr>
+            <p:ph type="title"/>
+          </p:nvPr>
+        </p:nvSpPr>
+        <p:spPr/>
+        <p:txBody>
+          <a:bodyPr/>
+          <a:lstStyle/>
+          <a:p>
+            <a:r>
+              <a:rPr lang="en-US" sz="4000" dirty="0" smtClean="0"/>
+              <a:t>Lab-Based Debug</a:t>
+            </a:r>
+            <a:endParaRPr lang="en-US" sz="4000" dirty="0"/>
+          </a:p>
+        </p:txBody>
+      </p:sp>
+      <p:sp>
+        <p:nvSpPr>
+          <p:cNvPr id="3" name="Content Placeholder 2"/>
+          <p:cNvSpPr>
+            <a:spLocks noGrp="1"/>
+          </p:cNvSpPr>
+          <p:nvPr>
+            <p:ph idx="1"/>
+          </p:nvPr>
+        </p:nvSpPr>
+        <p:spPr>
+          <a:xfrm>
+            <a:off x="381000" y="1665838"/>
+            <a:ext cx="8229600" cy="3210962"/>
+          </a:xfrm>
+        </p:spPr>
+        <p:txBody>
+          <a:bodyPr>
+            <a:noAutofit/>
+          </a:bodyPr>
+          <a:lstStyle/>
+          <a:p>
+            <a:r>
+              <a:rPr lang="en-US" sz="2800" dirty="0" smtClean="0"/>
+              <a:t>CCSv5 works with the ARM cores. </a:t>
+            </a:r>
+          </a:p>
+          <a:p>
+            <a:r>
+              <a:rPr lang="en-US" sz="2800" dirty="0" smtClean="0"/>
+              <a:t>The ARM integrated development environment, RealView Development Suite (RDS), provides lab-based debug facilities (breakpoint, memory view, etc.).</a:t>
+            </a:r>
+          </a:p>
+          <a:p>
+            <a:pPr lvl="1"/>
+            <a:r>
+              <a:rPr lang="en-US" dirty="0" smtClean="0"/>
+              <a:t>GNU Debugger (GDB</a:t>
+            </a:r>
+            <a:r>
+              <a:rPr lang="en-US" dirty="0" smtClean="0"/>
+              <a:t>)</a:t>
+            </a:r>
+          </a:p>
+          <a:p>
+            <a:r>
+              <a:rPr lang="en-US" sz="2800" dirty="0" smtClean="0"/>
+              <a:t>ARM hardware Debug registers facilitate debugging</a:t>
+            </a:r>
+            <a:endParaRPr lang="en-US" sz="2800" dirty="0"/>
+          </a:p>
+        </p:txBody>
+      </p:sp>
+    </p:spTree>
+    <p:custDataLst>
+      <p:tags r:id="rId1"/>
+    </p:custDataLst>
+  </p:cSld>
+  <p:clrMapOvr>
+    <a:masterClrMapping/>
+  </p:clrMapOvr>
+  <p:timing>
+    <p:tnLst>
+      <p:par>
+        <p:cTn id="1" dur="indefinite" restart="never" nodeType="tmRoot"/>
+      </p:par>
+    </p:tnLst>
+  </p:timing>
+</p:sld>
+</file>
+
+<file path=ppt/slides/slide47.xml><?xml version="1.0" encoding="utf-8"?>
+<p:sld xmlns:a="http://schemas.openxmlformats.org/drawingml/2006/main" xmlns:r="http://schemas.openxmlformats.org/officeDocument/2006/relationships" xmlns:p="http://schemas.openxmlformats.org/presentationml/2006/main">
+  <p:cSld>
+    <p:spTree>
+      <p:nvGrpSpPr>
+        <p:cNvPr id="1" name=""/>
+        <p:cNvGrpSpPr/>
+        <p:nvPr/>
+      </p:nvGrpSpPr>
+      <p:grpSpPr>
+        <a:xfrm>
+          <a:off x="0" y="0"/>
+          <a:ext cx="0" cy="0"/>
+          <a:chOff x="0" y="0"/>
+          <a:chExt cx="0" cy="0"/>
+        </a:xfrm>
+      </p:grpSpPr>
+      <p:sp>
+        <p:nvSpPr>
+          <p:cNvPr id="2" name="Title 1"/>
+          <p:cNvSpPr>
+            <a:spLocks noGrp="1"/>
+          </p:cNvSpPr>
+          <p:nvPr>
+            <p:ph type="title"/>
+          </p:nvPr>
+        </p:nvSpPr>
+        <p:spPr/>
+        <p:txBody>
+          <a:bodyPr/>
+          <a:lstStyle/>
+          <a:p>
+            <a:r>
+              <a:rPr lang="en-US" sz="3600" dirty="0" smtClean="0"/>
+              <a:t>PMU Block Diagram</a:t>
+            </a:r>
+            <a:endParaRPr lang="en-US" sz="3600" dirty="0"/>
+          </a:p>
+        </p:txBody>
+      </p:sp>
+      <p:pic>
+        <p:nvPicPr>
+          <p:cNvPr id="129026" name="Picture 2"/>
+          <p:cNvPicPr>
+            <a:picLocks noChangeAspect="1" noChangeArrowheads="1"/>
+          </p:cNvPicPr>
+          <p:nvPr/>
+        </p:nvPicPr>
+        <p:blipFill>
+          <a:blip r:embed="rId2" cstate="print"/>
+          <a:srcRect/>
+          <a:stretch>
+            <a:fillRect/>
+          </a:stretch>
+        </p:blipFill>
+        <p:spPr bwMode="auto">
+          <a:xfrm>
+            <a:off x="1319514" y="1099114"/>
+            <a:ext cx="6895799" cy="4939736"/>
+          </a:xfrm>
+          <a:prstGeom prst="rect">
+            <a:avLst/>
+          </a:prstGeom>
+          <a:noFill/>
+          <a:ln w="9525">
+            <a:noFill/>
+            <a:miter lim="800000"/>
+            <a:headEnd/>
+            <a:tailEnd/>
+          </a:ln>
+        </p:spPr>
+      </p:pic>
+    </p:spTree>
+  </p:cSld>
+  <p:clrMapOvr>
+    <a:masterClrMapping/>
+  </p:clrMapOvr>
+</p:sld>
+</file>
+
+<file path=ppt/slides/slide48.xml><?xml version="1.0" encoding="utf-8"?>
+<p:sld xmlns:a="http://schemas.openxmlformats.org/drawingml/2006/main" xmlns:r="http://schemas.openxmlformats.org/officeDocument/2006/relationships" xmlns:p="http://schemas.openxmlformats.org/presentationml/2006/main">
+  <p:cSld>
+    <p:spTree>
+      <p:nvGrpSpPr>
+        <p:cNvPr id="1" name=""/>
+        <p:cNvGrpSpPr/>
+        <p:nvPr/>
+      </p:nvGrpSpPr>
+      <p:grpSpPr>
+        <a:xfrm>
+          <a:off x="0" y="0"/>
+          <a:ext cx="0" cy="0"/>
+          <a:chOff x="0" y="0"/>
+          <a:chExt cx="0" cy="0"/>
+        </a:xfrm>
+      </p:grpSpPr>
+      <p:sp>
+        <p:nvSpPr>
+          <p:cNvPr id="2" name="Title 1"/>
+          <p:cNvSpPr>
+            <a:spLocks noGrp="1"/>
+          </p:cNvSpPr>
+          <p:nvPr>
+            <p:ph type="title"/>
+          </p:nvPr>
+        </p:nvSpPr>
+        <p:spPr/>
+        <p:txBody>
+          <a:bodyPr/>
+          <a:lstStyle/>
+          <a:p>
+            <a:r>
+              <a:rPr lang="en-US" sz="3600" dirty="0" smtClean="0"/>
+              <a:t>Trace </a:t>
+            </a:r>
+            <a:r>
+              <a:rPr lang="en-US" sz="3600" dirty="0" smtClean="0"/>
+              <a:t>Macrocell</a:t>
+            </a:r>
+            <a:endParaRPr lang="en-US" sz="3600" dirty="0"/>
           </a:p>
         </p:txBody>
       </p:sp>
@@ -9595,7 +10761,7 @@
 </p:sld>
 </file>
 
-<file path=ppt/slides/slide43.xml><?xml version="1.0" encoding="utf-8"?>
+<file path=ppt/slides/slide49.xml><?xml version="1.0" encoding="utf-8"?>
 <p:sld xmlns:a="http://schemas.openxmlformats.org/drawingml/2006/main" xmlns:r="http://schemas.openxmlformats.org/officeDocument/2006/relationships" xmlns:p="http://schemas.openxmlformats.org/presentationml/2006/main">
   <p:cSld>
     <p:spTree>
@@ -9675,28 +10841,12 @@
           </a:p>
           <a:p>
             <a:r>
-              <a:rPr lang="en-US" dirty="0" smtClean="0"/>
-              <a:t>Cross triggering:</a:t>
-            </a:r>
-          </a:p>
-          <a:p>
-            <a:pPr lvl="1"/>
-            <a:r>
-              <a:rPr lang="en-US" dirty="0" smtClean="0"/>
-              <a:t>Cross Trigger Interface (CTI) </a:t>
-            </a:r>
-          </a:p>
-          <a:p>
-            <a:pPr lvl="1"/>
-            <a:r>
-              <a:rPr lang="en-US" dirty="0" smtClean="0"/>
-              <a:t>Cross Trigger Matrix (CTM)</a:t>
-            </a:r>
-          </a:p>
-          <a:p>
-            <a:r>
               <a:rPr lang="en-US" sz="2800" dirty="0" smtClean="0"/>
-              <a:t>Options for storing and delivering trace data to host:</a:t>
+              <a:t>Options </a:t>
+            </a:r>
+            <a:r>
+              <a:rPr lang="en-US" sz="2800" dirty="0" smtClean="0"/>
+              <a:t>for storing and delivering trace data to host:</a:t>
             </a:r>
           </a:p>
           <a:p>
@@ -9733,7 +10883,7 @@
 </p:sld>
 </file>
 
-<file path=ppt/slides/slide44.xml><?xml version="1.0" encoding="utf-8"?>
+<file path=ppt/slides/slide5.xml><?xml version="1.0" encoding="utf-8"?>
 <p:sld xmlns:a="http://schemas.openxmlformats.org/drawingml/2006/main" xmlns:r="http://schemas.openxmlformats.org/officeDocument/2006/relationships" xmlns:p="http://schemas.openxmlformats.org/presentationml/2006/main">
   <p:cSld>
     <p:spTree>
@@ -9752,6 +10902,268 @@
       </p:grpSpPr>
       <p:sp>
         <p:nvSpPr>
+          <p:cNvPr id="51202" name="TextBox 825"/>
+          <p:cNvSpPr txBox="1">
+            <a:spLocks noChangeArrowheads="1"/>
+          </p:cNvSpPr>
+          <p:nvPr/>
+        </p:nvSpPr>
+        <p:spPr bwMode="auto">
+          <a:xfrm>
+            <a:off x="341313" y="993775"/>
+            <a:ext cx="2293937" cy="685800"/>
+          </a:xfrm>
+          <a:prstGeom prst="rect">
+            <a:avLst/>
+          </a:prstGeom>
+          <a:solidFill>
+            <a:schemeClr val="bg1"/>
+          </a:solidFill>
+          <a:ln w="9525">
+            <a:noFill/>
+            <a:miter lim="800000"/>
+            <a:headEnd/>
+            <a:tailEnd/>
+          </a:ln>
+        </p:spPr>
+        <p:txBody>
+          <a:bodyPr/>
+          <a:lstStyle/>
+          <a:p>
+            <a:pPr algn="l" eaLnBrk="0" hangingPunct="0"/>
+            <a:endParaRPr lang="en-US" sz="1800" dirty="0">
+              <a:solidFill>
+                <a:srgbClr val="000000"/>
+              </a:solidFill>
+            </a:endParaRPr>
+          </a:p>
+        </p:txBody>
+      </p:sp>
+      <p:sp>
+        <p:nvSpPr>
+          <p:cNvPr id="51204" name="Rectangle 4"/>
+          <p:cNvSpPr>
+            <a:spLocks noGrp="1" noChangeArrowheads="1"/>
+          </p:cNvSpPr>
+          <p:nvPr>
+            <p:ph type="title" idx="4294967295"/>
+          </p:nvPr>
+        </p:nvSpPr>
+        <p:spPr>
+          <a:xfrm>
+            <a:off x="435784" y="76200"/>
+            <a:ext cx="8229600" cy="762000"/>
+          </a:xfrm>
+        </p:spPr>
+        <p:txBody>
+          <a:bodyPr/>
+          <a:lstStyle/>
+          <a:p>
+            <a:r>
+              <a:rPr lang="en-US" b="0" dirty="0" smtClean="0"/>
+              <a:t> </a:t>
+            </a:r>
+            <a:r>
+              <a:rPr lang="en-US" sz="4000" dirty="0" smtClean="0"/>
+              <a:t>KeyStone II and ARM </a:t>
+            </a:r>
+            <a:r>
+              <a:rPr lang="en-US" sz="4000" dirty="0" smtClean="0"/>
+              <a:t>CorePac (2)</a:t>
+            </a:r>
+            <a:endParaRPr lang="en-US" sz="4000" dirty="0" smtClean="0"/>
+          </a:p>
+        </p:txBody>
+      </p:sp>
+      <p:sp>
+        <p:nvSpPr>
+          <p:cNvPr id="51205" name="Rectangle 171"/>
+          <p:cNvSpPr>
+            <a:spLocks noGrp="1" noChangeArrowheads="1"/>
+          </p:cNvSpPr>
+          <p:nvPr>
+            <p:ph type="body" sz="half" idx="4294967295"/>
+          </p:nvPr>
+        </p:nvSpPr>
+        <p:spPr>
+          <a:xfrm>
+            <a:off x="5400672" y="992147"/>
+            <a:ext cx="3743328" cy="4862513"/>
+          </a:xfrm>
+        </p:spPr>
+        <p:txBody>
+          <a:bodyPr/>
+          <a:lstStyle/>
+          <a:p>
+            <a:pPr marL="227013" indent="-227013" eaLnBrk="1" hangingPunct="1">
+              <a:spcBef>
+                <a:spcPct val="0"/>
+              </a:spcBef>
+              <a:spcAft>
+                <a:spcPct val="10000"/>
+              </a:spcAft>
+            </a:pPr>
+            <a:r>
+              <a:rPr lang="en-US" sz="2000" dirty="0" smtClean="0"/>
+              <a:t>AMBA </a:t>
+            </a:r>
+            <a:r>
+              <a:rPr lang="en-US" sz="2000" dirty="0" smtClean="0"/>
+              <a:t>4.0 AXI Coherency Extension (ACE) master port</a:t>
+            </a:r>
+          </a:p>
+          <a:p>
+            <a:pPr marL="227013" indent="-227013" eaLnBrk="1" hangingPunct="1">
+              <a:spcBef>
+                <a:spcPct val="0"/>
+              </a:spcBef>
+              <a:spcAft>
+                <a:spcPct val="10000"/>
+              </a:spcAft>
+            </a:pPr>
+            <a:r>
+              <a:rPr lang="en-US" sz="2000" dirty="0"/>
+              <a:t>M</a:t>
+            </a:r>
+            <a:r>
+              <a:rPr lang="en-US" sz="2000" dirty="0" smtClean="0"/>
+              <a:t>odule interrupt controller</a:t>
+            </a:r>
+          </a:p>
+          <a:p>
+            <a:pPr marL="227013" indent="-227013" eaLnBrk="1" hangingPunct="1">
+              <a:spcBef>
+                <a:spcPct val="0"/>
+              </a:spcBef>
+              <a:spcAft>
+                <a:spcPct val="10000"/>
+              </a:spcAft>
+            </a:pPr>
+            <a:r>
+              <a:rPr lang="en-US" sz="2000" dirty="0" smtClean="0"/>
+              <a:t>Cluster-level and core-level power management and low-power standby </a:t>
+            </a:r>
+            <a:r>
+              <a:rPr lang="en-US" sz="2000" dirty="0" smtClean="0"/>
+              <a:t>modes</a:t>
+            </a:r>
+          </a:p>
+          <a:p>
+            <a:pPr marL="227013" indent="-227013" eaLnBrk="1" hangingPunct="1">
+              <a:spcBef>
+                <a:spcPct val="0"/>
+              </a:spcBef>
+              <a:spcAft>
+                <a:spcPct val="10000"/>
+              </a:spcAft>
+            </a:pPr>
+            <a:r>
+              <a:rPr lang="en-US" sz="2000" dirty="0" smtClean="0"/>
+              <a:t>Configured 64/128 bit AMBA interface and 64/128 bits accelerator coherency support (ACP</a:t>
+            </a:r>
+            <a:r>
+              <a:rPr lang="en-US" sz="2000" dirty="0" smtClean="0"/>
+              <a:t>)</a:t>
+            </a:r>
+            <a:endParaRPr lang="en-US" sz="2000" dirty="0" smtClean="0"/>
+          </a:p>
+          <a:p>
+            <a:pPr marL="227013" indent="-227013" eaLnBrk="1" hangingPunct="1">
+              <a:spcBef>
+                <a:spcPct val="0"/>
+              </a:spcBef>
+              <a:spcAft>
+                <a:spcPct val="10000"/>
+              </a:spcAft>
+            </a:pPr>
+            <a:r>
+              <a:rPr lang="en-US" sz="2000" dirty="0" smtClean="0"/>
+              <a:t>Advance debug features</a:t>
+            </a:r>
+          </a:p>
+          <a:p>
+            <a:pPr marL="227013" indent="-227013" eaLnBrk="1" hangingPunct="1">
+              <a:spcBef>
+                <a:spcPct val="0"/>
+              </a:spcBef>
+              <a:spcAft>
+                <a:spcPct val="10000"/>
+              </a:spcAft>
+            </a:pPr>
+            <a:endParaRPr lang="en-US" sz="2000" dirty="0" smtClean="0"/>
+          </a:p>
+        </p:txBody>
+      </p:sp>
+      <p:pic>
+        <p:nvPicPr>
+          <p:cNvPr id="7" name="Picture 6" descr="Func Diagram KII P02.bmp"/>
+          <p:cNvPicPr>
+            <a:picLocks noChangeAspect="1"/>
+          </p:cNvPicPr>
+          <p:nvPr>
+            <p:custDataLst>
+              <p:tags r:id="rId2"/>
+            </p:custDataLst>
+          </p:nvPr>
+        </p:nvPicPr>
+        <p:blipFill>
+          <a:blip r:embed="rId5" cstate="print"/>
+          <a:stretch>
+            <a:fillRect/>
+          </a:stretch>
+        </p:blipFill>
+        <p:spPr>
+          <a:xfrm>
+            <a:off x="0" y="1013614"/>
+            <a:ext cx="5337059" cy="5446787"/>
+          </a:xfrm>
+          <a:prstGeom prst="rect">
+            <a:avLst/>
+          </a:prstGeom>
+        </p:spPr>
+      </p:pic>
+    </p:spTree>
+    <p:custDataLst>
+      <p:tags r:id="rId1"/>
+    </p:custDataLst>
+    <p:extLst>
+      <p:ext uri="{BB962C8B-B14F-4D97-AF65-F5344CB8AC3E}">
+        <p14:creationId xmlns="" xmlns:p14="http://schemas.microsoft.com/office/powerpoint/2010/main" val="3469200570"/>
+      </p:ext>
+    </p:extLst>
+  </p:cSld>
+  <p:clrMapOvr>
+    <a:masterClrMapping/>
+  </p:clrMapOvr>
+  <p:timing>
+    <p:tnLst>
+      <p:par>
+        <p:cTn id="1" dur="indefinite" restart="never" nodeType="tmRoot"/>
+      </p:par>
+    </p:tnLst>
+  </p:timing>
+</p:sld>
+</file>
+
+<file path=ppt/slides/slide50.xml><?xml version="1.0" encoding="utf-8"?>
+<p:sld xmlns:a="http://schemas.openxmlformats.org/drawingml/2006/main" xmlns:r="http://schemas.openxmlformats.org/officeDocument/2006/relationships" xmlns:p="http://schemas.openxmlformats.org/presentationml/2006/main">
+  <p:cSld>
+    <p:spTree>
+      <p:nvGrpSpPr>
+        <p:cNvPr id="1" name=""/>
+        <p:cNvGrpSpPr/>
+        <p:nvPr/>
+      </p:nvGrpSpPr>
+      <p:grpSpPr>
+        <a:xfrm>
+          <a:off x="0" y="0"/>
+          <a:ext cx="0" cy="0"/>
+          <a:chOff x="0" y="0"/>
+          <a:chExt cx="0" cy="0"/>
+        </a:xfrm>
+      </p:grpSpPr>
+      <p:sp>
+        <p:nvSpPr>
           <p:cNvPr id="2" name="Title 1"/>
           <p:cNvSpPr>
             <a:spLocks noGrp="1"/>
@@ -9774,11 +11186,7 @@
           <a:p>
             <a:r>
               <a:rPr lang="en-US" sz="4000" dirty="0" smtClean="0"/>
-              <a:t>STM as Part of the </a:t>
-            </a:r>
-            <a:r>
-              <a:rPr lang="en-US" sz="4000" dirty="0" err="1" smtClean="0"/>
-              <a:t>SoC</a:t>
+              <a:t>STM as Part of the SoC</a:t>
             </a:r>
             <a:endParaRPr lang="en-US" sz="4000" dirty="0"/>
           </a:p>
@@ -9826,7 +11234,7 @@
 </p:sld>
 </file>
 
-<file path=ppt/slides/slide45.xml><?xml version="1.0" encoding="utf-8"?>
+<file path=ppt/slides/slide51.xml><?xml version="1.0" encoding="utf-8"?>
 <p:sld xmlns:a="http://schemas.openxmlformats.org/drawingml/2006/main" xmlns:r="http://schemas.openxmlformats.org/officeDocument/2006/relationships" xmlns:p="http://schemas.openxmlformats.org/presentationml/2006/main">
   <p:cSld>
     <p:spTree>
@@ -9918,30 +11326,14 @@
             <a:pPr lvl="1"/>
             <a:r>
               <a:rPr lang="en-US" sz="2400" dirty="0" smtClean="0"/>
-              <a:t>HTM (AHB Trace </a:t>
-            </a:r>
-            <a:r>
-              <a:rPr lang="en-US" sz="2400" dirty="0" err="1" smtClean="0"/>
-              <a:t>Macrocell</a:t>
-            </a:r>
+              <a:t>HTM (AHB Trace Macrocell) bus trace</a:t>
+            </a:r>
+          </a:p>
+          <a:p>
+            <a:pPr lvl="1"/>
             <a:r>
               <a:rPr lang="en-US" sz="2400" dirty="0" smtClean="0"/>
-              <a:t>) bus trace</a:t>
-            </a:r>
-          </a:p>
-          <a:p>
-            <a:pPr lvl="1"/>
-            <a:r>
-              <a:rPr lang="en-US" sz="2400" dirty="0" smtClean="0"/>
-              <a:t>ITM (Instrumentation Trace </a:t>
-            </a:r>
-            <a:r>
-              <a:rPr lang="en-US" sz="2400" dirty="0" err="1" smtClean="0"/>
-              <a:t>Macrocell</a:t>
-            </a:r>
-            <a:r>
-              <a:rPr lang="en-US" sz="2400" dirty="0" smtClean="0"/>
-              <a:t>) (printf)</a:t>
+              <a:t>ITM (Instrumentation Trace Macrocell) (printf)</a:t>
             </a:r>
           </a:p>
           <a:p>
@@ -9978,7 +11370,7 @@
 </p:sld>
 </file>
 
-<file path=ppt/slides/slide46.xml><?xml version="1.0" encoding="utf-8"?>
+<file path=ppt/slides/slide52.xml><?xml version="1.0" encoding="utf-8"?>
 <p:sld xmlns:a="http://schemas.openxmlformats.org/drawingml/2006/main" xmlns:r="http://schemas.openxmlformats.org/officeDocument/2006/relationships" xmlns:p="http://schemas.openxmlformats.org/presentationml/2006/main">
   <p:cSld>
     <p:spTree>
@@ -10089,7 +11481,7 @@
 </p:sld>
 </file>
 
-<file path=ppt/slides/slide47.xml><?xml version="1.0" encoding="utf-8"?>
+<file path=ppt/slides/slide53.xml><?xml version="1.0" encoding="utf-8"?>
 <p:sld xmlns:a="http://schemas.openxmlformats.org/drawingml/2006/main" xmlns:r="http://schemas.openxmlformats.org/officeDocument/2006/relationships" xmlns:p="http://schemas.openxmlformats.org/presentationml/2006/main" show="0">
   <p:cSld>
     <p:spTree>
@@ -10184,7 +11576,7 @@
 </p:sld>
 </file>
 
-<file path=ppt/slides/slide48.xml><?xml version="1.0" encoding="utf-8"?>
+<file path=ppt/slides/slide54.xml><?xml version="1.0" encoding="utf-8"?>
 <p:sld xmlns:a="http://schemas.openxmlformats.org/drawingml/2006/main" xmlns:r="http://schemas.openxmlformats.org/officeDocument/2006/relationships" xmlns:p="http://schemas.openxmlformats.org/presentationml/2006/main">
   <p:cSld>
     <p:spTree>
@@ -10283,11 +11675,7 @@
             <a:pPr algn="ctr"/>
             <a:r>
               <a:rPr lang="en-US" sz="2000" dirty="0" smtClean="0"/>
-              <a:t>ARM Cortex-A15 </a:t>
-            </a:r>
-            <a:r>
-              <a:rPr lang="en-US" sz="2000" dirty="0" err="1" smtClean="0"/>
-              <a:t>MPCore</a:t>
+              <a:t>ARM Cortex-A15 MPCore</a:t>
             </a:r>
             <a:endParaRPr lang="en-US" sz="2000" dirty="0"/>
           </a:p>
@@ -10452,11 +11840,7 @@
             <a:pPr algn="ctr"/>
             <a:r>
               <a:rPr lang="en-US" sz="2000" dirty="0" smtClean="0"/>
-              <a:t>Access to and from the </a:t>
-            </a:r>
-            <a:r>
-              <a:rPr lang="en-US" sz="2000" dirty="0" err="1" smtClean="0"/>
-              <a:t>SoC</a:t>
+              <a:t>Access to and from the SoC</a:t>
             </a:r>
             <a:endParaRPr lang="en-US" sz="2000" dirty="0"/>
           </a:p>
@@ -10480,7 +11864,7 @@
 </p:sld>
 </file>
 
-<file path=ppt/slides/slide49.xml><?xml version="1.0" encoding="utf-8"?>
+<file path=ppt/slides/slide55.xml><?xml version="1.0" encoding="utf-8"?>
 <p:sld xmlns:a="http://schemas.openxmlformats.org/drawingml/2006/main" xmlns:r="http://schemas.openxmlformats.org/officeDocument/2006/relationships" xmlns:p="http://schemas.openxmlformats.org/presentationml/2006/main">
   <p:cSld>
     <p:spTree>
@@ -10592,11 +11976,7 @@
             </a:r>
             <a:r>
               <a:rPr lang="en-US" dirty="0" smtClean="0"/>
-              <a:t> </a:t>
-            </a:r>
-            <a:r>
-              <a:rPr lang="en-US" smtClean="0"/>
-              <a:t>website.</a:t>
+              <a:t> website.</a:t>
             </a:r>
           </a:p>
         </p:txBody>
@@ -10619,7 +11999,7 @@
 </p:sld>
 </file>
 
-<file path=ppt/slides/slide5.xml><?xml version="1.0" encoding="utf-8"?>
+<file path=ppt/slides/slide6.xml><?xml version="1.0" encoding="utf-8"?>
 <p:sld xmlns:a="http://schemas.openxmlformats.org/drawingml/2006/main" xmlns:r="http://schemas.openxmlformats.org/officeDocument/2006/relationships" xmlns:p="http://schemas.openxmlformats.org/presentationml/2006/main">
   <p:cSld>
     <p:spTree>
@@ -10671,23 +12051,7 @@
                 <a:ea typeface="+mj-ea"/>
                 <a:cs typeface="+mj-cs"/>
               </a:rPr>
-              <a:t>ARM </a:t>
-            </a:r>
-            <a:r>
-              <a:rPr lang="en-US" altLang="ko-KR" sz="4000" b="1" dirty="0" err="1" smtClean="0">
-                <a:latin typeface="+mj-lt"/>
-                <a:ea typeface="+mj-ea"/>
-                <a:cs typeface="+mj-cs"/>
-              </a:rPr>
-              <a:t>CorePac</a:t>
-            </a:r>
-            <a:r>
-              <a:rPr lang="en-US" altLang="ko-KR" sz="4000" b="1" dirty="0" smtClean="0">
-                <a:latin typeface="+mj-lt"/>
-                <a:ea typeface="+mj-ea"/>
-                <a:cs typeface="+mj-cs"/>
-              </a:rPr>
-              <a:t> Functional Block </a:t>
+              <a:t>ARM CorePac Functional Block </a:t>
             </a:r>
             <a:r>
               <a:rPr lang="en-US" altLang="ko-KR" sz="4000" b="1" dirty="0">
@@ -10760,167 +12124,6 @@
 </p:sld>
 </file>
 
-<file path=ppt/slides/slide6.xml><?xml version="1.0" encoding="utf-8"?>
-<p:sld xmlns:a="http://schemas.openxmlformats.org/drawingml/2006/main" xmlns:r="http://schemas.openxmlformats.org/officeDocument/2006/relationships" xmlns:p="http://schemas.openxmlformats.org/presentationml/2006/main">
-  <p:cSld>
-    <p:spTree>
-      <p:nvGrpSpPr>
-        <p:cNvPr id="1" name=""/>
-        <p:cNvGrpSpPr/>
-        <p:nvPr/>
-      </p:nvGrpSpPr>
-      <p:grpSpPr>
-        <a:xfrm>
-          <a:off x="0" y="0"/>
-          <a:ext cx="0" cy="0"/>
-          <a:chOff x="0" y="0"/>
-          <a:chExt cx="0" cy="0"/>
-        </a:xfrm>
-      </p:grpSpPr>
-      <p:sp>
-        <p:nvSpPr>
-          <p:cNvPr id="2" name="Title 1"/>
-          <p:cNvSpPr>
-            <a:spLocks noGrp="1"/>
-          </p:cNvSpPr>
-          <p:nvPr>
-            <p:ph type="title"/>
-          </p:nvPr>
-        </p:nvSpPr>
-        <p:spPr/>
-        <p:txBody>
-          <a:bodyPr>
-            <a:normAutofit/>
-          </a:bodyPr>
-          <a:lstStyle/>
-          <a:p>
-            <a:r>
-              <a:rPr lang="en-US" sz="4000" dirty="0" smtClean="0"/>
-              <a:t>ARM Cortex A-15 Features: ARM Core</a:t>
-            </a:r>
-          </a:p>
-        </p:txBody>
-      </p:sp>
-      <p:sp>
-        <p:nvSpPr>
-          <p:cNvPr id="3" name="Content Placeholder 2"/>
-          <p:cNvSpPr>
-            <a:spLocks noGrp="1"/>
-          </p:cNvSpPr>
-          <p:nvPr>
-            <p:ph idx="1"/>
-          </p:nvPr>
-        </p:nvSpPr>
-        <p:spPr>
-          <a:xfrm>
-            <a:off x="457200" y="883920"/>
-            <a:ext cx="8229600" cy="5585460"/>
-          </a:xfrm>
-        </p:spPr>
-        <p:txBody>
-          <a:bodyPr>
-            <a:normAutofit fontScale="92500" lnSpcReduction="10000"/>
-          </a:bodyPr>
-          <a:lstStyle/>
-          <a:p>
-            <a:r>
-              <a:rPr lang="en-US" dirty="0" smtClean="0"/>
-              <a:t>ARM </a:t>
-            </a:r>
-            <a:r>
-              <a:rPr lang="en-US" dirty="0" err="1" smtClean="0"/>
-              <a:t>CorePac</a:t>
-            </a:r>
-            <a:r>
-              <a:rPr lang="en-US" dirty="0" smtClean="0"/>
-              <a:t> in </a:t>
-            </a:r>
-            <a:r>
-              <a:rPr lang="en-US" dirty="0" err="1" smtClean="0"/>
-              <a:t>KeyStone</a:t>
-            </a:r>
-            <a:r>
-              <a:rPr lang="en-US" dirty="0" smtClean="0"/>
-              <a:t> II</a:t>
-            </a:r>
-          </a:p>
-          <a:p>
-            <a:r>
-              <a:rPr lang="en-US" b="1" dirty="0" smtClean="0"/>
-              <a:t>ARM Cortex A-15 Features</a:t>
-            </a:r>
-          </a:p>
-          <a:p>
-            <a:pPr lvl="1"/>
-            <a:r>
-              <a:rPr lang="en-US" b="1" dirty="0" smtClean="0"/>
-              <a:t>ARM Core</a:t>
-            </a:r>
-          </a:p>
-          <a:p>
-            <a:pPr lvl="1"/>
-            <a:r>
-              <a:rPr lang="en-US" dirty="0" smtClean="0"/>
-              <a:t>NEON</a:t>
-            </a:r>
-          </a:p>
-          <a:p>
-            <a:pPr lvl="1"/>
-            <a:r>
-              <a:rPr lang="en-US" dirty="0" smtClean="0"/>
-              <a:t>VFP</a:t>
-            </a:r>
-          </a:p>
-          <a:p>
-            <a:pPr lvl="1"/>
-            <a:r>
-              <a:rPr lang="en-US" dirty="0" smtClean="0"/>
-              <a:t>MMU</a:t>
-            </a:r>
-          </a:p>
-          <a:p>
-            <a:r>
-              <a:rPr lang="en-US" dirty="0" smtClean="0"/>
-              <a:t>Interface to the SOC and Coherency Issues</a:t>
-            </a:r>
-          </a:p>
-          <a:p>
-            <a:r>
-              <a:rPr lang="en-US" dirty="0" smtClean="0"/>
-              <a:t>Benchmarks</a:t>
-            </a:r>
-          </a:p>
-          <a:p>
-            <a:r>
-              <a:rPr lang="en-US" dirty="0" smtClean="0"/>
-              <a:t>Interrupt Controller</a:t>
-            </a:r>
-          </a:p>
-          <a:p>
-            <a:r>
-              <a:rPr lang="en-US" dirty="0" smtClean="0"/>
-              <a:t>Power Management</a:t>
-            </a:r>
-          </a:p>
-          <a:p>
-            <a:r>
-              <a:rPr lang="en-US" dirty="0" smtClean="0"/>
-              <a:t>Debug and Trace</a:t>
-            </a:r>
-          </a:p>
-          <a:p>
-            <a:endParaRPr lang="en-US" dirty="0"/>
-          </a:p>
-        </p:txBody>
-      </p:sp>
-    </p:spTree>
-  </p:cSld>
-  <p:clrMapOvr>
-    <a:masterClrMapping/>
-  </p:clrMapOvr>
-</p:sld>
-</file>
-
 <file path=ppt/slides/slide7.xml><?xml version="1.0" encoding="utf-8"?>
 <p:sld xmlns:a="http://schemas.openxmlformats.org/drawingml/2006/main" xmlns:r="http://schemas.openxmlformats.org/officeDocument/2006/relationships" xmlns:p="http://schemas.openxmlformats.org/presentationml/2006/main">
   <p:cSld>
@@ -10948,12 +12151,7 @@
             <p:ph type="title"/>
           </p:nvPr>
         </p:nvSpPr>
-        <p:spPr>
-          <a:xfrm>
-            <a:off x="457200" y="129858"/>
-            <a:ext cx="8229600" cy="830262"/>
-          </a:xfrm>
-        </p:spPr>
+        <p:spPr/>
         <p:txBody>
           <a:bodyPr>
             <a:normAutofit/>
@@ -10962,7 +12160,7 @@
           <a:p>
             <a:r>
               <a:rPr lang="en-US" sz="4000" dirty="0" smtClean="0"/>
-              <a:t>Cortex A-15 Features – The Core (1/2)</a:t>
+              <a:t>ARM Cortex A-15 Features: ARM Core</a:t>
             </a:r>
           </a:p>
         </p:txBody>
@@ -10977,87 +12175,89 @@
             <p:ph idx="1"/>
           </p:nvPr>
         </p:nvSpPr>
-        <p:spPr/>
+        <p:spPr>
+          <a:xfrm>
+            <a:off x="457200" y="883920"/>
+            <a:ext cx="8229600" cy="5585460"/>
+          </a:xfrm>
+        </p:spPr>
         <p:txBody>
           <a:bodyPr>
-            <a:normAutofit lnSpcReduction="10000"/>
+            <a:normAutofit fontScale="92500" lnSpcReduction="10000"/>
           </a:bodyPr>
           <a:lstStyle/>
           <a:p>
             <a:r>
-              <a:rPr lang="en-US" sz="2800" dirty="0" smtClean="0"/>
-              <a:t>Superscalar architecture</a:t>
+              <a:rPr lang="en-US" dirty="0" smtClean="0"/>
+              <a:t>ARM CorePac in KeyStone II</a:t>
+            </a:r>
+          </a:p>
+          <a:p>
+            <a:r>
+              <a:rPr lang="en-US" b="1" dirty="0" smtClean="0"/>
+              <a:t>ARM Cortex A-15 Features</a:t>
             </a:r>
           </a:p>
           <a:p>
             <a:pPr lvl="1"/>
             <a:r>
-              <a:rPr lang="en-US" sz="2400" dirty="0" smtClean="0"/>
-              <a:t>2 ALU, 2 shifts, branch unit, multiply and divide, load store</a:t>
+              <a:rPr lang="en-US" b="1" dirty="0" smtClean="0"/>
+              <a:t>ARM Core</a:t>
             </a:r>
           </a:p>
           <a:p>
             <a:pPr lvl="1"/>
             <a:r>
-              <a:rPr lang="en-US" sz="2400" dirty="0" smtClean="0"/>
-              <a:t>3 concurrent dispatched, up to 8 concurrent issues</a:t>
-            </a:r>
-          </a:p>
-          <a:p>
-            <a:r>
-              <a:rPr lang="en-US" sz="2800" dirty="0" smtClean="0"/>
-              <a:t>Full implementation of ARMv7-A architecture instruction set</a:t>
+              <a:rPr lang="en-US" dirty="0" smtClean="0"/>
+              <a:t>NEON</a:t>
             </a:r>
           </a:p>
           <a:p>
             <a:pPr lvl="1"/>
             <a:r>
-              <a:rPr lang="en-US" sz="2400" dirty="0" smtClean="0"/>
-              <a:t>More MAC instructions (normalization and rounding)</a:t>
+              <a:rPr lang="en-US" dirty="0" smtClean="0"/>
+              <a:t>VFP</a:t>
             </a:r>
           </a:p>
           <a:p>
             <a:pPr lvl="1"/>
             <a:r>
-              <a:rPr lang="en-US" sz="2400" dirty="0" smtClean="0"/>
-              <a:t>Integer divide</a:t>
-            </a:r>
-          </a:p>
-          <a:p>
-            <a:pPr lvl="1"/>
-            <a:r>
-              <a:rPr lang="en-US" sz="2400" dirty="0" smtClean="0"/>
-              <a:t>Automatic thumb mode (16-bit instructions)</a:t>
-            </a:r>
-          </a:p>
-          <a:p>
-            <a:r>
-              <a:rPr lang="en-US" sz="2800" dirty="0" smtClean="0"/>
-              <a:t>Pipeline optimization</a:t>
-            </a:r>
-          </a:p>
-          <a:p>
-            <a:pPr lvl="1"/>
-            <a:r>
-              <a:rPr lang="en-US" sz="2400" dirty="0" smtClean="0"/>
-              <a:t>Deeper pipeline 13 stages to issue (2 integer, 4 multiply and load, more for NEON and FPU(2-10))</a:t>
-            </a:r>
-          </a:p>
-          <a:p>
-            <a:pPr lvl="1"/>
-            <a:r>
-              <a:rPr lang="en-US" sz="2400" dirty="0" smtClean="0"/>
-              <a:t>Out-of-order pipeline (3-12 stages) execution</a:t>
-            </a:r>
-          </a:p>
-          <a:p>
-            <a:pPr>
-              <a:buNone/>
-            </a:pPr>
-            <a:endParaRPr lang="en-US" sz="2800" dirty="0"/>
-          </a:p>
-          <a:p>
-            <a:endParaRPr lang="en-US" sz="2800" dirty="0" smtClean="0"/>
+              <a:rPr lang="en-US" dirty="0" smtClean="0"/>
+              <a:t>MMU</a:t>
+            </a:r>
+          </a:p>
+          <a:p>
+            <a:r>
+              <a:rPr lang="en-US" dirty="0" smtClean="0"/>
+              <a:t>Interface to the SOC and Coherency Issues</a:t>
+            </a:r>
+          </a:p>
+          <a:p>
+            <a:r>
+              <a:rPr lang="en-US" dirty="0" smtClean="0"/>
+              <a:t>Benchmarks</a:t>
+            </a:r>
+          </a:p>
+          <a:p>
+            <a:r>
+              <a:rPr lang="en-US" dirty="0" smtClean="0"/>
+              <a:t>Interrupt Controller</a:t>
+            </a:r>
+          </a:p>
+          <a:p>
+            <a:r>
+              <a:rPr lang="en-US" dirty="0" smtClean="0"/>
+              <a:t>Power Management</a:t>
+            </a:r>
+          </a:p>
+          <a:p>
+            <a:r>
+              <a:rPr lang="en-US" dirty="0" smtClean="0"/>
+              <a:t>Debug and Trace</a:t>
+            </a:r>
+          </a:p>
+          <a:p>
+            <a:endParaRPr lang="en-US" dirty="0"/>
           </a:p>
         </p:txBody>
       </p:sp>
@@ -11098,8 +12298,8 @@
         </p:nvSpPr>
         <p:spPr>
           <a:xfrm>
-            <a:off x="457200" y="30207"/>
-            <a:ext cx="8229600" cy="1020762"/>
+            <a:off x="457200" y="129858"/>
+            <a:ext cx="8229600" cy="830262"/>
           </a:xfrm>
         </p:spPr>
         <p:txBody>
@@ -11110,9 +12310,8 @@
           <a:p>
             <a:r>
               <a:rPr lang="en-US" sz="4000" dirty="0" smtClean="0"/>
-              <a:t>Cortex A-15 Features – The Core (2/2)</a:t>
-            </a:r>
-            <a:endParaRPr lang="en-US" sz="4000" dirty="0"/>
+              <a:t>Cortex A-15 Features – The Core (1/2)</a:t>
+            </a:r>
           </a:p>
         </p:txBody>
       </p:sp>
@@ -11129,55 +12328,74 @@
         <p:spPr/>
         <p:txBody>
           <a:bodyPr>
-            <a:normAutofit/>
+            <a:normAutofit lnSpcReduction="10000"/>
           </a:bodyPr>
           <a:lstStyle/>
           <a:p>
             <a:r>
               <a:rPr lang="en-US" sz="2800" dirty="0" smtClean="0"/>
-              <a:t>Dynamic branch prediction – Loop prediction and indirect branch predictor</a:t>
+              <a:t>Superscalar architecture</a:t>
             </a:r>
           </a:p>
           <a:p>
             <a:pPr lvl="1"/>
             <a:r>
               <a:rPr lang="en-US" sz="2400" dirty="0" smtClean="0"/>
-              <a:t>Branch Target Buffer (BTB)</a:t>
+              <a:t>2 ALU, 2 shifts, branch unit, multiply and divide, load store</a:t>
             </a:r>
           </a:p>
           <a:p>
             <a:pPr lvl="1"/>
             <a:r>
               <a:rPr lang="en-US" sz="2400" dirty="0" smtClean="0"/>
-              <a:t>Global History Buffer (GHB) has three arrays:</a:t>
-            </a:r>
-          </a:p>
-          <a:p>
-            <a:pPr lvl="2"/>
-            <a:r>
-              <a:rPr lang="en-US" sz="2000" dirty="0" smtClean="0"/>
-              <a:t>Taken array</a:t>
-            </a:r>
-          </a:p>
-          <a:p>
-            <a:pPr lvl="2"/>
-            <a:r>
-              <a:rPr lang="en-US" sz="2000" dirty="0" smtClean="0"/>
-              <a:t>Not taken array</a:t>
-            </a:r>
-          </a:p>
-          <a:p>
-            <a:pPr lvl="2"/>
-            <a:r>
-              <a:rPr lang="en-US" sz="2000" dirty="0" smtClean="0"/>
-              <a:t>Selector array</a:t>
+              <a:t>3 concurrent dispatched, up to 8 concurrent issues</a:t>
+            </a:r>
+          </a:p>
+          <a:p>
+            <a:r>
+              <a:rPr lang="en-US" sz="2800" dirty="0" smtClean="0"/>
+              <a:t>Full implementation of ARMv7-A architecture instruction set</a:t>
             </a:r>
           </a:p>
           <a:p>
             <a:pPr lvl="1"/>
             <a:r>
               <a:rPr lang="en-US" sz="2400" dirty="0" smtClean="0"/>
-              <a:t>Sophisticated hardware algorithm makes the prediction</a:t>
+              <a:t>More MAC instructions (normalization and rounding)</a:t>
+            </a:r>
+          </a:p>
+          <a:p>
+            <a:pPr lvl="1"/>
+            <a:r>
+              <a:rPr lang="en-US" sz="2400" dirty="0" smtClean="0"/>
+              <a:t>Integer divide</a:t>
+            </a:r>
+          </a:p>
+          <a:p>
+            <a:pPr lvl="1"/>
+            <a:r>
+              <a:rPr lang="en-US" sz="2400" dirty="0" smtClean="0"/>
+              <a:t>Automatic thumb mode (16-bit instructions)</a:t>
+            </a:r>
+          </a:p>
+          <a:p>
+            <a:r>
+              <a:rPr lang="en-US" sz="2800" dirty="0" smtClean="0"/>
+              <a:t>Pipeline optimization</a:t>
+            </a:r>
+          </a:p>
+          <a:p>
+            <a:pPr lvl="1"/>
+            <a:r>
+              <a:rPr lang="en-US" sz="2400" dirty="0" smtClean="0"/>
+              <a:t>Deeper pipeline 13 stages to issue (2 integer, 4 multiply and load, more for NEON and FPU(2-10))</a:t>
+            </a:r>
+          </a:p>
+          <a:p>
+            <a:pPr lvl="1"/>
+            <a:r>
+              <a:rPr lang="en-US" sz="2400" dirty="0" smtClean="0"/>
+              <a:t>Out-of-order pipeline (3-12 stages) execution</a:t>
             </a:r>
           </a:p>
           <a:p>
@@ -11228,19 +12446,19 @@
         </p:nvSpPr>
         <p:spPr>
           <a:xfrm>
-            <a:off x="135802" y="75472"/>
-            <a:ext cx="8799968" cy="1020762"/>
+            <a:off x="457200" y="30207"/>
+            <a:ext cx="8229600" cy="1020762"/>
           </a:xfrm>
         </p:spPr>
         <p:txBody>
           <a:bodyPr>
-            <a:noAutofit/>
+            <a:normAutofit/>
           </a:bodyPr>
           <a:lstStyle/>
           <a:p>
             <a:r>
               <a:rPr lang="en-US" sz="4000" dirty="0" smtClean="0"/>
-              <a:t>Cortex A-15 Features – Fetch &amp; Memory</a:t>
+              <a:t>Cortex A-15 Features – The Core (2/2)</a:t>
             </a:r>
             <a:endParaRPr lang="en-US" sz="4000" dirty="0"/>
           </a:p>
@@ -11256,80 +12474,68 @@
             <p:ph idx="1"/>
           </p:nvPr>
         </p:nvSpPr>
-        <p:spPr>
-          <a:xfrm>
-            <a:off x="457200" y="1126395"/>
-            <a:ext cx="8229600" cy="2884283"/>
-          </a:xfrm>
-        </p:spPr>
+        <p:spPr/>
         <p:txBody>
           <a:bodyPr>
-            <a:normAutofit fontScale="85000" lnSpcReduction="20000"/>
+            <a:normAutofit/>
           </a:bodyPr>
           <a:lstStyle/>
           <a:p>
             <a:r>
               <a:rPr lang="en-US" sz="2800" dirty="0" smtClean="0"/>
-              <a:t>Increase fetch </a:t>
-            </a:r>
-            <a:r>
-              <a:rPr lang="en-US" sz="2800" smtClean="0"/>
-              <a:t>from </a:t>
-            </a:r>
-            <a:r>
-              <a:rPr lang="en-US" sz="2800" smtClean="0"/>
-              <a:t>64 </a:t>
-            </a:r>
-            <a:r>
-              <a:rPr lang="en-US" sz="2800" dirty="0" smtClean="0"/>
-              <a:t>to 128 bits</a:t>
-            </a:r>
-          </a:p>
-          <a:p>
-            <a:r>
-              <a:rPr lang="en-US" sz="2800" dirty="0" smtClean="0"/>
-              <a:t>Full support for unaligned fetch address</a:t>
-            </a:r>
-          </a:p>
-          <a:p>
-            <a:r>
-              <a:rPr lang="en-US" sz="2800" dirty="0" smtClean="0"/>
-              <a:t>L1D and L1P</a:t>
+              <a:t>Dynamic branch prediction – Loop prediction and indirect branch predictor</a:t>
             </a:r>
           </a:p>
           <a:p>
             <a:pPr lvl="1"/>
             <a:r>
               <a:rPr lang="en-US" sz="2400" dirty="0" smtClean="0"/>
-              <a:t>32KB size</a:t>
+              <a:t>Branch Target Buffer (BTB)</a:t>
             </a:r>
           </a:p>
           <a:p>
             <a:pPr lvl="1"/>
             <a:r>
               <a:rPr lang="en-US" sz="2400" dirty="0" smtClean="0"/>
-              <a:t>Configured as cache</a:t>
-            </a:r>
-          </a:p>
-          <a:p>
-            <a:r>
-              <a:rPr lang="en-US" sz="2800" dirty="0" smtClean="0"/>
-              <a:t>L2 is unified memory that serves ALL cores in the cluster:</a:t>
+              <a:t>Global History Buffer (GHB) has three arrays:</a:t>
+            </a:r>
+          </a:p>
+          <a:p>
+            <a:pPr lvl="2"/>
+            <a:r>
+              <a:rPr lang="en-US" sz="2000" dirty="0" smtClean="0"/>
+              <a:t>Taken array</a:t>
+            </a:r>
+          </a:p>
+          <a:p>
+            <a:pPr lvl="2"/>
+            <a:r>
+              <a:rPr lang="en-US" sz="2000" dirty="0" smtClean="0"/>
+              <a:t>Not taken array</a:t>
+            </a:r>
+          </a:p>
+          <a:p>
+            <a:pPr lvl="2"/>
+            <a:r>
+              <a:rPr lang="en-US" sz="2000" dirty="0" smtClean="0"/>
+              <a:t>Selector array</a:t>
             </a:r>
           </a:p>
           <a:p>
             <a:pPr lvl="1"/>
             <a:r>
               <a:rPr lang="en-US" sz="2400" dirty="0" smtClean="0"/>
-              <a:t>4MB size</a:t>
-            </a:r>
-          </a:p>
-          <a:p>
-            <a:pPr lvl="1"/>
-            <a:r>
-              <a:rPr lang="en-US" sz="2400" dirty="0" smtClean="0"/>
-              <a:t>Configured as cache</a:t>
-            </a:r>
+              <a:t>Sophisticated hardware algorithm makes the prediction</a:t>
+            </a:r>
+          </a:p>
+          <a:p>
+            <a:pPr>
+              <a:buNone/>
+            </a:pPr>
+            <a:endParaRPr lang="en-US" sz="2800" dirty="0"/>
+          </a:p>
+          <a:p>
+            <a:endParaRPr lang="en-US" sz="2800" dirty="0" smtClean="0"/>
           </a:p>
         </p:txBody>
       </p:sp>
@@ -11377,13 +12583,7 @@
 
 <file path=ppt/tags/tag10.xml><?xml version="1.0" encoding="utf-8"?>
 <p:tagLst xmlns:a="http://schemas.openxmlformats.org/drawingml/2006/main" xmlns:r="http://schemas.openxmlformats.org/officeDocument/2006/relationships" xmlns:p="http://schemas.openxmlformats.org/presentationml/2006/main">
-  <p:tag name="ELAPSEDTIME" val="117.208"/>
-  <p:tag name="ARTICULATE_SLIDE_PAUSE" val="0"/>
-  <p:tag name="ARTICULATE_NAV_LEVEL" val="1"/>
-  <p:tag name="ARTICULATE_PLAYLIST_ID" val="-1"/>
-  <p:tag name="ARTICULATE_LOCK_SLIDE" val="0"/>
-  <p:tag name="ARTICULATE_SLIDE_GUID" val="ff69a2a7-2730-4d0c-838b-da3bd68a56ca"/>
-  <p:tag name="ARTICULATE_SLIDE_NAV" val="5"/>
+  <p:tag name="ARTICULATE_PUBLISH_MODE" val="2"/>
 </p:tagLst>
 </file>
 
@@ -11413,6 +12613,30 @@
 
 <file path=ppt/tags/tag13.xml><?xml version="1.0" encoding="utf-8"?>
 <p:tagLst xmlns:a="http://schemas.openxmlformats.org/drawingml/2006/main" xmlns:r="http://schemas.openxmlformats.org/officeDocument/2006/relationships" xmlns:p="http://schemas.openxmlformats.org/presentationml/2006/main">
+  <p:tag name="ELAPSEDTIME" val="117.208"/>
+  <p:tag name="ARTICULATE_SLIDE_PAUSE" val="0"/>
+  <p:tag name="ARTICULATE_NAV_LEVEL" val="1"/>
+  <p:tag name="ARTICULATE_PLAYLIST_ID" val="-1"/>
+  <p:tag name="ARTICULATE_LOCK_SLIDE" val="0"/>
+  <p:tag name="ARTICULATE_SLIDE_GUID" val="ff69a2a7-2730-4d0c-838b-da3bd68a56ca"/>
+  <p:tag name="ARTICULATE_SLIDE_NAV" val="5"/>
+</p:tagLst>
+</file>
+
+<file path=ppt/tags/tag14.xml><?xml version="1.0" encoding="utf-8"?>
+<p:tagLst xmlns:a="http://schemas.openxmlformats.org/drawingml/2006/main" xmlns:r="http://schemas.openxmlformats.org/officeDocument/2006/relationships" xmlns:p="http://schemas.openxmlformats.org/presentationml/2006/main">
+  <p:tag name="ELAPSEDTIME" val="117.208"/>
+  <p:tag name="ARTICULATE_SLIDE_PAUSE" val="0"/>
+  <p:tag name="ARTICULATE_NAV_LEVEL" val="1"/>
+  <p:tag name="ARTICULATE_PLAYLIST_ID" val="-1"/>
+  <p:tag name="ARTICULATE_LOCK_SLIDE" val="0"/>
+  <p:tag name="ARTICULATE_SLIDE_GUID" val="ff69a2a7-2730-4d0c-838b-da3bd68a56ca"/>
+  <p:tag name="ARTICULATE_SLIDE_NAV" val="5"/>
+</p:tagLst>
+</file>
+
+<file path=ppt/tags/tag15.xml><?xml version="1.0" encoding="utf-8"?>
+<p:tagLst xmlns:a="http://schemas.openxmlformats.org/drawingml/2006/main" xmlns:r="http://schemas.openxmlformats.org/officeDocument/2006/relationships" xmlns:p="http://schemas.openxmlformats.org/presentationml/2006/main">
   <p:tag name="ELAPSEDTIME" val="81.63"/>
   <p:tag name="ARTICULATE_SLIDE_PAUSE" val="0"/>
   <p:tag name="ARTICULATE_NAV_LEVEL" val="1"/>
@@ -11424,34 +12648,10 @@
 </p:tagLst>
 </file>
 
-<file path=ppt/tags/tag14.xml><?xml version="1.0" encoding="utf-8"?>
+<file path=ppt/tags/tag16.xml><?xml version="1.0" encoding="utf-8"?>
 <p:tagLst xmlns:a="http://schemas.openxmlformats.org/drawingml/2006/main" xmlns:r="http://schemas.openxmlformats.org/officeDocument/2006/relationships" xmlns:p="http://schemas.openxmlformats.org/presentationml/2006/main">
   <p:tag name="ARTICULATE_PUBLISH_MODE" val="2"/>
   <p:tag name="ARTICULATE_SOURCE_IMAGE" val="C:\Users\a0850458\AppData\Local\Temp\articulate\presenter\imgtemp\YA6hVUms_files\slide0001_image001.gif"/>
-</p:tagLst>
-</file>
-
-<file path=ppt/tags/tag15.xml><?xml version="1.0" encoding="utf-8"?>
-<p:tagLst xmlns:a="http://schemas.openxmlformats.org/drawingml/2006/main" xmlns:r="http://schemas.openxmlformats.org/officeDocument/2006/relationships" xmlns:p="http://schemas.openxmlformats.org/presentationml/2006/main">
-  <p:tag name="ELAPSEDTIME" val="80.322"/>
-  <p:tag name="ARTICULATE_SLIDE_PAUSE" val="0"/>
-  <p:tag name="ARTICULATE_NAV_LEVEL" val="1"/>
-  <p:tag name="ARTICULATE_PLAYLIST_ID" val="-1"/>
-  <p:tag name="ARTICULATE_LOCK_SLIDE" val="0"/>
-  <p:tag name="ARTICULATE_SLIDE_GUID" val="6d983b37-ed36-4d89-91eb-86a0ebbb8b1c"/>
-  <p:tag name="ARTICULATE_SLIDE_NAV" val="11"/>
-</p:tagLst>
-</file>
-
-<file path=ppt/tags/tag16.xml><?xml version="1.0" encoding="utf-8"?>
-<p:tagLst xmlns:a="http://schemas.openxmlformats.org/drawingml/2006/main" xmlns:r="http://schemas.openxmlformats.org/officeDocument/2006/relationships" xmlns:p="http://schemas.openxmlformats.org/presentationml/2006/main">
-  <p:tag name="ELAPSEDTIME" val="80.322"/>
-  <p:tag name="ARTICULATE_SLIDE_PAUSE" val="0"/>
-  <p:tag name="ARTICULATE_NAV_LEVEL" val="1"/>
-  <p:tag name="ARTICULATE_PLAYLIST_ID" val="-1"/>
-  <p:tag name="ARTICULATE_LOCK_SLIDE" val="0"/>
-  <p:tag name="ARTICULATE_SLIDE_GUID" val="6d983b37-ed36-4d89-91eb-86a0ebbb8b1c"/>
-  <p:tag name="ARTICULATE_SLIDE_NAV" val="11"/>
 </p:tagLst>
 </file>
 
@@ -11548,6 +12748,30 @@
 
 <file path=ppt/tags/tag24.xml><?xml version="1.0" encoding="utf-8"?>
 <p:tagLst xmlns:a="http://schemas.openxmlformats.org/drawingml/2006/main" xmlns:r="http://schemas.openxmlformats.org/officeDocument/2006/relationships" xmlns:p="http://schemas.openxmlformats.org/presentationml/2006/main">
+  <p:tag name="ELAPSEDTIME" val="80.322"/>
+  <p:tag name="ARTICULATE_SLIDE_PAUSE" val="0"/>
+  <p:tag name="ARTICULATE_NAV_LEVEL" val="1"/>
+  <p:tag name="ARTICULATE_PLAYLIST_ID" val="-1"/>
+  <p:tag name="ARTICULATE_LOCK_SLIDE" val="0"/>
+  <p:tag name="ARTICULATE_SLIDE_GUID" val="6d983b37-ed36-4d89-91eb-86a0ebbb8b1c"/>
+  <p:tag name="ARTICULATE_SLIDE_NAV" val="11"/>
+</p:tagLst>
+</file>
+
+<file path=ppt/tags/tag25.xml><?xml version="1.0" encoding="utf-8"?>
+<p:tagLst xmlns:a="http://schemas.openxmlformats.org/drawingml/2006/main" xmlns:r="http://schemas.openxmlformats.org/officeDocument/2006/relationships" xmlns:p="http://schemas.openxmlformats.org/presentationml/2006/main">
+  <p:tag name="ELAPSEDTIME" val="80.322"/>
+  <p:tag name="ARTICULATE_SLIDE_PAUSE" val="0"/>
+  <p:tag name="ARTICULATE_NAV_LEVEL" val="1"/>
+  <p:tag name="ARTICULATE_PLAYLIST_ID" val="-1"/>
+  <p:tag name="ARTICULATE_LOCK_SLIDE" val="0"/>
+  <p:tag name="ARTICULATE_SLIDE_GUID" val="6d983b37-ed36-4d89-91eb-86a0ebbb8b1c"/>
+  <p:tag name="ARTICULATE_SLIDE_NAV" val="11"/>
+</p:tagLst>
+</file>
+
+<file path=ppt/tags/tag26.xml><?xml version="1.0" encoding="utf-8"?>
+<p:tagLst xmlns:a="http://schemas.openxmlformats.org/drawingml/2006/main" xmlns:r="http://schemas.openxmlformats.org/officeDocument/2006/relationships" xmlns:p="http://schemas.openxmlformats.org/presentationml/2006/main">
   <p:tag name="ELAPSEDTIME" val="85.416"/>
   <p:tag name="ARTICULATE_SLIDE_PAUSE" val="0"/>
   <p:tag name="ARTICULATE_NAV_LEVEL" val="1"/>
@@ -11558,14 +12782,14 @@
 </p:tagLst>
 </file>
 
-<file path=ppt/tags/tag25.xml><?xml version="1.0" encoding="utf-8"?>
+<file path=ppt/tags/tag27.xml><?xml version="1.0" encoding="utf-8"?>
 <p:tagLst xmlns:a="http://schemas.openxmlformats.org/drawingml/2006/main" xmlns:r="http://schemas.openxmlformats.org/officeDocument/2006/relationships" xmlns:p="http://schemas.openxmlformats.org/presentationml/2006/main">
   <p:tag name="ARTICULATE_PUBLISH_MODE" val="2"/>
   <p:tag name="ARTICULATE_SOURCE_IMAGE" val="C:\Users\a0850458\AppData\Local\Temp\articulate\presenter\imgtemp\IJc0dKkU_files\slide0001_image001.gif"/>
 </p:tagLst>
 </file>
 
-<file path=ppt/tags/tag26.xml><?xml version="1.0" encoding="utf-8"?>
+<file path=ppt/tags/tag28.xml><?xml version="1.0" encoding="utf-8"?>
 <p:tagLst xmlns:a="http://schemas.openxmlformats.org/drawingml/2006/main" xmlns:r="http://schemas.openxmlformats.org/officeDocument/2006/relationships" xmlns:p="http://schemas.openxmlformats.org/presentationml/2006/main">
   <p:tag name="ELAPSEDTIME" val="34.635"/>
   <p:tag name="ARTICULATE_SLIDE_PAUSE" val="0"/>
@@ -11605,12 +12829,31 @@
 
 <file path=ppt/tags/tag6.xml><?xml version="1.0" encoding="utf-8"?>
 <p:tagLst xmlns:a="http://schemas.openxmlformats.org/drawingml/2006/main" xmlns:r="http://schemas.openxmlformats.org/officeDocument/2006/relationships" xmlns:p="http://schemas.openxmlformats.org/presentationml/2006/main">
+  <p:tag name="ELAPSEDTIME" val="114.937"/>
+  <p:tag name="ARTICULATE_SLIDE_PAUSE" val="0"/>
+  <p:tag name="ARTICULATE_NAV_LEVEL" val="2"/>
+  <p:tag name="ARTICULATE_PLAYLIST_ID" val="-1"/>
+  <p:tag name="ARTICULATE_LOCK_SLIDE" val="0"/>
+  <p:tag name="ARTICULATE_SLIDE_NAV" val="7"/>
+  <p:tag name="ARTICULATE_SLIDE_GUID" val="0b93dcc8-d2cf-47d6-ab77-8f0eb20e0983"/>
+</p:tagLst>
+</file>
+
+<file path=ppt/tags/tag7.xml><?xml version="1.0" encoding="utf-8"?>
+<p:tagLst xmlns:a="http://schemas.openxmlformats.org/drawingml/2006/main" xmlns:r="http://schemas.openxmlformats.org/officeDocument/2006/relationships" xmlns:p="http://schemas.openxmlformats.org/presentationml/2006/main">
+  <p:tag name="ARTICULATE_PUBLISH_MODE" val="2"/>
+  <p:tag name="ARTICULATE_SOURCE_IMAGE" val="C:\Users\a0850458\AppData\Local\Temp\articulate\presenter\imgtemp\QJVlARKz_files\slide0001_image001.gif"/>
+</p:tagLst>
+</file>
+
+<file path=ppt/tags/tag8.xml><?xml version="1.0" encoding="utf-8"?>
+<p:tagLst xmlns:a="http://schemas.openxmlformats.org/drawingml/2006/main" xmlns:r="http://schemas.openxmlformats.org/officeDocument/2006/relationships" xmlns:p="http://schemas.openxmlformats.org/presentationml/2006/main">
   <p:tag name="ARTICULATE_PUBLISH_MODE" val="2"/>
   <p:tag name="ARTICULATE_SOURCE_IMAGE" val="C:\Users\a0850458\AppData\Local\Temp\articulate\presenter\imgtemp\mQ43EVnH_files\slide0001_image001.jpg"/>
 </p:tagLst>
 </file>
 
-<file path=ppt/tags/tag7.xml><?xml version="1.0" encoding="utf-8"?>
+<file path=ppt/tags/tag9.xml><?xml version="1.0" encoding="utf-8"?>
 <p:tagLst xmlns:a="http://schemas.openxmlformats.org/drawingml/2006/main" xmlns:r="http://schemas.openxmlformats.org/officeDocument/2006/relationships" xmlns:p="http://schemas.openxmlformats.org/presentationml/2006/main">
   <p:tag name="ELAPSEDTIME" val="47.385"/>
   <p:tag name="ARTICULATE_SLIDE_PAUSE" val="0"/>
@@ -11619,24 +12862,6 @@
   <p:tag name="ARTICULATE_LOCK_SLIDE" val="0"/>
   <p:tag name="ARTICULATE_SLIDE_GUID" val="9206a393-e105-4c3b-bac6-f63db3aada8f"/>
   <p:tag name="ARTICULATE_SLIDE_NAV" val="6"/>
-</p:tagLst>
-</file>
-
-<file path=ppt/tags/tag8.xml><?xml version="1.0" encoding="utf-8"?>
-<p:tagLst xmlns:a="http://schemas.openxmlformats.org/drawingml/2006/main" xmlns:r="http://schemas.openxmlformats.org/officeDocument/2006/relationships" xmlns:p="http://schemas.openxmlformats.org/presentationml/2006/main">
-  <p:tag name="ARTICULATE_PUBLISH_MODE" val="2"/>
-</p:tagLst>
-</file>
-
-<file path=ppt/tags/tag9.xml><?xml version="1.0" encoding="utf-8"?>
-<p:tagLst xmlns:a="http://schemas.openxmlformats.org/drawingml/2006/main" xmlns:r="http://schemas.openxmlformats.org/officeDocument/2006/relationships" xmlns:p="http://schemas.openxmlformats.org/presentationml/2006/main">
-  <p:tag name="ELAPSEDTIME" val="117.208"/>
-  <p:tag name="ARTICULATE_SLIDE_PAUSE" val="0"/>
-  <p:tag name="ARTICULATE_NAV_LEVEL" val="1"/>
-  <p:tag name="ARTICULATE_PLAYLIST_ID" val="-1"/>
-  <p:tag name="ARTICULATE_LOCK_SLIDE" val="0"/>
-  <p:tag name="ARTICULATE_SLIDE_GUID" val="ff69a2a7-2730-4d0c-838b-da3bd68a56ca"/>
-  <p:tag name="ARTICULATE_SLIDE_NAV" val="5"/>
 </p:tagLst>
 </file>
 

--- a/trunk/preliminary/Working/presentations/KeyStoneII ARM Overview.pptx
+++ b/trunk/preliminary/Working/presentations/KeyStoneII ARM Overview.pptx
@@ -5,10 +5,10 @@
     <p:sldMasterId id="2147484452" r:id="rId5"/>
   </p:sldMasterIdLst>
   <p:notesMasterIdLst>
-    <p:notesMasterId r:id="rId61"/>
+    <p:notesMasterId r:id="rId62"/>
   </p:notesMasterIdLst>
   <p:handoutMasterIdLst>
-    <p:handoutMasterId r:id="rId62"/>
+    <p:handoutMasterId r:id="rId63"/>
   </p:handoutMasterIdLst>
   <p:sldIdLst>
     <p:sldId id="868" r:id="rId6"/>
@@ -64,13 +64,14 @@
     <p:sldId id="904" r:id="rId56"/>
     <p:sldId id="905" r:id="rId57"/>
     <p:sldId id="906" r:id="rId58"/>
-    <p:sldId id="907" r:id="rId59"/>
-    <p:sldId id="908" r:id="rId60"/>
+    <p:sldId id="924" r:id="rId59"/>
+    <p:sldId id="907" r:id="rId60"/>
+    <p:sldId id="908" r:id="rId61"/>
   </p:sldIdLst>
   <p:sldSz cx="9144000" cy="6858000" type="screen4x3"/>
   <p:notesSz cx="7010400" cy="9296400"/>
   <p:custDataLst>
-    <p:tags r:id="rId63"/>
+    <p:tags r:id="rId64"/>
   </p:custDataLst>
   <p:defaultTextStyle>
     <a:defPPr>
@@ -1491,6 +1492,10 @@
           </a:bodyPr>
           <a:lstStyle/>
           <a:p>
+            <a:r>
+              <a:rPr lang="en-US" dirty="0" smtClean="0"/>
+              <a:t>Distribution and CPU interface</a:t>
+            </a:r>
             <a:endParaRPr lang="en-US" dirty="0"/>
           </a:p>
         </p:txBody>
@@ -1518,7 +1523,7 @@
               <a:pPr>
                 <a:defRPr/>
               </a:pPr>
-              <a:t>38</a:t>
+              <a:t>37</a:t>
             </a:fld>
             <a:endParaRPr lang="en-US" dirty="0"/>
           </a:p>
@@ -1605,7 +1610,7 @@
               <a:pPr>
                 <a:defRPr/>
               </a:pPr>
-              <a:t>39</a:t>
+              <a:t>38</a:t>
             </a:fld>
             <a:endParaRPr lang="en-US" dirty="0"/>
           </a:p>
@@ -1684,10 +1689,15 @@
           <a:bodyPr/>
           <a:lstStyle/>
           <a:p>
-            <a:fld id="{9295E5E2-942B-4086-8EFE-9DF4A2A8CF3E}" type="slidenum">
+            <a:pPr>
+              <a:defRPr/>
+            </a:pPr>
+            <a:fld id="{9AF68C97-DBEA-40B2-91B6-F690EAC6BBD6}" type="slidenum">
               <a:rPr lang="en-US" smtClean="0"/>
-              <a:pPr/>
-              <a:t>42</a:t>
+              <a:pPr>
+                <a:defRPr/>
+              </a:pPr>
+              <a:t>39</a:t>
             </a:fld>
             <a:endParaRPr lang="en-US" dirty="0"/>
           </a:p>
@@ -1747,14 +1757,6 @@
           </a:bodyPr>
           <a:lstStyle/>
           <a:p>
-            <a:r>
-              <a:rPr lang="en-US" dirty="0" smtClean="0"/>
-              <a:t>Depending on the transistor</a:t>
-            </a:r>
-            <a:r>
-              <a:rPr lang="en-US" baseline="0" dirty="0" smtClean="0"/>
-              <a:t> temperature, static power (leakage) is ½ to 2/3 of total power. Dynamic power scales with clock speed, static does not.</a:t>
-            </a:r>
             <a:endParaRPr lang="en-US" dirty="0"/>
           </a:p>
         </p:txBody>
@@ -1777,7 +1779,7 @@
             <a:fld id="{9295E5E2-942B-4086-8EFE-9DF4A2A8CF3E}" type="slidenum">
               <a:rPr lang="en-US" smtClean="0"/>
               <a:pPr/>
-              <a:t>43</a:t>
+              <a:t>42</a:t>
             </a:fld>
             <a:endParaRPr lang="en-US" dirty="0"/>
           </a:p>
@@ -1837,6 +1839,14 @@
           </a:bodyPr>
           <a:lstStyle/>
           <a:p>
+            <a:r>
+              <a:rPr lang="en-US" dirty="0" smtClean="0"/>
+              <a:t>Depending on the transistor</a:t>
+            </a:r>
+            <a:r>
+              <a:rPr lang="en-US" baseline="0" dirty="0" smtClean="0"/>
+              <a:t> temperature, static power (leakage) is ½ to 2/3 of total power. Dynamic power scales with clock speed, static does not.</a:t>
+            </a:r>
             <a:endParaRPr lang="en-US" dirty="0"/>
           </a:p>
         </p:txBody>
@@ -1856,10 +1866,10 @@
           <a:bodyPr/>
           <a:lstStyle/>
           <a:p>
-            <a:fld id="{5A66AFF2-6912-47BF-8417-4BCCFAB39D19}" type="slidenum">
+            <a:fld id="{9295E5E2-942B-4086-8EFE-9DF4A2A8CF3E}" type="slidenum">
               <a:rPr lang="en-US" smtClean="0"/>
               <a:pPr/>
-              <a:t>44</a:t>
+              <a:t>43</a:t>
             </a:fld>
             <a:endParaRPr lang="en-US" dirty="0"/>
           </a:p>
@@ -1938,10 +1948,10 @@
           <a:bodyPr/>
           <a:lstStyle/>
           <a:p>
-            <a:fld id="{9295E5E2-942B-4086-8EFE-9DF4A2A8CF3E}" type="slidenum">
+            <a:fld id="{5A66AFF2-6912-47BF-8417-4BCCFAB39D19}" type="slidenum">
               <a:rPr lang="en-US" smtClean="0"/>
               <a:pPr/>
-              <a:t>45</a:t>
+              <a:t>44</a:t>
             </a:fld>
             <a:endParaRPr lang="en-US" dirty="0"/>
           </a:p>
@@ -2204,7 +2214,7 @@
             <a:fld id="{9295E5E2-942B-4086-8EFE-9DF4A2A8CF3E}" type="slidenum">
               <a:rPr lang="en-US" smtClean="0"/>
               <a:pPr/>
-              <a:t>46</a:t>
+              <a:t>45</a:t>
             </a:fld>
             <a:endParaRPr lang="en-US" dirty="0"/>
           </a:p>
@@ -2286,7 +2296,7 @@
             <a:fld id="{9295E5E2-942B-4086-8EFE-9DF4A2A8CF3E}" type="slidenum">
               <a:rPr lang="en-US" smtClean="0"/>
               <a:pPr/>
-              <a:t>48</a:t>
+              <a:t>46</a:t>
             </a:fld>
             <a:endParaRPr lang="en-US" dirty="0"/>
           </a:p>
@@ -2368,7 +2378,7 @@
             <a:fld id="{9295E5E2-942B-4086-8EFE-9DF4A2A8CF3E}" type="slidenum">
               <a:rPr lang="en-US" smtClean="0"/>
               <a:pPr/>
-              <a:t>49</a:t>
+              <a:t>48</a:t>
             </a:fld>
             <a:endParaRPr lang="en-US" dirty="0"/>
           </a:p>
@@ -2450,7 +2460,7 @@
             <a:fld id="{9295E5E2-942B-4086-8EFE-9DF4A2A8CF3E}" type="slidenum">
               <a:rPr lang="en-US" smtClean="0"/>
               <a:pPr/>
-              <a:t>51</a:t>
+              <a:t>49</a:t>
             </a:fld>
             <a:endParaRPr lang="en-US" dirty="0"/>
           </a:p>
@@ -2510,10 +2520,6 @@
           </a:bodyPr>
           <a:lstStyle/>
           <a:p>
-            <a:r>
-              <a:rPr lang="en-US" dirty="0" smtClean="0"/>
-              <a:t>ECT   - Embedded Cross Triggering</a:t>
-            </a:r>
             <a:endParaRPr lang="en-US" dirty="0"/>
           </a:p>
         </p:txBody>
@@ -2536,7 +2542,7 @@
             <a:fld id="{9295E5E2-942B-4086-8EFE-9DF4A2A8CF3E}" type="slidenum">
               <a:rPr lang="en-US" smtClean="0"/>
               <a:pPr/>
-              <a:t>52</a:t>
+              <a:t>51</a:t>
             </a:fld>
             <a:endParaRPr lang="en-US" dirty="0"/>
           </a:p>
@@ -2596,6 +2602,10 @@
           </a:bodyPr>
           <a:lstStyle/>
           <a:p>
+            <a:r>
+              <a:rPr lang="en-US" dirty="0" smtClean="0"/>
+              <a:t>ECT   - Embedded Cross Triggering</a:t>
+            </a:r>
             <a:endParaRPr lang="en-US" dirty="0"/>
           </a:p>
         </p:txBody>
@@ -2618,7 +2628,7 @@
             <a:fld id="{9295E5E2-942B-4086-8EFE-9DF4A2A8CF3E}" type="slidenum">
               <a:rPr lang="en-US" smtClean="0"/>
               <a:pPr/>
-              <a:t>53</a:t>
+              <a:t>52</a:t>
             </a:fld>
             <a:endParaRPr lang="en-US" dirty="0"/>
           </a:p>
@@ -2678,37 +2688,6 @@
           </a:bodyPr>
           <a:lstStyle/>
           <a:p>
-            <a:r>
-              <a:rPr lang="en-US" dirty="0" smtClean="0"/>
-              <a:t>Yellow area is the standard quad A15 MPCore with 4MB of shared coherent cache, each core is</a:t>
-            </a:r>
-            <a:r>
-              <a:rPr lang="en-US" baseline="0" dirty="0" smtClean="0"/>
-              <a:t> in its own power switched domain and the MPCore with L2 cache is in a further power switched domain</a:t>
-            </a:r>
-            <a:endParaRPr lang="en-US" dirty="0" smtClean="0"/>
-          </a:p>
-          <a:p>
-            <a:r>
-              <a:rPr lang="en-US" dirty="0" smtClean="0"/>
-              <a:t>GIC-400 is the standard interrupt controller from ARM</a:t>
-            </a:r>
-          </a:p>
-          <a:p>
-            <a:r>
-              <a:rPr lang="en-US" dirty="0" smtClean="0"/>
-              <a:t>The</a:t>
-            </a:r>
-            <a:r>
-              <a:rPr lang="en-US" baseline="0" dirty="0" smtClean="0"/>
-              <a:t> path the cores and caches do memory reads and writes goes through Eagles Nest to MSMC. Snooping by MSMC use this path as well</a:t>
-            </a:r>
-          </a:p>
-          <a:p>
-            <a:r>
-              <a:rPr lang="en-US" baseline="0" dirty="0" smtClean="0"/>
-              <a:t>The rest of the interfaces are related to clocking, debugging, tracing, and production testing.</a:t>
-            </a:r>
             <a:endParaRPr lang="en-US" dirty="0"/>
           </a:p>
         </p:txBody>
@@ -2731,7 +2710,7 @@
             <a:fld id="{9295E5E2-942B-4086-8EFE-9DF4A2A8CF3E}" type="slidenum">
               <a:rPr lang="en-US" smtClean="0"/>
               <a:pPr/>
-              <a:t>54</a:t>
+              <a:t>53</a:t>
             </a:fld>
             <a:endParaRPr lang="en-US" dirty="0"/>
           </a:p>
@@ -2810,6 +2789,201 @@
           <a:bodyPr/>
           <a:lstStyle/>
           <a:p>
+            <a:fld id="{9295E5E2-942B-4086-8EFE-9DF4A2A8CF3E}" type="slidenum">
+              <a:rPr lang="en-US" smtClean="0"/>
+              <a:pPr/>
+              <a:t>54</a:t>
+            </a:fld>
+            <a:endParaRPr lang="en-US" dirty="0"/>
+          </a:p>
+        </p:txBody>
+      </p:sp>
+    </p:spTree>
+  </p:cSld>
+  <p:clrMapOvr>
+    <a:masterClrMapping/>
+  </p:clrMapOvr>
+</p:notes>
+</file>
+
+<file path=ppt/notesSlides/notesSlide28.xml><?xml version="1.0" encoding="utf-8"?>
+<p:notes xmlns:a="http://schemas.openxmlformats.org/drawingml/2006/main" xmlns:r="http://schemas.openxmlformats.org/officeDocument/2006/relationships" xmlns:p="http://schemas.openxmlformats.org/presentationml/2006/main">
+  <p:cSld>
+    <p:spTree>
+      <p:nvGrpSpPr>
+        <p:cNvPr id="1" name=""/>
+        <p:cNvGrpSpPr/>
+        <p:nvPr/>
+      </p:nvGrpSpPr>
+      <p:grpSpPr>
+        <a:xfrm>
+          <a:off x="0" y="0"/>
+          <a:ext cx="0" cy="0"/>
+          <a:chOff x="0" y="0"/>
+          <a:chExt cx="0" cy="0"/>
+        </a:xfrm>
+      </p:grpSpPr>
+      <p:sp>
+        <p:nvSpPr>
+          <p:cNvPr id="2" name="Slide Image Placeholder 1"/>
+          <p:cNvSpPr>
+            <a:spLocks noGrp="1" noRot="1" noChangeAspect="1"/>
+          </p:cNvSpPr>
+          <p:nvPr>
+            <p:ph type="sldImg"/>
+          </p:nvPr>
+        </p:nvSpPr>
+        <p:spPr/>
+      </p:sp>
+      <p:sp>
+        <p:nvSpPr>
+          <p:cNvPr id="3" name="Notes Placeholder 2"/>
+          <p:cNvSpPr>
+            <a:spLocks noGrp="1"/>
+          </p:cNvSpPr>
+          <p:nvPr>
+            <p:ph type="body" idx="1"/>
+          </p:nvPr>
+        </p:nvSpPr>
+        <p:spPr/>
+        <p:txBody>
+          <a:bodyPr>
+            <a:normAutofit/>
+          </a:bodyPr>
+          <a:lstStyle/>
+          <a:p>
+            <a:r>
+              <a:rPr lang="en-US" dirty="0" smtClean="0"/>
+              <a:t>Yellow area is the standard quad A15 MPCore with 4MB of shared coherent cache, each core is</a:t>
+            </a:r>
+            <a:r>
+              <a:rPr lang="en-US" baseline="0" dirty="0" smtClean="0"/>
+              <a:t> in its own power switched domain and the MPCore with L2 cache is in a further power switched domain</a:t>
+            </a:r>
+            <a:endParaRPr lang="en-US" dirty="0" smtClean="0"/>
+          </a:p>
+          <a:p>
+            <a:r>
+              <a:rPr lang="en-US" dirty="0" smtClean="0"/>
+              <a:t>GIC-400 is the standard interrupt controller from ARM</a:t>
+            </a:r>
+          </a:p>
+          <a:p>
+            <a:r>
+              <a:rPr lang="en-US" dirty="0" smtClean="0"/>
+              <a:t>The</a:t>
+            </a:r>
+            <a:r>
+              <a:rPr lang="en-US" baseline="0" dirty="0" smtClean="0"/>
+              <a:t> path the cores and caches do memory reads and writes goes through Eagles Nest to MSMC. Snooping by MSMC use this path as well</a:t>
+            </a:r>
+          </a:p>
+          <a:p>
+            <a:r>
+              <a:rPr lang="en-US" baseline="0" dirty="0" smtClean="0"/>
+              <a:t>The rest of the interfaces are related to clocking, debugging, tracing, and production testing.</a:t>
+            </a:r>
+            <a:endParaRPr lang="en-US" dirty="0"/>
+          </a:p>
+        </p:txBody>
+      </p:sp>
+      <p:sp>
+        <p:nvSpPr>
+          <p:cNvPr id="4" name="Slide Number Placeholder 3"/>
+          <p:cNvSpPr>
+            <a:spLocks noGrp="1"/>
+          </p:cNvSpPr>
+          <p:nvPr>
+            <p:ph type="sldNum" sz="quarter" idx="10"/>
+          </p:nvPr>
+        </p:nvSpPr>
+        <p:spPr/>
+        <p:txBody>
+          <a:bodyPr/>
+          <a:lstStyle/>
+          <a:p>
+            <a:fld id="{9295E5E2-942B-4086-8EFE-9DF4A2A8CF3E}" type="slidenum">
+              <a:rPr lang="en-US" smtClean="0"/>
+              <a:pPr/>
+              <a:t>55</a:t>
+            </a:fld>
+            <a:endParaRPr lang="en-US" dirty="0"/>
+          </a:p>
+        </p:txBody>
+      </p:sp>
+    </p:spTree>
+  </p:cSld>
+  <p:clrMapOvr>
+    <a:masterClrMapping/>
+  </p:clrMapOvr>
+</p:notes>
+</file>
+
+<file path=ppt/notesSlides/notesSlide29.xml><?xml version="1.0" encoding="utf-8"?>
+<p:notes xmlns:a="http://schemas.openxmlformats.org/drawingml/2006/main" xmlns:r="http://schemas.openxmlformats.org/officeDocument/2006/relationships" xmlns:p="http://schemas.openxmlformats.org/presentationml/2006/main">
+  <p:cSld>
+    <p:spTree>
+      <p:nvGrpSpPr>
+        <p:cNvPr id="1" name=""/>
+        <p:cNvGrpSpPr/>
+        <p:nvPr/>
+      </p:nvGrpSpPr>
+      <p:grpSpPr>
+        <a:xfrm>
+          <a:off x="0" y="0"/>
+          <a:ext cx="0" cy="0"/>
+          <a:chOff x="0" y="0"/>
+          <a:chExt cx="0" cy="0"/>
+        </a:xfrm>
+      </p:grpSpPr>
+      <p:sp>
+        <p:nvSpPr>
+          <p:cNvPr id="2" name="Slide Image Placeholder 1"/>
+          <p:cNvSpPr>
+            <a:spLocks noGrp="1" noRot="1" noChangeAspect="1"/>
+          </p:cNvSpPr>
+          <p:nvPr>
+            <p:ph type="sldImg"/>
+          </p:nvPr>
+        </p:nvSpPr>
+        <p:spPr/>
+      </p:sp>
+      <p:sp>
+        <p:nvSpPr>
+          <p:cNvPr id="3" name="Notes Placeholder 2"/>
+          <p:cNvSpPr>
+            <a:spLocks noGrp="1"/>
+          </p:cNvSpPr>
+          <p:nvPr>
+            <p:ph type="body" idx="1"/>
+          </p:nvPr>
+        </p:nvSpPr>
+        <p:spPr/>
+        <p:txBody>
+          <a:bodyPr>
+            <a:normAutofit/>
+          </a:bodyPr>
+          <a:lstStyle/>
+          <a:p>
+            <a:endParaRPr lang="en-US" dirty="0"/>
+          </a:p>
+        </p:txBody>
+      </p:sp>
+      <p:sp>
+        <p:nvSpPr>
+          <p:cNvPr id="4" name="Slide Number Placeholder 3"/>
+          <p:cNvSpPr>
+            <a:spLocks noGrp="1"/>
+          </p:cNvSpPr>
+          <p:nvPr>
+            <p:ph type="sldNum" sz="quarter" idx="10"/>
+          </p:nvPr>
+        </p:nvSpPr>
+        <p:spPr/>
+        <p:txBody>
+          <a:bodyPr/>
+          <a:lstStyle/>
+          <a:p>
             <a:pPr>
               <a:defRPr/>
             </a:pPr>
@@ -2818,7 +2992,7 @@
               <a:pPr>
                 <a:defRPr/>
               </a:pPr>
-              <a:t>55</a:t>
+              <a:t>56</a:t>
             </a:fld>
             <a:endParaRPr lang="en-US" dirty="0"/>
           </a:p>
@@ -3114,7 +3288,6 @@
               <a:rPr lang="en-US" dirty="0" smtClean="0"/>
               <a:t>The translation between virtual address to physical address is done via two or three steps </a:t>
             </a:r>
-            <a:endParaRPr lang="en-US" dirty="0" smtClean="0"/>
           </a:p>
           <a:p>
             <a:r>
@@ -5965,21 +6138,8 @@
             <a:pPr lvl="1"/>
             <a:r>
               <a:rPr lang="en-US" sz="2400" dirty="0" smtClean="0"/>
-              <a:t>Translation Lookaside Buffers (TLB) </a:t>
-            </a:r>
-            <a:r>
-              <a:rPr lang="en-US" sz="2400" dirty="0" smtClean="0"/>
-              <a:t>caches </a:t>
-            </a:r>
-            <a:r>
-              <a:rPr lang="en-US" sz="2400" dirty="0" smtClean="0"/>
-              <a:t>one page of address translations per entry to speed up translation </a:t>
-            </a:r>
-            <a:r>
-              <a:rPr lang="en-US" sz="2400" dirty="0" smtClean="0"/>
-              <a:t>process (L1 instruction access, L1 data access and L2 TLB)</a:t>
-            </a:r>
-            <a:endParaRPr lang="en-US" sz="2400" dirty="0" smtClean="0"/>
+              <a:t>Translation Lookaside Buffers (TLB) caches one page of address translations per entry to speed up translation process (L1 instruction access, L1 data access and L2 TLB)</a:t>
+            </a:r>
           </a:p>
           <a:p>
             <a:pPr>
@@ -8877,7 +9037,6 @@
               <a:rPr lang="en-US" altLang="ko-KR" sz="3600" dirty="0" smtClean="0"/>
               <a:t>Purpose of Interrupt Controller</a:t>
             </a:r>
-            <a:endParaRPr lang="en-US" altLang="ko-KR" sz="3600" dirty="0" smtClean="0"/>
           </a:p>
         </p:txBody>
       </p:sp>
@@ -8934,7 +9093,6 @@
               <a:rPr lang="en-US" altLang="ko-KR" sz="2000" dirty="0" smtClean="0"/>
               <a:t>Tracking the status of interrupt</a:t>
             </a:r>
-            <a:endParaRPr lang="en-US" altLang="ko-KR" sz="2000" dirty="0" smtClean="0"/>
           </a:p>
         </p:txBody>
       </p:sp>
@@ -8982,7 +9140,7 @@
           </p:nvPr>
         </p:nvPicPr>
         <p:blipFill>
-          <a:blip r:embed="rId2" cstate="print"/>
+          <a:blip r:embed="rId3" cstate="print"/>
           <a:srcRect/>
           <a:stretch>
             <a:fillRect/>
@@ -8990,7 +9148,7 @@
         </p:blipFill>
         <p:spPr bwMode="auto">
           <a:xfrm>
-            <a:off x="1601152" y="651351"/>
+            <a:off x="2804919" y="651351"/>
             <a:ext cx="5962650" cy="4591050"/>
           </a:xfrm>
           <a:prstGeom prst="rect">
@@ -9046,8 +9204,8 @@
         </p:nvSpPr>
         <p:spPr>
           <a:xfrm>
-            <a:off x="335280" y="4533900"/>
-            <a:ext cx="8153400" cy="1866900"/>
+            <a:off x="196383" y="3920441"/>
+            <a:ext cx="8153400" cy="2399336"/>
           </a:xfrm>
         </p:spPr>
         <p:txBody>
@@ -9124,6 +9282,19 @@
                 <a:latin typeface="Arial" pitchFamily="34" charset="0"/>
               </a:rPr>
               <a:t>interrupts</a:t>
+            </a:r>
+          </a:p>
+          <a:p>
+            <a:pPr marL="274320" indent="-274320">
+              <a:spcBef>
+                <a:spcPts val="600"/>
+              </a:spcBef>
+            </a:pPr>
+            <a:r>
+              <a:rPr lang="en-US" altLang="ko-KR" sz="2000" kern="1200" dirty="0" smtClean="0">
+                <a:latin typeface="Arial" pitchFamily="34" charset="0"/>
+              </a:rPr>
+              <a:t>Distribution and CPU interfaces</a:t>
             </a:r>
             <a:endParaRPr lang="en-US" altLang="ko-KR" sz="2000" kern="1200" dirty="0" smtClean="0">
               <a:latin typeface="Arial" pitchFamily="34" charset="0"/>
@@ -9185,11 +9356,7 @@
           <a:p>
             <a:r>
               <a:rPr lang="en-US" altLang="ko-KR" sz="3600" dirty="0" smtClean="0"/>
-              <a:t>GIC-400 Interrupt </a:t>
-            </a:r>
-            <a:r>
-              <a:rPr lang="en-US" altLang="ko-KR" sz="3600" dirty="0" smtClean="0"/>
-              <a:t>Controller</a:t>
+              <a:t>GIC-400 Interrupt Controller</a:t>
             </a:r>
             <a:br>
               <a:rPr lang="en-US" altLang="ko-KR" sz="3600" dirty="0" smtClean="0"/>
@@ -9198,7 +9365,6 @@
               <a:rPr lang="en-US" altLang="ko-KR" sz="3600" dirty="0" smtClean="0"/>
               <a:t>Distributer Side</a:t>
             </a:r>
-            <a:endParaRPr lang="en-US" altLang="ko-KR" sz="3600" dirty="0" smtClean="0"/>
           </a:p>
         </p:txBody>
       </p:sp>
@@ -9225,19 +9391,7 @@
             <a:pPr marL="347472" indent="-347472"/>
             <a:r>
               <a:rPr lang="en-US" altLang="ko-KR" sz="2200" dirty="0" smtClean="0"/>
-              <a:t>The  ARM Generic Interrupt Controller, </a:t>
-            </a:r>
-            <a:r>
-              <a:rPr lang="en-US" altLang="ko-KR" sz="2200" dirty="0" smtClean="0"/>
-              <a:t>the </a:t>
-            </a:r>
-            <a:r>
-              <a:rPr lang="en-US" altLang="ko-KR" sz="2200" dirty="0" smtClean="0"/>
-              <a:t>GIC-400, is a high-performance, area-optimized interrupt controller with an Advanced Microcontroller Bus Architecture (AMBA) Advanced eXtensible Interface (AXI) interface</a:t>
-            </a:r>
-            <a:r>
-              <a:rPr lang="en-US" altLang="ko-KR" sz="2200" dirty="0" smtClean="0"/>
-              <a:t>.</a:t>
+              <a:t>The  ARM Generic Interrupt Controller, the GIC-400, is a high-performance, area-optimized interrupt controller with an Advanced Microcontroller Bus Architecture (AMBA) Advanced eXtensible Interface (AXI) interface.</a:t>
             </a:r>
           </a:p>
           <a:p>
@@ -9260,7 +9414,6 @@
               <a:rPr lang="en-US" altLang="ko-KR" sz="2200" dirty="0" smtClean="0"/>
               <a:t>4 special purpose interrupts </a:t>
             </a:r>
-            <a:endParaRPr lang="en-US" altLang="ko-KR" sz="2200" dirty="0" smtClean="0"/>
           </a:p>
           <a:p>
             <a:pPr marL="644335" lvl="1" indent="-347472"/>
@@ -9289,7 +9442,6 @@
               <a:rPr lang="en-US" altLang="ko-KR" sz="2200" dirty="0" smtClean="0"/>
               <a:t>Note – These are banked ID, meaning, same ID for different interrupts (for different CPU)</a:t>
             </a:r>
-            <a:endParaRPr lang="en-US" altLang="ko-KR" sz="2200" dirty="0" smtClean="0"/>
           </a:p>
         </p:txBody>
       </p:sp>
@@ -9348,11 +9500,7 @@
           <a:p>
             <a:r>
               <a:rPr lang="en-US" altLang="ko-KR" sz="3600" dirty="0" smtClean="0"/>
-              <a:t>GIC-400 Interrupt </a:t>
-            </a:r>
-            <a:r>
-              <a:rPr lang="en-US" altLang="ko-KR" sz="3600" dirty="0" smtClean="0"/>
-              <a:t>Controller</a:t>
+              <a:t>GIC-400 Interrupt Controller</a:t>
             </a:r>
             <a:br>
               <a:rPr lang="en-US" altLang="ko-KR" sz="3600" dirty="0" smtClean="0"/>
@@ -9361,7 +9509,6 @@
               <a:rPr lang="en-US" altLang="ko-KR" sz="3600" dirty="0" smtClean="0"/>
               <a:t>CPU Interface</a:t>
             </a:r>
-            <a:endParaRPr lang="en-US" altLang="ko-KR" sz="3600" dirty="0" smtClean="0"/>
           </a:p>
         </p:txBody>
       </p:sp>
@@ -9430,15 +9577,7 @@
             <a:pPr marL="644335" lvl="1" indent="-347472"/>
             <a:r>
               <a:rPr lang="en-US" altLang="ko-KR" sz="2400" dirty="0" smtClean="0"/>
-              <a:t>Status of interrupt is changing from </a:t>
-            </a:r>
-            <a:r>
-              <a:rPr lang="en-US" altLang="ko-KR" sz="2400" dirty="0" smtClean="0"/>
-              <a:t>p</a:t>
-            </a:r>
-            <a:r>
-              <a:rPr lang="en-US" altLang="ko-KR" sz="2400" dirty="0" smtClean="0"/>
-              <a:t>ending to active or active pending, enable other interrupts </a:t>
+              <a:t>Status of interrupt is changing from pending to active or active pending, enable other interrupts </a:t>
             </a:r>
           </a:p>
         </p:txBody>
@@ -9590,11 +9729,7 @@
             </a:pPr>
             <a:r>
               <a:rPr lang="en-US" sz="2000" dirty="0" smtClean="0"/>
-              <a:t>L1 Memory: 32KB L1 Data cache 32KB L1 Program </a:t>
-            </a:r>
-            <a:r>
-              <a:rPr lang="en-US" sz="2000" dirty="0" smtClean="0"/>
-              <a:t>Cache</a:t>
+              <a:t>L1 Memory: 32KB L1 Data cache 32KB L1 Program Cache</a:t>
             </a:r>
           </a:p>
           <a:p>
@@ -9624,7 +9759,6 @@
               <a:rPr lang="en-US" sz="2000" dirty="0" smtClean="0"/>
               <a:t>64 bytes L1 D cache line (up to 6 outstanding requests)</a:t>
             </a:r>
-            <a:endParaRPr lang="en-US" sz="2000" dirty="0" smtClean="0"/>
           </a:p>
           <a:p>
             <a:pPr marL="227013" lvl="1" indent="-227013" eaLnBrk="1" hangingPunct="1">
@@ -9646,13 +9780,8 @@
             </a:r>
             <a:r>
               <a:rPr lang="en-US" sz="2000" dirty="0" smtClean="0"/>
-              <a:t>4 MB L2 Cache is shared between the 1 to 4 ARM A-15 core(s</a:t>
-            </a:r>
-            <a:r>
-              <a:rPr lang="en-US" sz="2000" dirty="0" smtClean="0"/>
-              <a:t>) (4 tag bank, 4 data bank each)</a:t>
-            </a:r>
-            <a:endParaRPr lang="en-US" sz="2000" dirty="0" smtClean="0"/>
+              <a:t>4 MB L2 Cache is shared between the 1 to 4 ARM A-15 core(s) (4 tag bank, 4 data bank each)</a:t>
+            </a:r>
           </a:p>
           <a:p>
             <a:pPr marL="227013" indent="-227013" eaLnBrk="1" hangingPunct="1">
@@ -9704,7 +9833,7 @@
     </p:custDataLst>
     <p:extLst>
       <p:ext uri="{BB962C8B-B14F-4D97-AF65-F5344CB8AC3E}">
-        <p14:creationId xmlns="" xmlns:p14="http://schemas.microsoft.com/office/powerpoint/2010/main" val="3469200570"/>
+        <p14:creationId xmlns:p14="http://schemas.microsoft.com/office/powerpoint/2010/main" xmlns="" val="3469200570"/>
       </p:ext>
     </p:extLst>
   </p:cSld>
@@ -10412,13 +10541,8 @@
             <a:pPr lvl="1"/>
             <a:r>
               <a:rPr lang="en-US" sz="2400" dirty="0" smtClean="0"/>
-              <a:t>Enable event from one CPU to trigger trace at another CPU</a:t>
-            </a:r>
-            <a:r>
-              <a:rPr lang="en-US" sz="2400" dirty="0" smtClean="0"/>
-              <a:t> </a:t>
-            </a:r>
-            <a:endParaRPr lang="en-US" sz="2400" dirty="0" smtClean="0"/>
+              <a:t>Enable event from one CPU to trigger trace at another CPU </a:t>
+            </a:r>
           </a:p>
         </p:txBody>
       </p:sp>
@@ -10517,11 +10641,7 @@
             <a:pPr lvl="1"/>
             <a:r>
               <a:rPr lang="en-US" dirty="0" smtClean="0"/>
-              <a:t>GNU Debugger (GDB</a:t>
-            </a:r>
-            <a:r>
-              <a:rPr lang="en-US" dirty="0" smtClean="0"/>
-              <a:t>)</a:t>
+              <a:t>GNU Debugger (GDB)</a:t>
             </a:r>
           </a:p>
           <a:p>
@@ -10665,11 +10785,7 @@
           <a:p>
             <a:r>
               <a:rPr lang="en-US" sz="3600" dirty="0" smtClean="0"/>
-              <a:t>Trace </a:t>
-            </a:r>
-            <a:r>
-              <a:rPr lang="en-US" sz="3600" dirty="0" smtClean="0"/>
-              <a:t>Macrocell</a:t>
+              <a:t>Trace Macrocell</a:t>
             </a:r>
             <a:endParaRPr lang="en-US" sz="3600" dirty="0"/>
           </a:p>
@@ -10842,11 +10958,7 @@
           <a:p>
             <a:r>
               <a:rPr lang="en-US" sz="2800" dirty="0" smtClean="0"/>
-              <a:t>Options </a:t>
-            </a:r>
-            <a:r>
-              <a:rPr lang="en-US" sz="2800" dirty="0" smtClean="0"/>
-              <a:t>for storing and delivering trace data to host:</a:t>
+              <a:t>Options for storing and delivering trace data to host:</a:t>
             </a:r>
           </a:p>
           <a:p>
@@ -10965,13 +11077,8 @@
             </a:r>
             <a:r>
               <a:rPr lang="en-US" sz="4000" dirty="0" smtClean="0"/>
-              <a:t>KeyStone II and ARM </a:t>
-            </a:r>
-            <a:r>
-              <a:rPr lang="en-US" sz="4000" dirty="0" smtClean="0"/>
-              <a:t>CorePac (2)</a:t>
-            </a:r>
-            <a:endParaRPr lang="en-US" sz="4000" dirty="0" smtClean="0"/>
+              <a:t>KeyStone II and ARM CorePac (2)</a:t>
+            </a:r>
           </a:p>
         </p:txBody>
       </p:sp>
@@ -11005,11 +11112,7 @@
             </a:pPr>
             <a:r>
               <a:rPr lang="en-US" sz="2000" dirty="0" smtClean="0"/>
-              <a:t>AMBA </a:t>
-            </a:r>
-            <a:r>
-              <a:rPr lang="en-US" sz="2000" dirty="0" smtClean="0"/>
-              <a:t>4.0 AXI Coherency Extension (ACE) master port</a:t>
+              <a:t>AMBA 4.0 AXI Coherency Extension (ACE) master port</a:t>
             </a:r>
           </a:p>
           <a:p>
@@ -11041,11 +11144,7 @@
             </a:pPr>
             <a:r>
               <a:rPr lang="en-US" sz="2000" dirty="0" smtClean="0"/>
-              <a:t>Cluster-level and core-level power management and low-power standby </a:t>
-            </a:r>
-            <a:r>
-              <a:rPr lang="en-US" sz="2000" dirty="0" smtClean="0"/>
-              <a:t>modes</a:t>
+              <a:t>Cluster-level and core-level power management and low-power standby modes</a:t>
             </a:r>
           </a:p>
           <a:p>
@@ -11059,13 +11158,8 @@
             </a:pPr>
             <a:r>
               <a:rPr lang="en-US" sz="2000" dirty="0" smtClean="0"/>
-              <a:t>Configured 64/128 bit AMBA interface and 64/128 bits accelerator coherency support (ACP</a:t>
-            </a:r>
-            <a:r>
-              <a:rPr lang="en-US" sz="2000" dirty="0" smtClean="0"/>
-              <a:t>)</a:t>
-            </a:r>
-            <a:endParaRPr lang="en-US" sz="2000" dirty="0" smtClean="0"/>
+              <a:t>Configured 64/128 bit AMBA interface and 64/128 bits accelerator coherency support (ACP)</a:t>
+            </a:r>
           </a:p>
           <a:p>
             <a:pPr marL="227013" indent="-227013" eaLnBrk="1" hangingPunct="1">
@@ -11128,7 +11222,7 @@
     </p:custDataLst>
     <p:extLst>
       <p:ext uri="{BB962C8B-B14F-4D97-AF65-F5344CB8AC3E}">
-        <p14:creationId xmlns="" xmlns:p14="http://schemas.microsoft.com/office/powerpoint/2010/main" val="3469200570"/>
+        <p14:creationId xmlns:p14="http://schemas.microsoft.com/office/powerpoint/2010/main" xmlns="" val="3469200570"/>
       </p:ext>
     </p:extLst>
   </p:cSld>
@@ -11431,8 +11525,13 @@
           <a:p>
             <a:r>
               <a:rPr lang="en-US" sz="2800" dirty="0" smtClean="0"/>
-              <a:t>CTI controls the trigger interface</a:t>
-            </a:r>
+              <a:t>CTI controls the trigger </a:t>
+            </a:r>
+            <a:r>
+              <a:rPr lang="en-US" sz="2800" dirty="0" smtClean="0"/>
+              <a:t>interface for each CPU</a:t>
+            </a:r>
+            <a:endParaRPr lang="en-US" sz="2800" dirty="0" smtClean="0"/>
           </a:p>
           <a:p>
             <a:pPr lvl="1"/>
@@ -11445,21 +11544,42 @@
             <a:pPr lvl="1"/>
             <a:r>
               <a:rPr lang="en-US" sz="2400" dirty="0" smtClean="0"/>
-              <a:t>Broadcasts trigger requests to all other interfaces on the SOC</a:t>
+              <a:t>Enables the debug logic, PTM and PMU to interact with each other and with other </a:t>
+            </a:r>
+            <a:r>
+              <a:rPr lang="en-US" sz="2400" dirty="0" err="1" smtClean="0"/>
+              <a:t>CoreSight</a:t>
+            </a:r>
+            <a:r>
+              <a:rPr lang="en-US" sz="2400" dirty="0" smtClean="0"/>
+              <a:t> component</a:t>
             </a:r>
           </a:p>
           <a:p>
             <a:r>
               <a:rPr lang="en-US" sz="2800" dirty="0" smtClean="0"/>
-              <a:t>CTM controls the distribution of events</a:t>
+              <a:t>CTM </a:t>
+            </a:r>
+            <a:r>
+              <a:rPr lang="en-US" sz="2800" dirty="0" smtClean="0"/>
+              <a:t>controls the distribution of </a:t>
+            </a:r>
+            <a:r>
+              <a:rPr lang="en-US" sz="2800" dirty="0" smtClean="0"/>
+              <a:t>events across CPUs and from external modules</a:t>
             </a:r>
           </a:p>
           <a:p>
             <a:pPr lvl="1"/>
             <a:r>
               <a:rPr lang="en-US" sz="2400" dirty="0" smtClean="0"/>
-              <a:t>Enables multiple ECTs be connected to each other (channel interface)</a:t>
-            </a:r>
+              <a:t>M</a:t>
+            </a:r>
+            <a:r>
+              <a:rPr lang="en-US" sz="2400" dirty="0" smtClean="0"/>
+              <a:t>atrix connections. Number of trigger inputs and trigger outputs are connected between debug components in the MPCore and CTIs.</a:t>
+            </a:r>
+            <a:endParaRPr lang="en-US" sz="2400" dirty="0" smtClean="0"/>
           </a:p>
         </p:txBody>
       </p:sp>
@@ -11577,6 +11697,99 @@
 </file>
 
 <file path=ppt/slides/slide54.xml><?xml version="1.0" encoding="utf-8"?>
+<p:sld xmlns:a="http://schemas.openxmlformats.org/drawingml/2006/main" xmlns:r="http://schemas.openxmlformats.org/officeDocument/2006/relationships" xmlns:p="http://schemas.openxmlformats.org/presentationml/2006/main" show="0">
+  <p:cSld>
+    <p:spTree>
+      <p:nvGrpSpPr>
+        <p:cNvPr id="1" name=""/>
+        <p:cNvGrpSpPr/>
+        <p:nvPr/>
+      </p:nvGrpSpPr>
+      <p:grpSpPr>
+        <a:xfrm>
+          <a:off x="0" y="0"/>
+          <a:ext cx="0" cy="0"/>
+          <a:chOff x="0" y="0"/>
+          <a:chExt cx="0" cy="0"/>
+        </a:xfrm>
+      </p:grpSpPr>
+      <p:sp>
+        <p:nvSpPr>
+          <p:cNvPr id="2" name="Title 1"/>
+          <p:cNvSpPr>
+            <a:spLocks noGrp="1"/>
+          </p:cNvSpPr>
+          <p:nvPr>
+            <p:ph type="title"/>
+          </p:nvPr>
+        </p:nvSpPr>
+        <p:spPr/>
+        <p:txBody>
+          <a:bodyPr>
+            <a:normAutofit/>
+          </a:bodyPr>
+          <a:lstStyle/>
+          <a:p>
+            <a:r>
+              <a:rPr lang="en-US" sz="3600" dirty="0" smtClean="0"/>
+              <a:t>CTI and CTM signals</a:t>
+            </a:r>
+            <a:endParaRPr lang="en-US" sz="3600" dirty="0"/>
+          </a:p>
+        </p:txBody>
+      </p:sp>
+      <p:pic>
+        <p:nvPicPr>
+          <p:cNvPr id="134146" name="Picture 2"/>
+          <p:cNvPicPr>
+            <a:picLocks noChangeAspect="1" noChangeArrowheads="1"/>
+          </p:cNvPicPr>
+          <p:nvPr/>
+        </p:nvPicPr>
+        <p:blipFill>
+          <a:blip r:embed="rId4" cstate="print"/>
+          <a:srcRect/>
+          <a:stretch>
+            <a:fillRect/>
+          </a:stretch>
+        </p:blipFill>
+        <p:spPr bwMode="auto">
+          <a:xfrm>
+            <a:off x="1469984" y="948437"/>
+            <a:ext cx="5611733" cy="5268918"/>
+          </a:xfrm>
+          <a:prstGeom prst="rect">
+            <a:avLst/>
+          </a:prstGeom>
+          <a:noFill/>
+          <a:ln w="9525">
+            <a:noFill/>
+            <a:miter lim="800000"/>
+            <a:headEnd/>
+            <a:tailEnd/>
+          </a:ln>
+        </p:spPr>
+      </p:pic>
+    </p:spTree>
+    <p:custDataLst>
+      <p:tags r:id="rId1"/>
+    </p:custDataLst>
+  </p:cSld>
+  <p:clrMapOvr>
+    <a:masterClrMapping/>
+  </p:clrMapOvr>
+  <p:transition/>
+  <p:timing>
+    <p:tnLst>
+      <p:par>
+        <p:cTn id="1" dur="indefinite" restart="never" nodeType="tmRoot"/>
+      </p:par>
+    </p:tnLst>
+  </p:timing>
+</p:sld>
+</file>
+
+<file path=ppt/slides/slide55.xml><?xml version="1.0" encoding="utf-8"?>
 <p:sld xmlns:a="http://schemas.openxmlformats.org/drawingml/2006/main" xmlns:r="http://schemas.openxmlformats.org/officeDocument/2006/relationships" xmlns:p="http://schemas.openxmlformats.org/presentationml/2006/main">
   <p:cSld>
     <p:spTree>
@@ -11864,7 +12077,7 @@
 </p:sld>
 </file>
 
-<file path=ppt/slides/slide55.xml><?xml version="1.0" encoding="utf-8"?>
+<file path=ppt/slides/slide56.xml><?xml version="1.0" encoding="utf-8"?>
 <p:sld xmlns:a="http://schemas.openxmlformats.org/drawingml/2006/main" xmlns:r="http://schemas.openxmlformats.org/officeDocument/2006/relationships" xmlns:p="http://schemas.openxmlformats.org/presentationml/2006/main">
   <p:cSld>
     <p:spTree>
@@ -12772,6 +12985,18 @@
 
 <file path=ppt/tags/tag26.xml><?xml version="1.0" encoding="utf-8"?>
 <p:tagLst xmlns:a="http://schemas.openxmlformats.org/drawingml/2006/main" xmlns:r="http://schemas.openxmlformats.org/officeDocument/2006/relationships" xmlns:p="http://schemas.openxmlformats.org/presentationml/2006/main">
+  <p:tag name="ELAPSEDTIME" val="80.322"/>
+  <p:tag name="ARTICULATE_SLIDE_PAUSE" val="0"/>
+  <p:tag name="ARTICULATE_NAV_LEVEL" val="1"/>
+  <p:tag name="ARTICULATE_PLAYLIST_ID" val="-1"/>
+  <p:tag name="ARTICULATE_LOCK_SLIDE" val="0"/>
+  <p:tag name="ARTICULATE_SLIDE_GUID" val="6d983b37-ed36-4d89-91eb-86a0ebbb8b1c"/>
+  <p:tag name="ARTICULATE_SLIDE_NAV" val="11"/>
+</p:tagLst>
+</file>
+
+<file path=ppt/tags/tag27.xml><?xml version="1.0" encoding="utf-8"?>
+<p:tagLst xmlns:a="http://schemas.openxmlformats.org/drawingml/2006/main" xmlns:r="http://schemas.openxmlformats.org/officeDocument/2006/relationships" xmlns:p="http://schemas.openxmlformats.org/presentationml/2006/main">
   <p:tag name="ELAPSEDTIME" val="85.416"/>
   <p:tag name="ARTICULATE_SLIDE_PAUSE" val="0"/>
   <p:tag name="ARTICULATE_NAV_LEVEL" val="1"/>
@@ -12782,14 +13007,14 @@
 </p:tagLst>
 </file>
 
-<file path=ppt/tags/tag27.xml><?xml version="1.0" encoding="utf-8"?>
+<file path=ppt/tags/tag28.xml><?xml version="1.0" encoding="utf-8"?>
 <p:tagLst xmlns:a="http://schemas.openxmlformats.org/drawingml/2006/main" xmlns:r="http://schemas.openxmlformats.org/officeDocument/2006/relationships" xmlns:p="http://schemas.openxmlformats.org/presentationml/2006/main">
   <p:tag name="ARTICULATE_PUBLISH_MODE" val="2"/>
   <p:tag name="ARTICULATE_SOURCE_IMAGE" val="C:\Users\a0850458\AppData\Local\Temp\articulate\presenter\imgtemp\IJc0dKkU_files\slide0001_image001.gif"/>
 </p:tagLst>
 </file>
 
-<file path=ppt/tags/tag28.xml><?xml version="1.0" encoding="utf-8"?>
+<file path=ppt/tags/tag29.xml><?xml version="1.0" encoding="utf-8"?>
 <p:tagLst xmlns:a="http://schemas.openxmlformats.org/drawingml/2006/main" xmlns:r="http://schemas.openxmlformats.org/officeDocument/2006/relationships" xmlns:p="http://schemas.openxmlformats.org/presentationml/2006/main">
   <p:tag name="ELAPSEDTIME" val="34.635"/>
   <p:tag name="ARTICULATE_SLIDE_PAUSE" val="0"/>
@@ -13824,10 +14049,6 @@
 </file>
 
 <file path=customXml/item1.xml><?xml version="1.0" encoding="utf-8"?>
-<LongProperties xmlns="http://schemas.microsoft.com/office/2006/metadata/longProperties"/>
-</file>
-
-<file path=customXml/item2.xml><?xml version="1.0" encoding="utf-8"?>
 <ct:contentTypeSchema xmlns:ct="http://schemas.microsoft.com/office/2006/metadata/contentType" xmlns:ma="http://schemas.microsoft.com/office/2006/metadata/properties/metaAttributes" ct:_="" ma:_="" ma:contentTypeName="Document" ma:contentTypeID="0x0101006BF34EDD2AB14F49969AD5B68D65D28C" ma:contentTypeVersion="1" ma:contentTypeDescription="Create a new document." ma:contentTypeScope="" ma:versionID="aec3fda75a9471671297bbb4606d1d91">
   <xsd:schema xmlns:xsd="http://www.w3.org/2001/XMLSchema" xmlns:p="http://schemas.microsoft.com/office/2006/metadata/properties" xmlns:ns2="99c847d8-566e-43ce-87b7-3c417d164c47" targetNamespace="http://schemas.microsoft.com/office/2006/metadata/properties" ma:root="true" ma:fieldsID="6b49c4b1e87cfd71c9528e3cb8636bc2" ns2:_="">
     <xsd:import namespace="99c847d8-566e-43ce-87b7-3c417d164c47"/>
@@ -13889,7 +14110,19 @@
 </ct:contentTypeSchema>
 </file>
 
+<file path=customXml/item2.xml><?xml version="1.0" encoding="utf-8"?>
+<LongProperties xmlns="http://schemas.microsoft.com/office/2006/metadata/longProperties"/>
+</file>
+
 <file path=customXml/item3.xml><?xml version="1.0" encoding="utf-8"?>
+<p:properties xmlns:p="http://schemas.microsoft.com/office/2006/metadata/properties" xmlns:xsi="http://www.w3.org/2001/XMLSchema-instance">
+  <documentManagement>
+    <Content_x0020_Owner xmlns="99c847d8-566e-43ce-87b7-3c417d164c47">Ramroop, Saffie</Content_x0020_Owner>
+  </documentManagement>
+</p:properties>
+</file>
+
+<file path=customXml/item4.xml><?xml version="1.0" encoding="utf-8"?>
 <?mso-contentType ?>
 <FormTemplates xmlns="http://schemas.microsoft.com/sharepoint/v3/contenttype/forms">
   <Display>DocumentLibraryForm</Display>
@@ -13898,23 +14131,7 @@
 </FormTemplates>
 </file>
 
-<file path=customXml/item4.xml><?xml version="1.0" encoding="utf-8"?>
-<p:properties xmlns:p="http://schemas.microsoft.com/office/2006/metadata/properties" xmlns:xsi="http://www.w3.org/2001/XMLSchema-instance">
-  <documentManagement>
-    <Content_x0020_Owner xmlns="99c847d8-566e-43ce-87b7-3c417d164c47">Ramroop, Saffie</Content_x0020_Owner>
-  </documentManagement>
-</p:properties>
-</file>
-
 <file path=customXml/itemProps1.xml><?xml version="1.0" encoding="utf-8"?>
-<ds:datastoreItem xmlns:ds="http://schemas.openxmlformats.org/officeDocument/2006/customXml" ds:itemID="{08087394-933C-48A1-8AD9-030539CA3EF7}">
-  <ds:schemaRefs>
-    <ds:schemaRef ds:uri="http://schemas.microsoft.com/office/2006/metadata/longProperties"/>
-  </ds:schemaRefs>
-</ds:datastoreItem>
-</file>
-
-<file path=customXml/itemProps2.xml><?xml version="1.0" encoding="utf-8"?>
 <ds:datastoreItem xmlns:ds="http://schemas.openxmlformats.org/officeDocument/2006/customXml" ds:itemID="{83529300-F1B4-4E63-A67B-9E50D1598C67}">
   <ds:schemaRefs>
     <ds:schemaRef ds:uri="http://schemas.microsoft.com/office/2006/metadata/contentType"/>
@@ -13931,19 +14148,27 @@
 </ds:datastoreItem>
 </file>
 
-<file path=customXml/itemProps3.xml><?xml version="1.0" encoding="utf-8"?>
-<ds:datastoreItem xmlns:ds="http://schemas.openxmlformats.org/officeDocument/2006/customXml" ds:itemID="{9247FEFF-82D0-4BBE-AA2E-6E8C28F7BBE5}">
+<file path=customXml/itemProps2.xml><?xml version="1.0" encoding="utf-8"?>
+<ds:datastoreItem xmlns:ds="http://schemas.openxmlformats.org/officeDocument/2006/customXml" ds:itemID="{08087394-933C-48A1-8AD9-030539CA3EF7}">
   <ds:schemaRefs>
-    <ds:schemaRef ds:uri="http://schemas.microsoft.com/sharepoint/v3/contenttype/forms"/>
+    <ds:schemaRef ds:uri="http://schemas.microsoft.com/office/2006/metadata/longProperties"/>
   </ds:schemaRefs>
 </ds:datastoreItem>
 </file>
 
-<file path=customXml/itemProps4.xml><?xml version="1.0" encoding="utf-8"?>
+<file path=customXml/itemProps3.xml><?xml version="1.0" encoding="utf-8"?>
 <ds:datastoreItem xmlns:ds="http://schemas.openxmlformats.org/officeDocument/2006/customXml" ds:itemID="{7CBBC1DF-22C6-4C0C-A1CC-096D390C1463}">
   <ds:schemaRefs>
     <ds:schemaRef ds:uri="http://schemas.microsoft.com/office/2006/metadata/properties"/>
     <ds:schemaRef ds:uri="99c847d8-566e-43ce-87b7-3c417d164c47"/>
   </ds:schemaRefs>
 </ds:datastoreItem>
+</file>
+
+<file path=customXml/itemProps4.xml><?xml version="1.0" encoding="utf-8"?>
+<ds:datastoreItem xmlns:ds="http://schemas.openxmlformats.org/officeDocument/2006/customXml" ds:itemID="{9247FEFF-82D0-4BBE-AA2E-6E8C28F7BBE5}">
+  <ds:schemaRefs>
+    <ds:schemaRef ds:uri="http://schemas.microsoft.com/sharepoint/v3/contenttype/forms"/>
+  </ds:schemaRefs>
+</ds:datastoreItem>
 </file>
--- a/trunk/preliminary/Working/presentations/KeyStoneII ARM Overview.pptx
+++ b/trunk/preliminary/Working/presentations/KeyStoneII ARM Overview.pptx
@@ -5,10 +5,10 @@
     <p:sldMasterId id="2147484452" r:id="rId5"/>
   </p:sldMasterIdLst>
   <p:notesMasterIdLst>
-    <p:notesMasterId r:id="rId62"/>
+    <p:notesMasterId r:id="rId67"/>
   </p:notesMasterIdLst>
   <p:handoutMasterIdLst>
-    <p:handoutMasterId r:id="rId63"/>
+    <p:handoutMasterId r:id="rId68"/>
   </p:handoutMasterIdLst>
   <p:sldIdLst>
     <p:sldId id="868" r:id="rId6"/>
@@ -38,40 +38,45 @@
     <p:sldId id="883" r:id="rId30"/>
     <p:sldId id="884" r:id="rId31"/>
     <p:sldId id="915" r:id="rId32"/>
-    <p:sldId id="885" r:id="rId33"/>
-    <p:sldId id="886" r:id="rId34"/>
-    <p:sldId id="887" r:id="rId35"/>
-    <p:sldId id="888" r:id="rId36"/>
-    <p:sldId id="889" r:id="rId37"/>
-    <p:sldId id="890" r:id="rId38"/>
-    <p:sldId id="891" r:id="rId39"/>
-    <p:sldId id="892" r:id="rId40"/>
-    <p:sldId id="920" r:id="rId41"/>
-    <p:sldId id="916" r:id="rId42"/>
-    <p:sldId id="921" r:id="rId43"/>
-    <p:sldId id="922" r:id="rId44"/>
-    <p:sldId id="894" r:id="rId45"/>
-    <p:sldId id="895" r:id="rId46"/>
-    <p:sldId id="896" r:id="rId47"/>
-    <p:sldId id="897" r:id="rId48"/>
-    <p:sldId id="898" r:id="rId49"/>
-    <p:sldId id="899" r:id="rId50"/>
-    <p:sldId id="900" r:id="rId51"/>
-    <p:sldId id="923" r:id="rId52"/>
-    <p:sldId id="901" r:id="rId53"/>
-    <p:sldId id="902" r:id="rId54"/>
-    <p:sldId id="903" r:id="rId55"/>
-    <p:sldId id="904" r:id="rId56"/>
-    <p:sldId id="905" r:id="rId57"/>
-    <p:sldId id="906" r:id="rId58"/>
-    <p:sldId id="924" r:id="rId59"/>
-    <p:sldId id="907" r:id="rId60"/>
-    <p:sldId id="908" r:id="rId61"/>
+    <p:sldId id="925" r:id="rId33"/>
+    <p:sldId id="926" r:id="rId34"/>
+    <p:sldId id="927" r:id="rId35"/>
+    <p:sldId id="928" r:id="rId36"/>
+    <p:sldId id="929" r:id="rId37"/>
+    <p:sldId id="885" r:id="rId38"/>
+    <p:sldId id="886" r:id="rId39"/>
+    <p:sldId id="887" r:id="rId40"/>
+    <p:sldId id="888" r:id="rId41"/>
+    <p:sldId id="889" r:id="rId42"/>
+    <p:sldId id="890" r:id="rId43"/>
+    <p:sldId id="891" r:id="rId44"/>
+    <p:sldId id="892" r:id="rId45"/>
+    <p:sldId id="920" r:id="rId46"/>
+    <p:sldId id="916" r:id="rId47"/>
+    <p:sldId id="921" r:id="rId48"/>
+    <p:sldId id="922" r:id="rId49"/>
+    <p:sldId id="894" r:id="rId50"/>
+    <p:sldId id="895" r:id="rId51"/>
+    <p:sldId id="896" r:id="rId52"/>
+    <p:sldId id="897" r:id="rId53"/>
+    <p:sldId id="898" r:id="rId54"/>
+    <p:sldId id="899" r:id="rId55"/>
+    <p:sldId id="900" r:id="rId56"/>
+    <p:sldId id="923" r:id="rId57"/>
+    <p:sldId id="901" r:id="rId58"/>
+    <p:sldId id="902" r:id="rId59"/>
+    <p:sldId id="903" r:id="rId60"/>
+    <p:sldId id="904" r:id="rId61"/>
+    <p:sldId id="905" r:id="rId62"/>
+    <p:sldId id="906" r:id="rId63"/>
+    <p:sldId id="924" r:id="rId64"/>
+    <p:sldId id="907" r:id="rId65"/>
+    <p:sldId id="908" r:id="rId66"/>
   </p:sldIdLst>
   <p:sldSz cx="9144000" cy="6858000" type="screen4x3"/>
   <p:notesSz cx="7010400" cy="9296400"/>
   <p:custDataLst>
-    <p:tags r:id="rId64"/>
+    <p:tags r:id="rId69"/>
   </p:custDataLst>
   <p:defaultTextStyle>
     <a:defPPr>
@@ -318,7 +323,7 @@
               <a:pPr>
                 <a:defRPr/>
               </a:pPr>
-              <a:t>1/28/2013</a:t>
+              <a:t>2/5/2013</a:t>
             </a:fld>
             <a:endParaRPr lang="en-US" dirty="0"/>
           </a:p>
@@ -1132,7 +1137,7 @@
               <a:pPr>
                 <a:defRPr/>
               </a:pPr>
-              <a:t>31</a:t>
+              <a:t>36</a:t>
             </a:fld>
             <a:endParaRPr lang="en-US" dirty="0"/>
           </a:p>
@@ -1239,7 +1244,7 @@
               <a:pPr>
                 <a:defRPr/>
               </a:pPr>
-              <a:t>33</a:t>
+              <a:t>38</a:t>
             </a:fld>
             <a:endParaRPr lang="en-US" dirty="0"/>
           </a:p>
@@ -1341,7 +1346,7 @@
             <a:fld id="{9295E5E2-942B-4086-8EFE-9DF4A2A8CF3E}" type="slidenum">
               <a:rPr lang="en-US" smtClean="0"/>
               <a:pPr/>
-              <a:t>34</a:t>
+              <a:t>39</a:t>
             </a:fld>
             <a:endParaRPr lang="en-US" dirty="0"/>
           </a:p>
@@ -1432,7 +1437,7 @@
               <a:pPr>
                 <a:defRPr/>
               </a:pPr>
-              <a:t>36</a:t>
+              <a:t>41</a:t>
             </a:fld>
             <a:endParaRPr lang="en-US" dirty="0"/>
           </a:p>
@@ -1523,7 +1528,7 @@
               <a:pPr>
                 <a:defRPr/>
               </a:pPr>
-              <a:t>37</a:t>
+              <a:t>42</a:t>
             </a:fld>
             <a:endParaRPr lang="en-US" dirty="0"/>
           </a:p>
@@ -1610,7 +1615,7 @@
               <a:pPr>
                 <a:defRPr/>
               </a:pPr>
-              <a:t>38</a:t>
+              <a:t>43</a:t>
             </a:fld>
             <a:endParaRPr lang="en-US" dirty="0"/>
           </a:p>
@@ -1697,7 +1702,7 @@
               <a:pPr>
                 <a:defRPr/>
               </a:pPr>
-              <a:t>39</a:t>
+              <a:t>44</a:t>
             </a:fld>
             <a:endParaRPr lang="en-US" dirty="0"/>
           </a:p>
@@ -1779,7 +1784,7 @@
             <a:fld id="{9295E5E2-942B-4086-8EFE-9DF4A2A8CF3E}" type="slidenum">
               <a:rPr lang="en-US" smtClean="0"/>
               <a:pPr/>
-              <a:t>42</a:t>
+              <a:t>47</a:t>
             </a:fld>
             <a:endParaRPr lang="en-US" dirty="0"/>
           </a:p>
@@ -1869,7 +1874,7 @@
             <a:fld id="{9295E5E2-942B-4086-8EFE-9DF4A2A8CF3E}" type="slidenum">
               <a:rPr lang="en-US" smtClean="0"/>
               <a:pPr/>
-              <a:t>43</a:t>
+              <a:t>48</a:t>
             </a:fld>
             <a:endParaRPr lang="en-US" dirty="0"/>
           </a:p>
@@ -1951,7 +1956,7 @@
             <a:fld id="{5A66AFF2-6912-47BF-8417-4BCCFAB39D19}" type="slidenum">
               <a:rPr lang="en-US" smtClean="0"/>
               <a:pPr/>
-              <a:t>44</a:t>
+              <a:t>49</a:t>
             </a:fld>
             <a:endParaRPr lang="en-US" dirty="0"/>
           </a:p>
@@ -2214,7 +2219,7 @@
             <a:fld id="{9295E5E2-942B-4086-8EFE-9DF4A2A8CF3E}" type="slidenum">
               <a:rPr lang="en-US" smtClean="0"/>
               <a:pPr/>
-              <a:t>45</a:t>
+              <a:t>50</a:t>
             </a:fld>
             <a:endParaRPr lang="en-US" dirty="0"/>
           </a:p>
@@ -2296,7 +2301,7 @@
             <a:fld id="{9295E5E2-942B-4086-8EFE-9DF4A2A8CF3E}" type="slidenum">
               <a:rPr lang="en-US" smtClean="0"/>
               <a:pPr/>
-              <a:t>46</a:t>
+              <a:t>51</a:t>
             </a:fld>
             <a:endParaRPr lang="en-US" dirty="0"/>
           </a:p>
@@ -2378,7 +2383,7 @@
             <a:fld id="{9295E5E2-942B-4086-8EFE-9DF4A2A8CF3E}" type="slidenum">
               <a:rPr lang="en-US" smtClean="0"/>
               <a:pPr/>
-              <a:t>48</a:t>
+              <a:t>53</a:t>
             </a:fld>
             <a:endParaRPr lang="en-US" dirty="0"/>
           </a:p>
@@ -2460,7 +2465,7 @@
             <a:fld id="{9295E5E2-942B-4086-8EFE-9DF4A2A8CF3E}" type="slidenum">
               <a:rPr lang="en-US" smtClean="0"/>
               <a:pPr/>
-              <a:t>49</a:t>
+              <a:t>54</a:t>
             </a:fld>
             <a:endParaRPr lang="en-US" dirty="0"/>
           </a:p>
@@ -2542,7 +2547,7 @@
             <a:fld id="{9295E5E2-942B-4086-8EFE-9DF4A2A8CF3E}" type="slidenum">
               <a:rPr lang="en-US" smtClean="0"/>
               <a:pPr/>
-              <a:t>51</a:t>
+              <a:t>56</a:t>
             </a:fld>
             <a:endParaRPr lang="en-US" dirty="0"/>
           </a:p>
@@ -2628,7 +2633,7 @@
             <a:fld id="{9295E5E2-942B-4086-8EFE-9DF4A2A8CF3E}" type="slidenum">
               <a:rPr lang="en-US" smtClean="0"/>
               <a:pPr/>
-              <a:t>52</a:t>
+              <a:t>57</a:t>
             </a:fld>
             <a:endParaRPr lang="en-US" dirty="0"/>
           </a:p>
@@ -2710,7 +2715,7 @@
             <a:fld id="{9295E5E2-942B-4086-8EFE-9DF4A2A8CF3E}" type="slidenum">
               <a:rPr lang="en-US" smtClean="0"/>
               <a:pPr/>
-              <a:t>53</a:t>
+              <a:t>58</a:t>
             </a:fld>
             <a:endParaRPr lang="en-US" dirty="0"/>
           </a:p>
@@ -2792,7 +2797,7 @@
             <a:fld id="{9295E5E2-942B-4086-8EFE-9DF4A2A8CF3E}" type="slidenum">
               <a:rPr lang="en-US" smtClean="0"/>
               <a:pPr/>
-              <a:t>54</a:t>
+              <a:t>59</a:t>
             </a:fld>
             <a:endParaRPr lang="en-US" dirty="0"/>
           </a:p>
@@ -2905,7 +2910,7 @@
             <a:fld id="{9295E5E2-942B-4086-8EFE-9DF4A2A8CF3E}" type="slidenum">
               <a:rPr lang="en-US" smtClean="0"/>
               <a:pPr/>
-              <a:t>55</a:t>
+              <a:t>60</a:t>
             </a:fld>
             <a:endParaRPr lang="en-US" dirty="0"/>
           </a:p>
@@ -2992,7 +2997,7 @@
               <a:pPr>
                 <a:defRPr/>
               </a:pPr>
-              <a:t>56</a:t>
+              <a:t>61</a:t>
             </a:fld>
             <a:endParaRPr lang="en-US" dirty="0"/>
           </a:p>
@@ -3514,7 +3519,7 @@
             <a:fld id="{9295E5E2-942B-4086-8EFE-9DF4A2A8CF3E}" type="slidenum">
               <a:rPr lang="en-US" smtClean="0"/>
               <a:pPr/>
-              <a:t>28</a:t>
+              <a:t>33</a:t>
             </a:fld>
             <a:endParaRPr lang="en-US" dirty="0"/>
           </a:p>
@@ -3605,7 +3610,7 @@
               <a:pPr>
                 <a:defRPr/>
               </a:pPr>
-              <a:t>29</a:t>
+              <a:t>34</a:t>
             </a:fld>
             <a:endParaRPr lang="en-US" dirty="0"/>
           </a:p>
@@ -3692,7 +3697,7 @@
               <a:pPr>
                 <a:defRPr/>
               </a:pPr>
-              <a:t>30</a:t>
+              <a:t>35</a:t>
             </a:fld>
             <a:endParaRPr lang="en-US" dirty="0"/>
           </a:p>
@@ -3970,7 +3975,7 @@
             <a:fld id="{1B8179A2-2F23-44AB-AC94-6CE8F5D0AE56}" type="datetimeFigureOut">
               <a:rPr lang="en-US" smtClean="0"/>
               <a:pPr/>
-              <a:t>1/28/2013</a:t>
+              <a:t>2/5/2013</a:t>
             </a:fld>
             <a:endParaRPr lang="en-US" dirty="0"/>
           </a:p>
@@ -7339,6 +7344,2605 @@
 </file>
 
 <file path=ppt/slides/slide28.xml><?xml version="1.0" encoding="utf-8"?>
+<p:sld xmlns:a="http://schemas.openxmlformats.org/drawingml/2006/main" xmlns:r="http://schemas.openxmlformats.org/officeDocument/2006/relationships" xmlns:p="http://schemas.openxmlformats.org/presentationml/2006/main">
+  <p:cSld>
+    <p:spTree>
+      <p:nvGrpSpPr>
+        <p:cNvPr id="1" name=""/>
+        <p:cNvGrpSpPr/>
+        <p:nvPr/>
+      </p:nvGrpSpPr>
+      <p:grpSpPr>
+        <a:xfrm>
+          <a:off x="0" y="0"/>
+          <a:ext cx="0" cy="0"/>
+          <a:chOff x="0" y="0"/>
+          <a:chExt cx="0" cy="0"/>
+        </a:xfrm>
+      </p:grpSpPr>
+      <p:sp>
+        <p:nvSpPr>
+          <p:cNvPr id="4" name="Title 3"/>
+          <p:cNvSpPr>
+            <a:spLocks noGrp="1"/>
+          </p:cNvSpPr>
+          <p:nvPr>
+            <p:ph type="title"/>
+          </p:nvPr>
+        </p:nvSpPr>
+        <p:spPr/>
+        <p:txBody>
+          <a:bodyPr>
+            <a:noAutofit/>
+          </a:bodyPr>
+          <a:lstStyle/>
+          <a:p>
+            <a:r>
+              <a:rPr lang="en-US" sz="3200" dirty="0" smtClean="0"/>
+              <a:t>Keystone </a:t>
+            </a:r>
+            <a:r>
+              <a:rPr lang="en-US" sz="3200" dirty="0" err="1" smtClean="0"/>
+              <a:t>ll</a:t>
+            </a:r>
+            <a:r>
+              <a:rPr lang="en-US" sz="3200" smtClean="0"/>
+              <a:t>: ARM - IO </a:t>
+            </a:r>
+            <a:r>
+              <a:rPr lang="en-US" sz="3200" dirty="0" smtClean="0"/>
+              <a:t>Coherency</a:t>
+            </a:r>
+            <a:br>
+              <a:rPr lang="en-US" sz="3200" dirty="0" smtClean="0"/>
+            </a:br>
+            <a:r>
+              <a:rPr lang="en-US" sz="3200" dirty="0" smtClean="0"/>
+              <a:t>External Read to Shared Memory (MSM/DDR)</a:t>
+            </a:r>
+            <a:endParaRPr lang="en-US" sz="3200" dirty="0"/>
+          </a:p>
+        </p:txBody>
+      </p:sp>
+      <p:pic>
+        <p:nvPicPr>
+          <p:cNvPr id="55303" name="Picture 7"/>
+          <p:cNvPicPr>
+            <a:picLocks noChangeAspect="1" noChangeArrowheads="1"/>
+          </p:cNvPicPr>
+          <p:nvPr/>
+        </p:nvPicPr>
+        <p:blipFill>
+          <a:blip r:embed="rId2" cstate="print"/>
+          <a:srcRect/>
+          <a:stretch>
+            <a:fillRect/>
+          </a:stretch>
+        </p:blipFill>
+        <p:spPr bwMode="auto">
+          <a:xfrm>
+            <a:off x="457200" y="1462087"/>
+            <a:ext cx="8458200" cy="5014913"/>
+          </a:xfrm>
+          <a:prstGeom prst="rect">
+            <a:avLst/>
+          </a:prstGeom>
+          <a:noFill/>
+          <a:ln w="9525">
+            <a:noFill/>
+            <a:miter lim="800000"/>
+            <a:headEnd/>
+            <a:tailEnd/>
+          </a:ln>
+        </p:spPr>
+      </p:pic>
+    </p:spTree>
+  </p:cSld>
+  <p:clrMapOvr>
+    <a:masterClrMapping/>
+  </p:clrMapOvr>
+  <p:timing>
+    <p:tnLst>
+      <p:par>
+        <p:cTn id="1" dur="indefinite" restart="never" nodeType="tmRoot"/>
+      </p:par>
+    </p:tnLst>
+  </p:timing>
+</p:sld>
+</file>
+
+<file path=ppt/slides/slide29.xml><?xml version="1.0" encoding="utf-8"?>
+<p:sld xmlns:a="http://schemas.openxmlformats.org/drawingml/2006/main" xmlns:r="http://schemas.openxmlformats.org/officeDocument/2006/relationships" xmlns:p="http://schemas.openxmlformats.org/presentationml/2006/main">
+  <p:cSld>
+    <p:spTree>
+      <p:nvGrpSpPr>
+        <p:cNvPr id="1" name=""/>
+        <p:cNvGrpSpPr/>
+        <p:nvPr/>
+      </p:nvGrpSpPr>
+      <p:grpSpPr>
+        <a:xfrm>
+          <a:off x="0" y="0"/>
+          <a:ext cx="0" cy="0"/>
+          <a:chOff x="0" y="0"/>
+          <a:chExt cx="0" cy="0"/>
+        </a:xfrm>
+      </p:grpSpPr>
+      <p:sp>
+        <p:nvSpPr>
+          <p:cNvPr id="4" name="Title 3"/>
+          <p:cNvSpPr>
+            <a:spLocks noGrp="1"/>
+          </p:cNvSpPr>
+          <p:nvPr>
+            <p:ph type="title"/>
+          </p:nvPr>
+        </p:nvSpPr>
+        <p:spPr/>
+        <p:txBody>
+          <a:bodyPr>
+            <a:noAutofit/>
+          </a:bodyPr>
+          <a:lstStyle/>
+          <a:p>
+            <a:r>
+              <a:rPr lang="en-US" sz="3200" dirty="0" smtClean="0"/>
+              <a:t>Keystone </a:t>
+            </a:r>
+            <a:r>
+              <a:rPr lang="en-US" sz="3200" dirty="0" err="1" smtClean="0"/>
+              <a:t>ll</a:t>
+            </a:r>
+            <a:r>
+              <a:rPr lang="en-US" sz="3200" dirty="0" smtClean="0"/>
+              <a:t>: ARM - IO Coherency</a:t>
+            </a:r>
+            <a:br>
+              <a:rPr lang="en-US" sz="3200" dirty="0" smtClean="0"/>
+            </a:br>
+            <a:r>
+              <a:rPr lang="en-US" sz="3200" dirty="0" smtClean="0"/>
+              <a:t>External Read to Shared Memory (MSM/DDR)</a:t>
+            </a:r>
+            <a:endParaRPr lang="en-US" sz="3200" dirty="0"/>
+          </a:p>
+        </p:txBody>
+      </p:sp>
+      <p:sp>
+        <p:nvSpPr>
+          <p:cNvPr id="7" name="Content Placeholder 6"/>
+          <p:cNvSpPr>
+            <a:spLocks noGrp="1"/>
+          </p:cNvSpPr>
+          <p:nvPr>
+            <p:ph idx="1"/>
+          </p:nvPr>
+        </p:nvSpPr>
+        <p:spPr/>
+        <p:txBody>
+          <a:bodyPr/>
+          <a:lstStyle/>
+          <a:p>
+            <a:endParaRPr lang="en-US" dirty="0"/>
+          </a:p>
+        </p:txBody>
+      </p:sp>
+      <p:pic>
+        <p:nvPicPr>
+          <p:cNvPr id="55303" name="Picture 7"/>
+          <p:cNvPicPr>
+            <a:picLocks noChangeAspect="1" noChangeArrowheads="1"/>
+          </p:cNvPicPr>
+          <p:nvPr/>
+        </p:nvPicPr>
+        <p:blipFill>
+          <a:blip r:embed="rId2" cstate="print"/>
+          <a:srcRect/>
+          <a:stretch>
+            <a:fillRect/>
+          </a:stretch>
+        </p:blipFill>
+        <p:spPr bwMode="auto">
+          <a:xfrm>
+            <a:off x="457200" y="1462087"/>
+            <a:ext cx="8458200" cy="5014913"/>
+          </a:xfrm>
+          <a:prstGeom prst="rect">
+            <a:avLst/>
+          </a:prstGeom>
+          <a:noFill/>
+          <a:ln w="9525">
+            <a:noFill/>
+            <a:miter lim="800000"/>
+            <a:headEnd/>
+            <a:tailEnd/>
+          </a:ln>
+        </p:spPr>
+      </p:pic>
+      <p:sp>
+        <p:nvSpPr>
+          <p:cNvPr id="5" name="Freeform 4"/>
+          <p:cNvSpPr/>
+          <p:nvPr/>
+        </p:nvSpPr>
+        <p:spPr>
+          <a:xfrm>
+            <a:off x="1656522" y="4006574"/>
+            <a:ext cx="4081669" cy="384313"/>
+          </a:xfrm>
+          <a:custGeom>
+            <a:avLst/>
+            <a:gdLst>
+              <a:gd name="connsiteX0" fmla="*/ 0 w 4081669"/>
+              <a:gd name="connsiteY0" fmla="*/ 379896 h 384313"/>
+              <a:gd name="connsiteX1" fmla="*/ 1868556 w 4081669"/>
+              <a:gd name="connsiteY1" fmla="*/ 326887 h 384313"/>
+              <a:gd name="connsiteX2" fmla="*/ 2981739 w 4081669"/>
+              <a:gd name="connsiteY2" fmla="*/ 35339 h 384313"/>
+              <a:gd name="connsiteX3" fmla="*/ 4081669 w 4081669"/>
+              <a:gd name="connsiteY3" fmla="*/ 114852 h 384313"/>
+            </a:gdLst>
+            <a:ahLst/>
+            <a:cxnLst>
+              <a:cxn ang="0">
+                <a:pos x="connsiteX0" y="connsiteY0"/>
+              </a:cxn>
+              <a:cxn ang="0">
+                <a:pos x="connsiteX1" y="connsiteY1"/>
+              </a:cxn>
+              <a:cxn ang="0">
+                <a:pos x="connsiteX2" y="connsiteY2"/>
+              </a:cxn>
+              <a:cxn ang="0">
+                <a:pos x="connsiteX3" y="connsiteY3"/>
+              </a:cxn>
+            </a:cxnLst>
+            <a:rect l="l" t="t" r="r" b="b"/>
+            <a:pathLst>
+              <a:path w="4081669" h="384313">
+                <a:moveTo>
+                  <a:pt x="0" y="379896"/>
+                </a:moveTo>
+                <a:cubicBezTo>
+                  <a:pt x="685800" y="382104"/>
+                  <a:pt x="1371600" y="384313"/>
+                  <a:pt x="1868556" y="326887"/>
+                </a:cubicBezTo>
+                <a:cubicBezTo>
+                  <a:pt x="2365513" y="269461"/>
+                  <a:pt x="2612887" y="70678"/>
+                  <a:pt x="2981739" y="35339"/>
+                </a:cubicBezTo>
+                <a:cubicBezTo>
+                  <a:pt x="3350591" y="0"/>
+                  <a:pt x="3716130" y="57426"/>
+                  <a:pt x="4081669" y="114852"/>
+                </a:cubicBezTo>
+              </a:path>
+            </a:pathLst>
+          </a:custGeom>
+          <a:ln w="25400">
+            <a:solidFill>
+              <a:schemeClr val="tx1"/>
+            </a:solidFill>
+            <a:tailEnd type="triangle" w="lg" len="lg"/>
+          </a:ln>
+        </p:spPr>
+        <p:style>
+          <a:lnRef idx="1">
+            <a:schemeClr val="accent1"/>
+          </a:lnRef>
+          <a:fillRef idx="0">
+            <a:schemeClr val="accent1"/>
+          </a:fillRef>
+          <a:effectRef idx="0">
+            <a:schemeClr val="accent1"/>
+          </a:effectRef>
+          <a:fontRef idx="minor">
+            <a:schemeClr val="tx1"/>
+          </a:fontRef>
+        </p:style>
+        <p:txBody>
+          <a:bodyPr rtlCol="0" anchor="ctr"/>
+          <a:lstStyle/>
+          <a:p>
+            <a:pPr algn="ctr"/>
+            <a:endParaRPr lang="en-US"/>
+          </a:p>
+        </p:txBody>
+      </p:sp>
+      <p:sp>
+        <p:nvSpPr>
+          <p:cNvPr id="6" name="Oval 5"/>
+          <p:cNvSpPr/>
+          <p:nvPr/>
+        </p:nvSpPr>
+        <p:spPr>
+          <a:xfrm>
+            <a:off x="1752600" y="3962400"/>
+            <a:ext cx="457200" cy="381000"/>
+          </a:xfrm>
+          <a:prstGeom prst="ellipse">
+            <a:avLst/>
+          </a:prstGeom>
+          <a:solidFill>
+            <a:srgbClr val="FF0000"/>
+          </a:solidFill>
+        </p:spPr>
+        <p:style>
+          <a:lnRef idx="2">
+            <a:schemeClr val="accent1">
+              <a:shade val="50000"/>
+            </a:schemeClr>
+          </a:lnRef>
+          <a:fillRef idx="1">
+            <a:schemeClr val="accent1"/>
+          </a:fillRef>
+          <a:effectRef idx="0">
+            <a:schemeClr val="accent1"/>
+          </a:effectRef>
+          <a:fontRef idx="minor">
+            <a:schemeClr val="lt1"/>
+          </a:fontRef>
+        </p:style>
+        <p:txBody>
+          <a:bodyPr rtlCol="0" anchor="ctr"/>
+          <a:lstStyle/>
+          <a:p>
+            <a:pPr algn="ctr"/>
+            <a:r>
+              <a:rPr lang="en-US" b="1" dirty="0" smtClean="0">
+                <a:solidFill>
+                  <a:schemeClr val="bg1"/>
+                </a:solidFill>
+              </a:rPr>
+              <a:t>1</a:t>
+            </a:r>
+            <a:endParaRPr lang="en-US" b="1" dirty="0">
+              <a:solidFill>
+                <a:schemeClr val="bg1"/>
+              </a:solidFill>
+            </a:endParaRPr>
+          </a:p>
+        </p:txBody>
+      </p:sp>
+      <p:sp>
+        <p:nvSpPr>
+          <p:cNvPr id="8" name="Rounded Rectangular Callout 7"/>
+          <p:cNvSpPr/>
+          <p:nvPr/>
+        </p:nvSpPr>
+        <p:spPr>
+          <a:xfrm>
+            <a:off x="457200" y="5359078"/>
+            <a:ext cx="1600200" cy="1194122"/>
+          </a:xfrm>
+          <a:prstGeom prst="wedgeRoundRectCallout">
+            <a:avLst>
+              <a:gd name="adj1" fmla="val 52045"/>
+              <a:gd name="adj2" fmla="val -153650"/>
+              <a:gd name="adj3" fmla="val 16667"/>
+            </a:avLst>
+          </a:prstGeom>
+        </p:spPr>
+        <p:style>
+          <a:lnRef idx="2">
+            <a:schemeClr val="accent1">
+              <a:shade val="50000"/>
+            </a:schemeClr>
+          </a:lnRef>
+          <a:fillRef idx="1">
+            <a:schemeClr val="accent1"/>
+          </a:fillRef>
+          <a:effectRef idx="0">
+            <a:schemeClr val="accent1"/>
+          </a:effectRef>
+          <a:fontRef idx="minor">
+            <a:schemeClr val="lt1"/>
+          </a:fontRef>
+        </p:style>
+        <p:txBody>
+          <a:bodyPr lIns="0" tIns="0" rIns="0" bIns="0" rtlCol="0" anchor="ctr"/>
+          <a:lstStyle/>
+          <a:p>
+            <a:pPr algn="ctr"/>
+            <a:r>
+              <a:rPr lang="en-US" sz="2000" dirty="0" smtClean="0"/>
+              <a:t>EDMA issues read to shared SRAM</a:t>
+            </a:r>
+            <a:endParaRPr lang="en-US" sz="2000" dirty="0"/>
+          </a:p>
+        </p:txBody>
+      </p:sp>
+    </p:spTree>
+  </p:cSld>
+  <p:clrMapOvr>
+    <a:masterClrMapping/>
+  </p:clrMapOvr>
+  <p:timing>
+    <p:tnLst>
+      <p:par>
+        <p:cTn id="1" dur="indefinite" restart="never" nodeType="tmRoot"/>
+      </p:par>
+    </p:tnLst>
+  </p:timing>
+</p:sld>
+</file>
+
+<file path=ppt/slides/slide3.xml><?xml version="1.0" encoding="utf-8"?>
+<p:sld xmlns:a="http://schemas.openxmlformats.org/drawingml/2006/main" xmlns:r="http://schemas.openxmlformats.org/officeDocument/2006/relationships" xmlns:p="http://schemas.openxmlformats.org/presentationml/2006/main">
+  <p:cSld>
+    <p:spTree>
+      <p:nvGrpSpPr>
+        <p:cNvPr id="1" name=""/>
+        <p:cNvGrpSpPr/>
+        <p:nvPr/>
+      </p:nvGrpSpPr>
+      <p:grpSpPr>
+        <a:xfrm>
+          <a:off x="0" y="0"/>
+          <a:ext cx="0" cy="0"/>
+          <a:chOff x="0" y="0"/>
+          <a:chExt cx="0" cy="0"/>
+        </a:xfrm>
+      </p:grpSpPr>
+      <p:sp>
+        <p:nvSpPr>
+          <p:cNvPr id="2" name="Title 1"/>
+          <p:cNvSpPr>
+            <a:spLocks noGrp="1"/>
+          </p:cNvSpPr>
+          <p:nvPr>
+            <p:ph type="title"/>
+          </p:nvPr>
+        </p:nvSpPr>
+        <p:spPr/>
+        <p:txBody>
+          <a:bodyPr>
+            <a:normAutofit/>
+          </a:bodyPr>
+          <a:lstStyle/>
+          <a:p>
+            <a:r>
+              <a:rPr lang="en-US" sz="4000" dirty="0" smtClean="0"/>
+              <a:t>ARM CorePac in KeyStone II</a:t>
+            </a:r>
+          </a:p>
+        </p:txBody>
+      </p:sp>
+      <p:sp>
+        <p:nvSpPr>
+          <p:cNvPr id="3" name="Content Placeholder 2"/>
+          <p:cNvSpPr>
+            <a:spLocks noGrp="1"/>
+          </p:cNvSpPr>
+          <p:nvPr>
+            <p:ph idx="1"/>
+          </p:nvPr>
+        </p:nvSpPr>
+        <p:spPr/>
+        <p:txBody>
+          <a:bodyPr>
+            <a:normAutofit/>
+          </a:bodyPr>
+          <a:lstStyle/>
+          <a:p>
+            <a:r>
+              <a:rPr lang="en-US" b="1" dirty="0" smtClean="0"/>
+              <a:t>ARM CorePac in KeyStone II</a:t>
+            </a:r>
+          </a:p>
+          <a:p>
+            <a:r>
+              <a:rPr lang="en-US" dirty="0" smtClean="0"/>
+              <a:t>ARM Cortex A-15 Features</a:t>
+            </a:r>
+          </a:p>
+          <a:p>
+            <a:r>
+              <a:rPr lang="en-US" dirty="0" smtClean="0"/>
+              <a:t>Interface to the SOC and Coherency Issues</a:t>
+            </a:r>
+          </a:p>
+          <a:p>
+            <a:r>
+              <a:rPr lang="en-US" dirty="0" smtClean="0"/>
+              <a:t>Benchmarks</a:t>
+            </a:r>
+          </a:p>
+          <a:p>
+            <a:r>
+              <a:rPr lang="en-US" dirty="0" smtClean="0"/>
+              <a:t>Interrupt Controller</a:t>
+            </a:r>
+          </a:p>
+          <a:p>
+            <a:r>
+              <a:rPr lang="en-US" dirty="0" smtClean="0"/>
+              <a:t>Power Management</a:t>
+            </a:r>
+          </a:p>
+          <a:p>
+            <a:r>
+              <a:rPr lang="en-US" dirty="0" smtClean="0"/>
+              <a:t>Debug and Trace</a:t>
+            </a:r>
+          </a:p>
+        </p:txBody>
+      </p:sp>
+    </p:spTree>
+  </p:cSld>
+  <p:clrMapOvr>
+    <a:masterClrMapping/>
+  </p:clrMapOvr>
+  <p:timing>
+    <p:tnLst>
+      <p:par>
+        <p:cTn id="1" dur="indefinite" restart="never" nodeType="tmRoot"/>
+      </p:par>
+    </p:tnLst>
+  </p:timing>
+</p:sld>
+</file>
+
+<file path=ppt/slides/slide30.xml><?xml version="1.0" encoding="utf-8"?>
+<p:sld xmlns:a="http://schemas.openxmlformats.org/drawingml/2006/main" xmlns:r="http://schemas.openxmlformats.org/officeDocument/2006/relationships" xmlns:p="http://schemas.openxmlformats.org/presentationml/2006/main">
+  <p:cSld>
+    <p:spTree>
+      <p:nvGrpSpPr>
+        <p:cNvPr id="1" name=""/>
+        <p:cNvGrpSpPr/>
+        <p:nvPr/>
+      </p:nvGrpSpPr>
+      <p:grpSpPr>
+        <a:xfrm>
+          <a:off x="0" y="0"/>
+          <a:ext cx="0" cy="0"/>
+          <a:chOff x="0" y="0"/>
+          <a:chExt cx="0" cy="0"/>
+        </a:xfrm>
+      </p:grpSpPr>
+      <p:sp>
+        <p:nvSpPr>
+          <p:cNvPr id="4" name="Title 3"/>
+          <p:cNvSpPr>
+            <a:spLocks noGrp="1"/>
+          </p:cNvSpPr>
+          <p:nvPr>
+            <p:ph type="title"/>
+          </p:nvPr>
+        </p:nvSpPr>
+        <p:spPr/>
+        <p:txBody>
+          <a:bodyPr>
+            <a:noAutofit/>
+          </a:bodyPr>
+          <a:lstStyle/>
+          <a:p>
+            <a:r>
+              <a:rPr lang="en-US" sz="3200" dirty="0" smtClean="0"/>
+              <a:t>Keystone </a:t>
+            </a:r>
+            <a:r>
+              <a:rPr lang="en-US" sz="3200" dirty="0" err="1" smtClean="0"/>
+              <a:t>ll</a:t>
+            </a:r>
+            <a:r>
+              <a:rPr lang="en-US" sz="3200" dirty="0" smtClean="0"/>
+              <a:t>: ARM - IO Coherency</a:t>
+            </a:r>
+            <a:br>
+              <a:rPr lang="en-US" sz="3200" dirty="0" smtClean="0"/>
+            </a:br>
+            <a:r>
+              <a:rPr lang="en-US" sz="3200" dirty="0" smtClean="0"/>
+              <a:t>External Read to Shared Memory (MSM/DDR)</a:t>
+            </a:r>
+            <a:endParaRPr lang="en-US" sz="3200" dirty="0"/>
+          </a:p>
+        </p:txBody>
+      </p:sp>
+      <p:pic>
+        <p:nvPicPr>
+          <p:cNvPr id="55303" name="Picture 7"/>
+          <p:cNvPicPr>
+            <a:picLocks noChangeAspect="1" noChangeArrowheads="1"/>
+          </p:cNvPicPr>
+          <p:nvPr/>
+        </p:nvPicPr>
+        <p:blipFill>
+          <a:blip r:embed="rId2" cstate="print"/>
+          <a:srcRect/>
+          <a:stretch>
+            <a:fillRect/>
+          </a:stretch>
+        </p:blipFill>
+        <p:spPr bwMode="auto">
+          <a:xfrm>
+            <a:off x="457200" y="1462087"/>
+            <a:ext cx="8458200" cy="5014913"/>
+          </a:xfrm>
+          <a:prstGeom prst="rect">
+            <a:avLst/>
+          </a:prstGeom>
+          <a:noFill/>
+          <a:ln w="9525">
+            <a:noFill/>
+            <a:miter lim="800000"/>
+            <a:headEnd/>
+            <a:tailEnd/>
+          </a:ln>
+        </p:spPr>
+      </p:pic>
+      <p:sp>
+        <p:nvSpPr>
+          <p:cNvPr id="5" name="Freeform 4"/>
+          <p:cNvSpPr/>
+          <p:nvPr/>
+        </p:nvSpPr>
+        <p:spPr>
+          <a:xfrm>
+            <a:off x="1656522" y="4006574"/>
+            <a:ext cx="4081669" cy="384313"/>
+          </a:xfrm>
+          <a:custGeom>
+            <a:avLst/>
+            <a:gdLst>
+              <a:gd name="connsiteX0" fmla="*/ 0 w 4081669"/>
+              <a:gd name="connsiteY0" fmla="*/ 379896 h 384313"/>
+              <a:gd name="connsiteX1" fmla="*/ 1868556 w 4081669"/>
+              <a:gd name="connsiteY1" fmla="*/ 326887 h 384313"/>
+              <a:gd name="connsiteX2" fmla="*/ 2981739 w 4081669"/>
+              <a:gd name="connsiteY2" fmla="*/ 35339 h 384313"/>
+              <a:gd name="connsiteX3" fmla="*/ 4081669 w 4081669"/>
+              <a:gd name="connsiteY3" fmla="*/ 114852 h 384313"/>
+            </a:gdLst>
+            <a:ahLst/>
+            <a:cxnLst>
+              <a:cxn ang="0">
+                <a:pos x="connsiteX0" y="connsiteY0"/>
+              </a:cxn>
+              <a:cxn ang="0">
+                <a:pos x="connsiteX1" y="connsiteY1"/>
+              </a:cxn>
+              <a:cxn ang="0">
+                <a:pos x="connsiteX2" y="connsiteY2"/>
+              </a:cxn>
+              <a:cxn ang="0">
+                <a:pos x="connsiteX3" y="connsiteY3"/>
+              </a:cxn>
+            </a:cxnLst>
+            <a:rect l="l" t="t" r="r" b="b"/>
+            <a:pathLst>
+              <a:path w="4081669" h="384313">
+                <a:moveTo>
+                  <a:pt x="0" y="379896"/>
+                </a:moveTo>
+                <a:cubicBezTo>
+                  <a:pt x="685800" y="382104"/>
+                  <a:pt x="1371600" y="384313"/>
+                  <a:pt x="1868556" y="326887"/>
+                </a:cubicBezTo>
+                <a:cubicBezTo>
+                  <a:pt x="2365513" y="269461"/>
+                  <a:pt x="2612887" y="70678"/>
+                  <a:pt x="2981739" y="35339"/>
+                </a:cubicBezTo>
+                <a:cubicBezTo>
+                  <a:pt x="3350591" y="0"/>
+                  <a:pt x="3716130" y="57426"/>
+                  <a:pt x="4081669" y="114852"/>
+                </a:cubicBezTo>
+              </a:path>
+            </a:pathLst>
+          </a:custGeom>
+          <a:ln w="25400">
+            <a:solidFill>
+              <a:schemeClr val="tx1"/>
+            </a:solidFill>
+            <a:tailEnd type="triangle" w="lg" len="lg"/>
+          </a:ln>
+        </p:spPr>
+        <p:style>
+          <a:lnRef idx="1">
+            <a:schemeClr val="accent1"/>
+          </a:lnRef>
+          <a:fillRef idx="0">
+            <a:schemeClr val="accent1"/>
+          </a:fillRef>
+          <a:effectRef idx="0">
+            <a:schemeClr val="accent1"/>
+          </a:effectRef>
+          <a:fontRef idx="minor">
+            <a:schemeClr val="tx1"/>
+          </a:fontRef>
+        </p:style>
+        <p:txBody>
+          <a:bodyPr rtlCol="0" anchor="ctr"/>
+          <a:lstStyle/>
+          <a:p>
+            <a:pPr algn="ctr"/>
+            <a:endParaRPr lang="en-US"/>
+          </a:p>
+        </p:txBody>
+      </p:sp>
+      <p:sp>
+        <p:nvSpPr>
+          <p:cNvPr id="6" name="Oval 5"/>
+          <p:cNvSpPr/>
+          <p:nvPr/>
+        </p:nvSpPr>
+        <p:spPr>
+          <a:xfrm>
+            <a:off x="1752600" y="3962400"/>
+            <a:ext cx="457200" cy="381000"/>
+          </a:xfrm>
+          <a:prstGeom prst="ellipse">
+            <a:avLst/>
+          </a:prstGeom>
+          <a:solidFill>
+            <a:srgbClr val="FF0000"/>
+          </a:solidFill>
+        </p:spPr>
+        <p:style>
+          <a:lnRef idx="2">
+            <a:schemeClr val="accent1">
+              <a:shade val="50000"/>
+            </a:schemeClr>
+          </a:lnRef>
+          <a:fillRef idx="1">
+            <a:schemeClr val="accent1"/>
+          </a:fillRef>
+          <a:effectRef idx="0">
+            <a:schemeClr val="accent1"/>
+          </a:effectRef>
+          <a:fontRef idx="minor">
+            <a:schemeClr val="lt1"/>
+          </a:fontRef>
+        </p:style>
+        <p:txBody>
+          <a:bodyPr rtlCol="0" anchor="ctr"/>
+          <a:lstStyle/>
+          <a:p>
+            <a:pPr algn="ctr"/>
+            <a:r>
+              <a:rPr lang="en-US" b="1" dirty="0" smtClean="0">
+                <a:solidFill>
+                  <a:schemeClr val="bg1"/>
+                </a:solidFill>
+              </a:rPr>
+              <a:t>1</a:t>
+            </a:r>
+            <a:endParaRPr lang="en-US" b="1" dirty="0">
+              <a:solidFill>
+                <a:schemeClr val="bg1"/>
+              </a:solidFill>
+            </a:endParaRPr>
+          </a:p>
+        </p:txBody>
+      </p:sp>
+      <p:sp>
+        <p:nvSpPr>
+          <p:cNvPr id="8" name="Rounded Rectangular Callout 7"/>
+          <p:cNvSpPr/>
+          <p:nvPr/>
+        </p:nvSpPr>
+        <p:spPr>
+          <a:xfrm>
+            <a:off x="457200" y="5359078"/>
+            <a:ext cx="1600200" cy="1194122"/>
+          </a:xfrm>
+          <a:prstGeom prst="wedgeRoundRectCallout">
+            <a:avLst>
+              <a:gd name="adj1" fmla="val 52045"/>
+              <a:gd name="adj2" fmla="val -153650"/>
+              <a:gd name="adj3" fmla="val 16667"/>
+            </a:avLst>
+          </a:prstGeom>
+        </p:spPr>
+        <p:style>
+          <a:lnRef idx="2">
+            <a:schemeClr val="accent1">
+              <a:shade val="50000"/>
+            </a:schemeClr>
+          </a:lnRef>
+          <a:fillRef idx="1">
+            <a:schemeClr val="accent1"/>
+          </a:fillRef>
+          <a:effectRef idx="0">
+            <a:schemeClr val="accent1"/>
+          </a:effectRef>
+          <a:fontRef idx="minor">
+            <a:schemeClr val="lt1"/>
+          </a:fontRef>
+        </p:style>
+        <p:txBody>
+          <a:bodyPr lIns="0" tIns="0" rIns="0" bIns="0" rtlCol="0" anchor="ctr"/>
+          <a:lstStyle/>
+          <a:p>
+            <a:pPr algn="ctr"/>
+            <a:r>
+              <a:rPr lang="en-US" sz="2000" dirty="0" smtClean="0"/>
+              <a:t>EDMA issues read to shared SRAM</a:t>
+            </a:r>
+            <a:endParaRPr lang="en-US" sz="2000" dirty="0"/>
+          </a:p>
+        </p:txBody>
+      </p:sp>
+      <p:sp>
+        <p:nvSpPr>
+          <p:cNvPr id="9" name="Rounded Rectangular Callout 8"/>
+          <p:cNvSpPr/>
+          <p:nvPr/>
+        </p:nvSpPr>
+        <p:spPr>
+          <a:xfrm>
+            <a:off x="685800" y="2133600"/>
+            <a:ext cx="1600200" cy="1066800"/>
+          </a:xfrm>
+          <a:prstGeom prst="wedgeRoundRectCallout">
+            <a:avLst>
+              <a:gd name="adj1" fmla="val 104219"/>
+              <a:gd name="adj2" fmla="val 101009"/>
+              <a:gd name="adj3" fmla="val 16667"/>
+            </a:avLst>
+          </a:prstGeom>
+        </p:spPr>
+        <p:style>
+          <a:lnRef idx="2">
+            <a:schemeClr val="accent1">
+              <a:shade val="50000"/>
+            </a:schemeClr>
+          </a:lnRef>
+          <a:fillRef idx="1">
+            <a:schemeClr val="accent1"/>
+          </a:fillRef>
+          <a:effectRef idx="0">
+            <a:schemeClr val="accent1"/>
+          </a:effectRef>
+          <a:fontRef idx="minor">
+            <a:schemeClr val="lt1"/>
+          </a:fontRef>
+        </p:style>
+        <p:txBody>
+          <a:bodyPr lIns="0" tIns="0" rIns="0" bIns="0" rtlCol="0" anchor="ctr"/>
+          <a:lstStyle/>
+          <a:p>
+            <a:pPr algn="ctr"/>
+            <a:r>
+              <a:rPr lang="en-US" dirty="0" smtClean="0"/>
+              <a:t>Coherence Controller issues read snoops to ARM</a:t>
+            </a:r>
+            <a:endParaRPr lang="en-US" dirty="0"/>
+          </a:p>
+        </p:txBody>
+      </p:sp>
+      <p:sp>
+        <p:nvSpPr>
+          <p:cNvPr id="10" name="Freeform 9"/>
+          <p:cNvSpPr/>
+          <p:nvPr/>
+        </p:nvSpPr>
+        <p:spPr>
+          <a:xfrm>
+            <a:off x="3200401" y="3366052"/>
+            <a:ext cx="2362200" cy="1510748"/>
+          </a:xfrm>
+          <a:custGeom>
+            <a:avLst/>
+            <a:gdLst>
+              <a:gd name="connsiteX0" fmla="*/ 1442279 w 1442279"/>
+              <a:gd name="connsiteY0" fmla="*/ 1431235 h 1444487"/>
+              <a:gd name="connsiteX1" fmla="*/ 408609 w 1442279"/>
+              <a:gd name="connsiteY1" fmla="*/ 1364974 h 1444487"/>
+              <a:gd name="connsiteX2" fmla="*/ 64052 w 1442279"/>
+              <a:gd name="connsiteY2" fmla="*/ 954157 h 1444487"/>
+              <a:gd name="connsiteX3" fmla="*/ 24296 w 1442279"/>
+              <a:gd name="connsiteY3" fmla="*/ 0 h 1444487"/>
+            </a:gdLst>
+            <a:ahLst/>
+            <a:cxnLst>
+              <a:cxn ang="0">
+                <a:pos x="connsiteX0" y="connsiteY0"/>
+              </a:cxn>
+              <a:cxn ang="0">
+                <a:pos x="connsiteX1" y="connsiteY1"/>
+              </a:cxn>
+              <a:cxn ang="0">
+                <a:pos x="connsiteX2" y="connsiteY2"/>
+              </a:cxn>
+              <a:cxn ang="0">
+                <a:pos x="connsiteX3" y="connsiteY3"/>
+              </a:cxn>
+            </a:cxnLst>
+            <a:rect l="l" t="t" r="r" b="b"/>
+            <a:pathLst>
+              <a:path w="1442279" h="1444487">
+                <a:moveTo>
+                  <a:pt x="1442279" y="1431235"/>
+                </a:moveTo>
+                <a:cubicBezTo>
+                  <a:pt x="1040296" y="1437861"/>
+                  <a:pt x="638314" y="1444487"/>
+                  <a:pt x="408609" y="1364974"/>
+                </a:cubicBezTo>
+                <a:cubicBezTo>
+                  <a:pt x="178905" y="1285461"/>
+                  <a:pt x="128104" y="1181653"/>
+                  <a:pt x="64052" y="954157"/>
+                </a:cubicBezTo>
+                <a:cubicBezTo>
+                  <a:pt x="0" y="726661"/>
+                  <a:pt x="12148" y="363330"/>
+                  <a:pt x="24296" y="0"/>
+                </a:cubicBezTo>
+              </a:path>
+            </a:pathLst>
+          </a:custGeom>
+          <a:ln w="25400">
+            <a:solidFill>
+              <a:schemeClr val="tx1"/>
+            </a:solidFill>
+            <a:tailEnd type="triangle" w="lg" len="lg"/>
+          </a:ln>
+        </p:spPr>
+        <p:style>
+          <a:lnRef idx="1">
+            <a:schemeClr val="accent1"/>
+          </a:lnRef>
+          <a:fillRef idx="0">
+            <a:schemeClr val="accent1"/>
+          </a:fillRef>
+          <a:effectRef idx="0">
+            <a:schemeClr val="accent1"/>
+          </a:effectRef>
+          <a:fontRef idx="minor">
+            <a:schemeClr val="tx1"/>
+          </a:fontRef>
+        </p:style>
+        <p:txBody>
+          <a:bodyPr rtlCol="0" anchor="ctr"/>
+          <a:lstStyle/>
+          <a:p>
+            <a:pPr algn="ctr"/>
+            <a:endParaRPr lang="en-US"/>
+          </a:p>
+        </p:txBody>
+      </p:sp>
+      <p:sp>
+        <p:nvSpPr>
+          <p:cNvPr id="11" name="Oval 10"/>
+          <p:cNvSpPr/>
+          <p:nvPr/>
+        </p:nvSpPr>
+        <p:spPr>
+          <a:xfrm>
+            <a:off x="3276600" y="3657600"/>
+            <a:ext cx="457200" cy="381000"/>
+          </a:xfrm>
+          <a:prstGeom prst="ellipse">
+            <a:avLst/>
+          </a:prstGeom>
+          <a:solidFill>
+            <a:srgbClr val="FF0000"/>
+          </a:solidFill>
+        </p:spPr>
+        <p:style>
+          <a:lnRef idx="2">
+            <a:schemeClr val="accent1">
+              <a:shade val="50000"/>
+            </a:schemeClr>
+          </a:lnRef>
+          <a:fillRef idx="1">
+            <a:schemeClr val="accent1"/>
+          </a:fillRef>
+          <a:effectRef idx="0">
+            <a:schemeClr val="accent1"/>
+          </a:effectRef>
+          <a:fontRef idx="minor">
+            <a:schemeClr val="lt1"/>
+          </a:fontRef>
+        </p:style>
+        <p:txBody>
+          <a:bodyPr rtlCol="0" anchor="ctr"/>
+          <a:lstStyle/>
+          <a:p>
+            <a:pPr algn="ctr"/>
+            <a:r>
+              <a:rPr lang="en-US" b="1" dirty="0" smtClean="0">
+                <a:solidFill>
+                  <a:schemeClr val="bg1"/>
+                </a:solidFill>
+              </a:rPr>
+              <a:t>2</a:t>
+            </a:r>
+            <a:endParaRPr lang="en-US" b="1" dirty="0">
+              <a:solidFill>
+                <a:schemeClr val="bg1"/>
+              </a:solidFill>
+            </a:endParaRPr>
+          </a:p>
+        </p:txBody>
+      </p:sp>
+    </p:spTree>
+  </p:cSld>
+  <p:clrMapOvr>
+    <a:masterClrMapping/>
+  </p:clrMapOvr>
+  <p:timing>
+    <p:tnLst>
+      <p:par>
+        <p:cTn id="1" dur="indefinite" restart="never" nodeType="tmRoot"/>
+      </p:par>
+    </p:tnLst>
+  </p:timing>
+</p:sld>
+</file>
+
+<file path=ppt/slides/slide31.xml><?xml version="1.0" encoding="utf-8"?>
+<p:sld xmlns:a="http://schemas.openxmlformats.org/drawingml/2006/main" xmlns:r="http://schemas.openxmlformats.org/officeDocument/2006/relationships" xmlns:p="http://schemas.openxmlformats.org/presentationml/2006/main">
+  <p:cSld>
+    <p:spTree>
+      <p:nvGrpSpPr>
+        <p:cNvPr id="1" name=""/>
+        <p:cNvGrpSpPr/>
+        <p:nvPr/>
+      </p:nvGrpSpPr>
+      <p:grpSpPr>
+        <a:xfrm>
+          <a:off x="0" y="0"/>
+          <a:ext cx="0" cy="0"/>
+          <a:chOff x="0" y="0"/>
+          <a:chExt cx="0" cy="0"/>
+        </a:xfrm>
+      </p:grpSpPr>
+      <p:sp>
+        <p:nvSpPr>
+          <p:cNvPr id="4" name="Title 3"/>
+          <p:cNvSpPr>
+            <a:spLocks noGrp="1"/>
+          </p:cNvSpPr>
+          <p:nvPr>
+            <p:ph type="title"/>
+          </p:nvPr>
+        </p:nvSpPr>
+        <p:spPr/>
+        <p:txBody>
+          <a:bodyPr>
+            <a:noAutofit/>
+          </a:bodyPr>
+          <a:lstStyle/>
+          <a:p>
+            <a:r>
+              <a:rPr lang="en-US" sz="3200" dirty="0" smtClean="0"/>
+              <a:t>Keystone </a:t>
+            </a:r>
+            <a:r>
+              <a:rPr lang="en-US" sz="3200" dirty="0" err="1" smtClean="0"/>
+              <a:t>ll</a:t>
+            </a:r>
+            <a:r>
+              <a:rPr lang="en-US" sz="3200" dirty="0" smtClean="0"/>
+              <a:t>: ARM - IO Coherency</a:t>
+            </a:r>
+            <a:br>
+              <a:rPr lang="en-US" sz="3200" dirty="0" smtClean="0"/>
+            </a:br>
+            <a:r>
+              <a:rPr lang="en-US" sz="3200" dirty="0" smtClean="0"/>
+              <a:t>External Read to Shared Memory (MSM/DDR)</a:t>
+            </a:r>
+            <a:endParaRPr lang="en-US" sz="3200" dirty="0"/>
+          </a:p>
+        </p:txBody>
+      </p:sp>
+      <p:pic>
+        <p:nvPicPr>
+          <p:cNvPr id="55303" name="Picture 7"/>
+          <p:cNvPicPr>
+            <a:picLocks noChangeAspect="1" noChangeArrowheads="1"/>
+          </p:cNvPicPr>
+          <p:nvPr/>
+        </p:nvPicPr>
+        <p:blipFill>
+          <a:blip r:embed="rId2" cstate="print"/>
+          <a:srcRect/>
+          <a:stretch>
+            <a:fillRect/>
+          </a:stretch>
+        </p:blipFill>
+        <p:spPr bwMode="auto">
+          <a:xfrm>
+            <a:off x="457200" y="1462087"/>
+            <a:ext cx="8458200" cy="5014913"/>
+          </a:xfrm>
+          <a:prstGeom prst="rect">
+            <a:avLst/>
+          </a:prstGeom>
+          <a:noFill/>
+          <a:ln w="9525">
+            <a:noFill/>
+            <a:miter lim="800000"/>
+            <a:headEnd/>
+            <a:tailEnd/>
+          </a:ln>
+        </p:spPr>
+      </p:pic>
+      <p:sp>
+        <p:nvSpPr>
+          <p:cNvPr id="5" name="Freeform 4"/>
+          <p:cNvSpPr/>
+          <p:nvPr/>
+        </p:nvSpPr>
+        <p:spPr>
+          <a:xfrm>
+            <a:off x="1656522" y="4006574"/>
+            <a:ext cx="4081669" cy="384313"/>
+          </a:xfrm>
+          <a:custGeom>
+            <a:avLst/>
+            <a:gdLst>
+              <a:gd name="connsiteX0" fmla="*/ 0 w 4081669"/>
+              <a:gd name="connsiteY0" fmla="*/ 379896 h 384313"/>
+              <a:gd name="connsiteX1" fmla="*/ 1868556 w 4081669"/>
+              <a:gd name="connsiteY1" fmla="*/ 326887 h 384313"/>
+              <a:gd name="connsiteX2" fmla="*/ 2981739 w 4081669"/>
+              <a:gd name="connsiteY2" fmla="*/ 35339 h 384313"/>
+              <a:gd name="connsiteX3" fmla="*/ 4081669 w 4081669"/>
+              <a:gd name="connsiteY3" fmla="*/ 114852 h 384313"/>
+            </a:gdLst>
+            <a:ahLst/>
+            <a:cxnLst>
+              <a:cxn ang="0">
+                <a:pos x="connsiteX0" y="connsiteY0"/>
+              </a:cxn>
+              <a:cxn ang="0">
+                <a:pos x="connsiteX1" y="connsiteY1"/>
+              </a:cxn>
+              <a:cxn ang="0">
+                <a:pos x="connsiteX2" y="connsiteY2"/>
+              </a:cxn>
+              <a:cxn ang="0">
+                <a:pos x="connsiteX3" y="connsiteY3"/>
+              </a:cxn>
+            </a:cxnLst>
+            <a:rect l="l" t="t" r="r" b="b"/>
+            <a:pathLst>
+              <a:path w="4081669" h="384313">
+                <a:moveTo>
+                  <a:pt x="0" y="379896"/>
+                </a:moveTo>
+                <a:cubicBezTo>
+                  <a:pt x="685800" y="382104"/>
+                  <a:pt x="1371600" y="384313"/>
+                  <a:pt x="1868556" y="326887"/>
+                </a:cubicBezTo>
+                <a:cubicBezTo>
+                  <a:pt x="2365513" y="269461"/>
+                  <a:pt x="2612887" y="70678"/>
+                  <a:pt x="2981739" y="35339"/>
+                </a:cubicBezTo>
+                <a:cubicBezTo>
+                  <a:pt x="3350591" y="0"/>
+                  <a:pt x="3716130" y="57426"/>
+                  <a:pt x="4081669" y="114852"/>
+                </a:cubicBezTo>
+              </a:path>
+            </a:pathLst>
+          </a:custGeom>
+          <a:ln w="25400">
+            <a:solidFill>
+              <a:schemeClr val="tx1"/>
+            </a:solidFill>
+            <a:tailEnd type="triangle" w="lg" len="lg"/>
+          </a:ln>
+        </p:spPr>
+        <p:style>
+          <a:lnRef idx="1">
+            <a:schemeClr val="accent1"/>
+          </a:lnRef>
+          <a:fillRef idx="0">
+            <a:schemeClr val="accent1"/>
+          </a:fillRef>
+          <a:effectRef idx="0">
+            <a:schemeClr val="accent1"/>
+          </a:effectRef>
+          <a:fontRef idx="minor">
+            <a:schemeClr val="tx1"/>
+          </a:fontRef>
+        </p:style>
+        <p:txBody>
+          <a:bodyPr rtlCol="0" anchor="ctr"/>
+          <a:lstStyle/>
+          <a:p>
+            <a:pPr algn="ctr"/>
+            <a:endParaRPr lang="en-US"/>
+          </a:p>
+        </p:txBody>
+      </p:sp>
+      <p:sp>
+        <p:nvSpPr>
+          <p:cNvPr id="6" name="Oval 5"/>
+          <p:cNvSpPr/>
+          <p:nvPr/>
+        </p:nvSpPr>
+        <p:spPr>
+          <a:xfrm>
+            <a:off x="1752600" y="3962400"/>
+            <a:ext cx="457200" cy="381000"/>
+          </a:xfrm>
+          <a:prstGeom prst="ellipse">
+            <a:avLst/>
+          </a:prstGeom>
+          <a:solidFill>
+            <a:srgbClr val="FF0000"/>
+          </a:solidFill>
+        </p:spPr>
+        <p:style>
+          <a:lnRef idx="2">
+            <a:schemeClr val="accent1">
+              <a:shade val="50000"/>
+            </a:schemeClr>
+          </a:lnRef>
+          <a:fillRef idx="1">
+            <a:schemeClr val="accent1"/>
+          </a:fillRef>
+          <a:effectRef idx="0">
+            <a:schemeClr val="accent1"/>
+          </a:effectRef>
+          <a:fontRef idx="minor">
+            <a:schemeClr val="lt1"/>
+          </a:fontRef>
+        </p:style>
+        <p:txBody>
+          <a:bodyPr rtlCol="0" anchor="ctr"/>
+          <a:lstStyle/>
+          <a:p>
+            <a:pPr algn="ctr"/>
+            <a:r>
+              <a:rPr lang="en-US" b="1" dirty="0" smtClean="0">
+                <a:solidFill>
+                  <a:schemeClr val="bg1"/>
+                </a:solidFill>
+              </a:rPr>
+              <a:t>1</a:t>
+            </a:r>
+            <a:endParaRPr lang="en-US" b="1" dirty="0">
+              <a:solidFill>
+                <a:schemeClr val="bg1"/>
+              </a:solidFill>
+            </a:endParaRPr>
+          </a:p>
+        </p:txBody>
+      </p:sp>
+      <p:sp>
+        <p:nvSpPr>
+          <p:cNvPr id="8" name="Rounded Rectangular Callout 7"/>
+          <p:cNvSpPr/>
+          <p:nvPr/>
+        </p:nvSpPr>
+        <p:spPr>
+          <a:xfrm>
+            <a:off x="457200" y="5486400"/>
+            <a:ext cx="1600200" cy="1066800"/>
+          </a:xfrm>
+          <a:prstGeom prst="wedgeRoundRectCallout">
+            <a:avLst>
+              <a:gd name="adj1" fmla="val 52045"/>
+              <a:gd name="adj2" fmla="val -153650"/>
+              <a:gd name="adj3" fmla="val 16667"/>
+            </a:avLst>
+          </a:prstGeom>
+        </p:spPr>
+        <p:style>
+          <a:lnRef idx="2">
+            <a:schemeClr val="accent1">
+              <a:shade val="50000"/>
+            </a:schemeClr>
+          </a:lnRef>
+          <a:fillRef idx="1">
+            <a:schemeClr val="accent1"/>
+          </a:fillRef>
+          <a:effectRef idx="0">
+            <a:schemeClr val="accent1"/>
+          </a:effectRef>
+          <a:fontRef idx="minor">
+            <a:schemeClr val="lt1"/>
+          </a:fontRef>
+        </p:style>
+        <p:txBody>
+          <a:bodyPr lIns="0" tIns="0" rIns="0" bIns="0" rtlCol="0" anchor="ctr"/>
+          <a:lstStyle/>
+          <a:p>
+            <a:pPr algn="ctr"/>
+            <a:r>
+              <a:rPr lang="en-US" sz="2000" dirty="0" smtClean="0"/>
+              <a:t>EDMA issues read to shared SRAM</a:t>
+            </a:r>
+            <a:endParaRPr lang="en-US" sz="2000" dirty="0"/>
+          </a:p>
+        </p:txBody>
+      </p:sp>
+      <p:sp>
+        <p:nvSpPr>
+          <p:cNvPr id="9" name="Rounded Rectangular Callout 8"/>
+          <p:cNvSpPr/>
+          <p:nvPr/>
+        </p:nvSpPr>
+        <p:spPr>
+          <a:xfrm>
+            <a:off x="685800" y="2133600"/>
+            <a:ext cx="1600200" cy="1066800"/>
+          </a:xfrm>
+          <a:prstGeom prst="wedgeRoundRectCallout">
+            <a:avLst>
+              <a:gd name="adj1" fmla="val 104219"/>
+              <a:gd name="adj2" fmla="val 101009"/>
+              <a:gd name="adj3" fmla="val 16667"/>
+            </a:avLst>
+          </a:prstGeom>
+        </p:spPr>
+        <p:style>
+          <a:lnRef idx="2">
+            <a:schemeClr val="accent1">
+              <a:shade val="50000"/>
+            </a:schemeClr>
+          </a:lnRef>
+          <a:fillRef idx="1">
+            <a:schemeClr val="accent1"/>
+          </a:fillRef>
+          <a:effectRef idx="0">
+            <a:schemeClr val="accent1"/>
+          </a:effectRef>
+          <a:fontRef idx="minor">
+            <a:schemeClr val="lt1"/>
+          </a:fontRef>
+        </p:style>
+        <p:txBody>
+          <a:bodyPr lIns="0" tIns="0" rIns="0" bIns="0" rtlCol="0" anchor="ctr"/>
+          <a:lstStyle/>
+          <a:p>
+            <a:pPr algn="ctr"/>
+            <a:r>
+              <a:rPr lang="en-US" dirty="0" smtClean="0"/>
+              <a:t>Coherence Controller issues read snoops to ARM</a:t>
+            </a:r>
+            <a:endParaRPr lang="en-US" dirty="0"/>
+          </a:p>
+        </p:txBody>
+      </p:sp>
+      <p:sp>
+        <p:nvSpPr>
+          <p:cNvPr id="10" name="Freeform 9"/>
+          <p:cNvSpPr/>
+          <p:nvPr/>
+        </p:nvSpPr>
+        <p:spPr>
+          <a:xfrm>
+            <a:off x="3200401" y="3366052"/>
+            <a:ext cx="2362200" cy="1510748"/>
+          </a:xfrm>
+          <a:custGeom>
+            <a:avLst/>
+            <a:gdLst>
+              <a:gd name="connsiteX0" fmla="*/ 1442279 w 1442279"/>
+              <a:gd name="connsiteY0" fmla="*/ 1431235 h 1444487"/>
+              <a:gd name="connsiteX1" fmla="*/ 408609 w 1442279"/>
+              <a:gd name="connsiteY1" fmla="*/ 1364974 h 1444487"/>
+              <a:gd name="connsiteX2" fmla="*/ 64052 w 1442279"/>
+              <a:gd name="connsiteY2" fmla="*/ 954157 h 1444487"/>
+              <a:gd name="connsiteX3" fmla="*/ 24296 w 1442279"/>
+              <a:gd name="connsiteY3" fmla="*/ 0 h 1444487"/>
+            </a:gdLst>
+            <a:ahLst/>
+            <a:cxnLst>
+              <a:cxn ang="0">
+                <a:pos x="connsiteX0" y="connsiteY0"/>
+              </a:cxn>
+              <a:cxn ang="0">
+                <a:pos x="connsiteX1" y="connsiteY1"/>
+              </a:cxn>
+              <a:cxn ang="0">
+                <a:pos x="connsiteX2" y="connsiteY2"/>
+              </a:cxn>
+              <a:cxn ang="0">
+                <a:pos x="connsiteX3" y="connsiteY3"/>
+              </a:cxn>
+            </a:cxnLst>
+            <a:rect l="l" t="t" r="r" b="b"/>
+            <a:pathLst>
+              <a:path w="1442279" h="1444487">
+                <a:moveTo>
+                  <a:pt x="1442279" y="1431235"/>
+                </a:moveTo>
+                <a:cubicBezTo>
+                  <a:pt x="1040296" y="1437861"/>
+                  <a:pt x="638314" y="1444487"/>
+                  <a:pt x="408609" y="1364974"/>
+                </a:cubicBezTo>
+                <a:cubicBezTo>
+                  <a:pt x="178905" y="1285461"/>
+                  <a:pt x="128104" y="1181653"/>
+                  <a:pt x="64052" y="954157"/>
+                </a:cubicBezTo>
+                <a:cubicBezTo>
+                  <a:pt x="0" y="726661"/>
+                  <a:pt x="12148" y="363330"/>
+                  <a:pt x="24296" y="0"/>
+                </a:cubicBezTo>
+              </a:path>
+            </a:pathLst>
+          </a:custGeom>
+          <a:ln w="25400">
+            <a:solidFill>
+              <a:schemeClr val="tx1"/>
+            </a:solidFill>
+            <a:tailEnd type="triangle" w="lg" len="lg"/>
+          </a:ln>
+        </p:spPr>
+        <p:style>
+          <a:lnRef idx="1">
+            <a:schemeClr val="accent1"/>
+          </a:lnRef>
+          <a:fillRef idx="0">
+            <a:schemeClr val="accent1"/>
+          </a:fillRef>
+          <a:effectRef idx="0">
+            <a:schemeClr val="accent1"/>
+          </a:effectRef>
+          <a:fontRef idx="minor">
+            <a:schemeClr val="tx1"/>
+          </a:fontRef>
+        </p:style>
+        <p:txBody>
+          <a:bodyPr rtlCol="0" anchor="ctr"/>
+          <a:lstStyle/>
+          <a:p>
+            <a:pPr algn="ctr"/>
+            <a:endParaRPr lang="en-US"/>
+          </a:p>
+        </p:txBody>
+      </p:sp>
+      <p:sp>
+        <p:nvSpPr>
+          <p:cNvPr id="11" name="Oval 10"/>
+          <p:cNvSpPr/>
+          <p:nvPr/>
+        </p:nvSpPr>
+        <p:spPr>
+          <a:xfrm>
+            <a:off x="3276600" y="3657600"/>
+            <a:ext cx="457200" cy="381000"/>
+          </a:xfrm>
+          <a:prstGeom prst="ellipse">
+            <a:avLst/>
+          </a:prstGeom>
+          <a:solidFill>
+            <a:srgbClr val="FF0000"/>
+          </a:solidFill>
+        </p:spPr>
+        <p:style>
+          <a:lnRef idx="2">
+            <a:schemeClr val="accent1">
+              <a:shade val="50000"/>
+            </a:schemeClr>
+          </a:lnRef>
+          <a:fillRef idx="1">
+            <a:schemeClr val="accent1"/>
+          </a:fillRef>
+          <a:effectRef idx="0">
+            <a:schemeClr val="accent1"/>
+          </a:effectRef>
+          <a:fontRef idx="minor">
+            <a:schemeClr val="lt1"/>
+          </a:fontRef>
+        </p:style>
+        <p:txBody>
+          <a:bodyPr rtlCol="0" anchor="ctr"/>
+          <a:lstStyle/>
+          <a:p>
+            <a:pPr algn="ctr"/>
+            <a:r>
+              <a:rPr lang="en-US" b="1" dirty="0" smtClean="0">
+                <a:solidFill>
+                  <a:schemeClr val="bg1"/>
+                </a:solidFill>
+              </a:rPr>
+              <a:t>2</a:t>
+            </a:r>
+            <a:endParaRPr lang="en-US" b="1" dirty="0">
+              <a:solidFill>
+                <a:schemeClr val="bg1"/>
+              </a:solidFill>
+            </a:endParaRPr>
+          </a:p>
+        </p:txBody>
+      </p:sp>
+      <p:sp>
+        <p:nvSpPr>
+          <p:cNvPr id="12" name="Freeform 11"/>
+          <p:cNvSpPr/>
+          <p:nvPr/>
+        </p:nvSpPr>
+        <p:spPr>
+          <a:xfrm>
+            <a:off x="4412974" y="3379304"/>
+            <a:ext cx="1325217" cy="1457739"/>
+          </a:xfrm>
+          <a:custGeom>
+            <a:avLst/>
+            <a:gdLst>
+              <a:gd name="connsiteX0" fmla="*/ 0 w 1325217"/>
+              <a:gd name="connsiteY0" fmla="*/ 0 h 1457739"/>
+              <a:gd name="connsiteX1" fmla="*/ 265043 w 1325217"/>
+              <a:gd name="connsiteY1" fmla="*/ 463826 h 1457739"/>
+              <a:gd name="connsiteX2" fmla="*/ 1126435 w 1325217"/>
+              <a:gd name="connsiteY2" fmla="*/ 914400 h 1457739"/>
+              <a:gd name="connsiteX3" fmla="*/ 1325217 w 1325217"/>
+              <a:gd name="connsiteY3" fmla="*/ 1457739 h 1457739"/>
+            </a:gdLst>
+            <a:ahLst/>
+            <a:cxnLst>
+              <a:cxn ang="0">
+                <a:pos x="connsiteX0" y="connsiteY0"/>
+              </a:cxn>
+              <a:cxn ang="0">
+                <a:pos x="connsiteX1" y="connsiteY1"/>
+              </a:cxn>
+              <a:cxn ang="0">
+                <a:pos x="connsiteX2" y="connsiteY2"/>
+              </a:cxn>
+              <a:cxn ang="0">
+                <a:pos x="connsiteX3" y="connsiteY3"/>
+              </a:cxn>
+            </a:cxnLst>
+            <a:rect l="l" t="t" r="r" b="b"/>
+            <a:pathLst>
+              <a:path w="1325217" h="1457739">
+                <a:moveTo>
+                  <a:pt x="0" y="0"/>
+                </a:moveTo>
+                <a:cubicBezTo>
+                  <a:pt x="38652" y="155713"/>
+                  <a:pt x="77304" y="311426"/>
+                  <a:pt x="265043" y="463826"/>
+                </a:cubicBezTo>
+                <a:cubicBezTo>
+                  <a:pt x="452782" y="616226"/>
+                  <a:pt x="949739" y="748748"/>
+                  <a:pt x="1126435" y="914400"/>
+                </a:cubicBezTo>
+                <a:cubicBezTo>
+                  <a:pt x="1303131" y="1080052"/>
+                  <a:pt x="1314174" y="1268895"/>
+                  <a:pt x="1325217" y="1457739"/>
+                </a:cubicBezTo>
+              </a:path>
+            </a:pathLst>
+          </a:custGeom>
+          <a:ln w="25400">
+            <a:solidFill>
+              <a:schemeClr val="tx1"/>
+            </a:solidFill>
+            <a:tailEnd type="triangle" w="lg" len="lg"/>
+          </a:ln>
+        </p:spPr>
+        <p:style>
+          <a:lnRef idx="1">
+            <a:schemeClr val="accent1"/>
+          </a:lnRef>
+          <a:fillRef idx="0">
+            <a:schemeClr val="accent1"/>
+          </a:fillRef>
+          <a:effectRef idx="0">
+            <a:schemeClr val="accent1"/>
+          </a:effectRef>
+          <a:fontRef idx="minor">
+            <a:schemeClr val="tx1"/>
+          </a:fontRef>
+        </p:style>
+        <p:txBody>
+          <a:bodyPr rtlCol="0" anchor="ctr"/>
+          <a:lstStyle/>
+          <a:p>
+            <a:pPr algn="ctr"/>
+            <a:endParaRPr lang="en-US"/>
+          </a:p>
+        </p:txBody>
+      </p:sp>
+      <p:sp>
+        <p:nvSpPr>
+          <p:cNvPr id="13" name="Oval 12"/>
+          <p:cNvSpPr/>
+          <p:nvPr/>
+        </p:nvSpPr>
+        <p:spPr>
+          <a:xfrm>
+            <a:off x="4572000" y="3429000"/>
+            <a:ext cx="457200" cy="381000"/>
+          </a:xfrm>
+          <a:prstGeom prst="ellipse">
+            <a:avLst/>
+          </a:prstGeom>
+          <a:solidFill>
+            <a:srgbClr val="FF0000"/>
+          </a:solidFill>
+        </p:spPr>
+        <p:style>
+          <a:lnRef idx="2">
+            <a:schemeClr val="accent1">
+              <a:shade val="50000"/>
+            </a:schemeClr>
+          </a:lnRef>
+          <a:fillRef idx="1">
+            <a:schemeClr val="accent1"/>
+          </a:fillRef>
+          <a:effectRef idx="0">
+            <a:schemeClr val="accent1"/>
+          </a:effectRef>
+          <a:fontRef idx="minor">
+            <a:schemeClr val="lt1"/>
+          </a:fontRef>
+        </p:style>
+        <p:txBody>
+          <a:bodyPr rtlCol="0" anchor="ctr"/>
+          <a:lstStyle/>
+          <a:p>
+            <a:pPr algn="ctr"/>
+            <a:r>
+              <a:rPr lang="en-US" b="1" dirty="0" smtClean="0">
+                <a:solidFill>
+                  <a:schemeClr val="bg1"/>
+                </a:solidFill>
+              </a:rPr>
+              <a:t>3</a:t>
+            </a:r>
+            <a:endParaRPr lang="en-US" b="1" dirty="0">
+              <a:solidFill>
+                <a:schemeClr val="bg1"/>
+              </a:solidFill>
+            </a:endParaRPr>
+          </a:p>
+        </p:txBody>
+      </p:sp>
+      <p:sp>
+        <p:nvSpPr>
+          <p:cNvPr id="14" name="Rounded Rectangular Callout 13"/>
+          <p:cNvSpPr/>
+          <p:nvPr/>
+        </p:nvSpPr>
+        <p:spPr>
+          <a:xfrm>
+            <a:off x="6629400" y="2209800"/>
+            <a:ext cx="1143000" cy="762000"/>
+          </a:xfrm>
+          <a:prstGeom prst="wedgeRoundRectCallout">
+            <a:avLst>
+              <a:gd name="adj1" fmla="val -200211"/>
+              <a:gd name="adj2" fmla="val 177779"/>
+              <a:gd name="adj3" fmla="val 16667"/>
+            </a:avLst>
+          </a:prstGeom>
+        </p:spPr>
+        <p:style>
+          <a:lnRef idx="2">
+            <a:schemeClr val="accent1">
+              <a:shade val="50000"/>
+            </a:schemeClr>
+          </a:lnRef>
+          <a:fillRef idx="1">
+            <a:schemeClr val="accent1"/>
+          </a:fillRef>
+          <a:effectRef idx="0">
+            <a:schemeClr val="accent1"/>
+          </a:effectRef>
+          <a:fontRef idx="minor">
+            <a:schemeClr val="lt1"/>
+          </a:fontRef>
+        </p:style>
+        <p:txBody>
+          <a:bodyPr lIns="0" tIns="0" rIns="0" bIns="0" rtlCol="0" anchor="ctr"/>
+          <a:lstStyle/>
+          <a:p>
+            <a:pPr algn="ctr"/>
+            <a:r>
+              <a:rPr lang="en-US" dirty="0" smtClean="0"/>
+              <a:t>ARM evicts updated data</a:t>
+            </a:r>
+            <a:endParaRPr lang="en-US" dirty="0"/>
+          </a:p>
+        </p:txBody>
+      </p:sp>
+    </p:spTree>
+  </p:cSld>
+  <p:clrMapOvr>
+    <a:masterClrMapping/>
+  </p:clrMapOvr>
+  <p:timing>
+    <p:tnLst>
+      <p:par>
+        <p:cTn id="1" dur="indefinite" restart="never" nodeType="tmRoot"/>
+      </p:par>
+    </p:tnLst>
+  </p:timing>
+</p:sld>
+</file>
+
+<file path=ppt/slides/slide32.xml><?xml version="1.0" encoding="utf-8"?>
+<p:sld xmlns:a="http://schemas.openxmlformats.org/drawingml/2006/main" xmlns:r="http://schemas.openxmlformats.org/officeDocument/2006/relationships" xmlns:p="http://schemas.openxmlformats.org/presentationml/2006/main">
+  <p:cSld>
+    <p:spTree>
+      <p:nvGrpSpPr>
+        <p:cNvPr id="1" name=""/>
+        <p:cNvGrpSpPr/>
+        <p:nvPr/>
+      </p:nvGrpSpPr>
+      <p:grpSpPr>
+        <a:xfrm>
+          <a:off x="0" y="0"/>
+          <a:ext cx="0" cy="0"/>
+          <a:chOff x="0" y="0"/>
+          <a:chExt cx="0" cy="0"/>
+        </a:xfrm>
+      </p:grpSpPr>
+      <p:sp>
+        <p:nvSpPr>
+          <p:cNvPr id="4" name="Title 3"/>
+          <p:cNvSpPr>
+            <a:spLocks noGrp="1"/>
+          </p:cNvSpPr>
+          <p:nvPr>
+            <p:ph type="title"/>
+          </p:nvPr>
+        </p:nvSpPr>
+        <p:spPr/>
+        <p:txBody>
+          <a:bodyPr>
+            <a:noAutofit/>
+          </a:bodyPr>
+          <a:lstStyle/>
+          <a:p>
+            <a:r>
+              <a:rPr lang="en-US" sz="3200" dirty="0" smtClean="0"/>
+              <a:t>Keystone </a:t>
+            </a:r>
+            <a:r>
+              <a:rPr lang="en-US" sz="3200" dirty="0" err="1" smtClean="0"/>
+              <a:t>ll</a:t>
+            </a:r>
+            <a:r>
+              <a:rPr lang="en-US" sz="3200" dirty="0" smtClean="0"/>
+              <a:t>: ARM - IO Coherency</a:t>
+            </a:r>
+            <a:br>
+              <a:rPr lang="en-US" sz="3200" dirty="0" smtClean="0"/>
+            </a:br>
+            <a:r>
+              <a:rPr lang="en-US" sz="3200" dirty="0" smtClean="0"/>
+              <a:t>External Read to Shared Memory (MSM/DDR)</a:t>
+            </a:r>
+            <a:endParaRPr lang="en-US" sz="3200" dirty="0"/>
+          </a:p>
+        </p:txBody>
+      </p:sp>
+      <p:pic>
+        <p:nvPicPr>
+          <p:cNvPr id="55303" name="Picture 7"/>
+          <p:cNvPicPr>
+            <a:picLocks noChangeAspect="1" noChangeArrowheads="1"/>
+          </p:cNvPicPr>
+          <p:nvPr/>
+        </p:nvPicPr>
+        <p:blipFill>
+          <a:blip r:embed="rId2" cstate="print"/>
+          <a:srcRect/>
+          <a:stretch>
+            <a:fillRect/>
+          </a:stretch>
+        </p:blipFill>
+        <p:spPr bwMode="auto">
+          <a:xfrm>
+            <a:off x="457200" y="1462087"/>
+            <a:ext cx="8458200" cy="5014913"/>
+          </a:xfrm>
+          <a:prstGeom prst="rect">
+            <a:avLst/>
+          </a:prstGeom>
+          <a:noFill/>
+          <a:ln w="9525">
+            <a:noFill/>
+            <a:miter lim="800000"/>
+            <a:headEnd/>
+            <a:tailEnd/>
+          </a:ln>
+        </p:spPr>
+      </p:pic>
+      <p:sp>
+        <p:nvSpPr>
+          <p:cNvPr id="5" name="Freeform 4"/>
+          <p:cNvSpPr/>
+          <p:nvPr/>
+        </p:nvSpPr>
+        <p:spPr>
+          <a:xfrm>
+            <a:off x="1656522" y="4006574"/>
+            <a:ext cx="4081669" cy="384313"/>
+          </a:xfrm>
+          <a:custGeom>
+            <a:avLst/>
+            <a:gdLst>
+              <a:gd name="connsiteX0" fmla="*/ 0 w 4081669"/>
+              <a:gd name="connsiteY0" fmla="*/ 379896 h 384313"/>
+              <a:gd name="connsiteX1" fmla="*/ 1868556 w 4081669"/>
+              <a:gd name="connsiteY1" fmla="*/ 326887 h 384313"/>
+              <a:gd name="connsiteX2" fmla="*/ 2981739 w 4081669"/>
+              <a:gd name="connsiteY2" fmla="*/ 35339 h 384313"/>
+              <a:gd name="connsiteX3" fmla="*/ 4081669 w 4081669"/>
+              <a:gd name="connsiteY3" fmla="*/ 114852 h 384313"/>
+            </a:gdLst>
+            <a:ahLst/>
+            <a:cxnLst>
+              <a:cxn ang="0">
+                <a:pos x="connsiteX0" y="connsiteY0"/>
+              </a:cxn>
+              <a:cxn ang="0">
+                <a:pos x="connsiteX1" y="connsiteY1"/>
+              </a:cxn>
+              <a:cxn ang="0">
+                <a:pos x="connsiteX2" y="connsiteY2"/>
+              </a:cxn>
+              <a:cxn ang="0">
+                <a:pos x="connsiteX3" y="connsiteY3"/>
+              </a:cxn>
+            </a:cxnLst>
+            <a:rect l="l" t="t" r="r" b="b"/>
+            <a:pathLst>
+              <a:path w="4081669" h="384313">
+                <a:moveTo>
+                  <a:pt x="0" y="379896"/>
+                </a:moveTo>
+                <a:cubicBezTo>
+                  <a:pt x="685800" y="382104"/>
+                  <a:pt x="1371600" y="384313"/>
+                  <a:pt x="1868556" y="326887"/>
+                </a:cubicBezTo>
+                <a:cubicBezTo>
+                  <a:pt x="2365513" y="269461"/>
+                  <a:pt x="2612887" y="70678"/>
+                  <a:pt x="2981739" y="35339"/>
+                </a:cubicBezTo>
+                <a:cubicBezTo>
+                  <a:pt x="3350591" y="0"/>
+                  <a:pt x="3716130" y="57426"/>
+                  <a:pt x="4081669" y="114852"/>
+                </a:cubicBezTo>
+              </a:path>
+            </a:pathLst>
+          </a:custGeom>
+          <a:ln w="25400">
+            <a:solidFill>
+              <a:schemeClr val="tx1"/>
+            </a:solidFill>
+            <a:tailEnd type="triangle" w="lg" len="lg"/>
+          </a:ln>
+        </p:spPr>
+        <p:style>
+          <a:lnRef idx="1">
+            <a:schemeClr val="accent1"/>
+          </a:lnRef>
+          <a:fillRef idx="0">
+            <a:schemeClr val="accent1"/>
+          </a:fillRef>
+          <a:effectRef idx="0">
+            <a:schemeClr val="accent1"/>
+          </a:effectRef>
+          <a:fontRef idx="minor">
+            <a:schemeClr val="tx1"/>
+          </a:fontRef>
+        </p:style>
+        <p:txBody>
+          <a:bodyPr rtlCol="0" anchor="ctr"/>
+          <a:lstStyle/>
+          <a:p>
+            <a:pPr algn="ctr"/>
+            <a:endParaRPr lang="en-US"/>
+          </a:p>
+        </p:txBody>
+      </p:sp>
+      <p:sp>
+        <p:nvSpPr>
+          <p:cNvPr id="6" name="Oval 5"/>
+          <p:cNvSpPr/>
+          <p:nvPr/>
+        </p:nvSpPr>
+        <p:spPr>
+          <a:xfrm>
+            <a:off x="1752600" y="3962400"/>
+            <a:ext cx="457200" cy="381000"/>
+          </a:xfrm>
+          <a:prstGeom prst="ellipse">
+            <a:avLst/>
+          </a:prstGeom>
+          <a:solidFill>
+            <a:srgbClr val="FF0000"/>
+          </a:solidFill>
+        </p:spPr>
+        <p:style>
+          <a:lnRef idx="2">
+            <a:schemeClr val="accent1">
+              <a:shade val="50000"/>
+            </a:schemeClr>
+          </a:lnRef>
+          <a:fillRef idx="1">
+            <a:schemeClr val="accent1"/>
+          </a:fillRef>
+          <a:effectRef idx="0">
+            <a:schemeClr val="accent1"/>
+          </a:effectRef>
+          <a:fontRef idx="minor">
+            <a:schemeClr val="lt1"/>
+          </a:fontRef>
+        </p:style>
+        <p:txBody>
+          <a:bodyPr rtlCol="0" anchor="ctr"/>
+          <a:lstStyle/>
+          <a:p>
+            <a:pPr algn="ctr"/>
+            <a:r>
+              <a:rPr lang="en-US" b="1" dirty="0" smtClean="0">
+                <a:solidFill>
+                  <a:schemeClr val="bg1"/>
+                </a:solidFill>
+              </a:rPr>
+              <a:t>1</a:t>
+            </a:r>
+            <a:endParaRPr lang="en-US" b="1" dirty="0">
+              <a:solidFill>
+                <a:schemeClr val="bg1"/>
+              </a:solidFill>
+            </a:endParaRPr>
+          </a:p>
+        </p:txBody>
+      </p:sp>
+      <p:sp>
+        <p:nvSpPr>
+          <p:cNvPr id="8" name="Rounded Rectangular Callout 7"/>
+          <p:cNvSpPr/>
+          <p:nvPr/>
+        </p:nvSpPr>
+        <p:spPr>
+          <a:xfrm>
+            <a:off x="457200" y="5486400"/>
+            <a:ext cx="1600200" cy="1066800"/>
+          </a:xfrm>
+          <a:prstGeom prst="wedgeRoundRectCallout">
+            <a:avLst>
+              <a:gd name="adj1" fmla="val 52045"/>
+              <a:gd name="adj2" fmla="val -153650"/>
+              <a:gd name="adj3" fmla="val 16667"/>
+            </a:avLst>
+          </a:prstGeom>
+        </p:spPr>
+        <p:style>
+          <a:lnRef idx="2">
+            <a:schemeClr val="accent1">
+              <a:shade val="50000"/>
+            </a:schemeClr>
+          </a:lnRef>
+          <a:fillRef idx="1">
+            <a:schemeClr val="accent1"/>
+          </a:fillRef>
+          <a:effectRef idx="0">
+            <a:schemeClr val="accent1"/>
+          </a:effectRef>
+          <a:fontRef idx="minor">
+            <a:schemeClr val="lt1"/>
+          </a:fontRef>
+        </p:style>
+        <p:txBody>
+          <a:bodyPr lIns="0" tIns="0" rIns="0" bIns="0" rtlCol="0" anchor="ctr"/>
+          <a:lstStyle/>
+          <a:p>
+            <a:pPr algn="ctr"/>
+            <a:r>
+              <a:rPr lang="en-US" sz="2000" dirty="0" smtClean="0"/>
+              <a:t>EDMA issues read to shared SRAM</a:t>
+            </a:r>
+            <a:endParaRPr lang="en-US" sz="2000" dirty="0"/>
+          </a:p>
+        </p:txBody>
+      </p:sp>
+      <p:sp>
+        <p:nvSpPr>
+          <p:cNvPr id="9" name="Rounded Rectangular Callout 8"/>
+          <p:cNvSpPr/>
+          <p:nvPr/>
+        </p:nvSpPr>
+        <p:spPr>
+          <a:xfrm>
+            <a:off x="685800" y="2133600"/>
+            <a:ext cx="1600200" cy="1066800"/>
+          </a:xfrm>
+          <a:prstGeom prst="wedgeRoundRectCallout">
+            <a:avLst>
+              <a:gd name="adj1" fmla="val 104219"/>
+              <a:gd name="adj2" fmla="val 101009"/>
+              <a:gd name="adj3" fmla="val 16667"/>
+            </a:avLst>
+          </a:prstGeom>
+        </p:spPr>
+        <p:style>
+          <a:lnRef idx="2">
+            <a:schemeClr val="accent1">
+              <a:shade val="50000"/>
+            </a:schemeClr>
+          </a:lnRef>
+          <a:fillRef idx="1">
+            <a:schemeClr val="accent1"/>
+          </a:fillRef>
+          <a:effectRef idx="0">
+            <a:schemeClr val="accent1"/>
+          </a:effectRef>
+          <a:fontRef idx="minor">
+            <a:schemeClr val="lt1"/>
+          </a:fontRef>
+        </p:style>
+        <p:txBody>
+          <a:bodyPr lIns="0" tIns="0" rIns="0" bIns="0" rtlCol="0" anchor="ctr"/>
+          <a:lstStyle/>
+          <a:p>
+            <a:pPr algn="ctr"/>
+            <a:r>
+              <a:rPr lang="en-US" dirty="0" smtClean="0"/>
+              <a:t>Coherence Controller issues read snoops to ARM</a:t>
+            </a:r>
+            <a:endParaRPr lang="en-US" dirty="0"/>
+          </a:p>
+        </p:txBody>
+      </p:sp>
+      <p:sp>
+        <p:nvSpPr>
+          <p:cNvPr id="10" name="Freeform 9"/>
+          <p:cNvSpPr/>
+          <p:nvPr/>
+        </p:nvSpPr>
+        <p:spPr>
+          <a:xfrm>
+            <a:off x="3200401" y="3366052"/>
+            <a:ext cx="2362200" cy="1510748"/>
+          </a:xfrm>
+          <a:custGeom>
+            <a:avLst/>
+            <a:gdLst>
+              <a:gd name="connsiteX0" fmla="*/ 1442279 w 1442279"/>
+              <a:gd name="connsiteY0" fmla="*/ 1431235 h 1444487"/>
+              <a:gd name="connsiteX1" fmla="*/ 408609 w 1442279"/>
+              <a:gd name="connsiteY1" fmla="*/ 1364974 h 1444487"/>
+              <a:gd name="connsiteX2" fmla="*/ 64052 w 1442279"/>
+              <a:gd name="connsiteY2" fmla="*/ 954157 h 1444487"/>
+              <a:gd name="connsiteX3" fmla="*/ 24296 w 1442279"/>
+              <a:gd name="connsiteY3" fmla="*/ 0 h 1444487"/>
+            </a:gdLst>
+            <a:ahLst/>
+            <a:cxnLst>
+              <a:cxn ang="0">
+                <a:pos x="connsiteX0" y="connsiteY0"/>
+              </a:cxn>
+              <a:cxn ang="0">
+                <a:pos x="connsiteX1" y="connsiteY1"/>
+              </a:cxn>
+              <a:cxn ang="0">
+                <a:pos x="connsiteX2" y="connsiteY2"/>
+              </a:cxn>
+              <a:cxn ang="0">
+                <a:pos x="connsiteX3" y="connsiteY3"/>
+              </a:cxn>
+            </a:cxnLst>
+            <a:rect l="l" t="t" r="r" b="b"/>
+            <a:pathLst>
+              <a:path w="1442279" h="1444487">
+                <a:moveTo>
+                  <a:pt x="1442279" y="1431235"/>
+                </a:moveTo>
+                <a:cubicBezTo>
+                  <a:pt x="1040296" y="1437861"/>
+                  <a:pt x="638314" y="1444487"/>
+                  <a:pt x="408609" y="1364974"/>
+                </a:cubicBezTo>
+                <a:cubicBezTo>
+                  <a:pt x="178905" y="1285461"/>
+                  <a:pt x="128104" y="1181653"/>
+                  <a:pt x="64052" y="954157"/>
+                </a:cubicBezTo>
+                <a:cubicBezTo>
+                  <a:pt x="0" y="726661"/>
+                  <a:pt x="12148" y="363330"/>
+                  <a:pt x="24296" y="0"/>
+                </a:cubicBezTo>
+              </a:path>
+            </a:pathLst>
+          </a:custGeom>
+          <a:ln w="25400">
+            <a:solidFill>
+              <a:schemeClr val="tx1"/>
+            </a:solidFill>
+            <a:tailEnd type="triangle" w="lg" len="lg"/>
+          </a:ln>
+        </p:spPr>
+        <p:style>
+          <a:lnRef idx="1">
+            <a:schemeClr val="accent1"/>
+          </a:lnRef>
+          <a:fillRef idx="0">
+            <a:schemeClr val="accent1"/>
+          </a:fillRef>
+          <a:effectRef idx="0">
+            <a:schemeClr val="accent1"/>
+          </a:effectRef>
+          <a:fontRef idx="minor">
+            <a:schemeClr val="tx1"/>
+          </a:fontRef>
+        </p:style>
+        <p:txBody>
+          <a:bodyPr rtlCol="0" anchor="ctr"/>
+          <a:lstStyle/>
+          <a:p>
+            <a:pPr algn="ctr"/>
+            <a:endParaRPr lang="en-US"/>
+          </a:p>
+        </p:txBody>
+      </p:sp>
+      <p:sp>
+        <p:nvSpPr>
+          <p:cNvPr id="11" name="Oval 10"/>
+          <p:cNvSpPr/>
+          <p:nvPr/>
+        </p:nvSpPr>
+        <p:spPr>
+          <a:xfrm>
+            <a:off x="3276600" y="3657600"/>
+            <a:ext cx="457200" cy="381000"/>
+          </a:xfrm>
+          <a:prstGeom prst="ellipse">
+            <a:avLst/>
+          </a:prstGeom>
+          <a:solidFill>
+            <a:srgbClr val="FF0000"/>
+          </a:solidFill>
+        </p:spPr>
+        <p:style>
+          <a:lnRef idx="2">
+            <a:schemeClr val="accent1">
+              <a:shade val="50000"/>
+            </a:schemeClr>
+          </a:lnRef>
+          <a:fillRef idx="1">
+            <a:schemeClr val="accent1"/>
+          </a:fillRef>
+          <a:effectRef idx="0">
+            <a:schemeClr val="accent1"/>
+          </a:effectRef>
+          <a:fontRef idx="minor">
+            <a:schemeClr val="lt1"/>
+          </a:fontRef>
+        </p:style>
+        <p:txBody>
+          <a:bodyPr rtlCol="0" anchor="ctr"/>
+          <a:lstStyle/>
+          <a:p>
+            <a:pPr algn="ctr"/>
+            <a:r>
+              <a:rPr lang="en-US" b="1" dirty="0" smtClean="0">
+                <a:solidFill>
+                  <a:schemeClr val="bg1"/>
+                </a:solidFill>
+              </a:rPr>
+              <a:t>2</a:t>
+            </a:r>
+            <a:endParaRPr lang="en-US" b="1" dirty="0">
+              <a:solidFill>
+                <a:schemeClr val="bg1"/>
+              </a:solidFill>
+            </a:endParaRPr>
+          </a:p>
+        </p:txBody>
+      </p:sp>
+      <p:sp>
+        <p:nvSpPr>
+          <p:cNvPr id="12" name="Freeform 11"/>
+          <p:cNvSpPr/>
+          <p:nvPr/>
+        </p:nvSpPr>
+        <p:spPr>
+          <a:xfrm>
+            <a:off x="4412974" y="3379304"/>
+            <a:ext cx="1325217" cy="1457739"/>
+          </a:xfrm>
+          <a:custGeom>
+            <a:avLst/>
+            <a:gdLst>
+              <a:gd name="connsiteX0" fmla="*/ 0 w 1325217"/>
+              <a:gd name="connsiteY0" fmla="*/ 0 h 1457739"/>
+              <a:gd name="connsiteX1" fmla="*/ 265043 w 1325217"/>
+              <a:gd name="connsiteY1" fmla="*/ 463826 h 1457739"/>
+              <a:gd name="connsiteX2" fmla="*/ 1126435 w 1325217"/>
+              <a:gd name="connsiteY2" fmla="*/ 914400 h 1457739"/>
+              <a:gd name="connsiteX3" fmla="*/ 1325217 w 1325217"/>
+              <a:gd name="connsiteY3" fmla="*/ 1457739 h 1457739"/>
+            </a:gdLst>
+            <a:ahLst/>
+            <a:cxnLst>
+              <a:cxn ang="0">
+                <a:pos x="connsiteX0" y="connsiteY0"/>
+              </a:cxn>
+              <a:cxn ang="0">
+                <a:pos x="connsiteX1" y="connsiteY1"/>
+              </a:cxn>
+              <a:cxn ang="0">
+                <a:pos x="connsiteX2" y="connsiteY2"/>
+              </a:cxn>
+              <a:cxn ang="0">
+                <a:pos x="connsiteX3" y="connsiteY3"/>
+              </a:cxn>
+            </a:cxnLst>
+            <a:rect l="l" t="t" r="r" b="b"/>
+            <a:pathLst>
+              <a:path w="1325217" h="1457739">
+                <a:moveTo>
+                  <a:pt x="0" y="0"/>
+                </a:moveTo>
+                <a:cubicBezTo>
+                  <a:pt x="38652" y="155713"/>
+                  <a:pt x="77304" y="311426"/>
+                  <a:pt x="265043" y="463826"/>
+                </a:cubicBezTo>
+                <a:cubicBezTo>
+                  <a:pt x="452782" y="616226"/>
+                  <a:pt x="949739" y="748748"/>
+                  <a:pt x="1126435" y="914400"/>
+                </a:cubicBezTo>
+                <a:cubicBezTo>
+                  <a:pt x="1303131" y="1080052"/>
+                  <a:pt x="1314174" y="1268895"/>
+                  <a:pt x="1325217" y="1457739"/>
+                </a:cubicBezTo>
+              </a:path>
+            </a:pathLst>
+          </a:custGeom>
+          <a:ln w="25400">
+            <a:solidFill>
+              <a:schemeClr val="tx1"/>
+            </a:solidFill>
+            <a:tailEnd type="triangle" w="lg" len="lg"/>
+          </a:ln>
+        </p:spPr>
+        <p:style>
+          <a:lnRef idx="1">
+            <a:schemeClr val="accent1"/>
+          </a:lnRef>
+          <a:fillRef idx="0">
+            <a:schemeClr val="accent1"/>
+          </a:fillRef>
+          <a:effectRef idx="0">
+            <a:schemeClr val="accent1"/>
+          </a:effectRef>
+          <a:fontRef idx="minor">
+            <a:schemeClr val="tx1"/>
+          </a:fontRef>
+        </p:style>
+        <p:txBody>
+          <a:bodyPr rtlCol="0" anchor="ctr"/>
+          <a:lstStyle/>
+          <a:p>
+            <a:pPr algn="ctr"/>
+            <a:endParaRPr lang="en-US"/>
+          </a:p>
+        </p:txBody>
+      </p:sp>
+      <p:sp>
+        <p:nvSpPr>
+          <p:cNvPr id="13" name="Oval 12"/>
+          <p:cNvSpPr/>
+          <p:nvPr/>
+        </p:nvSpPr>
+        <p:spPr>
+          <a:xfrm>
+            <a:off x="4572000" y="3429000"/>
+            <a:ext cx="457200" cy="381000"/>
+          </a:xfrm>
+          <a:prstGeom prst="ellipse">
+            <a:avLst/>
+          </a:prstGeom>
+          <a:solidFill>
+            <a:srgbClr val="FF0000"/>
+          </a:solidFill>
+        </p:spPr>
+        <p:style>
+          <a:lnRef idx="2">
+            <a:schemeClr val="accent1">
+              <a:shade val="50000"/>
+            </a:schemeClr>
+          </a:lnRef>
+          <a:fillRef idx="1">
+            <a:schemeClr val="accent1"/>
+          </a:fillRef>
+          <a:effectRef idx="0">
+            <a:schemeClr val="accent1"/>
+          </a:effectRef>
+          <a:fontRef idx="minor">
+            <a:schemeClr val="lt1"/>
+          </a:fontRef>
+        </p:style>
+        <p:txBody>
+          <a:bodyPr rtlCol="0" anchor="ctr"/>
+          <a:lstStyle/>
+          <a:p>
+            <a:pPr algn="ctr"/>
+            <a:r>
+              <a:rPr lang="en-US" b="1" dirty="0" smtClean="0">
+                <a:solidFill>
+                  <a:schemeClr val="bg1"/>
+                </a:solidFill>
+              </a:rPr>
+              <a:t>3</a:t>
+            </a:r>
+            <a:endParaRPr lang="en-US" b="1" dirty="0">
+              <a:solidFill>
+                <a:schemeClr val="bg1"/>
+              </a:solidFill>
+            </a:endParaRPr>
+          </a:p>
+        </p:txBody>
+      </p:sp>
+      <p:sp>
+        <p:nvSpPr>
+          <p:cNvPr id="14" name="Rounded Rectangular Callout 13"/>
+          <p:cNvSpPr/>
+          <p:nvPr/>
+        </p:nvSpPr>
+        <p:spPr>
+          <a:xfrm>
+            <a:off x="6629400" y="2209800"/>
+            <a:ext cx="1143000" cy="762000"/>
+          </a:xfrm>
+          <a:prstGeom prst="wedgeRoundRectCallout">
+            <a:avLst>
+              <a:gd name="adj1" fmla="val -200211"/>
+              <a:gd name="adj2" fmla="val 177779"/>
+              <a:gd name="adj3" fmla="val 16667"/>
+            </a:avLst>
+          </a:prstGeom>
+        </p:spPr>
+        <p:style>
+          <a:lnRef idx="2">
+            <a:schemeClr val="accent1">
+              <a:shade val="50000"/>
+            </a:schemeClr>
+          </a:lnRef>
+          <a:fillRef idx="1">
+            <a:schemeClr val="accent1"/>
+          </a:fillRef>
+          <a:effectRef idx="0">
+            <a:schemeClr val="accent1"/>
+          </a:effectRef>
+          <a:fontRef idx="minor">
+            <a:schemeClr val="lt1"/>
+          </a:fontRef>
+        </p:style>
+        <p:txBody>
+          <a:bodyPr lIns="0" tIns="0" rIns="0" bIns="0" rtlCol="0" anchor="ctr"/>
+          <a:lstStyle/>
+          <a:p>
+            <a:pPr algn="ctr"/>
+            <a:r>
+              <a:rPr lang="en-US" dirty="0" smtClean="0"/>
+              <a:t>ARM evicts updated data</a:t>
+            </a:r>
+            <a:endParaRPr lang="en-US" dirty="0"/>
+          </a:p>
+        </p:txBody>
+      </p:sp>
+      <p:sp>
+        <p:nvSpPr>
+          <p:cNvPr id="15" name="Freeform 14"/>
+          <p:cNvSpPr/>
+          <p:nvPr/>
+        </p:nvSpPr>
+        <p:spPr>
+          <a:xfrm>
+            <a:off x="1696278" y="4485860"/>
+            <a:ext cx="4035288" cy="324679"/>
+          </a:xfrm>
+          <a:custGeom>
+            <a:avLst/>
+            <a:gdLst>
+              <a:gd name="connsiteX0" fmla="*/ 3935896 w 4035288"/>
+              <a:gd name="connsiteY0" fmla="*/ 324679 h 324679"/>
+              <a:gd name="connsiteX1" fmla="*/ 3379305 w 4035288"/>
+              <a:gd name="connsiteY1" fmla="*/ 46383 h 324679"/>
+              <a:gd name="connsiteX2" fmla="*/ 0 w 4035288"/>
+              <a:gd name="connsiteY2" fmla="*/ 46383 h 324679"/>
+            </a:gdLst>
+            <a:ahLst/>
+            <a:cxnLst>
+              <a:cxn ang="0">
+                <a:pos x="connsiteX0" y="connsiteY0"/>
+              </a:cxn>
+              <a:cxn ang="0">
+                <a:pos x="connsiteX1" y="connsiteY1"/>
+              </a:cxn>
+              <a:cxn ang="0">
+                <a:pos x="connsiteX2" y="connsiteY2"/>
+              </a:cxn>
+            </a:cxnLst>
+            <a:rect l="l" t="t" r="r" b="b"/>
+            <a:pathLst>
+              <a:path w="4035288" h="324679">
+                <a:moveTo>
+                  <a:pt x="3935896" y="324679"/>
+                </a:moveTo>
+                <a:cubicBezTo>
+                  <a:pt x="3985592" y="208722"/>
+                  <a:pt x="4035288" y="92766"/>
+                  <a:pt x="3379305" y="46383"/>
+                </a:cubicBezTo>
+                <a:cubicBezTo>
+                  <a:pt x="2723322" y="0"/>
+                  <a:pt x="1361661" y="23191"/>
+                  <a:pt x="0" y="46383"/>
+                </a:cubicBezTo>
+              </a:path>
+            </a:pathLst>
+          </a:custGeom>
+          <a:ln w="25400">
+            <a:solidFill>
+              <a:schemeClr val="tx1"/>
+            </a:solidFill>
+            <a:tailEnd type="triangle" w="lg" len="lg"/>
+          </a:ln>
+        </p:spPr>
+        <p:style>
+          <a:lnRef idx="1">
+            <a:schemeClr val="accent1"/>
+          </a:lnRef>
+          <a:fillRef idx="0">
+            <a:schemeClr val="accent1"/>
+          </a:fillRef>
+          <a:effectRef idx="0">
+            <a:schemeClr val="accent1"/>
+          </a:effectRef>
+          <a:fontRef idx="minor">
+            <a:schemeClr val="tx1"/>
+          </a:fontRef>
+        </p:style>
+        <p:txBody>
+          <a:bodyPr rtlCol="0" anchor="ctr"/>
+          <a:lstStyle/>
+          <a:p>
+            <a:pPr algn="ctr"/>
+            <a:endParaRPr lang="en-US"/>
+          </a:p>
+        </p:txBody>
+      </p:sp>
+      <p:sp>
+        <p:nvSpPr>
+          <p:cNvPr id="16" name="Oval 15"/>
+          <p:cNvSpPr/>
+          <p:nvPr/>
+        </p:nvSpPr>
+        <p:spPr>
+          <a:xfrm>
+            <a:off x="3733800" y="4419600"/>
+            <a:ext cx="457200" cy="381000"/>
+          </a:xfrm>
+          <a:prstGeom prst="ellipse">
+            <a:avLst/>
+          </a:prstGeom>
+          <a:solidFill>
+            <a:srgbClr val="FF0000"/>
+          </a:solidFill>
+        </p:spPr>
+        <p:style>
+          <a:lnRef idx="2">
+            <a:schemeClr val="accent1">
+              <a:shade val="50000"/>
+            </a:schemeClr>
+          </a:lnRef>
+          <a:fillRef idx="1">
+            <a:schemeClr val="accent1"/>
+          </a:fillRef>
+          <a:effectRef idx="0">
+            <a:schemeClr val="accent1"/>
+          </a:effectRef>
+          <a:fontRef idx="minor">
+            <a:schemeClr val="lt1"/>
+          </a:fontRef>
+        </p:style>
+        <p:txBody>
+          <a:bodyPr rtlCol="0" anchor="ctr"/>
+          <a:lstStyle/>
+          <a:p>
+            <a:pPr algn="ctr"/>
+            <a:r>
+              <a:rPr lang="en-US" b="1" dirty="0" smtClean="0">
+                <a:solidFill>
+                  <a:schemeClr val="bg1"/>
+                </a:solidFill>
+              </a:rPr>
+              <a:t>4</a:t>
+            </a:r>
+            <a:endParaRPr lang="en-US" b="1" dirty="0">
+              <a:solidFill>
+                <a:schemeClr val="bg1"/>
+              </a:solidFill>
+            </a:endParaRPr>
+          </a:p>
+        </p:txBody>
+      </p:sp>
+      <p:sp>
+        <p:nvSpPr>
+          <p:cNvPr id="17" name="Rounded Rectangular Callout 16"/>
+          <p:cNvSpPr/>
+          <p:nvPr/>
+        </p:nvSpPr>
+        <p:spPr>
+          <a:xfrm>
+            <a:off x="7620000" y="5334000"/>
+            <a:ext cx="1524000" cy="1066800"/>
+          </a:xfrm>
+          <a:prstGeom prst="wedgeRoundRectCallout">
+            <a:avLst>
+              <a:gd name="adj1" fmla="val -259632"/>
+              <a:gd name="adj2" fmla="val -120855"/>
+              <a:gd name="adj3" fmla="val 16667"/>
+            </a:avLst>
+          </a:prstGeom>
+        </p:spPr>
+        <p:style>
+          <a:lnRef idx="2">
+            <a:schemeClr val="accent1">
+              <a:shade val="50000"/>
+            </a:schemeClr>
+          </a:lnRef>
+          <a:fillRef idx="1">
+            <a:schemeClr val="accent1"/>
+          </a:fillRef>
+          <a:effectRef idx="0">
+            <a:schemeClr val="accent1"/>
+          </a:effectRef>
+          <a:fontRef idx="minor">
+            <a:schemeClr val="lt1"/>
+          </a:fontRef>
+        </p:style>
+        <p:txBody>
+          <a:bodyPr lIns="0" tIns="0" rIns="0" bIns="0" rtlCol="0" anchor="ctr"/>
+          <a:lstStyle/>
+          <a:p>
+            <a:pPr algn="ctr"/>
+            <a:r>
+              <a:rPr lang="en-US" dirty="0" smtClean="0"/>
+              <a:t>Coherence controller returns read data to EDMA</a:t>
+            </a:r>
+            <a:endParaRPr lang="en-US" dirty="0"/>
+          </a:p>
+        </p:txBody>
+      </p:sp>
+    </p:spTree>
+  </p:cSld>
+  <p:clrMapOvr>
+    <a:masterClrMapping/>
+  </p:clrMapOvr>
+  <p:timing>
+    <p:tnLst>
+      <p:par>
+        <p:cTn id="1" dur="indefinite" restart="never" nodeType="tmRoot"/>
+      </p:par>
+    </p:tnLst>
+  </p:timing>
+</p:sld>
+</file>
+
+<file path=ppt/slides/slide33.xml><?xml version="1.0" encoding="utf-8"?>
 <p:sld xmlns:a="http://schemas.openxmlformats.org/drawingml/2006/main" xmlns:r="http://schemas.openxmlformats.org/officeDocument/2006/relationships" xmlns:p="http://schemas.openxmlformats.org/presentationml/2006/main">
   <p:cSld>
     <p:spTree>
@@ -7878,7 +10482,7 @@
 </p:sld>
 </file>
 
-<file path=ppt/slides/slide29.xml><?xml version="1.0" encoding="utf-8"?>
+<file path=ppt/slides/slide34.xml><?xml version="1.0" encoding="utf-8"?>
 <p:sld xmlns:a="http://schemas.openxmlformats.org/drawingml/2006/main" xmlns:r="http://schemas.openxmlformats.org/officeDocument/2006/relationships" xmlns:p="http://schemas.openxmlformats.org/presentationml/2006/main">
   <p:cSld>
     <p:spTree>
@@ -7999,123 +10603,7 @@
 </p:sld>
 </file>
 
-<file path=ppt/slides/slide3.xml><?xml version="1.0" encoding="utf-8"?>
-<p:sld xmlns:a="http://schemas.openxmlformats.org/drawingml/2006/main" xmlns:r="http://schemas.openxmlformats.org/officeDocument/2006/relationships" xmlns:p="http://schemas.openxmlformats.org/presentationml/2006/main">
-  <p:cSld>
-    <p:spTree>
-      <p:nvGrpSpPr>
-        <p:cNvPr id="1" name=""/>
-        <p:cNvGrpSpPr/>
-        <p:nvPr/>
-      </p:nvGrpSpPr>
-      <p:grpSpPr>
-        <a:xfrm>
-          <a:off x="0" y="0"/>
-          <a:ext cx="0" cy="0"/>
-          <a:chOff x="0" y="0"/>
-          <a:chExt cx="0" cy="0"/>
-        </a:xfrm>
-      </p:grpSpPr>
-      <p:sp>
-        <p:nvSpPr>
-          <p:cNvPr id="2" name="Title 1"/>
-          <p:cNvSpPr>
-            <a:spLocks noGrp="1"/>
-          </p:cNvSpPr>
-          <p:nvPr>
-            <p:ph type="title"/>
-          </p:nvPr>
-        </p:nvSpPr>
-        <p:spPr/>
-        <p:txBody>
-          <a:bodyPr>
-            <a:normAutofit/>
-          </a:bodyPr>
-          <a:lstStyle/>
-          <a:p>
-            <a:r>
-              <a:rPr lang="en-US" sz="4000" dirty="0" smtClean="0"/>
-              <a:t>ARM CorePac in KeyStone II</a:t>
-            </a:r>
-          </a:p>
-        </p:txBody>
-      </p:sp>
-      <p:sp>
-        <p:nvSpPr>
-          <p:cNvPr id="3" name="Content Placeholder 2"/>
-          <p:cNvSpPr>
-            <a:spLocks noGrp="1"/>
-          </p:cNvSpPr>
-          <p:nvPr>
-            <p:ph idx="1"/>
-          </p:nvPr>
-        </p:nvSpPr>
-        <p:spPr/>
-        <p:txBody>
-          <a:bodyPr>
-            <a:normAutofit/>
-          </a:bodyPr>
-          <a:lstStyle/>
-          <a:p>
-            <a:r>
-              <a:rPr lang="en-US" b="1" dirty="0" smtClean="0"/>
-              <a:t>ARM CorePac in KeyStone II</a:t>
-            </a:r>
-          </a:p>
-          <a:p>
-            <a:r>
-              <a:rPr lang="en-US" dirty="0" smtClean="0"/>
-              <a:t>ARM Cortex A-15 Features</a:t>
-            </a:r>
-          </a:p>
-          <a:p>
-            <a:r>
-              <a:rPr lang="en-US" dirty="0" smtClean="0"/>
-              <a:t>Interface to the SOC and Coherency Issues</a:t>
-            </a:r>
-          </a:p>
-          <a:p>
-            <a:r>
-              <a:rPr lang="en-US" dirty="0" smtClean="0"/>
-              <a:t>Benchmarks</a:t>
-            </a:r>
-          </a:p>
-          <a:p>
-            <a:r>
-              <a:rPr lang="en-US" dirty="0" smtClean="0"/>
-              <a:t>Interrupt Controller</a:t>
-            </a:r>
-          </a:p>
-          <a:p>
-            <a:r>
-              <a:rPr lang="en-US" dirty="0" smtClean="0"/>
-              <a:t>Power Management</a:t>
-            </a:r>
-          </a:p>
-          <a:p>
-            <a:r>
-              <a:rPr lang="en-US" dirty="0" smtClean="0"/>
-              <a:t>Debug and Trace</a:t>
-            </a:r>
-          </a:p>
-        </p:txBody>
-      </p:sp>
-    </p:spTree>
-  </p:cSld>
-  <p:clrMapOvr>
-    <a:masterClrMapping/>
-  </p:clrMapOvr>
-  <p:timing>
-    <p:tnLst>
-      <p:par>
-        <p:cTn id="1" dur="indefinite" restart="never" nodeType="tmRoot"/>
-      </p:par>
-    </p:tnLst>
-  </p:timing>
-</p:sld>
-</file>
-
-<file path=ppt/slides/slide30.xml><?xml version="1.0" encoding="utf-8"?>
+<file path=ppt/slides/slide35.xml><?xml version="1.0" encoding="utf-8"?>
 <p:sld xmlns:a="http://schemas.openxmlformats.org/drawingml/2006/main" xmlns:r="http://schemas.openxmlformats.org/officeDocument/2006/relationships" xmlns:p="http://schemas.openxmlformats.org/presentationml/2006/main">
   <p:cSld>
     <p:spTree>
@@ -8260,7 +10748,7 @@
 </p:sld>
 </file>
 
-<file path=ppt/slides/slide31.xml><?xml version="1.0" encoding="utf-8"?>
+<file path=ppt/slides/slide36.xml><?xml version="1.0" encoding="utf-8"?>
 <p:sld xmlns:a="http://schemas.openxmlformats.org/drawingml/2006/main" xmlns:r="http://schemas.openxmlformats.org/officeDocument/2006/relationships" xmlns:p="http://schemas.openxmlformats.org/presentationml/2006/main">
   <p:cSld>
     <p:spTree>
@@ -8369,7 +10857,7 @@
 </p:sld>
 </file>
 
-<file path=ppt/slides/slide32.xml><?xml version="1.0" encoding="utf-8"?>
+<file path=ppt/slides/slide37.xml><?xml version="1.0" encoding="utf-8"?>
 <p:sld xmlns:a="http://schemas.openxmlformats.org/drawingml/2006/main" xmlns:r="http://schemas.openxmlformats.org/officeDocument/2006/relationships" xmlns:p="http://schemas.openxmlformats.org/presentationml/2006/main">
   <p:cSld>
     <p:spTree>
@@ -8482,7 +10970,7 @@
 </p:sld>
 </file>
 
-<file path=ppt/slides/slide33.xml><?xml version="1.0" encoding="utf-8"?>
+<file path=ppt/slides/slide38.xml><?xml version="1.0" encoding="utf-8"?>
 <p:sld xmlns:a="http://schemas.openxmlformats.org/drawingml/2006/main" xmlns:r="http://schemas.openxmlformats.org/officeDocument/2006/relationships" xmlns:p="http://schemas.openxmlformats.org/presentationml/2006/main">
   <p:cSld>
     <p:spTree>
@@ -8606,7 +11094,7 @@
 </p:sld>
 </file>
 
-<file path=ppt/slides/slide34.xml><?xml version="1.0" encoding="utf-8"?>
+<file path=ppt/slides/slide39.xml><?xml version="1.0" encoding="utf-8"?>
 <p:sld xmlns:a="http://schemas.openxmlformats.org/drawingml/2006/main" xmlns:r="http://schemas.openxmlformats.org/officeDocument/2006/relationships" xmlns:p="http://schemas.openxmlformats.org/presentationml/2006/main">
   <p:cSld>
     <p:spTree>
@@ -8885,719 +11373,6 @@
 </p:sld>
 </file>
 
-<file path=ppt/slides/slide35.xml><?xml version="1.0" encoding="utf-8"?>
-<p:sld xmlns:a="http://schemas.openxmlformats.org/drawingml/2006/main" xmlns:r="http://schemas.openxmlformats.org/officeDocument/2006/relationships" xmlns:p="http://schemas.openxmlformats.org/presentationml/2006/main">
-  <p:cSld>
-    <p:spTree>
-      <p:nvGrpSpPr>
-        <p:cNvPr id="1" name=""/>
-        <p:cNvGrpSpPr/>
-        <p:nvPr/>
-      </p:nvGrpSpPr>
-      <p:grpSpPr>
-        <a:xfrm>
-          <a:off x="0" y="0"/>
-          <a:ext cx="0" cy="0"/>
-          <a:chOff x="0" y="0"/>
-          <a:chExt cx="0" cy="0"/>
-        </a:xfrm>
-      </p:grpSpPr>
-      <p:sp>
-        <p:nvSpPr>
-          <p:cNvPr id="2" name="Title 1"/>
-          <p:cNvSpPr>
-            <a:spLocks noGrp="1"/>
-          </p:cNvSpPr>
-          <p:nvPr>
-            <p:ph type="title"/>
-          </p:nvPr>
-        </p:nvSpPr>
-        <p:spPr/>
-        <p:txBody>
-          <a:bodyPr>
-            <a:normAutofit/>
-          </a:bodyPr>
-          <a:lstStyle/>
-          <a:p>
-            <a:r>
-              <a:rPr lang="en-US" sz="4000" dirty="0" smtClean="0"/>
-              <a:t>Interrupt Controller</a:t>
-            </a:r>
-            <a:endParaRPr lang="en-US" sz="4000" dirty="0"/>
-          </a:p>
-        </p:txBody>
-      </p:sp>
-      <p:sp>
-        <p:nvSpPr>
-          <p:cNvPr id="3" name="Content Placeholder 2"/>
-          <p:cNvSpPr>
-            <a:spLocks noGrp="1"/>
-          </p:cNvSpPr>
-          <p:nvPr>
-            <p:ph idx="1"/>
-          </p:nvPr>
-        </p:nvSpPr>
-        <p:spPr/>
-        <p:txBody>
-          <a:bodyPr>
-            <a:normAutofit/>
-          </a:bodyPr>
-          <a:lstStyle/>
-          <a:p>
-            <a:r>
-              <a:rPr lang="en-US" dirty="0" smtClean="0"/>
-              <a:t>ARM CorePac in KeyStone II</a:t>
-            </a:r>
-          </a:p>
-          <a:p>
-            <a:r>
-              <a:rPr lang="en-US" dirty="0" smtClean="0"/>
-              <a:t>ARM Cortex A-15 Features</a:t>
-            </a:r>
-          </a:p>
-          <a:p>
-            <a:r>
-              <a:rPr lang="en-US" dirty="0" smtClean="0"/>
-              <a:t>Interface to the SOC and Coherency Issues</a:t>
-            </a:r>
-          </a:p>
-          <a:p>
-            <a:r>
-              <a:rPr lang="en-US" dirty="0" smtClean="0"/>
-              <a:t>Benchmarks</a:t>
-            </a:r>
-          </a:p>
-          <a:p>
-            <a:r>
-              <a:rPr lang="en-US" b="1" dirty="0" smtClean="0"/>
-              <a:t>Interrupt Controller</a:t>
-            </a:r>
-          </a:p>
-          <a:p>
-            <a:r>
-              <a:rPr lang="en-US" dirty="0" smtClean="0"/>
-              <a:t>Power Management</a:t>
-            </a:r>
-          </a:p>
-          <a:p>
-            <a:r>
-              <a:rPr lang="en-US" dirty="0" smtClean="0"/>
-              <a:t>Debug and Trace</a:t>
-            </a:r>
-            <a:endParaRPr lang="en-US" dirty="0"/>
-          </a:p>
-        </p:txBody>
-      </p:sp>
-    </p:spTree>
-  </p:cSld>
-  <p:clrMapOvr>
-    <a:masterClrMapping/>
-  </p:clrMapOvr>
-</p:sld>
-</file>
-
-<file path=ppt/slides/slide36.xml><?xml version="1.0" encoding="utf-8"?>
-<p:sld xmlns:a="http://schemas.openxmlformats.org/drawingml/2006/main" xmlns:r="http://schemas.openxmlformats.org/officeDocument/2006/relationships" xmlns:p="http://schemas.openxmlformats.org/presentationml/2006/main" show="0">
-  <p:cSld>
-    <p:spTree>
-      <p:nvGrpSpPr>
-        <p:cNvPr id="1" name=""/>
-        <p:cNvGrpSpPr/>
-        <p:nvPr/>
-      </p:nvGrpSpPr>
-      <p:grpSpPr>
-        <a:xfrm>
-          <a:off x="0" y="0"/>
-          <a:ext cx="0" cy="0"/>
-          <a:chOff x="0" y="0"/>
-          <a:chExt cx="0" cy="0"/>
-        </a:xfrm>
-      </p:grpSpPr>
-      <p:sp>
-        <p:nvSpPr>
-          <p:cNvPr id="75777" name="Rectangle 2"/>
-          <p:cNvSpPr>
-            <a:spLocks noGrp="1" noChangeArrowheads="1"/>
-          </p:cNvSpPr>
-          <p:nvPr>
-            <p:ph type="title" idx="4294967295"/>
-          </p:nvPr>
-        </p:nvSpPr>
-        <p:spPr>
-          <a:xfrm>
-            <a:off x="0" y="671332"/>
-            <a:ext cx="9144000" cy="646113"/>
-          </a:xfrm>
-        </p:spPr>
-        <p:txBody>
-          <a:bodyPr/>
-          <a:lstStyle/>
-          <a:p>
-            <a:r>
-              <a:rPr lang="en-US" altLang="ko-KR" sz="3600" dirty="0" smtClean="0"/>
-              <a:t>Purpose of Interrupt Controller</a:t>
-            </a:r>
-          </a:p>
-        </p:txBody>
-      </p:sp>
-      <p:sp>
-        <p:nvSpPr>
-          <p:cNvPr id="75778" name="Rectangle 3"/>
-          <p:cNvSpPr>
-            <a:spLocks noGrp="1" noChangeArrowheads="1"/>
-          </p:cNvSpPr>
-          <p:nvPr>
-            <p:ph type="body" idx="4294967295"/>
-          </p:nvPr>
-        </p:nvSpPr>
-        <p:spPr>
-          <a:xfrm>
-            <a:off x="152400" y="2245489"/>
-            <a:ext cx="8831579" cy="4201031"/>
-          </a:xfrm>
-        </p:spPr>
-        <p:txBody>
-          <a:bodyPr/>
-          <a:lstStyle/>
-          <a:p>
-            <a:pPr marL="347472" indent="-347472"/>
-            <a:r>
-              <a:rPr lang="en-US" altLang="ko-KR" sz="2000" dirty="0" smtClean="0"/>
-              <a:t>Masking and unmasking of interrupts and events</a:t>
-            </a:r>
-          </a:p>
-          <a:p>
-            <a:pPr marL="347472" indent="-347472"/>
-            <a:r>
-              <a:rPr lang="en-US" altLang="ko-KR" sz="2000" dirty="0" smtClean="0"/>
-              <a:t>Prioritize interrupt</a:t>
-            </a:r>
-          </a:p>
-          <a:p>
-            <a:pPr marL="347472" indent="-347472"/>
-            <a:r>
-              <a:rPr lang="en-US" altLang="ko-KR" sz="2000" dirty="0" smtClean="0"/>
-              <a:t>Distribution of interrupts to the appropriate processor</a:t>
-            </a:r>
-          </a:p>
-          <a:p>
-            <a:pPr marL="347472" indent="-347472"/>
-            <a:r>
-              <a:rPr lang="en-US" altLang="ko-KR" sz="2000" dirty="0" smtClean="0"/>
-              <a:t>Software generation of interrupts</a:t>
-            </a:r>
-          </a:p>
-          <a:p>
-            <a:pPr marL="347472" indent="-347472"/>
-            <a:r>
-              <a:rPr lang="en-US" altLang="ko-KR" sz="2000" dirty="0" smtClean="0"/>
-              <a:t>Tracking the status of interrupt</a:t>
-            </a:r>
-          </a:p>
-        </p:txBody>
-      </p:sp>
-    </p:spTree>
-  </p:cSld>
-  <p:clrMapOvr>
-    <a:masterClrMapping/>
-  </p:clrMapOvr>
-  <p:transition/>
-  <p:timing>
-    <p:tnLst>
-      <p:par>
-        <p:cTn id="1" dur="indefinite" restart="never" nodeType="tmRoot"/>
-      </p:par>
-    </p:tnLst>
-  </p:timing>
-</p:sld>
-</file>
-
-<file path=ppt/slides/slide37.xml><?xml version="1.0" encoding="utf-8"?>
-<p:sld xmlns:a="http://schemas.openxmlformats.org/drawingml/2006/main" xmlns:r="http://schemas.openxmlformats.org/officeDocument/2006/relationships" xmlns:p="http://schemas.openxmlformats.org/presentationml/2006/main">
-  <p:cSld>
-    <p:spTree>
-      <p:nvGrpSpPr>
-        <p:cNvPr id="1" name=""/>
-        <p:cNvGrpSpPr/>
-        <p:nvPr/>
-      </p:nvGrpSpPr>
-      <p:grpSpPr>
-        <a:xfrm>
-          <a:off x="0" y="0"/>
-          <a:ext cx="0" cy="0"/>
-          <a:chOff x="0" y="0"/>
-          <a:chExt cx="0" cy="0"/>
-        </a:xfrm>
-      </p:grpSpPr>
-      <p:pic>
-        <p:nvPicPr>
-          <p:cNvPr id="5" name="Picture 3"/>
-          <p:cNvPicPr>
-            <a:picLocks noGrp="1" noChangeAspect="1" noChangeArrowheads="1"/>
-          </p:cNvPicPr>
-          <p:nvPr>
-            <p:ph/>
-          </p:nvPr>
-        </p:nvPicPr>
-        <p:blipFill>
-          <a:blip r:embed="rId3" cstate="print"/>
-          <a:srcRect/>
-          <a:stretch>
-            <a:fillRect/>
-          </a:stretch>
-        </p:blipFill>
-        <p:spPr bwMode="auto">
-          <a:xfrm>
-            <a:off x="2804919" y="651351"/>
-            <a:ext cx="5962650" cy="4591050"/>
-          </a:xfrm>
-          <a:prstGeom prst="rect">
-            <a:avLst/>
-          </a:prstGeom>
-          <a:noFill/>
-          <a:ln w="9525">
-            <a:noFill/>
-            <a:miter lim="800000"/>
-            <a:headEnd/>
-            <a:tailEnd/>
-          </a:ln>
-        </p:spPr>
-      </p:pic>
-      <p:sp>
-        <p:nvSpPr>
-          <p:cNvPr id="92165" name="Rectangle 2"/>
-          <p:cNvSpPr>
-            <a:spLocks noGrp="1" noChangeArrowheads="1"/>
-          </p:cNvSpPr>
-          <p:nvPr>
-            <p:ph type="title" idx="4294967295"/>
-          </p:nvPr>
-        </p:nvSpPr>
-        <p:spPr>
-          <a:xfrm>
-            <a:off x="228600" y="0"/>
-            <a:ext cx="8564562" cy="685801"/>
-          </a:xfrm>
-        </p:spPr>
-        <p:txBody>
-          <a:bodyPr>
-            <a:noAutofit/>
-          </a:bodyPr>
-          <a:lstStyle/>
-          <a:p>
-            <a:r>
-              <a:rPr lang="en-US" altLang="ko-KR" sz="3600" dirty="0" smtClean="0"/>
-              <a:t>GIC-400 (ARM Generic Interrupt Controller)</a:t>
-            </a:r>
-          </a:p>
-        </p:txBody>
-      </p:sp>
-      <p:sp>
-        <p:nvSpPr>
-          <p:cNvPr id="92166" name="Rectangle 3"/>
-          <p:cNvSpPr>
-            <a:spLocks noGrp="1" noChangeArrowheads="1"/>
-          </p:cNvSpPr>
-          <p:nvPr>
-            <p:ph type="body" idx="4294967295"/>
-          </p:nvPr>
-        </p:nvSpPr>
-        <p:spPr>
-          <a:xfrm>
-            <a:off x="196383" y="3920441"/>
-            <a:ext cx="8153400" cy="2399336"/>
-          </a:xfrm>
-        </p:spPr>
-        <p:txBody>
-          <a:bodyPr>
-            <a:noAutofit/>
-          </a:bodyPr>
-          <a:lstStyle/>
-          <a:p>
-            <a:pPr marL="274320" indent="-274320">
-              <a:spcBef>
-                <a:spcPts val="600"/>
-              </a:spcBef>
-            </a:pPr>
-            <a:r>
-              <a:rPr lang="en-US" altLang="ko-KR" sz="2000" kern="1200" dirty="0" smtClean="0">
-                <a:latin typeface="Arial" pitchFamily="34" charset="0"/>
-              </a:rPr>
-              <a:t>Event sources:</a:t>
-            </a:r>
-          </a:p>
-          <a:p>
-            <a:pPr marL="571183" lvl="1" indent="-274320">
-              <a:spcBef>
-                <a:spcPts val="600"/>
-              </a:spcBef>
-            </a:pPr>
-            <a:r>
-              <a:rPr lang="en-US" altLang="ko-KR" sz="2000" kern="1200" dirty="0" smtClean="0">
-                <a:latin typeface="Arial" pitchFamily="34" charset="0"/>
-              </a:rPr>
-              <a:t>Various IP and peripherals</a:t>
-            </a:r>
-          </a:p>
-          <a:p>
-            <a:pPr marL="571183" lvl="1" indent="-274320">
-              <a:spcBef>
-                <a:spcPts val="600"/>
-              </a:spcBef>
-            </a:pPr>
-            <a:r>
-              <a:rPr lang="en-US" altLang="ko-KR" sz="2000" kern="1200" dirty="0" smtClean="0">
-                <a:latin typeface="Arial" pitchFamily="34" charset="0"/>
-              </a:rPr>
-              <a:t>Software generated (SGI ) by ARM core</a:t>
-            </a:r>
-          </a:p>
-          <a:p>
-            <a:pPr marL="571183" lvl="1" indent="-274320">
-              <a:spcBef>
-                <a:spcPts val="600"/>
-              </a:spcBef>
-            </a:pPr>
-            <a:r>
-              <a:rPr lang="en-US" altLang="ko-KR" sz="2000" kern="1200" dirty="0" smtClean="0">
-                <a:latin typeface="Arial" pitchFamily="34" charset="0"/>
-              </a:rPr>
-              <a:t>Signal over the AXI interface</a:t>
-            </a:r>
-          </a:p>
-          <a:p>
-            <a:pPr marL="274320" indent="-274320">
-              <a:spcBef>
-                <a:spcPts val="600"/>
-              </a:spcBef>
-            </a:pPr>
-            <a:r>
-              <a:rPr lang="en-US" altLang="ko-KR" sz="2000" kern="1200" dirty="0" smtClean="0">
-                <a:latin typeface="Arial" pitchFamily="34" charset="0"/>
-              </a:rPr>
-              <a:t>Virtual and physical </a:t>
-            </a:r>
-            <a:r>
-              <a:rPr lang="en-US" altLang="ko-KR" sz="2000" kern="1200" dirty="0" smtClean="0">
-                <a:latin typeface="Arial" pitchFamily="34" charset="0"/>
-              </a:rPr>
-              <a:t>interrupts</a:t>
-            </a:r>
-          </a:p>
-          <a:p>
-            <a:pPr marL="274320" indent="-274320">
-              <a:spcBef>
-                <a:spcPts val="600"/>
-              </a:spcBef>
-            </a:pPr>
-            <a:r>
-              <a:rPr lang="en-US" altLang="ko-KR" sz="2000" kern="1200" dirty="0" smtClean="0">
-                <a:latin typeface="Arial" pitchFamily="34" charset="0"/>
-              </a:rPr>
-              <a:t>Distribution and CPU interfaces</a:t>
-            </a:r>
-            <a:endParaRPr lang="en-US" altLang="ko-KR" sz="2000" kern="1200" dirty="0" smtClean="0">
-              <a:latin typeface="Arial" pitchFamily="34" charset="0"/>
-            </a:endParaRPr>
-          </a:p>
-        </p:txBody>
-      </p:sp>
-    </p:spTree>
-  </p:cSld>
-  <p:clrMapOvr>
-    <a:masterClrMapping/>
-  </p:clrMapOvr>
-  <p:timing>
-    <p:tnLst>
-      <p:par>
-        <p:cTn id="1" dur="indefinite" restart="never" nodeType="tmRoot"/>
-      </p:par>
-    </p:tnLst>
-  </p:timing>
-</p:sld>
-</file>
-
-<file path=ppt/slides/slide38.xml><?xml version="1.0" encoding="utf-8"?>
-<p:sld xmlns:a="http://schemas.openxmlformats.org/drawingml/2006/main" xmlns:r="http://schemas.openxmlformats.org/officeDocument/2006/relationships" xmlns:p="http://schemas.openxmlformats.org/presentationml/2006/main" show="0">
-  <p:cSld>
-    <p:spTree>
-      <p:nvGrpSpPr>
-        <p:cNvPr id="1" name=""/>
-        <p:cNvGrpSpPr/>
-        <p:nvPr/>
-      </p:nvGrpSpPr>
-      <p:grpSpPr>
-        <a:xfrm>
-          <a:off x="0" y="0"/>
-          <a:ext cx="0" cy="0"/>
-          <a:chOff x="0" y="0"/>
-          <a:chExt cx="0" cy="0"/>
-        </a:xfrm>
-      </p:grpSpPr>
-      <p:sp>
-        <p:nvSpPr>
-          <p:cNvPr id="75777" name="Rectangle 2"/>
-          <p:cNvSpPr>
-            <a:spLocks noGrp="1" noChangeArrowheads="1"/>
-          </p:cNvSpPr>
-          <p:nvPr>
-            <p:ph type="title" idx="4294967295"/>
-          </p:nvPr>
-        </p:nvSpPr>
-        <p:spPr>
-          <a:xfrm>
-            <a:off x="0" y="0"/>
-            <a:ext cx="9144000" cy="1122744"/>
-          </a:xfrm>
-        </p:spPr>
-        <p:txBody>
-          <a:bodyPr/>
-          <a:lstStyle/>
-          <a:p>
-            <a:r>
-              <a:rPr lang="en-US" altLang="ko-KR" sz="3600" dirty="0" smtClean="0"/>
-              <a:t>GIC-400 Interrupt Controller</a:t>
-            </a:r>
-            <a:br>
-              <a:rPr lang="en-US" altLang="ko-KR" sz="3600" dirty="0" smtClean="0"/>
-            </a:br>
-            <a:r>
-              <a:rPr lang="en-US" altLang="ko-KR" sz="3600" dirty="0" smtClean="0"/>
-              <a:t>Distributer Side</a:t>
-            </a:r>
-          </a:p>
-        </p:txBody>
-      </p:sp>
-      <p:sp>
-        <p:nvSpPr>
-          <p:cNvPr id="75778" name="Rectangle 3"/>
-          <p:cNvSpPr>
-            <a:spLocks noGrp="1" noChangeArrowheads="1"/>
-          </p:cNvSpPr>
-          <p:nvPr>
-            <p:ph type="body" idx="4294967295"/>
-          </p:nvPr>
-        </p:nvSpPr>
-        <p:spPr>
-          <a:xfrm>
-            <a:off x="152400" y="1388963"/>
-            <a:ext cx="8831579" cy="5046562"/>
-          </a:xfrm>
-        </p:spPr>
-        <p:txBody>
-          <a:bodyPr/>
-          <a:lstStyle/>
-          <a:p>
-            <a:pPr marL="347472" indent="-347472"/>
-            <a:r>
-              <a:rPr lang="en-US" altLang="ko-KR" sz="2200" dirty="0" smtClean="0"/>
-              <a:t>The  ARM Generic Interrupt Controller, the GIC-400, is a high-performance, area-optimized interrupt controller with an Advanced Microcontroller Bus Architecture (AMBA) Advanced eXtensible Interface (AXI) interface.</a:t>
-            </a:r>
-          </a:p>
-          <a:p>
-            <a:pPr marL="347472" indent="-347472"/>
-            <a:r>
-              <a:rPr lang="en-US" altLang="ko-KR" sz="2200" dirty="0" smtClean="0"/>
-              <a:t>Interrupt’s sources</a:t>
-            </a:r>
-          </a:p>
-          <a:p>
-            <a:pPr marL="644335" lvl="1" indent="-347472"/>
-            <a:r>
-              <a:rPr lang="en-US" altLang="ko-KR" sz="2200" dirty="0" smtClean="0"/>
-              <a:t>Up to 1020 interrupts</a:t>
-            </a:r>
-          </a:p>
-          <a:p>
-            <a:pPr marL="644335" lvl="1" indent="-347472"/>
-            <a:r>
-              <a:rPr lang="en-US" altLang="ko-KR" sz="2200" dirty="0" smtClean="0"/>
-              <a:t>4 special purpose interrupts </a:t>
-            </a:r>
-          </a:p>
-          <a:p>
-            <a:pPr marL="644335" lvl="1" indent="-347472"/>
-            <a:r>
-              <a:rPr lang="en-US" altLang="ko-KR" sz="2200" dirty="0" smtClean="0"/>
-              <a:t>Each interrupt has a unique ID </a:t>
-            </a:r>
-          </a:p>
-          <a:p>
-            <a:pPr marL="644335" lvl="1" indent="-347472"/>
-            <a:r>
-              <a:rPr lang="en-US" altLang="ko-KR" sz="2200" dirty="0" smtClean="0"/>
-              <a:t>Private and shared interrupts</a:t>
-            </a:r>
-          </a:p>
-          <a:p>
-            <a:pPr marL="644335" lvl="1" indent="-347472"/>
-            <a:r>
-              <a:rPr lang="en-US" altLang="ko-KR" sz="2200" dirty="0" smtClean="0"/>
-              <a:t>32 ID for private interrupts, 16 for PPI and 16 for software generated interrupts</a:t>
-            </a:r>
-          </a:p>
-          <a:p>
-            <a:pPr marL="918972" lvl="2" indent="-347472"/>
-            <a:r>
-              <a:rPr lang="en-US" altLang="ko-KR" sz="2200" dirty="0" smtClean="0"/>
-              <a:t>Note – These are banked ID, meaning, same ID for different interrupts (for different CPU)</a:t>
-            </a:r>
-          </a:p>
-        </p:txBody>
-      </p:sp>
-    </p:spTree>
-  </p:cSld>
-  <p:clrMapOvr>
-    <a:masterClrMapping/>
-  </p:clrMapOvr>
-  <p:transition/>
-  <p:timing>
-    <p:tnLst>
-      <p:par>
-        <p:cTn id="1" dur="indefinite" restart="never" nodeType="tmRoot"/>
-      </p:par>
-    </p:tnLst>
-  </p:timing>
-</p:sld>
-</file>
-
-<file path=ppt/slides/slide39.xml><?xml version="1.0" encoding="utf-8"?>
-<p:sld xmlns:a="http://schemas.openxmlformats.org/drawingml/2006/main" xmlns:r="http://schemas.openxmlformats.org/officeDocument/2006/relationships" xmlns:p="http://schemas.openxmlformats.org/presentationml/2006/main" show="0">
-  <p:cSld>
-    <p:spTree>
-      <p:nvGrpSpPr>
-        <p:cNvPr id="1" name=""/>
-        <p:cNvGrpSpPr/>
-        <p:nvPr/>
-      </p:nvGrpSpPr>
-      <p:grpSpPr>
-        <a:xfrm>
-          <a:off x="0" y="0"/>
-          <a:ext cx="0" cy="0"/>
-          <a:chOff x="0" y="0"/>
-          <a:chExt cx="0" cy="0"/>
-        </a:xfrm>
-      </p:grpSpPr>
-      <p:sp>
-        <p:nvSpPr>
-          <p:cNvPr id="75777" name="Rectangle 2"/>
-          <p:cNvSpPr>
-            <a:spLocks noGrp="1" noChangeArrowheads="1"/>
-          </p:cNvSpPr>
-          <p:nvPr>
-            <p:ph type="title" idx="4294967295"/>
-          </p:nvPr>
-        </p:nvSpPr>
-        <p:spPr>
-          <a:xfrm>
-            <a:off x="0" y="254643"/>
-            <a:ext cx="9144000" cy="1157468"/>
-          </a:xfrm>
-        </p:spPr>
-        <p:txBody>
-          <a:bodyPr/>
-          <a:lstStyle/>
-          <a:p>
-            <a:r>
-              <a:rPr lang="en-US" altLang="ko-KR" sz="3600" dirty="0" smtClean="0"/>
-              <a:t>GIC-400 Interrupt Controller</a:t>
-            </a:r>
-            <a:br>
-              <a:rPr lang="en-US" altLang="ko-KR" sz="3600" dirty="0" smtClean="0"/>
-            </a:br>
-            <a:r>
-              <a:rPr lang="en-US" altLang="ko-KR" sz="3600" dirty="0" smtClean="0"/>
-              <a:t>CPU Interface</a:t>
-            </a:r>
-          </a:p>
-        </p:txBody>
-      </p:sp>
-      <p:sp>
-        <p:nvSpPr>
-          <p:cNvPr id="75778" name="Rectangle 3"/>
-          <p:cNvSpPr>
-            <a:spLocks noGrp="1" noChangeArrowheads="1"/>
-          </p:cNvSpPr>
-          <p:nvPr>
-            <p:ph type="body" idx="4294967295"/>
-          </p:nvPr>
-        </p:nvSpPr>
-        <p:spPr>
-          <a:xfrm>
-            <a:off x="152400" y="2083443"/>
-            <a:ext cx="8831579" cy="4363077"/>
-          </a:xfrm>
-        </p:spPr>
-        <p:txBody>
-          <a:bodyPr/>
-          <a:lstStyle/>
-          <a:p>
-            <a:pPr marL="347472" indent="-347472"/>
-            <a:r>
-              <a:rPr lang="en-US" altLang="ko-KR" sz="2400" dirty="0" smtClean="0"/>
-              <a:t>Signal to the CPU is FIQ or IRQ</a:t>
-            </a:r>
-          </a:p>
-          <a:p>
-            <a:pPr marL="347472" indent="-347472"/>
-            <a:r>
-              <a:rPr lang="en-US" altLang="ko-KR" sz="2400" dirty="0" smtClean="0"/>
-              <a:t>Grouping</a:t>
-            </a:r>
-          </a:p>
-          <a:p>
-            <a:pPr marL="644335" lvl="1" indent="-347472"/>
-            <a:r>
-              <a:rPr lang="en-US" altLang="ko-KR" sz="2400" dirty="0" smtClean="0"/>
-              <a:t>Group 0 interrupts can be sent to processors using IRQ or FIQ</a:t>
-            </a:r>
-          </a:p>
-          <a:p>
-            <a:pPr marL="644335" lvl="1" indent="-347472"/>
-            <a:r>
-              <a:rPr lang="en-US" altLang="ko-KR" sz="2400" dirty="0" smtClean="0"/>
-              <a:t>Group 1 interrupts can be sent only via IRQ</a:t>
-            </a:r>
-          </a:p>
-          <a:p>
-            <a:pPr marL="347472" indent="-347472"/>
-            <a:r>
-              <a:rPr lang="en-US" altLang="ko-KR" sz="2400" dirty="0" smtClean="0"/>
-              <a:t>Interrupt state – pending, active,  active pending</a:t>
-            </a:r>
-          </a:p>
-          <a:p>
-            <a:pPr marL="347472" indent="-347472"/>
-            <a:r>
-              <a:rPr lang="en-US" altLang="ko-KR" sz="2400" dirty="0" smtClean="0"/>
-              <a:t>CPU acknowledge the interrupt </a:t>
-            </a:r>
-          </a:p>
-          <a:p>
-            <a:pPr marL="644335" lvl="1" indent="-347472"/>
-            <a:r>
-              <a:rPr lang="en-US" altLang="ko-KR" sz="2400" dirty="0" smtClean="0"/>
-              <a:t>Status of interrupt is changing from pending to active or active pending, enable other interrupts </a:t>
-            </a:r>
-          </a:p>
-        </p:txBody>
-      </p:sp>
-    </p:spTree>
-  </p:cSld>
-  <p:clrMapOvr>
-    <a:masterClrMapping/>
-  </p:clrMapOvr>
-  <p:transition/>
-  <p:timing>
-    <p:tnLst>
-      <p:par>
-        <p:cTn id="1" dur="indefinite" restart="never" nodeType="tmRoot"/>
-      </p:par>
-    </p:tnLst>
-  </p:timing>
-</p:sld>
-</file>
-
 <file path=ppt/slides/slide4.xml><?xml version="1.0" encoding="utf-8"?>
 <p:sld xmlns:a="http://schemas.openxmlformats.org/drawingml/2006/main" xmlns:r="http://schemas.openxmlformats.org/officeDocument/2006/relationships" xmlns:p="http://schemas.openxmlformats.org/presentationml/2006/main">
   <p:cSld>
@@ -9851,6 +11626,710 @@
 </file>
 
 <file path=ppt/slides/slide40.xml><?xml version="1.0" encoding="utf-8"?>
+<p:sld xmlns:a="http://schemas.openxmlformats.org/drawingml/2006/main" xmlns:r="http://schemas.openxmlformats.org/officeDocument/2006/relationships" xmlns:p="http://schemas.openxmlformats.org/presentationml/2006/main">
+  <p:cSld>
+    <p:spTree>
+      <p:nvGrpSpPr>
+        <p:cNvPr id="1" name=""/>
+        <p:cNvGrpSpPr/>
+        <p:nvPr/>
+      </p:nvGrpSpPr>
+      <p:grpSpPr>
+        <a:xfrm>
+          <a:off x="0" y="0"/>
+          <a:ext cx="0" cy="0"/>
+          <a:chOff x="0" y="0"/>
+          <a:chExt cx="0" cy="0"/>
+        </a:xfrm>
+      </p:grpSpPr>
+      <p:sp>
+        <p:nvSpPr>
+          <p:cNvPr id="2" name="Title 1"/>
+          <p:cNvSpPr>
+            <a:spLocks noGrp="1"/>
+          </p:cNvSpPr>
+          <p:nvPr>
+            <p:ph type="title"/>
+          </p:nvPr>
+        </p:nvSpPr>
+        <p:spPr/>
+        <p:txBody>
+          <a:bodyPr>
+            <a:normAutofit/>
+          </a:bodyPr>
+          <a:lstStyle/>
+          <a:p>
+            <a:r>
+              <a:rPr lang="en-US" sz="4000" dirty="0" smtClean="0"/>
+              <a:t>Interrupt Controller</a:t>
+            </a:r>
+            <a:endParaRPr lang="en-US" sz="4000" dirty="0"/>
+          </a:p>
+        </p:txBody>
+      </p:sp>
+      <p:sp>
+        <p:nvSpPr>
+          <p:cNvPr id="3" name="Content Placeholder 2"/>
+          <p:cNvSpPr>
+            <a:spLocks noGrp="1"/>
+          </p:cNvSpPr>
+          <p:nvPr>
+            <p:ph idx="1"/>
+          </p:nvPr>
+        </p:nvSpPr>
+        <p:spPr/>
+        <p:txBody>
+          <a:bodyPr>
+            <a:normAutofit/>
+          </a:bodyPr>
+          <a:lstStyle/>
+          <a:p>
+            <a:r>
+              <a:rPr lang="en-US" dirty="0" smtClean="0"/>
+              <a:t>ARM CorePac in KeyStone II</a:t>
+            </a:r>
+          </a:p>
+          <a:p>
+            <a:r>
+              <a:rPr lang="en-US" dirty="0" smtClean="0"/>
+              <a:t>ARM Cortex A-15 Features</a:t>
+            </a:r>
+          </a:p>
+          <a:p>
+            <a:r>
+              <a:rPr lang="en-US" dirty="0" smtClean="0"/>
+              <a:t>Interface to the SOC and Coherency Issues</a:t>
+            </a:r>
+          </a:p>
+          <a:p>
+            <a:r>
+              <a:rPr lang="en-US" dirty="0" smtClean="0"/>
+              <a:t>Benchmarks</a:t>
+            </a:r>
+          </a:p>
+          <a:p>
+            <a:r>
+              <a:rPr lang="en-US" b="1" dirty="0" smtClean="0"/>
+              <a:t>Interrupt Controller</a:t>
+            </a:r>
+          </a:p>
+          <a:p>
+            <a:r>
+              <a:rPr lang="en-US" dirty="0" smtClean="0"/>
+              <a:t>Power Management</a:t>
+            </a:r>
+          </a:p>
+          <a:p>
+            <a:r>
+              <a:rPr lang="en-US" dirty="0" smtClean="0"/>
+              <a:t>Debug and Trace</a:t>
+            </a:r>
+            <a:endParaRPr lang="en-US" dirty="0"/>
+          </a:p>
+        </p:txBody>
+      </p:sp>
+    </p:spTree>
+  </p:cSld>
+  <p:clrMapOvr>
+    <a:masterClrMapping/>
+  </p:clrMapOvr>
+</p:sld>
+</file>
+
+<file path=ppt/slides/slide41.xml><?xml version="1.0" encoding="utf-8"?>
+<p:sld xmlns:a="http://schemas.openxmlformats.org/drawingml/2006/main" xmlns:r="http://schemas.openxmlformats.org/officeDocument/2006/relationships" xmlns:p="http://schemas.openxmlformats.org/presentationml/2006/main" show="0">
+  <p:cSld>
+    <p:spTree>
+      <p:nvGrpSpPr>
+        <p:cNvPr id="1" name=""/>
+        <p:cNvGrpSpPr/>
+        <p:nvPr/>
+      </p:nvGrpSpPr>
+      <p:grpSpPr>
+        <a:xfrm>
+          <a:off x="0" y="0"/>
+          <a:ext cx="0" cy="0"/>
+          <a:chOff x="0" y="0"/>
+          <a:chExt cx="0" cy="0"/>
+        </a:xfrm>
+      </p:grpSpPr>
+      <p:sp>
+        <p:nvSpPr>
+          <p:cNvPr id="75777" name="Rectangle 2"/>
+          <p:cNvSpPr>
+            <a:spLocks noGrp="1" noChangeArrowheads="1"/>
+          </p:cNvSpPr>
+          <p:nvPr>
+            <p:ph type="title" idx="4294967295"/>
+          </p:nvPr>
+        </p:nvSpPr>
+        <p:spPr>
+          <a:xfrm>
+            <a:off x="0" y="671332"/>
+            <a:ext cx="9144000" cy="646113"/>
+          </a:xfrm>
+        </p:spPr>
+        <p:txBody>
+          <a:bodyPr/>
+          <a:lstStyle/>
+          <a:p>
+            <a:r>
+              <a:rPr lang="en-US" altLang="ko-KR" sz="3600" dirty="0" smtClean="0"/>
+              <a:t>Purpose of Interrupt Controller</a:t>
+            </a:r>
+          </a:p>
+        </p:txBody>
+      </p:sp>
+      <p:sp>
+        <p:nvSpPr>
+          <p:cNvPr id="75778" name="Rectangle 3"/>
+          <p:cNvSpPr>
+            <a:spLocks noGrp="1" noChangeArrowheads="1"/>
+          </p:cNvSpPr>
+          <p:nvPr>
+            <p:ph type="body" idx="4294967295"/>
+          </p:nvPr>
+        </p:nvSpPr>
+        <p:spPr>
+          <a:xfrm>
+            <a:off x="152400" y="2245489"/>
+            <a:ext cx="8831579" cy="4201031"/>
+          </a:xfrm>
+        </p:spPr>
+        <p:txBody>
+          <a:bodyPr/>
+          <a:lstStyle/>
+          <a:p>
+            <a:pPr marL="347472" indent="-347472"/>
+            <a:r>
+              <a:rPr lang="en-US" altLang="ko-KR" sz="2000" dirty="0" smtClean="0"/>
+              <a:t>Masking and unmasking of interrupts and events</a:t>
+            </a:r>
+          </a:p>
+          <a:p>
+            <a:pPr marL="347472" indent="-347472"/>
+            <a:r>
+              <a:rPr lang="en-US" altLang="ko-KR" sz="2000" dirty="0" smtClean="0"/>
+              <a:t>Prioritize interrupt</a:t>
+            </a:r>
+          </a:p>
+          <a:p>
+            <a:pPr marL="347472" indent="-347472"/>
+            <a:r>
+              <a:rPr lang="en-US" altLang="ko-KR" sz="2000" dirty="0" smtClean="0"/>
+              <a:t>Distribution of interrupts to the appropriate processor</a:t>
+            </a:r>
+          </a:p>
+          <a:p>
+            <a:pPr marL="347472" indent="-347472"/>
+            <a:r>
+              <a:rPr lang="en-US" altLang="ko-KR" sz="2000" dirty="0" smtClean="0"/>
+              <a:t>Software generation of interrupts</a:t>
+            </a:r>
+          </a:p>
+          <a:p>
+            <a:pPr marL="347472" indent="-347472"/>
+            <a:r>
+              <a:rPr lang="en-US" altLang="ko-KR" sz="2000" dirty="0" smtClean="0"/>
+              <a:t>Tracking the status of interrupt</a:t>
+            </a:r>
+          </a:p>
+        </p:txBody>
+      </p:sp>
+    </p:spTree>
+  </p:cSld>
+  <p:clrMapOvr>
+    <a:masterClrMapping/>
+  </p:clrMapOvr>
+  <p:transition/>
+  <p:timing>
+    <p:tnLst>
+      <p:par>
+        <p:cTn id="1" dur="indefinite" restart="never" nodeType="tmRoot"/>
+      </p:par>
+    </p:tnLst>
+  </p:timing>
+</p:sld>
+</file>
+
+<file path=ppt/slides/slide42.xml><?xml version="1.0" encoding="utf-8"?>
+<p:sld xmlns:a="http://schemas.openxmlformats.org/drawingml/2006/main" xmlns:r="http://schemas.openxmlformats.org/officeDocument/2006/relationships" xmlns:p="http://schemas.openxmlformats.org/presentationml/2006/main">
+  <p:cSld>
+    <p:spTree>
+      <p:nvGrpSpPr>
+        <p:cNvPr id="1" name=""/>
+        <p:cNvGrpSpPr/>
+        <p:nvPr/>
+      </p:nvGrpSpPr>
+      <p:grpSpPr>
+        <a:xfrm>
+          <a:off x="0" y="0"/>
+          <a:ext cx="0" cy="0"/>
+          <a:chOff x="0" y="0"/>
+          <a:chExt cx="0" cy="0"/>
+        </a:xfrm>
+      </p:grpSpPr>
+      <p:pic>
+        <p:nvPicPr>
+          <p:cNvPr id="5" name="Picture 3"/>
+          <p:cNvPicPr>
+            <a:picLocks noGrp="1" noChangeAspect="1" noChangeArrowheads="1"/>
+          </p:cNvPicPr>
+          <p:nvPr>
+            <p:ph/>
+          </p:nvPr>
+        </p:nvPicPr>
+        <p:blipFill>
+          <a:blip r:embed="rId3" cstate="print"/>
+          <a:srcRect/>
+          <a:stretch>
+            <a:fillRect/>
+          </a:stretch>
+        </p:blipFill>
+        <p:spPr bwMode="auto">
+          <a:xfrm>
+            <a:off x="2804919" y="651351"/>
+            <a:ext cx="5962650" cy="4591050"/>
+          </a:xfrm>
+          <a:prstGeom prst="rect">
+            <a:avLst/>
+          </a:prstGeom>
+          <a:noFill/>
+          <a:ln w="9525">
+            <a:noFill/>
+            <a:miter lim="800000"/>
+            <a:headEnd/>
+            <a:tailEnd/>
+          </a:ln>
+        </p:spPr>
+      </p:pic>
+      <p:sp>
+        <p:nvSpPr>
+          <p:cNvPr id="92165" name="Rectangle 2"/>
+          <p:cNvSpPr>
+            <a:spLocks noGrp="1" noChangeArrowheads="1"/>
+          </p:cNvSpPr>
+          <p:nvPr>
+            <p:ph type="title" idx="4294967295"/>
+          </p:nvPr>
+        </p:nvSpPr>
+        <p:spPr>
+          <a:xfrm>
+            <a:off x="228600" y="0"/>
+            <a:ext cx="8564562" cy="685801"/>
+          </a:xfrm>
+        </p:spPr>
+        <p:txBody>
+          <a:bodyPr>
+            <a:noAutofit/>
+          </a:bodyPr>
+          <a:lstStyle/>
+          <a:p>
+            <a:r>
+              <a:rPr lang="en-US" altLang="ko-KR" sz="3600" dirty="0" smtClean="0"/>
+              <a:t>GIC-400 (ARM Generic Interrupt Controller)</a:t>
+            </a:r>
+          </a:p>
+        </p:txBody>
+      </p:sp>
+      <p:sp>
+        <p:nvSpPr>
+          <p:cNvPr id="92166" name="Rectangle 3"/>
+          <p:cNvSpPr>
+            <a:spLocks noGrp="1" noChangeArrowheads="1"/>
+          </p:cNvSpPr>
+          <p:nvPr>
+            <p:ph type="body" idx="4294967295"/>
+          </p:nvPr>
+        </p:nvSpPr>
+        <p:spPr>
+          <a:xfrm>
+            <a:off x="196383" y="3920441"/>
+            <a:ext cx="8153400" cy="2399336"/>
+          </a:xfrm>
+        </p:spPr>
+        <p:txBody>
+          <a:bodyPr>
+            <a:noAutofit/>
+          </a:bodyPr>
+          <a:lstStyle/>
+          <a:p>
+            <a:pPr marL="274320" indent="-274320">
+              <a:spcBef>
+                <a:spcPts val="600"/>
+              </a:spcBef>
+            </a:pPr>
+            <a:r>
+              <a:rPr lang="en-US" altLang="ko-KR" sz="2000" kern="1200" dirty="0" smtClean="0">
+                <a:latin typeface="Arial" pitchFamily="34" charset="0"/>
+              </a:rPr>
+              <a:t>Event sources:</a:t>
+            </a:r>
+          </a:p>
+          <a:p>
+            <a:pPr marL="571183" lvl="1" indent="-274320">
+              <a:spcBef>
+                <a:spcPts val="600"/>
+              </a:spcBef>
+            </a:pPr>
+            <a:r>
+              <a:rPr lang="en-US" altLang="ko-KR" sz="2000" kern="1200" dirty="0" smtClean="0">
+                <a:latin typeface="Arial" pitchFamily="34" charset="0"/>
+              </a:rPr>
+              <a:t>Various IP and peripherals</a:t>
+            </a:r>
+          </a:p>
+          <a:p>
+            <a:pPr marL="571183" lvl="1" indent="-274320">
+              <a:spcBef>
+                <a:spcPts val="600"/>
+              </a:spcBef>
+            </a:pPr>
+            <a:r>
+              <a:rPr lang="en-US" altLang="ko-KR" sz="2000" kern="1200" dirty="0" smtClean="0">
+                <a:latin typeface="Arial" pitchFamily="34" charset="0"/>
+              </a:rPr>
+              <a:t>Software generated (SGI ) by ARM core</a:t>
+            </a:r>
+          </a:p>
+          <a:p>
+            <a:pPr marL="571183" lvl="1" indent="-274320">
+              <a:spcBef>
+                <a:spcPts val="600"/>
+              </a:spcBef>
+            </a:pPr>
+            <a:r>
+              <a:rPr lang="en-US" altLang="ko-KR" sz="2000" kern="1200" dirty="0" smtClean="0">
+                <a:latin typeface="Arial" pitchFamily="34" charset="0"/>
+              </a:rPr>
+              <a:t>Signal over the AXI interface</a:t>
+            </a:r>
+          </a:p>
+          <a:p>
+            <a:pPr marL="274320" indent="-274320">
+              <a:spcBef>
+                <a:spcPts val="600"/>
+              </a:spcBef>
+            </a:pPr>
+            <a:r>
+              <a:rPr lang="en-US" altLang="ko-KR" sz="2000" kern="1200" dirty="0" smtClean="0">
+                <a:latin typeface="Arial" pitchFamily="34" charset="0"/>
+              </a:rPr>
+              <a:t>Virtual and physical interrupts</a:t>
+            </a:r>
+          </a:p>
+          <a:p>
+            <a:pPr marL="274320" indent="-274320">
+              <a:spcBef>
+                <a:spcPts val="600"/>
+              </a:spcBef>
+            </a:pPr>
+            <a:r>
+              <a:rPr lang="en-US" altLang="ko-KR" sz="2000" kern="1200" dirty="0" smtClean="0">
+                <a:latin typeface="Arial" pitchFamily="34" charset="0"/>
+              </a:rPr>
+              <a:t>Distribution and CPU interfaces</a:t>
+            </a:r>
+          </a:p>
+        </p:txBody>
+      </p:sp>
+    </p:spTree>
+  </p:cSld>
+  <p:clrMapOvr>
+    <a:masterClrMapping/>
+  </p:clrMapOvr>
+  <p:timing>
+    <p:tnLst>
+      <p:par>
+        <p:cTn id="1" dur="indefinite" restart="never" nodeType="tmRoot"/>
+      </p:par>
+    </p:tnLst>
+  </p:timing>
+</p:sld>
+</file>
+
+<file path=ppt/slides/slide43.xml><?xml version="1.0" encoding="utf-8"?>
+<p:sld xmlns:a="http://schemas.openxmlformats.org/drawingml/2006/main" xmlns:r="http://schemas.openxmlformats.org/officeDocument/2006/relationships" xmlns:p="http://schemas.openxmlformats.org/presentationml/2006/main" show="0">
+  <p:cSld>
+    <p:spTree>
+      <p:nvGrpSpPr>
+        <p:cNvPr id="1" name=""/>
+        <p:cNvGrpSpPr/>
+        <p:nvPr/>
+      </p:nvGrpSpPr>
+      <p:grpSpPr>
+        <a:xfrm>
+          <a:off x="0" y="0"/>
+          <a:ext cx="0" cy="0"/>
+          <a:chOff x="0" y="0"/>
+          <a:chExt cx="0" cy="0"/>
+        </a:xfrm>
+      </p:grpSpPr>
+      <p:sp>
+        <p:nvSpPr>
+          <p:cNvPr id="75777" name="Rectangle 2"/>
+          <p:cNvSpPr>
+            <a:spLocks noGrp="1" noChangeArrowheads="1"/>
+          </p:cNvSpPr>
+          <p:nvPr>
+            <p:ph type="title" idx="4294967295"/>
+          </p:nvPr>
+        </p:nvSpPr>
+        <p:spPr>
+          <a:xfrm>
+            <a:off x="0" y="0"/>
+            <a:ext cx="9144000" cy="1122744"/>
+          </a:xfrm>
+        </p:spPr>
+        <p:txBody>
+          <a:bodyPr/>
+          <a:lstStyle/>
+          <a:p>
+            <a:r>
+              <a:rPr lang="en-US" altLang="ko-KR" sz="3600" dirty="0" smtClean="0"/>
+              <a:t>GIC-400 Interrupt Controller</a:t>
+            </a:r>
+            <a:br>
+              <a:rPr lang="en-US" altLang="ko-KR" sz="3600" dirty="0" smtClean="0"/>
+            </a:br>
+            <a:r>
+              <a:rPr lang="en-US" altLang="ko-KR" sz="3600" dirty="0" smtClean="0"/>
+              <a:t>Distributer Side</a:t>
+            </a:r>
+          </a:p>
+        </p:txBody>
+      </p:sp>
+      <p:sp>
+        <p:nvSpPr>
+          <p:cNvPr id="75778" name="Rectangle 3"/>
+          <p:cNvSpPr>
+            <a:spLocks noGrp="1" noChangeArrowheads="1"/>
+          </p:cNvSpPr>
+          <p:nvPr>
+            <p:ph type="body" idx="4294967295"/>
+          </p:nvPr>
+        </p:nvSpPr>
+        <p:spPr>
+          <a:xfrm>
+            <a:off x="152400" y="1388963"/>
+            <a:ext cx="8831579" cy="5046562"/>
+          </a:xfrm>
+        </p:spPr>
+        <p:txBody>
+          <a:bodyPr/>
+          <a:lstStyle/>
+          <a:p>
+            <a:pPr marL="347472" indent="-347472"/>
+            <a:r>
+              <a:rPr lang="en-US" altLang="ko-KR" sz="2200" dirty="0" smtClean="0"/>
+              <a:t>The  ARM Generic Interrupt Controller, the GIC-400, is a high-performance, area-optimized interrupt controller with an Advanced Microcontroller Bus Architecture (AMBA) Advanced eXtensible Interface (AXI) interface.</a:t>
+            </a:r>
+          </a:p>
+          <a:p>
+            <a:pPr marL="347472" indent="-347472"/>
+            <a:r>
+              <a:rPr lang="en-US" altLang="ko-KR" sz="2200" dirty="0" smtClean="0"/>
+              <a:t>Interrupt’s sources</a:t>
+            </a:r>
+          </a:p>
+          <a:p>
+            <a:pPr marL="644335" lvl="1" indent="-347472"/>
+            <a:r>
+              <a:rPr lang="en-US" altLang="ko-KR" sz="2200" dirty="0" smtClean="0"/>
+              <a:t>Up to 1020 interrupts</a:t>
+            </a:r>
+          </a:p>
+          <a:p>
+            <a:pPr marL="644335" lvl="1" indent="-347472"/>
+            <a:r>
+              <a:rPr lang="en-US" altLang="ko-KR" sz="2200" dirty="0" smtClean="0"/>
+              <a:t>4 special purpose interrupts </a:t>
+            </a:r>
+          </a:p>
+          <a:p>
+            <a:pPr marL="644335" lvl="1" indent="-347472"/>
+            <a:r>
+              <a:rPr lang="en-US" altLang="ko-KR" sz="2200" dirty="0" smtClean="0"/>
+              <a:t>Each interrupt has a unique ID </a:t>
+            </a:r>
+          </a:p>
+          <a:p>
+            <a:pPr marL="644335" lvl="1" indent="-347472"/>
+            <a:r>
+              <a:rPr lang="en-US" altLang="ko-KR" sz="2200" dirty="0" smtClean="0"/>
+              <a:t>Private and shared interrupts</a:t>
+            </a:r>
+          </a:p>
+          <a:p>
+            <a:pPr marL="644335" lvl="1" indent="-347472"/>
+            <a:r>
+              <a:rPr lang="en-US" altLang="ko-KR" sz="2200" dirty="0" smtClean="0"/>
+              <a:t>32 ID for private interrupts, 16 for PPI and 16 for software generated interrupts</a:t>
+            </a:r>
+          </a:p>
+          <a:p>
+            <a:pPr marL="918972" lvl="2" indent="-347472"/>
+            <a:r>
+              <a:rPr lang="en-US" altLang="ko-KR" sz="2200" dirty="0" smtClean="0"/>
+              <a:t>Note – These are banked ID, meaning, same ID for different interrupts (for different CPU)</a:t>
+            </a:r>
+          </a:p>
+        </p:txBody>
+      </p:sp>
+    </p:spTree>
+  </p:cSld>
+  <p:clrMapOvr>
+    <a:masterClrMapping/>
+  </p:clrMapOvr>
+  <p:transition/>
+  <p:timing>
+    <p:tnLst>
+      <p:par>
+        <p:cTn id="1" dur="indefinite" restart="never" nodeType="tmRoot"/>
+      </p:par>
+    </p:tnLst>
+  </p:timing>
+</p:sld>
+</file>
+
+<file path=ppt/slides/slide44.xml><?xml version="1.0" encoding="utf-8"?>
+<p:sld xmlns:a="http://schemas.openxmlformats.org/drawingml/2006/main" xmlns:r="http://schemas.openxmlformats.org/officeDocument/2006/relationships" xmlns:p="http://schemas.openxmlformats.org/presentationml/2006/main" show="0">
+  <p:cSld>
+    <p:spTree>
+      <p:nvGrpSpPr>
+        <p:cNvPr id="1" name=""/>
+        <p:cNvGrpSpPr/>
+        <p:nvPr/>
+      </p:nvGrpSpPr>
+      <p:grpSpPr>
+        <a:xfrm>
+          <a:off x="0" y="0"/>
+          <a:ext cx="0" cy="0"/>
+          <a:chOff x="0" y="0"/>
+          <a:chExt cx="0" cy="0"/>
+        </a:xfrm>
+      </p:grpSpPr>
+      <p:sp>
+        <p:nvSpPr>
+          <p:cNvPr id="75777" name="Rectangle 2"/>
+          <p:cNvSpPr>
+            <a:spLocks noGrp="1" noChangeArrowheads="1"/>
+          </p:cNvSpPr>
+          <p:nvPr>
+            <p:ph type="title" idx="4294967295"/>
+          </p:nvPr>
+        </p:nvSpPr>
+        <p:spPr>
+          <a:xfrm>
+            <a:off x="0" y="254643"/>
+            <a:ext cx="9144000" cy="1157468"/>
+          </a:xfrm>
+        </p:spPr>
+        <p:txBody>
+          <a:bodyPr/>
+          <a:lstStyle/>
+          <a:p>
+            <a:r>
+              <a:rPr lang="en-US" altLang="ko-KR" sz="3600" dirty="0" smtClean="0"/>
+              <a:t>GIC-400 Interrupt Controller</a:t>
+            </a:r>
+            <a:br>
+              <a:rPr lang="en-US" altLang="ko-KR" sz="3600" dirty="0" smtClean="0"/>
+            </a:br>
+            <a:r>
+              <a:rPr lang="en-US" altLang="ko-KR" sz="3600" dirty="0" smtClean="0"/>
+              <a:t>CPU Interface</a:t>
+            </a:r>
+          </a:p>
+        </p:txBody>
+      </p:sp>
+      <p:sp>
+        <p:nvSpPr>
+          <p:cNvPr id="75778" name="Rectangle 3"/>
+          <p:cNvSpPr>
+            <a:spLocks noGrp="1" noChangeArrowheads="1"/>
+          </p:cNvSpPr>
+          <p:nvPr>
+            <p:ph type="body" idx="4294967295"/>
+          </p:nvPr>
+        </p:nvSpPr>
+        <p:spPr>
+          <a:xfrm>
+            <a:off x="152400" y="2083443"/>
+            <a:ext cx="8831579" cy="4363077"/>
+          </a:xfrm>
+        </p:spPr>
+        <p:txBody>
+          <a:bodyPr/>
+          <a:lstStyle/>
+          <a:p>
+            <a:pPr marL="347472" indent="-347472"/>
+            <a:r>
+              <a:rPr lang="en-US" altLang="ko-KR" sz="2400" dirty="0" smtClean="0"/>
+              <a:t>Signal to the CPU is FIQ or IRQ</a:t>
+            </a:r>
+          </a:p>
+          <a:p>
+            <a:pPr marL="347472" indent="-347472"/>
+            <a:r>
+              <a:rPr lang="en-US" altLang="ko-KR" sz="2400" dirty="0" smtClean="0"/>
+              <a:t>Grouping</a:t>
+            </a:r>
+          </a:p>
+          <a:p>
+            <a:pPr marL="644335" lvl="1" indent="-347472"/>
+            <a:r>
+              <a:rPr lang="en-US" altLang="ko-KR" sz="2400" dirty="0" smtClean="0"/>
+              <a:t>Group 0 interrupts can be sent to processors using IRQ or FIQ</a:t>
+            </a:r>
+          </a:p>
+          <a:p>
+            <a:pPr marL="644335" lvl="1" indent="-347472"/>
+            <a:r>
+              <a:rPr lang="en-US" altLang="ko-KR" sz="2400" dirty="0" smtClean="0"/>
+              <a:t>Group 1 interrupts can be sent only via IRQ</a:t>
+            </a:r>
+          </a:p>
+          <a:p>
+            <a:pPr marL="347472" indent="-347472"/>
+            <a:r>
+              <a:rPr lang="en-US" altLang="ko-KR" sz="2400" dirty="0" smtClean="0"/>
+              <a:t>Interrupt state – pending, active,  active pending</a:t>
+            </a:r>
+          </a:p>
+          <a:p>
+            <a:pPr marL="347472" indent="-347472"/>
+            <a:r>
+              <a:rPr lang="en-US" altLang="ko-KR" sz="2400" dirty="0" smtClean="0"/>
+              <a:t>CPU acknowledge the interrupt </a:t>
+            </a:r>
+          </a:p>
+          <a:p>
+            <a:pPr marL="644335" lvl="1" indent="-347472"/>
+            <a:r>
+              <a:rPr lang="en-US" altLang="ko-KR" sz="2400" dirty="0" smtClean="0"/>
+              <a:t>Status of interrupt is changing from pending to active or active pending, enable other interrupts </a:t>
+            </a:r>
+          </a:p>
+        </p:txBody>
+      </p:sp>
+    </p:spTree>
+  </p:cSld>
+  <p:clrMapOvr>
+    <a:masterClrMapping/>
+  </p:clrMapOvr>
+  <p:transition/>
+  <p:timing>
+    <p:tnLst>
+      <p:par>
+        <p:cTn id="1" dur="indefinite" restart="never" nodeType="tmRoot"/>
+      </p:par>
+    </p:tnLst>
+  </p:timing>
+</p:sld>
+</file>
+
+<file path=ppt/slides/slide45.xml><?xml version="1.0" encoding="utf-8"?>
 <p:sld xmlns:a="http://schemas.openxmlformats.org/drawingml/2006/main" xmlns:r="http://schemas.openxmlformats.org/officeDocument/2006/relationships" xmlns:p="http://schemas.openxmlformats.org/presentationml/2006/main" show="0">
   <p:cSld>
     <p:spTree>
@@ -9960,610 +12439,6 @@
 </p:sld>
 </file>
 
-<file path=ppt/slides/slide41.xml><?xml version="1.0" encoding="utf-8"?>
-<p:sld xmlns:a="http://schemas.openxmlformats.org/drawingml/2006/main" xmlns:r="http://schemas.openxmlformats.org/officeDocument/2006/relationships" xmlns:p="http://schemas.openxmlformats.org/presentationml/2006/main">
-  <p:cSld>
-    <p:spTree>
-      <p:nvGrpSpPr>
-        <p:cNvPr id="1" name=""/>
-        <p:cNvGrpSpPr/>
-        <p:nvPr/>
-      </p:nvGrpSpPr>
-      <p:grpSpPr>
-        <a:xfrm>
-          <a:off x="0" y="0"/>
-          <a:ext cx="0" cy="0"/>
-          <a:chOff x="0" y="0"/>
-          <a:chExt cx="0" cy="0"/>
-        </a:xfrm>
-      </p:grpSpPr>
-      <p:sp>
-        <p:nvSpPr>
-          <p:cNvPr id="2" name="Title 1"/>
-          <p:cNvSpPr>
-            <a:spLocks noGrp="1"/>
-          </p:cNvSpPr>
-          <p:nvPr>
-            <p:ph type="title"/>
-          </p:nvPr>
-        </p:nvSpPr>
-        <p:spPr/>
-        <p:txBody>
-          <a:bodyPr>
-            <a:normAutofit/>
-          </a:bodyPr>
-          <a:lstStyle/>
-          <a:p>
-            <a:r>
-              <a:rPr lang="en-US" sz="4000" dirty="0" smtClean="0"/>
-              <a:t>Power Management</a:t>
-            </a:r>
-            <a:endParaRPr lang="en-US" sz="4000" dirty="0"/>
-          </a:p>
-        </p:txBody>
-      </p:sp>
-      <p:sp>
-        <p:nvSpPr>
-          <p:cNvPr id="3" name="Content Placeholder 2"/>
-          <p:cNvSpPr>
-            <a:spLocks noGrp="1"/>
-          </p:cNvSpPr>
-          <p:nvPr>
-            <p:ph idx="1"/>
-          </p:nvPr>
-        </p:nvSpPr>
-        <p:spPr/>
-        <p:txBody>
-          <a:bodyPr>
-            <a:normAutofit/>
-          </a:bodyPr>
-          <a:lstStyle/>
-          <a:p>
-            <a:r>
-              <a:rPr lang="en-US" dirty="0" smtClean="0"/>
-              <a:t>ARM CorePac in KeyStone II</a:t>
-            </a:r>
-          </a:p>
-          <a:p>
-            <a:r>
-              <a:rPr lang="en-US" dirty="0" smtClean="0"/>
-              <a:t>ARM Cortex A-15 Features</a:t>
-            </a:r>
-          </a:p>
-          <a:p>
-            <a:r>
-              <a:rPr lang="en-US" dirty="0" smtClean="0"/>
-              <a:t>Interface to the SOC and Coherency Issues</a:t>
-            </a:r>
-          </a:p>
-          <a:p>
-            <a:r>
-              <a:rPr lang="en-US" dirty="0" smtClean="0"/>
-              <a:t>Benchmarks</a:t>
-            </a:r>
-          </a:p>
-          <a:p>
-            <a:r>
-              <a:rPr lang="en-US" dirty="0" smtClean="0"/>
-              <a:t>Interrupt Controller</a:t>
-            </a:r>
-          </a:p>
-          <a:p>
-            <a:r>
-              <a:rPr lang="en-US" b="1" dirty="0" smtClean="0"/>
-              <a:t>Power Management</a:t>
-            </a:r>
-          </a:p>
-          <a:p>
-            <a:r>
-              <a:rPr lang="en-US" dirty="0" smtClean="0"/>
-              <a:t>Debug and Trace</a:t>
-            </a:r>
-          </a:p>
-        </p:txBody>
-      </p:sp>
-    </p:spTree>
-  </p:cSld>
-  <p:clrMapOvr>
-    <a:masterClrMapping/>
-  </p:clrMapOvr>
-</p:sld>
-</file>
-
-<file path=ppt/slides/slide42.xml><?xml version="1.0" encoding="utf-8"?>
-<p:sld xmlns:a="http://schemas.openxmlformats.org/drawingml/2006/main" xmlns:r="http://schemas.openxmlformats.org/officeDocument/2006/relationships" xmlns:p="http://schemas.openxmlformats.org/presentationml/2006/main">
-  <p:cSld>
-    <p:spTree>
-      <p:nvGrpSpPr>
-        <p:cNvPr id="1" name=""/>
-        <p:cNvGrpSpPr/>
-        <p:nvPr/>
-      </p:nvGrpSpPr>
-      <p:grpSpPr>
-        <a:xfrm>
-          <a:off x="0" y="0"/>
-          <a:ext cx="0" cy="0"/>
-          <a:chOff x="0" y="0"/>
-          <a:chExt cx="0" cy="0"/>
-        </a:xfrm>
-      </p:grpSpPr>
-      <p:sp>
-        <p:nvSpPr>
-          <p:cNvPr id="2" name="Title 1"/>
-          <p:cNvSpPr>
-            <a:spLocks noGrp="1"/>
-          </p:cNvSpPr>
-          <p:nvPr>
-            <p:ph type="title"/>
-          </p:nvPr>
-        </p:nvSpPr>
-        <p:spPr>
-          <a:xfrm>
-            <a:off x="457200" y="114618"/>
-            <a:ext cx="8229600" cy="792162"/>
-          </a:xfrm>
-        </p:spPr>
-        <p:txBody>
-          <a:bodyPr>
-            <a:normAutofit/>
-          </a:bodyPr>
-          <a:lstStyle/>
-          <a:p>
-            <a:r>
-              <a:rPr lang="en-US" sz="4000" dirty="0" smtClean="0"/>
-              <a:t>Advanced Power Management</a:t>
-            </a:r>
-            <a:endParaRPr lang="en-US" sz="4000" dirty="0"/>
-          </a:p>
-        </p:txBody>
-      </p:sp>
-      <p:sp>
-        <p:nvSpPr>
-          <p:cNvPr id="3" name="Content Placeholder 2"/>
-          <p:cNvSpPr>
-            <a:spLocks noGrp="1"/>
-          </p:cNvSpPr>
-          <p:nvPr>
-            <p:ph idx="1"/>
-          </p:nvPr>
-        </p:nvSpPr>
-        <p:spPr/>
-        <p:txBody>
-          <a:bodyPr>
-            <a:normAutofit/>
-          </a:bodyPr>
-          <a:lstStyle/>
-          <a:p>
-            <a:r>
-              <a:rPr lang="en-US" sz="2800" dirty="0" smtClean="0"/>
-              <a:t>Multiple power domains inside the ARM CorePac</a:t>
-            </a:r>
-          </a:p>
-          <a:p>
-            <a:r>
-              <a:rPr lang="en-US" sz="2800" dirty="0" smtClean="0"/>
-              <a:t>Extremely fast </a:t>
-            </a:r>
-            <a:r>
-              <a:rPr lang="en-US" sz="2800" i="1" dirty="0" smtClean="0"/>
-              <a:t>state save </a:t>
-            </a:r>
-            <a:r>
-              <a:rPr lang="en-US" sz="2800" dirty="0" smtClean="0"/>
-              <a:t>and </a:t>
-            </a:r>
-            <a:r>
-              <a:rPr lang="en-US" sz="2800" i="1" dirty="0" smtClean="0"/>
-              <a:t>restore</a:t>
-            </a:r>
-            <a:r>
-              <a:rPr lang="en-US" sz="2800" dirty="0" smtClean="0"/>
-              <a:t> speeds up hibernation</a:t>
-            </a:r>
-          </a:p>
-          <a:p>
-            <a:r>
-              <a:rPr lang="en-US" sz="2800" dirty="0" smtClean="0"/>
-              <a:t>Fine-grain pipeline shutdown using 32-entry loop buffer disables fetch and some decode pipeline stages.</a:t>
-            </a:r>
-          </a:p>
-        </p:txBody>
-      </p:sp>
-    </p:spTree>
-    <p:custDataLst>
-      <p:tags r:id="rId1"/>
-    </p:custDataLst>
-  </p:cSld>
-  <p:clrMapOvr>
-    <a:masterClrMapping/>
-  </p:clrMapOvr>
-  <p:timing>
-    <p:tnLst>
-      <p:par>
-        <p:cTn id="1" dur="indefinite" restart="never" nodeType="tmRoot"/>
-      </p:par>
-    </p:tnLst>
-  </p:timing>
-</p:sld>
-</file>
-
-<file path=ppt/slides/slide43.xml><?xml version="1.0" encoding="utf-8"?>
-<p:sld xmlns:a="http://schemas.openxmlformats.org/drawingml/2006/main" xmlns:r="http://schemas.openxmlformats.org/officeDocument/2006/relationships" xmlns:p="http://schemas.openxmlformats.org/presentationml/2006/main">
-  <p:cSld>
-    <p:spTree>
-      <p:nvGrpSpPr>
-        <p:cNvPr id="1" name=""/>
-        <p:cNvGrpSpPr/>
-        <p:nvPr/>
-      </p:nvGrpSpPr>
-      <p:grpSpPr>
-        <a:xfrm>
-          <a:off x="0" y="0"/>
-          <a:ext cx="0" cy="0"/>
-          <a:chOff x="0" y="0"/>
-          <a:chExt cx="0" cy="0"/>
-        </a:xfrm>
-      </p:grpSpPr>
-      <p:sp>
-        <p:nvSpPr>
-          <p:cNvPr id="2" name="Title 1"/>
-          <p:cNvSpPr>
-            <a:spLocks noGrp="1"/>
-          </p:cNvSpPr>
-          <p:nvPr>
-            <p:ph type="title"/>
-          </p:nvPr>
-        </p:nvSpPr>
-        <p:spPr/>
-        <p:txBody>
-          <a:bodyPr/>
-          <a:lstStyle/>
-          <a:p>
-            <a:r>
-              <a:rPr lang="en-US" sz="4000" dirty="0" smtClean="0"/>
-              <a:t>Energy Efficiency</a:t>
-            </a:r>
-            <a:endParaRPr lang="en-US" sz="4000" dirty="0"/>
-          </a:p>
-        </p:txBody>
-      </p:sp>
-      <p:sp>
-        <p:nvSpPr>
-          <p:cNvPr id="3" name="Content Placeholder 2"/>
-          <p:cNvSpPr>
-            <a:spLocks noGrp="1"/>
-          </p:cNvSpPr>
-          <p:nvPr>
-            <p:ph idx="1"/>
-          </p:nvPr>
-        </p:nvSpPr>
-        <p:spPr>
-          <a:xfrm>
-            <a:off x="344031" y="990600"/>
-            <a:ext cx="8437829" cy="5334000"/>
-          </a:xfrm>
-        </p:spPr>
-        <p:txBody>
-          <a:bodyPr>
-            <a:normAutofit/>
-          </a:bodyPr>
-          <a:lstStyle/>
-          <a:p>
-            <a:r>
-              <a:rPr lang="en-US" sz="2800" dirty="0" smtClean="0"/>
-              <a:t>Clock gating inside the ARM CorePac:</a:t>
-            </a:r>
-          </a:p>
-          <a:p>
-            <a:pPr lvl="1"/>
-            <a:r>
-              <a:rPr lang="en-US" sz="2400" dirty="0" smtClean="0"/>
-              <a:t>Total dynamic power consumption for a fully-loaded 1.4GHz core will range from 1.2W to 0.35W depending on the type of instructions it runs.</a:t>
-            </a:r>
-          </a:p>
-          <a:p>
-            <a:pPr lvl="1"/>
-            <a:r>
-              <a:rPr lang="en-US" sz="2400" dirty="0" smtClean="0"/>
-              <a:t>Wait for interrupt and event (WFI, WFE) instructions bring the dynamic power down to &lt;0.1W per core.</a:t>
-            </a:r>
-          </a:p>
-          <a:p>
-            <a:r>
-              <a:rPr lang="en-US" sz="2800" dirty="0" smtClean="0"/>
-              <a:t>Power switches per core and per CorePac including L2:</a:t>
-            </a:r>
-          </a:p>
-          <a:p>
-            <a:pPr lvl="1"/>
-            <a:r>
-              <a:rPr lang="en-US" sz="2400" dirty="0" smtClean="0"/>
-              <a:t>Each ARM A15 core can be shut down independently.</a:t>
-            </a:r>
-          </a:p>
-          <a:p>
-            <a:pPr lvl="1"/>
-            <a:r>
-              <a:rPr lang="en-US" sz="2400" dirty="0" smtClean="0"/>
-              <a:t>The entire ARM A15 CorePac, including the 4MB/1MB L2 cache, can also be shut down.</a:t>
-            </a:r>
-          </a:p>
-          <a:p>
-            <a:pPr lvl="1"/>
-            <a:r>
-              <a:rPr lang="en-US" sz="2400" dirty="0" smtClean="0"/>
-              <a:t>Reduces static power to &lt;5%</a:t>
-            </a:r>
-            <a:endParaRPr lang="en-US" sz="2400" dirty="0"/>
-          </a:p>
-        </p:txBody>
-      </p:sp>
-    </p:spTree>
-    <p:custDataLst>
-      <p:tags r:id="rId1"/>
-    </p:custDataLst>
-  </p:cSld>
-  <p:clrMapOvr>
-    <a:masterClrMapping/>
-  </p:clrMapOvr>
-  <p:timing>
-    <p:tnLst>
-      <p:par>
-        <p:cTn id="1" dur="indefinite" restart="never" nodeType="tmRoot"/>
-      </p:par>
-    </p:tnLst>
-  </p:timing>
-</p:sld>
-</file>
-
-<file path=ppt/slides/slide44.xml><?xml version="1.0" encoding="utf-8"?>
-<p:sld xmlns:a="http://schemas.openxmlformats.org/drawingml/2006/main" xmlns:r="http://schemas.openxmlformats.org/officeDocument/2006/relationships" xmlns:p="http://schemas.openxmlformats.org/presentationml/2006/main">
-  <p:cSld>
-    <p:spTree>
-      <p:nvGrpSpPr>
-        <p:cNvPr id="1" name=""/>
-        <p:cNvGrpSpPr/>
-        <p:nvPr/>
-      </p:nvGrpSpPr>
-      <p:grpSpPr>
-        <a:xfrm>
-          <a:off x="0" y="0"/>
-          <a:ext cx="0" cy="0"/>
-          <a:chOff x="0" y="0"/>
-          <a:chExt cx="0" cy="0"/>
-        </a:xfrm>
-      </p:grpSpPr>
-      <p:sp>
-        <p:nvSpPr>
-          <p:cNvPr id="2" name="Title 1"/>
-          <p:cNvSpPr>
-            <a:spLocks noGrp="1"/>
-          </p:cNvSpPr>
-          <p:nvPr>
-            <p:ph type="title"/>
-          </p:nvPr>
-        </p:nvSpPr>
-        <p:spPr/>
-        <p:txBody>
-          <a:bodyPr>
-            <a:normAutofit/>
-          </a:bodyPr>
-          <a:lstStyle/>
-          <a:p>
-            <a:r>
-              <a:rPr lang="en-US" sz="4000" dirty="0" smtClean="0"/>
-              <a:t>Debug and Trace</a:t>
-            </a:r>
-            <a:endParaRPr lang="en-US" sz="4000" dirty="0"/>
-          </a:p>
-        </p:txBody>
-      </p:sp>
-      <p:sp>
-        <p:nvSpPr>
-          <p:cNvPr id="3" name="Content Placeholder 2"/>
-          <p:cNvSpPr>
-            <a:spLocks noGrp="1"/>
-          </p:cNvSpPr>
-          <p:nvPr>
-            <p:ph idx="1"/>
-          </p:nvPr>
-        </p:nvSpPr>
-        <p:spPr/>
-        <p:txBody>
-          <a:bodyPr>
-            <a:normAutofit/>
-          </a:bodyPr>
-          <a:lstStyle/>
-          <a:p>
-            <a:r>
-              <a:rPr lang="en-US" dirty="0" smtClean="0"/>
-              <a:t>ARM CorePac in KeyStone II</a:t>
-            </a:r>
-          </a:p>
-          <a:p>
-            <a:r>
-              <a:rPr lang="en-US" dirty="0" smtClean="0"/>
-              <a:t>ARM Cortex A-15 Features</a:t>
-            </a:r>
-          </a:p>
-          <a:p>
-            <a:r>
-              <a:rPr lang="en-US" dirty="0" smtClean="0"/>
-              <a:t>Interface to the SOC and Coherency Issues</a:t>
-            </a:r>
-          </a:p>
-          <a:p>
-            <a:r>
-              <a:rPr lang="en-US" dirty="0" smtClean="0"/>
-              <a:t>Benchmark</a:t>
-            </a:r>
-          </a:p>
-          <a:p>
-            <a:r>
-              <a:rPr lang="en-US" dirty="0" smtClean="0"/>
-              <a:t>Interrupt Controller</a:t>
-            </a:r>
-          </a:p>
-          <a:p>
-            <a:r>
-              <a:rPr lang="en-US" dirty="0" smtClean="0"/>
-              <a:t>Power Management</a:t>
-            </a:r>
-          </a:p>
-          <a:p>
-            <a:r>
-              <a:rPr lang="en-US" b="1" dirty="0" smtClean="0"/>
-              <a:t>Debug and Trace</a:t>
-            </a:r>
-          </a:p>
-          <a:p>
-            <a:endParaRPr lang="en-US" dirty="0"/>
-          </a:p>
-        </p:txBody>
-      </p:sp>
-    </p:spTree>
-  </p:cSld>
-  <p:clrMapOvr>
-    <a:masterClrMapping/>
-  </p:clrMapOvr>
-</p:sld>
-</file>
-
-<file path=ppt/slides/slide45.xml><?xml version="1.0" encoding="utf-8"?>
-<p:sld xmlns:a="http://schemas.openxmlformats.org/drawingml/2006/main" xmlns:r="http://schemas.openxmlformats.org/officeDocument/2006/relationships" xmlns:p="http://schemas.openxmlformats.org/presentationml/2006/main">
-  <p:cSld>
-    <p:spTree>
-      <p:nvGrpSpPr>
-        <p:cNvPr id="1" name=""/>
-        <p:cNvGrpSpPr/>
-        <p:nvPr/>
-      </p:nvGrpSpPr>
-      <p:grpSpPr>
-        <a:xfrm>
-          <a:off x="0" y="0"/>
-          <a:ext cx="0" cy="0"/>
-          <a:chOff x="0" y="0"/>
-          <a:chExt cx="0" cy="0"/>
-        </a:xfrm>
-      </p:grpSpPr>
-      <p:sp>
-        <p:nvSpPr>
-          <p:cNvPr id="2" name="Title 1"/>
-          <p:cNvSpPr>
-            <a:spLocks noGrp="1"/>
-          </p:cNvSpPr>
-          <p:nvPr>
-            <p:ph type="title"/>
-          </p:nvPr>
-        </p:nvSpPr>
-        <p:spPr/>
-        <p:txBody>
-          <a:bodyPr/>
-          <a:lstStyle/>
-          <a:p>
-            <a:r>
-              <a:rPr lang="en-US" sz="4000" dirty="0" smtClean="0"/>
-              <a:t>Debug and Trace Options</a:t>
-            </a:r>
-            <a:endParaRPr lang="en-US" sz="4000" dirty="0"/>
-          </a:p>
-        </p:txBody>
-      </p:sp>
-      <p:sp>
-        <p:nvSpPr>
-          <p:cNvPr id="3" name="Content Placeholder 2"/>
-          <p:cNvSpPr>
-            <a:spLocks noGrp="1"/>
-          </p:cNvSpPr>
-          <p:nvPr>
-            <p:ph idx="1"/>
-          </p:nvPr>
-        </p:nvSpPr>
-        <p:spPr/>
-        <p:txBody>
-          <a:bodyPr>
-            <a:normAutofit/>
-          </a:bodyPr>
-          <a:lstStyle/>
-          <a:p>
-            <a:r>
-              <a:rPr lang="en-US" sz="2400" dirty="0" smtClean="0"/>
-              <a:t>Lab-based debug; CCSv5 gives full support</a:t>
-            </a:r>
-          </a:p>
-          <a:p>
-            <a:pPr lvl="1"/>
-            <a:r>
-              <a:rPr lang="en-US" sz="2400" dirty="0" smtClean="0"/>
-              <a:t>Run-Time debug module</a:t>
-            </a:r>
-          </a:p>
-          <a:p>
-            <a:r>
-              <a:rPr lang="en-US" sz="2400" dirty="0" smtClean="0"/>
-              <a:t>PMU  - performance Monitoring Unit</a:t>
-            </a:r>
-          </a:p>
-          <a:p>
-            <a:pPr lvl="1"/>
-            <a:r>
-              <a:rPr lang="en-US" sz="2400" dirty="0" smtClean="0"/>
-              <a:t>Set of counters that can count various events</a:t>
-            </a:r>
-          </a:p>
-          <a:p>
-            <a:r>
-              <a:rPr lang="en-US" sz="2400" dirty="0" smtClean="0"/>
-              <a:t>Trace Macrocell</a:t>
-            </a:r>
-          </a:p>
-          <a:p>
-            <a:pPr lvl="1"/>
-            <a:r>
-              <a:rPr lang="en-US" sz="2400" dirty="0" smtClean="0"/>
-              <a:t>Logic to control the trace</a:t>
-            </a:r>
-          </a:p>
-          <a:p>
-            <a:pPr lvl="1"/>
-            <a:r>
-              <a:rPr lang="en-US" sz="2400" dirty="0" smtClean="0"/>
-              <a:t>Path to move the trace data outside</a:t>
-            </a:r>
-          </a:p>
-          <a:p>
-            <a:r>
-              <a:rPr lang="en-US" sz="2400" dirty="0" smtClean="0"/>
-              <a:t>Cross trigger unit</a:t>
-            </a:r>
-          </a:p>
-          <a:p>
-            <a:pPr lvl="1"/>
-            <a:r>
-              <a:rPr lang="en-US" sz="2400" dirty="0" smtClean="0"/>
-              <a:t>Enable event from one CPU to trigger trace at another CPU </a:t>
-            </a:r>
-          </a:p>
-        </p:txBody>
-      </p:sp>
-    </p:spTree>
-    <p:custDataLst>
-      <p:tags r:id="rId1"/>
-    </p:custDataLst>
-  </p:cSld>
-  <p:clrMapOvr>
-    <a:masterClrMapping/>
-  </p:clrMapOvr>
-  <p:timing>
-    <p:tnLst>
-      <p:par>
-        <p:cTn id="1" dur="indefinite" restart="never" nodeType="tmRoot"/>
-      </p:par>
-    </p:tnLst>
-  </p:timing>
-</p:sld>
-</file>
-
 <file path=ppt/slides/slide46.xml><?xml version="1.0" encoding="utf-8"?>
 <p:sld xmlns:a="http://schemas.openxmlformats.org/drawingml/2006/main" xmlns:r="http://schemas.openxmlformats.org/officeDocument/2006/relationships" xmlns:p="http://schemas.openxmlformats.org/presentationml/2006/main">
   <p:cSld>
@@ -10593,12 +12468,14 @@
         </p:nvSpPr>
         <p:spPr/>
         <p:txBody>
-          <a:bodyPr/>
+          <a:bodyPr>
+            <a:normAutofit/>
+          </a:bodyPr>
           <a:lstStyle/>
           <a:p>
             <a:r>
               <a:rPr lang="en-US" sz="4000" dirty="0" smtClean="0"/>
-              <a:t>Lab-Based Debug</a:t>
+              <a:t>Power Management</a:t>
             </a:r>
             <a:endParaRPr lang="en-US" sz="4000" dirty="0"/>
           </a:p>
@@ -10614,60 +12491,61 @@
             <p:ph idx="1"/>
           </p:nvPr>
         </p:nvSpPr>
-        <p:spPr>
-          <a:xfrm>
-            <a:off x="381000" y="1665838"/>
-            <a:ext cx="8229600" cy="3210962"/>
-          </a:xfrm>
-        </p:spPr>
+        <p:spPr/>
         <p:txBody>
           <a:bodyPr>
-            <a:noAutofit/>
+            <a:normAutofit/>
           </a:bodyPr>
           <a:lstStyle/>
           <a:p>
             <a:r>
-              <a:rPr lang="en-US" sz="2800" dirty="0" smtClean="0"/>
-              <a:t>CCSv5 works with the ARM cores. </a:t>
-            </a:r>
-          </a:p>
-          <a:p>
-            <a:r>
-              <a:rPr lang="en-US" sz="2800" dirty="0" smtClean="0"/>
-              <a:t>The ARM integrated development environment, RealView Development Suite (RDS), provides lab-based debug facilities (breakpoint, memory view, etc.).</a:t>
-            </a:r>
-          </a:p>
-          <a:p>
-            <a:pPr lvl="1"/>
-            <a:r>
               <a:rPr lang="en-US" dirty="0" smtClean="0"/>
-              <a:t>GNU Debugger (GDB)</a:t>
-            </a:r>
-          </a:p>
-          <a:p>
-            <a:r>
-              <a:rPr lang="en-US" sz="2800" dirty="0" smtClean="0"/>
-              <a:t>ARM hardware Debug registers facilitate debugging</a:t>
-            </a:r>
-            <a:endParaRPr lang="en-US" sz="2800" dirty="0"/>
+              <a:t>ARM CorePac in KeyStone II</a:t>
+            </a:r>
+          </a:p>
+          <a:p>
+            <a:r>
+              <a:rPr lang="en-US" dirty="0" smtClean="0"/>
+              <a:t>ARM Cortex A-15 Features</a:t>
+            </a:r>
+          </a:p>
+          <a:p>
+            <a:r>
+              <a:rPr lang="en-US" dirty="0" smtClean="0"/>
+              <a:t>Interface to the SOC and Coherency Issues</a:t>
+            </a:r>
+          </a:p>
+          <a:p>
+            <a:r>
+              <a:rPr lang="en-US" dirty="0" smtClean="0"/>
+              <a:t>Benchmarks</a:t>
+            </a:r>
+          </a:p>
+          <a:p>
+            <a:r>
+              <a:rPr lang="en-US" dirty="0" smtClean="0"/>
+              <a:t>Interrupt Controller</a:t>
+            </a:r>
+          </a:p>
+          <a:p>
+            <a:r>
+              <a:rPr lang="en-US" b="1" dirty="0" smtClean="0"/>
+              <a:t>Power Management</a:t>
+            </a:r>
+          </a:p>
+          <a:p>
+            <a:r>
+              <a:rPr lang="en-US" dirty="0" smtClean="0"/>
+              <a:t>Debug and Trace</a:t>
+            </a:r>
           </a:p>
         </p:txBody>
       </p:sp>
     </p:spTree>
-    <p:custDataLst>
-      <p:tags r:id="rId1"/>
-    </p:custDataLst>
   </p:cSld>
   <p:clrMapOvr>
     <a:masterClrMapping/>
   </p:clrMapOvr>
-  <p:timing>
-    <p:tnLst>
-      <p:par>
-        <p:cTn id="1" dur="indefinite" restart="never" nodeType="tmRoot"/>
-      </p:par>
-    </p:tnLst>
-  </p:timing>
 </p:sld>
 </file>
 
@@ -10698,56 +12576,93 @@
             <p:ph type="title"/>
           </p:nvPr>
         </p:nvSpPr>
+        <p:spPr>
+          <a:xfrm>
+            <a:off x="457200" y="114618"/>
+            <a:ext cx="8229600" cy="792162"/>
+          </a:xfrm>
+        </p:spPr>
+        <p:txBody>
+          <a:bodyPr>
+            <a:normAutofit/>
+          </a:bodyPr>
+          <a:lstStyle/>
+          <a:p>
+            <a:r>
+              <a:rPr lang="en-US" sz="4000" dirty="0" smtClean="0"/>
+              <a:t>Advanced Power Management</a:t>
+            </a:r>
+            <a:endParaRPr lang="en-US" sz="4000" dirty="0"/>
+          </a:p>
+        </p:txBody>
+      </p:sp>
+      <p:sp>
+        <p:nvSpPr>
+          <p:cNvPr id="3" name="Content Placeholder 2"/>
+          <p:cNvSpPr>
+            <a:spLocks noGrp="1"/>
+          </p:cNvSpPr>
+          <p:nvPr>
+            <p:ph idx="1"/>
+          </p:nvPr>
+        </p:nvSpPr>
         <p:spPr/>
         <p:txBody>
-          <a:bodyPr/>
-          <a:lstStyle/>
-          <a:p>
-            <a:r>
-              <a:rPr lang="en-US" sz="3600" dirty="0" smtClean="0"/>
-              <a:t>PMU Block Diagram</a:t>
-            </a:r>
-            <a:endParaRPr lang="en-US" sz="3600" dirty="0"/>
-          </a:p>
-        </p:txBody>
-      </p:sp>
-      <p:pic>
-        <p:nvPicPr>
-          <p:cNvPr id="129026" name="Picture 2"/>
-          <p:cNvPicPr>
-            <a:picLocks noChangeAspect="1" noChangeArrowheads="1"/>
-          </p:cNvPicPr>
-          <p:nvPr/>
-        </p:nvPicPr>
-        <p:blipFill>
-          <a:blip r:embed="rId2" cstate="print"/>
-          <a:srcRect/>
-          <a:stretch>
-            <a:fillRect/>
-          </a:stretch>
-        </p:blipFill>
-        <p:spPr bwMode="auto">
-          <a:xfrm>
-            <a:off x="1319514" y="1099114"/>
-            <a:ext cx="6895799" cy="4939736"/>
-          </a:xfrm>
-          <a:prstGeom prst="rect">
-            <a:avLst/>
-          </a:prstGeom>
-          <a:noFill/>
-          <a:ln w="9525">
-            <a:noFill/>
-            <a:miter lim="800000"/>
-            <a:headEnd/>
-            <a:tailEnd/>
-          </a:ln>
-        </p:spPr>
-      </p:pic>
+          <a:bodyPr>
+            <a:normAutofit/>
+          </a:bodyPr>
+          <a:lstStyle/>
+          <a:p>
+            <a:r>
+              <a:rPr lang="en-US" sz="2800" dirty="0" smtClean="0"/>
+              <a:t>Multiple power domains inside the ARM CorePac</a:t>
+            </a:r>
+          </a:p>
+          <a:p>
+            <a:r>
+              <a:rPr lang="en-US" sz="2800" dirty="0" smtClean="0"/>
+              <a:t>Extremely fast </a:t>
+            </a:r>
+            <a:r>
+              <a:rPr lang="en-US" sz="2800" i="1" dirty="0" smtClean="0"/>
+              <a:t>state save </a:t>
+            </a:r>
+            <a:r>
+              <a:rPr lang="en-US" sz="2800" dirty="0" smtClean="0"/>
+              <a:t>and </a:t>
+            </a:r>
+            <a:r>
+              <a:rPr lang="en-US" sz="2800" i="1" dirty="0" smtClean="0"/>
+              <a:t>restore</a:t>
+            </a:r>
+            <a:r>
+              <a:rPr lang="en-US" sz="2800" dirty="0" smtClean="0"/>
+              <a:t> speeds up hibernation</a:t>
+            </a:r>
+          </a:p>
+          <a:p>
+            <a:r>
+              <a:rPr lang="en-US" sz="2800" dirty="0" smtClean="0"/>
+              <a:t>Fine-grain pipeline shutdown using 32-entry loop buffer disables fetch and some decode pipeline stages.</a:t>
+            </a:r>
+          </a:p>
+        </p:txBody>
+      </p:sp>
     </p:spTree>
+    <p:custDataLst>
+      <p:tags r:id="rId1"/>
+    </p:custDataLst>
   </p:cSld>
   <p:clrMapOvr>
     <a:masterClrMapping/>
   </p:clrMapOvr>
+  <p:timing>
+    <p:tnLst>
+      <p:par>
+        <p:cTn id="1" dur="indefinite" restart="never" nodeType="tmRoot"/>
+      </p:par>
+    </p:tnLst>
+  </p:timing>
 </p:sld>
 </file>
 
@@ -10784,10 +12699,10 @@
           <a:lstStyle/>
           <a:p>
             <a:r>
-              <a:rPr lang="en-US" sz="3600" dirty="0" smtClean="0"/>
-              <a:t>Trace Macrocell</a:t>
-            </a:r>
-            <a:endParaRPr lang="en-US" sz="3600" dirty="0"/>
+              <a:rPr lang="en-US" sz="4000" dirty="0" smtClean="0"/>
+              <a:t>Energy Efficiency</a:t>
+            </a:r>
+            <a:endParaRPr lang="en-US" sz="4000" dirty="0"/>
           </a:p>
         </p:txBody>
       </p:sp>
@@ -10803,62 +12718,65 @@
         </p:nvSpPr>
         <p:spPr>
           <a:xfrm>
-            <a:off x="449580" y="1402080"/>
-            <a:ext cx="8229600" cy="2057400"/>
+            <a:off x="344031" y="990600"/>
+            <a:ext cx="8437829" cy="5334000"/>
           </a:xfrm>
         </p:spPr>
         <p:txBody>
           <a:bodyPr>
-            <a:normAutofit fontScale="85000" lnSpcReduction="20000"/>
+            <a:normAutofit/>
           </a:bodyPr>
           <a:lstStyle/>
           <a:p>
             <a:r>
               <a:rPr lang="en-US" sz="2800" dirty="0" smtClean="0"/>
-              <a:t>System Trace Macrocell (STM) enables tracing of system activities from multiple sources; either hardware events or software instrumentation.</a:t>
+              <a:t>Clock gating inside the ARM CorePac:</a:t>
+            </a:r>
+          </a:p>
+          <a:p>
+            <a:pPr lvl="1"/>
+            <a:r>
+              <a:rPr lang="en-US" sz="2400" dirty="0" smtClean="0"/>
+              <a:t>Total dynamic power consumption for a fully-loaded 1.4GHz core will range from 1.2W to 0.35W depending on the type of instructions it runs.</a:t>
+            </a:r>
+          </a:p>
+          <a:p>
+            <a:pPr lvl="1"/>
+            <a:r>
+              <a:rPr lang="en-US" sz="2400" dirty="0" smtClean="0"/>
+              <a:t>Wait for interrupt and event (WFI, WFE) instructions bring the dynamic power down to &lt;0.1W per core.</a:t>
             </a:r>
           </a:p>
           <a:p>
             <a:r>
               <a:rPr lang="en-US" sz="2800" dirty="0" smtClean="0"/>
-              <a:t>Coresight is a set of hardware and software architecture specification  documents that enables easy development of on-chip trace and debug.</a:t>
-            </a:r>
-            <a:endParaRPr lang="en-US" sz="2000" dirty="0" smtClean="0"/>
-          </a:p>
-        </p:txBody>
-      </p:sp>
-      <p:pic>
-        <p:nvPicPr>
-          <p:cNvPr id="6146" name="Picture 2"/>
-          <p:cNvPicPr>
-            <a:picLocks noChangeAspect="1" noChangeArrowheads="1"/>
-          </p:cNvPicPr>
-          <p:nvPr/>
-        </p:nvPicPr>
-        <p:blipFill>
-          <a:blip r:embed="rId4" cstate="print"/>
-          <a:srcRect/>
-          <a:stretch>
-            <a:fillRect/>
-          </a:stretch>
-        </p:blipFill>
-        <p:spPr bwMode="auto">
-          <a:xfrm>
-            <a:off x="914400" y="3566160"/>
-            <a:ext cx="7086600" cy="2831249"/>
-          </a:xfrm>
-          <a:prstGeom prst="rect">
-            <a:avLst/>
-          </a:prstGeom>
-          <a:noFill/>
-          <a:ln w="9525">
-            <a:noFill/>
-            <a:miter lim="800000"/>
-            <a:headEnd/>
-            <a:tailEnd/>
-          </a:ln>
-        </p:spPr>
-      </p:pic>
+              <a:t>Power switches per core and per CorePac including L2:</a:t>
+            </a:r>
+          </a:p>
+          <a:p>
+            <a:pPr lvl="1"/>
+            <a:r>
+              <a:rPr lang="en-US" sz="2400" dirty="0" smtClean="0"/>
+              <a:t>Each ARM A15 core can be shut down independently.</a:t>
+            </a:r>
+          </a:p>
+          <a:p>
+            <a:pPr lvl="1"/>
+            <a:r>
+              <a:rPr lang="en-US" sz="2400" dirty="0" smtClean="0"/>
+              <a:t>The entire ARM A15 CorePac, including the 4MB/1MB L2 cache, can also be shut down.</a:t>
+            </a:r>
+          </a:p>
+          <a:p>
+            <a:pPr lvl="1"/>
+            <a:r>
+              <a:rPr lang="en-US" sz="2400" dirty="0" smtClean="0"/>
+              <a:t>Reduces static power to &lt;5%</a:t>
+            </a:r>
+            <a:endParaRPr lang="en-US" sz="2400" dirty="0"/>
+          </a:p>
+        </p:txBody>
+      </p:sp>
     </p:spTree>
     <p:custDataLst>
       <p:tags r:id="rId1"/>
@@ -10913,7 +12831,7 @@
           <a:p>
             <a:r>
               <a:rPr lang="en-US" sz="4000" dirty="0" smtClean="0"/>
-              <a:t>STM Challenges</a:t>
+              <a:t>Debug and Trace</a:t>
             </a:r>
             <a:endParaRPr lang="en-US" sz="4000" dirty="0"/>
           </a:p>
@@ -10938,60 +12856,55 @@
           <a:p>
             <a:r>
               <a:rPr lang="en-US" dirty="0" smtClean="0"/>
-              <a:t>Facilities for collecting trace data:</a:t>
-            </a:r>
-          </a:p>
-          <a:p>
-            <a:pPr lvl="1"/>
-            <a:r>
-              <a:rPr lang="en-US" sz="2400" dirty="0" smtClean="0"/>
-              <a:t>Triggering</a:t>
-            </a:r>
-          </a:p>
-          <a:p>
-            <a:pPr lvl="1"/>
-            <a:r>
-              <a:rPr lang="en-US" sz="2400" dirty="0" smtClean="0"/>
-              <a:t>Filtering</a:t>
-            </a:r>
-          </a:p>
-          <a:p>
-            <a:r>
-              <a:rPr lang="en-US" sz="2800" dirty="0" smtClean="0"/>
-              <a:t>Options for storing and delivering trace data to host:</a:t>
-            </a:r>
-          </a:p>
-          <a:p>
-            <a:pPr lvl="1"/>
-            <a:r>
-              <a:rPr lang="en-US" sz="2400" dirty="0" smtClean="0"/>
-              <a:t>Export using trace port and trace port analyzer (TPA) to capture the trace information</a:t>
-            </a:r>
-          </a:p>
-          <a:p>
-            <a:pPr lvl="1"/>
-            <a:r>
-              <a:rPr lang="en-US" sz="2400" dirty="0" smtClean="0"/>
-              <a:t>Write the trace to the Embedded Trace Buffer (ETB)  and read it using JTAG or post-mortem memory read </a:t>
-            </a:r>
+              <a:t>ARM CorePac in KeyStone II</a:t>
+            </a:r>
+          </a:p>
+          <a:p>
+            <a:r>
+              <a:rPr lang="en-US" dirty="0" smtClean="0"/>
+              <a:t>ARM Cortex A-15 Features</a:t>
+            </a:r>
+          </a:p>
+          <a:p>
+            <a:r>
+              <a:rPr lang="en-US" dirty="0" smtClean="0"/>
+              <a:t>Interface to the SOC and Coherency Issues</a:t>
+            </a:r>
+          </a:p>
+          <a:p>
+            <a:r>
+              <a:rPr lang="en-US" dirty="0" smtClean="0"/>
+              <a:t>Benchmark</a:t>
+            </a:r>
+          </a:p>
+          <a:p>
+            <a:r>
+              <a:rPr lang="en-US" dirty="0" smtClean="0"/>
+              <a:t>Interrupt Controller</a:t>
+            </a:r>
+          </a:p>
+          <a:p>
+            <a:r>
+              <a:rPr lang="en-US" dirty="0" smtClean="0"/>
+              <a:t>Power Management</a:t>
+            </a:r>
+          </a:p>
+          <a:p>
+            <a:r>
+              <a:rPr lang="en-US" b="1" dirty="0" smtClean="0"/>
+              <a:t>Debug and Trace</a:t>
+            </a:r>
+          </a:p>
+          <a:p>
+            <a:endParaRPr lang="en-US" dirty="0"/>
           </a:p>
         </p:txBody>
       </p:sp>
     </p:spTree>
-    <p:custDataLst>
-      <p:tags r:id="rId1"/>
-    </p:custDataLst>
   </p:cSld>
   <p:clrMapOvr>
     <a:masterClrMapping/>
   </p:clrMapOvr>
-  <p:timing>
-    <p:tnLst>
-      <p:par>
-        <p:cTn id="1" dur="indefinite" restart="never" nodeType="tmRoot"/>
-      </p:par>
-    </p:tnLst>
-  </p:timing>
 </p:sld>
 </file>
 
@@ -11266,12 +13179,30 @@
             <p:ph type="title"/>
           </p:nvPr>
         </p:nvSpPr>
-        <p:spPr>
-          <a:xfrm>
-            <a:off x="457200" y="106998"/>
-            <a:ext cx="8229600" cy="792162"/>
-          </a:xfrm>
-        </p:spPr>
+        <p:spPr/>
+        <p:txBody>
+          <a:bodyPr/>
+          <a:lstStyle/>
+          <a:p>
+            <a:r>
+              <a:rPr lang="en-US" sz="4000" dirty="0" smtClean="0"/>
+              <a:t>Debug and Trace Options</a:t>
+            </a:r>
+            <a:endParaRPr lang="en-US" sz="4000" dirty="0"/>
+          </a:p>
+        </p:txBody>
+      </p:sp>
+      <p:sp>
+        <p:nvSpPr>
+          <p:cNvPr id="3" name="Content Placeholder 2"/>
+          <p:cNvSpPr>
+            <a:spLocks noGrp="1"/>
+          </p:cNvSpPr>
+          <p:nvPr>
+            <p:ph idx="1"/>
+          </p:nvPr>
+        </p:nvSpPr>
+        <p:spPr/>
         <p:txBody>
           <a:bodyPr>
             <a:normAutofit/>
@@ -11279,52 +13210,80 @@
           <a:lstStyle/>
           <a:p>
             <a:r>
-              <a:rPr lang="en-US" sz="4000" dirty="0" smtClean="0"/>
-              <a:t>STM as Part of the SoC</a:t>
-            </a:r>
-            <a:endParaRPr lang="en-US" sz="4000" dirty="0"/>
-          </a:p>
-        </p:txBody>
-      </p:sp>
-      <p:pic>
-        <p:nvPicPr>
-          <p:cNvPr id="5122" name="Picture 2"/>
-          <p:cNvPicPr>
-            <a:picLocks noGrp="1" noChangeAspect="1" noChangeArrowheads="1"/>
-          </p:cNvPicPr>
-          <p:nvPr>
-            <p:ph idx="1"/>
-          </p:nvPr>
-        </p:nvPicPr>
-        <p:blipFill>
-          <a:blip r:embed="rId2" cstate="print"/>
-          <a:srcRect l="22380" t="6857"/>
-          <a:stretch>
-            <a:fillRect/>
-          </a:stretch>
-        </p:blipFill>
-        <p:spPr bwMode="auto">
-          <a:xfrm>
-            <a:off x="1335926" y="944447"/>
-            <a:ext cx="6146913" cy="5068410"/>
-          </a:xfrm>
-          <a:prstGeom prst="rect">
-            <a:avLst/>
-          </a:prstGeom>
-          <a:noFill/>
-          <a:ln w="9525">
-            <a:noFill/>
-            <a:miter lim="800000"/>
-            <a:headEnd/>
-            <a:tailEnd/>
-          </a:ln>
-        </p:spPr>
-      </p:pic>
+              <a:rPr lang="en-US" sz="2400" dirty="0" smtClean="0"/>
+              <a:t>Lab-based debug; CCSv5 gives full support</a:t>
+            </a:r>
+          </a:p>
+          <a:p>
+            <a:pPr lvl="1"/>
+            <a:r>
+              <a:rPr lang="en-US" sz="2400" dirty="0" smtClean="0"/>
+              <a:t>Run-Time debug module</a:t>
+            </a:r>
+          </a:p>
+          <a:p>
+            <a:r>
+              <a:rPr lang="en-US" sz="2400" dirty="0" smtClean="0"/>
+              <a:t>PMU  - performance Monitoring Unit</a:t>
+            </a:r>
+          </a:p>
+          <a:p>
+            <a:pPr lvl="1"/>
+            <a:r>
+              <a:rPr lang="en-US" sz="2400" dirty="0" smtClean="0"/>
+              <a:t>Set of counters that can count various events</a:t>
+            </a:r>
+          </a:p>
+          <a:p>
+            <a:r>
+              <a:rPr lang="en-US" sz="2400" dirty="0" smtClean="0"/>
+              <a:t>Trace Macrocell</a:t>
+            </a:r>
+          </a:p>
+          <a:p>
+            <a:pPr lvl="1"/>
+            <a:r>
+              <a:rPr lang="en-US" sz="2400" dirty="0" smtClean="0"/>
+              <a:t>Logic to control the trace</a:t>
+            </a:r>
+          </a:p>
+          <a:p>
+            <a:pPr lvl="1"/>
+            <a:r>
+              <a:rPr lang="en-US" sz="2400" dirty="0" smtClean="0"/>
+              <a:t>Path to move the trace data outside</a:t>
+            </a:r>
+          </a:p>
+          <a:p>
+            <a:r>
+              <a:rPr lang="en-US" sz="2400" dirty="0" smtClean="0"/>
+              <a:t>Cross trigger unit</a:t>
+            </a:r>
+          </a:p>
+          <a:p>
+            <a:pPr lvl="1"/>
+            <a:r>
+              <a:rPr lang="en-US" sz="2400" dirty="0" smtClean="0"/>
+              <a:t>Enable event from one CPU to trigger trace at another CPU </a:t>
+            </a:r>
+          </a:p>
+        </p:txBody>
+      </p:sp>
     </p:spTree>
+    <p:custDataLst>
+      <p:tags r:id="rId1"/>
+    </p:custDataLst>
   </p:cSld>
   <p:clrMapOvr>
     <a:masterClrMapping/>
   </p:clrMapOvr>
+  <p:timing>
+    <p:tnLst>
+      <p:par>
+        <p:cTn id="1" dur="indefinite" restart="never" nodeType="tmRoot"/>
+      </p:par>
+    </p:tnLst>
+  </p:timing>
 </p:sld>
 </file>
 
@@ -11362,7 +13321,7 @@
           <a:p>
             <a:r>
               <a:rPr lang="en-US" sz="4000" dirty="0" smtClean="0"/>
-              <a:t>Tracing Features</a:t>
+              <a:t>Lab-Based Debug</a:t>
             </a:r>
             <a:endParaRPr lang="en-US" sz="4000" dirty="0"/>
           </a:p>
@@ -11378,71 +13337,42 @@
             <p:ph idx="1"/>
           </p:nvPr>
         </p:nvSpPr>
-        <p:spPr/>
+        <p:spPr>
+          <a:xfrm>
+            <a:off x="381000" y="1665838"/>
+            <a:ext cx="8229600" cy="3210962"/>
+          </a:xfrm>
+        </p:spPr>
         <p:txBody>
           <a:bodyPr>
-            <a:normAutofit/>
+            <a:noAutofit/>
           </a:bodyPr>
           <a:lstStyle/>
           <a:p>
             <a:r>
               <a:rPr lang="en-US" sz="2800" dirty="0" smtClean="0"/>
-              <a:t>Packetized trace, real-time asynchronous trace export</a:t>
+              <a:t>CCSv5 works with the ARM cores. </a:t>
             </a:r>
           </a:p>
           <a:p>
             <a:r>
               <a:rPr lang="en-US" sz="2800" dirty="0" smtClean="0"/>
-              <a:t>Multicore trace using single capture unit</a:t>
-            </a:r>
-          </a:p>
-          <a:p>
+              <a:t>The ARM integrated development environment, RealView Development Suite (RDS), provides lab-based debug facilities (breakpoint, memory view, etc.).</a:t>
+            </a:r>
+          </a:p>
+          <a:p>
+            <a:pPr lvl="1"/>
             <a:r>
               <a:rPr lang="en-US" dirty="0" smtClean="0"/>
-              <a:t>Coresight components include:</a:t>
-            </a:r>
-          </a:p>
-          <a:p>
-            <a:pPr lvl="1"/>
-            <a:r>
-              <a:rPr lang="en-US" sz="2400" dirty="0" smtClean="0"/>
-              <a:t>PTM (Program Flow Trace)</a:t>
-            </a:r>
-          </a:p>
-          <a:p>
-            <a:pPr lvl="1"/>
-            <a:r>
-              <a:rPr lang="en-US" sz="2400" dirty="0" smtClean="0"/>
-              <a:t>ADI (Arm Debug Interface)</a:t>
-            </a:r>
-          </a:p>
-          <a:p>
-            <a:pPr lvl="1"/>
-            <a:r>
-              <a:rPr lang="en-US" sz="2400" dirty="0" smtClean="0"/>
-              <a:t>HTM (AHB Trace Macrocell) bus trace</a:t>
-            </a:r>
-          </a:p>
-          <a:p>
-            <a:pPr lvl="1"/>
-            <a:r>
-              <a:rPr lang="en-US" sz="2400" dirty="0" smtClean="0"/>
-              <a:t>ITM (Instrumentation Trace Macrocell) (printf)</a:t>
-            </a:r>
-          </a:p>
-          <a:p>
-            <a:pPr lvl="1"/>
-            <a:r>
-              <a:rPr lang="en-US" sz="2400" dirty="0" smtClean="0"/>
-              <a:t>DWT (Data Watch Trace)</a:t>
-            </a:r>
-          </a:p>
-          <a:p>
-            <a:pPr lvl="1"/>
-            <a:r>
-              <a:rPr lang="en-US" sz="2400" dirty="0" smtClean="0"/>
-              <a:t>Trace Funnel combines multiple trace streams</a:t>
-            </a:r>
+              <a:t>GNU Debugger (GDB)</a:t>
+            </a:r>
+          </a:p>
+          <a:p>
+            <a:r>
+              <a:rPr lang="en-US" sz="2800" dirty="0" smtClean="0"/>
+              <a:t>ARM hardware Debug registers facilitate debugging</a:t>
+            </a:r>
+            <a:endParaRPr lang="en-US" sz="2800" dirty="0"/>
           </a:p>
         </p:txBody>
       </p:sp>
@@ -11493,96 +13423,165 @@
         </p:nvSpPr>
         <p:spPr/>
         <p:txBody>
+          <a:bodyPr/>
+          <a:lstStyle/>
+          <a:p>
+            <a:r>
+              <a:rPr lang="en-US" sz="3600" dirty="0" smtClean="0"/>
+              <a:t>PMU Block Diagram</a:t>
+            </a:r>
+            <a:endParaRPr lang="en-US" sz="3600" dirty="0"/>
+          </a:p>
+        </p:txBody>
+      </p:sp>
+      <p:pic>
+        <p:nvPicPr>
+          <p:cNvPr id="129026" name="Picture 2"/>
+          <p:cNvPicPr>
+            <a:picLocks noChangeAspect="1" noChangeArrowheads="1"/>
+          </p:cNvPicPr>
+          <p:nvPr/>
+        </p:nvPicPr>
+        <p:blipFill>
+          <a:blip r:embed="rId2" cstate="print"/>
+          <a:srcRect/>
+          <a:stretch>
+            <a:fillRect/>
+          </a:stretch>
+        </p:blipFill>
+        <p:spPr bwMode="auto">
+          <a:xfrm>
+            <a:off x="1319514" y="1099114"/>
+            <a:ext cx="6895799" cy="4939736"/>
+          </a:xfrm>
+          <a:prstGeom prst="rect">
+            <a:avLst/>
+          </a:prstGeom>
+          <a:noFill/>
+          <a:ln w="9525">
+            <a:noFill/>
+            <a:miter lim="800000"/>
+            <a:headEnd/>
+            <a:tailEnd/>
+          </a:ln>
+        </p:spPr>
+      </p:pic>
+    </p:spTree>
+  </p:cSld>
+  <p:clrMapOvr>
+    <a:masterClrMapping/>
+  </p:clrMapOvr>
+</p:sld>
+</file>
+
+<file path=ppt/slides/slide53.xml><?xml version="1.0" encoding="utf-8"?>
+<p:sld xmlns:a="http://schemas.openxmlformats.org/drawingml/2006/main" xmlns:r="http://schemas.openxmlformats.org/officeDocument/2006/relationships" xmlns:p="http://schemas.openxmlformats.org/presentationml/2006/main">
+  <p:cSld>
+    <p:spTree>
+      <p:nvGrpSpPr>
+        <p:cNvPr id="1" name=""/>
+        <p:cNvGrpSpPr/>
+        <p:nvPr/>
+      </p:nvGrpSpPr>
+      <p:grpSpPr>
+        <a:xfrm>
+          <a:off x="0" y="0"/>
+          <a:ext cx="0" cy="0"/>
+          <a:chOff x="0" y="0"/>
+          <a:chExt cx="0" cy="0"/>
+        </a:xfrm>
+      </p:grpSpPr>
+      <p:sp>
+        <p:nvSpPr>
+          <p:cNvPr id="2" name="Title 1"/>
+          <p:cNvSpPr>
+            <a:spLocks noGrp="1"/>
+          </p:cNvSpPr>
+          <p:nvPr>
+            <p:ph type="title"/>
+          </p:nvPr>
+        </p:nvSpPr>
+        <p:spPr/>
+        <p:txBody>
+          <a:bodyPr/>
+          <a:lstStyle/>
+          <a:p>
+            <a:r>
+              <a:rPr lang="en-US" sz="3600" dirty="0" smtClean="0"/>
+              <a:t>Trace Macrocell</a:t>
+            </a:r>
+            <a:endParaRPr lang="en-US" sz="3600" dirty="0"/>
+          </a:p>
+        </p:txBody>
+      </p:sp>
+      <p:sp>
+        <p:nvSpPr>
+          <p:cNvPr id="3" name="Content Placeholder 2"/>
+          <p:cNvSpPr>
+            <a:spLocks noGrp="1"/>
+          </p:cNvSpPr>
+          <p:nvPr>
+            <p:ph idx="1"/>
+          </p:nvPr>
+        </p:nvSpPr>
+        <p:spPr>
+          <a:xfrm>
+            <a:off x="449580" y="1402080"/>
+            <a:ext cx="8229600" cy="2057400"/>
+          </a:xfrm>
+        </p:spPr>
+        <p:txBody>
           <a:bodyPr>
-            <a:normAutofit fontScale="90000"/>
+            <a:normAutofit fontScale="85000" lnSpcReduction="20000"/>
           </a:bodyPr>
           <a:lstStyle/>
           <a:p>
             <a:r>
-              <a:rPr lang="en-US" sz="4000" dirty="0" smtClean="0"/>
-              <a:t>Embedded Cross Trigger (ECT) Module</a:t>
-            </a:r>
-            <a:endParaRPr lang="en-US" sz="4000" dirty="0"/>
-          </a:p>
-        </p:txBody>
-      </p:sp>
-      <p:sp>
-        <p:nvSpPr>
-          <p:cNvPr id="3" name="Content Placeholder 2"/>
-          <p:cNvSpPr>
-            <a:spLocks noGrp="1"/>
-          </p:cNvSpPr>
-          <p:nvPr>
-            <p:ph idx="1"/>
-          </p:nvPr>
-        </p:nvSpPr>
-        <p:spPr/>
-        <p:txBody>
-          <a:bodyPr>
-            <a:normAutofit/>
-          </a:bodyPr>
-          <a:lstStyle/>
-          <a:p>
-            <a:r>
               <a:rPr lang="en-US" sz="2800" dirty="0" smtClean="0"/>
-              <a:t>CTI controls the trigger </a:t>
-            </a:r>
+              <a:t>System Trace Macrocell (STM) enables tracing of system activities from multiple sources; either hardware events or software instrumentation.</a:t>
+            </a:r>
+          </a:p>
+          <a:p>
             <a:r>
               <a:rPr lang="en-US" sz="2800" dirty="0" smtClean="0"/>
-              <a:t>interface for each CPU</a:t>
-            </a:r>
-            <a:endParaRPr lang="en-US" sz="2800" dirty="0" smtClean="0"/>
-          </a:p>
-          <a:p>
-            <a:pPr lvl="1"/>
-            <a:r>
-              <a:rPr lang="en-US" sz="2400" dirty="0" smtClean="0"/>
-              <a:t>Combines and maps triggering requests </a:t>
-            </a:r>
-          </a:p>
-          <a:p>
-            <a:pPr lvl="1"/>
-            <a:r>
-              <a:rPr lang="en-US" sz="2400" dirty="0" smtClean="0"/>
-              <a:t>Enables the debug logic, PTM and PMU to interact with each other and with other </a:t>
-            </a:r>
-            <a:r>
-              <a:rPr lang="en-US" sz="2400" dirty="0" err="1" smtClean="0"/>
-              <a:t>CoreSight</a:t>
-            </a:r>
-            <a:r>
-              <a:rPr lang="en-US" sz="2400" dirty="0" smtClean="0"/>
-              <a:t> component</a:t>
-            </a:r>
-          </a:p>
-          <a:p>
-            <a:r>
-              <a:rPr lang="en-US" sz="2800" dirty="0" smtClean="0"/>
-              <a:t>CTM </a:t>
-            </a:r>
-            <a:r>
-              <a:rPr lang="en-US" sz="2800" dirty="0" smtClean="0"/>
-              <a:t>controls the distribution of </a:t>
-            </a:r>
-            <a:r>
-              <a:rPr lang="en-US" sz="2800" dirty="0" smtClean="0"/>
-              <a:t>events across CPUs and from external modules</a:t>
-            </a:r>
-          </a:p>
-          <a:p>
-            <a:pPr lvl="1"/>
-            <a:r>
-              <a:rPr lang="en-US" sz="2400" dirty="0" smtClean="0"/>
-              <a:t>M</a:t>
-            </a:r>
-            <a:r>
-              <a:rPr lang="en-US" sz="2400" dirty="0" smtClean="0"/>
-              <a:t>atrix connections. Number of trigger inputs and trigger outputs are connected between debug components in the MPCore and CTIs.</a:t>
-            </a:r>
-            <a:endParaRPr lang="en-US" sz="2400" dirty="0" smtClean="0"/>
-          </a:p>
-        </p:txBody>
-      </p:sp>
+              <a:t>Coresight is a set of hardware and software architecture specification  documents that enables easy development of on-chip trace and debug.</a:t>
+            </a:r>
+            <a:endParaRPr lang="en-US" sz="2000" dirty="0" smtClean="0"/>
+          </a:p>
+        </p:txBody>
+      </p:sp>
+      <p:pic>
+        <p:nvPicPr>
+          <p:cNvPr id="6146" name="Picture 2"/>
+          <p:cNvPicPr>
+            <a:picLocks noChangeAspect="1" noChangeArrowheads="1"/>
+          </p:cNvPicPr>
+          <p:nvPr/>
+        </p:nvPicPr>
+        <p:blipFill>
+          <a:blip r:embed="rId4" cstate="print"/>
+          <a:srcRect/>
+          <a:stretch>
+            <a:fillRect/>
+          </a:stretch>
+        </p:blipFill>
+        <p:spPr bwMode="auto">
+          <a:xfrm>
+            <a:off x="914400" y="3566160"/>
+            <a:ext cx="7086600" cy="2831249"/>
+          </a:xfrm>
+          <a:prstGeom prst="rect">
+            <a:avLst/>
+          </a:prstGeom>
+          <a:noFill/>
+          <a:ln w="9525">
+            <a:noFill/>
+            <a:miter lim="800000"/>
+            <a:headEnd/>
+            <a:tailEnd/>
+          </a:ln>
+        </p:spPr>
+      </p:pic>
     </p:spTree>
     <p:custDataLst>
       <p:tags r:id="rId1"/>
@@ -11601,7 +13600,469 @@
 </p:sld>
 </file>
 
-<file path=ppt/slides/slide53.xml><?xml version="1.0" encoding="utf-8"?>
+<file path=ppt/slides/slide54.xml><?xml version="1.0" encoding="utf-8"?>
+<p:sld xmlns:a="http://schemas.openxmlformats.org/drawingml/2006/main" xmlns:r="http://schemas.openxmlformats.org/officeDocument/2006/relationships" xmlns:p="http://schemas.openxmlformats.org/presentationml/2006/main">
+  <p:cSld>
+    <p:spTree>
+      <p:nvGrpSpPr>
+        <p:cNvPr id="1" name=""/>
+        <p:cNvGrpSpPr/>
+        <p:nvPr/>
+      </p:nvGrpSpPr>
+      <p:grpSpPr>
+        <a:xfrm>
+          <a:off x="0" y="0"/>
+          <a:ext cx="0" cy="0"/>
+          <a:chOff x="0" y="0"/>
+          <a:chExt cx="0" cy="0"/>
+        </a:xfrm>
+      </p:grpSpPr>
+      <p:sp>
+        <p:nvSpPr>
+          <p:cNvPr id="2" name="Title 1"/>
+          <p:cNvSpPr>
+            <a:spLocks noGrp="1"/>
+          </p:cNvSpPr>
+          <p:nvPr>
+            <p:ph type="title"/>
+          </p:nvPr>
+        </p:nvSpPr>
+        <p:spPr/>
+        <p:txBody>
+          <a:bodyPr>
+            <a:normAutofit/>
+          </a:bodyPr>
+          <a:lstStyle/>
+          <a:p>
+            <a:r>
+              <a:rPr lang="en-US" sz="4000" dirty="0" smtClean="0"/>
+              <a:t>STM Challenges</a:t>
+            </a:r>
+            <a:endParaRPr lang="en-US" sz="4000" dirty="0"/>
+          </a:p>
+        </p:txBody>
+      </p:sp>
+      <p:sp>
+        <p:nvSpPr>
+          <p:cNvPr id="3" name="Content Placeholder 2"/>
+          <p:cNvSpPr>
+            <a:spLocks noGrp="1"/>
+          </p:cNvSpPr>
+          <p:nvPr>
+            <p:ph idx="1"/>
+          </p:nvPr>
+        </p:nvSpPr>
+        <p:spPr/>
+        <p:txBody>
+          <a:bodyPr>
+            <a:normAutofit/>
+          </a:bodyPr>
+          <a:lstStyle/>
+          <a:p>
+            <a:r>
+              <a:rPr lang="en-US" dirty="0" smtClean="0"/>
+              <a:t>Facilities for collecting trace data:</a:t>
+            </a:r>
+          </a:p>
+          <a:p>
+            <a:pPr lvl="1"/>
+            <a:r>
+              <a:rPr lang="en-US" sz="2400" dirty="0" smtClean="0"/>
+              <a:t>Triggering</a:t>
+            </a:r>
+          </a:p>
+          <a:p>
+            <a:pPr lvl="1"/>
+            <a:r>
+              <a:rPr lang="en-US" sz="2400" dirty="0" smtClean="0"/>
+              <a:t>Filtering</a:t>
+            </a:r>
+          </a:p>
+          <a:p>
+            <a:r>
+              <a:rPr lang="en-US" sz="2800" dirty="0" smtClean="0"/>
+              <a:t>Options for storing and delivering trace data to host:</a:t>
+            </a:r>
+          </a:p>
+          <a:p>
+            <a:pPr lvl="1"/>
+            <a:r>
+              <a:rPr lang="en-US" sz="2400" dirty="0" smtClean="0"/>
+              <a:t>Export using trace port and trace port analyzer (TPA) to capture the trace information</a:t>
+            </a:r>
+          </a:p>
+          <a:p>
+            <a:pPr lvl="1"/>
+            <a:r>
+              <a:rPr lang="en-US" sz="2400" dirty="0" smtClean="0"/>
+              <a:t>Write the trace to the Embedded Trace Buffer (ETB)  and read it using JTAG or post-mortem memory read </a:t>
+            </a:r>
+          </a:p>
+        </p:txBody>
+      </p:sp>
+    </p:spTree>
+    <p:custDataLst>
+      <p:tags r:id="rId1"/>
+    </p:custDataLst>
+  </p:cSld>
+  <p:clrMapOvr>
+    <a:masterClrMapping/>
+  </p:clrMapOvr>
+  <p:timing>
+    <p:tnLst>
+      <p:par>
+        <p:cTn id="1" dur="indefinite" restart="never" nodeType="tmRoot"/>
+      </p:par>
+    </p:tnLst>
+  </p:timing>
+</p:sld>
+</file>
+
+<file path=ppt/slides/slide55.xml><?xml version="1.0" encoding="utf-8"?>
+<p:sld xmlns:a="http://schemas.openxmlformats.org/drawingml/2006/main" xmlns:r="http://schemas.openxmlformats.org/officeDocument/2006/relationships" xmlns:p="http://schemas.openxmlformats.org/presentationml/2006/main">
+  <p:cSld>
+    <p:spTree>
+      <p:nvGrpSpPr>
+        <p:cNvPr id="1" name=""/>
+        <p:cNvGrpSpPr/>
+        <p:nvPr/>
+      </p:nvGrpSpPr>
+      <p:grpSpPr>
+        <a:xfrm>
+          <a:off x="0" y="0"/>
+          <a:ext cx="0" cy="0"/>
+          <a:chOff x="0" y="0"/>
+          <a:chExt cx="0" cy="0"/>
+        </a:xfrm>
+      </p:grpSpPr>
+      <p:sp>
+        <p:nvSpPr>
+          <p:cNvPr id="2" name="Title 1"/>
+          <p:cNvSpPr>
+            <a:spLocks noGrp="1"/>
+          </p:cNvSpPr>
+          <p:nvPr>
+            <p:ph type="title"/>
+          </p:nvPr>
+        </p:nvSpPr>
+        <p:spPr>
+          <a:xfrm>
+            <a:off x="457200" y="106998"/>
+            <a:ext cx="8229600" cy="792162"/>
+          </a:xfrm>
+        </p:spPr>
+        <p:txBody>
+          <a:bodyPr>
+            <a:normAutofit/>
+          </a:bodyPr>
+          <a:lstStyle/>
+          <a:p>
+            <a:r>
+              <a:rPr lang="en-US" sz="4000" dirty="0" smtClean="0"/>
+              <a:t>STM as Part of the SoC</a:t>
+            </a:r>
+            <a:endParaRPr lang="en-US" sz="4000" dirty="0"/>
+          </a:p>
+        </p:txBody>
+      </p:sp>
+      <p:pic>
+        <p:nvPicPr>
+          <p:cNvPr id="5122" name="Picture 2"/>
+          <p:cNvPicPr>
+            <a:picLocks noGrp="1" noChangeAspect="1" noChangeArrowheads="1"/>
+          </p:cNvPicPr>
+          <p:nvPr>
+            <p:ph idx="1"/>
+          </p:nvPr>
+        </p:nvPicPr>
+        <p:blipFill>
+          <a:blip r:embed="rId2" cstate="print"/>
+          <a:srcRect l="22380" t="6857"/>
+          <a:stretch>
+            <a:fillRect/>
+          </a:stretch>
+        </p:blipFill>
+        <p:spPr bwMode="auto">
+          <a:xfrm>
+            <a:off x="1335926" y="944447"/>
+            <a:ext cx="6146913" cy="5068410"/>
+          </a:xfrm>
+          <a:prstGeom prst="rect">
+            <a:avLst/>
+          </a:prstGeom>
+          <a:noFill/>
+          <a:ln w="9525">
+            <a:noFill/>
+            <a:miter lim="800000"/>
+            <a:headEnd/>
+            <a:tailEnd/>
+          </a:ln>
+        </p:spPr>
+      </p:pic>
+    </p:spTree>
+  </p:cSld>
+  <p:clrMapOvr>
+    <a:masterClrMapping/>
+  </p:clrMapOvr>
+</p:sld>
+</file>
+
+<file path=ppt/slides/slide56.xml><?xml version="1.0" encoding="utf-8"?>
+<p:sld xmlns:a="http://schemas.openxmlformats.org/drawingml/2006/main" xmlns:r="http://schemas.openxmlformats.org/officeDocument/2006/relationships" xmlns:p="http://schemas.openxmlformats.org/presentationml/2006/main">
+  <p:cSld>
+    <p:spTree>
+      <p:nvGrpSpPr>
+        <p:cNvPr id="1" name=""/>
+        <p:cNvGrpSpPr/>
+        <p:nvPr/>
+      </p:nvGrpSpPr>
+      <p:grpSpPr>
+        <a:xfrm>
+          <a:off x="0" y="0"/>
+          <a:ext cx="0" cy="0"/>
+          <a:chOff x="0" y="0"/>
+          <a:chExt cx="0" cy="0"/>
+        </a:xfrm>
+      </p:grpSpPr>
+      <p:sp>
+        <p:nvSpPr>
+          <p:cNvPr id="2" name="Title 1"/>
+          <p:cNvSpPr>
+            <a:spLocks noGrp="1"/>
+          </p:cNvSpPr>
+          <p:nvPr>
+            <p:ph type="title"/>
+          </p:nvPr>
+        </p:nvSpPr>
+        <p:spPr/>
+        <p:txBody>
+          <a:bodyPr/>
+          <a:lstStyle/>
+          <a:p>
+            <a:r>
+              <a:rPr lang="en-US" sz="4000" dirty="0" smtClean="0"/>
+              <a:t>Tracing Features</a:t>
+            </a:r>
+            <a:endParaRPr lang="en-US" sz="4000" dirty="0"/>
+          </a:p>
+        </p:txBody>
+      </p:sp>
+      <p:sp>
+        <p:nvSpPr>
+          <p:cNvPr id="3" name="Content Placeholder 2"/>
+          <p:cNvSpPr>
+            <a:spLocks noGrp="1"/>
+          </p:cNvSpPr>
+          <p:nvPr>
+            <p:ph idx="1"/>
+          </p:nvPr>
+        </p:nvSpPr>
+        <p:spPr/>
+        <p:txBody>
+          <a:bodyPr>
+            <a:normAutofit/>
+          </a:bodyPr>
+          <a:lstStyle/>
+          <a:p>
+            <a:r>
+              <a:rPr lang="en-US" sz="2800" dirty="0" smtClean="0"/>
+              <a:t>Packetized trace, real-time asynchronous trace export</a:t>
+            </a:r>
+          </a:p>
+          <a:p>
+            <a:r>
+              <a:rPr lang="en-US" sz="2800" dirty="0" smtClean="0"/>
+              <a:t>Multicore trace using single capture unit</a:t>
+            </a:r>
+          </a:p>
+          <a:p>
+            <a:r>
+              <a:rPr lang="en-US" dirty="0" smtClean="0"/>
+              <a:t>Coresight components include:</a:t>
+            </a:r>
+          </a:p>
+          <a:p>
+            <a:pPr lvl="1"/>
+            <a:r>
+              <a:rPr lang="en-US" sz="2400" dirty="0" smtClean="0"/>
+              <a:t>PTM (Program Flow Trace)</a:t>
+            </a:r>
+          </a:p>
+          <a:p>
+            <a:pPr lvl="1"/>
+            <a:r>
+              <a:rPr lang="en-US" sz="2400" dirty="0" smtClean="0"/>
+              <a:t>ADI (Arm Debug Interface)</a:t>
+            </a:r>
+          </a:p>
+          <a:p>
+            <a:pPr lvl="1"/>
+            <a:r>
+              <a:rPr lang="en-US" sz="2400" dirty="0" smtClean="0"/>
+              <a:t>HTM (AHB Trace Macrocell) bus trace</a:t>
+            </a:r>
+          </a:p>
+          <a:p>
+            <a:pPr lvl="1"/>
+            <a:r>
+              <a:rPr lang="en-US" sz="2400" dirty="0" smtClean="0"/>
+              <a:t>ITM (Instrumentation Trace Macrocell) (printf)</a:t>
+            </a:r>
+          </a:p>
+          <a:p>
+            <a:pPr lvl="1"/>
+            <a:r>
+              <a:rPr lang="en-US" sz="2400" dirty="0" smtClean="0"/>
+              <a:t>DWT (Data Watch Trace)</a:t>
+            </a:r>
+          </a:p>
+          <a:p>
+            <a:pPr lvl="1"/>
+            <a:r>
+              <a:rPr lang="en-US" sz="2400" dirty="0" smtClean="0"/>
+              <a:t>Trace Funnel combines multiple trace streams</a:t>
+            </a:r>
+          </a:p>
+        </p:txBody>
+      </p:sp>
+    </p:spTree>
+    <p:custDataLst>
+      <p:tags r:id="rId1"/>
+    </p:custDataLst>
+  </p:cSld>
+  <p:clrMapOvr>
+    <a:masterClrMapping/>
+  </p:clrMapOvr>
+  <p:timing>
+    <p:tnLst>
+      <p:par>
+        <p:cTn id="1" dur="indefinite" restart="never" nodeType="tmRoot"/>
+      </p:par>
+    </p:tnLst>
+  </p:timing>
+</p:sld>
+</file>
+
+<file path=ppt/slides/slide57.xml><?xml version="1.0" encoding="utf-8"?>
+<p:sld xmlns:a="http://schemas.openxmlformats.org/drawingml/2006/main" xmlns:r="http://schemas.openxmlformats.org/officeDocument/2006/relationships" xmlns:p="http://schemas.openxmlformats.org/presentationml/2006/main">
+  <p:cSld>
+    <p:spTree>
+      <p:nvGrpSpPr>
+        <p:cNvPr id="1" name=""/>
+        <p:cNvGrpSpPr/>
+        <p:nvPr/>
+      </p:nvGrpSpPr>
+      <p:grpSpPr>
+        <a:xfrm>
+          <a:off x="0" y="0"/>
+          <a:ext cx="0" cy="0"/>
+          <a:chOff x="0" y="0"/>
+          <a:chExt cx="0" cy="0"/>
+        </a:xfrm>
+      </p:grpSpPr>
+      <p:sp>
+        <p:nvSpPr>
+          <p:cNvPr id="2" name="Title 1"/>
+          <p:cNvSpPr>
+            <a:spLocks noGrp="1"/>
+          </p:cNvSpPr>
+          <p:nvPr>
+            <p:ph type="title"/>
+          </p:nvPr>
+        </p:nvSpPr>
+        <p:spPr/>
+        <p:txBody>
+          <a:bodyPr>
+            <a:normAutofit fontScale="90000"/>
+          </a:bodyPr>
+          <a:lstStyle/>
+          <a:p>
+            <a:r>
+              <a:rPr lang="en-US" sz="4000" dirty="0" smtClean="0"/>
+              <a:t>Embedded Cross Trigger (ECT) Module</a:t>
+            </a:r>
+            <a:endParaRPr lang="en-US" sz="4000" dirty="0"/>
+          </a:p>
+        </p:txBody>
+      </p:sp>
+      <p:sp>
+        <p:nvSpPr>
+          <p:cNvPr id="3" name="Content Placeholder 2"/>
+          <p:cNvSpPr>
+            <a:spLocks noGrp="1"/>
+          </p:cNvSpPr>
+          <p:nvPr>
+            <p:ph idx="1"/>
+          </p:nvPr>
+        </p:nvSpPr>
+        <p:spPr/>
+        <p:txBody>
+          <a:bodyPr>
+            <a:normAutofit/>
+          </a:bodyPr>
+          <a:lstStyle/>
+          <a:p>
+            <a:r>
+              <a:rPr lang="en-US" sz="2800" dirty="0" smtClean="0"/>
+              <a:t>CTI controls the trigger interface for each CPU</a:t>
+            </a:r>
+          </a:p>
+          <a:p>
+            <a:pPr lvl="1"/>
+            <a:r>
+              <a:rPr lang="en-US" sz="2400" dirty="0" smtClean="0"/>
+              <a:t>Combines and maps triggering requests </a:t>
+            </a:r>
+          </a:p>
+          <a:p>
+            <a:pPr lvl="1"/>
+            <a:r>
+              <a:rPr lang="en-US" sz="2400" dirty="0" smtClean="0"/>
+              <a:t>Enables the debug logic, PTM and PMU to interact with each other and with other </a:t>
+            </a:r>
+            <a:r>
+              <a:rPr lang="en-US" sz="2400" dirty="0" err="1" smtClean="0"/>
+              <a:t>CoreSight</a:t>
+            </a:r>
+            <a:r>
+              <a:rPr lang="en-US" sz="2400" dirty="0" smtClean="0"/>
+              <a:t> component</a:t>
+            </a:r>
+          </a:p>
+          <a:p>
+            <a:r>
+              <a:rPr lang="en-US" sz="2800" dirty="0" smtClean="0"/>
+              <a:t>CTM controls the distribution of events across CPUs and from external modules</a:t>
+            </a:r>
+          </a:p>
+          <a:p>
+            <a:pPr lvl="1"/>
+            <a:r>
+              <a:rPr lang="en-US" sz="2400" dirty="0" smtClean="0"/>
+              <a:t>Matrix connections. Number of trigger inputs and trigger outputs are connected between debug components in the MPCore and CTIs.</a:t>
+            </a:r>
+          </a:p>
+        </p:txBody>
+      </p:sp>
+    </p:spTree>
+    <p:custDataLst>
+      <p:tags r:id="rId1"/>
+    </p:custDataLst>
+  </p:cSld>
+  <p:clrMapOvr>
+    <a:masterClrMapping/>
+  </p:clrMapOvr>
+  <p:timing>
+    <p:tnLst>
+      <p:par>
+        <p:cTn id="1" dur="indefinite" restart="never" nodeType="tmRoot"/>
+      </p:par>
+    </p:tnLst>
+  </p:timing>
+</p:sld>
+</file>
+
+<file path=ppt/slides/slide58.xml><?xml version="1.0" encoding="utf-8"?>
 <p:sld xmlns:a="http://schemas.openxmlformats.org/drawingml/2006/main" xmlns:r="http://schemas.openxmlformats.org/officeDocument/2006/relationships" xmlns:p="http://schemas.openxmlformats.org/presentationml/2006/main" show="0">
   <p:cSld>
     <p:spTree>
@@ -11696,7 +14157,7 @@
 </p:sld>
 </file>
 
-<file path=ppt/slides/slide54.xml><?xml version="1.0" encoding="utf-8"?>
+<file path=ppt/slides/slide59.xml><?xml version="1.0" encoding="utf-8"?>
 <p:sld xmlns:a="http://schemas.openxmlformats.org/drawingml/2006/main" xmlns:r="http://schemas.openxmlformats.org/officeDocument/2006/relationships" xmlns:p="http://schemas.openxmlformats.org/presentationml/2006/main" show="0">
   <p:cSld>
     <p:spTree>
@@ -11789,7 +14250,132 @@
 </p:sld>
 </file>
 
-<file path=ppt/slides/slide55.xml><?xml version="1.0" encoding="utf-8"?>
+<file path=ppt/slides/slide6.xml><?xml version="1.0" encoding="utf-8"?>
+<p:sld xmlns:a="http://schemas.openxmlformats.org/drawingml/2006/main" xmlns:r="http://schemas.openxmlformats.org/officeDocument/2006/relationships" xmlns:p="http://schemas.openxmlformats.org/presentationml/2006/main">
+  <p:cSld>
+    <p:spTree>
+      <p:nvGrpSpPr>
+        <p:cNvPr id="1" name=""/>
+        <p:cNvGrpSpPr/>
+        <p:nvPr/>
+      </p:nvGrpSpPr>
+      <p:grpSpPr>
+        <a:xfrm>
+          <a:off x="0" y="0"/>
+          <a:ext cx="0" cy="0"/>
+          <a:chOff x="0" y="0"/>
+          <a:chExt cx="0" cy="0"/>
+        </a:xfrm>
+      </p:grpSpPr>
+      <p:sp>
+        <p:nvSpPr>
+          <p:cNvPr id="65544" name="Rectangle 2"/>
+          <p:cNvSpPr>
+            <a:spLocks noChangeArrowheads="1"/>
+          </p:cNvSpPr>
+          <p:nvPr/>
+        </p:nvSpPr>
+        <p:spPr bwMode="auto">
+          <a:xfrm>
+            <a:off x="144780" y="381000"/>
+            <a:ext cx="8907780" cy="652463"/>
+          </a:xfrm>
+          <a:prstGeom prst="rect">
+            <a:avLst/>
+          </a:prstGeom>
+          <a:noFill/>
+          <a:ln w="9525">
+            <a:noFill/>
+            <a:miter lim="800000"/>
+            <a:headEnd/>
+            <a:tailEnd/>
+          </a:ln>
+        </p:spPr>
+        <p:txBody>
+          <a:bodyPr anchor="ctr"/>
+          <a:lstStyle/>
+          <a:p>
+            <a:pPr algn="ctr" eaLnBrk="0" hangingPunct="0"/>
+            <a:r>
+              <a:rPr lang="en-US" altLang="ko-KR" sz="4000" b="1" dirty="0" smtClean="0">
+                <a:latin typeface="+mj-lt"/>
+                <a:ea typeface="+mj-ea"/>
+                <a:cs typeface="+mj-cs"/>
+              </a:rPr>
+              <a:t>ARM CorePac Functional Block </a:t>
+            </a:r>
+            <a:r>
+              <a:rPr lang="en-US" altLang="ko-KR" sz="4000" b="1" dirty="0">
+                <a:latin typeface="+mj-lt"/>
+                <a:ea typeface="+mj-ea"/>
+                <a:cs typeface="+mj-cs"/>
+              </a:rPr>
+              <a:t>D</a:t>
+            </a:r>
+            <a:r>
+              <a:rPr lang="en-US" altLang="ko-KR" sz="4000" b="1" dirty="0" smtClean="0">
+                <a:latin typeface="+mj-lt"/>
+                <a:ea typeface="+mj-ea"/>
+                <a:cs typeface="+mj-cs"/>
+              </a:rPr>
+              <a:t>iagram</a:t>
+            </a:r>
+            <a:endParaRPr lang="en-US" altLang="ko-KR" sz="4000" b="1" dirty="0">
+              <a:latin typeface="+mj-lt"/>
+              <a:ea typeface="+mj-ea"/>
+              <a:cs typeface="+mj-cs"/>
+            </a:endParaRPr>
+          </a:p>
+        </p:txBody>
+      </p:sp>
+      <p:pic>
+        <p:nvPicPr>
+          <p:cNvPr id="65548" name="Picture 12"/>
+          <p:cNvPicPr>
+            <a:picLocks noChangeAspect="1" noChangeArrowheads="1"/>
+          </p:cNvPicPr>
+          <p:nvPr/>
+        </p:nvPicPr>
+        <p:blipFill>
+          <a:blip r:embed="rId3" cstate="print"/>
+          <a:srcRect/>
+          <a:stretch>
+            <a:fillRect/>
+          </a:stretch>
+        </p:blipFill>
+        <p:spPr bwMode="auto">
+          <a:xfrm>
+            <a:off x="338138" y="1715453"/>
+            <a:ext cx="8467725" cy="4295775"/>
+          </a:xfrm>
+          <a:prstGeom prst="rect">
+            <a:avLst/>
+          </a:prstGeom>
+          <a:noFill/>
+          <a:ln w="9525">
+            <a:noFill/>
+            <a:miter lim="800000"/>
+            <a:headEnd/>
+            <a:tailEnd/>
+          </a:ln>
+        </p:spPr>
+      </p:pic>
+    </p:spTree>
+  </p:cSld>
+  <p:clrMapOvr>
+    <a:masterClrMapping/>
+  </p:clrMapOvr>
+  <p:timing>
+    <p:tnLst>
+      <p:par>
+        <p:cTn id="1" dur="indefinite" restart="never" nodeType="tmRoot"/>
+      </p:par>
+    </p:tnLst>
+  </p:timing>
+</p:sld>
+</file>
+
+<file path=ppt/slides/slide60.xml><?xml version="1.0" encoding="utf-8"?>
 <p:sld xmlns:a="http://schemas.openxmlformats.org/drawingml/2006/main" xmlns:r="http://schemas.openxmlformats.org/officeDocument/2006/relationships" xmlns:p="http://schemas.openxmlformats.org/presentationml/2006/main">
   <p:cSld>
     <p:spTree>
@@ -12077,7 +14663,7 @@
 </p:sld>
 </file>
 
-<file path=ppt/slides/slide56.xml><?xml version="1.0" encoding="utf-8"?>
+<file path=ppt/slides/slide61.xml><?xml version="1.0" encoding="utf-8"?>
 <p:sld xmlns:a="http://schemas.openxmlformats.org/drawingml/2006/main" xmlns:r="http://schemas.openxmlformats.org/officeDocument/2006/relationships" xmlns:p="http://schemas.openxmlformats.org/presentationml/2006/main">
   <p:cSld>
     <p:spTree>
@@ -12198,131 +14784,6 @@
     <p:custDataLst>
       <p:tags r:id="rId1"/>
     </p:custDataLst>
-  </p:cSld>
-  <p:clrMapOvr>
-    <a:masterClrMapping/>
-  </p:clrMapOvr>
-  <p:timing>
-    <p:tnLst>
-      <p:par>
-        <p:cTn id="1" dur="indefinite" restart="never" nodeType="tmRoot"/>
-      </p:par>
-    </p:tnLst>
-  </p:timing>
-</p:sld>
-</file>
-
-<file path=ppt/slides/slide6.xml><?xml version="1.0" encoding="utf-8"?>
-<p:sld xmlns:a="http://schemas.openxmlformats.org/drawingml/2006/main" xmlns:r="http://schemas.openxmlformats.org/officeDocument/2006/relationships" xmlns:p="http://schemas.openxmlformats.org/presentationml/2006/main">
-  <p:cSld>
-    <p:spTree>
-      <p:nvGrpSpPr>
-        <p:cNvPr id="1" name=""/>
-        <p:cNvGrpSpPr/>
-        <p:nvPr/>
-      </p:nvGrpSpPr>
-      <p:grpSpPr>
-        <a:xfrm>
-          <a:off x="0" y="0"/>
-          <a:ext cx="0" cy="0"/>
-          <a:chOff x="0" y="0"/>
-          <a:chExt cx="0" cy="0"/>
-        </a:xfrm>
-      </p:grpSpPr>
-      <p:sp>
-        <p:nvSpPr>
-          <p:cNvPr id="65544" name="Rectangle 2"/>
-          <p:cNvSpPr>
-            <a:spLocks noChangeArrowheads="1"/>
-          </p:cNvSpPr>
-          <p:nvPr/>
-        </p:nvSpPr>
-        <p:spPr bwMode="auto">
-          <a:xfrm>
-            <a:off x="144780" y="381000"/>
-            <a:ext cx="8907780" cy="652463"/>
-          </a:xfrm>
-          <a:prstGeom prst="rect">
-            <a:avLst/>
-          </a:prstGeom>
-          <a:noFill/>
-          <a:ln w="9525">
-            <a:noFill/>
-            <a:miter lim="800000"/>
-            <a:headEnd/>
-            <a:tailEnd/>
-          </a:ln>
-        </p:spPr>
-        <p:txBody>
-          <a:bodyPr anchor="ctr"/>
-          <a:lstStyle/>
-          <a:p>
-            <a:pPr algn="ctr" eaLnBrk="0" hangingPunct="0"/>
-            <a:r>
-              <a:rPr lang="en-US" altLang="ko-KR" sz="4000" b="1" dirty="0" smtClean="0">
-                <a:latin typeface="+mj-lt"/>
-                <a:ea typeface="+mj-ea"/>
-                <a:cs typeface="+mj-cs"/>
-              </a:rPr>
-              <a:t>ARM CorePac Functional Block </a:t>
-            </a:r>
-            <a:r>
-              <a:rPr lang="en-US" altLang="ko-KR" sz="4000" b="1" dirty="0">
-                <a:latin typeface="+mj-lt"/>
-                <a:ea typeface="+mj-ea"/>
-                <a:cs typeface="+mj-cs"/>
-              </a:rPr>
-              <a:t>D</a:t>
-            </a:r>
-            <a:r>
-              <a:rPr lang="en-US" altLang="ko-KR" sz="4000" b="1" dirty="0" smtClean="0">
-                <a:latin typeface="+mj-lt"/>
-                <a:ea typeface="+mj-ea"/>
-                <a:cs typeface="+mj-cs"/>
-              </a:rPr>
-              <a:t>iagram</a:t>
-            </a:r>
-            <a:endParaRPr lang="en-US" altLang="ko-KR" sz="4000" b="1" dirty="0">
-              <a:latin typeface="+mj-lt"/>
-              <a:ea typeface="+mj-ea"/>
-              <a:cs typeface="+mj-cs"/>
-            </a:endParaRPr>
-          </a:p>
-        </p:txBody>
-      </p:sp>
-      <p:pic>
-        <p:nvPicPr>
-          <p:cNvPr id="65548" name="Picture 12"/>
-          <p:cNvPicPr>
-            <a:picLocks noChangeAspect="1" noChangeArrowheads="1"/>
-          </p:cNvPicPr>
-          <p:nvPr/>
-        </p:nvPicPr>
-        <p:blipFill>
-          <a:blip r:embed="rId3" cstate="print"/>
-          <a:srcRect/>
-          <a:stretch>
-            <a:fillRect/>
-          </a:stretch>
-        </p:blipFill>
-        <p:spPr bwMode="auto">
-          <a:xfrm>
-            <a:off x="338138" y="1715453"/>
-            <a:ext cx="8467725" cy="4295775"/>
-          </a:xfrm>
-          <a:prstGeom prst="rect">
-            <a:avLst/>
-          </a:prstGeom>
-          <a:noFill/>
-          <a:ln w="9525">
-            <a:noFill/>
-            <a:miter lim="800000"/>
-            <a:headEnd/>
-            <a:tailEnd/>
-          </a:ln>
-        </p:spPr>
-      </p:pic>
-    </p:spTree>
   </p:cSld>
   <p:clrMapOvr>
     <a:masterClrMapping/>
@@ -14111,10 +16572,6 @@
 </file>
 
 <file path=customXml/item2.xml><?xml version="1.0" encoding="utf-8"?>
-<LongProperties xmlns="http://schemas.microsoft.com/office/2006/metadata/longProperties"/>
-</file>
-
-<file path=customXml/item3.xml><?xml version="1.0" encoding="utf-8"?>
 <p:properties xmlns:p="http://schemas.microsoft.com/office/2006/metadata/properties" xmlns:xsi="http://www.w3.org/2001/XMLSchema-instance">
   <documentManagement>
     <Content_x0020_Owner xmlns="99c847d8-566e-43ce-87b7-3c417d164c47">Ramroop, Saffie</Content_x0020_Owner>
@@ -14122,13 +16579,17 @@
 </p:properties>
 </file>
 
-<file path=customXml/item4.xml><?xml version="1.0" encoding="utf-8"?>
+<file path=customXml/item3.xml><?xml version="1.0" encoding="utf-8"?>
 <?mso-contentType ?>
 <FormTemplates xmlns="http://schemas.microsoft.com/sharepoint/v3/contenttype/forms">
   <Display>DocumentLibraryForm</Display>
   <Edit>DocumentLibraryForm</Edit>
   <New>DocumentLibraryForm</New>
 </FormTemplates>
+</file>
+
+<file path=customXml/item4.xml><?xml version="1.0" encoding="utf-8"?>
+<LongProperties xmlns="http://schemas.microsoft.com/office/2006/metadata/longProperties"/>
 </file>
 
 <file path=customXml/itemProps1.xml><?xml version="1.0" encoding="utf-8"?>
@@ -14149,14 +16610,6 @@
 </file>
 
 <file path=customXml/itemProps2.xml><?xml version="1.0" encoding="utf-8"?>
-<ds:datastoreItem xmlns:ds="http://schemas.openxmlformats.org/officeDocument/2006/customXml" ds:itemID="{08087394-933C-48A1-8AD9-030539CA3EF7}">
-  <ds:schemaRefs>
-    <ds:schemaRef ds:uri="http://schemas.microsoft.com/office/2006/metadata/longProperties"/>
-  </ds:schemaRefs>
-</ds:datastoreItem>
-</file>
-
-<file path=customXml/itemProps3.xml><?xml version="1.0" encoding="utf-8"?>
 <ds:datastoreItem xmlns:ds="http://schemas.openxmlformats.org/officeDocument/2006/customXml" ds:itemID="{7CBBC1DF-22C6-4C0C-A1CC-096D390C1463}">
   <ds:schemaRefs>
     <ds:schemaRef ds:uri="http://schemas.microsoft.com/office/2006/metadata/properties"/>
@@ -14165,10 +16618,18 @@
 </ds:datastoreItem>
 </file>
 
-<file path=customXml/itemProps4.xml><?xml version="1.0" encoding="utf-8"?>
+<file path=customXml/itemProps3.xml><?xml version="1.0" encoding="utf-8"?>
 <ds:datastoreItem xmlns:ds="http://schemas.openxmlformats.org/officeDocument/2006/customXml" ds:itemID="{9247FEFF-82D0-4BBE-AA2E-6E8C28F7BBE5}">
   <ds:schemaRefs>
     <ds:schemaRef ds:uri="http://schemas.microsoft.com/sharepoint/v3/contenttype/forms"/>
   </ds:schemaRefs>
 </ds:datastoreItem>
+</file>
+
+<file path=customXml/itemProps4.xml><?xml version="1.0" encoding="utf-8"?>
+<ds:datastoreItem xmlns:ds="http://schemas.openxmlformats.org/officeDocument/2006/customXml" ds:itemID="{08087394-933C-48A1-8AD9-030539CA3EF7}">
+  <ds:schemaRefs>
+    <ds:schemaRef ds:uri="http://schemas.microsoft.com/office/2006/metadata/longProperties"/>
+  </ds:schemaRefs>
+</ds:datastoreItem>
 </file>
--- a/trunk/preliminary/Working/presentations/KeyStoneII ARM Overview.pptx
+++ b/trunk/preliminary/Working/presentations/KeyStoneII ARM Overview.pptx
@@ -7505,25 +7505,6 @@
               <a:t>External Read to Shared Memory (MSM/DDR)</a:t>
             </a:r>
             <a:endParaRPr lang="en-US" sz="3200" dirty="0"/>
-          </a:p>
-        </p:txBody>
-      </p:sp>
-      <p:sp>
-        <p:nvSpPr>
-          <p:cNvPr id="7" name="Content Placeholder 6"/>
-          <p:cNvSpPr>
-            <a:spLocks noGrp="1"/>
-          </p:cNvSpPr>
-          <p:nvPr>
-            <p:ph idx="1"/>
-          </p:nvPr>
-        </p:nvSpPr>
-        <p:spPr/>
-        <p:txBody>
-          <a:bodyPr/>
-          <a:lstStyle/>
-          <a:p>
-            <a:endParaRPr lang="en-US" dirty="0"/>
           </a:p>
         </p:txBody>
       </p:sp>
@@ -11608,7 +11589,7 @@
     </p:custDataLst>
     <p:extLst>
       <p:ext uri="{BB962C8B-B14F-4D97-AF65-F5344CB8AC3E}">
-        <p14:creationId xmlns:p14="http://schemas.microsoft.com/office/powerpoint/2010/main" xmlns="" val="3469200570"/>
+        <p14:creationId xmlns="" xmlns:p14="http://schemas.microsoft.com/office/powerpoint/2010/main" val="3469200570"/>
       </p:ext>
     </p:extLst>
   </p:cSld>
@@ -13135,7 +13116,7 @@
     </p:custDataLst>
     <p:extLst>
       <p:ext uri="{BB962C8B-B14F-4D97-AF65-F5344CB8AC3E}">
-        <p14:creationId xmlns:p14="http://schemas.microsoft.com/office/powerpoint/2010/main" xmlns="" val="3469200570"/>
+        <p14:creationId xmlns="" xmlns:p14="http://schemas.microsoft.com/office/powerpoint/2010/main" val="3469200570"/>
       </p:ext>
     </p:extLst>
   </p:cSld>
@@ -16510,6 +16491,27 @@
 </file>
 
 <file path=customXml/item1.xml><?xml version="1.0" encoding="utf-8"?>
+<p:properties xmlns:p="http://schemas.microsoft.com/office/2006/metadata/properties" xmlns:xsi="http://www.w3.org/2001/XMLSchema-instance">
+  <documentManagement>
+    <Content_x0020_Owner xmlns="99c847d8-566e-43ce-87b7-3c417d164c47">Ramroop, Saffie</Content_x0020_Owner>
+  </documentManagement>
+</p:properties>
+</file>
+
+<file path=customXml/item2.xml><?xml version="1.0" encoding="utf-8"?>
+<LongProperties xmlns="http://schemas.microsoft.com/office/2006/metadata/longProperties"/>
+</file>
+
+<file path=customXml/item3.xml><?xml version="1.0" encoding="utf-8"?>
+<?mso-contentType ?>
+<FormTemplates xmlns="http://schemas.microsoft.com/sharepoint/v3/contenttype/forms">
+  <Display>DocumentLibraryForm</Display>
+  <Edit>DocumentLibraryForm</Edit>
+  <New>DocumentLibraryForm</New>
+</FormTemplates>
+</file>
+
+<file path=customXml/item4.xml><?xml version="1.0" encoding="utf-8"?>
 <ct:contentTypeSchema xmlns:ct="http://schemas.microsoft.com/office/2006/metadata/contentType" xmlns:ma="http://schemas.microsoft.com/office/2006/metadata/properties/metaAttributes" ct:_="" ma:_="" ma:contentTypeName="Document" ma:contentTypeID="0x0101006BF34EDD2AB14F49969AD5B68D65D28C" ma:contentTypeVersion="1" ma:contentTypeDescription="Create a new document." ma:contentTypeScope="" ma:versionID="aec3fda75a9471671297bbb4606d1d91">
   <xsd:schema xmlns:xsd="http://www.w3.org/2001/XMLSchema" xmlns:p="http://schemas.microsoft.com/office/2006/metadata/properties" xmlns:ns2="99c847d8-566e-43ce-87b7-3c417d164c47" targetNamespace="http://schemas.microsoft.com/office/2006/metadata/properties" ma:root="true" ma:fieldsID="6b49c4b1e87cfd71c9528e3cb8636bc2" ns2:_="">
     <xsd:import namespace="99c847d8-566e-43ce-87b7-3c417d164c47"/>
@@ -16571,28 +16573,32 @@
 </ct:contentTypeSchema>
 </file>
 
-<file path=customXml/item2.xml><?xml version="1.0" encoding="utf-8"?>
-<p:properties xmlns:p="http://schemas.microsoft.com/office/2006/metadata/properties" xmlns:xsi="http://www.w3.org/2001/XMLSchema-instance">
-  <documentManagement>
-    <Content_x0020_Owner xmlns="99c847d8-566e-43ce-87b7-3c417d164c47">Ramroop, Saffie</Content_x0020_Owner>
-  </documentManagement>
-</p:properties>
+<file path=customXml/itemProps1.xml><?xml version="1.0" encoding="utf-8"?>
+<ds:datastoreItem xmlns:ds="http://schemas.openxmlformats.org/officeDocument/2006/customXml" ds:itemID="{7CBBC1DF-22C6-4C0C-A1CC-096D390C1463}">
+  <ds:schemaRefs>
+    <ds:schemaRef ds:uri="http://schemas.microsoft.com/office/2006/metadata/properties"/>
+    <ds:schemaRef ds:uri="99c847d8-566e-43ce-87b7-3c417d164c47"/>
+  </ds:schemaRefs>
+</ds:datastoreItem>
 </file>
 
-<file path=customXml/item3.xml><?xml version="1.0" encoding="utf-8"?>
-<?mso-contentType ?>
-<FormTemplates xmlns="http://schemas.microsoft.com/sharepoint/v3/contenttype/forms">
-  <Display>DocumentLibraryForm</Display>
-  <Edit>DocumentLibraryForm</Edit>
-  <New>DocumentLibraryForm</New>
-</FormTemplates>
+<file path=customXml/itemProps2.xml><?xml version="1.0" encoding="utf-8"?>
+<ds:datastoreItem xmlns:ds="http://schemas.openxmlformats.org/officeDocument/2006/customXml" ds:itemID="{08087394-933C-48A1-8AD9-030539CA3EF7}">
+  <ds:schemaRefs>
+    <ds:schemaRef ds:uri="http://schemas.microsoft.com/office/2006/metadata/longProperties"/>
+  </ds:schemaRefs>
+</ds:datastoreItem>
 </file>
 
-<file path=customXml/item4.xml><?xml version="1.0" encoding="utf-8"?>
-<LongProperties xmlns="http://schemas.microsoft.com/office/2006/metadata/longProperties"/>
+<file path=customXml/itemProps3.xml><?xml version="1.0" encoding="utf-8"?>
+<ds:datastoreItem xmlns:ds="http://schemas.openxmlformats.org/officeDocument/2006/customXml" ds:itemID="{9247FEFF-82D0-4BBE-AA2E-6E8C28F7BBE5}">
+  <ds:schemaRefs>
+    <ds:schemaRef ds:uri="http://schemas.microsoft.com/sharepoint/v3/contenttype/forms"/>
+  </ds:schemaRefs>
+</ds:datastoreItem>
 </file>
 
-<file path=customXml/itemProps1.xml><?xml version="1.0" encoding="utf-8"?>
+<file path=customXml/itemProps4.xml><?xml version="1.0" encoding="utf-8"?>
 <ds:datastoreItem xmlns:ds="http://schemas.openxmlformats.org/officeDocument/2006/customXml" ds:itemID="{83529300-F1B4-4E63-A67B-9E50D1598C67}">
   <ds:schemaRefs>
     <ds:schemaRef ds:uri="http://schemas.microsoft.com/office/2006/metadata/contentType"/>
@@ -16607,29 +16613,4 @@
     <ds:schemaRef ds:uri="http://schemas.microsoft.com/office/internal/2005/internalDocumentation"/>
   </ds:schemaRefs>
 </ds:datastoreItem>
-</file>
-
-<file path=customXml/itemProps2.xml><?xml version="1.0" encoding="utf-8"?>
-<ds:datastoreItem xmlns:ds="http://schemas.openxmlformats.org/officeDocument/2006/customXml" ds:itemID="{7CBBC1DF-22C6-4C0C-A1CC-096D390C1463}">
-  <ds:schemaRefs>
-    <ds:schemaRef ds:uri="http://schemas.microsoft.com/office/2006/metadata/properties"/>
-    <ds:schemaRef ds:uri="99c847d8-566e-43ce-87b7-3c417d164c47"/>
-  </ds:schemaRefs>
-</ds:datastoreItem>
-</file>
-
-<file path=customXml/itemProps3.xml><?xml version="1.0" encoding="utf-8"?>
-<ds:datastoreItem xmlns:ds="http://schemas.openxmlformats.org/officeDocument/2006/customXml" ds:itemID="{9247FEFF-82D0-4BBE-AA2E-6E8C28F7BBE5}">
-  <ds:schemaRefs>
-    <ds:schemaRef ds:uri="http://schemas.microsoft.com/sharepoint/v3/contenttype/forms"/>
-  </ds:schemaRefs>
-</ds:datastoreItem>
-</file>
-
-<file path=customXml/itemProps4.xml><?xml version="1.0" encoding="utf-8"?>
-<ds:datastoreItem xmlns:ds="http://schemas.openxmlformats.org/officeDocument/2006/customXml" ds:itemID="{08087394-933C-48A1-8AD9-030539CA3EF7}">
-  <ds:schemaRefs>
-    <ds:schemaRef ds:uri="http://schemas.microsoft.com/office/2006/metadata/longProperties"/>
-  </ds:schemaRefs>
-</ds:datastoreItem>
 </file>
--- a/trunk/preliminary/Working/presentations/KeyStoneII ARM Overview.pptx
+++ b/trunk/preliminary/Working/presentations/KeyStoneII ARM Overview.pptx
@@ -5,10 +5,10 @@
     <p:sldMasterId id="2147484452" r:id="rId5"/>
   </p:sldMasterIdLst>
   <p:notesMasterIdLst>
-    <p:notesMasterId r:id="rId67"/>
+    <p:notesMasterId r:id="rId71"/>
   </p:notesMasterIdLst>
   <p:handoutMasterIdLst>
-    <p:handoutMasterId r:id="rId68"/>
+    <p:handoutMasterId r:id="rId72"/>
   </p:handoutMasterIdLst>
   <p:sldIdLst>
     <p:sldId id="868" r:id="rId6"/>
@@ -38,45 +38,49 @@
     <p:sldId id="883" r:id="rId30"/>
     <p:sldId id="884" r:id="rId31"/>
     <p:sldId id="915" r:id="rId32"/>
-    <p:sldId id="925" r:id="rId33"/>
-    <p:sldId id="926" r:id="rId34"/>
-    <p:sldId id="927" r:id="rId35"/>
-    <p:sldId id="928" r:id="rId36"/>
-    <p:sldId id="929" r:id="rId37"/>
-    <p:sldId id="885" r:id="rId38"/>
-    <p:sldId id="886" r:id="rId39"/>
-    <p:sldId id="887" r:id="rId40"/>
-    <p:sldId id="888" r:id="rId41"/>
-    <p:sldId id="889" r:id="rId42"/>
-    <p:sldId id="890" r:id="rId43"/>
-    <p:sldId id="891" r:id="rId44"/>
-    <p:sldId id="892" r:id="rId45"/>
-    <p:sldId id="920" r:id="rId46"/>
-    <p:sldId id="916" r:id="rId47"/>
-    <p:sldId id="921" r:id="rId48"/>
-    <p:sldId id="922" r:id="rId49"/>
-    <p:sldId id="894" r:id="rId50"/>
-    <p:sldId id="895" r:id="rId51"/>
-    <p:sldId id="896" r:id="rId52"/>
-    <p:sldId id="897" r:id="rId53"/>
-    <p:sldId id="898" r:id="rId54"/>
-    <p:sldId id="899" r:id="rId55"/>
-    <p:sldId id="900" r:id="rId56"/>
-    <p:sldId id="923" r:id="rId57"/>
-    <p:sldId id="901" r:id="rId58"/>
-    <p:sldId id="902" r:id="rId59"/>
-    <p:sldId id="903" r:id="rId60"/>
-    <p:sldId id="904" r:id="rId61"/>
-    <p:sldId id="905" r:id="rId62"/>
-    <p:sldId id="906" r:id="rId63"/>
-    <p:sldId id="924" r:id="rId64"/>
-    <p:sldId id="907" r:id="rId65"/>
-    <p:sldId id="908" r:id="rId66"/>
+    <p:sldId id="930" r:id="rId33"/>
+    <p:sldId id="931" r:id="rId34"/>
+    <p:sldId id="932" r:id="rId35"/>
+    <p:sldId id="933" r:id="rId36"/>
+    <p:sldId id="925" r:id="rId37"/>
+    <p:sldId id="926" r:id="rId38"/>
+    <p:sldId id="927" r:id="rId39"/>
+    <p:sldId id="928" r:id="rId40"/>
+    <p:sldId id="929" r:id="rId41"/>
+    <p:sldId id="885" r:id="rId42"/>
+    <p:sldId id="886" r:id="rId43"/>
+    <p:sldId id="887" r:id="rId44"/>
+    <p:sldId id="888" r:id="rId45"/>
+    <p:sldId id="889" r:id="rId46"/>
+    <p:sldId id="890" r:id="rId47"/>
+    <p:sldId id="891" r:id="rId48"/>
+    <p:sldId id="892" r:id="rId49"/>
+    <p:sldId id="920" r:id="rId50"/>
+    <p:sldId id="916" r:id="rId51"/>
+    <p:sldId id="921" r:id="rId52"/>
+    <p:sldId id="922" r:id="rId53"/>
+    <p:sldId id="894" r:id="rId54"/>
+    <p:sldId id="895" r:id="rId55"/>
+    <p:sldId id="896" r:id="rId56"/>
+    <p:sldId id="897" r:id="rId57"/>
+    <p:sldId id="898" r:id="rId58"/>
+    <p:sldId id="899" r:id="rId59"/>
+    <p:sldId id="900" r:id="rId60"/>
+    <p:sldId id="923" r:id="rId61"/>
+    <p:sldId id="901" r:id="rId62"/>
+    <p:sldId id="902" r:id="rId63"/>
+    <p:sldId id="903" r:id="rId64"/>
+    <p:sldId id="904" r:id="rId65"/>
+    <p:sldId id="905" r:id="rId66"/>
+    <p:sldId id="906" r:id="rId67"/>
+    <p:sldId id="924" r:id="rId68"/>
+    <p:sldId id="907" r:id="rId69"/>
+    <p:sldId id="908" r:id="rId70"/>
   </p:sldIdLst>
   <p:sldSz cx="9144000" cy="6858000" type="screen4x3"/>
   <p:notesSz cx="7010400" cy="9296400"/>
   <p:custDataLst>
-    <p:tags r:id="rId69"/>
+    <p:tags r:id="rId73"/>
   </p:custDataLst>
   <p:defaultTextStyle>
     <a:defPPr>
@@ -1137,7 +1141,7 @@
               <a:pPr>
                 <a:defRPr/>
               </a:pPr>
-              <a:t>36</a:t>
+              <a:t>40</a:t>
             </a:fld>
             <a:endParaRPr lang="en-US" dirty="0"/>
           </a:p>
@@ -1244,7 +1248,7 @@
               <a:pPr>
                 <a:defRPr/>
               </a:pPr>
-              <a:t>38</a:t>
+              <a:t>42</a:t>
             </a:fld>
             <a:endParaRPr lang="en-US" dirty="0"/>
           </a:p>
@@ -1346,7 +1350,7 @@
             <a:fld id="{9295E5E2-942B-4086-8EFE-9DF4A2A8CF3E}" type="slidenum">
               <a:rPr lang="en-US" smtClean="0"/>
               <a:pPr/>
-              <a:t>39</a:t>
+              <a:t>43</a:t>
             </a:fld>
             <a:endParaRPr lang="en-US" dirty="0"/>
           </a:p>
@@ -1437,7 +1441,7 @@
               <a:pPr>
                 <a:defRPr/>
               </a:pPr>
-              <a:t>41</a:t>
+              <a:t>45</a:t>
             </a:fld>
             <a:endParaRPr lang="en-US" dirty="0"/>
           </a:p>
@@ -1528,7 +1532,7 @@
               <a:pPr>
                 <a:defRPr/>
               </a:pPr>
-              <a:t>42</a:t>
+              <a:t>46</a:t>
             </a:fld>
             <a:endParaRPr lang="en-US" dirty="0"/>
           </a:p>
@@ -1615,7 +1619,7 @@
               <a:pPr>
                 <a:defRPr/>
               </a:pPr>
-              <a:t>43</a:t>
+              <a:t>47</a:t>
             </a:fld>
             <a:endParaRPr lang="en-US" dirty="0"/>
           </a:p>
@@ -1702,7 +1706,7 @@
               <a:pPr>
                 <a:defRPr/>
               </a:pPr>
-              <a:t>44</a:t>
+              <a:t>48</a:t>
             </a:fld>
             <a:endParaRPr lang="en-US" dirty="0"/>
           </a:p>
@@ -1784,7 +1788,7 @@
             <a:fld id="{9295E5E2-942B-4086-8EFE-9DF4A2A8CF3E}" type="slidenum">
               <a:rPr lang="en-US" smtClean="0"/>
               <a:pPr/>
-              <a:t>47</a:t>
+              <a:t>51</a:t>
             </a:fld>
             <a:endParaRPr lang="en-US" dirty="0"/>
           </a:p>
@@ -1874,7 +1878,7 @@
             <a:fld id="{9295E5E2-942B-4086-8EFE-9DF4A2A8CF3E}" type="slidenum">
               <a:rPr lang="en-US" smtClean="0"/>
               <a:pPr/>
-              <a:t>48</a:t>
+              <a:t>52</a:t>
             </a:fld>
             <a:endParaRPr lang="en-US" dirty="0"/>
           </a:p>
@@ -1956,7 +1960,7 @@
             <a:fld id="{5A66AFF2-6912-47BF-8417-4BCCFAB39D19}" type="slidenum">
               <a:rPr lang="en-US" smtClean="0"/>
               <a:pPr/>
-              <a:t>49</a:t>
+              <a:t>53</a:t>
             </a:fld>
             <a:endParaRPr lang="en-US" dirty="0"/>
           </a:p>
@@ -2219,7 +2223,7 @@
             <a:fld id="{9295E5E2-942B-4086-8EFE-9DF4A2A8CF3E}" type="slidenum">
               <a:rPr lang="en-US" smtClean="0"/>
               <a:pPr/>
-              <a:t>50</a:t>
+              <a:t>54</a:t>
             </a:fld>
             <a:endParaRPr lang="en-US" dirty="0"/>
           </a:p>
@@ -2301,7 +2305,7 @@
             <a:fld id="{9295E5E2-942B-4086-8EFE-9DF4A2A8CF3E}" type="slidenum">
               <a:rPr lang="en-US" smtClean="0"/>
               <a:pPr/>
-              <a:t>51</a:t>
+              <a:t>55</a:t>
             </a:fld>
             <a:endParaRPr lang="en-US" dirty="0"/>
           </a:p>
@@ -2383,7 +2387,7 @@
             <a:fld id="{9295E5E2-942B-4086-8EFE-9DF4A2A8CF3E}" type="slidenum">
               <a:rPr lang="en-US" smtClean="0"/>
               <a:pPr/>
-              <a:t>53</a:t>
+              <a:t>57</a:t>
             </a:fld>
             <a:endParaRPr lang="en-US" dirty="0"/>
           </a:p>
@@ -2465,7 +2469,7 @@
             <a:fld id="{9295E5E2-942B-4086-8EFE-9DF4A2A8CF3E}" type="slidenum">
               <a:rPr lang="en-US" smtClean="0"/>
               <a:pPr/>
-              <a:t>54</a:t>
+              <a:t>58</a:t>
             </a:fld>
             <a:endParaRPr lang="en-US" dirty="0"/>
           </a:p>
@@ -2547,7 +2551,7 @@
             <a:fld id="{9295E5E2-942B-4086-8EFE-9DF4A2A8CF3E}" type="slidenum">
               <a:rPr lang="en-US" smtClean="0"/>
               <a:pPr/>
-              <a:t>56</a:t>
+              <a:t>60</a:t>
             </a:fld>
             <a:endParaRPr lang="en-US" dirty="0"/>
           </a:p>
@@ -2633,7 +2637,7 @@
             <a:fld id="{9295E5E2-942B-4086-8EFE-9DF4A2A8CF3E}" type="slidenum">
               <a:rPr lang="en-US" smtClean="0"/>
               <a:pPr/>
-              <a:t>57</a:t>
+              <a:t>61</a:t>
             </a:fld>
             <a:endParaRPr lang="en-US" dirty="0"/>
           </a:p>
@@ -2715,7 +2719,7 @@
             <a:fld id="{9295E5E2-942B-4086-8EFE-9DF4A2A8CF3E}" type="slidenum">
               <a:rPr lang="en-US" smtClean="0"/>
               <a:pPr/>
-              <a:t>58</a:t>
+              <a:t>62</a:t>
             </a:fld>
             <a:endParaRPr lang="en-US" dirty="0"/>
           </a:p>
@@ -2797,7 +2801,7 @@
             <a:fld id="{9295E5E2-942B-4086-8EFE-9DF4A2A8CF3E}" type="slidenum">
               <a:rPr lang="en-US" smtClean="0"/>
               <a:pPr/>
-              <a:t>59</a:t>
+              <a:t>63</a:t>
             </a:fld>
             <a:endParaRPr lang="en-US" dirty="0"/>
           </a:p>
@@ -2910,7 +2914,7 @@
             <a:fld id="{9295E5E2-942B-4086-8EFE-9DF4A2A8CF3E}" type="slidenum">
               <a:rPr lang="en-US" smtClean="0"/>
               <a:pPr/>
-              <a:t>60</a:t>
+              <a:t>64</a:t>
             </a:fld>
             <a:endParaRPr lang="en-US" dirty="0"/>
           </a:p>
@@ -2997,7 +3001,7 @@
               <a:pPr>
                 <a:defRPr/>
               </a:pPr>
-              <a:t>61</a:t>
+              <a:t>65</a:t>
             </a:fld>
             <a:endParaRPr lang="en-US" dirty="0"/>
           </a:p>
@@ -3519,7 +3523,7 @@
             <a:fld id="{9295E5E2-942B-4086-8EFE-9DF4A2A8CF3E}" type="slidenum">
               <a:rPr lang="en-US" smtClean="0"/>
               <a:pPr/>
-              <a:t>33</a:t>
+              <a:t>37</a:t>
             </a:fld>
             <a:endParaRPr lang="en-US" dirty="0"/>
           </a:p>
@@ -3610,7 +3614,7 @@
               <a:pPr>
                 <a:defRPr/>
               </a:pPr>
-              <a:t>34</a:t>
+              <a:t>38</a:t>
             </a:fld>
             <a:endParaRPr lang="en-US" dirty="0"/>
           </a:p>
@@ -3697,7 +3701,7 @@
               <a:pPr>
                 <a:defRPr/>
               </a:pPr>
-              <a:t>35</a:t>
+              <a:t>39</a:t>
             </a:fld>
             <a:endParaRPr lang="en-US" dirty="0"/>
           </a:p>
@@ -7386,19 +7390,15 @@
               <a:t>ll</a:t>
             </a:r>
             <a:r>
-              <a:rPr lang="en-US" sz="3200" smtClean="0"/>
-              <a:t>: ARM - IO </a:t>
-            </a:r>
-            <a:r>
               <a:rPr lang="en-US" sz="3200" dirty="0" smtClean="0"/>
-              <a:t>Coherency</a:t>
+              <a:t>: ARM - IO Coherency</a:t>
             </a:r>
             <a:br>
               <a:rPr lang="en-US" sz="3200" dirty="0" smtClean="0"/>
             </a:br>
             <a:r>
               <a:rPr lang="en-US" sz="3200" dirty="0" smtClean="0"/>
-              <a:t>External Read to Shared Memory (MSM/DDR)</a:t>
+              <a:t>External Write to Shared Memory (MSM/DDR)</a:t>
             </a:r>
             <a:endParaRPr lang="en-US" sz="3200" dirty="0"/>
           </a:p>
@@ -7436,113 +7436,9 @@
           </a:ln>
         </p:spPr>
       </p:pic>
-    </p:spTree>
-  </p:cSld>
-  <p:clrMapOvr>
-    <a:masterClrMapping/>
-  </p:clrMapOvr>
-  <p:timing>
-    <p:tnLst>
-      <p:par>
-        <p:cTn id="1" dur="indefinite" restart="never" nodeType="tmRoot"/>
-      </p:par>
-    </p:tnLst>
-  </p:timing>
-</p:sld>
-</file>
-
-<file path=ppt/slides/slide29.xml><?xml version="1.0" encoding="utf-8"?>
-<p:sld xmlns:a="http://schemas.openxmlformats.org/drawingml/2006/main" xmlns:r="http://schemas.openxmlformats.org/officeDocument/2006/relationships" xmlns:p="http://schemas.openxmlformats.org/presentationml/2006/main">
-  <p:cSld>
-    <p:spTree>
-      <p:nvGrpSpPr>
-        <p:cNvPr id="1" name=""/>
-        <p:cNvGrpSpPr/>
-        <p:nvPr/>
-      </p:nvGrpSpPr>
-      <p:grpSpPr>
-        <a:xfrm>
-          <a:off x="0" y="0"/>
-          <a:ext cx="0" cy="0"/>
-          <a:chOff x="0" y="0"/>
-          <a:chExt cx="0" cy="0"/>
-        </a:xfrm>
-      </p:grpSpPr>
-      <p:sp>
-        <p:nvSpPr>
-          <p:cNvPr id="4" name="Title 3"/>
-          <p:cNvSpPr>
-            <a:spLocks noGrp="1"/>
-          </p:cNvSpPr>
-          <p:nvPr>
-            <p:ph type="title"/>
-          </p:nvPr>
-        </p:nvSpPr>
-        <p:spPr/>
-        <p:txBody>
-          <a:bodyPr>
-            <a:noAutofit/>
-          </a:bodyPr>
-          <a:lstStyle/>
-          <a:p>
-            <a:r>
-              <a:rPr lang="en-US" sz="3200" dirty="0" smtClean="0"/>
-              <a:t>Keystone </a:t>
-            </a:r>
-            <a:r>
-              <a:rPr lang="en-US" sz="3200" dirty="0" err="1" smtClean="0"/>
-              <a:t>ll</a:t>
-            </a:r>
-            <a:r>
-              <a:rPr lang="en-US" sz="3200" dirty="0" smtClean="0"/>
-              <a:t>: ARM - IO Coherency</a:t>
-            </a:r>
-            <a:br>
-              <a:rPr lang="en-US" sz="3200" dirty="0" smtClean="0"/>
-            </a:br>
-            <a:r>
-              <a:rPr lang="en-US" sz="3200" dirty="0" smtClean="0"/>
-              <a:t>External Read to Shared Memory (MSM/DDR)</a:t>
-            </a:r>
-            <a:endParaRPr lang="en-US" sz="3200" dirty="0"/>
-          </a:p>
-        </p:txBody>
-      </p:sp>
-      <p:pic>
-        <p:nvPicPr>
-          <p:cNvPr id="55303" name="Picture 7"/>
-          <p:cNvPicPr>
-            <a:picLocks noChangeAspect="1" noChangeArrowheads="1"/>
-          </p:cNvPicPr>
-          <p:nvPr/>
-        </p:nvPicPr>
-        <p:blipFill>
-          <a:blip r:embed="rId2" cstate="print"/>
-          <a:srcRect/>
-          <a:stretch>
-            <a:fillRect/>
-          </a:stretch>
-        </p:blipFill>
-        <p:spPr bwMode="auto">
-          <a:xfrm>
-            <a:off x="457200" y="1462087"/>
-            <a:ext cx="8458200" cy="5014913"/>
-          </a:xfrm>
-          <a:prstGeom prst="rect">
-            <a:avLst/>
-          </a:prstGeom>
-          <a:noFill/>
-          <a:ln w="9525">
-            <a:noFill/>
-            <a:miter lim="800000"/>
-            <a:headEnd/>
-            <a:tailEnd/>
-          </a:ln>
-        </p:spPr>
-      </p:pic>
-      <p:sp>
-        <p:nvSpPr>
-          <p:cNvPr id="5" name="Freeform 4"/>
+      <p:sp>
+        <p:nvSpPr>
+          <p:cNvPr id="14" name="Freeform 13"/>
           <p:cNvSpPr/>
           <p:nvPr/>
         </p:nvSpPr>
@@ -7634,7 +7530,7 @@
       </p:sp>
       <p:sp>
         <p:nvSpPr>
-          <p:cNvPr id="6" name="Oval 5"/>
+          <p:cNvPr id="18" name="Oval 17"/>
           <p:cNvSpPr/>
           <p:nvPr/>
         </p:nvSpPr>
@@ -7689,14 +7585,14 @@
       </p:sp>
       <p:sp>
         <p:nvSpPr>
-          <p:cNvPr id="8" name="Rounded Rectangular Callout 7"/>
+          <p:cNvPr id="9" name="Rounded Rectangular Callout 8"/>
           <p:cNvSpPr/>
           <p:nvPr/>
         </p:nvSpPr>
         <p:spPr>
           <a:xfrm>
-            <a:off x="457200" y="5359078"/>
-            <a:ext cx="1600200" cy="1194122"/>
+            <a:off x="457200" y="5486400"/>
+            <a:ext cx="1600200" cy="1066800"/>
           </a:xfrm>
           <a:prstGeom prst="wedgeRoundRectCallout">
             <a:avLst>
@@ -7729,7 +7625,7 @@
             <a:pPr algn="ctr"/>
             <a:r>
               <a:rPr lang="en-US" sz="2000" dirty="0" smtClean="0"/>
-              <a:t>EDMA issues read to shared SRAM</a:t>
+              <a:t>EDMA issues write to shared SRAM</a:t>
             </a:r>
             <a:endParaRPr lang="en-US" sz="2000" dirty="0"/>
           </a:p>
@@ -7750,7 +7646,7 @@
 </p:sld>
 </file>
 
-<file path=ppt/slides/slide3.xml><?xml version="1.0" encoding="utf-8"?>
+<file path=ppt/slides/slide29.xml><?xml version="1.0" encoding="utf-8"?>
 <p:sld xmlns:a="http://schemas.openxmlformats.org/drawingml/2006/main" xmlns:r="http://schemas.openxmlformats.org/officeDocument/2006/relationships" xmlns:p="http://schemas.openxmlformats.org/presentationml/2006/main">
   <p:cSld>
     <p:spTree>
@@ -7769,122 +7665,6 @@
       </p:grpSpPr>
       <p:sp>
         <p:nvSpPr>
-          <p:cNvPr id="2" name="Title 1"/>
-          <p:cNvSpPr>
-            <a:spLocks noGrp="1"/>
-          </p:cNvSpPr>
-          <p:nvPr>
-            <p:ph type="title"/>
-          </p:nvPr>
-        </p:nvSpPr>
-        <p:spPr/>
-        <p:txBody>
-          <a:bodyPr>
-            <a:normAutofit/>
-          </a:bodyPr>
-          <a:lstStyle/>
-          <a:p>
-            <a:r>
-              <a:rPr lang="en-US" sz="4000" dirty="0" smtClean="0"/>
-              <a:t>ARM CorePac in KeyStone II</a:t>
-            </a:r>
-          </a:p>
-        </p:txBody>
-      </p:sp>
-      <p:sp>
-        <p:nvSpPr>
-          <p:cNvPr id="3" name="Content Placeholder 2"/>
-          <p:cNvSpPr>
-            <a:spLocks noGrp="1"/>
-          </p:cNvSpPr>
-          <p:nvPr>
-            <p:ph idx="1"/>
-          </p:nvPr>
-        </p:nvSpPr>
-        <p:spPr/>
-        <p:txBody>
-          <a:bodyPr>
-            <a:normAutofit/>
-          </a:bodyPr>
-          <a:lstStyle/>
-          <a:p>
-            <a:r>
-              <a:rPr lang="en-US" b="1" dirty="0" smtClean="0"/>
-              <a:t>ARM CorePac in KeyStone II</a:t>
-            </a:r>
-          </a:p>
-          <a:p>
-            <a:r>
-              <a:rPr lang="en-US" dirty="0" smtClean="0"/>
-              <a:t>ARM Cortex A-15 Features</a:t>
-            </a:r>
-          </a:p>
-          <a:p>
-            <a:r>
-              <a:rPr lang="en-US" dirty="0" smtClean="0"/>
-              <a:t>Interface to the SOC and Coherency Issues</a:t>
-            </a:r>
-          </a:p>
-          <a:p>
-            <a:r>
-              <a:rPr lang="en-US" dirty="0" smtClean="0"/>
-              <a:t>Benchmarks</a:t>
-            </a:r>
-          </a:p>
-          <a:p>
-            <a:r>
-              <a:rPr lang="en-US" dirty="0" smtClean="0"/>
-              <a:t>Interrupt Controller</a:t>
-            </a:r>
-          </a:p>
-          <a:p>
-            <a:r>
-              <a:rPr lang="en-US" dirty="0" smtClean="0"/>
-              <a:t>Power Management</a:t>
-            </a:r>
-          </a:p>
-          <a:p>
-            <a:r>
-              <a:rPr lang="en-US" dirty="0" smtClean="0"/>
-              <a:t>Debug and Trace</a:t>
-            </a:r>
-          </a:p>
-        </p:txBody>
-      </p:sp>
-    </p:spTree>
-  </p:cSld>
-  <p:clrMapOvr>
-    <a:masterClrMapping/>
-  </p:clrMapOvr>
-  <p:timing>
-    <p:tnLst>
-      <p:par>
-        <p:cTn id="1" dur="indefinite" restart="never" nodeType="tmRoot"/>
-      </p:par>
-    </p:tnLst>
-  </p:timing>
-</p:sld>
-</file>
-
-<file path=ppt/slides/slide30.xml><?xml version="1.0" encoding="utf-8"?>
-<p:sld xmlns:a="http://schemas.openxmlformats.org/drawingml/2006/main" xmlns:r="http://schemas.openxmlformats.org/officeDocument/2006/relationships" xmlns:p="http://schemas.openxmlformats.org/presentationml/2006/main">
-  <p:cSld>
-    <p:spTree>
-      <p:nvGrpSpPr>
-        <p:cNvPr id="1" name=""/>
-        <p:cNvGrpSpPr/>
-        <p:nvPr/>
-      </p:nvGrpSpPr>
-      <p:grpSpPr>
-        <a:xfrm>
-          <a:off x="0" y="0"/>
-          <a:ext cx="0" cy="0"/>
-          <a:chOff x="0" y="0"/>
-          <a:chExt cx="0" cy="0"/>
-        </a:xfrm>
-      </p:grpSpPr>
-      <p:sp>
-        <p:nvSpPr>
           <p:cNvPr id="4" name="Title 3"/>
           <p:cNvSpPr>
             <a:spLocks noGrp="1"/>
@@ -7917,7 +7697,7 @@
             </a:br>
             <a:r>
               <a:rPr lang="en-US" sz="3200" dirty="0" smtClean="0"/>
-              <a:t>External Read to Shared Memory (MSM/DDR)</a:t>
+              <a:t>External Write to Shared Memory (MSM/DDR)</a:t>
             </a:r>
             <a:endParaRPr lang="en-US" sz="3200" dirty="0"/>
           </a:p>
@@ -7957,7 +7737,7 @@
       </p:pic>
       <p:sp>
         <p:nvSpPr>
-          <p:cNvPr id="5" name="Freeform 4"/>
+          <p:cNvPr id="14" name="Freeform 13"/>
           <p:cNvSpPr/>
           <p:nvPr/>
         </p:nvSpPr>
@@ -8049,7 +7829,7 @@
       </p:sp>
       <p:sp>
         <p:nvSpPr>
-          <p:cNvPr id="6" name="Oval 5"/>
+          <p:cNvPr id="18" name="Oval 17"/>
           <p:cNvSpPr/>
           <p:nvPr/>
         </p:nvSpPr>
@@ -8110,56 +7890,8 @@
         </p:nvSpPr>
         <p:spPr>
           <a:xfrm>
-            <a:off x="457200" y="5359078"/>
-            <a:ext cx="1600200" cy="1194122"/>
-          </a:xfrm>
-          <a:prstGeom prst="wedgeRoundRectCallout">
-            <a:avLst>
-              <a:gd name="adj1" fmla="val 52045"/>
-              <a:gd name="adj2" fmla="val -153650"/>
-              <a:gd name="adj3" fmla="val 16667"/>
-            </a:avLst>
-          </a:prstGeom>
-        </p:spPr>
-        <p:style>
-          <a:lnRef idx="2">
-            <a:schemeClr val="accent1">
-              <a:shade val="50000"/>
-            </a:schemeClr>
-          </a:lnRef>
-          <a:fillRef idx="1">
-            <a:schemeClr val="accent1"/>
-          </a:fillRef>
-          <a:effectRef idx="0">
-            <a:schemeClr val="accent1"/>
-          </a:effectRef>
-          <a:fontRef idx="minor">
-            <a:schemeClr val="lt1"/>
-          </a:fontRef>
-        </p:style>
-        <p:txBody>
-          <a:bodyPr lIns="0" tIns="0" rIns="0" bIns="0" rtlCol="0" anchor="ctr"/>
-          <a:lstStyle/>
-          <a:p>
-            <a:pPr algn="ctr"/>
-            <a:r>
-              <a:rPr lang="en-US" sz="2000" dirty="0" smtClean="0"/>
-              <a:t>EDMA issues read to shared SRAM</a:t>
-            </a:r>
-            <a:endParaRPr lang="en-US" sz="2000" dirty="0"/>
-          </a:p>
-        </p:txBody>
-      </p:sp>
-      <p:sp>
-        <p:nvSpPr>
-          <p:cNvPr id="9" name="Rounded Rectangular Callout 8"/>
-          <p:cNvSpPr/>
-          <p:nvPr/>
-        </p:nvSpPr>
-        <p:spPr>
-          <a:xfrm>
-            <a:off x="685800" y="2133600"/>
-            <a:ext cx="1600200" cy="1066800"/>
+            <a:off x="755248" y="1435261"/>
+            <a:ext cx="1600200" cy="1666754"/>
           </a:xfrm>
           <a:prstGeom prst="wedgeRoundRectCallout">
             <a:avLst>
@@ -8192,15 +7924,27 @@
             <a:pPr algn="ctr"/>
             <a:r>
               <a:rPr lang="en-US" dirty="0" smtClean="0"/>
-              <a:t>Coherence Controller issues read snoops to ARM</a:t>
-            </a:r>
-            <a:endParaRPr lang="en-US" dirty="0"/>
-          </a:p>
-        </p:txBody>
-      </p:sp>
-      <p:sp>
-        <p:nvSpPr>
-          <p:cNvPr id="10" name="Freeform 9"/>
+              <a:t>Coherence </a:t>
+            </a:r>
+            <a:r>
+              <a:rPr lang="en-US" sz="2000" dirty="0" smtClean="0"/>
+              <a:t>Controller issues </a:t>
+            </a:r>
+            <a:r>
+              <a:rPr lang="en-US" sz="2000" dirty="0" err="1" smtClean="0"/>
+              <a:t>WBInv</a:t>
+            </a:r>
+            <a:r>
+              <a:rPr lang="en-US" sz="2000" dirty="0" smtClean="0"/>
+              <a:t> snoops to ARM</a:t>
+            </a:r>
+            <a:endParaRPr lang="en-US" sz="2000" dirty="0"/>
+          </a:p>
+        </p:txBody>
+      </p:sp>
+      <p:sp>
+        <p:nvSpPr>
+          <p:cNvPr id="9" name="Freeform 8"/>
           <p:cNvSpPr/>
           <p:nvPr/>
         </p:nvSpPr>
@@ -8292,7 +8036,7 @@
       </p:sp>
       <p:sp>
         <p:nvSpPr>
-          <p:cNvPr id="11" name="Oval 10"/>
+          <p:cNvPr id="10" name="Oval 9"/>
           <p:cNvSpPr/>
           <p:nvPr/>
         </p:nvSpPr>
@@ -8345,6 +8089,54 @@
           </a:p>
         </p:txBody>
       </p:sp>
+      <p:sp>
+        <p:nvSpPr>
+          <p:cNvPr id="11" name="Rounded Rectangular Callout 10"/>
+          <p:cNvSpPr/>
+          <p:nvPr/>
+        </p:nvSpPr>
+        <p:spPr>
+          <a:xfrm>
+            <a:off x="457200" y="5486400"/>
+            <a:ext cx="1600200" cy="1066800"/>
+          </a:xfrm>
+          <a:prstGeom prst="wedgeRoundRectCallout">
+            <a:avLst>
+              <a:gd name="adj1" fmla="val 52045"/>
+              <a:gd name="adj2" fmla="val -151165"/>
+              <a:gd name="adj3" fmla="val 16667"/>
+            </a:avLst>
+          </a:prstGeom>
+        </p:spPr>
+        <p:style>
+          <a:lnRef idx="2">
+            <a:schemeClr val="accent1">
+              <a:shade val="50000"/>
+            </a:schemeClr>
+          </a:lnRef>
+          <a:fillRef idx="1">
+            <a:schemeClr val="accent1"/>
+          </a:fillRef>
+          <a:effectRef idx="0">
+            <a:schemeClr val="accent1"/>
+          </a:effectRef>
+          <a:fontRef idx="minor">
+            <a:schemeClr val="lt1"/>
+          </a:fontRef>
+        </p:style>
+        <p:txBody>
+          <a:bodyPr lIns="0" tIns="0" rIns="0" bIns="0" rtlCol="0" anchor="ctr"/>
+          <a:lstStyle/>
+          <a:p>
+            <a:pPr algn="ctr"/>
+            <a:r>
+              <a:rPr lang="en-US" sz="2000" dirty="0" smtClean="0"/>
+              <a:t>EDMA issues write to shared SRAM</a:t>
+            </a:r>
+            <a:endParaRPr lang="en-US" sz="2000" dirty="0"/>
+          </a:p>
+        </p:txBody>
+      </p:sp>
     </p:spTree>
   </p:cSld>
   <p:clrMapOvr>
@@ -8360,7 +8152,7 @@
 </p:sld>
 </file>
 
-<file path=ppt/slides/slide31.xml><?xml version="1.0" encoding="utf-8"?>
+<file path=ppt/slides/slide3.xml><?xml version="1.0" encoding="utf-8"?>
 <p:sld xmlns:a="http://schemas.openxmlformats.org/drawingml/2006/main" xmlns:r="http://schemas.openxmlformats.org/officeDocument/2006/relationships" xmlns:p="http://schemas.openxmlformats.org/presentationml/2006/main">
   <p:cSld>
     <p:spTree>
@@ -8379,6 +8171,122 @@
       </p:grpSpPr>
       <p:sp>
         <p:nvSpPr>
+          <p:cNvPr id="2" name="Title 1"/>
+          <p:cNvSpPr>
+            <a:spLocks noGrp="1"/>
+          </p:cNvSpPr>
+          <p:nvPr>
+            <p:ph type="title"/>
+          </p:nvPr>
+        </p:nvSpPr>
+        <p:spPr/>
+        <p:txBody>
+          <a:bodyPr>
+            <a:normAutofit/>
+          </a:bodyPr>
+          <a:lstStyle/>
+          <a:p>
+            <a:r>
+              <a:rPr lang="en-US" sz="4000" dirty="0" smtClean="0"/>
+              <a:t>ARM CorePac in KeyStone II</a:t>
+            </a:r>
+          </a:p>
+        </p:txBody>
+      </p:sp>
+      <p:sp>
+        <p:nvSpPr>
+          <p:cNvPr id="3" name="Content Placeholder 2"/>
+          <p:cNvSpPr>
+            <a:spLocks noGrp="1"/>
+          </p:cNvSpPr>
+          <p:nvPr>
+            <p:ph idx="1"/>
+          </p:nvPr>
+        </p:nvSpPr>
+        <p:spPr/>
+        <p:txBody>
+          <a:bodyPr>
+            <a:normAutofit/>
+          </a:bodyPr>
+          <a:lstStyle/>
+          <a:p>
+            <a:r>
+              <a:rPr lang="en-US" b="1" dirty="0" smtClean="0"/>
+              <a:t>ARM CorePac in KeyStone II</a:t>
+            </a:r>
+          </a:p>
+          <a:p>
+            <a:r>
+              <a:rPr lang="en-US" dirty="0" smtClean="0"/>
+              <a:t>ARM Cortex A-15 Features</a:t>
+            </a:r>
+          </a:p>
+          <a:p>
+            <a:r>
+              <a:rPr lang="en-US" dirty="0" smtClean="0"/>
+              <a:t>Interface to the SOC and Coherency Issues</a:t>
+            </a:r>
+          </a:p>
+          <a:p>
+            <a:r>
+              <a:rPr lang="en-US" dirty="0" smtClean="0"/>
+              <a:t>Benchmarks</a:t>
+            </a:r>
+          </a:p>
+          <a:p>
+            <a:r>
+              <a:rPr lang="en-US" dirty="0" smtClean="0"/>
+              <a:t>Interrupt Controller</a:t>
+            </a:r>
+          </a:p>
+          <a:p>
+            <a:r>
+              <a:rPr lang="en-US" dirty="0" smtClean="0"/>
+              <a:t>Power Management</a:t>
+            </a:r>
+          </a:p>
+          <a:p>
+            <a:r>
+              <a:rPr lang="en-US" dirty="0" smtClean="0"/>
+              <a:t>Debug and Trace</a:t>
+            </a:r>
+          </a:p>
+        </p:txBody>
+      </p:sp>
+    </p:spTree>
+  </p:cSld>
+  <p:clrMapOvr>
+    <a:masterClrMapping/>
+  </p:clrMapOvr>
+  <p:timing>
+    <p:tnLst>
+      <p:par>
+        <p:cTn id="1" dur="indefinite" restart="never" nodeType="tmRoot"/>
+      </p:par>
+    </p:tnLst>
+  </p:timing>
+</p:sld>
+</file>
+
+<file path=ppt/slides/slide30.xml><?xml version="1.0" encoding="utf-8"?>
+<p:sld xmlns:a="http://schemas.openxmlformats.org/drawingml/2006/main" xmlns:r="http://schemas.openxmlformats.org/officeDocument/2006/relationships" xmlns:p="http://schemas.openxmlformats.org/presentationml/2006/main">
+  <p:cSld>
+    <p:spTree>
+      <p:nvGrpSpPr>
+        <p:cNvPr id="1" name=""/>
+        <p:cNvGrpSpPr/>
+        <p:nvPr/>
+      </p:nvGrpSpPr>
+      <p:grpSpPr>
+        <a:xfrm>
+          <a:off x="0" y="0"/>
+          <a:ext cx="0" cy="0"/>
+          <a:chOff x="0" y="0"/>
+          <a:chExt cx="0" cy="0"/>
+        </a:xfrm>
+      </p:grpSpPr>
+      <p:sp>
+        <p:nvSpPr>
           <p:cNvPr id="4" name="Title 3"/>
           <p:cNvSpPr>
             <a:spLocks noGrp="1"/>
@@ -8411,7 +8319,7 @@
             </a:br>
             <a:r>
               <a:rPr lang="en-US" sz="3200" dirty="0" smtClean="0"/>
-              <a:t>External Read to Shared Memory (MSM/DDR)</a:t>
+              <a:t>External Write to Shared Memory (MSM/DDR)</a:t>
             </a:r>
             <a:endParaRPr lang="en-US" sz="3200" dirty="0"/>
           </a:p>
@@ -8451,7 +8359,7 @@
       </p:pic>
       <p:sp>
         <p:nvSpPr>
-          <p:cNvPr id="5" name="Freeform 4"/>
+          <p:cNvPr id="14" name="Freeform 13"/>
           <p:cNvSpPr/>
           <p:nvPr/>
         </p:nvSpPr>
@@ -8543,7 +8451,7 @@
       </p:sp>
       <p:sp>
         <p:nvSpPr>
-          <p:cNvPr id="6" name="Oval 5"/>
+          <p:cNvPr id="18" name="Oval 17"/>
           <p:cNvSpPr/>
           <p:nvPr/>
         </p:nvSpPr>
@@ -8598,103 +8506,7 @@
       </p:sp>
       <p:sp>
         <p:nvSpPr>
-          <p:cNvPr id="8" name="Rounded Rectangular Callout 7"/>
-          <p:cNvSpPr/>
-          <p:nvPr/>
-        </p:nvSpPr>
-        <p:spPr>
-          <a:xfrm>
-            <a:off x="457200" y="5486400"/>
-            <a:ext cx="1600200" cy="1066800"/>
-          </a:xfrm>
-          <a:prstGeom prst="wedgeRoundRectCallout">
-            <a:avLst>
-              <a:gd name="adj1" fmla="val 52045"/>
-              <a:gd name="adj2" fmla="val -153650"/>
-              <a:gd name="adj3" fmla="val 16667"/>
-            </a:avLst>
-          </a:prstGeom>
-        </p:spPr>
-        <p:style>
-          <a:lnRef idx="2">
-            <a:schemeClr val="accent1">
-              <a:shade val="50000"/>
-            </a:schemeClr>
-          </a:lnRef>
-          <a:fillRef idx="1">
-            <a:schemeClr val="accent1"/>
-          </a:fillRef>
-          <a:effectRef idx="0">
-            <a:schemeClr val="accent1"/>
-          </a:effectRef>
-          <a:fontRef idx="minor">
-            <a:schemeClr val="lt1"/>
-          </a:fontRef>
-        </p:style>
-        <p:txBody>
-          <a:bodyPr lIns="0" tIns="0" rIns="0" bIns="0" rtlCol="0" anchor="ctr"/>
-          <a:lstStyle/>
-          <a:p>
-            <a:pPr algn="ctr"/>
-            <a:r>
-              <a:rPr lang="en-US" sz="2000" dirty="0" smtClean="0"/>
-              <a:t>EDMA issues read to shared SRAM</a:t>
-            </a:r>
-            <a:endParaRPr lang="en-US" sz="2000" dirty="0"/>
-          </a:p>
-        </p:txBody>
-      </p:sp>
-      <p:sp>
-        <p:nvSpPr>
-          <p:cNvPr id="9" name="Rounded Rectangular Callout 8"/>
-          <p:cNvSpPr/>
-          <p:nvPr/>
-        </p:nvSpPr>
-        <p:spPr>
-          <a:xfrm>
-            <a:off x="685800" y="2133600"/>
-            <a:ext cx="1600200" cy="1066800"/>
-          </a:xfrm>
-          <a:prstGeom prst="wedgeRoundRectCallout">
-            <a:avLst>
-              <a:gd name="adj1" fmla="val 104219"/>
-              <a:gd name="adj2" fmla="val 101009"/>
-              <a:gd name="adj3" fmla="val 16667"/>
-            </a:avLst>
-          </a:prstGeom>
-        </p:spPr>
-        <p:style>
-          <a:lnRef idx="2">
-            <a:schemeClr val="accent1">
-              <a:shade val="50000"/>
-            </a:schemeClr>
-          </a:lnRef>
-          <a:fillRef idx="1">
-            <a:schemeClr val="accent1"/>
-          </a:fillRef>
-          <a:effectRef idx="0">
-            <a:schemeClr val="accent1"/>
-          </a:effectRef>
-          <a:fontRef idx="minor">
-            <a:schemeClr val="lt1"/>
-          </a:fontRef>
-        </p:style>
-        <p:txBody>
-          <a:bodyPr lIns="0" tIns="0" rIns="0" bIns="0" rtlCol="0" anchor="ctr"/>
-          <a:lstStyle/>
-          <a:p>
-            <a:pPr algn="ctr"/>
-            <a:r>
-              <a:rPr lang="en-US" dirty="0" smtClean="0"/>
-              <a:t>Coherence Controller issues read snoops to ARM</a:t>
-            </a:r>
-            <a:endParaRPr lang="en-US" dirty="0"/>
-          </a:p>
-        </p:txBody>
-      </p:sp>
-      <p:sp>
-        <p:nvSpPr>
-          <p:cNvPr id="10" name="Freeform 9"/>
+          <p:cNvPr id="9" name="Freeform 8"/>
           <p:cNvSpPr/>
           <p:nvPr/>
         </p:nvSpPr>
@@ -8786,7 +8598,7 @@
       </p:sp>
       <p:sp>
         <p:nvSpPr>
-          <p:cNvPr id="11" name="Oval 10"/>
+          <p:cNvPr id="10" name="Oval 9"/>
           <p:cNvSpPr/>
           <p:nvPr/>
         </p:nvSpPr>
@@ -8841,7 +8653,7 @@
       </p:sp>
       <p:sp>
         <p:nvSpPr>
-          <p:cNvPr id="12" name="Freeform 11"/>
+          <p:cNvPr id="13" name="Freeform 12"/>
           <p:cNvSpPr/>
           <p:nvPr/>
         </p:nvSpPr>
@@ -8933,7 +8745,7 @@
       </p:sp>
       <p:sp>
         <p:nvSpPr>
-          <p:cNvPr id="13" name="Oval 12"/>
+          <p:cNvPr id="15" name="Oval 14"/>
           <p:cNvSpPr/>
           <p:nvPr/>
         </p:nvSpPr>
@@ -8988,7 +8800,7 @@
       </p:sp>
       <p:sp>
         <p:nvSpPr>
-          <p:cNvPr id="14" name="Rounded Rectangular Callout 13"/>
+          <p:cNvPr id="16" name="Rounded Rectangular Callout 15"/>
           <p:cNvSpPr/>
           <p:nvPr/>
         </p:nvSpPr>
@@ -9027,10 +8839,122 @@
           <a:p>
             <a:pPr algn="ctr"/>
             <a:r>
+              <a:rPr lang="en-US" sz="2000" dirty="0" smtClean="0"/>
+              <a:t>ARM evicts the line</a:t>
+            </a:r>
+            <a:endParaRPr lang="en-US" sz="2000" dirty="0"/>
+          </a:p>
+        </p:txBody>
+      </p:sp>
+      <p:sp>
+        <p:nvSpPr>
+          <p:cNvPr id="17" name="Rounded Rectangular Callout 16"/>
+          <p:cNvSpPr/>
+          <p:nvPr/>
+        </p:nvSpPr>
+        <p:spPr>
+          <a:xfrm>
+            <a:off x="732099" y="1551008"/>
+            <a:ext cx="1600200" cy="1545220"/>
+          </a:xfrm>
+          <a:prstGeom prst="wedgeRoundRectCallout">
+            <a:avLst>
+              <a:gd name="adj1" fmla="val 104219"/>
+              <a:gd name="adj2" fmla="val 101009"/>
+              <a:gd name="adj3" fmla="val 16667"/>
+            </a:avLst>
+          </a:prstGeom>
+        </p:spPr>
+        <p:style>
+          <a:lnRef idx="2">
+            <a:schemeClr val="accent1">
+              <a:shade val="50000"/>
+            </a:schemeClr>
+          </a:lnRef>
+          <a:fillRef idx="1">
+            <a:schemeClr val="accent1"/>
+          </a:fillRef>
+          <a:effectRef idx="0">
+            <a:schemeClr val="accent1"/>
+          </a:effectRef>
+          <a:fontRef idx="minor">
+            <a:schemeClr val="lt1"/>
+          </a:fontRef>
+        </p:style>
+        <p:txBody>
+          <a:bodyPr lIns="0" tIns="0" rIns="0" bIns="0" rtlCol="0" anchor="ctr"/>
+          <a:lstStyle/>
+          <a:p>
+            <a:pPr algn="ctr"/>
+            <a:r>
               <a:rPr lang="en-US" dirty="0" smtClean="0"/>
-              <a:t>ARM evicts updated data</a:t>
+              <a:t>Coherence </a:t>
+            </a:r>
+            <a:r>
+              <a:rPr lang="en-US" sz="2000" dirty="0" smtClean="0"/>
+              <a:t>Controller issues </a:t>
+            </a:r>
+            <a:r>
+              <a:rPr lang="en-US" sz="2000" dirty="0" err="1" smtClean="0"/>
+              <a:t>WBInv</a:t>
+            </a:r>
+            <a:r>
+              <a:rPr lang="en-US" sz="2000" dirty="0" smtClean="0"/>
+              <a:t> snoops to </a:t>
+            </a:r>
+            <a:r>
+              <a:rPr lang="en-US" dirty="0" smtClean="0"/>
+              <a:t>ARM</a:t>
             </a:r>
             <a:endParaRPr lang="en-US" dirty="0"/>
+          </a:p>
+        </p:txBody>
+      </p:sp>
+      <p:sp>
+        <p:nvSpPr>
+          <p:cNvPr id="19" name="Rounded Rectangular Callout 18"/>
+          <p:cNvSpPr/>
+          <p:nvPr/>
+        </p:nvSpPr>
+        <p:spPr>
+          <a:xfrm>
+            <a:off x="457200" y="5486400"/>
+            <a:ext cx="1600200" cy="1066800"/>
+          </a:xfrm>
+          <a:prstGeom prst="wedgeRoundRectCallout">
+            <a:avLst>
+              <a:gd name="adj1" fmla="val 52045"/>
+              <a:gd name="adj2" fmla="val -151165"/>
+              <a:gd name="adj3" fmla="val 16667"/>
+            </a:avLst>
+          </a:prstGeom>
+        </p:spPr>
+        <p:style>
+          <a:lnRef idx="2">
+            <a:schemeClr val="accent1">
+              <a:shade val="50000"/>
+            </a:schemeClr>
+          </a:lnRef>
+          <a:fillRef idx="1">
+            <a:schemeClr val="accent1"/>
+          </a:fillRef>
+          <a:effectRef idx="0">
+            <a:schemeClr val="accent1"/>
+          </a:effectRef>
+          <a:fontRef idx="minor">
+            <a:schemeClr val="lt1"/>
+          </a:fontRef>
+        </p:style>
+        <p:txBody>
+          <a:bodyPr lIns="0" tIns="0" rIns="0" bIns="0" rtlCol="0" anchor="ctr"/>
+          <a:lstStyle/>
+          <a:p>
+            <a:pPr algn="ctr"/>
+            <a:r>
+              <a:rPr lang="en-US" sz="2000" dirty="0" smtClean="0"/>
+              <a:t>EDMA issues write to shared SRAM</a:t>
+            </a:r>
+            <a:endParaRPr lang="en-US" sz="2000" dirty="0"/>
           </a:p>
         </p:txBody>
       </p:sp>
@@ -9049,7 +8973,7 @@
 </p:sld>
 </file>
 
-<file path=ppt/slides/slide32.xml><?xml version="1.0" encoding="utf-8"?>
+<file path=ppt/slides/slide31.xml><?xml version="1.0" encoding="utf-8"?>
 <p:sld xmlns:a="http://schemas.openxmlformats.org/drawingml/2006/main" xmlns:r="http://schemas.openxmlformats.org/officeDocument/2006/relationships" xmlns:p="http://schemas.openxmlformats.org/presentationml/2006/main">
   <p:cSld>
     <p:spTree>
@@ -9100,7 +9024,7 @@
             </a:br>
             <a:r>
               <a:rPr lang="en-US" sz="3200" dirty="0" smtClean="0"/>
-              <a:t>External Read to Shared Memory (MSM/DDR)</a:t>
+              <a:t>External Write to Shared Memory (MSM/DDR)</a:t>
             </a:r>
             <a:endParaRPr lang="en-US" sz="3200" dirty="0"/>
           </a:p>
@@ -9140,7 +9064,7 @@
       </p:pic>
       <p:sp>
         <p:nvSpPr>
-          <p:cNvPr id="5" name="Freeform 4"/>
+          <p:cNvPr id="14" name="Freeform 13"/>
           <p:cNvSpPr/>
           <p:nvPr/>
         </p:nvSpPr>
@@ -9232,7 +9156,7 @@
       </p:sp>
       <p:sp>
         <p:nvSpPr>
-          <p:cNvPr id="6" name="Oval 5"/>
+          <p:cNvPr id="18" name="Oval 17"/>
           <p:cNvSpPr/>
           <p:nvPr/>
         </p:nvSpPr>
@@ -9287,103 +9211,7 @@
       </p:sp>
       <p:sp>
         <p:nvSpPr>
-          <p:cNvPr id="8" name="Rounded Rectangular Callout 7"/>
-          <p:cNvSpPr/>
-          <p:nvPr/>
-        </p:nvSpPr>
-        <p:spPr>
-          <a:xfrm>
-            <a:off x="457200" y="5486400"/>
-            <a:ext cx="1600200" cy="1066800"/>
-          </a:xfrm>
-          <a:prstGeom prst="wedgeRoundRectCallout">
-            <a:avLst>
-              <a:gd name="adj1" fmla="val 52045"/>
-              <a:gd name="adj2" fmla="val -153650"/>
-              <a:gd name="adj3" fmla="val 16667"/>
-            </a:avLst>
-          </a:prstGeom>
-        </p:spPr>
-        <p:style>
-          <a:lnRef idx="2">
-            <a:schemeClr val="accent1">
-              <a:shade val="50000"/>
-            </a:schemeClr>
-          </a:lnRef>
-          <a:fillRef idx="1">
-            <a:schemeClr val="accent1"/>
-          </a:fillRef>
-          <a:effectRef idx="0">
-            <a:schemeClr val="accent1"/>
-          </a:effectRef>
-          <a:fontRef idx="minor">
-            <a:schemeClr val="lt1"/>
-          </a:fontRef>
-        </p:style>
-        <p:txBody>
-          <a:bodyPr lIns="0" tIns="0" rIns="0" bIns="0" rtlCol="0" anchor="ctr"/>
-          <a:lstStyle/>
-          <a:p>
-            <a:pPr algn="ctr"/>
-            <a:r>
-              <a:rPr lang="en-US" sz="2000" dirty="0" smtClean="0"/>
-              <a:t>EDMA issues read to shared SRAM</a:t>
-            </a:r>
-            <a:endParaRPr lang="en-US" sz="2000" dirty="0"/>
-          </a:p>
-        </p:txBody>
-      </p:sp>
-      <p:sp>
-        <p:nvSpPr>
-          <p:cNvPr id="9" name="Rounded Rectangular Callout 8"/>
-          <p:cNvSpPr/>
-          <p:nvPr/>
-        </p:nvSpPr>
-        <p:spPr>
-          <a:xfrm>
-            <a:off x="685800" y="2133600"/>
-            <a:ext cx="1600200" cy="1066800"/>
-          </a:xfrm>
-          <a:prstGeom prst="wedgeRoundRectCallout">
-            <a:avLst>
-              <a:gd name="adj1" fmla="val 104219"/>
-              <a:gd name="adj2" fmla="val 101009"/>
-              <a:gd name="adj3" fmla="val 16667"/>
-            </a:avLst>
-          </a:prstGeom>
-        </p:spPr>
-        <p:style>
-          <a:lnRef idx="2">
-            <a:schemeClr val="accent1">
-              <a:shade val="50000"/>
-            </a:schemeClr>
-          </a:lnRef>
-          <a:fillRef idx="1">
-            <a:schemeClr val="accent1"/>
-          </a:fillRef>
-          <a:effectRef idx="0">
-            <a:schemeClr val="accent1"/>
-          </a:effectRef>
-          <a:fontRef idx="minor">
-            <a:schemeClr val="lt1"/>
-          </a:fontRef>
-        </p:style>
-        <p:txBody>
-          <a:bodyPr lIns="0" tIns="0" rIns="0" bIns="0" rtlCol="0" anchor="ctr"/>
-          <a:lstStyle/>
-          <a:p>
-            <a:pPr algn="ctr"/>
-            <a:r>
-              <a:rPr lang="en-US" dirty="0" smtClean="0"/>
-              <a:t>Coherence Controller issues read snoops to ARM</a:t>
-            </a:r>
-            <a:endParaRPr lang="en-US" dirty="0"/>
-          </a:p>
-        </p:txBody>
-      </p:sp>
-      <p:sp>
-        <p:nvSpPr>
-          <p:cNvPr id="10" name="Freeform 9"/>
+          <p:cNvPr id="9" name="Freeform 8"/>
           <p:cNvSpPr/>
           <p:nvPr/>
         </p:nvSpPr>
@@ -9475,7 +9303,7 @@
       </p:sp>
       <p:sp>
         <p:nvSpPr>
-          <p:cNvPr id="11" name="Oval 10"/>
+          <p:cNvPr id="10" name="Oval 9"/>
           <p:cNvSpPr/>
           <p:nvPr/>
         </p:nvSpPr>
@@ -9530,7 +9358,7 @@
       </p:sp>
       <p:sp>
         <p:nvSpPr>
-          <p:cNvPr id="12" name="Freeform 11"/>
+          <p:cNvPr id="13" name="Freeform 12"/>
           <p:cNvSpPr/>
           <p:nvPr/>
         </p:nvSpPr>
@@ -9622,7 +9450,7 @@
       </p:sp>
       <p:sp>
         <p:nvSpPr>
-          <p:cNvPr id="13" name="Oval 12"/>
+          <p:cNvPr id="15" name="Oval 14"/>
           <p:cNvSpPr/>
           <p:nvPr/>
         </p:nvSpPr>
@@ -9677,7 +9505,7 @@
       </p:sp>
       <p:sp>
         <p:nvSpPr>
-          <p:cNvPr id="14" name="Rounded Rectangular Callout 13"/>
+          <p:cNvPr id="16" name="Rounded Rectangular Callout 15"/>
           <p:cNvSpPr/>
           <p:nvPr/>
         </p:nvSpPr>
@@ -9716,8 +9544,2592 @@
           <a:p>
             <a:pPr algn="ctr"/>
             <a:r>
+              <a:rPr lang="en-US" sz="1800" dirty="0" smtClean="0"/>
+              <a:t>ARM evicts the victim</a:t>
+            </a:r>
+            <a:endParaRPr lang="en-US" sz="1800" dirty="0"/>
+          </a:p>
+        </p:txBody>
+      </p:sp>
+      <p:sp>
+        <p:nvSpPr>
+          <p:cNvPr id="17" name="Rounded Rectangular Callout 16"/>
+          <p:cNvSpPr/>
+          <p:nvPr/>
+        </p:nvSpPr>
+        <p:spPr>
+          <a:xfrm>
+            <a:off x="6553200" y="5562600"/>
+            <a:ext cx="2286000" cy="990600"/>
+          </a:xfrm>
+          <a:prstGeom prst="wedgeRoundRectCallout">
+            <a:avLst>
+              <a:gd name="adj1" fmla="val 2108"/>
+              <a:gd name="adj2" fmla="val -132589"/>
+              <a:gd name="adj3" fmla="val 16667"/>
+            </a:avLst>
+          </a:prstGeom>
+        </p:spPr>
+        <p:style>
+          <a:lnRef idx="2">
+            <a:schemeClr val="accent1">
+              <a:shade val="50000"/>
+            </a:schemeClr>
+          </a:lnRef>
+          <a:fillRef idx="1">
+            <a:schemeClr val="accent1"/>
+          </a:fillRef>
+          <a:effectRef idx="0">
+            <a:schemeClr val="accent1"/>
+          </a:effectRef>
+          <a:fontRef idx="minor">
+            <a:schemeClr val="lt1"/>
+          </a:fontRef>
+        </p:style>
+        <p:txBody>
+          <a:bodyPr lIns="0" tIns="0" rIns="0" bIns="0" rtlCol="0" anchor="ctr"/>
+          <a:lstStyle/>
+          <a:p>
+            <a:pPr algn="ctr"/>
+            <a:r>
+              <a:rPr lang="en-US" sz="1800" dirty="0" smtClean="0"/>
+              <a:t>Coherence controller merges EDMA write with victim &amp; writes to SRAM</a:t>
+            </a:r>
+            <a:endParaRPr lang="en-US" sz="1800" dirty="0"/>
+          </a:p>
+        </p:txBody>
+      </p:sp>
+      <p:sp>
+        <p:nvSpPr>
+          <p:cNvPr id="19" name="Freeform 18"/>
+          <p:cNvSpPr/>
+          <p:nvPr/>
+        </p:nvSpPr>
+        <p:spPr>
+          <a:xfrm>
+            <a:off x="6692348" y="4492487"/>
+            <a:ext cx="1099930" cy="704574"/>
+          </a:xfrm>
+          <a:custGeom>
+            <a:avLst/>
+            <a:gdLst>
+              <a:gd name="connsiteX0" fmla="*/ 0 w 1099930"/>
+              <a:gd name="connsiteY0" fmla="*/ 649356 h 704574"/>
+              <a:gd name="connsiteX1" fmla="*/ 755374 w 1099930"/>
+              <a:gd name="connsiteY1" fmla="*/ 596348 h 704574"/>
+              <a:gd name="connsiteX2" fmla="*/ 1099930 w 1099930"/>
+              <a:gd name="connsiteY2" fmla="*/ 0 h 704574"/>
+            </a:gdLst>
+            <a:ahLst/>
+            <a:cxnLst>
+              <a:cxn ang="0">
+                <a:pos x="connsiteX0" y="connsiteY0"/>
+              </a:cxn>
+              <a:cxn ang="0">
+                <a:pos x="connsiteX1" y="connsiteY1"/>
+              </a:cxn>
+              <a:cxn ang="0">
+                <a:pos x="connsiteX2" y="connsiteY2"/>
+              </a:cxn>
+            </a:cxnLst>
+            <a:rect l="l" t="t" r="r" b="b"/>
+            <a:pathLst>
+              <a:path w="1099930" h="704574">
+                <a:moveTo>
+                  <a:pt x="0" y="649356"/>
+                </a:moveTo>
+                <a:cubicBezTo>
+                  <a:pt x="286026" y="676965"/>
+                  <a:pt x="572052" y="704574"/>
+                  <a:pt x="755374" y="596348"/>
+                </a:cubicBezTo>
+                <a:cubicBezTo>
+                  <a:pt x="938696" y="488122"/>
+                  <a:pt x="1019313" y="244061"/>
+                  <a:pt x="1099930" y="0"/>
+                </a:cubicBezTo>
+              </a:path>
+            </a:pathLst>
+          </a:custGeom>
+          <a:ln w="25400">
+            <a:solidFill>
+              <a:schemeClr val="tx1"/>
+            </a:solidFill>
+            <a:tailEnd type="triangle" w="lg" len="lg"/>
+          </a:ln>
+        </p:spPr>
+        <p:style>
+          <a:lnRef idx="1">
+            <a:schemeClr val="accent1"/>
+          </a:lnRef>
+          <a:fillRef idx="0">
+            <a:schemeClr val="accent1"/>
+          </a:fillRef>
+          <a:effectRef idx="0">
+            <a:schemeClr val="accent1"/>
+          </a:effectRef>
+          <a:fontRef idx="minor">
+            <a:schemeClr val="tx1"/>
+          </a:fontRef>
+        </p:style>
+        <p:txBody>
+          <a:bodyPr rtlCol="0" anchor="ctr"/>
+          <a:lstStyle/>
+          <a:p>
+            <a:pPr algn="ctr"/>
+            <a:endParaRPr lang="en-US"/>
+          </a:p>
+        </p:txBody>
+      </p:sp>
+      <p:sp>
+        <p:nvSpPr>
+          <p:cNvPr id="20" name="Oval 19"/>
+          <p:cNvSpPr/>
+          <p:nvPr/>
+        </p:nvSpPr>
+        <p:spPr>
+          <a:xfrm>
+            <a:off x="7467600" y="5029200"/>
+            <a:ext cx="457200" cy="381000"/>
+          </a:xfrm>
+          <a:prstGeom prst="ellipse">
+            <a:avLst/>
+          </a:prstGeom>
+          <a:solidFill>
+            <a:srgbClr val="FF0000"/>
+          </a:solidFill>
+        </p:spPr>
+        <p:style>
+          <a:lnRef idx="2">
+            <a:schemeClr val="accent1">
+              <a:shade val="50000"/>
+            </a:schemeClr>
+          </a:lnRef>
+          <a:fillRef idx="1">
+            <a:schemeClr val="accent1"/>
+          </a:fillRef>
+          <a:effectRef idx="0">
+            <a:schemeClr val="accent1"/>
+          </a:effectRef>
+          <a:fontRef idx="minor">
+            <a:schemeClr val="lt1"/>
+          </a:fontRef>
+        </p:style>
+        <p:txBody>
+          <a:bodyPr rtlCol="0" anchor="ctr"/>
+          <a:lstStyle/>
+          <a:p>
+            <a:pPr algn="ctr"/>
+            <a:r>
+              <a:rPr lang="en-US" b="1" dirty="0" smtClean="0">
+                <a:solidFill>
+                  <a:schemeClr val="bg1"/>
+                </a:solidFill>
+              </a:rPr>
+              <a:t>4</a:t>
+            </a:r>
+            <a:endParaRPr lang="en-US" b="1" dirty="0">
+              <a:solidFill>
+                <a:schemeClr val="bg1"/>
+              </a:solidFill>
+            </a:endParaRPr>
+          </a:p>
+        </p:txBody>
+      </p:sp>
+      <p:sp>
+        <p:nvSpPr>
+          <p:cNvPr id="21" name="Rounded Rectangular Callout 20"/>
+          <p:cNvSpPr/>
+          <p:nvPr/>
+        </p:nvSpPr>
+        <p:spPr>
+          <a:xfrm>
+            <a:off x="836271" y="1759352"/>
+            <a:ext cx="1600200" cy="1441048"/>
+          </a:xfrm>
+          <a:prstGeom prst="wedgeRoundRectCallout">
+            <a:avLst>
+              <a:gd name="adj1" fmla="val 104219"/>
+              <a:gd name="adj2" fmla="val 101009"/>
+              <a:gd name="adj3" fmla="val 16667"/>
+            </a:avLst>
+          </a:prstGeom>
+        </p:spPr>
+        <p:style>
+          <a:lnRef idx="2">
+            <a:schemeClr val="accent1">
+              <a:shade val="50000"/>
+            </a:schemeClr>
+          </a:lnRef>
+          <a:fillRef idx="1">
+            <a:schemeClr val="accent1"/>
+          </a:fillRef>
+          <a:effectRef idx="0">
+            <a:schemeClr val="accent1"/>
+          </a:effectRef>
+          <a:fontRef idx="minor">
+            <a:schemeClr val="lt1"/>
+          </a:fontRef>
+        </p:style>
+        <p:txBody>
+          <a:bodyPr lIns="0" tIns="0" rIns="0" bIns="0" rtlCol="0" anchor="ctr"/>
+          <a:lstStyle/>
+          <a:p>
+            <a:pPr algn="ctr"/>
+            <a:r>
+              <a:rPr lang="en-US" dirty="0" smtClean="0"/>
+              <a:t>Coherence </a:t>
+            </a:r>
+            <a:r>
+              <a:rPr lang="en-US" sz="2000" dirty="0" smtClean="0"/>
+              <a:t>Controller issues </a:t>
+            </a:r>
+            <a:r>
+              <a:rPr lang="en-US" sz="2000" dirty="0" err="1" smtClean="0"/>
+              <a:t>WBInv</a:t>
+            </a:r>
+            <a:r>
+              <a:rPr lang="en-US" sz="2000" dirty="0" smtClean="0"/>
+              <a:t> snoops to ARM</a:t>
+            </a:r>
+            <a:endParaRPr lang="en-US" sz="2000" dirty="0"/>
+          </a:p>
+        </p:txBody>
+      </p:sp>
+      <p:sp>
+        <p:nvSpPr>
+          <p:cNvPr id="22" name="Rounded Rectangular Callout 21"/>
+          <p:cNvSpPr/>
+          <p:nvPr/>
+        </p:nvSpPr>
+        <p:spPr>
+          <a:xfrm>
+            <a:off x="457200" y="5486400"/>
+            <a:ext cx="1600200" cy="1066800"/>
+          </a:xfrm>
+          <a:prstGeom prst="wedgeRoundRectCallout">
+            <a:avLst>
+              <a:gd name="adj1" fmla="val 52045"/>
+              <a:gd name="adj2" fmla="val -151165"/>
+              <a:gd name="adj3" fmla="val 16667"/>
+            </a:avLst>
+          </a:prstGeom>
+        </p:spPr>
+        <p:style>
+          <a:lnRef idx="2">
+            <a:schemeClr val="accent1">
+              <a:shade val="50000"/>
+            </a:schemeClr>
+          </a:lnRef>
+          <a:fillRef idx="1">
+            <a:schemeClr val="accent1"/>
+          </a:fillRef>
+          <a:effectRef idx="0">
+            <a:schemeClr val="accent1"/>
+          </a:effectRef>
+          <a:fontRef idx="minor">
+            <a:schemeClr val="lt1"/>
+          </a:fontRef>
+        </p:style>
+        <p:txBody>
+          <a:bodyPr lIns="0" tIns="0" rIns="0" bIns="0" rtlCol="0" anchor="ctr"/>
+          <a:lstStyle/>
+          <a:p>
+            <a:pPr algn="ctr"/>
+            <a:r>
+              <a:rPr lang="en-US" sz="2000" dirty="0" smtClean="0"/>
+              <a:t>EDMA issues write to shared SRAM</a:t>
+            </a:r>
+            <a:endParaRPr lang="en-US" sz="2000" dirty="0"/>
+          </a:p>
+        </p:txBody>
+      </p:sp>
+    </p:spTree>
+  </p:cSld>
+  <p:clrMapOvr>
+    <a:masterClrMapping/>
+  </p:clrMapOvr>
+  <p:timing>
+    <p:tnLst>
+      <p:par>
+        <p:cTn id="1" dur="indefinite" restart="never" nodeType="tmRoot"/>
+      </p:par>
+    </p:tnLst>
+  </p:timing>
+</p:sld>
+</file>
+
+<file path=ppt/slides/slide32.xml><?xml version="1.0" encoding="utf-8"?>
+<p:sld xmlns:a="http://schemas.openxmlformats.org/drawingml/2006/main" xmlns:r="http://schemas.openxmlformats.org/officeDocument/2006/relationships" xmlns:p="http://schemas.openxmlformats.org/presentationml/2006/main">
+  <p:cSld>
+    <p:spTree>
+      <p:nvGrpSpPr>
+        <p:cNvPr id="1" name=""/>
+        <p:cNvGrpSpPr/>
+        <p:nvPr/>
+      </p:nvGrpSpPr>
+      <p:grpSpPr>
+        <a:xfrm>
+          <a:off x="0" y="0"/>
+          <a:ext cx="0" cy="0"/>
+          <a:chOff x="0" y="0"/>
+          <a:chExt cx="0" cy="0"/>
+        </a:xfrm>
+      </p:grpSpPr>
+      <p:sp>
+        <p:nvSpPr>
+          <p:cNvPr id="4" name="Title 3"/>
+          <p:cNvSpPr>
+            <a:spLocks noGrp="1"/>
+          </p:cNvSpPr>
+          <p:nvPr>
+            <p:ph type="title"/>
+          </p:nvPr>
+        </p:nvSpPr>
+        <p:spPr/>
+        <p:txBody>
+          <a:bodyPr>
+            <a:noAutofit/>
+          </a:bodyPr>
+          <a:lstStyle/>
+          <a:p>
+            <a:r>
+              <a:rPr lang="en-US" sz="3200" dirty="0" smtClean="0"/>
+              <a:t>Keystone </a:t>
+            </a:r>
+            <a:r>
+              <a:rPr lang="en-US" sz="3200" dirty="0" err="1" smtClean="0"/>
+              <a:t>ll</a:t>
+            </a:r>
+            <a:r>
+              <a:rPr lang="en-US" sz="3200" smtClean="0"/>
+              <a:t>: ARM - IO </a:t>
+            </a:r>
+            <a:r>
+              <a:rPr lang="en-US" sz="3200" dirty="0" smtClean="0"/>
+              <a:t>Coherency</a:t>
+            </a:r>
+            <a:br>
+              <a:rPr lang="en-US" sz="3200" dirty="0" smtClean="0"/>
+            </a:br>
+            <a:r>
+              <a:rPr lang="en-US" sz="3200" dirty="0" smtClean="0"/>
+              <a:t>External Read to Shared Memory (MSM/DDR)</a:t>
+            </a:r>
+            <a:endParaRPr lang="en-US" sz="3200" dirty="0"/>
+          </a:p>
+        </p:txBody>
+      </p:sp>
+      <p:pic>
+        <p:nvPicPr>
+          <p:cNvPr id="55303" name="Picture 7"/>
+          <p:cNvPicPr>
+            <a:picLocks noChangeAspect="1" noChangeArrowheads="1"/>
+          </p:cNvPicPr>
+          <p:nvPr/>
+        </p:nvPicPr>
+        <p:blipFill>
+          <a:blip r:embed="rId2" cstate="print"/>
+          <a:srcRect/>
+          <a:stretch>
+            <a:fillRect/>
+          </a:stretch>
+        </p:blipFill>
+        <p:spPr bwMode="auto">
+          <a:xfrm>
+            <a:off x="457200" y="1462087"/>
+            <a:ext cx="8458200" cy="5014913"/>
+          </a:xfrm>
+          <a:prstGeom prst="rect">
+            <a:avLst/>
+          </a:prstGeom>
+          <a:noFill/>
+          <a:ln w="9525">
+            <a:noFill/>
+            <a:miter lim="800000"/>
+            <a:headEnd/>
+            <a:tailEnd/>
+          </a:ln>
+        </p:spPr>
+      </p:pic>
+    </p:spTree>
+  </p:cSld>
+  <p:clrMapOvr>
+    <a:masterClrMapping/>
+  </p:clrMapOvr>
+  <p:timing>
+    <p:tnLst>
+      <p:par>
+        <p:cTn id="1" dur="indefinite" restart="never" nodeType="tmRoot"/>
+      </p:par>
+    </p:tnLst>
+  </p:timing>
+</p:sld>
+</file>
+
+<file path=ppt/slides/slide33.xml><?xml version="1.0" encoding="utf-8"?>
+<p:sld xmlns:a="http://schemas.openxmlformats.org/drawingml/2006/main" xmlns:r="http://schemas.openxmlformats.org/officeDocument/2006/relationships" xmlns:p="http://schemas.openxmlformats.org/presentationml/2006/main">
+  <p:cSld>
+    <p:spTree>
+      <p:nvGrpSpPr>
+        <p:cNvPr id="1" name=""/>
+        <p:cNvGrpSpPr/>
+        <p:nvPr/>
+      </p:nvGrpSpPr>
+      <p:grpSpPr>
+        <a:xfrm>
+          <a:off x="0" y="0"/>
+          <a:ext cx="0" cy="0"/>
+          <a:chOff x="0" y="0"/>
+          <a:chExt cx="0" cy="0"/>
+        </a:xfrm>
+      </p:grpSpPr>
+      <p:sp>
+        <p:nvSpPr>
+          <p:cNvPr id="4" name="Title 3"/>
+          <p:cNvSpPr>
+            <a:spLocks noGrp="1"/>
+          </p:cNvSpPr>
+          <p:nvPr>
+            <p:ph type="title"/>
+          </p:nvPr>
+        </p:nvSpPr>
+        <p:spPr/>
+        <p:txBody>
+          <a:bodyPr>
+            <a:noAutofit/>
+          </a:bodyPr>
+          <a:lstStyle/>
+          <a:p>
+            <a:r>
+              <a:rPr lang="en-US" sz="3200" dirty="0" smtClean="0"/>
+              <a:t>Keystone </a:t>
+            </a:r>
+            <a:r>
+              <a:rPr lang="en-US" sz="3200" dirty="0" err="1" smtClean="0"/>
+              <a:t>ll</a:t>
+            </a:r>
+            <a:r>
+              <a:rPr lang="en-US" sz="3200" dirty="0" smtClean="0"/>
+              <a:t>: ARM - IO Coherency</a:t>
+            </a:r>
+            <a:br>
+              <a:rPr lang="en-US" sz="3200" dirty="0" smtClean="0"/>
+            </a:br>
+            <a:r>
+              <a:rPr lang="en-US" sz="3200" dirty="0" smtClean="0"/>
+              <a:t>External Read to Shared Memory (MSM/DDR)</a:t>
+            </a:r>
+            <a:endParaRPr lang="en-US" sz="3200" dirty="0"/>
+          </a:p>
+        </p:txBody>
+      </p:sp>
+      <p:pic>
+        <p:nvPicPr>
+          <p:cNvPr id="55303" name="Picture 7"/>
+          <p:cNvPicPr>
+            <a:picLocks noChangeAspect="1" noChangeArrowheads="1"/>
+          </p:cNvPicPr>
+          <p:nvPr/>
+        </p:nvPicPr>
+        <p:blipFill>
+          <a:blip r:embed="rId2" cstate="print"/>
+          <a:srcRect/>
+          <a:stretch>
+            <a:fillRect/>
+          </a:stretch>
+        </p:blipFill>
+        <p:spPr bwMode="auto">
+          <a:xfrm>
+            <a:off x="457200" y="1462087"/>
+            <a:ext cx="8458200" cy="5014913"/>
+          </a:xfrm>
+          <a:prstGeom prst="rect">
+            <a:avLst/>
+          </a:prstGeom>
+          <a:noFill/>
+          <a:ln w="9525">
+            <a:noFill/>
+            <a:miter lim="800000"/>
+            <a:headEnd/>
+            <a:tailEnd/>
+          </a:ln>
+        </p:spPr>
+      </p:pic>
+      <p:sp>
+        <p:nvSpPr>
+          <p:cNvPr id="5" name="Freeform 4"/>
+          <p:cNvSpPr/>
+          <p:nvPr/>
+        </p:nvSpPr>
+        <p:spPr>
+          <a:xfrm>
+            <a:off x="1656522" y="4006574"/>
+            <a:ext cx="4081669" cy="384313"/>
+          </a:xfrm>
+          <a:custGeom>
+            <a:avLst/>
+            <a:gdLst>
+              <a:gd name="connsiteX0" fmla="*/ 0 w 4081669"/>
+              <a:gd name="connsiteY0" fmla="*/ 379896 h 384313"/>
+              <a:gd name="connsiteX1" fmla="*/ 1868556 w 4081669"/>
+              <a:gd name="connsiteY1" fmla="*/ 326887 h 384313"/>
+              <a:gd name="connsiteX2" fmla="*/ 2981739 w 4081669"/>
+              <a:gd name="connsiteY2" fmla="*/ 35339 h 384313"/>
+              <a:gd name="connsiteX3" fmla="*/ 4081669 w 4081669"/>
+              <a:gd name="connsiteY3" fmla="*/ 114852 h 384313"/>
+            </a:gdLst>
+            <a:ahLst/>
+            <a:cxnLst>
+              <a:cxn ang="0">
+                <a:pos x="connsiteX0" y="connsiteY0"/>
+              </a:cxn>
+              <a:cxn ang="0">
+                <a:pos x="connsiteX1" y="connsiteY1"/>
+              </a:cxn>
+              <a:cxn ang="0">
+                <a:pos x="connsiteX2" y="connsiteY2"/>
+              </a:cxn>
+              <a:cxn ang="0">
+                <a:pos x="connsiteX3" y="connsiteY3"/>
+              </a:cxn>
+            </a:cxnLst>
+            <a:rect l="l" t="t" r="r" b="b"/>
+            <a:pathLst>
+              <a:path w="4081669" h="384313">
+                <a:moveTo>
+                  <a:pt x="0" y="379896"/>
+                </a:moveTo>
+                <a:cubicBezTo>
+                  <a:pt x="685800" y="382104"/>
+                  <a:pt x="1371600" y="384313"/>
+                  <a:pt x="1868556" y="326887"/>
+                </a:cubicBezTo>
+                <a:cubicBezTo>
+                  <a:pt x="2365513" y="269461"/>
+                  <a:pt x="2612887" y="70678"/>
+                  <a:pt x="2981739" y="35339"/>
+                </a:cubicBezTo>
+                <a:cubicBezTo>
+                  <a:pt x="3350591" y="0"/>
+                  <a:pt x="3716130" y="57426"/>
+                  <a:pt x="4081669" y="114852"/>
+                </a:cubicBezTo>
+              </a:path>
+            </a:pathLst>
+          </a:custGeom>
+          <a:ln w="25400">
+            <a:solidFill>
+              <a:schemeClr val="tx1"/>
+            </a:solidFill>
+            <a:tailEnd type="triangle" w="lg" len="lg"/>
+          </a:ln>
+        </p:spPr>
+        <p:style>
+          <a:lnRef idx="1">
+            <a:schemeClr val="accent1"/>
+          </a:lnRef>
+          <a:fillRef idx="0">
+            <a:schemeClr val="accent1"/>
+          </a:fillRef>
+          <a:effectRef idx="0">
+            <a:schemeClr val="accent1"/>
+          </a:effectRef>
+          <a:fontRef idx="minor">
+            <a:schemeClr val="tx1"/>
+          </a:fontRef>
+        </p:style>
+        <p:txBody>
+          <a:bodyPr rtlCol="0" anchor="ctr"/>
+          <a:lstStyle/>
+          <a:p>
+            <a:pPr algn="ctr"/>
+            <a:endParaRPr lang="en-US"/>
+          </a:p>
+        </p:txBody>
+      </p:sp>
+      <p:sp>
+        <p:nvSpPr>
+          <p:cNvPr id="6" name="Oval 5"/>
+          <p:cNvSpPr/>
+          <p:nvPr/>
+        </p:nvSpPr>
+        <p:spPr>
+          <a:xfrm>
+            <a:off x="1752600" y="3962400"/>
+            <a:ext cx="457200" cy="381000"/>
+          </a:xfrm>
+          <a:prstGeom prst="ellipse">
+            <a:avLst/>
+          </a:prstGeom>
+          <a:solidFill>
+            <a:srgbClr val="FF0000"/>
+          </a:solidFill>
+        </p:spPr>
+        <p:style>
+          <a:lnRef idx="2">
+            <a:schemeClr val="accent1">
+              <a:shade val="50000"/>
+            </a:schemeClr>
+          </a:lnRef>
+          <a:fillRef idx="1">
+            <a:schemeClr val="accent1"/>
+          </a:fillRef>
+          <a:effectRef idx="0">
+            <a:schemeClr val="accent1"/>
+          </a:effectRef>
+          <a:fontRef idx="minor">
+            <a:schemeClr val="lt1"/>
+          </a:fontRef>
+        </p:style>
+        <p:txBody>
+          <a:bodyPr rtlCol="0" anchor="ctr"/>
+          <a:lstStyle/>
+          <a:p>
+            <a:pPr algn="ctr"/>
+            <a:r>
+              <a:rPr lang="en-US" b="1" dirty="0" smtClean="0">
+                <a:solidFill>
+                  <a:schemeClr val="bg1"/>
+                </a:solidFill>
+              </a:rPr>
+              <a:t>1</a:t>
+            </a:r>
+            <a:endParaRPr lang="en-US" b="1" dirty="0">
+              <a:solidFill>
+                <a:schemeClr val="bg1"/>
+              </a:solidFill>
+            </a:endParaRPr>
+          </a:p>
+        </p:txBody>
+      </p:sp>
+      <p:sp>
+        <p:nvSpPr>
+          <p:cNvPr id="8" name="Rounded Rectangular Callout 7"/>
+          <p:cNvSpPr/>
+          <p:nvPr/>
+        </p:nvSpPr>
+        <p:spPr>
+          <a:xfrm>
+            <a:off x="457200" y="5359078"/>
+            <a:ext cx="1600200" cy="1194122"/>
+          </a:xfrm>
+          <a:prstGeom prst="wedgeRoundRectCallout">
+            <a:avLst>
+              <a:gd name="adj1" fmla="val 52045"/>
+              <a:gd name="adj2" fmla="val -153650"/>
+              <a:gd name="adj3" fmla="val 16667"/>
+            </a:avLst>
+          </a:prstGeom>
+        </p:spPr>
+        <p:style>
+          <a:lnRef idx="2">
+            <a:schemeClr val="accent1">
+              <a:shade val="50000"/>
+            </a:schemeClr>
+          </a:lnRef>
+          <a:fillRef idx="1">
+            <a:schemeClr val="accent1"/>
+          </a:fillRef>
+          <a:effectRef idx="0">
+            <a:schemeClr val="accent1"/>
+          </a:effectRef>
+          <a:fontRef idx="minor">
+            <a:schemeClr val="lt1"/>
+          </a:fontRef>
+        </p:style>
+        <p:txBody>
+          <a:bodyPr lIns="0" tIns="0" rIns="0" bIns="0" rtlCol="0" anchor="ctr"/>
+          <a:lstStyle/>
+          <a:p>
+            <a:pPr algn="ctr"/>
+            <a:r>
+              <a:rPr lang="en-US" sz="2000" dirty="0" smtClean="0"/>
+              <a:t>EDMA issues read to shared SRAM</a:t>
+            </a:r>
+            <a:endParaRPr lang="en-US" sz="2000" dirty="0"/>
+          </a:p>
+        </p:txBody>
+      </p:sp>
+    </p:spTree>
+  </p:cSld>
+  <p:clrMapOvr>
+    <a:masterClrMapping/>
+  </p:clrMapOvr>
+  <p:timing>
+    <p:tnLst>
+      <p:par>
+        <p:cTn id="1" dur="indefinite" restart="never" nodeType="tmRoot"/>
+      </p:par>
+    </p:tnLst>
+  </p:timing>
+</p:sld>
+</file>
+
+<file path=ppt/slides/slide34.xml><?xml version="1.0" encoding="utf-8"?>
+<p:sld xmlns:a="http://schemas.openxmlformats.org/drawingml/2006/main" xmlns:r="http://schemas.openxmlformats.org/officeDocument/2006/relationships" xmlns:p="http://schemas.openxmlformats.org/presentationml/2006/main">
+  <p:cSld>
+    <p:spTree>
+      <p:nvGrpSpPr>
+        <p:cNvPr id="1" name=""/>
+        <p:cNvGrpSpPr/>
+        <p:nvPr/>
+      </p:nvGrpSpPr>
+      <p:grpSpPr>
+        <a:xfrm>
+          <a:off x="0" y="0"/>
+          <a:ext cx="0" cy="0"/>
+          <a:chOff x="0" y="0"/>
+          <a:chExt cx="0" cy="0"/>
+        </a:xfrm>
+      </p:grpSpPr>
+      <p:sp>
+        <p:nvSpPr>
+          <p:cNvPr id="4" name="Title 3"/>
+          <p:cNvSpPr>
+            <a:spLocks noGrp="1"/>
+          </p:cNvSpPr>
+          <p:nvPr>
+            <p:ph type="title"/>
+          </p:nvPr>
+        </p:nvSpPr>
+        <p:spPr/>
+        <p:txBody>
+          <a:bodyPr>
+            <a:noAutofit/>
+          </a:bodyPr>
+          <a:lstStyle/>
+          <a:p>
+            <a:r>
+              <a:rPr lang="en-US" sz="3200" dirty="0" smtClean="0"/>
+              <a:t>Keystone </a:t>
+            </a:r>
+            <a:r>
+              <a:rPr lang="en-US" sz="3200" dirty="0" err="1" smtClean="0"/>
+              <a:t>ll</a:t>
+            </a:r>
+            <a:r>
+              <a:rPr lang="en-US" sz="3200" dirty="0" smtClean="0"/>
+              <a:t>: ARM - IO Coherency</a:t>
+            </a:r>
+            <a:br>
+              <a:rPr lang="en-US" sz="3200" dirty="0" smtClean="0"/>
+            </a:br>
+            <a:r>
+              <a:rPr lang="en-US" sz="3200" dirty="0" smtClean="0"/>
+              <a:t>External Read to Shared Memory (MSM/DDR)</a:t>
+            </a:r>
+            <a:endParaRPr lang="en-US" sz="3200" dirty="0"/>
+          </a:p>
+        </p:txBody>
+      </p:sp>
+      <p:pic>
+        <p:nvPicPr>
+          <p:cNvPr id="55303" name="Picture 7"/>
+          <p:cNvPicPr>
+            <a:picLocks noChangeAspect="1" noChangeArrowheads="1"/>
+          </p:cNvPicPr>
+          <p:nvPr/>
+        </p:nvPicPr>
+        <p:blipFill>
+          <a:blip r:embed="rId2" cstate="print"/>
+          <a:srcRect/>
+          <a:stretch>
+            <a:fillRect/>
+          </a:stretch>
+        </p:blipFill>
+        <p:spPr bwMode="auto">
+          <a:xfrm>
+            <a:off x="457200" y="1462087"/>
+            <a:ext cx="8458200" cy="5014913"/>
+          </a:xfrm>
+          <a:prstGeom prst="rect">
+            <a:avLst/>
+          </a:prstGeom>
+          <a:noFill/>
+          <a:ln w="9525">
+            <a:noFill/>
+            <a:miter lim="800000"/>
+            <a:headEnd/>
+            <a:tailEnd/>
+          </a:ln>
+        </p:spPr>
+      </p:pic>
+      <p:sp>
+        <p:nvSpPr>
+          <p:cNvPr id="5" name="Freeform 4"/>
+          <p:cNvSpPr/>
+          <p:nvPr/>
+        </p:nvSpPr>
+        <p:spPr>
+          <a:xfrm>
+            <a:off x="1656522" y="4006574"/>
+            <a:ext cx="4081669" cy="384313"/>
+          </a:xfrm>
+          <a:custGeom>
+            <a:avLst/>
+            <a:gdLst>
+              <a:gd name="connsiteX0" fmla="*/ 0 w 4081669"/>
+              <a:gd name="connsiteY0" fmla="*/ 379896 h 384313"/>
+              <a:gd name="connsiteX1" fmla="*/ 1868556 w 4081669"/>
+              <a:gd name="connsiteY1" fmla="*/ 326887 h 384313"/>
+              <a:gd name="connsiteX2" fmla="*/ 2981739 w 4081669"/>
+              <a:gd name="connsiteY2" fmla="*/ 35339 h 384313"/>
+              <a:gd name="connsiteX3" fmla="*/ 4081669 w 4081669"/>
+              <a:gd name="connsiteY3" fmla="*/ 114852 h 384313"/>
+            </a:gdLst>
+            <a:ahLst/>
+            <a:cxnLst>
+              <a:cxn ang="0">
+                <a:pos x="connsiteX0" y="connsiteY0"/>
+              </a:cxn>
+              <a:cxn ang="0">
+                <a:pos x="connsiteX1" y="connsiteY1"/>
+              </a:cxn>
+              <a:cxn ang="0">
+                <a:pos x="connsiteX2" y="connsiteY2"/>
+              </a:cxn>
+              <a:cxn ang="0">
+                <a:pos x="connsiteX3" y="connsiteY3"/>
+              </a:cxn>
+            </a:cxnLst>
+            <a:rect l="l" t="t" r="r" b="b"/>
+            <a:pathLst>
+              <a:path w="4081669" h="384313">
+                <a:moveTo>
+                  <a:pt x="0" y="379896"/>
+                </a:moveTo>
+                <a:cubicBezTo>
+                  <a:pt x="685800" y="382104"/>
+                  <a:pt x="1371600" y="384313"/>
+                  <a:pt x="1868556" y="326887"/>
+                </a:cubicBezTo>
+                <a:cubicBezTo>
+                  <a:pt x="2365513" y="269461"/>
+                  <a:pt x="2612887" y="70678"/>
+                  <a:pt x="2981739" y="35339"/>
+                </a:cubicBezTo>
+                <a:cubicBezTo>
+                  <a:pt x="3350591" y="0"/>
+                  <a:pt x="3716130" y="57426"/>
+                  <a:pt x="4081669" y="114852"/>
+                </a:cubicBezTo>
+              </a:path>
+            </a:pathLst>
+          </a:custGeom>
+          <a:ln w="25400">
+            <a:solidFill>
+              <a:schemeClr val="tx1"/>
+            </a:solidFill>
+            <a:tailEnd type="triangle" w="lg" len="lg"/>
+          </a:ln>
+        </p:spPr>
+        <p:style>
+          <a:lnRef idx="1">
+            <a:schemeClr val="accent1"/>
+          </a:lnRef>
+          <a:fillRef idx="0">
+            <a:schemeClr val="accent1"/>
+          </a:fillRef>
+          <a:effectRef idx="0">
+            <a:schemeClr val="accent1"/>
+          </a:effectRef>
+          <a:fontRef idx="minor">
+            <a:schemeClr val="tx1"/>
+          </a:fontRef>
+        </p:style>
+        <p:txBody>
+          <a:bodyPr rtlCol="0" anchor="ctr"/>
+          <a:lstStyle/>
+          <a:p>
+            <a:pPr algn="ctr"/>
+            <a:endParaRPr lang="en-US"/>
+          </a:p>
+        </p:txBody>
+      </p:sp>
+      <p:sp>
+        <p:nvSpPr>
+          <p:cNvPr id="6" name="Oval 5"/>
+          <p:cNvSpPr/>
+          <p:nvPr/>
+        </p:nvSpPr>
+        <p:spPr>
+          <a:xfrm>
+            <a:off x="1752600" y="3962400"/>
+            <a:ext cx="457200" cy="381000"/>
+          </a:xfrm>
+          <a:prstGeom prst="ellipse">
+            <a:avLst/>
+          </a:prstGeom>
+          <a:solidFill>
+            <a:srgbClr val="FF0000"/>
+          </a:solidFill>
+        </p:spPr>
+        <p:style>
+          <a:lnRef idx="2">
+            <a:schemeClr val="accent1">
+              <a:shade val="50000"/>
+            </a:schemeClr>
+          </a:lnRef>
+          <a:fillRef idx="1">
+            <a:schemeClr val="accent1"/>
+          </a:fillRef>
+          <a:effectRef idx="0">
+            <a:schemeClr val="accent1"/>
+          </a:effectRef>
+          <a:fontRef idx="minor">
+            <a:schemeClr val="lt1"/>
+          </a:fontRef>
+        </p:style>
+        <p:txBody>
+          <a:bodyPr rtlCol="0" anchor="ctr"/>
+          <a:lstStyle/>
+          <a:p>
+            <a:pPr algn="ctr"/>
+            <a:r>
+              <a:rPr lang="en-US" b="1" dirty="0" smtClean="0">
+                <a:solidFill>
+                  <a:schemeClr val="bg1"/>
+                </a:solidFill>
+              </a:rPr>
+              <a:t>1</a:t>
+            </a:r>
+            <a:endParaRPr lang="en-US" b="1" dirty="0">
+              <a:solidFill>
+                <a:schemeClr val="bg1"/>
+              </a:solidFill>
+            </a:endParaRPr>
+          </a:p>
+        </p:txBody>
+      </p:sp>
+      <p:sp>
+        <p:nvSpPr>
+          <p:cNvPr id="8" name="Rounded Rectangular Callout 7"/>
+          <p:cNvSpPr/>
+          <p:nvPr/>
+        </p:nvSpPr>
+        <p:spPr>
+          <a:xfrm>
+            <a:off x="457200" y="5359078"/>
+            <a:ext cx="1600200" cy="1194122"/>
+          </a:xfrm>
+          <a:prstGeom prst="wedgeRoundRectCallout">
+            <a:avLst>
+              <a:gd name="adj1" fmla="val 52045"/>
+              <a:gd name="adj2" fmla="val -153650"/>
+              <a:gd name="adj3" fmla="val 16667"/>
+            </a:avLst>
+          </a:prstGeom>
+        </p:spPr>
+        <p:style>
+          <a:lnRef idx="2">
+            <a:schemeClr val="accent1">
+              <a:shade val="50000"/>
+            </a:schemeClr>
+          </a:lnRef>
+          <a:fillRef idx="1">
+            <a:schemeClr val="accent1"/>
+          </a:fillRef>
+          <a:effectRef idx="0">
+            <a:schemeClr val="accent1"/>
+          </a:effectRef>
+          <a:fontRef idx="minor">
+            <a:schemeClr val="lt1"/>
+          </a:fontRef>
+        </p:style>
+        <p:txBody>
+          <a:bodyPr lIns="0" tIns="0" rIns="0" bIns="0" rtlCol="0" anchor="ctr"/>
+          <a:lstStyle/>
+          <a:p>
+            <a:pPr algn="ctr"/>
+            <a:r>
+              <a:rPr lang="en-US" sz="2000" dirty="0" smtClean="0"/>
+              <a:t>EDMA issues read to shared SRAM</a:t>
+            </a:r>
+            <a:endParaRPr lang="en-US" sz="2000" dirty="0"/>
+          </a:p>
+        </p:txBody>
+      </p:sp>
+      <p:sp>
+        <p:nvSpPr>
+          <p:cNvPr id="9" name="Rounded Rectangular Callout 8"/>
+          <p:cNvSpPr/>
+          <p:nvPr/>
+        </p:nvSpPr>
+        <p:spPr>
+          <a:xfrm>
+            <a:off x="685800" y="1504709"/>
+            <a:ext cx="1600200" cy="1695691"/>
+          </a:xfrm>
+          <a:prstGeom prst="wedgeRoundRectCallout">
+            <a:avLst>
+              <a:gd name="adj1" fmla="val 104219"/>
+              <a:gd name="adj2" fmla="val 101009"/>
+              <a:gd name="adj3" fmla="val 16667"/>
+            </a:avLst>
+          </a:prstGeom>
+        </p:spPr>
+        <p:style>
+          <a:lnRef idx="2">
+            <a:schemeClr val="accent1">
+              <a:shade val="50000"/>
+            </a:schemeClr>
+          </a:lnRef>
+          <a:fillRef idx="1">
+            <a:schemeClr val="accent1"/>
+          </a:fillRef>
+          <a:effectRef idx="0">
+            <a:schemeClr val="accent1"/>
+          </a:effectRef>
+          <a:fontRef idx="minor">
+            <a:schemeClr val="lt1"/>
+          </a:fontRef>
+        </p:style>
+        <p:txBody>
+          <a:bodyPr lIns="0" tIns="0" rIns="0" bIns="0" rtlCol="0" anchor="ctr"/>
+          <a:lstStyle/>
+          <a:p>
+            <a:pPr algn="ctr"/>
+            <a:r>
+              <a:rPr lang="en-US" dirty="0" smtClean="0"/>
+              <a:t>Coherence Controller issues read snoops to ARM</a:t>
+            </a:r>
+            <a:endParaRPr lang="en-US" dirty="0"/>
+          </a:p>
+        </p:txBody>
+      </p:sp>
+      <p:sp>
+        <p:nvSpPr>
+          <p:cNvPr id="10" name="Freeform 9"/>
+          <p:cNvSpPr/>
+          <p:nvPr/>
+        </p:nvSpPr>
+        <p:spPr>
+          <a:xfrm>
+            <a:off x="3200401" y="3366052"/>
+            <a:ext cx="2362200" cy="1510748"/>
+          </a:xfrm>
+          <a:custGeom>
+            <a:avLst/>
+            <a:gdLst>
+              <a:gd name="connsiteX0" fmla="*/ 1442279 w 1442279"/>
+              <a:gd name="connsiteY0" fmla="*/ 1431235 h 1444487"/>
+              <a:gd name="connsiteX1" fmla="*/ 408609 w 1442279"/>
+              <a:gd name="connsiteY1" fmla="*/ 1364974 h 1444487"/>
+              <a:gd name="connsiteX2" fmla="*/ 64052 w 1442279"/>
+              <a:gd name="connsiteY2" fmla="*/ 954157 h 1444487"/>
+              <a:gd name="connsiteX3" fmla="*/ 24296 w 1442279"/>
+              <a:gd name="connsiteY3" fmla="*/ 0 h 1444487"/>
+            </a:gdLst>
+            <a:ahLst/>
+            <a:cxnLst>
+              <a:cxn ang="0">
+                <a:pos x="connsiteX0" y="connsiteY0"/>
+              </a:cxn>
+              <a:cxn ang="0">
+                <a:pos x="connsiteX1" y="connsiteY1"/>
+              </a:cxn>
+              <a:cxn ang="0">
+                <a:pos x="connsiteX2" y="connsiteY2"/>
+              </a:cxn>
+              <a:cxn ang="0">
+                <a:pos x="connsiteX3" y="connsiteY3"/>
+              </a:cxn>
+            </a:cxnLst>
+            <a:rect l="l" t="t" r="r" b="b"/>
+            <a:pathLst>
+              <a:path w="1442279" h="1444487">
+                <a:moveTo>
+                  <a:pt x="1442279" y="1431235"/>
+                </a:moveTo>
+                <a:cubicBezTo>
+                  <a:pt x="1040296" y="1437861"/>
+                  <a:pt x="638314" y="1444487"/>
+                  <a:pt x="408609" y="1364974"/>
+                </a:cubicBezTo>
+                <a:cubicBezTo>
+                  <a:pt x="178905" y="1285461"/>
+                  <a:pt x="128104" y="1181653"/>
+                  <a:pt x="64052" y="954157"/>
+                </a:cubicBezTo>
+                <a:cubicBezTo>
+                  <a:pt x="0" y="726661"/>
+                  <a:pt x="12148" y="363330"/>
+                  <a:pt x="24296" y="0"/>
+                </a:cubicBezTo>
+              </a:path>
+            </a:pathLst>
+          </a:custGeom>
+          <a:ln w="25400">
+            <a:solidFill>
+              <a:schemeClr val="tx1"/>
+            </a:solidFill>
+            <a:tailEnd type="triangle" w="lg" len="lg"/>
+          </a:ln>
+        </p:spPr>
+        <p:style>
+          <a:lnRef idx="1">
+            <a:schemeClr val="accent1"/>
+          </a:lnRef>
+          <a:fillRef idx="0">
+            <a:schemeClr val="accent1"/>
+          </a:fillRef>
+          <a:effectRef idx="0">
+            <a:schemeClr val="accent1"/>
+          </a:effectRef>
+          <a:fontRef idx="minor">
+            <a:schemeClr val="tx1"/>
+          </a:fontRef>
+        </p:style>
+        <p:txBody>
+          <a:bodyPr rtlCol="0" anchor="ctr"/>
+          <a:lstStyle/>
+          <a:p>
+            <a:pPr algn="ctr"/>
+            <a:endParaRPr lang="en-US"/>
+          </a:p>
+        </p:txBody>
+      </p:sp>
+      <p:sp>
+        <p:nvSpPr>
+          <p:cNvPr id="11" name="Oval 10"/>
+          <p:cNvSpPr/>
+          <p:nvPr/>
+        </p:nvSpPr>
+        <p:spPr>
+          <a:xfrm>
+            <a:off x="3276600" y="3657600"/>
+            <a:ext cx="457200" cy="381000"/>
+          </a:xfrm>
+          <a:prstGeom prst="ellipse">
+            <a:avLst/>
+          </a:prstGeom>
+          <a:solidFill>
+            <a:srgbClr val="FF0000"/>
+          </a:solidFill>
+        </p:spPr>
+        <p:style>
+          <a:lnRef idx="2">
+            <a:schemeClr val="accent1">
+              <a:shade val="50000"/>
+            </a:schemeClr>
+          </a:lnRef>
+          <a:fillRef idx="1">
+            <a:schemeClr val="accent1"/>
+          </a:fillRef>
+          <a:effectRef idx="0">
+            <a:schemeClr val="accent1"/>
+          </a:effectRef>
+          <a:fontRef idx="minor">
+            <a:schemeClr val="lt1"/>
+          </a:fontRef>
+        </p:style>
+        <p:txBody>
+          <a:bodyPr rtlCol="0" anchor="ctr"/>
+          <a:lstStyle/>
+          <a:p>
+            <a:pPr algn="ctr"/>
+            <a:r>
+              <a:rPr lang="en-US" b="1" dirty="0" smtClean="0">
+                <a:solidFill>
+                  <a:schemeClr val="bg1"/>
+                </a:solidFill>
+              </a:rPr>
+              <a:t>2</a:t>
+            </a:r>
+            <a:endParaRPr lang="en-US" b="1" dirty="0">
+              <a:solidFill>
+                <a:schemeClr val="bg1"/>
+              </a:solidFill>
+            </a:endParaRPr>
+          </a:p>
+        </p:txBody>
+      </p:sp>
+    </p:spTree>
+  </p:cSld>
+  <p:clrMapOvr>
+    <a:masterClrMapping/>
+  </p:clrMapOvr>
+  <p:timing>
+    <p:tnLst>
+      <p:par>
+        <p:cTn id="1" dur="indefinite" restart="never" nodeType="tmRoot"/>
+      </p:par>
+    </p:tnLst>
+  </p:timing>
+</p:sld>
+</file>
+
+<file path=ppt/slides/slide35.xml><?xml version="1.0" encoding="utf-8"?>
+<p:sld xmlns:a="http://schemas.openxmlformats.org/drawingml/2006/main" xmlns:r="http://schemas.openxmlformats.org/officeDocument/2006/relationships" xmlns:p="http://schemas.openxmlformats.org/presentationml/2006/main">
+  <p:cSld>
+    <p:spTree>
+      <p:nvGrpSpPr>
+        <p:cNvPr id="1" name=""/>
+        <p:cNvGrpSpPr/>
+        <p:nvPr/>
+      </p:nvGrpSpPr>
+      <p:grpSpPr>
+        <a:xfrm>
+          <a:off x="0" y="0"/>
+          <a:ext cx="0" cy="0"/>
+          <a:chOff x="0" y="0"/>
+          <a:chExt cx="0" cy="0"/>
+        </a:xfrm>
+      </p:grpSpPr>
+      <p:sp>
+        <p:nvSpPr>
+          <p:cNvPr id="4" name="Title 3"/>
+          <p:cNvSpPr>
+            <a:spLocks noGrp="1"/>
+          </p:cNvSpPr>
+          <p:nvPr>
+            <p:ph type="title"/>
+          </p:nvPr>
+        </p:nvSpPr>
+        <p:spPr/>
+        <p:txBody>
+          <a:bodyPr>
+            <a:noAutofit/>
+          </a:bodyPr>
+          <a:lstStyle/>
+          <a:p>
+            <a:r>
+              <a:rPr lang="en-US" sz="3200" dirty="0" smtClean="0"/>
+              <a:t>Keystone </a:t>
+            </a:r>
+            <a:r>
+              <a:rPr lang="en-US" sz="3200" dirty="0" err="1" smtClean="0"/>
+              <a:t>ll</a:t>
+            </a:r>
+            <a:r>
+              <a:rPr lang="en-US" sz="3200" dirty="0" smtClean="0"/>
+              <a:t>: ARM - IO Coherency</a:t>
+            </a:r>
+            <a:br>
+              <a:rPr lang="en-US" sz="3200" dirty="0" smtClean="0"/>
+            </a:br>
+            <a:r>
+              <a:rPr lang="en-US" sz="3200" dirty="0" smtClean="0"/>
+              <a:t>External Read to Shared Memory (MSM/DDR)</a:t>
+            </a:r>
+            <a:endParaRPr lang="en-US" sz="3200" dirty="0"/>
+          </a:p>
+        </p:txBody>
+      </p:sp>
+      <p:pic>
+        <p:nvPicPr>
+          <p:cNvPr id="55303" name="Picture 7"/>
+          <p:cNvPicPr>
+            <a:picLocks noChangeAspect="1" noChangeArrowheads="1"/>
+          </p:cNvPicPr>
+          <p:nvPr/>
+        </p:nvPicPr>
+        <p:blipFill>
+          <a:blip r:embed="rId2" cstate="print"/>
+          <a:srcRect/>
+          <a:stretch>
+            <a:fillRect/>
+          </a:stretch>
+        </p:blipFill>
+        <p:spPr bwMode="auto">
+          <a:xfrm>
+            <a:off x="457200" y="1462087"/>
+            <a:ext cx="8458200" cy="5014913"/>
+          </a:xfrm>
+          <a:prstGeom prst="rect">
+            <a:avLst/>
+          </a:prstGeom>
+          <a:noFill/>
+          <a:ln w="9525">
+            <a:noFill/>
+            <a:miter lim="800000"/>
+            <a:headEnd/>
+            <a:tailEnd/>
+          </a:ln>
+        </p:spPr>
+      </p:pic>
+      <p:sp>
+        <p:nvSpPr>
+          <p:cNvPr id="5" name="Freeform 4"/>
+          <p:cNvSpPr/>
+          <p:nvPr/>
+        </p:nvSpPr>
+        <p:spPr>
+          <a:xfrm>
+            <a:off x="1656522" y="4006574"/>
+            <a:ext cx="4081669" cy="384313"/>
+          </a:xfrm>
+          <a:custGeom>
+            <a:avLst/>
+            <a:gdLst>
+              <a:gd name="connsiteX0" fmla="*/ 0 w 4081669"/>
+              <a:gd name="connsiteY0" fmla="*/ 379896 h 384313"/>
+              <a:gd name="connsiteX1" fmla="*/ 1868556 w 4081669"/>
+              <a:gd name="connsiteY1" fmla="*/ 326887 h 384313"/>
+              <a:gd name="connsiteX2" fmla="*/ 2981739 w 4081669"/>
+              <a:gd name="connsiteY2" fmla="*/ 35339 h 384313"/>
+              <a:gd name="connsiteX3" fmla="*/ 4081669 w 4081669"/>
+              <a:gd name="connsiteY3" fmla="*/ 114852 h 384313"/>
+            </a:gdLst>
+            <a:ahLst/>
+            <a:cxnLst>
+              <a:cxn ang="0">
+                <a:pos x="connsiteX0" y="connsiteY0"/>
+              </a:cxn>
+              <a:cxn ang="0">
+                <a:pos x="connsiteX1" y="connsiteY1"/>
+              </a:cxn>
+              <a:cxn ang="0">
+                <a:pos x="connsiteX2" y="connsiteY2"/>
+              </a:cxn>
+              <a:cxn ang="0">
+                <a:pos x="connsiteX3" y="connsiteY3"/>
+              </a:cxn>
+            </a:cxnLst>
+            <a:rect l="l" t="t" r="r" b="b"/>
+            <a:pathLst>
+              <a:path w="4081669" h="384313">
+                <a:moveTo>
+                  <a:pt x="0" y="379896"/>
+                </a:moveTo>
+                <a:cubicBezTo>
+                  <a:pt x="685800" y="382104"/>
+                  <a:pt x="1371600" y="384313"/>
+                  <a:pt x="1868556" y="326887"/>
+                </a:cubicBezTo>
+                <a:cubicBezTo>
+                  <a:pt x="2365513" y="269461"/>
+                  <a:pt x="2612887" y="70678"/>
+                  <a:pt x="2981739" y="35339"/>
+                </a:cubicBezTo>
+                <a:cubicBezTo>
+                  <a:pt x="3350591" y="0"/>
+                  <a:pt x="3716130" y="57426"/>
+                  <a:pt x="4081669" y="114852"/>
+                </a:cubicBezTo>
+              </a:path>
+            </a:pathLst>
+          </a:custGeom>
+          <a:ln w="25400">
+            <a:solidFill>
+              <a:schemeClr val="tx1"/>
+            </a:solidFill>
+            <a:tailEnd type="triangle" w="lg" len="lg"/>
+          </a:ln>
+        </p:spPr>
+        <p:style>
+          <a:lnRef idx="1">
+            <a:schemeClr val="accent1"/>
+          </a:lnRef>
+          <a:fillRef idx="0">
+            <a:schemeClr val="accent1"/>
+          </a:fillRef>
+          <a:effectRef idx="0">
+            <a:schemeClr val="accent1"/>
+          </a:effectRef>
+          <a:fontRef idx="minor">
+            <a:schemeClr val="tx1"/>
+          </a:fontRef>
+        </p:style>
+        <p:txBody>
+          <a:bodyPr rtlCol="0" anchor="ctr"/>
+          <a:lstStyle/>
+          <a:p>
+            <a:pPr algn="ctr"/>
+            <a:endParaRPr lang="en-US"/>
+          </a:p>
+        </p:txBody>
+      </p:sp>
+      <p:sp>
+        <p:nvSpPr>
+          <p:cNvPr id="6" name="Oval 5"/>
+          <p:cNvSpPr/>
+          <p:nvPr/>
+        </p:nvSpPr>
+        <p:spPr>
+          <a:xfrm>
+            <a:off x="1752600" y="3962400"/>
+            <a:ext cx="457200" cy="381000"/>
+          </a:xfrm>
+          <a:prstGeom prst="ellipse">
+            <a:avLst/>
+          </a:prstGeom>
+          <a:solidFill>
+            <a:srgbClr val="FF0000"/>
+          </a:solidFill>
+        </p:spPr>
+        <p:style>
+          <a:lnRef idx="2">
+            <a:schemeClr val="accent1">
+              <a:shade val="50000"/>
+            </a:schemeClr>
+          </a:lnRef>
+          <a:fillRef idx="1">
+            <a:schemeClr val="accent1"/>
+          </a:fillRef>
+          <a:effectRef idx="0">
+            <a:schemeClr val="accent1"/>
+          </a:effectRef>
+          <a:fontRef idx="minor">
+            <a:schemeClr val="lt1"/>
+          </a:fontRef>
+        </p:style>
+        <p:txBody>
+          <a:bodyPr rtlCol="0" anchor="ctr"/>
+          <a:lstStyle/>
+          <a:p>
+            <a:pPr algn="ctr"/>
+            <a:r>
+              <a:rPr lang="en-US" b="1" dirty="0" smtClean="0">
+                <a:solidFill>
+                  <a:schemeClr val="bg1"/>
+                </a:solidFill>
+              </a:rPr>
+              <a:t>1</a:t>
+            </a:r>
+            <a:endParaRPr lang="en-US" b="1" dirty="0">
+              <a:solidFill>
+                <a:schemeClr val="bg1"/>
+              </a:solidFill>
+            </a:endParaRPr>
+          </a:p>
+        </p:txBody>
+      </p:sp>
+      <p:sp>
+        <p:nvSpPr>
+          <p:cNvPr id="8" name="Rounded Rectangular Callout 7"/>
+          <p:cNvSpPr/>
+          <p:nvPr/>
+        </p:nvSpPr>
+        <p:spPr>
+          <a:xfrm>
+            <a:off x="457200" y="5486400"/>
+            <a:ext cx="1600200" cy="1066800"/>
+          </a:xfrm>
+          <a:prstGeom prst="wedgeRoundRectCallout">
+            <a:avLst>
+              <a:gd name="adj1" fmla="val 52045"/>
+              <a:gd name="adj2" fmla="val -153650"/>
+              <a:gd name="adj3" fmla="val 16667"/>
+            </a:avLst>
+          </a:prstGeom>
+        </p:spPr>
+        <p:style>
+          <a:lnRef idx="2">
+            <a:schemeClr val="accent1">
+              <a:shade val="50000"/>
+            </a:schemeClr>
+          </a:lnRef>
+          <a:fillRef idx="1">
+            <a:schemeClr val="accent1"/>
+          </a:fillRef>
+          <a:effectRef idx="0">
+            <a:schemeClr val="accent1"/>
+          </a:effectRef>
+          <a:fontRef idx="minor">
+            <a:schemeClr val="lt1"/>
+          </a:fontRef>
+        </p:style>
+        <p:txBody>
+          <a:bodyPr lIns="0" tIns="0" rIns="0" bIns="0" rtlCol="0" anchor="ctr"/>
+          <a:lstStyle/>
+          <a:p>
+            <a:pPr algn="ctr"/>
+            <a:r>
+              <a:rPr lang="en-US" sz="2000" dirty="0" smtClean="0"/>
+              <a:t>EDMA issues read to shared SRAM</a:t>
+            </a:r>
+            <a:endParaRPr lang="en-US" sz="2000" dirty="0"/>
+          </a:p>
+        </p:txBody>
+      </p:sp>
+      <p:sp>
+        <p:nvSpPr>
+          <p:cNvPr id="9" name="Rounded Rectangular Callout 8"/>
+          <p:cNvSpPr/>
+          <p:nvPr/>
+        </p:nvSpPr>
+        <p:spPr>
+          <a:xfrm>
+            <a:off x="685800" y="1608881"/>
+            <a:ext cx="1600200" cy="1591519"/>
+          </a:xfrm>
+          <a:prstGeom prst="wedgeRoundRectCallout">
+            <a:avLst>
+              <a:gd name="adj1" fmla="val 104219"/>
+              <a:gd name="adj2" fmla="val 101009"/>
+              <a:gd name="adj3" fmla="val 16667"/>
+            </a:avLst>
+          </a:prstGeom>
+        </p:spPr>
+        <p:style>
+          <a:lnRef idx="2">
+            <a:schemeClr val="accent1">
+              <a:shade val="50000"/>
+            </a:schemeClr>
+          </a:lnRef>
+          <a:fillRef idx="1">
+            <a:schemeClr val="accent1"/>
+          </a:fillRef>
+          <a:effectRef idx="0">
+            <a:schemeClr val="accent1"/>
+          </a:effectRef>
+          <a:fontRef idx="minor">
+            <a:schemeClr val="lt1"/>
+          </a:fontRef>
+        </p:style>
+        <p:txBody>
+          <a:bodyPr lIns="0" tIns="0" rIns="0" bIns="0" rtlCol="0" anchor="ctr"/>
+          <a:lstStyle/>
+          <a:p>
+            <a:pPr algn="ctr"/>
+            <a:r>
+              <a:rPr lang="en-US" dirty="0" smtClean="0"/>
+              <a:t>Coherence Controller issues read snoops to ARM</a:t>
+            </a:r>
+            <a:endParaRPr lang="en-US" dirty="0"/>
+          </a:p>
+        </p:txBody>
+      </p:sp>
+      <p:sp>
+        <p:nvSpPr>
+          <p:cNvPr id="10" name="Freeform 9"/>
+          <p:cNvSpPr/>
+          <p:nvPr/>
+        </p:nvSpPr>
+        <p:spPr>
+          <a:xfrm>
+            <a:off x="3200401" y="3366052"/>
+            <a:ext cx="2362200" cy="1510748"/>
+          </a:xfrm>
+          <a:custGeom>
+            <a:avLst/>
+            <a:gdLst>
+              <a:gd name="connsiteX0" fmla="*/ 1442279 w 1442279"/>
+              <a:gd name="connsiteY0" fmla="*/ 1431235 h 1444487"/>
+              <a:gd name="connsiteX1" fmla="*/ 408609 w 1442279"/>
+              <a:gd name="connsiteY1" fmla="*/ 1364974 h 1444487"/>
+              <a:gd name="connsiteX2" fmla="*/ 64052 w 1442279"/>
+              <a:gd name="connsiteY2" fmla="*/ 954157 h 1444487"/>
+              <a:gd name="connsiteX3" fmla="*/ 24296 w 1442279"/>
+              <a:gd name="connsiteY3" fmla="*/ 0 h 1444487"/>
+            </a:gdLst>
+            <a:ahLst/>
+            <a:cxnLst>
+              <a:cxn ang="0">
+                <a:pos x="connsiteX0" y="connsiteY0"/>
+              </a:cxn>
+              <a:cxn ang="0">
+                <a:pos x="connsiteX1" y="connsiteY1"/>
+              </a:cxn>
+              <a:cxn ang="0">
+                <a:pos x="connsiteX2" y="connsiteY2"/>
+              </a:cxn>
+              <a:cxn ang="0">
+                <a:pos x="connsiteX3" y="connsiteY3"/>
+              </a:cxn>
+            </a:cxnLst>
+            <a:rect l="l" t="t" r="r" b="b"/>
+            <a:pathLst>
+              <a:path w="1442279" h="1444487">
+                <a:moveTo>
+                  <a:pt x="1442279" y="1431235"/>
+                </a:moveTo>
+                <a:cubicBezTo>
+                  <a:pt x="1040296" y="1437861"/>
+                  <a:pt x="638314" y="1444487"/>
+                  <a:pt x="408609" y="1364974"/>
+                </a:cubicBezTo>
+                <a:cubicBezTo>
+                  <a:pt x="178905" y="1285461"/>
+                  <a:pt x="128104" y="1181653"/>
+                  <a:pt x="64052" y="954157"/>
+                </a:cubicBezTo>
+                <a:cubicBezTo>
+                  <a:pt x="0" y="726661"/>
+                  <a:pt x="12148" y="363330"/>
+                  <a:pt x="24296" y="0"/>
+                </a:cubicBezTo>
+              </a:path>
+            </a:pathLst>
+          </a:custGeom>
+          <a:ln w="25400">
+            <a:solidFill>
+              <a:schemeClr val="tx1"/>
+            </a:solidFill>
+            <a:tailEnd type="triangle" w="lg" len="lg"/>
+          </a:ln>
+        </p:spPr>
+        <p:style>
+          <a:lnRef idx="1">
+            <a:schemeClr val="accent1"/>
+          </a:lnRef>
+          <a:fillRef idx="0">
+            <a:schemeClr val="accent1"/>
+          </a:fillRef>
+          <a:effectRef idx="0">
+            <a:schemeClr val="accent1"/>
+          </a:effectRef>
+          <a:fontRef idx="minor">
+            <a:schemeClr val="tx1"/>
+          </a:fontRef>
+        </p:style>
+        <p:txBody>
+          <a:bodyPr rtlCol="0" anchor="ctr"/>
+          <a:lstStyle/>
+          <a:p>
+            <a:pPr algn="ctr"/>
+            <a:endParaRPr lang="en-US"/>
+          </a:p>
+        </p:txBody>
+      </p:sp>
+      <p:sp>
+        <p:nvSpPr>
+          <p:cNvPr id="11" name="Oval 10"/>
+          <p:cNvSpPr/>
+          <p:nvPr/>
+        </p:nvSpPr>
+        <p:spPr>
+          <a:xfrm>
+            <a:off x="3276600" y="3657600"/>
+            <a:ext cx="457200" cy="381000"/>
+          </a:xfrm>
+          <a:prstGeom prst="ellipse">
+            <a:avLst/>
+          </a:prstGeom>
+          <a:solidFill>
+            <a:srgbClr val="FF0000"/>
+          </a:solidFill>
+        </p:spPr>
+        <p:style>
+          <a:lnRef idx="2">
+            <a:schemeClr val="accent1">
+              <a:shade val="50000"/>
+            </a:schemeClr>
+          </a:lnRef>
+          <a:fillRef idx="1">
+            <a:schemeClr val="accent1"/>
+          </a:fillRef>
+          <a:effectRef idx="0">
+            <a:schemeClr val="accent1"/>
+          </a:effectRef>
+          <a:fontRef idx="minor">
+            <a:schemeClr val="lt1"/>
+          </a:fontRef>
+        </p:style>
+        <p:txBody>
+          <a:bodyPr rtlCol="0" anchor="ctr"/>
+          <a:lstStyle/>
+          <a:p>
+            <a:pPr algn="ctr"/>
+            <a:r>
+              <a:rPr lang="en-US" b="1" dirty="0" smtClean="0">
+                <a:solidFill>
+                  <a:schemeClr val="bg1"/>
+                </a:solidFill>
+              </a:rPr>
+              <a:t>2</a:t>
+            </a:r>
+            <a:endParaRPr lang="en-US" b="1" dirty="0">
+              <a:solidFill>
+                <a:schemeClr val="bg1"/>
+              </a:solidFill>
+            </a:endParaRPr>
+          </a:p>
+        </p:txBody>
+      </p:sp>
+      <p:sp>
+        <p:nvSpPr>
+          <p:cNvPr id="12" name="Freeform 11"/>
+          <p:cNvSpPr/>
+          <p:nvPr/>
+        </p:nvSpPr>
+        <p:spPr>
+          <a:xfrm>
+            <a:off x="4412974" y="3379304"/>
+            <a:ext cx="1325217" cy="1457739"/>
+          </a:xfrm>
+          <a:custGeom>
+            <a:avLst/>
+            <a:gdLst>
+              <a:gd name="connsiteX0" fmla="*/ 0 w 1325217"/>
+              <a:gd name="connsiteY0" fmla="*/ 0 h 1457739"/>
+              <a:gd name="connsiteX1" fmla="*/ 265043 w 1325217"/>
+              <a:gd name="connsiteY1" fmla="*/ 463826 h 1457739"/>
+              <a:gd name="connsiteX2" fmla="*/ 1126435 w 1325217"/>
+              <a:gd name="connsiteY2" fmla="*/ 914400 h 1457739"/>
+              <a:gd name="connsiteX3" fmla="*/ 1325217 w 1325217"/>
+              <a:gd name="connsiteY3" fmla="*/ 1457739 h 1457739"/>
+            </a:gdLst>
+            <a:ahLst/>
+            <a:cxnLst>
+              <a:cxn ang="0">
+                <a:pos x="connsiteX0" y="connsiteY0"/>
+              </a:cxn>
+              <a:cxn ang="0">
+                <a:pos x="connsiteX1" y="connsiteY1"/>
+              </a:cxn>
+              <a:cxn ang="0">
+                <a:pos x="connsiteX2" y="connsiteY2"/>
+              </a:cxn>
+              <a:cxn ang="0">
+                <a:pos x="connsiteX3" y="connsiteY3"/>
+              </a:cxn>
+            </a:cxnLst>
+            <a:rect l="l" t="t" r="r" b="b"/>
+            <a:pathLst>
+              <a:path w="1325217" h="1457739">
+                <a:moveTo>
+                  <a:pt x="0" y="0"/>
+                </a:moveTo>
+                <a:cubicBezTo>
+                  <a:pt x="38652" y="155713"/>
+                  <a:pt x="77304" y="311426"/>
+                  <a:pt x="265043" y="463826"/>
+                </a:cubicBezTo>
+                <a:cubicBezTo>
+                  <a:pt x="452782" y="616226"/>
+                  <a:pt x="949739" y="748748"/>
+                  <a:pt x="1126435" y="914400"/>
+                </a:cubicBezTo>
+                <a:cubicBezTo>
+                  <a:pt x="1303131" y="1080052"/>
+                  <a:pt x="1314174" y="1268895"/>
+                  <a:pt x="1325217" y="1457739"/>
+                </a:cubicBezTo>
+              </a:path>
+            </a:pathLst>
+          </a:custGeom>
+          <a:ln w="25400">
+            <a:solidFill>
+              <a:schemeClr val="tx1"/>
+            </a:solidFill>
+            <a:tailEnd type="triangle" w="lg" len="lg"/>
+          </a:ln>
+        </p:spPr>
+        <p:style>
+          <a:lnRef idx="1">
+            <a:schemeClr val="accent1"/>
+          </a:lnRef>
+          <a:fillRef idx="0">
+            <a:schemeClr val="accent1"/>
+          </a:fillRef>
+          <a:effectRef idx="0">
+            <a:schemeClr val="accent1"/>
+          </a:effectRef>
+          <a:fontRef idx="minor">
+            <a:schemeClr val="tx1"/>
+          </a:fontRef>
+        </p:style>
+        <p:txBody>
+          <a:bodyPr rtlCol="0" anchor="ctr"/>
+          <a:lstStyle/>
+          <a:p>
+            <a:pPr algn="ctr"/>
+            <a:endParaRPr lang="en-US"/>
+          </a:p>
+        </p:txBody>
+      </p:sp>
+      <p:sp>
+        <p:nvSpPr>
+          <p:cNvPr id="13" name="Oval 12"/>
+          <p:cNvSpPr/>
+          <p:nvPr/>
+        </p:nvSpPr>
+        <p:spPr>
+          <a:xfrm>
+            <a:off x="4572000" y="3429000"/>
+            <a:ext cx="457200" cy="381000"/>
+          </a:xfrm>
+          <a:prstGeom prst="ellipse">
+            <a:avLst/>
+          </a:prstGeom>
+          <a:solidFill>
+            <a:srgbClr val="FF0000"/>
+          </a:solidFill>
+        </p:spPr>
+        <p:style>
+          <a:lnRef idx="2">
+            <a:schemeClr val="accent1">
+              <a:shade val="50000"/>
+            </a:schemeClr>
+          </a:lnRef>
+          <a:fillRef idx="1">
+            <a:schemeClr val="accent1"/>
+          </a:fillRef>
+          <a:effectRef idx="0">
+            <a:schemeClr val="accent1"/>
+          </a:effectRef>
+          <a:fontRef idx="minor">
+            <a:schemeClr val="lt1"/>
+          </a:fontRef>
+        </p:style>
+        <p:txBody>
+          <a:bodyPr rtlCol="0" anchor="ctr"/>
+          <a:lstStyle/>
+          <a:p>
+            <a:pPr algn="ctr"/>
+            <a:r>
+              <a:rPr lang="en-US" b="1" dirty="0" smtClean="0">
+                <a:solidFill>
+                  <a:schemeClr val="bg1"/>
+                </a:solidFill>
+              </a:rPr>
+              <a:t>3</a:t>
+            </a:r>
+            <a:endParaRPr lang="en-US" b="1" dirty="0">
+              <a:solidFill>
+                <a:schemeClr val="bg1"/>
+              </a:solidFill>
+            </a:endParaRPr>
+          </a:p>
+        </p:txBody>
+      </p:sp>
+      <p:sp>
+        <p:nvSpPr>
+          <p:cNvPr id="14" name="Rounded Rectangular Callout 13"/>
+          <p:cNvSpPr/>
+          <p:nvPr/>
+        </p:nvSpPr>
+        <p:spPr>
+          <a:xfrm>
+            <a:off x="6629400" y="2209800"/>
+            <a:ext cx="1143000" cy="762000"/>
+          </a:xfrm>
+          <a:prstGeom prst="wedgeRoundRectCallout">
+            <a:avLst>
+              <a:gd name="adj1" fmla="val -200211"/>
+              <a:gd name="adj2" fmla="val 177779"/>
+              <a:gd name="adj3" fmla="val 16667"/>
+            </a:avLst>
+          </a:prstGeom>
+        </p:spPr>
+        <p:style>
+          <a:lnRef idx="2">
+            <a:schemeClr val="accent1">
+              <a:shade val="50000"/>
+            </a:schemeClr>
+          </a:lnRef>
+          <a:fillRef idx="1">
+            <a:schemeClr val="accent1"/>
+          </a:fillRef>
+          <a:effectRef idx="0">
+            <a:schemeClr val="accent1"/>
+          </a:effectRef>
+          <a:fontRef idx="minor">
+            <a:schemeClr val="lt1"/>
+          </a:fontRef>
+        </p:style>
+        <p:txBody>
+          <a:bodyPr lIns="0" tIns="0" rIns="0" bIns="0" rtlCol="0" anchor="ctr"/>
+          <a:lstStyle/>
+          <a:p>
+            <a:pPr algn="ctr"/>
+            <a:r>
               <a:rPr lang="en-US" dirty="0" smtClean="0"/>
               <a:t>ARM evicts updated data</a:t>
+            </a:r>
+            <a:endParaRPr lang="en-US" dirty="0"/>
+          </a:p>
+        </p:txBody>
+      </p:sp>
+    </p:spTree>
+  </p:cSld>
+  <p:clrMapOvr>
+    <a:masterClrMapping/>
+  </p:clrMapOvr>
+  <p:timing>
+    <p:tnLst>
+      <p:par>
+        <p:cTn id="1" dur="indefinite" restart="never" nodeType="tmRoot"/>
+      </p:par>
+    </p:tnLst>
+  </p:timing>
+</p:sld>
+</file>
+
+<file path=ppt/slides/slide36.xml><?xml version="1.0" encoding="utf-8"?>
+<p:sld xmlns:a="http://schemas.openxmlformats.org/drawingml/2006/main" xmlns:r="http://schemas.openxmlformats.org/officeDocument/2006/relationships" xmlns:p="http://schemas.openxmlformats.org/presentationml/2006/main">
+  <p:cSld>
+    <p:spTree>
+      <p:nvGrpSpPr>
+        <p:cNvPr id="1" name=""/>
+        <p:cNvGrpSpPr/>
+        <p:nvPr/>
+      </p:nvGrpSpPr>
+      <p:grpSpPr>
+        <a:xfrm>
+          <a:off x="0" y="0"/>
+          <a:ext cx="0" cy="0"/>
+          <a:chOff x="0" y="0"/>
+          <a:chExt cx="0" cy="0"/>
+        </a:xfrm>
+      </p:grpSpPr>
+      <p:sp>
+        <p:nvSpPr>
+          <p:cNvPr id="4" name="Title 3"/>
+          <p:cNvSpPr>
+            <a:spLocks noGrp="1"/>
+          </p:cNvSpPr>
+          <p:nvPr>
+            <p:ph type="title"/>
+          </p:nvPr>
+        </p:nvSpPr>
+        <p:spPr/>
+        <p:txBody>
+          <a:bodyPr>
+            <a:noAutofit/>
+          </a:bodyPr>
+          <a:lstStyle/>
+          <a:p>
+            <a:r>
+              <a:rPr lang="en-US" sz="3200" dirty="0" smtClean="0"/>
+              <a:t>Keystone </a:t>
+            </a:r>
+            <a:r>
+              <a:rPr lang="en-US" sz="3200" dirty="0" err="1" smtClean="0"/>
+              <a:t>ll</a:t>
+            </a:r>
+            <a:r>
+              <a:rPr lang="en-US" sz="3200" dirty="0" smtClean="0"/>
+              <a:t>: ARM - IO Coherency</a:t>
+            </a:r>
+            <a:br>
+              <a:rPr lang="en-US" sz="3200" dirty="0" smtClean="0"/>
+            </a:br>
+            <a:r>
+              <a:rPr lang="en-US" sz="3200" dirty="0" smtClean="0"/>
+              <a:t>External Read to Shared Memory (MSM/DDR)</a:t>
+            </a:r>
+            <a:endParaRPr lang="en-US" sz="3200" dirty="0"/>
+          </a:p>
+        </p:txBody>
+      </p:sp>
+      <p:pic>
+        <p:nvPicPr>
+          <p:cNvPr id="55303" name="Picture 7"/>
+          <p:cNvPicPr>
+            <a:picLocks noChangeAspect="1" noChangeArrowheads="1"/>
+          </p:cNvPicPr>
+          <p:nvPr/>
+        </p:nvPicPr>
+        <p:blipFill>
+          <a:blip r:embed="rId2" cstate="print"/>
+          <a:srcRect/>
+          <a:stretch>
+            <a:fillRect/>
+          </a:stretch>
+        </p:blipFill>
+        <p:spPr bwMode="auto">
+          <a:xfrm>
+            <a:off x="457200" y="1462087"/>
+            <a:ext cx="8458200" cy="5014913"/>
+          </a:xfrm>
+          <a:prstGeom prst="rect">
+            <a:avLst/>
+          </a:prstGeom>
+          <a:noFill/>
+          <a:ln w="9525">
+            <a:noFill/>
+            <a:miter lim="800000"/>
+            <a:headEnd/>
+            <a:tailEnd/>
+          </a:ln>
+        </p:spPr>
+      </p:pic>
+      <p:sp>
+        <p:nvSpPr>
+          <p:cNvPr id="5" name="Freeform 4"/>
+          <p:cNvSpPr/>
+          <p:nvPr/>
+        </p:nvSpPr>
+        <p:spPr>
+          <a:xfrm>
+            <a:off x="1656522" y="4006574"/>
+            <a:ext cx="4081669" cy="384313"/>
+          </a:xfrm>
+          <a:custGeom>
+            <a:avLst/>
+            <a:gdLst>
+              <a:gd name="connsiteX0" fmla="*/ 0 w 4081669"/>
+              <a:gd name="connsiteY0" fmla="*/ 379896 h 384313"/>
+              <a:gd name="connsiteX1" fmla="*/ 1868556 w 4081669"/>
+              <a:gd name="connsiteY1" fmla="*/ 326887 h 384313"/>
+              <a:gd name="connsiteX2" fmla="*/ 2981739 w 4081669"/>
+              <a:gd name="connsiteY2" fmla="*/ 35339 h 384313"/>
+              <a:gd name="connsiteX3" fmla="*/ 4081669 w 4081669"/>
+              <a:gd name="connsiteY3" fmla="*/ 114852 h 384313"/>
+            </a:gdLst>
+            <a:ahLst/>
+            <a:cxnLst>
+              <a:cxn ang="0">
+                <a:pos x="connsiteX0" y="connsiteY0"/>
+              </a:cxn>
+              <a:cxn ang="0">
+                <a:pos x="connsiteX1" y="connsiteY1"/>
+              </a:cxn>
+              <a:cxn ang="0">
+                <a:pos x="connsiteX2" y="connsiteY2"/>
+              </a:cxn>
+              <a:cxn ang="0">
+                <a:pos x="connsiteX3" y="connsiteY3"/>
+              </a:cxn>
+            </a:cxnLst>
+            <a:rect l="l" t="t" r="r" b="b"/>
+            <a:pathLst>
+              <a:path w="4081669" h="384313">
+                <a:moveTo>
+                  <a:pt x="0" y="379896"/>
+                </a:moveTo>
+                <a:cubicBezTo>
+                  <a:pt x="685800" y="382104"/>
+                  <a:pt x="1371600" y="384313"/>
+                  <a:pt x="1868556" y="326887"/>
+                </a:cubicBezTo>
+                <a:cubicBezTo>
+                  <a:pt x="2365513" y="269461"/>
+                  <a:pt x="2612887" y="70678"/>
+                  <a:pt x="2981739" y="35339"/>
+                </a:cubicBezTo>
+                <a:cubicBezTo>
+                  <a:pt x="3350591" y="0"/>
+                  <a:pt x="3716130" y="57426"/>
+                  <a:pt x="4081669" y="114852"/>
+                </a:cubicBezTo>
+              </a:path>
+            </a:pathLst>
+          </a:custGeom>
+          <a:ln w="25400">
+            <a:solidFill>
+              <a:schemeClr val="tx1"/>
+            </a:solidFill>
+            <a:tailEnd type="triangle" w="lg" len="lg"/>
+          </a:ln>
+        </p:spPr>
+        <p:style>
+          <a:lnRef idx="1">
+            <a:schemeClr val="accent1"/>
+          </a:lnRef>
+          <a:fillRef idx="0">
+            <a:schemeClr val="accent1"/>
+          </a:fillRef>
+          <a:effectRef idx="0">
+            <a:schemeClr val="accent1"/>
+          </a:effectRef>
+          <a:fontRef idx="minor">
+            <a:schemeClr val="tx1"/>
+          </a:fontRef>
+        </p:style>
+        <p:txBody>
+          <a:bodyPr rtlCol="0" anchor="ctr"/>
+          <a:lstStyle/>
+          <a:p>
+            <a:pPr algn="ctr"/>
+            <a:endParaRPr lang="en-US"/>
+          </a:p>
+        </p:txBody>
+      </p:sp>
+      <p:sp>
+        <p:nvSpPr>
+          <p:cNvPr id="6" name="Oval 5"/>
+          <p:cNvSpPr/>
+          <p:nvPr/>
+        </p:nvSpPr>
+        <p:spPr>
+          <a:xfrm>
+            <a:off x="1752600" y="3962400"/>
+            <a:ext cx="457200" cy="381000"/>
+          </a:xfrm>
+          <a:prstGeom prst="ellipse">
+            <a:avLst/>
+          </a:prstGeom>
+          <a:solidFill>
+            <a:srgbClr val="FF0000"/>
+          </a:solidFill>
+        </p:spPr>
+        <p:style>
+          <a:lnRef idx="2">
+            <a:schemeClr val="accent1">
+              <a:shade val="50000"/>
+            </a:schemeClr>
+          </a:lnRef>
+          <a:fillRef idx="1">
+            <a:schemeClr val="accent1"/>
+          </a:fillRef>
+          <a:effectRef idx="0">
+            <a:schemeClr val="accent1"/>
+          </a:effectRef>
+          <a:fontRef idx="minor">
+            <a:schemeClr val="lt1"/>
+          </a:fontRef>
+        </p:style>
+        <p:txBody>
+          <a:bodyPr rtlCol="0" anchor="ctr"/>
+          <a:lstStyle/>
+          <a:p>
+            <a:pPr algn="ctr"/>
+            <a:r>
+              <a:rPr lang="en-US" b="1" dirty="0" smtClean="0">
+                <a:solidFill>
+                  <a:schemeClr val="bg1"/>
+                </a:solidFill>
+              </a:rPr>
+              <a:t>1</a:t>
+            </a:r>
+            <a:endParaRPr lang="en-US" b="1" dirty="0">
+              <a:solidFill>
+                <a:schemeClr val="bg1"/>
+              </a:solidFill>
+            </a:endParaRPr>
+          </a:p>
+        </p:txBody>
+      </p:sp>
+      <p:sp>
+        <p:nvSpPr>
+          <p:cNvPr id="8" name="Rounded Rectangular Callout 7"/>
+          <p:cNvSpPr/>
+          <p:nvPr/>
+        </p:nvSpPr>
+        <p:spPr>
+          <a:xfrm>
+            <a:off x="457200" y="5486400"/>
+            <a:ext cx="1600200" cy="1066800"/>
+          </a:xfrm>
+          <a:prstGeom prst="wedgeRoundRectCallout">
+            <a:avLst>
+              <a:gd name="adj1" fmla="val 52045"/>
+              <a:gd name="adj2" fmla="val -153650"/>
+              <a:gd name="adj3" fmla="val 16667"/>
+            </a:avLst>
+          </a:prstGeom>
+        </p:spPr>
+        <p:style>
+          <a:lnRef idx="2">
+            <a:schemeClr val="accent1">
+              <a:shade val="50000"/>
+            </a:schemeClr>
+          </a:lnRef>
+          <a:fillRef idx="1">
+            <a:schemeClr val="accent1"/>
+          </a:fillRef>
+          <a:effectRef idx="0">
+            <a:schemeClr val="accent1"/>
+          </a:effectRef>
+          <a:fontRef idx="minor">
+            <a:schemeClr val="lt1"/>
+          </a:fontRef>
+        </p:style>
+        <p:txBody>
+          <a:bodyPr lIns="0" tIns="0" rIns="0" bIns="0" rtlCol="0" anchor="ctr"/>
+          <a:lstStyle/>
+          <a:p>
+            <a:pPr algn="ctr"/>
+            <a:r>
+              <a:rPr lang="en-US" sz="1800" dirty="0" smtClean="0"/>
+              <a:t>EDMA issues read to shared SRAM</a:t>
+            </a:r>
+            <a:endParaRPr lang="en-US" sz="1800" dirty="0"/>
+          </a:p>
+        </p:txBody>
+      </p:sp>
+      <p:sp>
+        <p:nvSpPr>
+          <p:cNvPr id="9" name="Rounded Rectangular Callout 8"/>
+          <p:cNvSpPr/>
+          <p:nvPr/>
+        </p:nvSpPr>
+        <p:spPr>
+          <a:xfrm>
+            <a:off x="824697" y="1782502"/>
+            <a:ext cx="1600200" cy="1336876"/>
+          </a:xfrm>
+          <a:prstGeom prst="wedgeRoundRectCallout">
+            <a:avLst>
+              <a:gd name="adj1" fmla="val 104219"/>
+              <a:gd name="adj2" fmla="val 101009"/>
+              <a:gd name="adj3" fmla="val 16667"/>
+            </a:avLst>
+          </a:prstGeom>
+        </p:spPr>
+        <p:style>
+          <a:lnRef idx="2">
+            <a:schemeClr val="accent1">
+              <a:shade val="50000"/>
+            </a:schemeClr>
+          </a:lnRef>
+          <a:fillRef idx="1">
+            <a:schemeClr val="accent1"/>
+          </a:fillRef>
+          <a:effectRef idx="0">
+            <a:schemeClr val="accent1"/>
+          </a:effectRef>
+          <a:fontRef idx="minor">
+            <a:schemeClr val="lt1"/>
+          </a:fontRef>
+        </p:style>
+        <p:txBody>
+          <a:bodyPr lIns="0" tIns="0" rIns="0" bIns="0" rtlCol="0" anchor="ctr"/>
+          <a:lstStyle/>
+          <a:p>
+            <a:pPr algn="ctr"/>
+            <a:r>
+              <a:rPr lang="en-US" sz="1800" dirty="0" smtClean="0"/>
+              <a:t>Coherence Controller issues read snoops to </a:t>
+            </a:r>
+            <a:r>
+              <a:rPr lang="en-US" dirty="0" smtClean="0"/>
+              <a:t>ARM</a:t>
+            </a:r>
+            <a:endParaRPr lang="en-US" dirty="0"/>
+          </a:p>
+        </p:txBody>
+      </p:sp>
+      <p:sp>
+        <p:nvSpPr>
+          <p:cNvPr id="10" name="Freeform 9"/>
+          <p:cNvSpPr/>
+          <p:nvPr/>
+        </p:nvSpPr>
+        <p:spPr>
+          <a:xfrm>
+            <a:off x="3200401" y="3366052"/>
+            <a:ext cx="2362200" cy="1510748"/>
+          </a:xfrm>
+          <a:custGeom>
+            <a:avLst/>
+            <a:gdLst>
+              <a:gd name="connsiteX0" fmla="*/ 1442279 w 1442279"/>
+              <a:gd name="connsiteY0" fmla="*/ 1431235 h 1444487"/>
+              <a:gd name="connsiteX1" fmla="*/ 408609 w 1442279"/>
+              <a:gd name="connsiteY1" fmla="*/ 1364974 h 1444487"/>
+              <a:gd name="connsiteX2" fmla="*/ 64052 w 1442279"/>
+              <a:gd name="connsiteY2" fmla="*/ 954157 h 1444487"/>
+              <a:gd name="connsiteX3" fmla="*/ 24296 w 1442279"/>
+              <a:gd name="connsiteY3" fmla="*/ 0 h 1444487"/>
+            </a:gdLst>
+            <a:ahLst/>
+            <a:cxnLst>
+              <a:cxn ang="0">
+                <a:pos x="connsiteX0" y="connsiteY0"/>
+              </a:cxn>
+              <a:cxn ang="0">
+                <a:pos x="connsiteX1" y="connsiteY1"/>
+              </a:cxn>
+              <a:cxn ang="0">
+                <a:pos x="connsiteX2" y="connsiteY2"/>
+              </a:cxn>
+              <a:cxn ang="0">
+                <a:pos x="connsiteX3" y="connsiteY3"/>
+              </a:cxn>
+            </a:cxnLst>
+            <a:rect l="l" t="t" r="r" b="b"/>
+            <a:pathLst>
+              <a:path w="1442279" h="1444487">
+                <a:moveTo>
+                  <a:pt x="1442279" y="1431235"/>
+                </a:moveTo>
+                <a:cubicBezTo>
+                  <a:pt x="1040296" y="1437861"/>
+                  <a:pt x="638314" y="1444487"/>
+                  <a:pt x="408609" y="1364974"/>
+                </a:cubicBezTo>
+                <a:cubicBezTo>
+                  <a:pt x="178905" y="1285461"/>
+                  <a:pt x="128104" y="1181653"/>
+                  <a:pt x="64052" y="954157"/>
+                </a:cubicBezTo>
+                <a:cubicBezTo>
+                  <a:pt x="0" y="726661"/>
+                  <a:pt x="12148" y="363330"/>
+                  <a:pt x="24296" y="0"/>
+                </a:cubicBezTo>
+              </a:path>
+            </a:pathLst>
+          </a:custGeom>
+          <a:ln w="25400">
+            <a:solidFill>
+              <a:schemeClr val="tx1"/>
+            </a:solidFill>
+            <a:tailEnd type="triangle" w="lg" len="lg"/>
+          </a:ln>
+        </p:spPr>
+        <p:style>
+          <a:lnRef idx="1">
+            <a:schemeClr val="accent1"/>
+          </a:lnRef>
+          <a:fillRef idx="0">
+            <a:schemeClr val="accent1"/>
+          </a:fillRef>
+          <a:effectRef idx="0">
+            <a:schemeClr val="accent1"/>
+          </a:effectRef>
+          <a:fontRef idx="minor">
+            <a:schemeClr val="tx1"/>
+          </a:fontRef>
+        </p:style>
+        <p:txBody>
+          <a:bodyPr rtlCol="0" anchor="ctr"/>
+          <a:lstStyle/>
+          <a:p>
+            <a:pPr algn="ctr"/>
+            <a:endParaRPr lang="en-US"/>
+          </a:p>
+        </p:txBody>
+      </p:sp>
+      <p:sp>
+        <p:nvSpPr>
+          <p:cNvPr id="11" name="Oval 10"/>
+          <p:cNvSpPr/>
+          <p:nvPr/>
+        </p:nvSpPr>
+        <p:spPr>
+          <a:xfrm>
+            <a:off x="3276600" y="3657600"/>
+            <a:ext cx="457200" cy="381000"/>
+          </a:xfrm>
+          <a:prstGeom prst="ellipse">
+            <a:avLst/>
+          </a:prstGeom>
+          <a:solidFill>
+            <a:srgbClr val="FF0000"/>
+          </a:solidFill>
+        </p:spPr>
+        <p:style>
+          <a:lnRef idx="2">
+            <a:schemeClr val="accent1">
+              <a:shade val="50000"/>
+            </a:schemeClr>
+          </a:lnRef>
+          <a:fillRef idx="1">
+            <a:schemeClr val="accent1"/>
+          </a:fillRef>
+          <a:effectRef idx="0">
+            <a:schemeClr val="accent1"/>
+          </a:effectRef>
+          <a:fontRef idx="minor">
+            <a:schemeClr val="lt1"/>
+          </a:fontRef>
+        </p:style>
+        <p:txBody>
+          <a:bodyPr rtlCol="0" anchor="ctr"/>
+          <a:lstStyle/>
+          <a:p>
+            <a:pPr algn="ctr"/>
+            <a:r>
+              <a:rPr lang="en-US" b="1" dirty="0" smtClean="0">
+                <a:solidFill>
+                  <a:schemeClr val="bg1"/>
+                </a:solidFill>
+              </a:rPr>
+              <a:t>2</a:t>
+            </a:r>
+            <a:endParaRPr lang="en-US" b="1" dirty="0">
+              <a:solidFill>
+                <a:schemeClr val="bg1"/>
+              </a:solidFill>
+            </a:endParaRPr>
+          </a:p>
+        </p:txBody>
+      </p:sp>
+      <p:sp>
+        <p:nvSpPr>
+          <p:cNvPr id="12" name="Freeform 11"/>
+          <p:cNvSpPr/>
+          <p:nvPr/>
+        </p:nvSpPr>
+        <p:spPr>
+          <a:xfrm>
+            <a:off x="4412974" y="3379304"/>
+            <a:ext cx="1325217" cy="1457739"/>
+          </a:xfrm>
+          <a:custGeom>
+            <a:avLst/>
+            <a:gdLst>
+              <a:gd name="connsiteX0" fmla="*/ 0 w 1325217"/>
+              <a:gd name="connsiteY0" fmla="*/ 0 h 1457739"/>
+              <a:gd name="connsiteX1" fmla="*/ 265043 w 1325217"/>
+              <a:gd name="connsiteY1" fmla="*/ 463826 h 1457739"/>
+              <a:gd name="connsiteX2" fmla="*/ 1126435 w 1325217"/>
+              <a:gd name="connsiteY2" fmla="*/ 914400 h 1457739"/>
+              <a:gd name="connsiteX3" fmla="*/ 1325217 w 1325217"/>
+              <a:gd name="connsiteY3" fmla="*/ 1457739 h 1457739"/>
+            </a:gdLst>
+            <a:ahLst/>
+            <a:cxnLst>
+              <a:cxn ang="0">
+                <a:pos x="connsiteX0" y="connsiteY0"/>
+              </a:cxn>
+              <a:cxn ang="0">
+                <a:pos x="connsiteX1" y="connsiteY1"/>
+              </a:cxn>
+              <a:cxn ang="0">
+                <a:pos x="connsiteX2" y="connsiteY2"/>
+              </a:cxn>
+              <a:cxn ang="0">
+                <a:pos x="connsiteX3" y="connsiteY3"/>
+              </a:cxn>
+            </a:cxnLst>
+            <a:rect l="l" t="t" r="r" b="b"/>
+            <a:pathLst>
+              <a:path w="1325217" h="1457739">
+                <a:moveTo>
+                  <a:pt x="0" y="0"/>
+                </a:moveTo>
+                <a:cubicBezTo>
+                  <a:pt x="38652" y="155713"/>
+                  <a:pt x="77304" y="311426"/>
+                  <a:pt x="265043" y="463826"/>
+                </a:cubicBezTo>
+                <a:cubicBezTo>
+                  <a:pt x="452782" y="616226"/>
+                  <a:pt x="949739" y="748748"/>
+                  <a:pt x="1126435" y="914400"/>
+                </a:cubicBezTo>
+                <a:cubicBezTo>
+                  <a:pt x="1303131" y="1080052"/>
+                  <a:pt x="1314174" y="1268895"/>
+                  <a:pt x="1325217" y="1457739"/>
+                </a:cubicBezTo>
+              </a:path>
+            </a:pathLst>
+          </a:custGeom>
+          <a:ln w="25400">
+            <a:solidFill>
+              <a:schemeClr val="tx1"/>
+            </a:solidFill>
+            <a:tailEnd type="triangle" w="lg" len="lg"/>
+          </a:ln>
+        </p:spPr>
+        <p:style>
+          <a:lnRef idx="1">
+            <a:schemeClr val="accent1"/>
+          </a:lnRef>
+          <a:fillRef idx="0">
+            <a:schemeClr val="accent1"/>
+          </a:fillRef>
+          <a:effectRef idx="0">
+            <a:schemeClr val="accent1"/>
+          </a:effectRef>
+          <a:fontRef idx="minor">
+            <a:schemeClr val="tx1"/>
+          </a:fontRef>
+        </p:style>
+        <p:txBody>
+          <a:bodyPr rtlCol="0" anchor="ctr"/>
+          <a:lstStyle/>
+          <a:p>
+            <a:pPr algn="ctr"/>
+            <a:endParaRPr lang="en-US"/>
+          </a:p>
+        </p:txBody>
+      </p:sp>
+      <p:sp>
+        <p:nvSpPr>
+          <p:cNvPr id="13" name="Oval 12"/>
+          <p:cNvSpPr/>
+          <p:nvPr/>
+        </p:nvSpPr>
+        <p:spPr>
+          <a:xfrm>
+            <a:off x="4572000" y="3429000"/>
+            <a:ext cx="457200" cy="381000"/>
+          </a:xfrm>
+          <a:prstGeom prst="ellipse">
+            <a:avLst/>
+          </a:prstGeom>
+          <a:solidFill>
+            <a:srgbClr val="FF0000"/>
+          </a:solidFill>
+        </p:spPr>
+        <p:style>
+          <a:lnRef idx="2">
+            <a:schemeClr val="accent1">
+              <a:shade val="50000"/>
+            </a:schemeClr>
+          </a:lnRef>
+          <a:fillRef idx="1">
+            <a:schemeClr val="accent1"/>
+          </a:fillRef>
+          <a:effectRef idx="0">
+            <a:schemeClr val="accent1"/>
+          </a:effectRef>
+          <a:fontRef idx="minor">
+            <a:schemeClr val="lt1"/>
+          </a:fontRef>
+        </p:style>
+        <p:txBody>
+          <a:bodyPr rtlCol="0" anchor="ctr"/>
+          <a:lstStyle/>
+          <a:p>
+            <a:pPr algn="ctr"/>
+            <a:r>
+              <a:rPr lang="en-US" b="1" dirty="0" smtClean="0">
+                <a:solidFill>
+                  <a:schemeClr val="bg1"/>
+                </a:solidFill>
+              </a:rPr>
+              <a:t>3</a:t>
+            </a:r>
+            <a:endParaRPr lang="en-US" b="1" dirty="0">
+              <a:solidFill>
+                <a:schemeClr val="bg1"/>
+              </a:solidFill>
+            </a:endParaRPr>
+          </a:p>
+        </p:txBody>
+      </p:sp>
+      <p:sp>
+        <p:nvSpPr>
+          <p:cNvPr id="14" name="Rounded Rectangular Callout 13"/>
+          <p:cNvSpPr/>
+          <p:nvPr/>
+        </p:nvSpPr>
+        <p:spPr>
+          <a:xfrm>
+            <a:off x="6629400" y="2209800"/>
+            <a:ext cx="1143000" cy="762000"/>
+          </a:xfrm>
+          <a:prstGeom prst="wedgeRoundRectCallout">
+            <a:avLst>
+              <a:gd name="adj1" fmla="val -200211"/>
+              <a:gd name="adj2" fmla="val 177779"/>
+              <a:gd name="adj3" fmla="val 16667"/>
+            </a:avLst>
+          </a:prstGeom>
+        </p:spPr>
+        <p:style>
+          <a:lnRef idx="2">
+            <a:schemeClr val="accent1">
+              <a:shade val="50000"/>
+            </a:schemeClr>
+          </a:lnRef>
+          <a:fillRef idx="1">
+            <a:schemeClr val="accent1"/>
+          </a:fillRef>
+          <a:effectRef idx="0">
+            <a:schemeClr val="accent1"/>
+          </a:effectRef>
+          <a:fontRef idx="minor">
+            <a:schemeClr val="lt1"/>
+          </a:fontRef>
+        </p:style>
+        <p:txBody>
+          <a:bodyPr lIns="0" tIns="0" rIns="0" bIns="0" rtlCol="0" anchor="ctr"/>
+          <a:lstStyle/>
+          <a:p>
+            <a:pPr algn="ctr"/>
+            <a:r>
+              <a:rPr lang="en-US" dirty="0" smtClean="0"/>
+              <a:t>ARM </a:t>
+            </a:r>
+            <a:r>
+              <a:rPr lang="en-US" sz="1800" dirty="0" smtClean="0"/>
+              <a:t>evicts updated </a:t>
+            </a:r>
+            <a:r>
+              <a:rPr lang="en-US" dirty="0" smtClean="0"/>
+              <a:t>data</a:t>
             </a:r>
             <a:endParaRPr lang="en-US" dirty="0"/>
           </a:p>
@@ -9902,7 +12314,15 @@
             <a:pPr algn="ctr"/>
             <a:r>
               <a:rPr lang="en-US" dirty="0" smtClean="0"/>
-              <a:t>Coherence controller returns read data to EDMA</a:t>
+              <a:t>Coherence </a:t>
+            </a:r>
+            <a:r>
+              <a:rPr lang="en-US" sz="1800" dirty="0" smtClean="0"/>
+              <a:t>controller returns read data </a:t>
+            </a:r>
+            <a:r>
+              <a:rPr lang="en-US" dirty="0" smtClean="0"/>
+              <a:t>to EDMA</a:t>
             </a:r>
             <a:endParaRPr lang="en-US" dirty="0"/>
           </a:p>
@@ -9923,7 +12343,7 @@
 </p:sld>
 </file>
 
-<file path=ppt/slides/slide33.xml><?xml version="1.0" encoding="utf-8"?>
+<file path=ppt/slides/slide37.xml><?xml version="1.0" encoding="utf-8"?>
 <p:sld xmlns:a="http://schemas.openxmlformats.org/drawingml/2006/main" xmlns:r="http://schemas.openxmlformats.org/officeDocument/2006/relationships" xmlns:p="http://schemas.openxmlformats.org/presentationml/2006/main">
   <p:cSld>
     <p:spTree>
@@ -10463,494 +12883,6 @@
 </p:sld>
 </file>
 
-<file path=ppt/slides/slide34.xml><?xml version="1.0" encoding="utf-8"?>
-<p:sld xmlns:a="http://schemas.openxmlformats.org/drawingml/2006/main" xmlns:r="http://schemas.openxmlformats.org/officeDocument/2006/relationships" xmlns:p="http://schemas.openxmlformats.org/presentationml/2006/main">
-  <p:cSld>
-    <p:spTree>
-      <p:nvGrpSpPr>
-        <p:cNvPr id="1" name=""/>
-        <p:cNvGrpSpPr/>
-        <p:nvPr/>
-      </p:nvGrpSpPr>
-      <p:grpSpPr>
-        <a:xfrm>
-          <a:off x="0" y="0"/>
-          <a:ext cx="0" cy="0"/>
-          <a:chOff x="0" y="0"/>
-          <a:chExt cx="0" cy="0"/>
-        </a:xfrm>
-      </p:grpSpPr>
-      <p:sp>
-        <p:nvSpPr>
-          <p:cNvPr id="2" name="Title 1"/>
-          <p:cNvSpPr>
-            <a:spLocks noGrp="1"/>
-          </p:cNvSpPr>
-          <p:nvPr>
-            <p:ph type="title"/>
-          </p:nvPr>
-        </p:nvSpPr>
-        <p:spPr>
-          <a:xfrm>
-            <a:off x="381000" y="259080"/>
-            <a:ext cx="8229600" cy="762000"/>
-          </a:xfrm>
-        </p:spPr>
-        <p:txBody>
-          <a:bodyPr>
-            <a:normAutofit/>
-          </a:bodyPr>
-          <a:lstStyle/>
-          <a:p>
-            <a:r>
-              <a:rPr lang="en-US" sz="4000" dirty="0" smtClean="0"/>
-              <a:t>ARM CorePac: Cache and Coherency </a:t>
-            </a:r>
-            <a:endParaRPr lang="en-US" sz="4000" dirty="0"/>
-          </a:p>
-        </p:txBody>
-      </p:sp>
-      <p:sp>
-        <p:nvSpPr>
-          <p:cNvPr id="3" name="Content Placeholder 2"/>
-          <p:cNvSpPr>
-            <a:spLocks noGrp="1"/>
-          </p:cNvSpPr>
-          <p:nvPr>
-            <p:ph idx="1"/>
-          </p:nvPr>
-        </p:nvSpPr>
-        <p:spPr>
-          <a:xfrm>
-            <a:off x="337285" y="1470660"/>
-            <a:ext cx="8402855" cy="4191000"/>
-          </a:xfrm>
-        </p:spPr>
-        <p:txBody>
-          <a:bodyPr>
-            <a:normAutofit/>
-          </a:bodyPr>
-          <a:lstStyle/>
-          <a:p>
-            <a:r>
-              <a:rPr lang="en-US" sz="2200" dirty="0" smtClean="0"/>
-              <a:t>L1 to L2 cache coherency based on SCU (Snoop Control Unit) algorithm.</a:t>
-            </a:r>
-          </a:p>
-          <a:p>
-            <a:r>
-              <a:rPr lang="en-US" sz="2200" dirty="0" smtClean="0"/>
-              <a:t>Unified L2 Cache coherency for external (to the CorePac) memory and IO; Based on snooping cache coherency protocol. </a:t>
-            </a:r>
-          </a:p>
-          <a:p>
-            <a:pPr lvl="1"/>
-            <a:r>
-              <a:rPr lang="en-US" sz="2200" dirty="0" smtClean="0"/>
-              <a:t>Between ARM cache and DDR3A</a:t>
-            </a:r>
-          </a:p>
-          <a:p>
-            <a:pPr lvl="1"/>
-            <a:r>
-              <a:rPr lang="en-US" sz="2200" dirty="0" smtClean="0"/>
-              <a:t>Between ARM cache and MSMC SRAM (on-chip scratch memory)</a:t>
-            </a:r>
-          </a:p>
-          <a:p>
-            <a:pPr lvl="1"/>
-            <a:r>
-              <a:rPr lang="en-US" sz="2200" dirty="0" smtClean="0"/>
-              <a:t>No IO or DDRB coherency supported by the hardware. </a:t>
-            </a:r>
-          </a:p>
-        </p:txBody>
-      </p:sp>
-    </p:spTree>
-    <p:custDataLst>
-      <p:tags r:id="rId1"/>
-    </p:custDataLst>
-  </p:cSld>
-  <p:clrMapOvr>
-    <a:masterClrMapping/>
-  </p:clrMapOvr>
-  <p:timing>
-    <p:tnLst>
-      <p:par>
-        <p:cTn id="1" dur="indefinite" restart="never" nodeType="tmRoot"/>
-      </p:par>
-    </p:tnLst>
-  </p:timing>
-</p:sld>
-</file>
-
-<file path=ppt/slides/slide35.xml><?xml version="1.0" encoding="utf-8"?>
-<p:sld xmlns:a="http://schemas.openxmlformats.org/drawingml/2006/main" xmlns:r="http://schemas.openxmlformats.org/officeDocument/2006/relationships" xmlns:p="http://schemas.openxmlformats.org/presentationml/2006/main">
-  <p:cSld>
-    <p:spTree>
-      <p:nvGrpSpPr>
-        <p:cNvPr id="1" name=""/>
-        <p:cNvGrpSpPr/>
-        <p:nvPr/>
-      </p:nvGrpSpPr>
-      <p:grpSpPr>
-        <a:xfrm>
-          <a:off x="0" y="0"/>
-          <a:ext cx="0" cy="0"/>
-          <a:chOff x="0" y="0"/>
-          <a:chExt cx="0" cy="0"/>
-        </a:xfrm>
-      </p:grpSpPr>
-      <p:sp>
-        <p:nvSpPr>
-          <p:cNvPr id="2" name="Title 1"/>
-          <p:cNvSpPr>
-            <a:spLocks noGrp="1"/>
-          </p:cNvSpPr>
-          <p:nvPr>
-            <p:ph type="title"/>
-          </p:nvPr>
-        </p:nvSpPr>
-        <p:spPr>
-          <a:xfrm>
-            <a:off x="457200" y="381000"/>
-            <a:ext cx="8229600" cy="762000"/>
-          </a:xfrm>
-        </p:spPr>
-        <p:txBody>
-          <a:bodyPr>
-            <a:normAutofit/>
-          </a:bodyPr>
-          <a:lstStyle/>
-          <a:p>
-            <a:r>
-              <a:rPr lang="en-US" sz="4000" dirty="0" smtClean="0"/>
-              <a:t>Error Correction and Latency</a:t>
-            </a:r>
-            <a:endParaRPr lang="en-US" sz="4000" dirty="0"/>
-          </a:p>
-        </p:txBody>
-      </p:sp>
-      <p:sp>
-        <p:nvSpPr>
-          <p:cNvPr id="3" name="Content Placeholder 2"/>
-          <p:cNvSpPr>
-            <a:spLocks noGrp="1"/>
-          </p:cNvSpPr>
-          <p:nvPr>
-            <p:ph idx="1"/>
-          </p:nvPr>
-        </p:nvSpPr>
-        <p:spPr>
-          <a:xfrm>
-            <a:off x="381000" y="1371600"/>
-            <a:ext cx="8402855" cy="4572000"/>
-          </a:xfrm>
-        </p:spPr>
-        <p:txBody>
-          <a:bodyPr>
-            <a:normAutofit/>
-          </a:bodyPr>
-          <a:lstStyle/>
-          <a:p>
-            <a:r>
-              <a:rPr lang="en-US" sz="2200" dirty="0" smtClean="0"/>
-              <a:t>32KB L1 cache program, 32KB L1 cache data</a:t>
-            </a:r>
-          </a:p>
-          <a:p>
-            <a:r>
-              <a:rPr lang="en-US" sz="2200" dirty="0" smtClean="0"/>
-              <a:t>Large L2 cache (4MB, 16-way set associative)</a:t>
-            </a:r>
-          </a:p>
-          <a:p>
-            <a:pPr lvl="1"/>
-            <a:r>
-              <a:rPr lang="en-US" sz="2200" dirty="0" smtClean="0"/>
-              <a:t>1MB, 16-way set associative in some variants</a:t>
-            </a:r>
-          </a:p>
-          <a:p>
-            <a:r>
-              <a:rPr lang="en-US" sz="2200" dirty="0" smtClean="0"/>
-              <a:t>Internal and external memory Error Correction Code (ECC)</a:t>
-            </a:r>
-          </a:p>
-          <a:p>
-            <a:pPr lvl="1"/>
-            <a:r>
-              <a:rPr lang="en-US" sz="2200" dirty="0" smtClean="0"/>
-              <a:t>1 bit error correct, 2 bits error detect</a:t>
-            </a:r>
-          </a:p>
-          <a:p>
-            <a:r>
-              <a:rPr lang="en-US" sz="2200" dirty="0" smtClean="0"/>
-              <a:t>L1 hit – 4 cycles latency (4 stage load pipeline, can be hidden)</a:t>
-            </a:r>
-          </a:p>
-          <a:p>
-            <a:r>
-              <a:rPr lang="en-US" sz="2200" dirty="0" smtClean="0"/>
-              <a:t>L1 miss, L2 hit – 20 cycles (4MB) or less (16 cycles 1MB)</a:t>
-            </a:r>
-          </a:p>
-          <a:p>
-            <a:r>
-              <a:rPr lang="en-US" sz="2200" dirty="0" smtClean="0"/>
-              <a:t>L2 miss MSMC SRAM  - ~50 cycles</a:t>
-            </a:r>
-          </a:p>
-          <a:p>
-            <a:r>
-              <a:rPr lang="en-US" sz="2200" dirty="0" smtClean="0"/>
-              <a:t>L2 miss DDRA memory ~100ns (~140 cycles) if DDR page is open</a:t>
-            </a:r>
-            <a:endParaRPr lang="en-US" sz="1800" dirty="0" smtClean="0"/>
-          </a:p>
-        </p:txBody>
-      </p:sp>
-    </p:spTree>
-    <p:custDataLst>
-      <p:tags r:id="rId1"/>
-    </p:custDataLst>
-  </p:cSld>
-  <p:clrMapOvr>
-    <a:masterClrMapping/>
-  </p:clrMapOvr>
-  <p:timing>
-    <p:tnLst>
-      <p:par>
-        <p:cTn id="1" dur="indefinite" restart="never" nodeType="tmRoot"/>
-      </p:par>
-    </p:tnLst>
-  </p:timing>
-</p:sld>
-</file>
-
-<file path=ppt/slides/slide36.xml><?xml version="1.0" encoding="utf-8"?>
-<p:sld xmlns:a="http://schemas.openxmlformats.org/drawingml/2006/main" xmlns:r="http://schemas.openxmlformats.org/officeDocument/2006/relationships" xmlns:p="http://schemas.openxmlformats.org/presentationml/2006/main">
-  <p:cSld>
-    <p:spTree>
-      <p:nvGrpSpPr>
-        <p:cNvPr id="1" name=""/>
-        <p:cNvGrpSpPr/>
-        <p:nvPr/>
-      </p:nvGrpSpPr>
-      <p:grpSpPr>
-        <a:xfrm>
-          <a:off x="0" y="0"/>
-          <a:ext cx="0" cy="0"/>
-          <a:chOff x="0" y="0"/>
-          <a:chExt cx="0" cy="0"/>
-        </a:xfrm>
-      </p:grpSpPr>
-      <p:sp>
-        <p:nvSpPr>
-          <p:cNvPr id="2" name="Title 1"/>
-          <p:cNvSpPr>
-            <a:spLocks noGrp="1"/>
-          </p:cNvSpPr>
-          <p:nvPr>
-            <p:ph type="title"/>
-          </p:nvPr>
-        </p:nvSpPr>
-        <p:spPr>
-          <a:xfrm>
-            <a:off x="457200" y="381000"/>
-            <a:ext cx="8229600" cy="762000"/>
-          </a:xfrm>
-        </p:spPr>
-        <p:txBody>
-          <a:bodyPr>
-            <a:normAutofit/>
-          </a:bodyPr>
-          <a:lstStyle/>
-          <a:p>
-            <a:r>
-              <a:rPr lang="en-US" sz="4000" dirty="0" smtClean="0"/>
-              <a:t>Reliability</a:t>
-            </a:r>
-            <a:endParaRPr lang="en-US" sz="4000" dirty="0"/>
-          </a:p>
-        </p:txBody>
-      </p:sp>
-      <p:sp>
-        <p:nvSpPr>
-          <p:cNvPr id="3" name="Content Placeholder 2"/>
-          <p:cNvSpPr>
-            <a:spLocks noGrp="1"/>
-          </p:cNvSpPr>
-          <p:nvPr>
-            <p:ph idx="1"/>
-          </p:nvPr>
-        </p:nvSpPr>
-        <p:spPr>
-          <a:xfrm>
-            <a:off x="381000" y="1676400"/>
-            <a:ext cx="8402855" cy="2667000"/>
-          </a:xfrm>
-        </p:spPr>
-        <p:txBody>
-          <a:bodyPr>
-            <a:normAutofit/>
-          </a:bodyPr>
-          <a:lstStyle/>
-          <a:p>
-            <a:pPr marL="0" indent="0">
-              <a:buNone/>
-            </a:pPr>
-            <a:r>
-              <a:rPr lang="en-US" dirty="0" smtClean="0"/>
-              <a:t>The KeyStone II ARM A15 CorePac is designed for high-reliability embedded applications;</a:t>
-            </a:r>
-            <a:br>
-              <a:rPr lang="en-US" dirty="0" smtClean="0"/>
-            </a:br>
-            <a:r>
-              <a:rPr lang="en-US" dirty="0" smtClean="0"/>
-              <a:t>100k power-on hours at 105C</a:t>
-            </a:r>
-            <a:r>
-              <a:rPr lang="en-US" sz="1800" dirty="0" smtClean="0"/>
-              <a:t>.</a:t>
-            </a:r>
-            <a:endParaRPr lang="en-US" dirty="0" smtClean="0"/>
-          </a:p>
-        </p:txBody>
-      </p:sp>
-    </p:spTree>
-    <p:custDataLst>
-      <p:tags r:id="rId1"/>
-    </p:custDataLst>
-  </p:cSld>
-  <p:clrMapOvr>
-    <a:masterClrMapping/>
-  </p:clrMapOvr>
-  <p:timing>
-    <p:tnLst>
-      <p:par>
-        <p:cTn id="1" dur="indefinite" restart="never" nodeType="tmRoot"/>
-      </p:par>
-    </p:tnLst>
-  </p:timing>
-</p:sld>
-</file>
-
-<file path=ppt/slides/slide37.xml><?xml version="1.0" encoding="utf-8"?>
-<p:sld xmlns:a="http://schemas.openxmlformats.org/drawingml/2006/main" xmlns:r="http://schemas.openxmlformats.org/officeDocument/2006/relationships" xmlns:p="http://schemas.openxmlformats.org/presentationml/2006/main">
-  <p:cSld>
-    <p:spTree>
-      <p:nvGrpSpPr>
-        <p:cNvPr id="1" name=""/>
-        <p:cNvGrpSpPr/>
-        <p:nvPr/>
-      </p:nvGrpSpPr>
-      <p:grpSpPr>
-        <a:xfrm>
-          <a:off x="0" y="0"/>
-          <a:ext cx="0" cy="0"/>
-          <a:chOff x="0" y="0"/>
-          <a:chExt cx="0" cy="0"/>
-        </a:xfrm>
-      </p:grpSpPr>
-      <p:sp>
-        <p:nvSpPr>
-          <p:cNvPr id="2" name="Title 1"/>
-          <p:cNvSpPr>
-            <a:spLocks noGrp="1"/>
-          </p:cNvSpPr>
-          <p:nvPr>
-            <p:ph type="title"/>
-          </p:nvPr>
-        </p:nvSpPr>
-        <p:spPr/>
-        <p:txBody>
-          <a:bodyPr>
-            <a:normAutofit/>
-          </a:bodyPr>
-          <a:lstStyle/>
-          <a:p>
-            <a:r>
-              <a:rPr lang="en-US" sz="4000" dirty="0" smtClean="0"/>
-              <a:t>Benchmarks</a:t>
-            </a:r>
-            <a:endParaRPr lang="en-US" sz="4000" dirty="0"/>
-          </a:p>
-        </p:txBody>
-      </p:sp>
-      <p:sp>
-        <p:nvSpPr>
-          <p:cNvPr id="3" name="Content Placeholder 2"/>
-          <p:cNvSpPr>
-            <a:spLocks noGrp="1"/>
-          </p:cNvSpPr>
-          <p:nvPr>
-            <p:ph idx="1"/>
-          </p:nvPr>
-        </p:nvSpPr>
-        <p:spPr/>
-        <p:txBody>
-          <a:bodyPr>
-            <a:normAutofit/>
-          </a:bodyPr>
-          <a:lstStyle/>
-          <a:p>
-            <a:r>
-              <a:rPr lang="en-US" dirty="0" smtClean="0"/>
-              <a:t>ARM CorePac in KeyStone II</a:t>
-            </a:r>
-          </a:p>
-          <a:p>
-            <a:r>
-              <a:rPr lang="en-US" dirty="0" smtClean="0"/>
-              <a:t>ARM Cortex A-15 Features</a:t>
-            </a:r>
-          </a:p>
-          <a:p>
-            <a:r>
-              <a:rPr lang="en-US" dirty="0" smtClean="0"/>
-              <a:t>Interface to the SOC and Coherency Issues</a:t>
-            </a:r>
-          </a:p>
-          <a:p>
-            <a:r>
-              <a:rPr lang="en-US" b="1" dirty="0" smtClean="0"/>
-              <a:t>Benchmarks</a:t>
-            </a:r>
-          </a:p>
-          <a:p>
-            <a:r>
-              <a:rPr lang="en-US" dirty="0" smtClean="0"/>
-              <a:t>Interrupt Controller</a:t>
-            </a:r>
-          </a:p>
-          <a:p>
-            <a:r>
-              <a:rPr lang="en-US" dirty="0" smtClean="0"/>
-              <a:t>Power Management</a:t>
-            </a:r>
-          </a:p>
-          <a:p>
-            <a:r>
-              <a:rPr lang="en-US" dirty="0" smtClean="0"/>
-              <a:t>Debug and Trace</a:t>
-            </a:r>
-          </a:p>
-          <a:p>
-            <a:endParaRPr lang="en-US" dirty="0"/>
-          </a:p>
-        </p:txBody>
-      </p:sp>
-    </p:spTree>
-  </p:cSld>
-  <p:clrMapOvr>
-    <a:masterClrMapping/>
-  </p:clrMapOvr>
-</p:sld>
-</file>
-
 <file path=ppt/slides/slide38.xml><?xml version="1.0" encoding="utf-8"?>
 <p:sld xmlns:a="http://schemas.openxmlformats.org/drawingml/2006/main" xmlns:r="http://schemas.openxmlformats.org/officeDocument/2006/relationships" xmlns:p="http://schemas.openxmlformats.org/presentationml/2006/main">
   <p:cSld>
@@ -10980,7 +12912,7 @@
         </p:nvSpPr>
         <p:spPr>
           <a:xfrm>
-            <a:off x="411480" y="190500"/>
+            <a:off x="381000" y="259080"/>
             <a:ext cx="8229600" cy="762000"/>
           </a:xfrm>
         </p:spPr>
@@ -10992,7 +12924,7 @@
           <a:p>
             <a:r>
               <a:rPr lang="en-US" sz="4000" dirty="0" smtClean="0"/>
-              <a:t>Benchmarks Overview</a:t>
+              <a:t>ARM CorePac: Cache and Coherency </a:t>
             </a:r>
             <a:endParaRPr lang="en-US" sz="4000" dirty="0"/>
           </a:p>
@@ -11010,8 +12942,8 @@
         </p:nvSpPr>
         <p:spPr>
           <a:xfrm>
-            <a:off x="375385" y="1264920"/>
-            <a:ext cx="8402855" cy="4572000"/>
+            <a:off x="337285" y="1470660"/>
+            <a:ext cx="8402855" cy="4191000"/>
           </a:xfrm>
         </p:spPr>
         <p:txBody>
@@ -11021,39 +12953,36 @@
           <a:lstStyle/>
           <a:p>
             <a:r>
-              <a:rPr lang="en-US" sz="2400" dirty="0" smtClean="0"/>
-              <a:t>Dhrystone, DMIPS/MHz, CPU core and L1 only:</a:t>
+              <a:rPr lang="en-US" sz="2200" dirty="0" smtClean="0"/>
+              <a:t>L1 to L2 cache coherency based on SCU (Snoop Control Unit) algorithm.</a:t>
+            </a:r>
+          </a:p>
+          <a:p>
+            <a:r>
+              <a:rPr lang="en-US" sz="2200" dirty="0" smtClean="0"/>
+              <a:t>Unified L2 Cache coherency for external (to the CorePac) memory and IO; Based on snooping cache coherency protocol. </a:t>
             </a:r>
           </a:p>
           <a:p>
             <a:pPr lvl="1"/>
             <a:r>
-              <a:rPr lang="en-US" sz="2400" dirty="0" smtClean="0"/>
-              <a:t>3.5 DMIPS/MHz (highly dependant on compiler)</a:t>
+              <a:rPr lang="en-US" sz="2200" dirty="0" smtClean="0"/>
+              <a:t>Between ARM cache and DDR3A</a:t>
             </a:r>
           </a:p>
           <a:p>
             <a:pPr lvl="1"/>
             <a:r>
-              <a:rPr lang="en-US" sz="2400" dirty="0" smtClean="0"/>
-              <a:t>19600 DMIPS with KeyStone II Quad-ARM CorePac at 1.4GHz</a:t>
-            </a:r>
-          </a:p>
-          <a:p>
-            <a:r>
-              <a:rPr lang="en-US" sz="2400" dirty="0" smtClean="0"/>
-              <a:t>Floating point:</a:t>
+              <a:rPr lang="en-US" sz="2200" dirty="0" smtClean="0"/>
+              <a:t>Between ARM cache and MSMC SRAM (on-chip scratch memory)</a:t>
             </a:r>
           </a:p>
           <a:p>
             <a:pPr lvl="1"/>
             <a:r>
-              <a:rPr lang="en-US" sz="2400" dirty="0" smtClean="0"/>
-              <a:t>Quad single-precision IEEE-754 FMAC per cycle</a:t>
-            </a:r>
-          </a:p>
-          <a:p>
-            <a:endParaRPr lang="en-US" sz="1800" dirty="0" smtClean="0"/>
+              <a:rPr lang="en-US" sz="2200" dirty="0" smtClean="0"/>
+              <a:t>No IO or DDRB coherency supported by the hardware. </a:t>
+            </a:r>
           </a:p>
         </p:txBody>
       </p:sp>
@@ -11076,6 +13005,749 @@
 </file>
 
 <file path=ppt/slides/slide39.xml><?xml version="1.0" encoding="utf-8"?>
+<p:sld xmlns:a="http://schemas.openxmlformats.org/drawingml/2006/main" xmlns:r="http://schemas.openxmlformats.org/officeDocument/2006/relationships" xmlns:p="http://schemas.openxmlformats.org/presentationml/2006/main">
+  <p:cSld>
+    <p:spTree>
+      <p:nvGrpSpPr>
+        <p:cNvPr id="1" name=""/>
+        <p:cNvGrpSpPr/>
+        <p:nvPr/>
+      </p:nvGrpSpPr>
+      <p:grpSpPr>
+        <a:xfrm>
+          <a:off x="0" y="0"/>
+          <a:ext cx="0" cy="0"/>
+          <a:chOff x="0" y="0"/>
+          <a:chExt cx="0" cy="0"/>
+        </a:xfrm>
+      </p:grpSpPr>
+      <p:sp>
+        <p:nvSpPr>
+          <p:cNvPr id="2" name="Title 1"/>
+          <p:cNvSpPr>
+            <a:spLocks noGrp="1"/>
+          </p:cNvSpPr>
+          <p:nvPr>
+            <p:ph type="title"/>
+          </p:nvPr>
+        </p:nvSpPr>
+        <p:spPr>
+          <a:xfrm>
+            <a:off x="457200" y="381000"/>
+            <a:ext cx="8229600" cy="762000"/>
+          </a:xfrm>
+        </p:spPr>
+        <p:txBody>
+          <a:bodyPr>
+            <a:normAutofit/>
+          </a:bodyPr>
+          <a:lstStyle/>
+          <a:p>
+            <a:r>
+              <a:rPr lang="en-US" sz="4000" dirty="0" smtClean="0"/>
+              <a:t>Error Correction and Latency</a:t>
+            </a:r>
+            <a:endParaRPr lang="en-US" sz="4000" dirty="0"/>
+          </a:p>
+        </p:txBody>
+      </p:sp>
+      <p:sp>
+        <p:nvSpPr>
+          <p:cNvPr id="3" name="Content Placeholder 2"/>
+          <p:cNvSpPr>
+            <a:spLocks noGrp="1"/>
+          </p:cNvSpPr>
+          <p:nvPr>
+            <p:ph idx="1"/>
+          </p:nvPr>
+        </p:nvSpPr>
+        <p:spPr>
+          <a:xfrm>
+            <a:off x="381000" y="1371600"/>
+            <a:ext cx="8402855" cy="4572000"/>
+          </a:xfrm>
+        </p:spPr>
+        <p:txBody>
+          <a:bodyPr>
+            <a:normAutofit/>
+          </a:bodyPr>
+          <a:lstStyle/>
+          <a:p>
+            <a:r>
+              <a:rPr lang="en-US" sz="2200" dirty="0" smtClean="0"/>
+              <a:t>32KB L1 cache program, 32KB L1 cache data</a:t>
+            </a:r>
+          </a:p>
+          <a:p>
+            <a:r>
+              <a:rPr lang="en-US" sz="2200" dirty="0" smtClean="0"/>
+              <a:t>Large L2 cache (4MB, 16-way set associative)</a:t>
+            </a:r>
+          </a:p>
+          <a:p>
+            <a:pPr lvl="1"/>
+            <a:r>
+              <a:rPr lang="en-US" sz="2200" dirty="0" smtClean="0"/>
+              <a:t>1MB, 16-way set associative in some variants</a:t>
+            </a:r>
+          </a:p>
+          <a:p>
+            <a:r>
+              <a:rPr lang="en-US" sz="2200" dirty="0" smtClean="0"/>
+              <a:t>Internal and external memory Error Correction Code (ECC)</a:t>
+            </a:r>
+          </a:p>
+          <a:p>
+            <a:pPr lvl="1"/>
+            <a:r>
+              <a:rPr lang="en-US" sz="2200" dirty="0" smtClean="0"/>
+              <a:t>1 bit error correct, 2 bits error detect</a:t>
+            </a:r>
+          </a:p>
+          <a:p>
+            <a:r>
+              <a:rPr lang="en-US" sz="2200" dirty="0" smtClean="0"/>
+              <a:t>L1 hit – 4 cycles latency (4 stage load pipeline, can be hidden)</a:t>
+            </a:r>
+          </a:p>
+          <a:p>
+            <a:r>
+              <a:rPr lang="en-US" sz="2200" dirty="0" smtClean="0"/>
+              <a:t>L1 miss, L2 hit – 20 cycles (4MB) or less (16 cycles 1MB)</a:t>
+            </a:r>
+          </a:p>
+          <a:p>
+            <a:r>
+              <a:rPr lang="en-US" sz="2200" dirty="0" smtClean="0"/>
+              <a:t>L2 miss MSMC SRAM  - ~50 cycles</a:t>
+            </a:r>
+          </a:p>
+          <a:p>
+            <a:r>
+              <a:rPr lang="en-US" sz="2200" dirty="0" smtClean="0"/>
+              <a:t>L2 miss DDRA memory ~100ns (~140 cycles) if DDR page is open</a:t>
+            </a:r>
+            <a:endParaRPr lang="en-US" sz="1800" dirty="0" smtClean="0"/>
+          </a:p>
+        </p:txBody>
+      </p:sp>
+    </p:spTree>
+    <p:custDataLst>
+      <p:tags r:id="rId1"/>
+    </p:custDataLst>
+  </p:cSld>
+  <p:clrMapOvr>
+    <a:masterClrMapping/>
+  </p:clrMapOvr>
+  <p:timing>
+    <p:tnLst>
+      <p:par>
+        <p:cTn id="1" dur="indefinite" restart="never" nodeType="tmRoot"/>
+      </p:par>
+    </p:tnLst>
+  </p:timing>
+</p:sld>
+</file>
+
+<file path=ppt/slides/slide4.xml><?xml version="1.0" encoding="utf-8"?>
+<p:sld xmlns:a="http://schemas.openxmlformats.org/drawingml/2006/main" xmlns:r="http://schemas.openxmlformats.org/officeDocument/2006/relationships" xmlns:p="http://schemas.openxmlformats.org/presentationml/2006/main">
+  <p:cSld>
+    <p:spTree>
+      <p:nvGrpSpPr>
+        <p:cNvPr id="1" name=""/>
+        <p:cNvGrpSpPr/>
+        <p:nvPr/>
+      </p:nvGrpSpPr>
+      <p:grpSpPr>
+        <a:xfrm>
+          <a:off x="0" y="0"/>
+          <a:ext cx="0" cy="0"/>
+          <a:chOff x="0" y="0"/>
+          <a:chExt cx="0" cy="0"/>
+        </a:xfrm>
+      </p:grpSpPr>
+      <p:sp>
+        <p:nvSpPr>
+          <p:cNvPr id="51202" name="TextBox 825"/>
+          <p:cNvSpPr txBox="1">
+            <a:spLocks noChangeArrowheads="1"/>
+          </p:cNvSpPr>
+          <p:nvPr/>
+        </p:nvSpPr>
+        <p:spPr bwMode="auto">
+          <a:xfrm>
+            <a:off x="341313" y="993775"/>
+            <a:ext cx="2293937" cy="685800"/>
+          </a:xfrm>
+          <a:prstGeom prst="rect">
+            <a:avLst/>
+          </a:prstGeom>
+          <a:solidFill>
+            <a:schemeClr val="bg1"/>
+          </a:solidFill>
+          <a:ln w="9525">
+            <a:noFill/>
+            <a:miter lim="800000"/>
+            <a:headEnd/>
+            <a:tailEnd/>
+          </a:ln>
+        </p:spPr>
+        <p:txBody>
+          <a:bodyPr/>
+          <a:lstStyle/>
+          <a:p>
+            <a:pPr algn="l" eaLnBrk="0" hangingPunct="0"/>
+            <a:endParaRPr lang="en-US" sz="1800" dirty="0">
+              <a:solidFill>
+                <a:srgbClr val="000000"/>
+              </a:solidFill>
+            </a:endParaRPr>
+          </a:p>
+        </p:txBody>
+      </p:sp>
+      <p:sp>
+        <p:nvSpPr>
+          <p:cNvPr id="51204" name="Rectangle 4"/>
+          <p:cNvSpPr>
+            <a:spLocks noGrp="1" noChangeArrowheads="1"/>
+          </p:cNvSpPr>
+          <p:nvPr>
+            <p:ph type="title" idx="4294967295"/>
+          </p:nvPr>
+        </p:nvSpPr>
+        <p:spPr>
+          <a:xfrm>
+            <a:off x="435784" y="76200"/>
+            <a:ext cx="8229600" cy="762000"/>
+          </a:xfrm>
+        </p:spPr>
+        <p:txBody>
+          <a:bodyPr/>
+          <a:lstStyle/>
+          <a:p>
+            <a:r>
+              <a:rPr lang="en-US" b="0" dirty="0" smtClean="0"/>
+              <a:t> </a:t>
+            </a:r>
+            <a:r>
+              <a:rPr lang="en-US" sz="4000" dirty="0" smtClean="0"/>
+              <a:t>KeyStone II and ARM CorePac</a:t>
+            </a:r>
+          </a:p>
+        </p:txBody>
+      </p:sp>
+      <p:sp>
+        <p:nvSpPr>
+          <p:cNvPr id="51205" name="Rectangle 171"/>
+          <p:cNvSpPr>
+            <a:spLocks noGrp="1" noChangeArrowheads="1"/>
+          </p:cNvSpPr>
+          <p:nvPr>
+            <p:ph type="body" sz="half" idx="4294967295"/>
+          </p:nvPr>
+        </p:nvSpPr>
+        <p:spPr>
+          <a:xfrm>
+            <a:off x="5400672" y="992147"/>
+            <a:ext cx="3743328" cy="4862513"/>
+          </a:xfrm>
+        </p:spPr>
+        <p:txBody>
+          <a:bodyPr/>
+          <a:lstStyle/>
+          <a:p>
+            <a:pPr marL="227013" indent="-227013" eaLnBrk="1" hangingPunct="1">
+              <a:spcBef>
+                <a:spcPct val="0"/>
+              </a:spcBef>
+              <a:spcAft>
+                <a:spcPct val="10000"/>
+              </a:spcAft>
+            </a:pPr>
+            <a:r>
+              <a:rPr lang="en-US" sz="2000" dirty="0" smtClean="0"/>
+              <a:t>Single, Dual, or Quad-ARM Cortex A15 CorePac operating at up to 1.4 GHz.</a:t>
+            </a:r>
+          </a:p>
+          <a:p>
+            <a:pPr marL="227013" indent="-227013" eaLnBrk="1" hangingPunct="1">
+              <a:spcBef>
+                <a:spcPct val="0"/>
+              </a:spcBef>
+              <a:spcAft>
+                <a:spcPct val="10000"/>
+              </a:spcAft>
+            </a:pPr>
+            <a:r>
+              <a:rPr lang="en-US" sz="2000" dirty="0" smtClean="0"/>
+              <a:t>L1 Memory: 32KB L1 Data cache 32KB L1 Program Cache</a:t>
+            </a:r>
+          </a:p>
+          <a:p>
+            <a:pPr marL="227013" indent="-227013" eaLnBrk="1" hangingPunct="1">
+              <a:spcBef>
+                <a:spcPct val="0"/>
+              </a:spcBef>
+              <a:spcAft>
+                <a:spcPct val="10000"/>
+              </a:spcAft>
+            </a:pPr>
+            <a:r>
+              <a:rPr lang="en-US" sz="2000" dirty="0" smtClean="0"/>
+              <a:t>Up to 128-bit access</a:t>
+            </a:r>
+          </a:p>
+          <a:p>
+            <a:pPr marL="227013" indent="-227013" eaLnBrk="1" hangingPunct="1">
+              <a:spcBef>
+                <a:spcPct val="0"/>
+              </a:spcBef>
+              <a:spcAft>
+                <a:spcPct val="10000"/>
+              </a:spcAft>
+            </a:pPr>
+            <a:r>
+              <a:rPr lang="en-US" sz="2000" dirty="0" smtClean="0"/>
+              <a:t>64 bytes L1 D cache line (up to 6 outstanding requests)</a:t>
+            </a:r>
+          </a:p>
+          <a:p>
+            <a:pPr marL="227013" lvl="1" indent="-227013" eaLnBrk="1" hangingPunct="1">
+              <a:spcBef>
+                <a:spcPct val="0"/>
+              </a:spcBef>
+              <a:spcAft>
+                <a:spcPct val="10000"/>
+              </a:spcAft>
+              <a:buFont typeface="Arial" pitchFamily="34" charset="0"/>
+              <a:buChar char="•"/>
+            </a:pPr>
+            <a:r>
+              <a:rPr lang="en-US" sz="2000" dirty="0" smtClean="0">
+                <a:ea typeface="+mn-ea"/>
+                <a:cs typeface="+mn-cs"/>
+              </a:rPr>
+              <a:t>L2 Memory:  </a:t>
+            </a:r>
+            <a:r>
+              <a:rPr lang="en-US" sz="2000" dirty="0" smtClean="0"/>
+              <a:t>4 MB L2 Cache is shared between the 1 to 4 ARM A-15 core(s) (4 tag bank, 4 data bank each)</a:t>
+            </a:r>
+          </a:p>
+          <a:p>
+            <a:pPr marL="227013" indent="-227013" eaLnBrk="1" hangingPunct="1">
+              <a:spcBef>
+                <a:spcPct val="0"/>
+              </a:spcBef>
+              <a:spcAft>
+                <a:spcPct val="10000"/>
+              </a:spcAft>
+            </a:pPr>
+            <a:r>
+              <a:rPr lang="en-US" sz="2000" dirty="0" smtClean="0"/>
+              <a:t>64 bytes cache line</a:t>
+            </a:r>
+          </a:p>
+        </p:txBody>
+      </p:sp>
+      <p:pic>
+        <p:nvPicPr>
+          <p:cNvPr id="7" name="Picture 6" descr="Func Diagram KII P02.bmp"/>
+          <p:cNvPicPr>
+            <a:picLocks noChangeAspect="1"/>
+          </p:cNvPicPr>
+          <p:nvPr>
+            <p:custDataLst>
+              <p:tags r:id="rId2"/>
+            </p:custDataLst>
+          </p:nvPr>
+        </p:nvPicPr>
+        <p:blipFill>
+          <a:blip r:embed="rId5" cstate="print"/>
+          <a:stretch>
+            <a:fillRect/>
+          </a:stretch>
+        </p:blipFill>
+        <p:spPr>
+          <a:xfrm>
+            <a:off x="0" y="1013614"/>
+            <a:ext cx="5337059" cy="5446787"/>
+          </a:xfrm>
+          <a:prstGeom prst="rect">
+            <a:avLst/>
+          </a:prstGeom>
+        </p:spPr>
+      </p:pic>
+    </p:spTree>
+    <p:custDataLst>
+      <p:tags r:id="rId1"/>
+    </p:custDataLst>
+    <p:extLst>
+      <p:ext uri="{BB962C8B-B14F-4D97-AF65-F5344CB8AC3E}">
+        <p14:creationId xmlns:p14="http://schemas.microsoft.com/office/powerpoint/2010/main" xmlns="" val="3469200570"/>
+      </p:ext>
+    </p:extLst>
+  </p:cSld>
+  <p:clrMapOvr>
+    <a:masterClrMapping/>
+  </p:clrMapOvr>
+  <p:timing>
+    <p:tnLst>
+      <p:par>
+        <p:cTn id="1" dur="indefinite" restart="never" nodeType="tmRoot"/>
+      </p:par>
+    </p:tnLst>
+  </p:timing>
+</p:sld>
+</file>
+
+<file path=ppt/slides/slide40.xml><?xml version="1.0" encoding="utf-8"?>
+<p:sld xmlns:a="http://schemas.openxmlformats.org/drawingml/2006/main" xmlns:r="http://schemas.openxmlformats.org/officeDocument/2006/relationships" xmlns:p="http://schemas.openxmlformats.org/presentationml/2006/main">
+  <p:cSld>
+    <p:spTree>
+      <p:nvGrpSpPr>
+        <p:cNvPr id="1" name=""/>
+        <p:cNvGrpSpPr/>
+        <p:nvPr/>
+      </p:nvGrpSpPr>
+      <p:grpSpPr>
+        <a:xfrm>
+          <a:off x="0" y="0"/>
+          <a:ext cx="0" cy="0"/>
+          <a:chOff x="0" y="0"/>
+          <a:chExt cx="0" cy="0"/>
+        </a:xfrm>
+      </p:grpSpPr>
+      <p:sp>
+        <p:nvSpPr>
+          <p:cNvPr id="2" name="Title 1"/>
+          <p:cNvSpPr>
+            <a:spLocks noGrp="1"/>
+          </p:cNvSpPr>
+          <p:nvPr>
+            <p:ph type="title"/>
+          </p:nvPr>
+        </p:nvSpPr>
+        <p:spPr>
+          <a:xfrm>
+            <a:off x="457200" y="381000"/>
+            <a:ext cx="8229600" cy="762000"/>
+          </a:xfrm>
+        </p:spPr>
+        <p:txBody>
+          <a:bodyPr>
+            <a:normAutofit/>
+          </a:bodyPr>
+          <a:lstStyle/>
+          <a:p>
+            <a:r>
+              <a:rPr lang="en-US" sz="4000" dirty="0" smtClean="0"/>
+              <a:t>Reliability</a:t>
+            </a:r>
+            <a:endParaRPr lang="en-US" sz="4000" dirty="0"/>
+          </a:p>
+        </p:txBody>
+      </p:sp>
+      <p:sp>
+        <p:nvSpPr>
+          <p:cNvPr id="3" name="Content Placeholder 2"/>
+          <p:cNvSpPr>
+            <a:spLocks noGrp="1"/>
+          </p:cNvSpPr>
+          <p:nvPr>
+            <p:ph idx="1"/>
+          </p:nvPr>
+        </p:nvSpPr>
+        <p:spPr>
+          <a:xfrm>
+            <a:off x="381000" y="1676400"/>
+            <a:ext cx="8402855" cy="2667000"/>
+          </a:xfrm>
+        </p:spPr>
+        <p:txBody>
+          <a:bodyPr>
+            <a:normAutofit/>
+          </a:bodyPr>
+          <a:lstStyle/>
+          <a:p>
+            <a:pPr marL="0" indent="0">
+              <a:buNone/>
+            </a:pPr>
+            <a:r>
+              <a:rPr lang="en-US" dirty="0" smtClean="0"/>
+              <a:t>The KeyStone II ARM A15 CorePac is designed for high-reliability embedded applications;</a:t>
+            </a:r>
+            <a:br>
+              <a:rPr lang="en-US" dirty="0" smtClean="0"/>
+            </a:br>
+            <a:r>
+              <a:rPr lang="en-US" dirty="0" smtClean="0"/>
+              <a:t>100k power-on hours at 105C</a:t>
+            </a:r>
+            <a:r>
+              <a:rPr lang="en-US" sz="1800" dirty="0" smtClean="0"/>
+              <a:t>.</a:t>
+            </a:r>
+            <a:endParaRPr lang="en-US" dirty="0" smtClean="0"/>
+          </a:p>
+        </p:txBody>
+      </p:sp>
+    </p:spTree>
+    <p:custDataLst>
+      <p:tags r:id="rId1"/>
+    </p:custDataLst>
+  </p:cSld>
+  <p:clrMapOvr>
+    <a:masterClrMapping/>
+  </p:clrMapOvr>
+  <p:timing>
+    <p:tnLst>
+      <p:par>
+        <p:cTn id="1" dur="indefinite" restart="never" nodeType="tmRoot"/>
+      </p:par>
+    </p:tnLst>
+  </p:timing>
+</p:sld>
+</file>
+
+<file path=ppt/slides/slide41.xml><?xml version="1.0" encoding="utf-8"?>
+<p:sld xmlns:a="http://schemas.openxmlformats.org/drawingml/2006/main" xmlns:r="http://schemas.openxmlformats.org/officeDocument/2006/relationships" xmlns:p="http://schemas.openxmlformats.org/presentationml/2006/main">
+  <p:cSld>
+    <p:spTree>
+      <p:nvGrpSpPr>
+        <p:cNvPr id="1" name=""/>
+        <p:cNvGrpSpPr/>
+        <p:nvPr/>
+      </p:nvGrpSpPr>
+      <p:grpSpPr>
+        <a:xfrm>
+          <a:off x="0" y="0"/>
+          <a:ext cx="0" cy="0"/>
+          <a:chOff x="0" y="0"/>
+          <a:chExt cx="0" cy="0"/>
+        </a:xfrm>
+      </p:grpSpPr>
+      <p:sp>
+        <p:nvSpPr>
+          <p:cNvPr id="2" name="Title 1"/>
+          <p:cNvSpPr>
+            <a:spLocks noGrp="1"/>
+          </p:cNvSpPr>
+          <p:nvPr>
+            <p:ph type="title"/>
+          </p:nvPr>
+        </p:nvSpPr>
+        <p:spPr/>
+        <p:txBody>
+          <a:bodyPr>
+            <a:normAutofit/>
+          </a:bodyPr>
+          <a:lstStyle/>
+          <a:p>
+            <a:r>
+              <a:rPr lang="en-US" sz="4000" dirty="0" smtClean="0"/>
+              <a:t>Benchmarks</a:t>
+            </a:r>
+            <a:endParaRPr lang="en-US" sz="4000" dirty="0"/>
+          </a:p>
+        </p:txBody>
+      </p:sp>
+      <p:sp>
+        <p:nvSpPr>
+          <p:cNvPr id="3" name="Content Placeholder 2"/>
+          <p:cNvSpPr>
+            <a:spLocks noGrp="1"/>
+          </p:cNvSpPr>
+          <p:nvPr>
+            <p:ph idx="1"/>
+          </p:nvPr>
+        </p:nvSpPr>
+        <p:spPr/>
+        <p:txBody>
+          <a:bodyPr>
+            <a:normAutofit/>
+          </a:bodyPr>
+          <a:lstStyle/>
+          <a:p>
+            <a:r>
+              <a:rPr lang="en-US" dirty="0" smtClean="0"/>
+              <a:t>ARM CorePac in KeyStone II</a:t>
+            </a:r>
+          </a:p>
+          <a:p>
+            <a:r>
+              <a:rPr lang="en-US" dirty="0" smtClean="0"/>
+              <a:t>ARM Cortex A-15 Features</a:t>
+            </a:r>
+          </a:p>
+          <a:p>
+            <a:r>
+              <a:rPr lang="en-US" dirty="0" smtClean="0"/>
+              <a:t>Interface to the SOC and Coherency Issues</a:t>
+            </a:r>
+          </a:p>
+          <a:p>
+            <a:r>
+              <a:rPr lang="en-US" b="1" dirty="0" smtClean="0"/>
+              <a:t>Benchmarks</a:t>
+            </a:r>
+          </a:p>
+          <a:p>
+            <a:r>
+              <a:rPr lang="en-US" dirty="0" smtClean="0"/>
+              <a:t>Interrupt Controller</a:t>
+            </a:r>
+          </a:p>
+          <a:p>
+            <a:r>
+              <a:rPr lang="en-US" dirty="0" smtClean="0"/>
+              <a:t>Power Management</a:t>
+            </a:r>
+          </a:p>
+          <a:p>
+            <a:r>
+              <a:rPr lang="en-US" dirty="0" smtClean="0"/>
+              <a:t>Debug and Trace</a:t>
+            </a:r>
+          </a:p>
+          <a:p>
+            <a:endParaRPr lang="en-US" dirty="0"/>
+          </a:p>
+        </p:txBody>
+      </p:sp>
+    </p:spTree>
+  </p:cSld>
+  <p:clrMapOvr>
+    <a:masterClrMapping/>
+  </p:clrMapOvr>
+</p:sld>
+</file>
+
+<file path=ppt/slides/slide42.xml><?xml version="1.0" encoding="utf-8"?>
+<p:sld xmlns:a="http://schemas.openxmlformats.org/drawingml/2006/main" xmlns:r="http://schemas.openxmlformats.org/officeDocument/2006/relationships" xmlns:p="http://schemas.openxmlformats.org/presentationml/2006/main">
+  <p:cSld>
+    <p:spTree>
+      <p:nvGrpSpPr>
+        <p:cNvPr id="1" name=""/>
+        <p:cNvGrpSpPr/>
+        <p:nvPr/>
+      </p:nvGrpSpPr>
+      <p:grpSpPr>
+        <a:xfrm>
+          <a:off x="0" y="0"/>
+          <a:ext cx="0" cy="0"/>
+          <a:chOff x="0" y="0"/>
+          <a:chExt cx="0" cy="0"/>
+        </a:xfrm>
+      </p:grpSpPr>
+      <p:sp>
+        <p:nvSpPr>
+          <p:cNvPr id="2" name="Title 1"/>
+          <p:cNvSpPr>
+            <a:spLocks noGrp="1"/>
+          </p:cNvSpPr>
+          <p:nvPr>
+            <p:ph type="title"/>
+          </p:nvPr>
+        </p:nvSpPr>
+        <p:spPr>
+          <a:xfrm>
+            <a:off x="411480" y="190500"/>
+            <a:ext cx="8229600" cy="762000"/>
+          </a:xfrm>
+        </p:spPr>
+        <p:txBody>
+          <a:bodyPr>
+            <a:normAutofit/>
+          </a:bodyPr>
+          <a:lstStyle/>
+          <a:p>
+            <a:r>
+              <a:rPr lang="en-US" sz="4000" dirty="0" smtClean="0"/>
+              <a:t>Benchmarks Overview</a:t>
+            </a:r>
+            <a:endParaRPr lang="en-US" sz="4000" dirty="0"/>
+          </a:p>
+        </p:txBody>
+      </p:sp>
+      <p:sp>
+        <p:nvSpPr>
+          <p:cNvPr id="3" name="Content Placeholder 2"/>
+          <p:cNvSpPr>
+            <a:spLocks noGrp="1"/>
+          </p:cNvSpPr>
+          <p:nvPr>
+            <p:ph idx="1"/>
+          </p:nvPr>
+        </p:nvSpPr>
+        <p:spPr>
+          <a:xfrm>
+            <a:off x="375385" y="1264920"/>
+            <a:ext cx="8402855" cy="4572000"/>
+          </a:xfrm>
+        </p:spPr>
+        <p:txBody>
+          <a:bodyPr>
+            <a:normAutofit/>
+          </a:bodyPr>
+          <a:lstStyle/>
+          <a:p>
+            <a:r>
+              <a:rPr lang="en-US" sz="2400" dirty="0" smtClean="0"/>
+              <a:t>Dhrystone, DMIPS/MHz, CPU core and L1 only:</a:t>
+            </a:r>
+          </a:p>
+          <a:p>
+            <a:pPr lvl="1"/>
+            <a:r>
+              <a:rPr lang="en-US" sz="2400" dirty="0" smtClean="0"/>
+              <a:t>3.5 DMIPS/MHz (highly dependant on compiler)</a:t>
+            </a:r>
+          </a:p>
+          <a:p>
+            <a:pPr lvl="1"/>
+            <a:r>
+              <a:rPr lang="en-US" sz="2400" dirty="0" smtClean="0"/>
+              <a:t>19600 DMIPS with KeyStone II Quad-ARM CorePac at 1.4GHz</a:t>
+            </a:r>
+          </a:p>
+          <a:p>
+            <a:r>
+              <a:rPr lang="en-US" sz="2400" dirty="0" smtClean="0"/>
+              <a:t>Floating point:</a:t>
+            </a:r>
+          </a:p>
+          <a:p>
+            <a:pPr lvl="1"/>
+            <a:r>
+              <a:rPr lang="en-US" sz="2400" dirty="0" smtClean="0"/>
+              <a:t>Quad single-precision IEEE-754 FMAC per cycle</a:t>
+            </a:r>
+          </a:p>
+          <a:p>
+            <a:endParaRPr lang="en-US" sz="1800" dirty="0" smtClean="0"/>
+          </a:p>
+        </p:txBody>
+      </p:sp>
+    </p:spTree>
+    <p:custDataLst>
+      <p:tags r:id="rId1"/>
+    </p:custDataLst>
+  </p:cSld>
+  <p:clrMapOvr>
+    <a:masterClrMapping/>
+  </p:clrMapOvr>
+  <p:timing>
+    <p:tnLst>
+      <p:par>
+        <p:cTn id="1" dur="indefinite" restart="never" nodeType="tmRoot"/>
+      </p:par>
+    </p:tnLst>
+  </p:timing>
+</p:sld>
+</file>
+
+<file path=ppt/slides/slide43.xml><?xml version="1.0" encoding="utf-8"?>
 <p:sld xmlns:a="http://schemas.openxmlformats.org/drawingml/2006/main" xmlns:r="http://schemas.openxmlformats.org/officeDocument/2006/relationships" xmlns:p="http://schemas.openxmlformats.org/presentationml/2006/main">
   <p:cSld>
     <p:spTree>
@@ -11354,7 +14026,7 @@
 </p:sld>
 </file>
 
-<file path=ppt/slides/slide4.xml><?xml version="1.0" encoding="utf-8"?>
+<file path=ppt/slides/slide44.xml><?xml version="1.0" encoding="utf-8"?>
 <p:sld xmlns:a="http://schemas.openxmlformats.org/drawingml/2006/main" xmlns:r="http://schemas.openxmlformats.org/officeDocument/2006/relationships" xmlns:p="http://schemas.openxmlformats.org/presentationml/2006/main">
   <p:cSld>
     <p:spTree>
@@ -11373,258 +14045,6 @@
       </p:grpSpPr>
       <p:sp>
         <p:nvSpPr>
-          <p:cNvPr id="51202" name="TextBox 825"/>
-          <p:cNvSpPr txBox="1">
-            <a:spLocks noChangeArrowheads="1"/>
-          </p:cNvSpPr>
-          <p:nvPr/>
-        </p:nvSpPr>
-        <p:spPr bwMode="auto">
-          <a:xfrm>
-            <a:off x="341313" y="993775"/>
-            <a:ext cx="2293937" cy="685800"/>
-          </a:xfrm>
-          <a:prstGeom prst="rect">
-            <a:avLst/>
-          </a:prstGeom>
-          <a:solidFill>
-            <a:schemeClr val="bg1"/>
-          </a:solidFill>
-          <a:ln w="9525">
-            <a:noFill/>
-            <a:miter lim="800000"/>
-            <a:headEnd/>
-            <a:tailEnd/>
-          </a:ln>
-        </p:spPr>
-        <p:txBody>
-          <a:bodyPr/>
-          <a:lstStyle/>
-          <a:p>
-            <a:pPr algn="l" eaLnBrk="0" hangingPunct="0"/>
-            <a:endParaRPr lang="en-US" sz="1800" dirty="0">
-              <a:solidFill>
-                <a:srgbClr val="000000"/>
-              </a:solidFill>
-            </a:endParaRPr>
-          </a:p>
-        </p:txBody>
-      </p:sp>
-      <p:sp>
-        <p:nvSpPr>
-          <p:cNvPr id="51204" name="Rectangle 4"/>
-          <p:cNvSpPr>
-            <a:spLocks noGrp="1" noChangeArrowheads="1"/>
-          </p:cNvSpPr>
-          <p:nvPr>
-            <p:ph type="title" idx="4294967295"/>
-          </p:nvPr>
-        </p:nvSpPr>
-        <p:spPr>
-          <a:xfrm>
-            <a:off x="435784" y="76200"/>
-            <a:ext cx="8229600" cy="762000"/>
-          </a:xfrm>
-        </p:spPr>
-        <p:txBody>
-          <a:bodyPr/>
-          <a:lstStyle/>
-          <a:p>
-            <a:r>
-              <a:rPr lang="en-US" b="0" dirty="0" smtClean="0"/>
-              <a:t> </a:t>
-            </a:r>
-            <a:r>
-              <a:rPr lang="en-US" sz="4000" dirty="0" smtClean="0"/>
-              <a:t>KeyStone II and ARM CorePac</a:t>
-            </a:r>
-          </a:p>
-        </p:txBody>
-      </p:sp>
-      <p:sp>
-        <p:nvSpPr>
-          <p:cNvPr id="51205" name="Rectangle 171"/>
-          <p:cNvSpPr>
-            <a:spLocks noGrp="1" noChangeArrowheads="1"/>
-          </p:cNvSpPr>
-          <p:nvPr>
-            <p:ph type="body" sz="half" idx="4294967295"/>
-          </p:nvPr>
-        </p:nvSpPr>
-        <p:spPr>
-          <a:xfrm>
-            <a:off x="5400672" y="992147"/>
-            <a:ext cx="3743328" cy="4862513"/>
-          </a:xfrm>
-        </p:spPr>
-        <p:txBody>
-          <a:bodyPr/>
-          <a:lstStyle/>
-          <a:p>
-            <a:pPr marL="227013" indent="-227013" eaLnBrk="1" hangingPunct="1">
-              <a:spcBef>
-                <a:spcPct val="0"/>
-              </a:spcBef>
-              <a:spcAft>
-                <a:spcPct val="10000"/>
-              </a:spcAft>
-            </a:pPr>
-            <a:r>
-              <a:rPr lang="en-US" sz="2000" dirty="0" smtClean="0"/>
-              <a:t>Single, Dual, or Quad-ARM Cortex A15 CorePac operating at up to 1.4 GHz.</a:t>
-            </a:r>
-          </a:p>
-          <a:p>
-            <a:pPr marL="227013" indent="-227013" eaLnBrk="1" hangingPunct="1">
-              <a:spcBef>
-                <a:spcPct val="0"/>
-              </a:spcBef>
-              <a:spcAft>
-                <a:spcPct val="10000"/>
-              </a:spcAft>
-            </a:pPr>
-            <a:r>
-              <a:rPr lang="en-US" sz="2000" dirty="0" smtClean="0"/>
-              <a:t>L1 Memory: 32KB L1 Data cache 32KB L1 Program Cache</a:t>
-            </a:r>
-          </a:p>
-          <a:p>
-            <a:pPr marL="227013" indent="-227013" eaLnBrk="1" hangingPunct="1">
-              <a:spcBef>
-                <a:spcPct val="0"/>
-              </a:spcBef>
-              <a:spcAft>
-                <a:spcPct val="10000"/>
-              </a:spcAft>
-            </a:pPr>
-            <a:r>
-              <a:rPr lang="en-US" sz="2000" dirty="0" smtClean="0"/>
-              <a:t>Up to 128-bit access</a:t>
-            </a:r>
-          </a:p>
-          <a:p>
-            <a:pPr marL="227013" indent="-227013" eaLnBrk="1" hangingPunct="1">
-              <a:spcBef>
-                <a:spcPct val="0"/>
-              </a:spcBef>
-              <a:spcAft>
-                <a:spcPct val="10000"/>
-              </a:spcAft>
-            </a:pPr>
-            <a:r>
-              <a:rPr lang="en-US" sz="2000" dirty="0" smtClean="0"/>
-              <a:t>64 bytes L1 D cache line (up to 6 outstanding requests)</a:t>
-            </a:r>
-          </a:p>
-          <a:p>
-            <a:pPr marL="227013" lvl="1" indent="-227013" eaLnBrk="1" hangingPunct="1">
-              <a:spcBef>
-                <a:spcPct val="0"/>
-              </a:spcBef>
-              <a:spcAft>
-                <a:spcPct val="10000"/>
-              </a:spcAft>
-              <a:buFont typeface="Arial" pitchFamily="34" charset="0"/>
-              <a:buChar char="•"/>
-            </a:pPr>
-            <a:r>
-              <a:rPr lang="en-US" sz="2000" dirty="0" smtClean="0">
-                <a:ea typeface="+mn-ea"/>
-                <a:cs typeface="+mn-cs"/>
-              </a:rPr>
-              <a:t>L2 Memory:  </a:t>
-            </a:r>
-            <a:r>
-              <a:rPr lang="en-US" sz="2000" dirty="0" smtClean="0"/>
-              <a:t>4 MB L2 Cache is shared between the 1 to 4 ARM A-15 core(s) (4 tag bank, 4 data bank each)</a:t>
-            </a:r>
-          </a:p>
-          <a:p>
-            <a:pPr marL="227013" indent="-227013" eaLnBrk="1" hangingPunct="1">
-              <a:spcBef>
-                <a:spcPct val="0"/>
-              </a:spcBef>
-              <a:spcAft>
-                <a:spcPct val="10000"/>
-              </a:spcAft>
-            </a:pPr>
-            <a:r>
-              <a:rPr lang="en-US" sz="2000" dirty="0" smtClean="0"/>
-              <a:t>64 bytes cache line</a:t>
-            </a:r>
-          </a:p>
-        </p:txBody>
-      </p:sp>
-      <p:pic>
-        <p:nvPicPr>
-          <p:cNvPr id="7" name="Picture 6" descr="Func Diagram KII P02.bmp"/>
-          <p:cNvPicPr>
-            <a:picLocks noChangeAspect="1"/>
-          </p:cNvPicPr>
-          <p:nvPr>
-            <p:custDataLst>
-              <p:tags r:id="rId2"/>
-            </p:custDataLst>
-          </p:nvPr>
-        </p:nvPicPr>
-        <p:blipFill>
-          <a:blip r:embed="rId5" cstate="print"/>
-          <a:stretch>
-            <a:fillRect/>
-          </a:stretch>
-        </p:blipFill>
-        <p:spPr>
-          <a:xfrm>
-            <a:off x="0" y="1013614"/>
-            <a:ext cx="5337059" cy="5446787"/>
-          </a:xfrm>
-          <a:prstGeom prst="rect">
-            <a:avLst/>
-          </a:prstGeom>
-        </p:spPr>
-      </p:pic>
-    </p:spTree>
-    <p:custDataLst>
-      <p:tags r:id="rId1"/>
-    </p:custDataLst>
-    <p:extLst>
-      <p:ext uri="{BB962C8B-B14F-4D97-AF65-F5344CB8AC3E}">
-        <p14:creationId xmlns="" xmlns:p14="http://schemas.microsoft.com/office/powerpoint/2010/main" val="3469200570"/>
-      </p:ext>
-    </p:extLst>
-  </p:cSld>
-  <p:clrMapOvr>
-    <a:masterClrMapping/>
-  </p:clrMapOvr>
-  <p:timing>
-    <p:tnLst>
-      <p:par>
-        <p:cTn id="1" dur="indefinite" restart="never" nodeType="tmRoot"/>
-      </p:par>
-    </p:tnLst>
-  </p:timing>
-</p:sld>
-</file>
-
-<file path=ppt/slides/slide40.xml><?xml version="1.0" encoding="utf-8"?>
-<p:sld xmlns:a="http://schemas.openxmlformats.org/drawingml/2006/main" xmlns:r="http://schemas.openxmlformats.org/officeDocument/2006/relationships" xmlns:p="http://schemas.openxmlformats.org/presentationml/2006/main">
-  <p:cSld>
-    <p:spTree>
-      <p:nvGrpSpPr>
-        <p:cNvPr id="1" name=""/>
-        <p:cNvGrpSpPr/>
-        <p:nvPr/>
-      </p:nvGrpSpPr>
-      <p:grpSpPr>
-        <a:xfrm>
-          <a:off x="0" y="0"/>
-          <a:ext cx="0" cy="0"/>
-          <a:chOff x="0" y="0"/>
-          <a:chExt cx="0" cy="0"/>
-        </a:xfrm>
-      </p:grpSpPr>
-      <p:sp>
-        <p:nvSpPr>
           <p:cNvPr id="2" name="Title 1"/>
           <p:cNvSpPr>
             <a:spLocks noGrp="1"/>
@@ -11717,7 +14137,7 @@
 </p:sld>
 </file>
 
-<file path=ppt/slides/slide41.xml><?xml version="1.0" encoding="utf-8"?>
+<file path=ppt/slides/slide45.xml><?xml version="1.0" encoding="utf-8"?>
 <p:sld xmlns:a="http://schemas.openxmlformats.org/drawingml/2006/main" xmlns:r="http://schemas.openxmlformats.org/officeDocument/2006/relationships" xmlns:p="http://schemas.openxmlformats.org/presentationml/2006/main" show="0">
   <p:cSld>
     <p:spTree>
@@ -11833,7 +14253,7 @@
 </p:sld>
 </file>
 
-<file path=ppt/slides/slide42.xml><?xml version="1.0" encoding="utf-8"?>
+<file path=ppt/slides/slide46.xml><?xml version="1.0" encoding="utf-8"?>
 <p:sld xmlns:a="http://schemas.openxmlformats.org/drawingml/2006/main" xmlns:r="http://schemas.openxmlformats.org/officeDocument/2006/relationships" xmlns:p="http://schemas.openxmlformats.org/presentationml/2006/main">
   <p:cSld>
     <p:spTree>
@@ -12029,7 +14449,7 @@
 </p:sld>
 </file>
 
-<file path=ppt/slides/slide43.xml><?xml version="1.0" encoding="utf-8"?>
+<file path=ppt/slides/slide47.xml><?xml version="1.0" encoding="utf-8"?>
 <p:sld xmlns:a="http://schemas.openxmlformats.org/drawingml/2006/main" xmlns:r="http://schemas.openxmlformats.org/officeDocument/2006/relationships" xmlns:p="http://schemas.openxmlformats.org/presentationml/2006/main" show="0">
   <p:cSld>
     <p:spTree>
@@ -12173,7 +14593,7 @@
 </p:sld>
 </file>
 
-<file path=ppt/slides/slide44.xml><?xml version="1.0" encoding="utf-8"?>
+<file path=ppt/slides/slide48.xml><?xml version="1.0" encoding="utf-8"?>
 <p:sld xmlns:a="http://schemas.openxmlformats.org/drawingml/2006/main" xmlns:r="http://schemas.openxmlformats.org/officeDocument/2006/relationships" xmlns:p="http://schemas.openxmlformats.org/presentationml/2006/main" show="0">
   <p:cSld>
     <p:spTree>
@@ -12310,7 +14730,7 @@
 </p:sld>
 </file>
 
-<file path=ppt/slides/slide45.xml><?xml version="1.0" encoding="utf-8"?>
+<file path=ppt/slides/slide49.xml><?xml version="1.0" encoding="utf-8"?>
 <p:sld xmlns:a="http://schemas.openxmlformats.org/drawingml/2006/main" xmlns:r="http://schemas.openxmlformats.org/officeDocument/2006/relationships" xmlns:p="http://schemas.openxmlformats.org/presentationml/2006/main" show="0">
   <p:cSld>
     <p:spTree>
@@ -12420,475 +14840,6 @@
 </p:sld>
 </file>
 
-<file path=ppt/slides/slide46.xml><?xml version="1.0" encoding="utf-8"?>
-<p:sld xmlns:a="http://schemas.openxmlformats.org/drawingml/2006/main" xmlns:r="http://schemas.openxmlformats.org/officeDocument/2006/relationships" xmlns:p="http://schemas.openxmlformats.org/presentationml/2006/main">
-  <p:cSld>
-    <p:spTree>
-      <p:nvGrpSpPr>
-        <p:cNvPr id="1" name=""/>
-        <p:cNvGrpSpPr/>
-        <p:nvPr/>
-      </p:nvGrpSpPr>
-      <p:grpSpPr>
-        <a:xfrm>
-          <a:off x="0" y="0"/>
-          <a:ext cx="0" cy="0"/>
-          <a:chOff x="0" y="0"/>
-          <a:chExt cx="0" cy="0"/>
-        </a:xfrm>
-      </p:grpSpPr>
-      <p:sp>
-        <p:nvSpPr>
-          <p:cNvPr id="2" name="Title 1"/>
-          <p:cNvSpPr>
-            <a:spLocks noGrp="1"/>
-          </p:cNvSpPr>
-          <p:nvPr>
-            <p:ph type="title"/>
-          </p:nvPr>
-        </p:nvSpPr>
-        <p:spPr/>
-        <p:txBody>
-          <a:bodyPr>
-            <a:normAutofit/>
-          </a:bodyPr>
-          <a:lstStyle/>
-          <a:p>
-            <a:r>
-              <a:rPr lang="en-US" sz="4000" dirty="0" smtClean="0"/>
-              <a:t>Power Management</a:t>
-            </a:r>
-            <a:endParaRPr lang="en-US" sz="4000" dirty="0"/>
-          </a:p>
-        </p:txBody>
-      </p:sp>
-      <p:sp>
-        <p:nvSpPr>
-          <p:cNvPr id="3" name="Content Placeholder 2"/>
-          <p:cNvSpPr>
-            <a:spLocks noGrp="1"/>
-          </p:cNvSpPr>
-          <p:nvPr>
-            <p:ph idx="1"/>
-          </p:nvPr>
-        </p:nvSpPr>
-        <p:spPr/>
-        <p:txBody>
-          <a:bodyPr>
-            <a:normAutofit/>
-          </a:bodyPr>
-          <a:lstStyle/>
-          <a:p>
-            <a:r>
-              <a:rPr lang="en-US" dirty="0" smtClean="0"/>
-              <a:t>ARM CorePac in KeyStone II</a:t>
-            </a:r>
-          </a:p>
-          <a:p>
-            <a:r>
-              <a:rPr lang="en-US" dirty="0" smtClean="0"/>
-              <a:t>ARM Cortex A-15 Features</a:t>
-            </a:r>
-          </a:p>
-          <a:p>
-            <a:r>
-              <a:rPr lang="en-US" dirty="0" smtClean="0"/>
-              <a:t>Interface to the SOC and Coherency Issues</a:t>
-            </a:r>
-          </a:p>
-          <a:p>
-            <a:r>
-              <a:rPr lang="en-US" dirty="0" smtClean="0"/>
-              <a:t>Benchmarks</a:t>
-            </a:r>
-          </a:p>
-          <a:p>
-            <a:r>
-              <a:rPr lang="en-US" dirty="0" smtClean="0"/>
-              <a:t>Interrupt Controller</a:t>
-            </a:r>
-          </a:p>
-          <a:p>
-            <a:r>
-              <a:rPr lang="en-US" b="1" dirty="0" smtClean="0"/>
-              <a:t>Power Management</a:t>
-            </a:r>
-          </a:p>
-          <a:p>
-            <a:r>
-              <a:rPr lang="en-US" dirty="0" smtClean="0"/>
-              <a:t>Debug and Trace</a:t>
-            </a:r>
-          </a:p>
-        </p:txBody>
-      </p:sp>
-    </p:spTree>
-  </p:cSld>
-  <p:clrMapOvr>
-    <a:masterClrMapping/>
-  </p:clrMapOvr>
-</p:sld>
-</file>
-
-<file path=ppt/slides/slide47.xml><?xml version="1.0" encoding="utf-8"?>
-<p:sld xmlns:a="http://schemas.openxmlformats.org/drawingml/2006/main" xmlns:r="http://schemas.openxmlformats.org/officeDocument/2006/relationships" xmlns:p="http://schemas.openxmlformats.org/presentationml/2006/main">
-  <p:cSld>
-    <p:spTree>
-      <p:nvGrpSpPr>
-        <p:cNvPr id="1" name=""/>
-        <p:cNvGrpSpPr/>
-        <p:nvPr/>
-      </p:nvGrpSpPr>
-      <p:grpSpPr>
-        <a:xfrm>
-          <a:off x="0" y="0"/>
-          <a:ext cx="0" cy="0"/>
-          <a:chOff x="0" y="0"/>
-          <a:chExt cx="0" cy="0"/>
-        </a:xfrm>
-      </p:grpSpPr>
-      <p:sp>
-        <p:nvSpPr>
-          <p:cNvPr id="2" name="Title 1"/>
-          <p:cNvSpPr>
-            <a:spLocks noGrp="1"/>
-          </p:cNvSpPr>
-          <p:nvPr>
-            <p:ph type="title"/>
-          </p:nvPr>
-        </p:nvSpPr>
-        <p:spPr>
-          <a:xfrm>
-            <a:off x="457200" y="114618"/>
-            <a:ext cx="8229600" cy="792162"/>
-          </a:xfrm>
-        </p:spPr>
-        <p:txBody>
-          <a:bodyPr>
-            <a:normAutofit/>
-          </a:bodyPr>
-          <a:lstStyle/>
-          <a:p>
-            <a:r>
-              <a:rPr lang="en-US" sz="4000" dirty="0" smtClean="0"/>
-              <a:t>Advanced Power Management</a:t>
-            </a:r>
-            <a:endParaRPr lang="en-US" sz="4000" dirty="0"/>
-          </a:p>
-        </p:txBody>
-      </p:sp>
-      <p:sp>
-        <p:nvSpPr>
-          <p:cNvPr id="3" name="Content Placeholder 2"/>
-          <p:cNvSpPr>
-            <a:spLocks noGrp="1"/>
-          </p:cNvSpPr>
-          <p:nvPr>
-            <p:ph idx="1"/>
-          </p:nvPr>
-        </p:nvSpPr>
-        <p:spPr/>
-        <p:txBody>
-          <a:bodyPr>
-            <a:normAutofit/>
-          </a:bodyPr>
-          <a:lstStyle/>
-          <a:p>
-            <a:r>
-              <a:rPr lang="en-US" sz="2800" dirty="0" smtClean="0"/>
-              <a:t>Multiple power domains inside the ARM CorePac</a:t>
-            </a:r>
-          </a:p>
-          <a:p>
-            <a:r>
-              <a:rPr lang="en-US" sz="2800" dirty="0" smtClean="0"/>
-              <a:t>Extremely fast </a:t>
-            </a:r>
-            <a:r>
-              <a:rPr lang="en-US" sz="2800" i="1" dirty="0" smtClean="0"/>
-              <a:t>state save </a:t>
-            </a:r>
-            <a:r>
-              <a:rPr lang="en-US" sz="2800" dirty="0" smtClean="0"/>
-              <a:t>and </a:t>
-            </a:r>
-            <a:r>
-              <a:rPr lang="en-US" sz="2800" i="1" dirty="0" smtClean="0"/>
-              <a:t>restore</a:t>
-            </a:r>
-            <a:r>
-              <a:rPr lang="en-US" sz="2800" dirty="0" smtClean="0"/>
-              <a:t> speeds up hibernation</a:t>
-            </a:r>
-          </a:p>
-          <a:p>
-            <a:r>
-              <a:rPr lang="en-US" sz="2800" dirty="0" smtClean="0"/>
-              <a:t>Fine-grain pipeline shutdown using 32-entry loop buffer disables fetch and some decode pipeline stages.</a:t>
-            </a:r>
-          </a:p>
-        </p:txBody>
-      </p:sp>
-    </p:spTree>
-    <p:custDataLst>
-      <p:tags r:id="rId1"/>
-    </p:custDataLst>
-  </p:cSld>
-  <p:clrMapOvr>
-    <a:masterClrMapping/>
-  </p:clrMapOvr>
-  <p:timing>
-    <p:tnLst>
-      <p:par>
-        <p:cTn id="1" dur="indefinite" restart="never" nodeType="tmRoot"/>
-      </p:par>
-    </p:tnLst>
-  </p:timing>
-</p:sld>
-</file>
-
-<file path=ppt/slides/slide48.xml><?xml version="1.0" encoding="utf-8"?>
-<p:sld xmlns:a="http://schemas.openxmlformats.org/drawingml/2006/main" xmlns:r="http://schemas.openxmlformats.org/officeDocument/2006/relationships" xmlns:p="http://schemas.openxmlformats.org/presentationml/2006/main">
-  <p:cSld>
-    <p:spTree>
-      <p:nvGrpSpPr>
-        <p:cNvPr id="1" name=""/>
-        <p:cNvGrpSpPr/>
-        <p:nvPr/>
-      </p:nvGrpSpPr>
-      <p:grpSpPr>
-        <a:xfrm>
-          <a:off x="0" y="0"/>
-          <a:ext cx="0" cy="0"/>
-          <a:chOff x="0" y="0"/>
-          <a:chExt cx="0" cy="0"/>
-        </a:xfrm>
-      </p:grpSpPr>
-      <p:sp>
-        <p:nvSpPr>
-          <p:cNvPr id="2" name="Title 1"/>
-          <p:cNvSpPr>
-            <a:spLocks noGrp="1"/>
-          </p:cNvSpPr>
-          <p:nvPr>
-            <p:ph type="title"/>
-          </p:nvPr>
-        </p:nvSpPr>
-        <p:spPr/>
-        <p:txBody>
-          <a:bodyPr/>
-          <a:lstStyle/>
-          <a:p>
-            <a:r>
-              <a:rPr lang="en-US" sz="4000" dirty="0" smtClean="0"/>
-              <a:t>Energy Efficiency</a:t>
-            </a:r>
-            <a:endParaRPr lang="en-US" sz="4000" dirty="0"/>
-          </a:p>
-        </p:txBody>
-      </p:sp>
-      <p:sp>
-        <p:nvSpPr>
-          <p:cNvPr id="3" name="Content Placeholder 2"/>
-          <p:cNvSpPr>
-            <a:spLocks noGrp="1"/>
-          </p:cNvSpPr>
-          <p:nvPr>
-            <p:ph idx="1"/>
-          </p:nvPr>
-        </p:nvSpPr>
-        <p:spPr>
-          <a:xfrm>
-            <a:off x="344031" y="990600"/>
-            <a:ext cx="8437829" cy="5334000"/>
-          </a:xfrm>
-        </p:spPr>
-        <p:txBody>
-          <a:bodyPr>
-            <a:normAutofit/>
-          </a:bodyPr>
-          <a:lstStyle/>
-          <a:p>
-            <a:r>
-              <a:rPr lang="en-US" sz="2800" dirty="0" smtClean="0"/>
-              <a:t>Clock gating inside the ARM CorePac:</a:t>
-            </a:r>
-          </a:p>
-          <a:p>
-            <a:pPr lvl="1"/>
-            <a:r>
-              <a:rPr lang="en-US" sz="2400" dirty="0" smtClean="0"/>
-              <a:t>Total dynamic power consumption for a fully-loaded 1.4GHz core will range from 1.2W to 0.35W depending on the type of instructions it runs.</a:t>
-            </a:r>
-          </a:p>
-          <a:p>
-            <a:pPr lvl="1"/>
-            <a:r>
-              <a:rPr lang="en-US" sz="2400" dirty="0" smtClean="0"/>
-              <a:t>Wait for interrupt and event (WFI, WFE) instructions bring the dynamic power down to &lt;0.1W per core.</a:t>
-            </a:r>
-          </a:p>
-          <a:p>
-            <a:r>
-              <a:rPr lang="en-US" sz="2800" dirty="0" smtClean="0"/>
-              <a:t>Power switches per core and per CorePac including L2:</a:t>
-            </a:r>
-          </a:p>
-          <a:p>
-            <a:pPr lvl="1"/>
-            <a:r>
-              <a:rPr lang="en-US" sz="2400" dirty="0" smtClean="0"/>
-              <a:t>Each ARM A15 core can be shut down independently.</a:t>
-            </a:r>
-          </a:p>
-          <a:p>
-            <a:pPr lvl="1"/>
-            <a:r>
-              <a:rPr lang="en-US" sz="2400" dirty="0" smtClean="0"/>
-              <a:t>The entire ARM A15 CorePac, including the 4MB/1MB L2 cache, can also be shut down.</a:t>
-            </a:r>
-          </a:p>
-          <a:p>
-            <a:pPr lvl="1"/>
-            <a:r>
-              <a:rPr lang="en-US" sz="2400" dirty="0" smtClean="0"/>
-              <a:t>Reduces static power to &lt;5%</a:t>
-            </a:r>
-            <a:endParaRPr lang="en-US" sz="2400" dirty="0"/>
-          </a:p>
-        </p:txBody>
-      </p:sp>
-    </p:spTree>
-    <p:custDataLst>
-      <p:tags r:id="rId1"/>
-    </p:custDataLst>
-  </p:cSld>
-  <p:clrMapOvr>
-    <a:masterClrMapping/>
-  </p:clrMapOvr>
-  <p:timing>
-    <p:tnLst>
-      <p:par>
-        <p:cTn id="1" dur="indefinite" restart="never" nodeType="tmRoot"/>
-      </p:par>
-    </p:tnLst>
-  </p:timing>
-</p:sld>
-</file>
-
-<file path=ppt/slides/slide49.xml><?xml version="1.0" encoding="utf-8"?>
-<p:sld xmlns:a="http://schemas.openxmlformats.org/drawingml/2006/main" xmlns:r="http://schemas.openxmlformats.org/officeDocument/2006/relationships" xmlns:p="http://schemas.openxmlformats.org/presentationml/2006/main">
-  <p:cSld>
-    <p:spTree>
-      <p:nvGrpSpPr>
-        <p:cNvPr id="1" name=""/>
-        <p:cNvGrpSpPr/>
-        <p:nvPr/>
-      </p:nvGrpSpPr>
-      <p:grpSpPr>
-        <a:xfrm>
-          <a:off x="0" y="0"/>
-          <a:ext cx="0" cy="0"/>
-          <a:chOff x="0" y="0"/>
-          <a:chExt cx="0" cy="0"/>
-        </a:xfrm>
-      </p:grpSpPr>
-      <p:sp>
-        <p:nvSpPr>
-          <p:cNvPr id="2" name="Title 1"/>
-          <p:cNvSpPr>
-            <a:spLocks noGrp="1"/>
-          </p:cNvSpPr>
-          <p:nvPr>
-            <p:ph type="title"/>
-          </p:nvPr>
-        </p:nvSpPr>
-        <p:spPr/>
-        <p:txBody>
-          <a:bodyPr>
-            <a:normAutofit/>
-          </a:bodyPr>
-          <a:lstStyle/>
-          <a:p>
-            <a:r>
-              <a:rPr lang="en-US" sz="4000" dirty="0" smtClean="0"/>
-              <a:t>Debug and Trace</a:t>
-            </a:r>
-            <a:endParaRPr lang="en-US" sz="4000" dirty="0"/>
-          </a:p>
-        </p:txBody>
-      </p:sp>
-      <p:sp>
-        <p:nvSpPr>
-          <p:cNvPr id="3" name="Content Placeholder 2"/>
-          <p:cNvSpPr>
-            <a:spLocks noGrp="1"/>
-          </p:cNvSpPr>
-          <p:nvPr>
-            <p:ph idx="1"/>
-          </p:nvPr>
-        </p:nvSpPr>
-        <p:spPr/>
-        <p:txBody>
-          <a:bodyPr>
-            <a:normAutofit/>
-          </a:bodyPr>
-          <a:lstStyle/>
-          <a:p>
-            <a:r>
-              <a:rPr lang="en-US" dirty="0" smtClean="0"/>
-              <a:t>ARM CorePac in KeyStone II</a:t>
-            </a:r>
-          </a:p>
-          <a:p>
-            <a:r>
-              <a:rPr lang="en-US" dirty="0" smtClean="0"/>
-              <a:t>ARM Cortex A-15 Features</a:t>
-            </a:r>
-          </a:p>
-          <a:p>
-            <a:r>
-              <a:rPr lang="en-US" dirty="0" smtClean="0"/>
-              <a:t>Interface to the SOC and Coherency Issues</a:t>
-            </a:r>
-          </a:p>
-          <a:p>
-            <a:r>
-              <a:rPr lang="en-US" dirty="0" smtClean="0"/>
-              <a:t>Benchmark</a:t>
-            </a:r>
-          </a:p>
-          <a:p>
-            <a:r>
-              <a:rPr lang="en-US" dirty="0" smtClean="0"/>
-              <a:t>Interrupt Controller</a:t>
-            </a:r>
-          </a:p>
-          <a:p>
-            <a:r>
-              <a:rPr lang="en-US" dirty="0" smtClean="0"/>
-              <a:t>Power Management</a:t>
-            </a:r>
-          </a:p>
-          <a:p>
-            <a:r>
-              <a:rPr lang="en-US" b="1" dirty="0" smtClean="0"/>
-              <a:t>Debug and Trace</a:t>
-            </a:r>
-          </a:p>
-          <a:p>
-            <a:endParaRPr lang="en-US" dirty="0"/>
-          </a:p>
-        </p:txBody>
-      </p:sp>
-    </p:spTree>
-  </p:cSld>
-  <p:clrMapOvr>
-    <a:masterClrMapping/>
-  </p:clrMapOvr>
-</p:sld>
-</file>
-
 <file path=ppt/slides/slide5.xml><?xml version="1.0" encoding="utf-8"?>
 <p:sld xmlns:a="http://schemas.openxmlformats.org/drawingml/2006/main" xmlns:r="http://schemas.openxmlformats.org/officeDocument/2006/relationships" xmlns:p="http://schemas.openxmlformats.org/presentationml/2006/main">
   <p:cSld>
@@ -13116,7 +15067,7 @@
     </p:custDataLst>
     <p:extLst>
       <p:ext uri="{BB962C8B-B14F-4D97-AF65-F5344CB8AC3E}">
-        <p14:creationId xmlns="" xmlns:p14="http://schemas.microsoft.com/office/powerpoint/2010/main" val="3469200570"/>
+        <p14:creationId xmlns:p14="http://schemas.microsoft.com/office/powerpoint/2010/main" xmlns="" val="3469200570"/>
       </p:ext>
     </p:extLst>
   </p:cSld>
@@ -13162,109 +15113,84 @@
         </p:nvSpPr>
         <p:spPr/>
         <p:txBody>
-          <a:bodyPr/>
-          <a:lstStyle/>
-          <a:p>
-            <a:r>
-              <a:rPr lang="en-US" sz="4000" dirty="0" smtClean="0"/>
-              <a:t>Debug and Trace Options</a:t>
-            </a:r>
-            <a:endParaRPr lang="en-US" sz="4000" dirty="0"/>
-          </a:p>
-        </p:txBody>
-      </p:sp>
-      <p:sp>
-        <p:nvSpPr>
-          <p:cNvPr id="3" name="Content Placeholder 2"/>
-          <p:cNvSpPr>
-            <a:spLocks noGrp="1"/>
-          </p:cNvSpPr>
-          <p:nvPr>
-            <p:ph idx="1"/>
-          </p:nvPr>
-        </p:nvSpPr>
-        <p:spPr/>
-        <p:txBody>
           <a:bodyPr>
             <a:normAutofit/>
           </a:bodyPr>
           <a:lstStyle/>
           <a:p>
             <a:r>
-              <a:rPr lang="en-US" sz="2400" dirty="0" smtClean="0"/>
-              <a:t>Lab-based debug; CCSv5 gives full support</a:t>
-            </a:r>
-          </a:p>
-          <a:p>
-            <a:pPr lvl="1"/>
-            <a:r>
-              <a:rPr lang="en-US" sz="2400" dirty="0" smtClean="0"/>
-              <a:t>Run-Time debug module</a:t>
-            </a:r>
-          </a:p>
-          <a:p>
-            <a:r>
-              <a:rPr lang="en-US" sz="2400" dirty="0" smtClean="0"/>
-              <a:t>PMU  - performance Monitoring Unit</a:t>
-            </a:r>
-          </a:p>
-          <a:p>
-            <a:pPr lvl="1"/>
-            <a:r>
-              <a:rPr lang="en-US" sz="2400" dirty="0" smtClean="0"/>
-              <a:t>Set of counters that can count various events</a:t>
-            </a:r>
-          </a:p>
-          <a:p>
-            <a:r>
-              <a:rPr lang="en-US" sz="2400" dirty="0" smtClean="0"/>
-              <a:t>Trace Macrocell</a:t>
-            </a:r>
-          </a:p>
-          <a:p>
-            <a:pPr lvl="1"/>
-            <a:r>
-              <a:rPr lang="en-US" sz="2400" dirty="0" smtClean="0"/>
-              <a:t>Logic to control the trace</a:t>
-            </a:r>
-          </a:p>
-          <a:p>
-            <a:pPr lvl="1"/>
-            <a:r>
-              <a:rPr lang="en-US" sz="2400" dirty="0" smtClean="0"/>
-              <a:t>Path to move the trace data outside</a:t>
-            </a:r>
-          </a:p>
-          <a:p>
-            <a:r>
-              <a:rPr lang="en-US" sz="2400" dirty="0" smtClean="0"/>
-              <a:t>Cross trigger unit</a:t>
-            </a:r>
-          </a:p>
-          <a:p>
-            <a:pPr lvl="1"/>
-            <a:r>
-              <a:rPr lang="en-US" sz="2400" dirty="0" smtClean="0"/>
-              <a:t>Enable event from one CPU to trigger trace at another CPU </a:t>
+              <a:rPr lang="en-US" sz="4000" dirty="0" smtClean="0"/>
+              <a:t>Power Management</a:t>
+            </a:r>
+            <a:endParaRPr lang="en-US" sz="4000" dirty="0"/>
+          </a:p>
+        </p:txBody>
+      </p:sp>
+      <p:sp>
+        <p:nvSpPr>
+          <p:cNvPr id="3" name="Content Placeholder 2"/>
+          <p:cNvSpPr>
+            <a:spLocks noGrp="1"/>
+          </p:cNvSpPr>
+          <p:nvPr>
+            <p:ph idx="1"/>
+          </p:nvPr>
+        </p:nvSpPr>
+        <p:spPr/>
+        <p:txBody>
+          <a:bodyPr>
+            <a:normAutofit/>
+          </a:bodyPr>
+          <a:lstStyle/>
+          <a:p>
+            <a:r>
+              <a:rPr lang="en-US" dirty="0" smtClean="0"/>
+              <a:t>ARM CorePac in KeyStone II</a:t>
+            </a:r>
+          </a:p>
+          <a:p>
+            <a:r>
+              <a:rPr lang="en-US" dirty="0" smtClean="0"/>
+              <a:t>ARM Cortex A-15 Features</a:t>
+            </a:r>
+          </a:p>
+          <a:p>
+            <a:r>
+              <a:rPr lang="en-US" dirty="0" smtClean="0"/>
+              <a:t>Interface to the SOC and Coherency Issues</a:t>
+            </a:r>
+          </a:p>
+          <a:p>
+            <a:r>
+              <a:rPr lang="en-US" dirty="0" smtClean="0"/>
+              <a:t>Benchmarks</a:t>
+            </a:r>
+          </a:p>
+          <a:p>
+            <a:r>
+              <a:rPr lang="en-US" dirty="0" smtClean="0"/>
+              <a:t>Interrupt Controller</a:t>
+            </a:r>
+          </a:p>
+          <a:p>
+            <a:r>
+              <a:rPr lang="en-US" b="1" dirty="0" smtClean="0"/>
+              <a:t>Power Management</a:t>
+            </a:r>
+          </a:p>
+          <a:p>
+            <a:r>
+              <a:rPr lang="en-US" dirty="0" smtClean="0"/>
+              <a:t>Debug and Trace</a:t>
             </a:r>
           </a:p>
         </p:txBody>
       </p:sp>
     </p:spTree>
-    <p:custDataLst>
-      <p:tags r:id="rId1"/>
-    </p:custDataLst>
   </p:cSld>
   <p:clrMapOvr>
     <a:masterClrMapping/>
   </p:clrMapOvr>
-  <p:timing>
-    <p:tnLst>
-      <p:par>
-        <p:cTn id="1" dur="indefinite" restart="never" nodeType="tmRoot"/>
-      </p:par>
-    </p:tnLst>
-  </p:timing>
 </p:sld>
 </file>
 
@@ -13295,65 +15221,75 @@
             <p:ph type="title"/>
           </p:nvPr>
         </p:nvSpPr>
-        <p:spPr/>
-        <p:txBody>
-          <a:bodyPr/>
-          <a:lstStyle/>
-          <a:p>
-            <a:r>
-              <a:rPr lang="en-US" sz="4000" dirty="0" smtClean="0"/>
-              <a:t>Lab-Based Debug</a:t>
-            </a:r>
-            <a:endParaRPr lang="en-US" sz="4000" dirty="0"/>
-          </a:p>
-        </p:txBody>
-      </p:sp>
-      <p:sp>
-        <p:nvSpPr>
-          <p:cNvPr id="3" name="Content Placeholder 2"/>
-          <p:cNvSpPr>
-            <a:spLocks noGrp="1"/>
-          </p:cNvSpPr>
-          <p:nvPr>
-            <p:ph idx="1"/>
-          </p:nvPr>
-        </p:nvSpPr>
         <p:spPr>
           <a:xfrm>
-            <a:off x="381000" y="1665838"/>
-            <a:ext cx="8229600" cy="3210962"/>
+            <a:off x="457200" y="114618"/>
+            <a:ext cx="8229600" cy="792162"/>
           </a:xfrm>
         </p:spPr>
         <p:txBody>
           <a:bodyPr>
-            <a:noAutofit/>
+            <a:normAutofit/>
           </a:bodyPr>
           <a:lstStyle/>
           <a:p>
             <a:r>
+              <a:rPr lang="en-US" sz="4000" dirty="0" smtClean="0"/>
+              <a:t>Advanced Power Management</a:t>
+            </a:r>
+            <a:endParaRPr lang="en-US" sz="4000" dirty="0"/>
+          </a:p>
+        </p:txBody>
+      </p:sp>
+      <p:sp>
+        <p:nvSpPr>
+          <p:cNvPr id="3" name="Content Placeholder 2"/>
+          <p:cNvSpPr>
+            <a:spLocks noGrp="1"/>
+          </p:cNvSpPr>
+          <p:nvPr>
+            <p:ph idx="1"/>
+          </p:nvPr>
+        </p:nvSpPr>
+        <p:spPr/>
+        <p:txBody>
+          <a:bodyPr>
+            <a:normAutofit/>
+          </a:bodyPr>
+          <a:lstStyle/>
+          <a:p>
+            <a:r>
               <a:rPr lang="en-US" sz="2800" dirty="0" smtClean="0"/>
-              <a:t>CCSv5 works with the ARM cores. </a:t>
+              <a:t>Multiple power domains inside the ARM CorePac</a:t>
             </a:r>
           </a:p>
           <a:p>
             <a:r>
               <a:rPr lang="en-US" sz="2800" dirty="0" smtClean="0"/>
-              <a:t>The ARM integrated development environment, RealView Development Suite (RDS), provides lab-based debug facilities (breakpoint, memory view, etc.).</a:t>
-            </a:r>
-          </a:p>
-          <a:p>
-            <a:pPr lvl="1"/>
-            <a:r>
-              <a:rPr lang="en-US" dirty="0" smtClean="0"/>
-              <a:t>GNU Debugger (GDB)</a:t>
-            </a:r>
-          </a:p>
-          <a:p>
+              <a:t>Extremely fast </a:t>
+            </a:r>
+            <a:r>
+              <a:rPr lang="en-US" sz="2800" i="1" dirty="0" smtClean="0"/>
+              <a:t>state save </a:t>
+            </a:r>
             <a:r>
               <a:rPr lang="en-US" sz="2800" dirty="0" smtClean="0"/>
-              <a:t>ARM hardware Debug registers facilitate debugging</a:t>
-            </a:r>
-            <a:endParaRPr lang="en-US" sz="2800" dirty="0"/>
+              <a:t>and </a:t>
+            </a:r>
+            <a:r>
+              <a:rPr lang="en-US" sz="2800" i="1" dirty="0" smtClean="0"/>
+              <a:t>restore</a:t>
+            </a:r>
+            <a:r>
+              <a:rPr lang="en-US" sz="2800" dirty="0" smtClean="0"/>
+              <a:t> speeds up hibernation</a:t>
+            </a:r>
+          </a:p>
+          <a:p>
+            <a:r>
+              <a:rPr lang="en-US" sz="2800" dirty="0" smtClean="0"/>
+              <a:t>Fine-grain pipeline shutdown using 32-entry loop buffer disables fetch and some decode pipeline stages.</a:t>
+            </a:r>
           </a:p>
         </p:txBody>
       </p:sp>
@@ -13376,6 +15312,490 @@
 </file>
 
 <file path=ppt/slides/slide52.xml><?xml version="1.0" encoding="utf-8"?>
+<p:sld xmlns:a="http://schemas.openxmlformats.org/drawingml/2006/main" xmlns:r="http://schemas.openxmlformats.org/officeDocument/2006/relationships" xmlns:p="http://schemas.openxmlformats.org/presentationml/2006/main">
+  <p:cSld>
+    <p:spTree>
+      <p:nvGrpSpPr>
+        <p:cNvPr id="1" name=""/>
+        <p:cNvGrpSpPr/>
+        <p:nvPr/>
+      </p:nvGrpSpPr>
+      <p:grpSpPr>
+        <a:xfrm>
+          <a:off x="0" y="0"/>
+          <a:ext cx="0" cy="0"/>
+          <a:chOff x="0" y="0"/>
+          <a:chExt cx="0" cy="0"/>
+        </a:xfrm>
+      </p:grpSpPr>
+      <p:sp>
+        <p:nvSpPr>
+          <p:cNvPr id="2" name="Title 1"/>
+          <p:cNvSpPr>
+            <a:spLocks noGrp="1"/>
+          </p:cNvSpPr>
+          <p:nvPr>
+            <p:ph type="title"/>
+          </p:nvPr>
+        </p:nvSpPr>
+        <p:spPr/>
+        <p:txBody>
+          <a:bodyPr/>
+          <a:lstStyle/>
+          <a:p>
+            <a:r>
+              <a:rPr lang="en-US" sz="4000" dirty="0" smtClean="0"/>
+              <a:t>Energy Efficiency</a:t>
+            </a:r>
+            <a:endParaRPr lang="en-US" sz="4000" dirty="0"/>
+          </a:p>
+        </p:txBody>
+      </p:sp>
+      <p:sp>
+        <p:nvSpPr>
+          <p:cNvPr id="3" name="Content Placeholder 2"/>
+          <p:cNvSpPr>
+            <a:spLocks noGrp="1"/>
+          </p:cNvSpPr>
+          <p:nvPr>
+            <p:ph idx="1"/>
+          </p:nvPr>
+        </p:nvSpPr>
+        <p:spPr>
+          <a:xfrm>
+            <a:off x="344031" y="990600"/>
+            <a:ext cx="8437829" cy="5334000"/>
+          </a:xfrm>
+        </p:spPr>
+        <p:txBody>
+          <a:bodyPr>
+            <a:normAutofit/>
+          </a:bodyPr>
+          <a:lstStyle/>
+          <a:p>
+            <a:r>
+              <a:rPr lang="en-US" sz="2800" dirty="0" smtClean="0"/>
+              <a:t>Clock gating inside the ARM CorePac:</a:t>
+            </a:r>
+          </a:p>
+          <a:p>
+            <a:pPr lvl="1"/>
+            <a:r>
+              <a:rPr lang="en-US" sz="2400" dirty="0" smtClean="0"/>
+              <a:t>Total dynamic power consumption for a fully-loaded 1.4GHz core will range from 1.2W to 0.35W depending on the type of instructions it runs.</a:t>
+            </a:r>
+          </a:p>
+          <a:p>
+            <a:pPr lvl="1"/>
+            <a:r>
+              <a:rPr lang="en-US" sz="2400" dirty="0" smtClean="0"/>
+              <a:t>Wait for interrupt and event (WFI, WFE) instructions bring the dynamic power down to &lt;0.1W per core.</a:t>
+            </a:r>
+          </a:p>
+          <a:p>
+            <a:r>
+              <a:rPr lang="en-US" sz="2800" dirty="0" smtClean="0"/>
+              <a:t>Power switches per core and per CorePac including L2:</a:t>
+            </a:r>
+          </a:p>
+          <a:p>
+            <a:pPr lvl="1"/>
+            <a:r>
+              <a:rPr lang="en-US" sz="2400" dirty="0" smtClean="0"/>
+              <a:t>Each ARM A15 core can be shut down independently.</a:t>
+            </a:r>
+          </a:p>
+          <a:p>
+            <a:pPr lvl="1"/>
+            <a:r>
+              <a:rPr lang="en-US" sz="2400" dirty="0" smtClean="0"/>
+              <a:t>The entire ARM A15 CorePac, including the 4MB/1MB L2 cache, can also be shut down.</a:t>
+            </a:r>
+          </a:p>
+          <a:p>
+            <a:pPr lvl="1"/>
+            <a:r>
+              <a:rPr lang="en-US" sz="2400" dirty="0" smtClean="0"/>
+              <a:t>Reduces static power to &lt;5%</a:t>
+            </a:r>
+            <a:endParaRPr lang="en-US" sz="2400" dirty="0"/>
+          </a:p>
+        </p:txBody>
+      </p:sp>
+    </p:spTree>
+    <p:custDataLst>
+      <p:tags r:id="rId1"/>
+    </p:custDataLst>
+  </p:cSld>
+  <p:clrMapOvr>
+    <a:masterClrMapping/>
+  </p:clrMapOvr>
+  <p:timing>
+    <p:tnLst>
+      <p:par>
+        <p:cTn id="1" dur="indefinite" restart="never" nodeType="tmRoot"/>
+      </p:par>
+    </p:tnLst>
+  </p:timing>
+</p:sld>
+</file>
+
+<file path=ppt/slides/slide53.xml><?xml version="1.0" encoding="utf-8"?>
+<p:sld xmlns:a="http://schemas.openxmlformats.org/drawingml/2006/main" xmlns:r="http://schemas.openxmlformats.org/officeDocument/2006/relationships" xmlns:p="http://schemas.openxmlformats.org/presentationml/2006/main">
+  <p:cSld>
+    <p:spTree>
+      <p:nvGrpSpPr>
+        <p:cNvPr id="1" name=""/>
+        <p:cNvGrpSpPr/>
+        <p:nvPr/>
+      </p:nvGrpSpPr>
+      <p:grpSpPr>
+        <a:xfrm>
+          <a:off x="0" y="0"/>
+          <a:ext cx="0" cy="0"/>
+          <a:chOff x="0" y="0"/>
+          <a:chExt cx="0" cy="0"/>
+        </a:xfrm>
+      </p:grpSpPr>
+      <p:sp>
+        <p:nvSpPr>
+          <p:cNvPr id="2" name="Title 1"/>
+          <p:cNvSpPr>
+            <a:spLocks noGrp="1"/>
+          </p:cNvSpPr>
+          <p:nvPr>
+            <p:ph type="title"/>
+          </p:nvPr>
+        </p:nvSpPr>
+        <p:spPr/>
+        <p:txBody>
+          <a:bodyPr>
+            <a:normAutofit/>
+          </a:bodyPr>
+          <a:lstStyle/>
+          <a:p>
+            <a:r>
+              <a:rPr lang="en-US" sz="4000" dirty="0" smtClean="0"/>
+              <a:t>Debug and Trace</a:t>
+            </a:r>
+            <a:endParaRPr lang="en-US" sz="4000" dirty="0"/>
+          </a:p>
+        </p:txBody>
+      </p:sp>
+      <p:sp>
+        <p:nvSpPr>
+          <p:cNvPr id="3" name="Content Placeholder 2"/>
+          <p:cNvSpPr>
+            <a:spLocks noGrp="1"/>
+          </p:cNvSpPr>
+          <p:nvPr>
+            <p:ph idx="1"/>
+          </p:nvPr>
+        </p:nvSpPr>
+        <p:spPr/>
+        <p:txBody>
+          <a:bodyPr>
+            <a:normAutofit/>
+          </a:bodyPr>
+          <a:lstStyle/>
+          <a:p>
+            <a:r>
+              <a:rPr lang="en-US" dirty="0" smtClean="0"/>
+              <a:t>ARM CorePac in KeyStone II</a:t>
+            </a:r>
+          </a:p>
+          <a:p>
+            <a:r>
+              <a:rPr lang="en-US" dirty="0" smtClean="0"/>
+              <a:t>ARM Cortex A-15 Features</a:t>
+            </a:r>
+          </a:p>
+          <a:p>
+            <a:r>
+              <a:rPr lang="en-US" dirty="0" smtClean="0"/>
+              <a:t>Interface to the SOC and Coherency Issues</a:t>
+            </a:r>
+          </a:p>
+          <a:p>
+            <a:r>
+              <a:rPr lang="en-US" dirty="0" smtClean="0"/>
+              <a:t>Benchmark</a:t>
+            </a:r>
+          </a:p>
+          <a:p>
+            <a:r>
+              <a:rPr lang="en-US" dirty="0" smtClean="0"/>
+              <a:t>Interrupt Controller</a:t>
+            </a:r>
+          </a:p>
+          <a:p>
+            <a:r>
+              <a:rPr lang="en-US" dirty="0" smtClean="0"/>
+              <a:t>Power Management</a:t>
+            </a:r>
+          </a:p>
+          <a:p>
+            <a:r>
+              <a:rPr lang="en-US" b="1" dirty="0" smtClean="0"/>
+              <a:t>Debug and Trace</a:t>
+            </a:r>
+          </a:p>
+          <a:p>
+            <a:endParaRPr lang="en-US" dirty="0"/>
+          </a:p>
+        </p:txBody>
+      </p:sp>
+    </p:spTree>
+  </p:cSld>
+  <p:clrMapOvr>
+    <a:masterClrMapping/>
+  </p:clrMapOvr>
+</p:sld>
+</file>
+
+<file path=ppt/slides/slide54.xml><?xml version="1.0" encoding="utf-8"?>
+<p:sld xmlns:a="http://schemas.openxmlformats.org/drawingml/2006/main" xmlns:r="http://schemas.openxmlformats.org/officeDocument/2006/relationships" xmlns:p="http://schemas.openxmlformats.org/presentationml/2006/main">
+  <p:cSld>
+    <p:spTree>
+      <p:nvGrpSpPr>
+        <p:cNvPr id="1" name=""/>
+        <p:cNvGrpSpPr/>
+        <p:nvPr/>
+      </p:nvGrpSpPr>
+      <p:grpSpPr>
+        <a:xfrm>
+          <a:off x="0" y="0"/>
+          <a:ext cx="0" cy="0"/>
+          <a:chOff x="0" y="0"/>
+          <a:chExt cx="0" cy="0"/>
+        </a:xfrm>
+      </p:grpSpPr>
+      <p:sp>
+        <p:nvSpPr>
+          <p:cNvPr id="2" name="Title 1"/>
+          <p:cNvSpPr>
+            <a:spLocks noGrp="1"/>
+          </p:cNvSpPr>
+          <p:nvPr>
+            <p:ph type="title"/>
+          </p:nvPr>
+        </p:nvSpPr>
+        <p:spPr/>
+        <p:txBody>
+          <a:bodyPr/>
+          <a:lstStyle/>
+          <a:p>
+            <a:r>
+              <a:rPr lang="en-US" sz="4000" dirty="0" smtClean="0"/>
+              <a:t>Debug and Trace Options</a:t>
+            </a:r>
+            <a:endParaRPr lang="en-US" sz="4000" dirty="0"/>
+          </a:p>
+        </p:txBody>
+      </p:sp>
+      <p:sp>
+        <p:nvSpPr>
+          <p:cNvPr id="3" name="Content Placeholder 2"/>
+          <p:cNvSpPr>
+            <a:spLocks noGrp="1"/>
+          </p:cNvSpPr>
+          <p:nvPr>
+            <p:ph idx="1"/>
+          </p:nvPr>
+        </p:nvSpPr>
+        <p:spPr/>
+        <p:txBody>
+          <a:bodyPr>
+            <a:normAutofit/>
+          </a:bodyPr>
+          <a:lstStyle/>
+          <a:p>
+            <a:r>
+              <a:rPr lang="en-US" sz="2400" dirty="0" smtClean="0"/>
+              <a:t>Lab-based debug; CCSv5 gives full support</a:t>
+            </a:r>
+          </a:p>
+          <a:p>
+            <a:pPr lvl="1"/>
+            <a:r>
+              <a:rPr lang="en-US" sz="2400" dirty="0" smtClean="0"/>
+              <a:t>Run-Time debug module</a:t>
+            </a:r>
+          </a:p>
+          <a:p>
+            <a:r>
+              <a:rPr lang="en-US" sz="2400" dirty="0" smtClean="0"/>
+              <a:t>PMU  - performance Monitoring Unit</a:t>
+            </a:r>
+          </a:p>
+          <a:p>
+            <a:pPr lvl="1"/>
+            <a:r>
+              <a:rPr lang="en-US" sz="2400" dirty="0" smtClean="0"/>
+              <a:t>Set of counters that can count various events</a:t>
+            </a:r>
+          </a:p>
+          <a:p>
+            <a:r>
+              <a:rPr lang="en-US" sz="2400" dirty="0" smtClean="0"/>
+              <a:t>Trace Macrocell</a:t>
+            </a:r>
+          </a:p>
+          <a:p>
+            <a:pPr lvl="1"/>
+            <a:r>
+              <a:rPr lang="en-US" sz="2400" dirty="0" smtClean="0"/>
+              <a:t>Logic to control the trace</a:t>
+            </a:r>
+          </a:p>
+          <a:p>
+            <a:pPr lvl="1"/>
+            <a:r>
+              <a:rPr lang="en-US" sz="2400" dirty="0" smtClean="0"/>
+              <a:t>Path to move the trace data outside</a:t>
+            </a:r>
+          </a:p>
+          <a:p>
+            <a:r>
+              <a:rPr lang="en-US" sz="2400" dirty="0" smtClean="0"/>
+              <a:t>Cross trigger unit</a:t>
+            </a:r>
+          </a:p>
+          <a:p>
+            <a:pPr lvl="1"/>
+            <a:r>
+              <a:rPr lang="en-US" sz="2400" dirty="0" smtClean="0"/>
+              <a:t>Enable event from one CPU to trigger trace at another CPU </a:t>
+            </a:r>
+          </a:p>
+        </p:txBody>
+      </p:sp>
+    </p:spTree>
+    <p:custDataLst>
+      <p:tags r:id="rId1"/>
+    </p:custDataLst>
+  </p:cSld>
+  <p:clrMapOvr>
+    <a:masterClrMapping/>
+  </p:clrMapOvr>
+  <p:timing>
+    <p:tnLst>
+      <p:par>
+        <p:cTn id="1" dur="indefinite" restart="never" nodeType="tmRoot"/>
+      </p:par>
+    </p:tnLst>
+  </p:timing>
+</p:sld>
+</file>
+
+<file path=ppt/slides/slide55.xml><?xml version="1.0" encoding="utf-8"?>
+<p:sld xmlns:a="http://schemas.openxmlformats.org/drawingml/2006/main" xmlns:r="http://schemas.openxmlformats.org/officeDocument/2006/relationships" xmlns:p="http://schemas.openxmlformats.org/presentationml/2006/main">
+  <p:cSld>
+    <p:spTree>
+      <p:nvGrpSpPr>
+        <p:cNvPr id="1" name=""/>
+        <p:cNvGrpSpPr/>
+        <p:nvPr/>
+      </p:nvGrpSpPr>
+      <p:grpSpPr>
+        <a:xfrm>
+          <a:off x="0" y="0"/>
+          <a:ext cx="0" cy="0"/>
+          <a:chOff x="0" y="0"/>
+          <a:chExt cx="0" cy="0"/>
+        </a:xfrm>
+      </p:grpSpPr>
+      <p:sp>
+        <p:nvSpPr>
+          <p:cNvPr id="2" name="Title 1"/>
+          <p:cNvSpPr>
+            <a:spLocks noGrp="1"/>
+          </p:cNvSpPr>
+          <p:nvPr>
+            <p:ph type="title"/>
+          </p:nvPr>
+        </p:nvSpPr>
+        <p:spPr/>
+        <p:txBody>
+          <a:bodyPr/>
+          <a:lstStyle/>
+          <a:p>
+            <a:r>
+              <a:rPr lang="en-US" sz="4000" dirty="0" smtClean="0"/>
+              <a:t>Lab-Based Debug</a:t>
+            </a:r>
+            <a:endParaRPr lang="en-US" sz="4000" dirty="0"/>
+          </a:p>
+        </p:txBody>
+      </p:sp>
+      <p:sp>
+        <p:nvSpPr>
+          <p:cNvPr id="3" name="Content Placeholder 2"/>
+          <p:cNvSpPr>
+            <a:spLocks noGrp="1"/>
+          </p:cNvSpPr>
+          <p:nvPr>
+            <p:ph idx="1"/>
+          </p:nvPr>
+        </p:nvSpPr>
+        <p:spPr>
+          <a:xfrm>
+            <a:off x="381000" y="1665838"/>
+            <a:ext cx="8229600" cy="3210962"/>
+          </a:xfrm>
+        </p:spPr>
+        <p:txBody>
+          <a:bodyPr>
+            <a:noAutofit/>
+          </a:bodyPr>
+          <a:lstStyle/>
+          <a:p>
+            <a:r>
+              <a:rPr lang="en-US" sz="2800" dirty="0" smtClean="0"/>
+              <a:t>CCSv5 works with the ARM cores. </a:t>
+            </a:r>
+          </a:p>
+          <a:p>
+            <a:r>
+              <a:rPr lang="en-US" sz="2800" dirty="0" smtClean="0"/>
+              <a:t>The ARM integrated development environment, RealView Development Suite (RDS), provides lab-based debug facilities (breakpoint, memory view, etc.).</a:t>
+            </a:r>
+          </a:p>
+          <a:p>
+            <a:pPr lvl="1"/>
+            <a:r>
+              <a:rPr lang="en-US" dirty="0" smtClean="0"/>
+              <a:t>GNU Debugger (GDB)</a:t>
+            </a:r>
+          </a:p>
+          <a:p>
+            <a:r>
+              <a:rPr lang="en-US" sz="2800" dirty="0" smtClean="0"/>
+              <a:t>ARM hardware Debug registers facilitate debugging</a:t>
+            </a:r>
+            <a:endParaRPr lang="en-US" sz="2800" dirty="0"/>
+          </a:p>
+        </p:txBody>
+      </p:sp>
+    </p:spTree>
+    <p:custDataLst>
+      <p:tags r:id="rId1"/>
+    </p:custDataLst>
+  </p:cSld>
+  <p:clrMapOvr>
+    <a:masterClrMapping/>
+  </p:clrMapOvr>
+  <p:timing>
+    <p:tnLst>
+      <p:par>
+        <p:cTn id="1" dur="indefinite" restart="never" nodeType="tmRoot"/>
+      </p:par>
+    </p:tnLst>
+  </p:timing>
+</p:sld>
+</file>
+
+<file path=ppt/slides/slide56.xml><?xml version="1.0" encoding="utf-8"?>
 <p:sld xmlns:a="http://schemas.openxmlformats.org/drawingml/2006/main" xmlns:r="http://schemas.openxmlformats.org/officeDocument/2006/relationships" xmlns:p="http://schemas.openxmlformats.org/presentationml/2006/main">
   <p:cSld>
     <p:spTree>
@@ -13455,7 +15875,7 @@
 </p:sld>
 </file>
 
-<file path=ppt/slides/slide53.xml><?xml version="1.0" encoding="utf-8"?>
+<file path=ppt/slides/slide57.xml><?xml version="1.0" encoding="utf-8"?>
 <p:sld xmlns:a="http://schemas.openxmlformats.org/drawingml/2006/main" xmlns:r="http://schemas.openxmlformats.org/officeDocument/2006/relationships" xmlns:p="http://schemas.openxmlformats.org/presentationml/2006/main">
   <p:cSld>
     <p:spTree>
@@ -13581,7 +16001,7 @@
 </p:sld>
 </file>
 
-<file path=ppt/slides/slide54.xml><?xml version="1.0" encoding="utf-8"?>
+<file path=ppt/slides/slide58.xml><?xml version="1.0" encoding="utf-8"?>
 <p:sld xmlns:a="http://schemas.openxmlformats.org/drawingml/2006/main" xmlns:r="http://schemas.openxmlformats.org/officeDocument/2006/relationships" xmlns:p="http://schemas.openxmlformats.org/presentationml/2006/main">
   <p:cSld>
     <p:spTree>
@@ -13699,7 +16119,7 @@
 </p:sld>
 </file>
 
-<file path=ppt/slides/slide55.xml><?xml version="1.0" encoding="utf-8"?>
+<file path=ppt/slides/slide59.xml><?xml version="1.0" encoding="utf-8"?>
 <p:sld xmlns:a="http://schemas.openxmlformats.org/drawingml/2006/main" xmlns:r="http://schemas.openxmlformats.org/officeDocument/2006/relationships" xmlns:p="http://schemas.openxmlformats.org/presentationml/2006/main">
   <p:cSld>
     <p:spTree>
@@ -13788,7 +16208,132 @@
 </p:sld>
 </file>
 
-<file path=ppt/slides/slide56.xml><?xml version="1.0" encoding="utf-8"?>
+<file path=ppt/slides/slide6.xml><?xml version="1.0" encoding="utf-8"?>
+<p:sld xmlns:a="http://schemas.openxmlformats.org/drawingml/2006/main" xmlns:r="http://schemas.openxmlformats.org/officeDocument/2006/relationships" xmlns:p="http://schemas.openxmlformats.org/presentationml/2006/main">
+  <p:cSld>
+    <p:spTree>
+      <p:nvGrpSpPr>
+        <p:cNvPr id="1" name=""/>
+        <p:cNvGrpSpPr/>
+        <p:nvPr/>
+      </p:nvGrpSpPr>
+      <p:grpSpPr>
+        <a:xfrm>
+          <a:off x="0" y="0"/>
+          <a:ext cx="0" cy="0"/>
+          <a:chOff x="0" y="0"/>
+          <a:chExt cx="0" cy="0"/>
+        </a:xfrm>
+      </p:grpSpPr>
+      <p:sp>
+        <p:nvSpPr>
+          <p:cNvPr id="65544" name="Rectangle 2"/>
+          <p:cNvSpPr>
+            <a:spLocks noChangeArrowheads="1"/>
+          </p:cNvSpPr>
+          <p:nvPr/>
+        </p:nvSpPr>
+        <p:spPr bwMode="auto">
+          <a:xfrm>
+            <a:off x="144780" y="381000"/>
+            <a:ext cx="8907780" cy="652463"/>
+          </a:xfrm>
+          <a:prstGeom prst="rect">
+            <a:avLst/>
+          </a:prstGeom>
+          <a:noFill/>
+          <a:ln w="9525">
+            <a:noFill/>
+            <a:miter lim="800000"/>
+            <a:headEnd/>
+            <a:tailEnd/>
+          </a:ln>
+        </p:spPr>
+        <p:txBody>
+          <a:bodyPr anchor="ctr"/>
+          <a:lstStyle/>
+          <a:p>
+            <a:pPr algn="ctr" eaLnBrk="0" hangingPunct="0"/>
+            <a:r>
+              <a:rPr lang="en-US" altLang="ko-KR" sz="4000" b="1" dirty="0" smtClean="0">
+                <a:latin typeface="+mj-lt"/>
+                <a:ea typeface="+mj-ea"/>
+                <a:cs typeface="+mj-cs"/>
+              </a:rPr>
+              <a:t>ARM CorePac Functional Block </a:t>
+            </a:r>
+            <a:r>
+              <a:rPr lang="en-US" altLang="ko-KR" sz="4000" b="1" dirty="0">
+                <a:latin typeface="+mj-lt"/>
+                <a:ea typeface="+mj-ea"/>
+                <a:cs typeface="+mj-cs"/>
+              </a:rPr>
+              <a:t>D</a:t>
+            </a:r>
+            <a:r>
+              <a:rPr lang="en-US" altLang="ko-KR" sz="4000" b="1" dirty="0" smtClean="0">
+                <a:latin typeface="+mj-lt"/>
+                <a:ea typeface="+mj-ea"/>
+                <a:cs typeface="+mj-cs"/>
+              </a:rPr>
+              <a:t>iagram</a:t>
+            </a:r>
+            <a:endParaRPr lang="en-US" altLang="ko-KR" sz="4000" b="1" dirty="0">
+              <a:latin typeface="+mj-lt"/>
+              <a:ea typeface="+mj-ea"/>
+              <a:cs typeface="+mj-cs"/>
+            </a:endParaRPr>
+          </a:p>
+        </p:txBody>
+      </p:sp>
+      <p:pic>
+        <p:nvPicPr>
+          <p:cNvPr id="65548" name="Picture 12"/>
+          <p:cNvPicPr>
+            <a:picLocks noChangeAspect="1" noChangeArrowheads="1"/>
+          </p:cNvPicPr>
+          <p:nvPr/>
+        </p:nvPicPr>
+        <p:blipFill>
+          <a:blip r:embed="rId3" cstate="print"/>
+          <a:srcRect/>
+          <a:stretch>
+            <a:fillRect/>
+          </a:stretch>
+        </p:blipFill>
+        <p:spPr bwMode="auto">
+          <a:xfrm>
+            <a:off x="338138" y="1715453"/>
+            <a:ext cx="8467725" cy="4295775"/>
+          </a:xfrm>
+          <a:prstGeom prst="rect">
+            <a:avLst/>
+          </a:prstGeom>
+          <a:noFill/>
+          <a:ln w="9525">
+            <a:noFill/>
+            <a:miter lim="800000"/>
+            <a:headEnd/>
+            <a:tailEnd/>
+          </a:ln>
+        </p:spPr>
+      </p:pic>
+    </p:spTree>
+  </p:cSld>
+  <p:clrMapOvr>
+    <a:masterClrMapping/>
+  </p:clrMapOvr>
+  <p:timing>
+    <p:tnLst>
+      <p:par>
+        <p:cTn id="1" dur="indefinite" restart="never" nodeType="tmRoot"/>
+      </p:par>
+    </p:tnLst>
+  </p:timing>
+</p:sld>
+</file>
+
+<file path=ppt/slides/slide60.xml><?xml version="1.0" encoding="utf-8"?>
 <p:sld xmlns:a="http://schemas.openxmlformats.org/drawingml/2006/main" xmlns:r="http://schemas.openxmlformats.org/officeDocument/2006/relationships" xmlns:p="http://schemas.openxmlformats.org/presentationml/2006/main">
   <p:cSld>
     <p:spTree>
@@ -13924,7 +16469,7 @@
 </p:sld>
 </file>
 
-<file path=ppt/slides/slide57.xml><?xml version="1.0" encoding="utf-8"?>
+<file path=ppt/slides/slide61.xml><?xml version="1.0" encoding="utf-8"?>
 <p:sld xmlns:a="http://schemas.openxmlformats.org/drawingml/2006/main" xmlns:r="http://schemas.openxmlformats.org/officeDocument/2006/relationships" xmlns:p="http://schemas.openxmlformats.org/presentationml/2006/main">
   <p:cSld>
     <p:spTree>
@@ -14043,7 +16588,7 @@
 </p:sld>
 </file>
 
-<file path=ppt/slides/slide58.xml><?xml version="1.0" encoding="utf-8"?>
+<file path=ppt/slides/slide62.xml><?xml version="1.0" encoding="utf-8"?>
 <p:sld xmlns:a="http://schemas.openxmlformats.org/drawingml/2006/main" xmlns:r="http://schemas.openxmlformats.org/officeDocument/2006/relationships" xmlns:p="http://schemas.openxmlformats.org/presentationml/2006/main" show="0">
   <p:cSld>
     <p:spTree>
@@ -14138,7 +16683,7 @@
 </p:sld>
 </file>
 
-<file path=ppt/slides/slide59.xml><?xml version="1.0" encoding="utf-8"?>
+<file path=ppt/slides/slide63.xml><?xml version="1.0" encoding="utf-8"?>
 <p:sld xmlns:a="http://schemas.openxmlformats.org/drawingml/2006/main" xmlns:r="http://schemas.openxmlformats.org/officeDocument/2006/relationships" xmlns:p="http://schemas.openxmlformats.org/presentationml/2006/main" show="0">
   <p:cSld>
     <p:spTree>
@@ -14231,132 +16776,7 @@
 </p:sld>
 </file>
 
-<file path=ppt/slides/slide6.xml><?xml version="1.0" encoding="utf-8"?>
-<p:sld xmlns:a="http://schemas.openxmlformats.org/drawingml/2006/main" xmlns:r="http://schemas.openxmlformats.org/officeDocument/2006/relationships" xmlns:p="http://schemas.openxmlformats.org/presentationml/2006/main">
-  <p:cSld>
-    <p:spTree>
-      <p:nvGrpSpPr>
-        <p:cNvPr id="1" name=""/>
-        <p:cNvGrpSpPr/>
-        <p:nvPr/>
-      </p:nvGrpSpPr>
-      <p:grpSpPr>
-        <a:xfrm>
-          <a:off x="0" y="0"/>
-          <a:ext cx="0" cy="0"/>
-          <a:chOff x="0" y="0"/>
-          <a:chExt cx="0" cy="0"/>
-        </a:xfrm>
-      </p:grpSpPr>
-      <p:sp>
-        <p:nvSpPr>
-          <p:cNvPr id="65544" name="Rectangle 2"/>
-          <p:cNvSpPr>
-            <a:spLocks noChangeArrowheads="1"/>
-          </p:cNvSpPr>
-          <p:nvPr/>
-        </p:nvSpPr>
-        <p:spPr bwMode="auto">
-          <a:xfrm>
-            <a:off x="144780" y="381000"/>
-            <a:ext cx="8907780" cy="652463"/>
-          </a:xfrm>
-          <a:prstGeom prst="rect">
-            <a:avLst/>
-          </a:prstGeom>
-          <a:noFill/>
-          <a:ln w="9525">
-            <a:noFill/>
-            <a:miter lim="800000"/>
-            <a:headEnd/>
-            <a:tailEnd/>
-          </a:ln>
-        </p:spPr>
-        <p:txBody>
-          <a:bodyPr anchor="ctr"/>
-          <a:lstStyle/>
-          <a:p>
-            <a:pPr algn="ctr" eaLnBrk="0" hangingPunct="0"/>
-            <a:r>
-              <a:rPr lang="en-US" altLang="ko-KR" sz="4000" b="1" dirty="0" smtClean="0">
-                <a:latin typeface="+mj-lt"/>
-                <a:ea typeface="+mj-ea"/>
-                <a:cs typeface="+mj-cs"/>
-              </a:rPr>
-              <a:t>ARM CorePac Functional Block </a:t>
-            </a:r>
-            <a:r>
-              <a:rPr lang="en-US" altLang="ko-KR" sz="4000" b="1" dirty="0">
-                <a:latin typeface="+mj-lt"/>
-                <a:ea typeface="+mj-ea"/>
-                <a:cs typeface="+mj-cs"/>
-              </a:rPr>
-              <a:t>D</a:t>
-            </a:r>
-            <a:r>
-              <a:rPr lang="en-US" altLang="ko-KR" sz="4000" b="1" dirty="0" smtClean="0">
-                <a:latin typeface="+mj-lt"/>
-                <a:ea typeface="+mj-ea"/>
-                <a:cs typeface="+mj-cs"/>
-              </a:rPr>
-              <a:t>iagram</a:t>
-            </a:r>
-            <a:endParaRPr lang="en-US" altLang="ko-KR" sz="4000" b="1" dirty="0">
-              <a:latin typeface="+mj-lt"/>
-              <a:ea typeface="+mj-ea"/>
-              <a:cs typeface="+mj-cs"/>
-            </a:endParaRPr>
-          </a:p>
-        </p:txBody>
-      </p:sp>
-      <p:pic>
-        <p:nvPicPr>
-          <p:cNvPr id="65548" name="Picture 12"/>
-          <p:cNvPicPr>
-            <a:picLocks noChangeAspect="1" noChangeArrowheads="1"/>
-          </p:cNvPicPr>
-          <p:nvPr/>
-        </p:nvPicPr>
-        <p:blipFill>
-          <a:blip r:embed="rId3" cstate="print"/>
-          <a:srcRect/>
-          <a:stretch>
-            <a:fillRect/>
-          </a:stretch>
-        </p:blipFill>
-        <p:spPr bwMode="auto">
-          <a:xfrm>
-            <a:off x="338138" y="1715453"/>
-            <a:ext cx="8467725" cy="4295775"/>
-          </a:xfrm>
-          <a:prstGeom prst="rect">
-            <a:avLst/>
-          </a:prstGeom>
-          <a:noFill/>
-          <a:ln w="9525">
-            <a:noFill/>
-            <a:miter lim="800000"/>
-            <a:headEnd/>
-            <a:tailEnd/>
-          </a:ln>
-        </p:spPr>
-      </p:pic>
-    </p:spTree>
-  </p:cSld>
-  <p:clrMapOvr>
-    <a:masterClrMapping/>
-  </p:clrMapOvr>
-  <p:timing>
-    <p:tnLst>
-      <p:par>
-        <p:cTn id="1" dur="indefinite" restart="never" nodeType="tmRoot"/>
-      </p:par>
-    </p:tnLst>
-  </p:timing>
-</p:sld>
-</file>
-
-<file path=ppt/slides/slide60.xml><?xml version="1.0" encoding="utf-8"?>
+<file path=ppt/slides/slide64.xml><?xml version="1.0" encoding="utf-8"?>
 <p:sld xmlns:a="http://schemas.openxmlformats.org/drawingml/2006/main" xmlns:r="http://schemas.openxmlformats.org/officeDocument/2006/relationships" xmlns:p="http://schemas.openxmlformats.org/presentationml/2006/main">
   <p:cSld>
     <p:spTree>
@@ -14644,7 +17064,7 @@
 </p:sld>
 </file>
 
-<file path=ppt/slides/slide61.xml><?xml version="1.0" encoding="utf-8"?>
+<file path=ppt/slides/slide65.xml><?xml version="1.0" encoding="utf-8"?>
 <p:sld xmlns:a="http://schemas.openxmlformats.org/drawingml/2006/main" xmlns:r="http://schemas.openxmlformats.org/officeDocument/2006/relationships" xmlns:p="http://schemas.openxmlformats.org/presentationml/2006/main">
   <p:cSld>
     <p:spTree>
@@ -16491,27 +18911,10 @@
 </file>
 
 <file path=customXml/item1.xml><?xml version="1.0" encoding="utf-8"?>
-<p:properties xmlns:p="http://schemas.microsoft.com/office/2006/metadata/properties" xmlns:xsi="http://www.w3.org/2001/XMLSchema-instance">
-  <documentManagement>
-    <Content_x0020_Owner xmlns="99c847d8-566e-43ce-87b7-3c417d164c47">Ramroop, Saffie</Content_x0020_Owner>
-  </documentManagement>
-</p:properties>
+<LongProperties xmlns="http://schemas.microsoft.com/office/2006/metadata/longProperties"/>
 </file>
 
 <file path=customXml/item2.xml><?xml version="1.0" encoding="utf-8"?>
-<LongProperties xmlns="http://schemas.microsoft.com/office/2006/metadata/longProperties"/>
-</file>
-
-<file path=customXml/item3.xml><?xml version="1.0" encoding="utf-8"?>
-<?mso-contentType ?>
-<FormTemplates xmlns="http://schemas.microsoft.com/sharepoint/v3/contenttype/forms">
-  <Display>DocumentLibraryForm</Display>
-  <Edit>DocumentLibraryForm</Edit>
-  <New>DocumentLibraryForm</New>
-</FormTemplates>
-</file>
-
-<file path=customXml/item4.xml><?xml version="1.0" encoding="utf-8"?>
 <ct:contentTypeSchema xmlns:ct="http://schemas.microsoft.com/office/2006/metadata/contentType" xmlns:ma="http://schemas.microsoft.com/office/2006/metadata/properties/metaAttributes" ct:_="" ma:_="" ma:contentTypeName="Document" ma:contentTypeID="0x0101006BF34EDD2AB14F49969AD5B68D65D28C" ma:contentTypeVersion="1" ma:contentTypeDescription="Create a new document." ma:contentTypeScope="" ma:versionID="aec3fda75a9471671297bbb4606d1d91">
   <xsd:schema xmlns:xsd="http://www.w3.org/2001/XMLSchema" xmlns:p="http://schemas.microsoft.com/office/2006/metadata/properties" xmlns:ns2="99c847d8-566e-43ce-87b7-3c417d164c47" targetNamespace="http://schemas.microsoft.com/office/2006/metadata/properties" ma:root="true" ma:fieldsID="6b49c4b1e87cfd71c9528e3cb8636bc2" ns2:_="">
     <xsd:import namespace="99c847d8-566e-43ce-87b7-3c417d164c47"/>
@@ -16573,16 +18976,24 @@
 </ct:contentTypeSchema>
 </file>
 
-<file path=customXml/itemProps1.xml><?xml version="1.0" encoding="utf-8"?>
-<ds:datastoreItem xmlns:ds="http://schemas.openxmlformats.org/officeDocument/2006/customXml" ds:itemID="{7CBBC1DF-22C6-4C0C-A1CC-096D390C1463}">
-  <ds:schemaRefs>
-    <ds:schemaRef ds:uri="http://schemas.microsoft.com/office/2006/metadata/properties"/>
-    <ds:schemaRef ds:uri="99c847d8-566e-43ce-87b7-3c417d164c47"/>
-  </ds:schemaRefs>
-</ds:datastoreItem>
+<file path=customXml/item3.xml><?xml version="1.0" encoding="utf-8"?>
+<?mso-contentType ?>
+<FormTemplates xmlns="http://schemas.microsoft.com/sharepoint/v3/contenttype/forms">
+  <Display>DocumentLibraryForm</Display>
+  <Edit>DocumentLibraryForm</Edit>
+  <New>DocumentLibraryForm</New>
+</FormTemplates>
 </file>
 
-<file path=customXml/itemProps2.xml><?xml version="1.0" encoding="utf-8"?>
+<file path=customXml/item4.xml><?xml version="1.0" encoding="utf-8"?>
+<p:properties xmlns:p="http://schemas.microsoft.com/office/2006/metadata/properties" xmlns:xsi="http://www.w3.org/2001/XMLSchema-instance">
+  <documentManagement>
+    <Content_x0020_Owner xmlns="99c847d8-566e-43ce-87b7-3c417d164c47">Ramroop, Saffie</Content_x0020_Owner>
+  </documentManagement>
+</p:properties>
+</file>
+
+<file path=customXml/itemProps1.xml><?xml version="1.0" encoding="utf-8"?>
 <ds:datastoreItem xmlns:ds="http://schemas.openxmlformats.org/officeDocument/2006/customXml" ds:itemID="{08087394-933C-48A1-8AD9-030539CA3EF7}">
   <ds:schemaRefs>
     <ds:schemaRef ds:uri="http://schemas.microsoft.com/office/2006/metadata/longProperties"/>
@@ -16590,15 +19001,7 @@
 </ds:datastoreItem>
 </file>
 
-<file path=customXml/itemProps3.xml><?xml version="1.0" encoding="utf-8"?>
-<ds:datastoreItem xmlns:ds="http://schemas.openxmlformats.org/officeDocument/2006/customXml" ds:itemID="{9247FEFF-82D0-4BBE-AA2E-6E8C28F7BBE5}">
-  <ds:schemaRefs>
-    <ds:schemaRef ds:uri="http://schemas.microsoft.com/sharepoint/v3/contenttype/forms"/>
-  </ds:schemaRefs>
-</ds:datastoreItem>
-</file>
-
-<file path=customXml/itemProps4.xml><?xml version="1.0" encoding="utf-8"?>
+<file path=customXml/itemProps2.xml><?xml version="1.0" encoding="utf-8"?>
 <ds:datastoreItem xmlns:ds="http://schemas.openxmlformats.org/officeDocument/2006/customXml" ds:itemID="{83529300-F1B4-4E63-A67B-9E50D1598C67}">
   <ds:schemaRefs>
     <ds:schemaRef ds:uri="http://schemas.microsoft.com/office/2006/metadata/contentType"/>
@@ -16613,4 +19016,21 @@
     <ds:schemaRef ds:uri="http://schemas.microsoft.com/office/internal/2005/internalDocumentation"/>
   </ds:schemaRefs>
 </ds:datastoreItem>
+</file>
+
+<file path=customXml/itemProps3.xml><?xml version="1.0" encoding="utf-8"?>
+<ds:datastoreItem xmlns:ds="http://schemas.openxmlformats.org/officeDocument/2006/customXml" ds:itemID="{9247FEFF-82D0-4BBE-AA2E-6E8C28F7BBE5}">
+  <ds:schemaRefs>
+    <ds:schemaRef ds:uri="http://schemas.microsoft.com/sharepoint/v3/contenttype/forms"/>
+  </ds:schemaRefs>
+</ds:datastoreItem>
+</file>
+
+<file path=customXml/itemProps4.xml><?xml version="1.0" encoding="utf-8"?>
+<ds:datastoreItem xmlns:ds="http://schemas.openxmlformats.org/officeDocument/2006/customXml" ds:itemID="{7CBBC1DF-22C6-4C0C-A1CC-096D390C1463}">
+  <ds:schemaRefs>
+    <ds:schemaRef ds:uri="http://schemas.microsoft.com/office/2006/metadata/properties"/>
+    <ds:schemaRef ds:uri="99c847d8-566e-43ce-87b7-3c417d164c47"/>
+  </ds:schemaRefs>
+</ds:datastoreItem>
 </file>
--- a/trunk/preliminary/Working/presentations/KeyStoneII ARM Overview.pptx
+++ b/trunk/preliminary/Working/presentations/KeyStoneII ARM Overview.pptx
@@ -28,7 +28,7 @@
     <p:sldId id="878" r:id="rId20"/>
     <p:sldId id="912" r:id="rId21"/>
     <p:sldId id="879" r:id="rId22"/>
-    <p:sldId id="913" r:id="rId23"/>
+    <p:sldId id="934" r:id="rId23"/>
     <p:sldId id="914" r:id="rId24"/>
     <p:sldId id="880" r:id="rId25"/>
     <p:sldId id="881" r:id="rId26"/>
@@ -41,12 +41,12 @@
     <p:sldId id="930" r:id="rId33"/>
     <p:sldId id="931" r:id="rId34"/>
     <p:sldId id="932" r:id="rId35"/>
-    <p:sldId id="933" r:id="rId36"/>
+    <p:sldId id="935" r:id="rId36"/>
     <p:sldId id="925" r:id="rId37"/>
     <p:sldId id="926" r:id="rId38"/>
-    <p:sldId id="927" r:id="rId39"/>
-    <p:sldId id="928" r:id="rId40"/>
-    <p:sldId id="929" r:id="rId41"/>
+    <p:sldId id="936" r:id="rId39"/>
+    <p:sldId id="937" r:id="rId40"/>
+    <p:sldId id="938" r:id="rId41"/>
     <p:sldId id="885" r:id="rId42"/>
     <p:sldId id="886" r:id="rId43"/>
     <p:sldId id="887" r:id="rId44"/>
@@ -327,7 +327,7 @@
               <a:pPr>
                 <a:defRPr/>
               </a:pPr>
-              <a:t>2/5/2013</a:t>
+              <a:t>2/20/2013</a:t>
             </a:fld>
             <a:endParaRPr lang="en-US" dirty="0"/>
           </a:p>
@@ -3979,7 +3979,7 @@
             <a:fld id="{1B8179A2-2F23-44AB-AC94-6CE8F5D0AE56}" type="datetimeFigureOut">
               <a:rPr lang="en-US" smtClean="0"/>
               <a:pPr/>
-              <a:t>2/5/2013</a:t>
+              <a:t>2/20/2013</a:t>
             </a:fld>
             <a:endParaRPr lang="en-US" dirty="0"/>
           </a:p>
@@ -5058,10 +5058,8 @@
                   </a:schemeClr>
                 </a:solidFill>
               </a:rPr>
-              <a:t>MCP-MGM Applications Team</a:t>
-            </a:r>
-          </a:p>
-          <a:p>
+              <a:t>Multicore </a:t>
+            </a:r>
             <a:r>
               <a:rPr lang="en-US" sz="2800" dirty="0" smtClean="0">
                 <a:solidFill>
@@ -5071,9 +5069,20 @@
                   </a:schemeClr>
                 </a:solidFill>
               </a:rPr>
-              <a:t>December 2012</a:t>
-            </a:r>
-            <a:endParaRPr lang="en-US" sz="2800" dirty="0">
+              <a:t>Applications </a:t>
+            </a:r>
+            <a:r>
+              <a:rPr lang="en-US" sz="2800" dirty="0" smtClean="0">
+                <a:solidFill>
+                  <a:schemeClr val="tx1">
+                    <a:lumMod val="75000"/>
+                    <a:lumOff val="25000"/>
+                  </a:schemeClr>
+                </a:solidFill>
+              </a:rPr>
+              <a:t>Team</a:t>
+            </a:r>
+            <a:endParaRPr lang="en-US" sz="2800" dirty="0" smtClean="0">
               <a:solidFill>
                 <a:schemeClr val="tx1">
                   <a:lumMod val="75000"/>
@@ -5162,29 +5171,29 @@
         <p:spPr>
           <a:xfrm>
             <a:off x="457200" y="1126395"/>
-            <a:ext cx="8229600" cy="2884283"/>
+            <a:ext cx="8229600" cy="3626475"/>
           </a:xfrm>
         </p:spPr>
         <p:txBody>
           <a:bodyPr>
-            <a:normAutofit fontScale="85000" lnSpcReduction="20000"/>
+            <a:noAutofit/>
           </a:bodyPr>
           <a:lstStyle/>
           <a:p>
             <a:r>
-              <a:rPr lang="en-US" sz="2800" dirty="0" smtClean="0"/>
+              <a:rPr lang="en-US" sz="2400" dirty="0" smtClean="0"/>
               <a:t>Increase fetch from 64 to 128 bits</a:t>
             </a:r>
           </a:p>
           <a:p>
             <a:r>
-              <a:rPr lang="en-US" sz="2800" dirty="0" smtClean="0"/>
+              <a:rPr lang="en-US" sz="2400" dirty="0" smtClean="0"/>
               <a:t>Full support for unaligned fetch address</a:t>
             </a:r>
           </a:p>
           <a:p>
             <a:r>
-              <a:rPr lang="en-US" sz="2800" dirty="0" smtClean="0"/>
+              <a:rPr lang="en-US" sz="2400" dirty="0" smtClean="0"/>
               <a:t>L1D and L1P</a:t>
             </a:r>
           </a:p>
@@ -5204,7 +5213,7 @@
           </a:p>
           <a:p>
             <a:r>
-              <a:rPr lang="en-US" sz="2800" dirty="0" smtClean="0"/>
+              <a:rPr lang="en-US" sz="2400" dirty="0" smtClean="0"/>
               <a:t>L2 is unified memory that serves ALL cores in the cluster:</a:t>
             </a:r>
           </a:p>
@@ -5566,8 +5575,8 @@
         </p:nvSpPr>
         <p:spPr>
           <a:xfrm>
-            <a:off x="457200" y="861060"/>
-            <a:ext cx="8229600" cy="5059363"/>
+            <a:off x="65328" y="861060"/>
+            <a:ext cx="8576254" cy="1460109"/>
           </a:xfrm>
         </p:spPr>
         <p:txBody>
@@ -5581,10 +5590,20 @@
             </a:pPr>
             <a:r>
               <a:rPr lang="en-US" sz="2800" dirty="0" smtClean="0"/>
-              <a:t>Load and store data into 64-bits registers from memory with on the fly interleave – from ARM documentation:</a:t>
-            </a:r>
-          </a:p>
-          <a:p>
+              <a:t>Load and store data into </a:t>
+            </a:r>
+            <a:r>
+              <a:rPr lang="en-US" sz="2800" dirty="0" smtClean="0"/>
+              <a:t>64-bit </a:t>
+            </a:r>
+            <a:r>
+              <a:rPr lang="en-US" sz="2800" dirty="0" smtClean="0"/>
+              <a:t>registers from memory with on the fly </a:t>
+            </a:r>
+            <a:r>
+              <a:rPr lang="en-US" sz="2800" dirty="0" smtClean="0"/>
+              <a:t>interleave, as shown in this diagram from the ARM documentation.</a:t>
+            </a:r>
             <a:endParaRPr lang="en-US" sz="2800" dirty="0" smtClean="0"/>
           </a:p>
         </p:txBody>
@@ -5606,8 +5625,8 @@
         </p:blipFill>
         <p:spPr bwMode="auto">
           <a:xfrm>
-            <a:off x="937260" y="2299661"/>
-            <a:ext cx="6792126" cy="3407719"/>
+            <a:off x="446337" y="2299661"/>
+            <a:ext cx="8254333" cy="4141332"/>
           </a:xfrm>
           <a:prstGeom prst="rect">
             <a:avLst/>
@@ -5857,7 +5876,23 @@
           <a:p>
             <a:r>
               <a:rPr lang="en-US" sz="2800" dirty="0" smtClean="0"/>
-              <a:t>Native (Hardware) support for all IEEE-defined floating-point operations and rounding modes; single and double precision</a:t>
+              <a:t>Native </a:t>
+            </a:r>
+            <a:r>
+              <a:rPr lang="en-US" sz="2800" dirty="0" smtClean="0"/>
+              <a:t>(hardware</a:t>
+            </a:r>
+            <a:r>
+              <a:rPr lang="en-US" sz="2800" dirty="0" smtClean="0"/>
+              <a:t>) support for all IEEE-defined floating-point operations and rounding modes; </a:t>
+            </a:r>
+            <a:r>
+              <a:rPr lang="en-US" sz="2800" dirty="0" smtClean="0"/>
+              <a:t>Single </a:t>
+            </a:r>
+            <a:r>
+              <a:rPr lang="en-US" sz="2800" dirty="0" smtClean="0"/>
+              <a:t>and double precision</a:t>
             </a:r>
           </a:p>
           <a:p>
@@ -5869,8 +5904,28 @@
           <a:p>
             <a:r>
               <a:rPr lang="en-US" sz="2800" dirty="0" smtClean="0"/>
-              <a:t>Supports half-precision (IEEE754-2008) (1 sign, 5 exponent, 10 mantissa)</a:t>
-            </a:r>
+              <a:t>Supports half-precision (</a:t>
+            </a:r>
+            <a:r>
+              <a:rPr lang="en-US" sz="2800" dirty="0" smtClean="0"/>
+              <a:t>IEEE754-2008);</a:t>
+            </a:r>
+            <a:br>
+              <a:rPr lang="en-US" sz="2800" dirty="0" smtClean="0"/>
+            </a:br>
+            <a:r>
+              <a:rPr lang="en-US" sz="2800" dirty="0" smtClean="0"/>
+              <a:t>1-bit sign, 5-bit </a:t>
+            </a:r>
+            <a:r>
+              <a:rPr lang="en-US" sz="2800" dirty="0" smtClean="0"/>
+              <a:t>exponent, </a:t>
+            </a:r>
+            <a:r>
+              <a:rPr lang="en-US" sz="2800" dirty="0" smtClean="0"/>
+              <a:t>10-bit mantissa</a:t>
+            </a:r>
+            <a:endParaRPr lang="en-US" sz="2800" dirty="0" smtClean="0"/>
           </a:p>
           <a:p>
             <a:endParaRPr lang="en-US" sz="2800" dirty="0" smtClean="0"/>
@@ -6107,15 +6162,21 @@
           <a:p>
             <a:r>
               <a:rPr lang="en-US" sz="2800" dirty="0" smtClean="0"/>
-              <a:t>Logical-to-physical memory translation</a:t>
-            </a:r>
+              <a:t>Logical-to-physical memory </a:t>
+            </a:r>
+            <a:r>
+              <a:rPr lang="en-US" sz="2800" dirty="0" smtClean="0"/>
+              <a:t>translation:</a:t>
+            </a:r>
+            <a:endParaRPr lang="en-US" sz="2800" dirty="0" smtClean="0"/>
           </a:p>
           <a:p>
             <a:pPr lvl="1"/>
             <a:r>
               <a:rPr lang="en-US" sz="2400" dirty="0" smtClean="0"/>
-              <a:t>Users protection</a:t>
-            </a:r>
+              <a:t>User protected</a:t>
+            </a:r>
+            <a:endParaRPr lang="en-US" sz="2400" dirty="0" smtClean="0"/>
           </a:p>
           <a:p>
             <a:pPr lvl="1"/>
@@ -6133,8 +6194,13 @@
           <a:p>
             <a:r>
               <a:rPr lang="en-US" sz="2800" dirty="0" smtClean="0"/>
-              <a:t>Three-level data structure for virtual 4kB page </a:t>
-            </a:r>
+              <a:t>Three-level data structure for virtual 4kB </a:t>
+            </a:r>
+            <a:r>
+              <a:rPr lang="en-US" sz="2800" dirty="0" smtClean="0"/>
+              <a:t>page: </a:t>
+            </a:r>
+            <a:endParaRPr lang="en-US" sz="2800" dirty="0" smtClean="0"/>
           </a:p>
           <a:p>
             <a:pPr lvl="1"/>
@@ -6147,7 +6213,23 @@
             <a:pPr lvl="1"/>
             <a:r>
               <a:rPr lang="en-US" sz="2400" dirty="0" smtClean="0"/>
-              <a:t>Translation Lookaside Buffers (TLB) caches one page of address translations per entry to speed up translation process (L1 instruction access, L1 data access and L2 TLB)</a:t>
+              <a:t>Translation Lookaside Buffers (TLB) </a:t>
+            </a:r>
+            <a:r>
+              <a:rPr lang="en-US" sz="2400" dirty="0" smtClean="0"/>
+              <a:t>cache </a:t>
+            </a:r>
+            <a:r>
+              <a:rPr lang="en-US" sz="2400" dirty="0" smtClean="0"/>
+              <a:t>one page of address translations per entry to speed up translation process (L1 instruction access, L1 data </a:t>
+            </a:r>
+            <a:r>
+              <a:rPr lang="en-US" sz="2400" dirty="0" smtClean="0"/>
+              <a:t>access, </a:t>
+            </a:r>
+            <a:r>
+              <a:rPr lang="en-US" sz="2400" dirty="0" smtClean="0"/>
+              <a:t>and L2 TLB)</a:t>
             </a:r>
           </a:p>
           <a:p>
@@ -6204,8 +6286,8 @@
         </p:nvSpPr>
         <p:spPr>
           <a:xfrm>
-            <a:off x="457200" y="274638"/>
-            <a:ext cx="8229600" cy="1020762"/>
+            <a:off x="457200" y="184206"/>
+            <a:ext cx="8229600" cy="800536"/>
           </a:xfrm>
         </p:spPr>
         <p:txBody>
@@ -6216,46 +6298,1208 @@
           <a:p>
             <a:r>
               <a:rPr lang="en-US" sz="3600" dirty="0" smtClean="0"/>
-              <a:t>From Wikipedia – MMU, TLB and Page</a:t>
+              <a:t>MMU</a:t>
+            </a:r>
+            <a:r>
+              <a:rPr lang="en-US" sz="3600" dirty="0" smtClean="0"/>
+              <a:t>, </a:t>
+            </a:r>
+            <a:r>
+              <a:rPr lang="en-US" sz="3600" dirty="0" smtClean="0"/>
+              <a:t>TLB, </a:t>
+            </a:r>
+            <a:r>
+              <a:rPr lang="en-US" sz="3600" dirty="0" smtClean="0"/>
+              <a:t>and Page</a:t>
             </a:r>
             <a:endParaRPr lang="en-US" sz="3600" dirty="0"/>
           </a:p>
         </p:txBody>
       </p:sp>
-      <p:pic>
-        <p:nvPicPr>
-          <p:cNvPr id="2050" name="Picture 2"/>
-          <p:cNvPicPr>
-            <a:picLocks noGrp="1" noChangeAspect="1" noChangeArrowheads="1"/>
-          </p:cNvPicPr>
-          <p:nvPr>
-            <p:ph idx="1"/>
-          </p:nvPr>
-        </p:nvPicPr>
-        <p:blipFill>
-          <a:blip r:embed="rId2" cstate="print"/>
-          <a:srcRect l="2689" t="7007" b="7007"/>
-          <a:stretch>
-            <a:fillRect/>
-          </a:stretch>
-        </p:blipFill>
-        <p:spPr bwMode="auto">
+      <p:grpSp>
+        <p:nvGrpSpPr>
+          <p:cNvPr id="28" name="Group 27"/>
+          <p:cNvGrpSpPr/>
+          <p:nvPr/>
+        </p:nvGrpSpPr>
+        <p:grpSpPr>
           <a:xfrm>
-            <a:off x="980902" y="1325880"/>
-            <a:ext cx="6913418" cy="4688559"/>
+            <a:off x="894303" y="1316334"/>
+            <a:ext cx="7727183" cy="4069581"/>
+            <a:chOff x="1175657" y="1567543"/>
+            <a:chExt cx="6494597" cy="3175279"/>
           </a:xfrm>
-          <a:prstGeom prst="rect">
-            <a:avLst/>
-          </a:prstGeom>
-          <a:noFill/>
-          <a:ln w="9525">
+        </p:grpSpPr>
+        <p:sp>
+          <p:nvSpPr>
+            <p:cNvPr id="5" name="Rectangle 4"/>
+            <p:cNvSpPr/>
+            <p:nvPr/>
+          </p:nvSpPr>
+          <p:spPr bwMode="auto">
+            <a:xfrm>
+              <a:off x="1175657" y="2260879"/>
+              <a:ext cx="994787" cy="854110"/>
+            </a:xfrm>
+            <a:prstGeom prst="rect">
+              <a:avLst/>
+            </a:prstGeom>
+            <a:solidFill>
+              <a:schemeClr val="accent1">
+                <a:lumMod val="20000"/>
+                <a:lumOff val="80000"/>
+              </a:schemeClr>
+            </a:solidFill>
+            <a:ln w="9525" cap="flat" cmpd="sng" algn="ctr">
+              <a:solidFill>
+                <a:schemeClr val="tx1"/>
+              </a:solidFill>
+              <a:prstDash val="solid"/>
+              <a:round/>
+              <a:headEnd type="none" w="med" len="med"/>
+              <a:tailEnd type="none" w="med" len="med"/>
+            </a:ln>
+            <a:effectLst/>
+          </p:spPr>
+          <p:txBody>
+            <a:bodyPr vert="horz" wrap="square" lIns="91440" tIns="45720" rIns="91440" bIns="45720" numCol="1" rtlCol="0" anchor="t" anchorCtr="0" compatLnSpc="1">
+              <a:prstTxWarp prst="textNoShape">
+                <a:avLst/>
+              </a:prstTxWarp>
+            </a:bodyPr>
+            <a:lstStyle/>
+            <a:p>
+              <a:pPr marL="0" marR="0" indent="0" algn="ctr" defTabSz="914400" rtl="0" eaLnBrk="0" fontAlgn="base" latinLnBrk="0" hangingPunct="0">
+                <a:lnSpc>
+                  <a:spcPct val="100000"/>
+                </a:lnSpc>
+                <a:spcBef>
+                  <a:spcPct val="0"/>
+                </a:spcBef>
+                <a:spcAft>
+                  <a:spcPct val="0"/>
+                </a:spcAft>
+                <a:buClrTx/>
+                <a:buSzTx/>
+                <a:buFontTx/>
+                <a:buNone/>
+                <a:tabLst/>
+              </a:pPr>
+              <a:endParaRPr kumimoji="0" lang="en-US" sz="1400" b="0" i="0" u="none" strike="noStrike" cap="none" normalizeH="0" baseline="0" dirty="0" smtClean="0">
+                <a:ln>
+                  <a:noFill/>
+                </a:ln>
+                <a:solidFill>
+                  <a:schemeClr val="tx1"/>
+                </a:solidFill>
+                <a:effectLst/>
+                <a:latin typeface="+mn-lt"/>
+              </a:endParaRPr>
+            </a:p>
+            <a:p>
+              <a:pPr marL="0" marR="0" indent="0" algn="ctr" defTabSz="914400" rtl="0" eaLnBrk="0" fontAlgn="base" latinLnBrk="0" hangingPunct="0">
+                <a:lnSpc>
+                  <a:spcPct val="100000"/>
+                </a:lnSpc>
+                <a:spcBef>
+                  <a:spcPct val="0"/>
+                </a:spcBef>
+                <a:spcAft>
+                  <a:spcPct val="0"/>
+                </a:spcAft>
+                <a:buClrTx/>
+                <a:buSzTx/>
+                <a:buFontTx/>
+                <a:buNone/>
+                <a:tabLst/>
+              </a:pPr>
+              <a:r>
+                <a:rPr kumimoji="0" lang="en-US" sz="1800" b="0" i="0" u="none" strike="noStrike" cap="none" normalizeH="0" baseline="0" dirty="0" smtClean="0">
+                  <a:ln>
+                    <a:noFill/>
+                  </a:ln>
+                  <a:solidFill>
+                    <a:schemeClr val="tx1"/>
+                  </a:solidFill>
+                  <a:effectLst/>
+                  <a:latin typeface="+mn-lt"/>
+                </a:rPr>
+                <a:t>CorePac</a:t>
+              </a:r>
+              <a:endParaRPr kumimoji="0" lang="en-US" sz="1800" b="0" i="0" u="none" strike="noStrike" cap="none" normalizeH="0" baseline="0" dirty="0" smtClean="0">
+                <a:ln>
+                  <a:noFill/>
+                </a:ln>
+                <a:solidFill>
+                  <a:schemeClr val="tx1"/>
+                </a:solidFill>
+                <a:effectLst/>
+                <a:latin typeface="+mn-lt"/>
+              </a:endParaRPr>
+            </a:p>
+          </p:txBody>
+        </p:sp>
+        <p:sp>
+          <p:nvSpPr>
+            <p:cNvPr id="6" name="Rectangle 5"/>
+            <p:cNvSpPr/>
+            <p:nvPr/>
+          </p:nvSpPr>
+          <p:spPr bwMode="auto">
+            <a:xfrm>
+              <a:off x="3558791" y="2262554"/>
+              <a:ext cx="1123741" cy="854110"/>
+            </a:xfrm>
+            <a:prstGeom prst="rect">
+              <a:avLst/>
+            </a:prstGeom>
+            <a:solidFill>
+              <a:srgbClr val="FFFFCC"/>
+            </a:solidFill>
+            <a:ln w="9525" cap="flat" cmpd="sng" algn="ctr">
+              <a:solidFill>
+                <a:schemeClr val="tx1"/>
+              </a:solidFill>
+              <a:prstDash val="solid"/>
+              <a:round/>
+              <a:headEnd type="none" w="med" len="med"/>
+              <a:tailEnd type="none" w="med" len="med"/>
+            </a:ln>
+            <a:effectLst/>
+          </p:spPr>
+          <p:txBody>
+            <a:bodyPr vert="horz" wrap="square" lIns="91440" tIns="45720" rIns="91440" bIns="45720" numCol="1" rtlCol="0" anchor="t" anchorCtr="0" compatLnSpc="1">
+              <a:prstTxWarp prst="textNoShape">
+                <a:avLst/>
+              </a:prstTxWarp>
+            </a:bodyPr>
+            <a:lstStyle/>
+            <a:p>
+              <a:pPr marL="0" marR="0" indent="0" algn="ctr" defTabSz="914400" rtl="0" eaLnBrk="0" fontAlgn="base" latinLnBrk="0" hangingPunct="0">
+                <a:lnSpc>
+                  <a:spcPct val="100000"/>
+                </a:lnSpc>
+                <a:spcBef>
+                  <a:spcPct val="0"/>
+                </a:spcBef>
+                <a:spcAft>
+                  <a:spcPct val="0"/>
+                </a:spcAft>
+                <a:buClrTx/>
+                <a:buSzTx/>
+                <a:buFontTx/>
+                <a:buNone/>
+                <a:tabLst/>
+              </a:pPr>
+              <a:endParaRPr kumimoji="0" lang="en-US" sz="1800" b="0" i="0" u="none" strike="noStrike" cap="none" normalizeH="0" baseline="0" dirty="0" smtClean="0">
+                <a:ln>
+                  <a:noFill/>
+                </a:ln>
+                <a:solidFill>
+                  <a:schemeClr val="tx1"/>
+                </a:solidFill>
+                <a:effectLst/>
+                <a:latin typeface="+mn-lt"/>
+              </a:endParaRPr>
+            </a:p>
+            <a:p>
+              <a:pPr marL="0" marR="0" indent="0" algn="ctr" defTabSz="914400" rtl="0" eaLnBrk="0" fontAlgn="base" latinLnBrk="0" hangingPunct="0">
+                <a:lnSpc>
+                  <a:spcPct val="100000"/>
+                </a:lnSpc>
+                <a:spcBef>
+                  <a:spcPct val="0"/>
+                </a:spcBef>
+                <a:spcAft>
+                  <a:spcPct val="0"/>
+                </a:spcAft>
+                <a:buClrTx/>
+                <a:buSzTx/>
+                <a:buFontTx/>
+                <a:buNone/>
+                <a:tabLst/>
+              </a:pPr>
+              <a:r>
+                <a:rPr kumimoji="0" lang="en-US" sz="1800" b="0" i="0" u="none" strike="noStrike" cap="none" normalizeH="0" baseline="0" dirty="0" smtClean="0">
+                  <a:ln>
+                    <a:noFill/>
+                  </a:ln>
+                  <a:solidFill>
+                    <a:schemeClr val="tx1"/>
+                  </a:solidFill>
+                  <a:effectLst/>
+                  <a:latin typeface="+mn-lt"/>
+                </a:rPr>
+                <a:t>MMU</a:t>
+              </a:r>
+              <a:endParaRPr kumimoji="0" lang="en-US" sz="1800" b="0" i="0" u="none" strike="noStrike" cap="none" normalizeH="0" baseline="0" dirty="0" smtClean="0">
+                <a:ln>
+                  <a:noFill/>
+                </a:ln>
+                <a:solidFill>
+                  <a:schemeClr val="tx1"/>
+                </a:solidFill>
+                <a:effectLst/>
+                <a:latin typeface="+mn-lt"/>
+              </a:endParaRPr>
+            </a:p>
+          </p:txBody>
+        </p:sp>
+        <p:sp>
+          <p:nvSpPr>
+            <p:cNvPr id="7" name="Rectangle 6"/>
+            <p:cNvSpPr/>
+            <p:nvPr/>
+          </p:nvSpPr>
+          <p:spPr bwMode="auto">
+            <a:xfrm>
+              <a:off x="3560465" y="3650901"/>
+              <a:ext cx="1123741" cy="569407"/>
+            </a:xfrm>
+            <a:prstGeom prst="rect">
+              <a:avLst/>
+            </a:prstGeom>
+            <a:solidFill>
+              <a:srgbClr val="FFFFCC"/>
+            </a:solidFill>
+            <a:ln w="9525" cap="flat" cmpd="sng" algn="ctr">
+              <a:solidFill>
+                <a:schemeClr val="tx1"/>
+              </a:solidFill>
+              <a:prstDash val="solid"/>
+              <a:round/>
+              <a:headEnd type="none" w="med" len="med"/>
+              <a:tailEnd type="none" w="med" len="med"/>
+            </a:ln>
+            <a:effectLst/>
+          </p:spPr>
+          <p:txBody>
+            <a:bodyPr vert="horz" wrap="square" lIns="91440" tIns="45720" rIns="91440" bIns="45720" numCol="1" rtlCol="0" anchor="t" anchorCtr="0" compatLnSpc="1">
+              <a:prstTxWarp prst="textNoShape">
+                <a:avLst/>
+              </a:prstTxWarp>
+            </a:bodyPr>
+            <a:lstStyle/>
+            <a:p>
+              <a:pPr marL="0" marR="0" indent="0" algn="ctr" defTabSz="914400" rtl="0" eaLnBrk="0" fontAlgn="base" latinLnBrk="0" hangingPunct="0">
+                <a:lnSpc>
+                  <a:spcPct val="100000"/>
+                </a:lnSpc>
+                <a:spcBef>
+                  <a:spcPct val="0"/>
+                </a:spcBef>
+                <a:spcAft>
+                  <a:spcPct val="0"/>
+                </a:spcAft>
+                <a:buClrTx/>
+                <a:buSzTx/>
+                <a:buFontTx/>
+                <a:buNone/>
+                <a:tabLst/>
+              </a:pPr>
+              <a:endParaRPr kumimoji="0" lang="en-US" sz="800" b="0" i="0" u="none" strike="noStrike" cap="none" normalizeH="0" baseline="0" dirty="0" smtClean="0">
+                <a:ln>
+                  <a:noFill/>
+                </a:ln>
+                <a:solidFill>
+                  <a:schemeClr val="tx1"/>
+                </a:solidFill>
+                <a:effectLst/>
+                <a:latin typeface="+mn-lt"/>
+              </a:endParaRPr>
+            </a:p>
+            <a:p>
+              <a:pPr marL="0" marR="0" indent="0" algn="ctr" defTabSz="914400" rtl="0" eaLnBrk="0" fontAlgn="base" latinLnBrk="0" hangingPunct="0">
+                <a:lnSpc>
+                  <a:spcPct val="100000"/>
+                </a:lnSpc>
+                <a:spcBef>
+                  <a:spcPct val="0"/>
+                </a:spcBef>
+                <a:spcAft>
+                  <a:spcPct val="0"/>
+                </a:spcAft>
+                <a:buClrTx/>
+                <a:buSzTx/>
+                <a:buFontTx/>
+                <a:buNone/>
+                <a:tabLst/>
+              </a:pPr>
+              <a:r>
+                <a:rPr kumimoji="0" lang="en-US" sz="1800" b="0" i="0" u="none" strike="noStrike" cap="none" normalizeH="0" baseline="0" dirty="0" smtClean="0">
+                  <a:ln>
+                    <a:noFill/>
+                  </a:ln>
+                  <a:solidFill>
+                    <a:schemeClr val="tx1"/>
+                  </a:solidFill>
+                  <a:effectLst/>
+                  <a:latin typeface="+mn-lt"/>
+                </a:rPr>
+                <a:t>TLB</a:t>
+              </a:r>
+              <a:endParaRPr kumimoji="0" lang="en-US" sz="1800" b="0" i="0" u="none" strike="noStrike" cap="none" normalizeH="0" baseline="0" dirty="0" smtClean="0">
+                <a:ln>
+                  <a:noFill/>
+                </a:ln>
+                <a:solidFill>
+                  <a:schemeClr val="tx1"/>
+                </a:solidFill>
+                <a:effectLst/>
+                <a:latin typeface="+mn-lt"/>
+              </a:endParaRPr>
+            </a:p>
+          </p:txBody>
+        </p:sp>
+        <p:cxnSp>
+          <p:nvCxnSpPr>
+            <p:cNvPr id="9" name="Straight Arrow Connector 8"/>
+            <p:cNvCxnSpPr>
+              <a:stCxn id="5" idx="3"/>
+              <a:endCxn id="6" idx="1"/>
+            </p:cNvCxnSpPr>
+            <p:nvPr/>
+          </p:nvCxnSpPr>
+          <p:spPr bwMode="auto">
+            <a:xfrm>
+              <a:off x="2170444" y="2687934"/>
+              <a:ext cx="1388347" cy="1675"/>
+            </a:xfrm>
+            <a:prstGeom prst="straightConnector1">
+              <a:avLst/>
+            </a:prstGeom>
+            <a:solidFill>
+              <a:schemeClr val="accent1"/>
+            </a:solidFill>
+            <a:ln w="28575" cap="flat" cmpd="sng" algn="ctr">
+              <a:solidFill>
+                <a:schemeClr val="tx1"/>
+              </a:solidFill>
+              <a:prstDash val="solid"/>
+              <a:round/>
+              <a:headEnd type="none" w="med" len="med"/>
+              <a:tailEnd type="triangle" w="lg" len="lg"/>
+            </a:ln>
+            <a:effectLst/>
+          </p:spPr>
+        </p:cxnSp>
+        <p:cxnSp>
+          <p:nvCxnSpPr>
+            <p:cNvPr id="10" name="Straight Arrow Connector 9"/>
+            <p:cNvCxnSpPr/>
+            <p:nvPr/>
+          </p:nvCxnSpPr>
+          <p:spPr bwMode="auto">
+            <a:xfrm flipH="1">
+              <a:off x="3898760" y="3155183"/>
+              <a:ext cx="10049" cy="502417"/>
+            </a:xfrm>
+            <a:prstGeom prst="straightConnector1">
+              <a:avLst/>
+            </a:prstGeom>
+            <a:solidFill>
+              <a:schemeClr val="accent1"/>
+            </a:solidFill>
+            <a:ln w="28575" cap="flat" cmpd="sng" algn="ctr">
+              <a:solidFill>
+                <a:schemeClr val="tx1"/>
+              </a:solidFill>
+              <a:prstDash val="solid"/>
+              <a:round/>
+              <a:headEnd type="none" w="med" len="med"/>
+              <a:tailEnd type="triangle" w="lg" len="lg"/>
+            </a:ln>
+            <a:effectLst/>
+          </p:spPr>
+        </p:cxnSp>
+        <p:cxnSp>
+          <p:nvCxnSpPr>
+            <p:cNvPr id="13" name="Straight Arrow Connector 12"/>
+            <p:cNvCxnSpPr/>
+            <p:nvPr/>
+          </p:nvCxnSpPr>
+          <p:spPr bwMode="auto">
+            <a:xfrm flipH="1">
+              <a:off x="4421275" y="3135086"/>
+              <a:ext cx="10049" cy="502417"/>
+            </a:xfrm>
+            <a:prstGeom prst="straightConnector1">
+              <a:avLst/>
+            </a:prstGeom>
+            <a:solidFill>
+              <a:schemeClr val="accent1"/>
+            </a:solidFill>
+            <a:ln w="28575" cap="flat" cmpd="sng" algn="ctr">
+              <a:solidFill>
+                <a:schemeClr val="tx1"/>
+              </a:solidFill>
+              <a:prstDash val="solid"/>
+              <a:round/>
+              <a:headEnd type="triangle" w="lg" len="lg"/>
+              <a:tailEnd type="none" w="lg" len="lg"/>
+            </a:ln>
+            <a:effectLst/>
+          </p:spPr>
+        </p:cxnSp>
+        <p:cxnSp>
+          <p:nvCxnSpPr>
+            <p:cNvPr id="14" name="Straight Arrow Connector 13"/>
+            <p:cNvCxnSpPr/>
+            <p:nvPr/>
+          </p:nvCxnSpPr>
+          <p:spPr bwMode="auto">
+            <a:xfrm>
+              <a:off x="4704303" y="2689609"/>
+              <a:ext cx="1676400" cy="3350"/>
+            </a:xfrm>
+            <a:prstGeom prst="straightConnector1">
+              <a:avLst/>
+            </a:prstGeom>
+            <a:solidFill>
+              <a:schemeClr val="accent1"/>
+            </a:solidFill>
+            <a:ln w="28575" cap="flat" cmpd="sng" algn="ctr">
+              <a:solidFill>
+                <a:schemeClr val="tx1"/>
+              </a:solidFill>
+              <a:prstDash val="solid"/>
+              <a:round/>
+              <a:headEnd type="none" w="med" len="med"/>
+              <a:tailEnd type="triangle" w="lg" len="lg"/>
+            </a:ln>
+            <a:effectLst/>
+          </p:spPr>
+        </p:cxnSp>
+        <p:sp>
+          <p:nvSpPr>
+            <p:cNvPr id="16" name="Rectangle 15"/>
+            <p:cNvSpPr/>
+            <p:nvPr/>
+          </p:nvSpPr>
+          <p:spPr bwMode="auto">
+            <a:xfrm>
+              <a:off x="6380703" y="1567543"/>
+              <a:ext cx="1286189" cy="3175279"/>
+            </a:xfrm>
+            <a:prstGeom prst="rect">
+              <a:avLst/>
+            </a:prstGeom>
+            <a:solidFill>
+              <a:schemeClr val="accent1"/>
+            </a:solidFill>
+            <a:ln w="9525" cap="flat" cmpd="sng" algn="ctr">
+              <a:solidFill>
+                <a:schemeClr val="tx1"/>
+              </a:solidFill>
+              <a:prstDash val="solid"/>
+              <a:round/>
+              <a:headEnd type="none" w="med" len="med"/>
+              <a:tailEnd type="none" w="med" len="med"/>
+            </a:ln>
+            <a:effectLst/>
+          </p:spPr>
+          <p:txBody>
+            <a:bodyPr vert="horz" wrap="square" lIns="91440" tIns="45720" rIns="91440" bIns="45720" numCol="1" rtlCol="0" anchor="t" anchorCtr="0" compatLnSpc="1">
+              <a:prstTxWarp prst="textNoShape">
+                <a:avLst/>
+              </a:prstTxWarp>
+            </a:bodyPr>
+            <a:lstStyle/>
+            <a:p>
+              <a:pPr marL="0" marR="0" indent="0" algn="ctr" defTabSz="914400" rtl="0" eaLnBrk="0" fontAlgn="base" latinLnBrk="0" hangingPunct="0">
+                <a:lnSpc>
+                  <a:spcPct val="100000"/>
+                </a:lnSpc>
+                <a:spcBef>
+                  <a:spcPct val="0"/>
+                </a:spcBef>
+                <a:spcAft>
+                  <a:spcPct val="0"/>
+                </a:spcAft>
+                <a:buClrTx/>
+                <a:buSzTx/>
+                <a:buFontTx/>
+                <a:buNone/>
+                <a:tabLst/>
+              </a:pPr>
+              <a:r>
+                <a:rPr kumimoji="0" lang="en-US" sz="1800" b="0" i="0" u="none" strike="noStrike" cap="none" normalizeH="0" baseline="0" dirty="0" smtClean="0">
+                  <a:ln>
+                    <a:noFill/>
+                  </a:ln>
+                  <a:solidFill>
+                    <a:schemeClr val="bg1"/>
+                  </a:solidFill>
+                  <a:effectLst/>
+                  <a:latin typeface="+mn-lt"/>
+                </a:rPr>
+                <a:t>Memory</a:t>
+              </a:r>
+            </a:p>
+            <a:p>
+              <a:pPr marL="0" marR="0" indent="0" algn="ctr" defTabSz="914400" rtl="0" eaLnBrk="0" fontAlgn="base" latinLnBrk="0" hangingPunct="0">
+                <a:lnSpc>
+                  <a:spcPct val="100000"/>
+                </a:lnSpc>
+                <a:spcBef>
+                  <a:spcPct val="0"/>
+                </a:spcBef>
+                <a:spcAft>
+                  <a:spcPct val="0"/>
+                </a:spcAft>
+                <a:buClrTx/>
+                <a:buSzTx/>
+                <a:buFontTx/>
+                <a:buNone/>
+                <a:tabLst/>
+              </a:pPr>
+              <a:endParaRPr lang="en-US" sz="1800" dirty="0" smtClean="0">
+                <a:solidFill>
+                  <a:schemeClr val="bg1"/>
+                </a:solidFill>
+                <a:latin typeface="+mn-lt"/>
+              </a:endParaRPr>
+            </a:p>
+            <a:p>
+              <a:pPr marL="0" marR="0" indent="0" algn="ctr" defTabSz="914400" rtl="0" eaLnBrk="0" fontAlgn="base" latinLnBrk="0" hangingPunct="0">
+                <a:lnSpc>
+                  <a:spcPct val="100000"/>
+                </a:lnSpc>
+                <a:spcBef>
+                  <a:spcPct val="0"/>
+                </a:spcBef>
+                <a:spcAft>
+                  <a:spcPct val="0"/>
+                </a:spcAft>
+                <a:buClrTx/>
+                <a:buSzTx/>
+                <a:buFontTx/>
+                <a:buNone/>
+                <a:tabLst/>
+              </a:pPr>
+              <a:endParaRPr kumimoji="0" lang="en-US" sz="1800" b="0" i="0" u="none" strike="noStrike" cap="none" normalizeH="0" baseline="0" dirty="0" smtClean="0">
+                <a:ln>
+                  <a:noFill/>
+                </a:ln>
+                <a:solidFill>
+                  <a:schemeClr val="bg1"/>
+                </a:solidFill>
+                <a:effectLst/>
+                <a:latin typeface="+mn-lt"/>
+              </a:endParaRPr>
+            </a:p>
+            <a:p>
+              <a:pPr marL="0" marR="0" indent="0" algn="ctr" defTabSz="914400" rtl="0" eaLnBrk="0" fontAlgn="base" latinLnBrk="0" hangingPunct="0">
+                <a:lnSpc>
+                  <a:spcPct val="100000"/>
+                </a:lnSpc>
+                <a:spcBef>
+                  <a:spcPct val="0"/>
+                </a:spcBef>
+                <a:spcAft>
+                  <a:spcPct val="0"/>
+                </a:spcAft>
+                <a:buClrTx/>
+                <a:buSzTx/>
+                <a:buFontTx/>
+                <a:buNone/>
+                <a:tabLst/>
+              </a:pPr>
+              <a:endParaRPr lang="en-US" sz="1800" dirty="0" smtClean="0">
+                <a:solidFill>
+                  <a:schemeClr val="bg1"/>
+                </a:solidFill>
+                <a:latin typeface="+mn-lt"/>
+              </a:endParaRPr>
+            </a:p>
+            <a:p>
+              <a:pPr marL="0" marR="0" indent="0" algn="ctr" defTabSz="914400" rtl="0" eaLnBrk="0" fontAlgn="base" latinLnBrk="0" hangingPunct="0">
+                <a:lnSpc>
+                  <a:spcPct val="100000"/>
+                </a:lnSpc>
+                <a:spcBef>
+                  <a:spcPct val="0"/>
+                </a:spcBef>
+                <a:spcAft>
+                  <a:spcPct val="0"/>
+                </a:spcAft>
+                <a:buClrTx/>
+                <a:buSzTx/>
+                <a:buFontTx/>
+                <a:buNone/>
+                <a:tabLst/>
+              </a:pPr>
+              <a:endParaRPr kumimoji="0" lang="en-US" sz="1800" b="0" i="0" u="none" strike="noStrike" cap="none" normalizeH="0" baseline="0" dirty="0" smtClean="0">
+                <a:ln>
+                  <a:noFill/>
+                </a:ln>
+                <a:solidFill>
+                  <a:schemeClr val="bg1"/>
+                </a:solidFill>
+                <a:effectLst/>
+                <a:latin typeface="+mn-lt"/>
+              </a:endParaRPr>
+            </a:p>
+            <a:p>
+              <a:pPr marL="0" marR="0" indent="0" algn="ctr" defTabSz="914400" rtl="0" eaLnBrk="0" fontAlgn="base" latinLnBrk="0" hangingPunct="0">
+                <a:lnSpc>
+                  <a:spcPct val="100000"/>
+                </a:lnSpc>
+                <a:spcBef>
+                  <a:spcPct val="0"/>
+                </a:spcBef>
+                <a:spcAft>
+                  <a:spcPct val="0"/>
+                </a:spcAft>
+                <a:buClrTx/>
+                <a:buSzTx/>
+                <a:buFontTx/>
+                <a:buNone/>
+                <a:tabLst/>
+              </a:pPr>
+              <a:endParaRPr lang="en-US" sz="1800" dirty="0" smtClean="0">
+                <a:solidFill>
+                  <a:schemeClr val="bg1"/>
+                </a:solidFill>
+                <a:latin typeface="+mn-lt"/>
+              </a:endParaRPr>
+            </a:p>
+            <a:p>
+              <a:pPr marL="0" marR="0" indent="0" algn="ctr" defTabSz="914400" rtl="0" eaLnBrk="0" fontAlgn="base" latinLnBrk="0" hangingPunct="0">
+                <a:lnSpc>
+                  <a:spcPct val="100000"/>
+                </a:lnSpc>
+                <a:spcBef>
+                  <a:spcPct val="0"/>
+                </a:spcBef>
+                <a:spcAft>
+                  <a:spcPct val="0"/>
+                </a:spcAft>
+                <a:buClrTx/>
+                <a:buSzTx/>
+                <a:buFontTx/>
+                <a:buNone/>
+                <a:tabLst/>
+              </a:pPr>
+              <a:endParaRPr kumimoji="0" lang="en-US" sz="1800" b="0" i="0" u="none" strike="noStrike" cap="none" normalizeH="0" baseline="0" dirty="0" smtClean="0">
+                <a:ln>
+                  <a:noFill/>
+                </a:ln>
+                <a:solidFill>
+                  <a:schemeClr val="bg1"/>
+                </a:solidFill>
+                <a:effectLst/>
+                <a:latin typeface="+mn-lt"/>
+              </a:endParaRPr>
+            </a:p>
+            <a:p>
+              <a:pPr marL="0" marR="0" indent="0" algn="ctr" defTabSz="914400" rtl="0" eaLnBrk="0" fontAlgn="base" latinLnBrk="0" hangingPunct="0">
+                <a:lnSpc>
+                  <a:spcPct val="100000"/>
+                </a:lnSpc>
+                <a:spcBef>
+                  <a:spcPct val="0"/>
+                </a:spcBef>
+                <a:spcAft>
+                  <a:spcPct val="0"/>
+                </a:spcAft>
+                <a:buClrTx/>
+                <a:buSzTx/>
+                <a:buFontTx/>
+                <a:buNone/>
+                <a:tabLst/>
+              </a:pPr>
+              <a:endParaRPr lang="en-US" sz="1800" dirty="0" smtClean="0">
+                <a:solidFill>
+                  <a:schemeClr val="bg1"/>
+                </a:solidFill>
+                <a:latin typeface="+mn-lt"/>
+              </a:endParaRPr>
+            </a:p>
+            <a:p>
+              <a:pPr marL="0" marR="0" indent="0" algn="ctr" defTabSz="914400" rtl="0" eaLnBrk="0" fontAlgn="base" latinLnBrk="0" hangingPunct="0">
+                <a:lnSpc>
+                  <a:spcPct val="100000"/>
+                </a:lnSpc>
+                <a:spcBef>
+                  <a:spcPct val="0"/>
+                </a:spcBef>
+                <a:spcAft>
+                  <a:spcPct val="0"/>
+                </a:spcAft>
+                <a:buClrTx/>
+                <a:buSzTx/>
+                <a:buFontTx/>
+                <a:buNone/>
+                <a:tabLst/>
+              </a:pPr>
+              <a:endParaRPr kumimoji="0" lang="en-US" sz="1800" b="0" i="0" u="none" strike="noStrike" cap="none" normalizeH="0" baseline="0" dirty="0" smtClean="0">
+                <a:ln>
+                  <a:noFill/>
+                </a:ln>
+                <a:solidFill>
+                  <a:schemeClr val="bg1"/>
+                </a:solidFill>
+                <a:effectLst/>
+                <a:latin typeface="+mn-lt"/>
+              </a:endParaRPr>
+            </a:p>
+            <a:p>
+              <a:pPr marL="0" marR="0" indent="0" algn="ctr" defTabSz="914400" rtl="0" eaLnBrk="0" fontAlgn="base" latinLnBrk="0" hangingPunct="0">
+                <a:lnSpc>
+                  <a:spcPct val="100000"/>
+                </a:lnSpc>
+                <a:spcBef>
+                  <a:spcPct val="0"/>
+                </a:spcBef>
+                <a:spcAft>
+                  <a:spcPct val="0"/>
+                </a:spcAft>
+                <a:buClrTx/>
+                <a:buSzTx/>
+                <a:buFontTx/>
+                <a:buNone/>
+                <a:tabLst/>
+              </a:pPr>
+              <a:endParaRPr lang="en-US" sz="1800" dirty="0" smtClean="0">
+                <a:solidFill>
+                  <a:schemeClr val="bg1"/>
+                </a:solidFill>
+                <a:latin typeface="+mn-lt"/>
+              </a:endParaRPr>
+            </a:p>
+            <a:p>
+              <a:pPr marL="0" marR="0" indent="0" algn="ctr" defTabSz="914400" rtl="0" eaLnBrk="0" fontAlgn="base" latinLnBrk="0" hangingPunct="0">
+                <a:lnSpc>
+                  <a:spcPct val="100000"/>
+                </a:lnSpc>
+                <a:spcBef>
+                  <a:spcPct val="0"/>
+                </a:spcBef>
+                <a:spcAft>
+                  <a:spcPct val="0"/>
+                </a:spcAft>
+                <a:buClrTx/>
+                <a:buSzTx/>
+                <a:buFontTx/>
+                <a:buNone/>
+                <a:tabLst/>
+              </a:pPr>
+              <a:r>
+                <a:rPr lang="en-US" sz="1800" dirty="0" smtClean="0">
+                  <a:solidFill>
+                    <a:schemeClr val="bg1"/>
+                  </a:solidFill>
+                  <a:latin typeface="+mn-lt"/>
+                </a:rPr>
+                <a:t>…</a:t>
+              </a:r>
+              <a:endParaRPr kumimoji="0" lang="en-US" sz="1800" b="0" i="0" u="none" strike="noStrike" cap="none" normalizeH="0" baseline="0" dirty="0" smtClean="0">
+                <a:ln>
+                  <a:noFill/>
+                </a:ln>
+                <a:solidFill>
+                  <a:schemeClr val="bg1"/>
+                </a:solidFill>
+                <a:effectLst/>
+                <a:latin typeface="+mn-lt"/>
+              </a:endParaRPr>
+            </a:p>
+          </p:txBody>
+        </p:sp>
+        <p:sp>
+          <p:nvSpPr>
+            <p:cNvPr id="18" name="Rectangle 17"/>
+            <p:cNvSpPr/>
+            <p:nvPr/>
+          </p:nvSpPr>
+          <p:spPr bwMode="auto">
+            <a:xfrm>
+              <a:off x="6380705" y="1999619"/>
+              <a:ext cx="1286189" cy="482321"/>
+            </a:xfrm>
+            <a:prstGeom prst="rect">
+              <a:avLst/>
+            </a:prstGeom>
+            <a:solidFill>
+              <a:schemeClr val="bg1"/>
+            </a:solidFill>
+            <a:ln w="9525" cap="flat" cmpd="sng" algn="ctr">
+              <a:solidFill>
+                <a:schemeClr val="tx1"/>
+              </a:solidFill>
+              <a:prstDash val="solid"/>
+              <a:round/>
+              <a:headEnd type="none" w="med" len="med"/>
+              <a:tailEnd type="none" w="med" len="med"/>
+            </a:ln>
+            <a:effectLst/>
+          </p:spPr>
+          <p:txBody>
+            <a:bodyPr vert="horz" wrap="square" lIns="91440" tIns="45720" rIns="91440" bIns="45720" numCol="1" rtlCol="0" anchor="t" anchorCtr="0" compatLnSpc="1">
+              <a:prstTxWarp prst="textNoShape">
+                <a:avLst/>
+              </a:prstTxWarp>
+            </a:bodyPr>
+            <a:lstStyle/>
+            <a:p>
+              <a:pPr marL="0" marR="0" indent="0" algn="ctr" defTabSz="914400" rtl="0" eaLnBrk="0" fontAlgn="base" latinLnBrk="0" hangingPunct="0">
+                <a:lnSpc>
+                  <a:spcPct val="100000"/>
+                </a:lnSpc>
+                <a:spcBef>
+                  <a:spcPct val="0"/>
+                </a:spcBef>
+                <a:spcAft>
+                  <a:spcPct val="0"/>
+                </a:spcAft>
+                <a:buClrTx/>
+                <a:buSzTx/>
+                <a:buFontTx/>
+                <a:buNone/>
+                <a:tabLst/>
+              </a:pPr>
+              <a:r>
+                <a:rPr kumimoji="0" lang="en-US" sz="1800" b="0" i="0" u="none" strike="noStrike" cap="none" normalizeH="0" baseline="0" dirty="0" smtClean="0">
+                  <a:ln>
+                    <a:noFill/>
+                  </a:ln>
+                  <a:solidFill>
+                    <a:schemeClr val="tx1"/>
+                  </a:solidFill>
+                  <a:effectLst/>
+                  <a:latin typeface="+mn-lt"/>
+                </a:rPr>
+                <a:t>Page 1</a:t>
+              </a:r>
+              <a:endParaRPr kumimoji="0" lang="en-US" sz="1800" b="0" i="0" u="none" strike="noStrike" cap="none" normalizeH="0" baseline="0" dirty="0" smtClean="0">
+                <a:ln>
+                  <a:noFill/>
+                </a:ln>
+                <a:solidFill>
+                  <a:schemeClr val="tx1"/>
+                </a:solidFill>
+                <a:effectLst/>
+                <a:latin typeface="+mn-lt"/>
+              </a:endParaRPr>
+            </a:p>
+          </p:txBody>
+        </p:sp>
+        <p:sp>
+          <p:nvSpPr>
+            <p:cNvPr id="21" name="Rectangle 20"/>
+            <p:cNvSpPr/>
+            <p:nvPr/>
+          </p:nvSpPr>
+          <p:spPr bwMode="auto">
+            <a:xfrm>
+              <a:off x="6382385" y="2483603"/>
+              <a:ext cx="1286189" cy="482321"/>
+            </a:xfrm>
+            <a:prstGeom prst="rect">
+              <a:avLst/>
+            </a:prstGeom>
+            <a:solidFill>
+              <a:schemeClr val="bg1"/>
+            </a:solidFill>
+            <a:ln w="9525" cap="flat" cmpd="sng" algn="ctr">
+              <a:solidFill>
+                <a:schemeClr val="tx1"/>
+              </a:solidFill>
+              <a:prstDash val="solid"/>
+              <a:round/>
+              <a:headEnd type="none" w="med" len="med"/>
+              <a:tailEnd type="none" w="med" len="med"/>
+            </a:ln>
+            <a:effectLst/>
+          </p:spPr>
+          <p:txBody>
+            <a:bodyPr vert="horz" wrap="square" lIns="91440" tIns="45720" rIns="91440" bIns="45720" numCol="1" rtlCol="0" anchor="t" anchorCtr="0" compatLnSpc="1">
+              <a:prstTxWarp prst="textNoShape">
+                <a:avLst/>
+              </a:prstTxWarp>
+            </a:bodyPr>
+            <a:lstStyle/>
+            <a:p>
+              <a:pPr algn="ctr" eaLnBrk="0" hangingPunct="0"/>
+              <a:r>
+                <a:rPr lang="en-US" sz="1800" dirty="0" smtClean="0">
+                  <a:latin typeface="+mn-lt"/>
+                </a:rPr>
+                <a:t>Page </a:t>
+              </a:r>
+              <a:r>
+                <a:rPr lang="en-US" sz="1800" dirty="0" smtClean="0">
+                  <a:latin typeface="+mn-lt"/>
+                </a:rPr>
+                <a:t>2</a:t>
+              </a:r>
+              <a:endParaRPr lang="en-US" sz="1800" dirty="0" smtClean="0">
+                <a:latin typeface="+mn-lt"/>
+              </a:endParaRPr>
+            </a:p>
+          </p:txBody>
+        </p:sp>
+        <p:sp>
+          <p:nvSpPr>
+            <p:cNvPr id="22" name="Rectangle 21"/>
+            <p:cNvSpPr/>
+            <p:nvPr/>
+          </p:nvSpPr>
+          <p:spPr bwMode="auto">
+            <a:xfrm>
+              <a:off x="6384065" y="2967587"/>
+              <a:ext cx="1286189" cy="482321"/>
+            </a:xfrm>
+            <a:prstGeom prst="rect">
+              <a:avLst/>
+            </a:prstGeom>
+            <a:solidFill>
+              <a:schemeClr val="bg1"/>
+            </a:solidFill>
+            <a:ln w="9525" cap="flat" cmpd="sng" algn="ctr">
+              <a:solidFill>
+                <a:schemeClr val="tx1"/>
+              </a:solidFill>
+              <a:prstDash val="solid"/>
+              <a:round/>
+              <a:headEnd type="none" w="med" len="med"/>
+              <a:tailEnd type="none" w="med" len="med"/>
+            </a:ln>
+            <a:effectLst/>
+          </p:spPr>
+          <p:txBody>
+            <a:bodyPr vert="horz" wrap="square" lIns="91440" tIns="45720" rIns="91440" bIns="45720" numCol="1" rtlCol="0" anchor="t" anchorCtr="0" compatLnSpc="1">
+              <a:prstTxWarp prst="textNoShape">
+                <a:avLst/>
+              </a:prstTxWarp>
+            </a:bodyPr>
+            <a:lstStyle/>
+            <a:p>
+              <a:pPr algn="ctr" eaLnBrk="0" hangingPunct="0"/>
+              <a:r>
+                <a:rPr lang="en-US" sz="1800" dirty="0" smtClean="0">
+                  <a:latin typeface="+mn-lt"/>
+                </a:rPr>
+                <a:t>Page </a:t>
+              </a:r>
+              <a:r>
+                <a:rPr lang="en-US" sz="1800" dirty="0" smtClean="0">
+                  <a:latin typeface="+mn-lt"/>
+                </a:rPr>
+                <a:t>3</a:t>
+              </a:r>
+              <a:endParaRPr lang="en-US" sz="1800" dirty="0" smtClean="0">
+                <a:latin typeface="+mn-lt"/>
+              </a:endParaRPr>
+            </a:p>
+          </p:txBody>
+        </p:sp>
+        <p:sp>
+          <p:nvSpPr>
+            <p:cNvPr id="23" name="Rectangle 22"/>
+            <p:cNvSpPr/>
+            <p:nvPr/>
+          </p:nvSpPr>
+          <p:spPr bwMode="auto">
+            <a:xfrm>
+              <a:off x="6384065" y="3449891"/>
+              <a:ext cx="1286189" cy="482321"/>
+            </a:xfrm>
+            <a:prstGeom prst="rect">
+              <a:avLst/>
+            </a:prstGeom>
+            <a:solidFill>
+              <a:schemeClr val="bg1"/>
+            </a:solidFill>
+            <a:ln w="9525" cap="flat" cmpd="sng" algn="ctr">
+              <a:solidFill>
+                <a:schemeClr val="tx1"/>
+              </a:solidFill>
+              <a:prstDash val="solid"/>
+              <a:round/>
+              <a:headEnd type="none" w="med" len="med"/>
+              <a:tailEnd type="none" w="med" len="med"/>
+            </a:ln>
+            <a:effectLst/>
+          </p:spPr>
+          <p:txBody>
+            <a:bodyPr vert="horz" wrap="square" lIns="91440" tIns="45720" rIns="91440" bIns="45720" numCol="1" rtlCol="0" anchor="t" anchorCtr="0" compatLnSpc="1">
+              <a:prstTxWarp prst="textNoShape">
+                <a:avLst/>
+              </a:prstTxWarp>
+            </a:bodyPr>
+            <a:lstStyle/>
+            <a:p>
+              <a:pPr algn="ctr" eaLnBrk="0" hangingPunct="0"/>
+              <a:r>
+                <a:rPr lang="en-US" sz="1800" dirty="0" smtClean="0">
+                  <a:latin typeface="+mn-lt"/>
+                </a:rPr>
+                <a:t>Page </a:t>
+              </a:r>
+              <a:r>
+                <a:rPr lang="en-US" sz="1800" dirty="0" smtClean="0">
+                  <a:latin typeface="+mn-lt"/>
+                </a:rPr>
+                <a:t>4</a:t>
+              </a:r>
+              <a:endParaRPr lang="en-US" sz="1800" dirty="0" smtClean="0">
+                <a:latin typeface="+mn-lt"/>
+              </a:endParaRPr>
+            </a:p>
+          </p:txBody>
+        </p:sp>
+        <p:sp>
+          <p:nvSpPr>
+            <p:cNvPr id="24" name="Rectangle 23"/>
+            <p:cNvSpPr/>
+            <p:nvPr/>
+          </p:nvSpPr>
+          <p:spPr bwMode="auto">
+            <a:xfrm>
+              <a:off x="6384065" y="3932195"/>
+              <a:ext cx="1286189" cy="482321"/>
+            </a:xfrm>
+            <a:prstGeom prst="rect">
+              <a:avLst/>
+            </a:prstGeom>
+            <a:solidFill>
+              <a:schemeClr val="bg1"/>
+            </a:solidFill>
+            <a:ln w="9525" cap="flat" cmpd="sng" algn="ctr">
+              <a:solidFill>
+                <a:schemeClr val="tx1"/>
+              </a:solidFill>
+              <a:prstDash val="solid"/>
+              <a:round/>
+              <a:headEnd type="none" w="med" len="med"/>
+              <a:tailEnd type="none" w="med" len="med"/>
+            </a:ln>
+            <a:effectLst/>
+          </p:spPr>
+          <p:txBody>
+            <a:bodyPr vert="horz" wrap="square" lIns="91440" tIns="45720" rIns="91440" bIns="45720" numCol="1" rtlCol="0" anchor="t" anchorCtr="0" compatLnSpc="1">
+              <a:prstTxWarp prst="textNoShape">
+                <a:avLst/>
+              </a:prstTxWarp>
+            </a:bodyPr>
+            <a:lstStyle/>
+            <a:p>
+              <a:pPr algn="ctr" eaLnBrk="0" hangingPunct="0"/>
+              <a:r>
+                <a:rPr lang="en-US" sz="1800" dirty="0" smtClean="0">
+                  <a:latin typeface="+mn-lt"/>
+                </a:rPr>
+                <a:t>Page </a:t>
+              </a:r>
+              <a:r>
+                <a:rPr lang="en-US" sz="1800" dirty="0" smtClean="0">
+                  <a:latin typeface="+mn-lt"/>
+                </a:rPr>
+                <a:t>5</a:t>
+              </a:r>
+              <a:endParaRPr lang="en-US" sz="1800" dirty="0" smtClean="0">
+                <a:latin typeface="+mn-lt"/>
+              </a:endParaRPr>
+            </a:p>
+          </p:txBody>
+        </p:sp>
+        <p:sp>
+          <p:nvSpPr>
+            <p:cNvPr id="26" name="TextBox 25"/>
+            <p:cNvSpPr txBox="1"/>
+            <p:nvPr/>
+          </p:nvSpPr>
+          <p:spPr>
+            <a:xfrm>
+              <a:off x="2348812" y="2459859"/>
+              <a:ext cx="850425" cy="584775"/>
+            </a:xfrm>
+            <a:prstGeom prst="rect">
+              <a:avLst/>
+            </a:prstGeom>
             <a:noFill/>
-            <a:miter lim="800000"/>
-            <a:headEnd/>
-            <a:tailEnd/>
-          </a:ln>
-        </p:spPr>
-      </p:pic>
+          </p:spPr>
+          <p:txBody>
+            <a:bodyPr wrap="none" rtlCol="0">
+              <a:spAutoFit/>
+            </a:bodyPr>
+            <a:lstStyle/>
+            <a:p>
+              <a:pPr algn="ctr"/>
+              <a:r>
+                <a:rPr lang="en-US" sz="1600" dirty="0" smtClean="0">
+                  <a:latin typeface="Calibri" pitchFamily="34" charset="0"/>
+                  <a:cs typeface="Calibri" pitchFamily="34" charset="0"/>
+                </a:rPr>
+                <a:t>Logical</a:t>
+              </a:r>
+            </a:p>
+            <a:p>
+              <a:pPr algn="ctr"/>
+              <a:r>
+                <a:rPr lang="en-US" sz="1600" dirty="0" smtClean="0">
+                  <a:latin typeface="Calibri" pitchFamily="34" charset="0"/>
+                  <a:cs typeface="Calibri" pitchFamily="34" charset="0"/>
+                </a:rPr>
+                <a:t>Address</a:t>
+              </a:r>
+              <a:endParaRPr lang="en-US" sz="1600" dirty="0">
+                <a:latin typeface="Calibri" pitchFamily="34" charset="0"/>
+                <a:cs typeface="Calibri" pitchFamily="34" charset="0"/>
+              </a:endParaRPr>
+            </a:p>
+          </p:txBody>
+        </p:sp>
+        <p:sp>
+          <p:nvSpPr>
+            <p:cNvPr id="27" name="TextBox 26"/>
+            <p:cNvSpPr txBox="1"/>
+            <p:nvPr/>
+          </p:nvSpPr>
+          <p:spPr>
+            <a:xfrm>
+              <a:off x="5023348" y="2471583"/>
+              <a:ext cx="850425" cy="584775"/>
+            </a:xfrm>
+            <a:prstGeom prst="rect">
+              <a:avLst/>
+            </a:prstGeom>
+            <a:noFill/>
+          </p:spPr>
+          <p:txBody>
+            <a:bodyPr wrap="none" rtlCol="0">
+              <a:spAutoFit/>
+            </a:bodyPr>
+            <a:lstStyle/>
+            <a:p>
+              <a:pPr algn="ctr"/>
+              <a:r>
+                <a:rPr lang="en-US" sz="1600" dirty="0" smtClean="0">
+                  <a:latin typeface="Calibri" pitchFamily="34" charset="0"/>
+                  <a:cs typeface="Calibri" pitchFamily="34" charset="0"/>
+                </a:rPr>
+                <a:t>Physical</a:t>
+              </a:r>
+            </a:p>
+            <a:p>
+              <a:pPr algn="ctr"/>
+              <a:r>
+                <a:rPr lang="en-US" sz="1600" dirty="0" smtClean="0">
+                  <a:latin typeface="Calibri" pitchFamily="34" charset="0"/>
+                  <a:cs typeface="Calibri" pitchFamily="34" charset="0"/>
+                </a:rPr>
+                <a:t>Address</a:t>
+              </a:r>
+              <a:endParaRPr lang="en-US" sz="1600" dirty="0">
+                <a:latin typeface="Calibri" pitchFamily="34" charset="0"/>
+                <a:cs typeface="Calibri" pitchFamily="34" charset="0"/>
+              </a:endParaRPr>
+            </a:p>
+          </p:txBody>
+        </p:sp>
+      </p:grpSp>
     </p:spTree>
   </p:cSld>
   <p:clrMapOvr>
@@ -6351,8 +7595,13 @@
           <a:p>
             <a:r>
               <a:rPr lang="en-US" sz="2800" dirty="0" smtClean="0"/>
-              <a:t>Three privilege layers</a:t>
-            </a:r>
+              <a:t>Three privilege </a:t>
+            </a:r>
+            <a:r>
+              <a:rPr lang="en-US" sz="2800" dirty="0" smtClean="0"/>
+              <a:t>layers:</a:t>
+            </a:r>
+            <a:endParaRPr lang="en-US" sz="2800" dirty="0" smtClean="0"/>
           </a:p>
           <a:p>
             <a:pPr lvl="1"/>
@@ -6378,8 +7627,13 @@
           <a:p>
             <a:r>
               <a:rPr lang="en-US" sz="2800" dirty="0" smtClean="0"/>
-              <a:t>Two-stage translation </a:t>
-            </a:r>
+              <a:t>Two-stage </a:t>
+            </a:r>
+            <a:r>
+              <a:rPr lang="en-US" sz="2800" dirty="0" smtClean="0"/>
+              <a:t>translation: </a:t>
+            </a:r>
+            <a:endParaRPr lang="en-US" sz="2800" dirty="0" smtClean="0"/>
           </a:p>
           <a:p>
             <a:pPr lvl="1"/>
@@ -6612,7 +7866,7 @@
         </p:blipFill>
         <p:spPr>
           <a:xfrm>
-            <a:off x="304800" y="1981200"/>
+            <a:off x="365089" y="1719951"/>
             <a:ext cx="8366760" cy="4114800"/>
           </a:xfrm>
           <a:prstGeom prst="rect">
@@ -6670,7 +7924,11 @@
           <a:p>
             <a:r>
               <a:rPr lang="en-US" sz="3600" dirty="0" smtClean="0"/>
-              <a:t>Two Stage MMU</a:t>
+              <a:t>Two-Stage </a:t>
+            </a:r>
+            <a:r>
+              <a:rPr lang="en-US" sz="3600" dirty="0" smtClean="0"/>
+              <a:t>MMU</a:t>
             </a:r>
             <a:br>
               <a:rPr lang="en-US" sz="3600" dirty="0" smtClean="0"/>
@@ -6697,7 +7955,7 @@
         </p:xfrm>
         <a:graphic>
           <a:graphicData uri="http://schemas.openxmlformats.org/presentationml/2006/ole">
-            <p:oleObj spid="_x0000_s72705" name="Visio" r:id="rId3" imgW="9173941" imgH="6813741" progId="Visio.Drawing.11">
+            <p:oleObj spid="_x0000_s72705" name="Visio" r:id="rId3" imgW="9173985" imgH="6813955" progId="Visio.Drawing.11">
               <p:embed/>
             </p:oleObj>
           </a:graphicData>
@@ -6746,7 +8004,31 @@
           <a:p>
             <a:r>
               <a:rPr lang="en-US" sz="3200" dirty="0" smtClean="0"/>
-              <a:t>From ARM white paper on two stages MMU</a:t>
+              <a:t>From ARM </a:t>
+            </a:r>
+            <a:r>
+              <a:rPr lang="en-US" sz="3200" dirty="0" smtClean="0"/>
+              <a:t>White </a:t>
+            </a:r>
+            <a:r>
+              <a:rPr lang="en-US" sz="3200" dirty="0" smtClean="0"/>
+              <a:t>P</a:t>
+            </a:r>
+            <a:r>
+              <a:rPr lang="en-US" sz="3200" dirty="0" smtClean="0"/>
+              <a:t>aper </a:t>
+            </a:r>
+            <a:r>
+              <a:rPr lang="en-US" sz="3200" dirty="0" smtClean="0"/>
+              <a:t>on </a:t>
+            </a:r>
+            <a:r>
+              <a:rPr lang="en-US" sz="3200" dirty="0" smtClean="0"/>
+              <a:t>Two-Stage </a:t>
+            </a:r>
+            <a:r>
+              <a:rPr lang="en-US" sz="3200" dirty="0" smtClean="0"/>
+              <a:t>MMU</a:t>
             </a:r>
             <a:endParaRPr lang="en-US" sz="3200" dirty="0"/>
           </a:p>
@@ -6762,15 +8044,15 @@
         </p:nvPicPr>
         <p:blipFill>
           <a:blip r:embed="rId2" cstate="print"/>
-          <a:srcRect/>
+          <a:srcRect l="11294" r="1027"/>
           <a:stretch>
             <a:fillRect/>
           </a:stretch>
         </p:blipFill>
         <p:spPr bwMode="auto">
           <a:xfrm>
-            <a:off x="119063" y="1419225"/>
-            <a:ext cx="8905875" cy="4019550"/>
+            <a:off x="381530" y="1419225"/>
+            <a:ext cx="8271817" cy="4258094"/>
           </a:xfrm>
           <a:prstGeom prst="rect">
             <a:avLst/>
@@ -6826,7 +8108,7 @@
           <a:p>
             <a:r>
               <a:rPr lang="en-US" sz="3200" dirty="0" smtClean="0"/>
-              <a:t>From ARM white paper on two stages MMU</a:t>
+              <a:t>From ARM White Paper on Two-Stage MMU</a:t>
             </a:r>
             <a:endParaRPr lang="en-US" sz="3200" dirty="0"/>
           </a:p>
@@ -6842,15 +8124,15 @@
         </p:nvPicPr>
         <p:blipFill>
           <a:blip r:embed="rId2" cstate="print"/>
-          <a:srcRect/>
+          <a:srcRect l="4449"/>
           <a:stretch>
             <a:fillRect/>
           </a:stretch>
         </p:blipFill>
         <p:spPr bwMode="auto">
           <a:xfrm>
-            <a:off x="312516" y="1354238"/>
-            <a:ext cx="8289289" cy="4240674"/>
+            <a:off x="233932" y="1193469"/>
+            <a:ext cx="8618664" cy="4614484"/>
           </a:xfrm>
           <a:prstGeom prst="rect">
             <a:avLst/>
@@ -7244,7 +8526,7 @@
         </p:nvSpPr>
         <p:spPr>
           <a:xfrm>
-            <a:off x="304800" y="1066800"/>
+            <a:off x="214368" y="1066800"/>
             <a:ext cx="2857500" cy="4324261"/>
           </a:xfrm>
           <a:prstGeom prst="rect">
@@ -7262,7 +8544,8 @@
               <a:spcBef>
                 <a:spcPts val="600"/>
               </a:spcBef>
-              <a:buAutoNum type="arabicPeriod"/>
+              <a:buFont typeface="Arial" pitchFamily="34" charset="0"/>
+              <a:buChar char="•"/>
             </a:pPr>
             <a:r>
               <a:rPr lang="en-US" sz="2000" dirty="0" smtClean="0">
@@ -7276,7 +8559,8 @@
               <a:spcBef>
                 <a:spcPts val="600"/>
               </a:spcBef>
-              <a:buAutoNum type="arabicPeriod"/>
+              <a:buFont typeface="Arial" pitchFamily="34" charset="0"/>
+              <a:buChar char="•"/>
             </a:pPr>
             <a:r>
               <a:rPr lang="en-US" sz="2000" dirty="0" smtClean="0">
@@ -7290,7 +8574,8 @@
               <a:spcBef>
                 <a:spcPts val="600"/>
               </a:spcBef>
-              <a:buAutoNum type="arabicPeriod"/>
+              <a:buFont typeface="Arial" pitchFamily="34" charset="0"/>
+              <a:buChar char="•"/>
             </a:pPr>
             <a:r>
               <a:rPr lang="en-US" sz="2000" dirty="0" smtClean="0">
@@ -7304,7 +8589,8 @@
               <a:spcBef>
                 <a:spcPts val="600"/>
               </a:spcBef>
-              <a:buAutoNum type="arabicPeriod"/>
+              <a:buFont typeface="Arial" pitchFamily="34" charset="0"/>
+              <a:buChar char="•"/>
             </a:pPr>
             <a:r>
               <a:rPr lang="en-US" sz="2000" dirty="0" smtClean="0">
@@ -7327,8 +8613,8 @@
           <p:nvPr/>
         </p:nvGraphicFramePr>
         <p:xfrm>
-          <a:off x="3268980" y="1211580"/>
-          <a:ext cx="5786755" cy="4978484"/>
+          <a:off x="3035710" y="1211580"/>
+          <a:ext cx="6020025" cy="5179172"/>
         </p:xfrm>
         <a:graphic>
           <a:graphicData uri="http://schemas.openxmlformats.org/presentationml/2006/ole">
@@ -7404,11 +8690,329 @@
           </a:p>
         </p:txBody>
       </p:sp>
+      <p:grpSp>
+        <p:nvGrpSpPr>
+          <p:cNvPr id="8" name="Group 7"/>
+          <p:cNvGrpSpPr/>
+          <p:nvPr/>
+        </p:nvGrpSpPr>
+        <p:grpSpPr>
+          <a:xfrm>
+            <a:off x="427056" y="1090310"/>
+            <a:ext cx="8458200" cy="5303520"/>
+            <a:chOff x="457200" y="1321414"/>
+            <a:chExt cx="8458200" cy="5303520"/>
+          </a:xfrm>
+        </p:grpSpPr>
+        <p:pic>
+          <p:nvPicPr>
+            <p:cNvPr id="55303" name="Picture 7"/>
+            <p:cNvPicPr preferRelativeResize="0">
+              <a:picLocks noChangeArrowheads="1"/>
+            </p:cNvPicPr>
+            <p:nvPr/>
+          </p:nvPicPr>
+          <p:blipFill>
+            <a:blip r:embed="rId2" cstate="print"/>
+            <a:srcRect/>
+            <a:stretch>
+              <a:fillRect/>
+            </a:stretch>
+          </p:blipFill>
+          <p:spPr bwMode="auto">
+            <a:xfrm>
+              <a:off x="457200" y="1321414"/>
+              <a:ext cx="8458200" cy="5303520"/>
+            </a:xfrm>
+            <a:prstGeom prst="rect">
+              <a:avLst/>
+            </a:prstGeom>
+            <a:noFill/>
+            <a:ln w="9525">
+              <a:noFill/>
+              <a:miter lim="800000"/>
+              <a:headEnd/>
+              <a:tailEnd/>
+            </a:ln>
+          </p:spPr>
+        </p:pic>
+        <p:sp>
+          <p:nvSpPr>
+            <p:cNvPr id="14" name="Freeform 13"/>
+            <p:cNvSpPr/>
+            <p:nvPr/>
+          </p:nvSpPr>
+          <p:spPr>
+            <a:xfrm>
+              <a:off x="1656522" y="4006574"/>
+              <a:ext cx="4081669" cy="384313"/>
+            </a:xfrm>
+            <a:custGeom>
+              <a:avLst/>
+              <a:gdLst>
+                <a:gd name="connsiteX0" fmla="*/ 0 w 4081669"/>
+                <a:gd name="connsiteY0" fmla="*/ 379896 h 384313"/>
+                <a:gd name="connsiteX1" fmla="*/ 1868556 w 4081669"/>
+                <a:gd name="connsiteY1" fmla="*/ 326887 h 384313"/>
+                <a:gd name="connsiteX2" fmla="*/ 2981739 w 4081669"/>
+                <a:gd name="connsiteY2" fmla="*/ 35339 h 384313"/>
+                <a:gd name="connsiteX3" fmla="*/ 4081669 w 4081669"/>
+                <a:gd name="connsiteY3" fmla="*/ 114852 h 384313"/>
+              </a:gdLst>
+              <a:ahLst/>
+              <a:cxnLst>
+                <a:cxn ang="0">
+                  <a:pos x="connsiteX0" y="connsiteY0"/>
+                </a:cxn>
+                <a:cxn ang="0">
+                  <a:pos x="connsiteX1" y="connsiteY1"/>
+                </a:cxn>
+                <a:cxn ang="0">
+                  <a:pos x="connsiteX2" y="connsiteY2"/>
+                </a:cxn>
+                <a:cxn ang="0">
+                  <a:pos x="connsiteX3" y="connsiteY3"/>
+                </a:cxn>
+              </a:cxnLst>
+              <a:rect l="l" t="t" r="r" b="b"/>
+              <a:pathLst>
+                <a:path w="4081669" h="384313">
+                  <a:moveTo>
+                    <a:pt x="0" y="379896"/>
+                  </a:moveTo>
+                  <a:cubicBezTo>
+                    <a:pt x="685800" y="382104"/>
+                    <a:pt x="1371600" y="384313"/>
+                    <a:pt x="1868556" y="326887"/>
+                  </a:cubicBezTo>
+                  <a:cubicBezTo>
+                    <a:pt x="2365513" y="269461"/>
+                    <a:pt x="2612887" y="70678"/>
+                    <a:pt x="2981739" y="35339"/>
+                  </a:cubicBezTo>
+                  <a:cubicBezTo>
+                    <a:pt x="3350591" y="0"/>
+                    <a:pt x="3716130" y="57426"/>
+                    <a:pt x="4081669" y="114852"/>
+                  </a:cubicBezTo>
+                </a:path>
+              </a:pathLst>
+            </a:custGeom>
+            <a:ln w="25400">
+              <a:solidFill>
+                <a:schemeClr val="tx1"/>
+              </a:solidFill>
+              <a:tailEnd type="triangle" w="lg" len="lg"/>
+            </a:ln>
+          </p:spPr>
+          <p:style>
+            <a:lnRef idx="1">
+              <a:schemeClr val="accent1"/>
+            </a:lnRef>
+            <a:fillRef idx="0">
+              <a:schemeClr val="accent1"/>
+            </a:fillRef>
+            <a:effectRef idx="0">
+              <a:schemeClr val="accent1"/>
+            </a:effectRef>
+            <a:fontRef idx="minor">
+              <a:schemeClr val="tx1"/>
+            </a:fontRef>
+          </p:style>
+          <p:txBody>
+            <a:bodyPr rtlCol="0" anchor="ctr"/>
+            <a:lstStyle/>
+            <a:p>
+              <a:pPr algn="ctr"/>
+              <a:endParaRPr lang="en-US"/>
+            </a:p>
+          </p:txBody>
+        </p:sp>
+        <p:sp>
+          <p:nvSpPr>
+            <p:cNvPr id="18" name="Oval 17"/>
+            <p:cNvSpPr/>
+            <p:nvPr/>
+          </p:nvSpPr>
+          <p:spPr>
+            <a:xfrm>
+              <a:off x="1752600" y="3962400"/>
+              <a:ext cx="457200" cy="381000"/>
+            </a:xfrm>
+            <a:prstGeom prst="ellipse">
+              <a:avLst/>
+            </a:prstGeom>
+            <a:solidFill>
+              <a:srgbClr val="FF0000"/>
+            </a:solidFill>
+          </p:spPr>
+          <p:style>
+            <a:lnRef idx="2">
+              <a:schemeClr val="accent1">
+                <a:shade val="50000"/>
+              </a:schemeClr>
+            </a:lnRef>
+            <a:fillRef idx="1">
+              <a:schemeClr val="accent1"/>
+            </a:fillRef>
+            <a:effectRef idx="0">
+              <a:schemeClr val="accent1"/>
+            </a:effectRef>
+            <a:fontRef idx="minor">
+              <a:schemeClr val="lt1"/>
+            </a:fontRef>
+          </p:style>
+          <p:txBody>
+            <a:bodyPr rtlCol="0" anchor="ctr"/>
+            <a:lstStyle/>
+            <a:p>
+              <a:pPr algn="ctr"/>
+              <a:r>
+                <a:rPr lang="en-US" b="1" dirty="0" smtClean="0">
+                  <a:solidFill>
+                    <a:schemeClr val="bg1"/>
+                  </a:solidFill>
+                </a:rPr>
+                <a:t>1</a:t>
+              </a:r>
+              <a:endParaRPr lang="en-US" b="1" dirty="0">
+                <a:solidFill>
+                  <a:schemeClr val="bg1"/>
+                </a:solidFill>
+              </a:endParaRPr>
+            </a:p>
+          </p:txBody>
+        </p:sp>
+        <p:sp>
+          <p:nvSpPr>
+            <p:cNvPr id="9" name="Rounded Rectangular Callout 8"/>
+            <p:cNvSpPr/>
+            <p:nvPr/>
+          </p:nvSpPr>
+          <p:spPr>
+            <a:xfrm>
+              <a:off x="457200" y="5486400"/>
+              <a:ext cx="1600200" cy="1066800"/>
+            </a:xfrm>
+            <a:prstGeom prst="wedgeRoundRectCallout">
+              <a:avLst>
+                <a:gd name="adj1" fmla="val 52045"/>
+                <a:gd name="adj2" fmla="val -153650"/>
+                <a:gd name="adj3" fmla="val 16667"/>
+              </a:avLst>
+            </a:prstGeom>
+          </p:spPr>
+          <p:style>
+            <a:lnRef idx="2">
+              <a:schemeClr val="accent1">
+                <a:shade val="50000"/>
+              </a:schemeClr>
+            </a:lnRef>
+            <a:fillRef idx="1">
+              <a:schemeClr val="accent1"/>
+            </a:fillRef>
+            <a:effectRef idx="0">
+              <a:schemeClr val="accent1"/>
+            </a:effectRef>
+            <a:fontRef idx="minor">
+              <a:schemeClr val="lt1"/>
+            </a:fontRef>
+          </p:style>
+          <p:txBody>
+            <a:bodyPr lIns="0" tIns="0" rIns="0" bIns="0" rtlCol="0" anchor="ctr"/>
+            <a:lstStyle/>
+            <a:p>
+              <a:pPr algn="ctr"/>
+              <a:r>
+                <a:rPr lang="en-US" sz="2000" dirty="0" smtClean="0"/>
+                <a:t>EDMA issues write to shared </a:t>
+              </a:r>
+              <a:r>
+                <a:rPr lang="en-US" sz="2000" dirty="0" smtClean="0"/>
+                <a:t>SRAM.</a:t>
+              </a:r>
+              <a:endParaRPr lang="en-US" sz="2000" dirty="0"/>
+            </a:p>
+          </p:txBody>
+        </p:sp>
+      </p:grpSp>
+    </p:spTree>
+  </p:cSld>
+  <p:clrMapOvr>
+    <a:masterClrMapping/>
+  </p:clrMapOvr>
+  <p:timing>
+    <p:tnLst>
+      <p:par>
+        <p:cTn id="1" dur="indefinite" restart="never" nodeType="tmRoot"/>
+      </p:par>
+    </p:tnLst>
+  </p:timing>
+</p:sld>
+</file>
+
+<file path=ppt/slides/slide29.xml><?xml version="1.0" encoding="utf-8"?>
+<p:sld xmlns:a="http://schemas.openxmlformats.org/drawingml/2006/main" xmlns:r="http://schemas.openxmlformats.org/officeDocument/2006/relationships" xmlns:p="http://schemas.openxmlformats.org/presentationml/2006/main">
+  <p:cSld>
+    <p:spTree>
+      <p:nvGrpSpPr>
+        <p:cNvPr id="1" name=""/>
+        <p:cNvGrpSpPr/>
+        <p:nvPr/>
+      </p:nvGrpSpPr>
+      <p:grpSpPr>
+        <a:xfrm>
+          <a:off x="0" y="0"/>
+          <a:ext cx="0" cy="0"/>
+          <a:chOff x="0" y="0"/>
+          <a:chExt cx="0" cy="0"/>
+        </a:xfrm>
+      </p:grpSpPr>
+      <p:sp>
+        <p:nvSpPr>
+          <p:cNvPr id="4" name="Title 3"/>
+          <p:cNvSpPr>
+            <a:spLocks noGrp="1"/>
+          </p:cNvSpPr>
+          <p:nvPr>
+            <p:ph type="title"/>
+          </p:nvPr>
+        </p:nvSpPr>
+        <p:spPr/>
+        <p:txBody>
+          <a:bodyPr>
+            <a:noAutofit/>
+          </a:bodyPr>
+          <a:lstStyle/>
+          <a:p>
+            <a:r>
+              <a:rPr lang="en-US" sz="3200" dirty="0" smtClean="0"/>
+              <a:t>Keystone </a:t>
+            </a:r>
+            <a:r>
+              <a:rPr lang="en-US" sz="3200" dirty="0" err="1" smtClean="0"/>
+              <a:t>ll</a:t>
+            </a:r>
+            <a:r>
+              <a:rPr lang="en-US" sz="3200" dirty="0" smtClean="0"/>
+              <a:t>: ARM - IO Coherency</a:t>
+            </a:r>
+            <a:br>
+              <a:rPr lang="en-US" sz="3200" dirty="0" smtClean="0"/>
+            </a:br>
+            <a:r>
+              <a:rPr lang="en-US" sz="3200" dirty="0" smtClean="0"/>
+              <a:t>External Write to Shared Memory (MSM/DDR)</a:t>
+            </a:r>
+            <a:endParaRPr lang="en-US" sz="3200" dirty="0"/>
+          </a:p>
+        </p:txBody>
+      </p:sp>
       <p:pic>
         <p:nvPicPr>
           <p:cNvPr id="55303" name="Picture 7"/>
           <p:cNvPicPr>
-            <a:picLocks noChangeAspect="1" noChangeArrowheads="1"/>
+            <a:picLocks noChangeArrowheads="1"/>
           </p:cNvPicPr>
           <p:nvPr/>
         </p:nvPicPr>
@@ -7421,8 +9025,8 @@
         </p:blipFill>
         <p:spPr bwMode="auto">
           <a:xfrm>
-            <a:off x="457200" y="1462087"/>
-            <a:ext cx="8458200" cy="5014913"/>
+            <a:off x="427056" y="1090310"/>
+            <a:ext cx="8458200" cy="5303520"/>
           </a:xfrm>
           <a:prstGeom prst="rect">
             <a:avLst/>
@@ -7444,7 +9048,7 @@
         </p:nvSpPr>
         <p:spPr>
           <a:xfrm>
-            <a:off x="1656522" y="4006574"/>
+            <a:off x="1626378" y="3775470"/>
             <a:ext cx="4081669" cy="384313"/>
           </a:xfrm>
           <a:custGeom>
@@ -7536,7 +9140,7 @@
         </p:nvSpPr>
         <p:spPr>
           <a:xfrm>
-            <a:off x="1752600" y="3962400"/>
+            <a:off x="1722456" y="3731296"/>
             <a:ext cx="457200" cy="381000"/>
           </a:xfrm>
           <a:prstGeom prst="ellipse">
@@ -7585,19 +9189,166 @@
       </p:sp>
       <p:sp>
         <p:nvSpPr>
-          <p:cNvPr id="9" name="Rounded Rectangular Callout 8"/>
+          <p:cNvPr id="9" name="Freeform 8"/>
           <p:cNvSpPr/>
           <p:nvPr/>
         </p:nvSpPr>
         <p:spPr>
           <a:xfrm>
-            <a:off x="457200" y="5486400"/>
+            <a:off x="3170257" y="3134948"/>
+            <a:ext cx="2362200" cy="1510748"/>
+          </a:xfrm>
+          <a:custGeom>
+            <a:avLst/>
+            <a:gdLst>
+              <a:gd name="connsiteX0" fmla="*/ 1442279 w 1442279"/>
+              <a:gd name="connsiteY0" fmla="*/ 1431235 h 1444487"/>
+              <a:gd name="connsiteX1" fmla="*/ 408609 w 1442279"/>
+              <a:gd name="connsiteY1" fmla="*/ 1364974 h 1444487"/>
+              <a:gd name="connsiteX2" fmla="*/ 64052 w 1442279"/>
+              <a:gd name="connsiteY2" fmla="*/ 954157 h 1444487"/>
+              <a:gd name="connsiteX3" fmla="*/ 24296 w 1442279"/>
+              <a:gd name="connsiteY3" fmla="*/ 0 h 1444487"/>
+            </a:gdLst>
+            <a:ahLst/>
+            <a:cxnLst>
+              <a:cxn ang="0">
+                <a:pos x="connsiteX0" y="connsiteY0"/>
+              </a:cxn>
+              <a:cxn ang="0">
+                <a:pos x="connsiteX1" y="connsiteY1"/>
+              </a:cxn>
+              <a:cxn ang="0">
+                <a:pos x="connsiteX2" y="connsiteY2"/>
+              </a:cxn>
+              <a:cxn ang="0">
+                <a:pos x="connsiteX3" y="connsiteY3"/>
+              </a:cxn>
+            </a:cxnLst>
+            <a:rect l="l" t="t" r="r" b="b"/>
+            <a:pathLst>
+              <a:path w="1442279" h="1444487">
+                <a:moveTo>
+                  <a:pt x="1442279" y="1431235"/>
+                </a:moveTo>
+                <a:cubicBezTo>
+                  <a:pt x="1040296" y="1437861"/>
+                  <a:pt x="638314" y="1444487"/>
+                  <a:pt x="408609" y="1364974"/>
+                </a:cubicBezTo>
+                <a:cubicBezTo>
+                  <a:pt x="178905" y="1285461"/>
+                  <a:pt x="128104" y="1181653"/>
+                  <a:pt x="64052" y="954157"/>
+                </a:cubicBezTo>
+                <a:cubicBezTo>
+                  <a:pt x="0" y="726661"/>
+                  <a:pt x="12148" y="363330"/>
+                  <a:pt x="24296" y="0"/>
+                </a:cubicBezTo>
+              </a:path>
+            </a:pathLst>
+          </a:custGeom>
+          <a:ln w="25400">
+            <a:solidFill>
+              <a:schemeClr val="tx1"/>
+            </a:solidFill>
+            <a:tailEnd type="triangle" w="lg" len="lg"/>
+          </a:ln>
+        </p:spPr>
+        <p:style>
+          <a:lnRef idx="1">
+            <a:schemeClr val="accent1"/>
+          </a:lnRef>
+          <a:fillRef idx="0">
+            <a:schemeClr val="accent1"/>
+          </a:fillRef>
+          <a:effectRef idx="0">
+            <a:schemeClr val="accent1"/>
+          </a:effectRef>
+          <a:fontRef idx="minor">
+            <a:schemeClr val="tx1"/>
+          </a:fontRef>
+        </p:style>
+        <p:txBody>
+          <a:bodyPr rtlCol="0" anchor="ctr"/>
+          <a:lstStyle/>
+          <a:p>
+            <a:pPr algn="ctr"/>
+            <a:endParaRPr lang="en-US"/>
+          </a:p>
+        </p:txBody>
+      </p:sp>
+      <p:sp>
+        <p:nvSpPr>
+          <p:cNvPr id="10" name="Oval 9"/>
+          <p:cNvSpPr/>
+          <p:nvPr/>
+        </p:nvSpPr>
+        <p:spPr>
+          <a:xfrm>
+            <a:off x="3246456" y="3426496"/>
+            <a:ext cx="457200" cy="381000"/>
+          </a:xfrm>
+          <a:prstGeom prst="ellipse">
+            <a:avLst/>
+          </a:prstGeom>
+          <a:solidFill>
+            <a:srgbClr val="FF0000"/>
+          </a:solidFill>
+        </p:spPr>
+        <p:style>
+          <a:lnRef idx="2">
+            <a:schemeClr val="accent1">
+              <a:shade val="50000"/>
+            </a:schemeClr>
+          </a:lnRef>
+          <a:fillRef idx="1">
+            <a:schemeClr val="accent1"/>
+          </a:fillRef>
+          <a:effectRef idx="0">
+            <a:schemeClr val="accent1"/>
+          </a:effectRef>
+          <a:fontRef idx="minor">
+            <a:schemeClr val="lt1"/>
+          </a:fontRef>
+        </p:style>
+        <p:txBody>
+          <a:bodyPr rtlCol="0" anchor="ctr"/>
+          <a:lstStyle/>
+          <a:p>
+            <a:pPr algn="ctr"/>
+            <a:r>
+              <a:rPr lang="en-US" b="1" dirty="0" smtClean="0">
+                <a:solidFill>
+                  <a:schemeClr val="bg1"/>
+                </a:solidFill>
+              </a:rPr>
+              <a:t>2</a:t>
+            </a:r>
+            <a:endParaRPr lang="en-US" b="1" dirty="0">
+              <a:solidFill>
+                <a:schemeClr val="bg1"/>
+              </a:solidFill>
+            </a:endParaRPr>
+          </a:p>
+        </p:txBody>
+      </p:sp>
+      <p:sp>
+        <p:nvSpPr>
+          <p:cNvPr id="11" name="Rounded Rectangular Callout 10"/>
+          <p:cNvSpPr/>
+          <p:nvPr/>
+        </p:nvSpPr>
+        <p:spPr>
+          <a:xfrm>
+            <a:off x="427056" y="5255296"/>
             <a:ext cx="1600200" cy="1066800"/>
           </a:xfrm>
           <a:prstGeom prst="wedgeRoundRectCallout">
             <a:avLst>
               <a:gd name="adj1" fmla="val 52045"/>
-              <a:gd name="adj2" fmla="val -153650"/>
+              <a:gd name="adj2" fmla="val -151165"/>
               <a:gd name="adj3" fmla="val 16667"/>
             </a:avLst>
           </a:prstGeom>
@@ -7625,7 +9376,71 @@
             <a:pPr algn="ctr"/>
             <a:r>
               <a:rPr lang="en-US" sz="2000" dirty="0" smtClean="0"/>
-              <a:t>EDMA issues write to shared SRAM</a:t>
+              <a:t>EDMA issues write to shared </a:t>
+            </a:r>
+            <a:r>
+              <a:rPr lang="en-US" sz="2000" dirty="0" smtClean="0"/>
+              <a:t>SRAM.</a:t>
+            </a:r>
+            <a:endParaRPr lang="en-US" sz="2000" dirty="0"/>
+          </a:p>
+        </p:txBody>
+      </p:sp>
+      <p:sp>
+        <p:nvSpPr>
+          <p:cNvPr id="25" name="Rounded Rectangular Callout 24"/>
+          <p:cNvSpPr/>
+          <p:nvPr/>
+        </p:nvSpPr>
+        <p:spPr>
+          <a:xfrm>
+            <a:off x="701955" y="1319904"/>
+            <a:ext cx="1600200" cy="1545220"/>
+          </a:xfrm>
+          <a:prstGeom prst="wedgeRoundRectCallout">
+            <a:avLst>
+              <a:gd name="adj1" fmla="val 104219"/>
+              <a:gd name="adj2" fmla="val 101009"/>
+              <a:gd name="adj3" fmla="val 16667"/>
+            </a:avLst>
+          </a:prstGeom>
+        </p:spPr>
+        <p:style>
+          <a:lnRef idx="2">
+            <a:schemeClr val="accent1">
+              <a:shade val="50000"/>
+            </a:schemeClr>
+          </a:lnRef>
+          <a:fillRef idx="1">
+            <a:schemeClr val="accent1"/>
+          </a:fillRef>
+          <a:effectRef idx="0">
+            <a:schemeClr val="accent1"/>
+          </a:effectRef>
+          <a:fontRef idx="minor">
+            <a:schemeClr val="lt1"/>
+          </a:fontRef>
+        </p:style>
+        <p:txBody>
+          <a:bodyPr lIns="0" tIns="0" rIns="0" bIns="0" rtlCol="0" anchor="ctr"/>
+          <a:lstStyle/>
+          <a:p>
+            <a:pPr algn="ctr"/>
+            <a:r>
+              <a:rPr lang="en-US" sz="2000" dirty="0" smtClean="0"/>
+              <a:t>Coherence Controller issues </a:t>
+            </a:r>
+            <a:r>
+              <a:rPr lang="en-US" sz="2000" dirty="0" err="1" smtClean="0"/>
+              <a:t>WBInv</a:t>
+            </a:r>
+            <a:r>
+              <a:rPr lang="en-US" sz="2000" dirty="0" smtClean="0"/>
+              <a:t> snoops to </a:t>
+            </a:r>
+            <a:r>
+              <a:rPr lang="en-US" sz="2000" dirty="0" smtClean="0"/>
+              <a:t>ARM.</a:t>
             </a:r>
             <a:endParaRPr lang="en-US" sz="2000" dirty="0"/>
           </a:p>
@@ -7646,7 +9461,7 @@
 </p:sld>
 </file>
 
-<file path=ppt/slides/slide29.xml><?xml version="1.0" encoding="utf-8"?>
+<file path=ppt/slides/slide3.xml><?xml version="1.0" encoding="utf-8"?>
 <p:sld xmlns:a="http://schemas.openxmlformats.org/drawingml/2006/main" xmlns:r="http://schemas.openxmlformats.org/officeDocument/2006/relationships" xmlns:p="http://schemas.openxmlformats.org/presentationml/2006/main">
   <p:cSld>
     <p:spTree>
@@ -7665,6 +9480,122 @@
       </p:grpSpPr>
       <p:sp>
         <p:nvSpPr>
+          <p:cNvPr id="2" name="Title 1"/>
+          <p:cNvSpPr>
+            <a:spLocks noGrp="1"/>
+          </p:cNvSpPr>
+          <p:nvPr>
+            <p:ph type="title"/>
+          </p:nvPr>
+        </p:nvSpPr>
+        <p:spPr/>
+        <p:txBody>
+          <a:bodyPr>
+            <a:normAutofit/>
+          </a:bodyPr>
+          <a:lstStyle/>
+          <a:p>
+            <a:r>
+              <a:rPr lang="en-US" sz="4000" dirty="0" smtClean="0"/>
+              <a:t>ARM CorePac in KeyStone II</a:t>
+            </a:r>
+          </a:p>
+        </p:txBody>
+      </p:sp>
+      <p:sp>
+        <p:nvSpPr>
+          <p:cNvPr id="3" name="Content Placeholder 2"/>
+          <p:cNvSpPr>
+            <a:spLocks noGrp="1"/>
+          </p:cNvSpPr>
+          <p:nvPr>
+            <p:ph idx="1"/>
+          </p:nvPr>
+        </p:nvSpPr>
+        <p:spPr/>
+        <p:txBody>
+          <a:bodyPr>
+            <a:normAutofit/>
+          </a:bodyPr>
+          <a:lstStyle/>
+          <a:p>
+            <a:r>
+              <a:rPr lang="en-US" b="1" dirty="0" smtClean="0"/>
+              <a:t>ARM CorePac in KeyStone II</a:t>
+            </a:r>
+          </a:p>
+          <a:p>
+            <a:r>
+              <a:rPr lang="en-US" dirty="0" smtClean="0"/>
+              <a:t>ARM Cortex A-15 Features</a:t>
+            </a:r>
+          </a:p>
+          <a:p>
+            <a:r>
+              <a:rPr lang="en-US" dirty="0" smtClean="0"/>
+              <a:t>Interface to the SOC and Coherency Issues</a:t>
+            </a:r>
+          </a:p>
+          <a:p>
+            <a:r>
+              <a:rPr lang="en-US" dirty="0" smtClean="0"/>
+              <a:t>Benchmarks</a:t>
+            </a:r>
+          </a:p>
+          <a:p>
+            <a:r>
+              <a:rPr lang="en-US" dirty="0" smtClean="0"/>
+              <a:t>Interrupt Controller</a:t>
+            </a:r>
+          </a:p>
+          <a:p>
+            <a:r>
+              <a:rPr lang="en-US" dirty="0" smtClean="0"/>
+              <a:t>Power Management</a:t>
+            </a:r>
+          </a:p>
+          <a:p>
+            <a:r>
+              <a:rPr lang="en-US" dirty="0" smtClean="0"/>
+              <a:t>Debug and Trace</a:t>
+            </a:r>
+          </a:p>
+        </p:txBody>
+      </p:sp>
+    </p:spTree>
+  </p:cSld>
+  <p:clrMapOvr>
+    <a:masterClrMapping/>
+  </p:clrMapOvr>
+  <p:timing>
+    <p:tnLst>
+      <p:par>
+        <p:cTn id="1" dur="indefinite" restart="never" nodeType="tmRoot"/>
+      </p:par>
+    </p:tnLst>
+  </p:timing>
+</p:sld>
+</file>
+
+<file path=ppt/slides/slide30.xml><?xml version="1.0" encoding="utf-8"?>
+<p:sld xmlns:a="http://schemas.openxmlformats.org/drawingml/2006/main" xmlns:r="http://schemas.openxmlformats.org/officeDocument/2006/relationships" xmlns:p="http://schemas.openxmlformats.org/presentationml/2006/main">
+  <p:cSld>
+    <p:spTree>
+      <p:nvGrpSpPr>
+        <p:cNvPr id="1" name=""/>
+        <p:cNvGrpSpPr/>
+        <p:nvPr/>
+      </p:nvGrpSpPr>
+      <p:grpSpPr>
+        <a:xfrm>
+          <a:off x="0" y="0"/>
+          <a:ext cx="0" cy="0"/>
+          <a:chOff x="0" y="0"/>
+          <a:chExt cx="0" cy="0"/>
+        </a:xfrm>
+      </p:grpSpPr>
+      <p:sp>
+        <p:nvSpPr>
           <p:cNvPr id="4" name="Title 3"/>
           <p:cNvSpPr>
             <a:spLocks noGrp="1"/>
@@ -7698,6 +9629,1647 @@
             <a:r>
               <a:rPr lang="en-US" sz="3200" dirty="0" smtClean="0"/>
               <a:t>External Write to Shared Memory (MSM/DDR)</a:t>
+            </a:r>
+            <a:endParaRPr lang="en-US" sz="3200" dirty="0"/>
+          </a:p>
+        </p:txBody>
+      </p:sp>
+      <p:grpSp>
+        <p:nvGrpSpPr>
+          <p:cNvPr id="20" name="Group 19"/>
+          <p:cNvGrpSpPr/>
+          <p:nvPr/>
+        </p:nvGrpSpPr>
+        <p:grpSpPr>
+          <a:xfrm>
+            <a:off x="427056" y="1090310"/>
+            <a:ext cx="8458200" cy="5303520"/>
+            <a:chOff x="457200" y="1321414"/>
+            <a:chExt cx="8458200" cy="5303520"/>
+          </a:xfrm>
+        </p:grpSpPr>
+        <p:pic>
+          <p:nvPicPr>
+            <p:cNvPr id="55303" name="Picture 7"/>
+            <p:cNvPicPr>
+              <a:picLocks noChangeArrowheads="1"/>
+            </p:cNvPicPr>
+            <p:nvPr/>
+          </p:nvPicPr>
+          <p:blipFill>
+            <a:blip r:embed="rId2" cstate="print"/>
+            <a:srcRect/>
+            <a:stretch>
+              <a:fillRect/>
+            </a:stretch>
+          </p:blipFill>
+          <p:spPr bwMode="auto">
+            <a:xfrm>
+              <a:off x="457200" y="1321414"/>
+              <a:ext cx="8458200" cy="5303520"/>
+            </a:xfrm>
+            <a:prstGeom prst="rect">
+              <a:avLst/>
+            </a:prstGeom>
+            <a:noFill/>
+            <a:ln w="9525">
+              <a:noFill/>
+              <a:miter lim="800000"/>
+              <a:headEnd/>
+              <a:tailEnd/>
+            </a:ln>
+          </p:spPr>
+        </p:pic>
+        <p:sp>
+          <p:nvSpPr>
+            <p:cNvPr id="14" name="Freeform 13"/>
+            <p:cNvSpPr/>
+            <p:nvPr/>
+          </p:nvSpPr>
+          <p:spPr>
+            <a:xfrm>
+              <a:off x="1656522" y="4006574"/>
+              <a:ext cx="4081669" cy="384313"/>
+            </a:xfrm>
+            <a:custGeom>
+              <a:avLst/>
+              <a:gdLst>
+                <a:gd name="connsiteX0" fmla="*/ 0 w 4081669"/>
+                <a:gd name="connsiteY0" fmla="*/ 379896 h 384313"/>
+                <a:gd name="connsiteX1" fmla="*/ 1868556 w 4081669"/>
+                <a:gd name="connsiteY1" fmla="*/ 326887 h 384313"/>
+                <a:gd name="connsiteX2" fmla="*/ 2981739 w 4081669"/>
+                <a:gd name="connsiteY2" fmla="*/ 35339 h 384313"/>
+                <a:gd name="connsiteX3" fmla="*/ 4081669 w 4081669"/>
+                <a:gd name="connsiteY3" fmla="*/ 114852 h 384313"/>
+              </a:gdLst>
+              <a:ahLst/>
+              <a:cxnLst>
+                <a:cxn ang="0">
+                  <a:pos x="connsiteX0" y="connsiteY0"/>
+                </a:cxn>
+                <a:cxn ang="0">
+                  <a:pos x="connsiteX1" y="connsiteY1"/>
+                </a:cxn>
+                <a:cxn ang="0">
+                  <a:pos x="connsiteX2" y="connsiteY2"/>
+                </a:cxn>
+                <a:cxn ang="0">
+                  <a:pos x="connsiteX3" y="connsiteY3"/>
+                </a:cxn>
+              </a:cxnLst>
+              <a:rect l="l" t="t" r="r" b="b"/>
+              <a:pathLst>
+                <a:path w="4081669" h="384313">
+                  <a:moveTo>
+                    <a:pt x="0" y="379896"/>
+                  </a:moveTo>
+                  <a:cubicBezTo>
+                    <a:pt x="685800" y="382104"/>
+                    <a:pt x="1371600" y="384313"/>
+                    <a:pt x="1868556" y="326887"/>
+                  </a:cubicBezTo>
+                  <a:cubicBezTo>
+                    <a:pt x="2365513" y="269461"/>
+                    <a:pt x="2612887" y="70678"/>
+                    <a:pt x="2981739" y="35339"/>
+                  </a:cubicBezTo>
+                  <a:cubicBezTo>
+                    <a:pt x="3350591" y="0"/>
+                    <a:pt x="3716130" y="57426"/>
+                    <a:pt x="4081669" y="114852"/>
+                  </a:cubicBezTo>
+                </a:path>
+              </a:pathLst>
+            </a:custGeom>
+            <a:ln w="25400">
+              <a:solidFill>
+                <a:schemeClr val="tx1"/>
+              </a:solidFill>
+              <a:tailEnd type="triangle" w="lg" len="lg"/>
+            </a:ln>
+          </p:spPr>
+          <p:style>
+            <a:lnRef idx="1">
+              <a:schemeClr val="accent1"/>
+            </a:lnRef>
+            <a:fillRef idx="0">
+              <a:schemeClr val="accent1"/>
+            </a:fillRef>
+            <a:effectRef idx="0">
+              <a:schemeClr val="accent1"/>
+            </a:effectRef>
+            <a:fontRef idx="minor">
+              <a:schemeClr val="tx1"/>
+            </a:fontRef>
+          </p:style>
+          <p:txBody>
+            <a:bodyPr rtlCol="0" anchor="ctr"/>
+            <a:lstStyle/>
+            <a:p>
+              <a:pPr algn="ctr"/>
+              <a:endParaRPr lang="en-US"/>
+            </a:p>
+          </p:txBody>
+        </p:sp>
+        <p:sp>
+          <p:nvSpPr>
+            <p:cNvPr id="18" name="Oval 17"/>
+            <p:cNvSpPr/>
+            <p:nvPr/>
+          </p:nvSpPr>
+          <p:spPr>
+            <a:xfrm>
+              <a:off x="1752600" y="3962400"/>
+              <a:ext cx="457200" cy="381000"/>
+            </a:xfrm>
+            <a:prstGeom prst="ellipse">
+              <a:avLst/>
+            </a:prstGeom>
+            <a:solidFill>
+              <a:srgbClr val="FF0000"/>
+            </a:solidFill>
+          </p:spPr>
+          <p:style>
+            <a:lnRef idx="2">
+              <a:schemeClr val="accent1">
+                <a:shade val="50000"/>
+              </a:schemeClr>
+            </a:lnRef>
+            <a:fillRef idx="1">
+              <a:schemeClr val="accent1"/>
+            </a:fillRef>
+            <a:effectRef idx="0">
+              <a:schemeClr val="accent1"/>
+            </a:effectRef>
+            <a:fontRef idx="minor">
+              <a:schemeClr val="lt1"/>
+            </a:fontRef>
+          </p:style>
+          <p:txBody>
+            <a:bodyPr rtlCol="0" anchor="ctr"/>
+            <a:lstStyle/>
+            <a:p>
+              <a:pPr algn="ctr"/>
+              <a:r>
+                <a:rPr lang="en-US" b="1" dirty="0" smtClean="0">
+                  <a:solidFill>
+                    <a:schemeClr val="bg1"/>
+                  </a:solidFill>
+                </a:rPr>
+                <a:t>1</a:t>
+              </a:r>
+              <a:endParaRPr lang="en-US" b="1" dirty="0">
+                <a:solidFill>
+                  <a:schemeClr val="bg1"/>
+                </a:solidFill>
+              </a:endParaRPr>
+            </a:p>
+          </p:txBody>
+        </p:sp>
+        <p:sp>
+          <p:nvSpPr>
+            <p:cNvPr id="9" name="Freeform 8"/>
+            <p:cNvSpPr/>
+            <p:nvPr/>
+          </p:nvSpPr>
+          <p:spPr>
+            <a:xfrm>
+              <a:off x="3200401" y="3366052"/>
+              <a:ext cx="2362200" cy="1510748"/>
+            </a:xfrm>
+            <a:custGeom>
+              <a:avLst/>
+              <a:gdLst>
+                <a:gd name="connsiteX0" fmla="*/ 1442279 w 1442279"/>
+                <a:gd name="connsiteY0" fmla="*/ 1431235 h 1444487"/>
+                <a:gd name="connsiteX1" fmla="*/ 408609 w 1442279"/>
+                <a:gd name="connsiteY1" fmla="*/ 1364974 h 1444487"/>
+                <a:gd name="connsiteX2" fmla="*/ 64052 w 1442279"/>
+                <a:gd name="connsiteY2" fmla="*/ 954157 h 1444487"/>
+                <a:gd name="connsiteX3" fmla="*/ 24296 w 1442279"/>
+                <a:gd name="connsiteY3" fmla="*/ 0 h 1444487"/>
+              </a:gdLst>
+              <a:ahLst/>
+              <a:cxnLst>
+                <a:cxn ang="0">
+                  <a:pos x="connsiteX0" y="connsiteY0"/>
+                </a:cxn>
+                <a:cxn ang="0">
+                  <a:pos x="connsiteX1" y="connsiteY1"/>
+                </a:cxn>
+                <a:cxn ang="0">
+                  <a:pos x="connsiteX2" y="connsiteY2"/>
+                </a:cxn>
+                <a:cxn ang="0">
+                  <a:pos x="connsiteX3" y="connsiteY3"/>
+                </a:cxn>
+              </a:cxnLst>
+              <a:rect l="l" t="t" r="r" b="b"/>
+              <a:pathLst>
+                <a:path w="1442279" h="1444487">
+                  <a:moveTo>
+                    <a:pt x="1442279" y="1431235"/>
+                  </a:moveTo>
+                  <a:cubicBezTo>
+                    <a:pt x="1040296" y="1437861"/>
+                    <a:pt x="638314" y="1444487"/>
+                    <a:pt x="408609" y="1364974"/>
+                  </a:cubicBezTo>
+                  <a:cubicBezTo>
+                    <a:pt x="178905" y="1285461"/>
+                    <a:pt x="128104" y="1181653"/>
+                    <a:pt x="64052" y="954157"/>
+                  </a:cubicBezTo>
+                  <a:cubicBezTo>
+                    <a:pt x="0" y="726661"/>
+                    <a:pt x="12148" y="363330"/>
+                    <a:pt x="24296" y="0"/>
+                  </a:cubicBezTo>
+                </a:path>
+              </a:pathLst>
+            </a:custGeom>
+            <a:ln w="25400">
+              <a:solidFill>
+                <a:schemeClr val="tx1"/>
+              </a:solidFill>
+              <a:tailEnd type="triangle" w="lg" len="lg"/>
+            </a:ln>
+          </p:spPr>
+          <p:style>
+            <a:lnRef idx="1">
+              <a:schemeClr val="accent1"/>
+            </a:lnRef>
+            <a:fillRef idx="0">
+              <a:schemeClr val="accent1"/>
+            </a:fillRef>
+            <a:effectRef idx="0">
+              <a:schemeClr val="accent1"/>
+            </a:effectRef>
+            <a:fontRef idx="minor">
+              <a:schemeClr val="tx1"/>
+            </a:fontRef>
+          </p:style>
+          <p:txBody>
+            <a:bodyPr rtlCol="0" anchor="ctr"/>
+            <a:lstStyle/>
+            <a:p>
+              <a:pPr algn="ctr"/>
+              <a:endParaRPr lang="en-US"/>
+            </a:p>
+          </p:txBody>
+        </p:sp>
+        <p:sp>
+          <p:nvSpPr>
+            <p:cNvPr id="10" name="Oval 9"/>
+            <p:cNvSpPr/>
+            <p:nvPr/>
+          </p:nvSpPr>
+          <p:spPr>
+            <a:xfrm>
+              <a:off x="3276600" y="3657600"/>
+              <a:ext cx="457200" cy="381000"/>
+            </a:xfrm>
+            <a:prstGeom prst="ellipse">
+              <a:avLst/>
+            </a:prstGeom>
+            <a:solidFill>
+              <a:srgbClr val="FF0000"/>
+            </a:solidFill>
+          </p:spPr>
+          <p:style>
+            <a:lnRef idx="2">
+              <a:schemeClr val="accent1">
+                <a:shade val="50000"/>
+              </a:schemeClr>
+            </a:lnRef>
+            <a:fillRef idx="1">
+              <a:schemeClr val="accent1"/>
+            </a:fillRef>
+            <a:effectRef idx="0">
+              <a:schemeClr val="accent1"/>
+            </a:effectRef>
+            <a:fontRef idx="minor">
+              <a:schemeClr val="lt1"/>
+            </a:fontRef>
+          </p:style>
+          <p:txBody>
+            <a:bodyPr rtlCol="0" anchor="ctr"/>
+            <a:lstStyle/>
+            <a:p>
+              <a:pPr algn="ctr"/>
+              <a:r>
+                <a:rPr lang="en-US" b="1" dirty="0" smtClean="0">
+                  <a:solidFill>
+                    <a:schemeClr val="bg1"/>
+                  </a:solidFill>
+                </a:rPr>
+                <a:t>2</a:t>
+              </a:r>
+              <a:endParaRPr lang="en-US" b="1" dirty="0">
+                <a:solidFill>
+                  <a:schemeClr val="bg1"/>
+                </a:solidFill>
+              </a:endParaRPr>
+            </a:p>
+          </p:txBody>
+        </p:sp>
+        <p:sp>
+          <p:nvSpPr>
+            <p:cNvPr id="13" name="Freeform 12"/>
+            <p:cNvSpPr/>
+            <p:nvPr/>
+          </p:nvSpPr>
+          <p:spPr>
+            <a:xfrm>
+              <a:off x="4412974" y="3379304"/>
+              <a:ext cx="1325217" cy="1457739"/>
+            </a:xfrm>
+            <a:custGeom>
+              <a:avLst/>
+              <a:gdLst>
+                <a:gd name="connsiteX0" fmla="*/ 0 w 1325217"/>
+                <a:gd name="connsiteY0" fmla="*/ 0 h 1457739"/>
+                <a:gd name="connsiteX1" fmla="*/ 265043 w 1325217"/>
+                <a:gd name="connsiteY1" fmla="*/ 463826 h 1457739"/>
+                <a:gd name="connsiteX2" fmla="*/ 1126435 w 1325217"/>
+                <a:gd name="connsiteY2" fmla="*/ 914400 h 1457739"/>
+                <a:gd name="connsiteX3" fmla="*/ 1325217 w 1325217"/>
+                <a:gd name="connsiteY3" fmla="*/ 1457739 h 1457739"/>
+              </a:gdLst>
+              <a:ahLst/>
+              <a:cxnLst>
+                <a:cxn ang="0">
+                  <a:pos x="connsiteX0" y="connsiteY0"/>
+                </a:cxn>
+                <a:cxn ang="0">
+                  <a:pos x="connsiteX1" y="connsiteY1"/>
+                </a:cxn>
+                <a:cxn ang="0">
+                  <a:pos x="connsiteX2" y="connsiteY2"/>
+                </a:cxn>
+                <a:cxn ang="0">
+                  <a:pos x="connsiteX3" y="connsiteY3"/>
+                </a:cxn>
+              </a:cxnLst>
+              <a:rect l="l" t="t" r="r" b="b"/>
+              <a:pathLst>
+                <a:path w="1325217" h="1457739">
+                  <a:moveTo>
+                    <a:pt x="0" y="0"/>
+                  </a:moveTo>
+                  <a:cubicBezTo>
+                    <a:pt x="38652" y="155713"/>
+                    <a:pt x="77304" y="311426"/>
+                    <a:pt x="265043" y="463826"/>
+                  </a:cubicBezTo>
+                  <a:cubicBezTo>
+                    <a:pt x="452782" y="616226"/>
+                    <a:pt x="949739" y="748748"/>
+                    <a:pt x="1126435" y="914400"/>
+                  </a:cubicBezTo>
+                  <a:cubicBezTo>
+                    <a:pt x="1303131" y="1080052"/>
+                    <a:pt x="1314174" y="1268895"/>
+                    <a:pt x="1325217" y="1457739"/>
+                  </a:cubicBezTo>
+                </a:path>
+              </a:pathLst>
+            </a:custGeom>
+            <a:ln w="25400">
+              <a:solidFill>
+                <a:schemeClr val="tx1"/>
+              </a:solidFill>
+              <a:tailEnd type="triangle" w="lg" len="lg"/>
+            </a:ln>
+          </p:spPr>
+          <p:style>
+            <a:lnRef idx="1">
+              <a:schemeClr val="accent1"/>
+            </a:lnRef>
+            <a:fillRef idx="0">
+              <a:schemeClr val="accent1"/>
+            </a:fillRef>
+            <a:effectRef idx="0">
+              <a:schemeClr val="accent1"/>
+            </a:effectRef>
+            <a:fontRef idx="minor">
+              <a:schemeClr val="tx1"/>
+            </a:fontRef>
+          </p:style>
+          <p:txBody>
+            <a:bodyPr rtlCol="0" anchor="ctr"/>
+            <a:lstStyle/>
+            <a:p>
+              <a:pPr algn="ctr"/>
+              <a:endParaRPr lang="en-US"/>
+            </a:p>
+          </p:txBody>
+        </p:sp>
+        <p:sp>
+          <p:nvSpPr>
+            <p:cNvPr id="15" name="Oval 14"/>
+            <p:cNvSpPr/>
+            <p:nvPr/>
+          </p:nvSpPr>
+          <p:spPr>
+            <a:xfrm>
+              <a:off x="4572000" y="3429000"/>
+              <a:ext cx="457200" cy="381000"/>
+            </a:xfrm>
+            <a:prstGeom prst="ellipse">
+              <a:avLst/>
+            </a:prstGeom>
+            <a:solidFill>
+              <a:srgbClr val="FF0000"/>
+            </a:solidFill>
+          </p:spPr>
+          <p:style>
+            <a:lnRef idx="2">
+              <a:schemeClr val="accent1">
+                <a:shade val="50000"/>
+              </a:schemeClr>
+            </a:lnRef>
+            <a:fillRef idx="1">
+              <a:schemeClr val="accent1"/>
+            </a:fillRef>
+            <a:effectRef idx="0">
+              <a:schemeClr val="accent1"/>
+            </a:effectRef>
+            <a:fontRef idx="minor">
+              <a:schemeClr val="lt1"/>
+            </a:fontRef>
+          </p:style>
+          <p:txBody>
+            <a:bodyPr rtlCol="0" anchor="ctr"/>
+            <a:lstStyle/>
+            <a:p>
+              <a:pPr algn="ctr"/>
+              <a:r>
+                <a:rPr lang="en-US" b="1" dirty="0" smtClean="0">
+                  <a:solidFill>
+                    <a:schemeClr val="bg1"/>
+                  </a:solidFill>
+                </a:rPr>
+                <a:t>3</a:t>
+              </a:r>
+              <a:endParaRPr lang="en-US" b="1" dirty="0">
+                <a:solidFill>
+                  <a:schemeClr val="bg1"/>
+                </a:solidFill>
+              </a:endParaRPr>
+            </a:p>
+          </p:txBody>
+        </p:sp>
+        <p:sp>
+          <p:nvSpPr>
+            <p:cNvPr id="16" name="Rounded Rectangular Callout 15"/>
+            <p:cNvSpPr/>
+            <p:nvPr/>
+          </p:nvSpPr>
+          <p:spPr>
+            <a:xfrm>
+              <a:off x="6629400" y="2090049"/>
+              <a:ext cx="1143000" cy="881751"/>
+            </a:xfrm>
+            <a:prstGeom prst="wedgeRoundRectCallout">
+              <a:avLst>
+                <a:gd name="adj1" fmla="val -201969"/>
+                <a:gd name="adj2" fmla="val 152708"/>
+                <a:gd name="adj3" fmla="val 16667"/>
+              </a:avLst>
+            </a:prstGeom>
+          </p:spPr>
+          <p:style>
+            <a:lnRef idx="2">
+              <a:schemeClr val="accent1">
+                <a:shade val="50000"/>
+              </a:schemeClr>
+            </a:lnRef>
+            <a:fillRef idx="1">
+              <a:schemeClr val="accent1"/>
+            </a:fillRef>
+            <a:effectRef idx="0">
+              <a:schemeClr val="accent1"/>
+            </a:effectRef>
+            <a:fontRef idx="minor">
+              <a:schemeClr val="lt1"/>
+            </a:fontRef>
+          </p:style>
+          <p:txBody>
+            <a:bodyPr lIns="0" tIns="0" rIns="0" bIns="0" rtlCol="0" anchor="ctr"/>
+            <a:lstStyle/>
+            <a:p>
+              <a:pPr algn="ctr"/>
+              <a:r>
+                <a:rPr lang="en-US" sz="2000" dirty="0" smtClean="0"/>
+                <a:t>ARM evicts the </a:t>
+              </a:r>
+              <a:r>
+                <a:rPr lang="en-US" sz="2000" dirty="0" smtClean="0"/>
+                <a:t>line.</a:t>
+              </a:r>
+              <a:endParaRPr lang="en-US" sz="2000" dirty="0"/>
+            </a:p>
+          </p:txBody>
+        </p:sp>
+        <p:sp>
+          <p:nvSpPr>
+            <p:cNvPr id="17" name="Rounded Rectangular Callout 16"/>
+            <p:cNvSpPr/>
+            <p:nvPr/>
+          </p:nvSpPr>
+          <p:spPr>
+            <a:xfrm>
+              <a:off x="732099" y="1551008"/>
+              <a:ext cx="1600200" cy="1545220"/>
+            </a:xfrm>
+            <a:prstGeom prst="wedgeRoundRectCallout">
+              <a:avLst>
+                <a:gd name="adj1" fmla="val 104219"/>
+                <a:gd name="adj2" fmla="val 101009"/>
+                <a:gd name="adj3" fmla="val 16667"/>
+              </a:avLst>
+            </a:prstGeom>
+          </p:spPr>
+          <p:style>
+            <a:lnRef idx="2">
+              <a:schemeClr val="accent1">
+                <a:shade val="50000"/>
+              </a:schemeClr>
+            </a:lnRef>
+            <a:fillRef idx="1">
+              <a:schemeClr val="accent1"/>
+            </a:fillRef>
+            <a:effectRef idx="0">
+              <a:schemeClr val="accent1"/>
+            </a:effectRef>
+            <a:fontRef idx="minor">
+              <a:schemeClr val="lt1"/>
+            </a:fontRef>
+          </p:style>
+          <p:txBody>
+            <a:bodyPr lIns="0" tIns="0" rIns="0" bIns="0" rtlCol="0" anchor="ctr"/>
+            <a:lstStyle/>
+            <a:p>
+              <a:pPr algn="ctr"/>
+              <a:r>
+                <a:rPr lang="en-US" sz="2000" dirty="0" smtClean="0"/>
+                <a:t>Coherence Controller issues </a:t>
+              </a:r>
+              <a:r>
+                <a:rPr lang="en-US" sz="2000" dirty="0" err="1" smtClean="0"/>
+                <a:t>WBInv</a:t>
+              </a:r>
+              <a:r>
+                <a:rPr lang="en-US" sz="2000" dirty="0" smtClean="0"/>
+                <a:t> snoops to </a:t>
+              </a:r>
+              <a:r>
+                <a:rPr lang="en-US" sz="2000" dirty="0" smtClean="0"/>
+                <a:t>ARM.</a:t>
+              </a:r>
+              <a:endParaRPr lang="en-US" sz="2000" dirty="0"/>
+            </a:p>
+          </p:txBody>
+        </p:sp>
+        <p:sp>
+          <p:nvSpPr>
+            <p:cNvPr id="19" name="Rounded Rectangular Callout 18"/>
+            <p:cNvSpPr/>
+            <p:nvPr/>
+          </p:nvSpPr>
+          <p:spPr>
+            <a:xfrm>
+              <a:off x="457200" y="5486400"/>
+              <a:ext cx="1600200" cy="1066800"/>
+            </a:xfrm>
+            <a:prstGeom prst="wedgeRoundRectCallout">
+              <a:avLst>
+                <a:gd name="adj1" fmla="val 52045"/>
+                <a:gd name="adj2" fmla="val -151165"/>
+                <a:gd name="adj3" fmla="val 16667"/>
+              </a:avLst>
+            </a:prstGeom>
+          </p:spPr>
+          <p:style>
+            <a:lnRef idx="2">
+              <a:schemeClr val="accent1">
+                <a:shade val="50000"/>
+              </a:schemeClr>
+            </a:lnRef>
+            <a:fillRef idx="1">
+              <a:schemeClr val="accent1"/>
+            </a:fillRef>
+            <a:effectRef idx="0">
+              <a:schemeClr val="accent1"/>
+            </a:effectRef>
+            <a:fontRef idx="minor">
+              <a:schemeClr val="lt1"/>
+            </a:fontRef>
+          </p:style>
+          <p:txBody>
+            <a:bodyPr lIns="0" tIns="0" rIns="0" bIns="0" rtlCol="0" anchor="ctr"/>
+            <a:lstStyle/>
+            <a:p>
+              <a:pPr algn="ctr"/>
+              <a:r>
+                <a:rPr lang="en-US" sz="2000" dirty="0" smtClean="0"/>
+                <a:t>EDMA issues write to shared </a:t>
+              </a:r>
+              <a:r>
+                <a:rPr lang="en-US" sz="2000" dirty="0" smtClean="0"/>
+                <a:t>SRAM.</a:t>
+              </a:r>
+              <a:endParaRPr lang="en-US" sz="2000" dirty="0"/>
+            </a:p>
+          </p:txBody>
+        </p:sp>
+      </p:grpSp>
+    </p:spTree>
+  </p:cSld>
+  <p:clrMapOvr>
+    <a:masterClrMapping/>
+  </p:clrMapOvr>
+  <p:timing>
+    <p:tnLst>
+      <p:par>
+        <p:cTn id="1" dur="indefinite" restart="never" nodeType="tmRoot"/>
+      </p:par>
+    </p:tnLst>
+  </p:timing>
+</p:sld>
+</file>
+
+<file path=ppt/slides/slide31.xml><?xml version="1.0" encoding="utf-8"?>
+<p:sld xmlns:a="http://schemas.openxmlformats.org/drawingml/2006/main" xmlns:r="http://schemas.openxmlformats.org/officeDocument/2006/relationships" xmlns:p="http://schemas.openxmlformats.org/presentationml/2006/main">
+  <p:cSld>
+    <p:spTree>
+      <p:nvGrpSpPr>
+        <p:cNvPr id="1" name=""/>
+        <p:cNvGrpSpPr/>
+        <p:nvPr/>
+      </p:nvGrpSpPr>
+      <p:grpSpPr>
+        <a:xfrm>
+          <a:off x="0" y="0"/>
+          <a:ext cx="0" cy="0"/>
+          <a:chOff x="0" y="0"/>
+          <a:chExt cx="0" cy="0"/>
+        </a:xfrm>
+      </p:grpSpPr>
+      <p:sp>
+        <p:nvSpPr>
+          <p:cNvPr id="4" name="Title 3"/>
+          <p:cNvSpPr>
+            <a:spLocks noGrp="1"/>
+          </p:cNvSpPr>
+          <p:nvPr>
+            <p:ph type="title"/>
+          </p:nvPr>
+        </p:nvSpPr>
+        <p:spPr/>
+        <p:txBody>
+          <a:bodyPr>
+            <a:noAutofit/>
+          </a:bodyPr>
+          <a:lstStyle/>
+          <a:p>
+            <a:r>
+              <a:rPr lang="en-US" sz="3200" dirty="0" smtClean="0"/>
+              <a:t>Keystone </a:t>
+            </a:r>
+            <a:r>
+              <a:rPr lang="en-US" sz="3200" dirty="0" err="1" smtClean="0"/>
+              <a:t>ll</a:t>
+            </a:r>
+            <a:r>
+              <a:rPr lang="en-US" sz="3200" dirty="0" smtClean="0"/>
+              <a:t>: ARM - IO Coherency</a:t>
+            </a:r>
+            <a:br>
+              <a:rPr lang="en-US" sz="3200" dirty="0" smtClean="0"/>
+            </a:br>
+            <a:r>
+              <a:rPr lang="en-US" sz="3200" dirty="0" smtClean="0"/>
+              <a:t>External Write to Shared Memory (MSM/DDR)</a:t>
+            </a:r>
+            <a:endParaRPr lang="en-US" sz="3200" dirty="0"/>
+          </a:p>
+        </p:txBody>
+      </p:sp>
+      <p:grpSp>
+        <p:nvGrpSpPr>
+          <p:cNvPr id="2" name="Group 19"/>
+          <p:cNvGrpSpPr/>
+          <p:nvPr/>
+        </p:nvGrpSpPr>
+        <p:grpSpPr>
+          <a:xfrm>
+            <a:off x="427056" y="1090310"/>
+            <a:ext cx="8458200" cy="5303520"/>
+            <a:chOff x="457200" y="1321414"/>
+            <a:chExt cx="8458200" cy="5303520"/>
+          </a:xfrm>
+        </p:grpSpPr>
+        <p:pic>
+          <p:nvPicPr>
+            <p:cNvPr id="55303" name="Picture 7"/>
+            <p:cNvPicPr>
+              <a:picLocks noChangeArrowheads="1"/>
+            </p:cNvPicPr>
+            <p:nvPr/>
+          </p:nvPicPr>
+          <p:blipFill>
+            <a:blip r:embed="rId2" cstate="print"/>
+            <a:srcRect/>
+            <a:stretch>
+              <a:fillRect/>
+            </a:stretch>
+          </p:blipFill>
+          <p:spPr bwMode="auto">
+            <a:xfrm>
+              <a:off x="457200" y="1321414"/>
+              <a:ext cx="8458200" cy="5303520"/>
+            </a:xfrm>
+            <a:prstGeom prst="rect">
+              <a:avLst/>
+            </a:prstGeom>
+            <a:noFill/>
+            <a:ln w="9525">
+              <a:noFill/>
+              <a:miter lim="800000"/>
+              <a:headEnd/>
+              <a:tailEnd/>
+            </a:ln>
+          </p:spPr>
+        </p:pic>
+        <p:sp>
+          <p:nvSpPr>
+            <p:cNvPr id="14" name="Freeform 13"/>
+            <p:cNvSpPr/>
+            <p:nvPr/>
+          </p:nvSpPr>
+          <p:spPr>
+            <a:xfrm>
+              <a:off x="1656522" y="4006574"/>
+              <a:ext cx="4081669" cy="384313"/>
+            </a:xfrm>
+            <a:custGeom>
+              <a:avLst/>
+              <a:gdLst>
+                <a:gd name="connsiteX0" fmla="*/ 0 w 4081669"/>
+                <a:gd name="connsiteY0" fmla="*/ 379896 h 384313"/>
+                <a:gd name="connsiteX1" fmla="*/ 1868556 w 4081669"/>
+                <a:gd name="connsiteY1" fmla="*/ 326887 h 384313"/>
+                <a:gd name="connsiteX2" fmla="*/ 2981739 w 4081669"/>
+                <a:gd name="connsiteY2" fmla="*/ 35339 h 384313"/>
+                <a:gd name="connsiteX3" fmla="*/ 4081669 w 4081669"/>
+                <a:gd name="connsiteY3" fmla="*/ 114852 h 384313"/>
+              </a:gdLst>
+              <a:ahLst/>
+              <a:cxnLst>
+                <a:cxn ang="0">
+                  <a:pos x="connsiteX0" y="connsiteY0"/>
+                </a:cxn>
+                <a:cxn ang="0">
+                  <a:pos x="connsiteX1" y="connsiteY1"/>
+                </a:cxn>
+                <a:cxn ang="0">
+                  <a:pos x="connsiteX2" y="connsiteY2"/>
+                </a:cxn>
+                <a:cxn ang="0">
+                  <a:pos x="connsiteX3" y="connsiteY3"/>
+                </a:cxn>
+              </a:cxnLst>
+              <a:rect l="l" t="t" r="r" b="b"/>
+              <a:pathLst>
+                <a:path w="4081669" h="384313">
+                  <a:moveTo>
+                    <a:pt x="0" y="379896"/>
+                  </a:moveTo>
+                  <a:cubicBezTo>
+                    <a:pt x="685800" y="382104"/>
+                    <a:pt x="1371600" y="384313"/>
+                    <a:pt x="1868556" y="326887"/>
+                  </a:cubicBezTo>
+                  <a:cubicBezTo>
+                    <a:pt x="2365513" y="269461"/>
+                    <a:pt x="2612887" y="70678"/>
+                    <a:pt x="2981739" y="35339"/>
+                  </a:cubicBezTo>
+                  <a:cubicBezTo>
+                    <a:pt x="3350591" y="0"/>
+                    <a:pt x="3716130" y="57426"/>
+                    <a:pt x="4081669" y="114852"/>
+                  </a:cubicBezTo>
+                </a:path>
+              </a:pathLst>
+            </a:custGeom>
+            <a:ln w="25400">
+              <a:solidFill>
+                <a:schemeClr val="tx1"/>
+              </a:solidFill>
+              <a:tailEnd type="triangle" w="lg" len="lg"/>
+            </a:ln>
+          </p:spPr>
+          <p:style>
+            <a:lnRef idx="1">
+              <a:schemeClr val="accent1"/>
+            </a:lnRef>
+            <a:fillRef idx="0">
+              <a:schemeClr val="accent1"/>
+            </a:fillRef>
+            <a:effectRef idx="0">
+              <a:schemeClr val="accent1"/>
+            </a:effectRef>
+            <a:fontRef idx="minor">
+              <a:schemeClr val="tx1"/>
+            </a:fontRef>
+          </p:style>
+          <p:txBody>
+            <a:bodyPr rtlCol="0" anchor="ctr"/>
+            <a:lstStyle/>
+            <a:p>
+              <a:pPr algn="ctr"/>
+              <a:endParaRPr lang="en-US"/>
+            </a:p>
+          </p:txBody>
+        </p:sp>
+        <p:sp>
+          <p:nvSpPr>
+            <p:cNvPr id="18" name="Oval 17"/>
+            <p:cNvSpPr/>
+            <p:nvPr/>
+          </p:nvSpPr>
+          <p:spPr>
+            <a:xfrm>
+              <a:off x="1752600" y="3962400"/>
+              <a:ext cx="457200" cy="381000"/>
+            </a:xfrm>
+            <a:prstGeom prst="ellipse">
+              <a:avLst/>
+            </a:prstGeom>
+            <a:solidFill>
+              <a:srgbClr val="FF0000"/>
+            </a:solidFill>
+          </p:spPr>
+          <p:style>
+            <a:lnRef idx="2">
+              <a:schemeClr val="accent1">
+                <a:shade val="50000"/>
+              </a:schemeClr>
+            </a:lnRef>
+            <a:fillRef idx="1">
+              <a:schemeClr val="accent1"/>
+            </a:fillRef>
+            <a:effectRef idx="0">
+              <a:schemeClr val="accent1"/>
+            </a:effectRef>
+            <a:fontRef idx="minor">
+              <a:schemeClr val="lt1"/>
+            </a:fontRef>
+          </p:style>
+          <p:txBody>
+            <a:bodyPr rtlCol="0" anchor="ctr"/>
+            <a:lstStyle/>
+            <a:p>
+              <a:pPr algn="ctr"/>
+              <a:r>
+                <a:rPr lang="en-US" b="1" dirty="0" smtClean="0">
+                  <a:solidFill>
+                    <a:schemeClr val="bg1"/>
+                  </a:solidFill>
+                </a:rPr>
+                <a:t>1</a:t>
+              </a:r>
+              <a:endParaRPr lang="en-US" b="1" dirty="0">
+                <a:solidFill>
+                  <a:schemeClr val="bg1"/>
+                </a:solidFill>
+              </a:endParaRPr>
+            </a:p>
+          </p:txBody>
+        </p:sp>
+        <p:sp>
+          <p:nvSpPr>
+            <p:cNvPr id="9" name="Freeform 8"/>
+            <p:cNvSpPr/>
+            <p:nvPr/>
+          </p:nvSpPr>
+          <p:spPr>
+            <a:xfrm>
+              <a:off x="3200401" y="3366052"/>
+              <a:ext cx="2362200" cy="1510748"/>
+            </a:xfrm>
+            <a:custGeom>
+              <a:avLst/>
+              <a:gdLst>
+                <a:gd name="connsiteX0" fmla="*/ 1442279 w 1442279"/>
+                <a:gd name="connsiteY0" fmla="*/ 1431235 h 1444487"/>
+                <a:gd name="connsiteX1" fmla="*/ 408609 w 1442279"/>
+                <a:gd name="connsiteY1" fmla="*/ 1364974 h 1444487"/>
+                <a:gd name="connsiteX2" fmla="*/ 64052 w 1442279"/>
+                <a:gd name="connsiteY2" fmla="*/ 954157 h 1444487"/>
+                <a:gd name="connsiteX3" fmla="*/ 24296 w 1442279"/>
+                <a:gd name="connsiteY3" fmla="*/ 0 h 1444487"/>
+              </a:gdLst>
+              <a:ahLst/>
+              <a:cxnLst>
+                <a:cxn ang="0">
+                  <a:pos x="connsiteX0" y="connsiteY0"/>
+                </a:cxn>
+                <a:cxn ang="0">
+                  <a:pos x="connsiteX1" y="connsiteY1"/>
+                </a:cxn>
+                <a:cxn ang="0">
+                  <a:pos x="connsiteX2" y="connsiteY2"/>
+                </a:cxn>
+                <a:cxn ang="0">
+                  <a:pos x="connsiteX3" y="connsiteY3"/>
+                </a:cxn>
+              </a:cxnLst>
+              <a:rect l="l" t="t" r="r" b="b"/>
+              <a:pathLst>
+                <a:path w="1442279" h="1444487">
+                  <a:moveTo>
+                    <a:pt x="1442279" y="1431235"/>
+                  </a:moveTo>
+                  <a:cubicBezTo>
+                    <a:pt x="1040296" y="1437861"/>
+                    <a:pt x="638314" y="1444487"/>
+                    <a:pt x="408609" y="1364974"/>
+                  </a:cubicBezTo>
+                  <a:cubicBezTo>
+                    <a:pt x="178905" y="1285461"/>
+                    <a:pt x="128104" y="1181653"/>
+                    <a:pt x="64052" y="954157"/>
+                  </a:cubicBezTo>
+                  <a:cubicBezTo>
+                    <a:pt x="0" y="726661"/>
+                    <a:pt x="12148" y="363330"/>
+                    <a:pt x="24296" y="0"/>
+                  </a:cubicBezTo>
+                </a:path>
+              </a:pathLst>
+            </a:custGeom>
+            <a:ln w="25400">
+              <a:solidFill>
+                <a:schemeClr val="tx1"/>
+              </a:solidFill>
+              <a:tailEnd type="triangle" w="lg" len="lg"/>
+            </a:ln>
+          </p:spPr>
+          <p:style>
+            <a:lnRef idx="1">
+              <a:schemeClr val="accent1"/>
+            </a:lnRef>
+            <a:fillRef idx="0">
+              <a:schemeClr val="accent1"/>
+            </a:fillRef>
+            <a:effectRef idx="0">
+              <a:schemeClr val="accent1"/>
+            </a:effectRef>
+            <a:fontRef idx="minor">
+              <a:schemeClr val="tx1"/>
+            </a:fontRef>
+          </p:style>
+          <p:txBody>
+            <a:bodyPr rtlCol="0" anchor="ctr"/>
+            <a:lstStyle/>
+            <a:p>
+              <a:pPr algn="ctr"/>
+              <a:endParaRPr lang="en-US"/>
+            </a:p>
+          </p:txBody>
+        </p:sp>
+        <p:sp>
+          <p:nvSpPr>
+            <p:cNvPr id="10" name="Oval 9"/>
+            <p:cNvSpPr/>
+            <p:nvPr/>
+          </p:nvSpPr>
+          <p:spPr>
+            <a:xfrm>
+              <a:off x="3276600" y="3657600"/>
+              <a:ext cx="457200" cy="381000"/>
+            </a:xfrm>
+            <a:prstGeom prst="ellipse">
+              <a:avLst/>
+            </a:prstGeom>
+            <a:solidFill>
+              <a:srgbClr val="FF0000"/>
+            </a:solidFill>
+          </p:spPr>
+          <p:style>
+            <a:lnRef idx="2">
+              <a:schemeClr val="accent1">
+                <a:shade val="50000"/>
+              </a:schemeClr>
+            </a:lnRef>
+            <a:fillRef idx="1">
+              <a:schemeClr val="accent1"/>
+            </a:fillRef>
+            <a:effectRef idx="0">
+              <a:schemeClr val="accent1"/>
+            </a:effectRef>
+            <a:fontRef idx="minor">
+              <a:schemeClr val="lt1"/>
+            </a:fontRef>
+          </p:style>
+          <p:txBody>
+            <a:bodyPr rtlCol="0" anchor="ctr"/>
+            <a:lstStyle/>
+            <a:p>
+              <a:pPr algn="ctr"/>
+              <a:r>
+                <a:rPr lang="en-US" b="1" dirty="0" smtClean="0">
+                  <a:solidFill>
+                    <a:schemeClr val="bg1"/>
+                  </a:solidFill>
+                </a:rPr>
+                <a:t>2</a:t>
+              </a:r>
+              <a:endParaRPr lang="en-US" b="1" dirty="0">
+                <a:solidFill>
+                  <a:schemeClr val="bg1"/>
+                </a:solidFill>
+              </a:endParaRPr>
+            </a:p>
+          </p:txBody>
+        </p:sp>
+        <p:sp>
+          <p:nvSpPr>
+            <p:cNvPr id="13" name="Freeform 12"/>
+            <p:cNvSpPr/>
+            <p:nvPr/>
+          </p:nvSpPr>
+          <p:spPr>
+            <a:xfrm>
+              <a:off x="4412974" y="3379304"/>
+              <a:ext cx="1325217" cy="1457739"/>
+            </a:xfrm>
+            <a:custGeom>
+              <a:avLst/>
+              <a:gdLst>
+                <a:gd name="connsiteX0" fmla="*/ 0 w 1325217"/>
+                <a:gd name="connsiteY0" fmla="*/ 0 h 1457739"/>
+                <a:gd name="connsiteX1" fmla="*/ 265043 w 1325217"/>
+                <a:gd name="connsiteY1" fmla="*/ 463826 h 1457739"/>
+                <a:gd name="connsiteX2" fmla="*/ 1126435 w 1325217"/>
+                <a:gd name="connsiteY2" fmla="*/ 914400 h 1457739"/>
+                <a:gd name="connsiteX3" fmla="*/ 1325217 w 1325217"/>
+                <a:gd name="connsiteY3" fmla="*/ 1457739 h 1457739"/>
+              </a:gdLst>
+              <a:ahLst/>
+              <a:cxnLst>
+                <a:cxn ang="0">
+                  <a:pos x="connsiteX0" y="connsiteY0"/>
+                </a:cxn>
+                <a:cxn ang="0">
+                  <a:pos x="connsiteX1" y="connsiteY1"/>
+                </a:cxn>
+                <a:cxn ang="0">
+                  <a:pos x="connsiteX2" y="connsiteY2"/>
+                </a:cxn>
+                <a:cxn ang="0">
+                  <a:pos x="connsiteX3" y="connsiteY3"/>
+                </a:cxn>
+              </a:cxnLst>
+              <a:rect l="l" t="t" r="r" b="b"/>
+              <a:pathLst>
+                <a:path w="1325217" h="1457739">
+                  <a:moveTo>
+                    <a:pt x="0" y="0"/>
+                  </a:moveTo>
+                  <a:cubicBezTo>
+                    <a:pt x="38652" y="155713"/>
+                    <a:pt x="77304" y="311426"/>
+                    <a:pt x="265043" y="463826"/>
+                  </a:cubicBezTo>
+                  <a:cubicBezTo>
+                    <a:pt x="452782" y="616226"/>
+                    <a:pt x="949739" y="748748"/>
+                    <a:pt x="1126435" y="914400"/>
+                  </a:cubicBezTo>
+                  <a:cubicBezTo>
+                    <a:pt x="1303131" y="1080052"/>
+                    <a:pt x="1314174" y="1268895"/>
+                    <a:pt x="1325217" y="1457739"/>
+                  </a:cubicBezTo>
+                </a:path>
+              </a:pathLst>
+            </a:custGeom>
+            <a:ln w="25400">
+              <a:solidFill>
+                <a:schemeClr val="tx1"/>
+              </a:solidFill>
+              <a:tailEnd type="triangle" w="lg" len="lg"/>
+            </a:ln>
+          </p:spPr>
+          <p:style>
+            <a:lnRef idx="1">
+              <a:schemeClr val="accent1"/>
+            </a:lnRef>
+            <a:fillRef idx="0">
+              <a:schemeClr val="accent1"/>
+            </a:fillRef>
+            <a:effectRef idx="0">
+              <a:schemeClr val="accent1"/>
+            </a:effectRef>
+            <a:fontRef idx="minor">
+              <a:schemeClr val="tx1"/>
+            </a:fontRef>
+          </p:style>
+          <p:txBody>
+            <a:bodyPr rtlCol="0" anchor="ctr"/>
+            <a:lstStyle/>
+            <a:p>
+              <a:pPr algn="ctr"/>
+              <a:endParaRPr lang="en-US"/>
+            </a:p>
+          </p:txBody>
+        </p:sp>
+        <p:sp>
+          <p:nvSpPr>
+            <p:cNvPr id="15" name="Oval 14"/>
+            <p:cNvSpPr/>
+            <p:nvPr/>
+          </p:nvSpPr>
+          <p:spPr>
+            <a:xfrm>
+              <a:off x="4572000" y="3429000"/>
+              <a:ext cx="457200" cy="381000"/>
+            </a:xfrm>
+            <a:prstGeom prst="ellipse">
+              <a:avLst/>
+            </a:prstGeom>
+            <a:solidFill>
+              <a:srgbClr val="FF0000"/>
+            </a:solidFill>
+          </p:spPr>
+          <p:style>
+            <a:lnRef idx="2">
+              <a:schemeClr val="accent1">
+                <a:shade val="50000"/>
+              </a:schemeClr>
+            </a:lnRef>
+            <a:fillRef idx="1">
+              <a:schemeClr val="accent1"/>
+            </a:fillRef>
+            <a:effectRef idx="0">
+              <a:schemeClr val="accent1"/>
+            </a:effectRef>
+            <a:fontRef idx="minor">
+              <a:schemeClr val="lt1"/>
+            </a:fontRef>
+          </p:style>
+          <p:txBody>
+            <a:bodyPr rtlCol="0" anchor="ctr"/>
+            <a:lstStyle/>
+            <a:p>
+              <a:pPr algn="ctr"/>
+              <a:r>
+                <a:rPr lang="en-US" b="1" dirty="0" smtClean="0">
+                  <a:solidFill>
+                    <a:schemeClr val="bg1"/>
+                  </a:solidFill>
+                </a:rPr>
+                <a:t>3</a:t>
+              </a:r>
+              <a:endParaRPr lang="en-US" b="1" dirty="0">
+                <a:solidFill>
+                  <a:schemeClr val="bg1"/>
+                </a:solidFill>
+              </a:endParaRPr>
+            </a:p>
+          </p:txBody>
+        </p:sp>
+        <p:sp>
+          <p:nvSpPr>
+            <p:cNvPr id="16" name="Rounded Rectangular Callout 15"/>
+            <p:cNvSpPr/>
+            <p:nvPr/>
+          </p:nvSpPr>
+          <p:spPr>
+            <a:xfrm>
+              <a:off x="6629400" y="2090049"/>
+              <a:ext cx="1143000" cy="881751"/>
+            </a:xfrm>
+            <a:prstGeom prst="wedgeRoundRectCallout">
+              <a:avLst>
+                <a:gd name="adj1" fmla="val -201969"/>
+                <a:gd name="adj2" fmla="val 152708"/>
+                <a:gd name="adj3" fmla="val 16667"/>
+              </a:avLst>
+            </a:prstGeom>
+          </p:spPr>
+          <p:style>
+            <a:lnRef idx="2">
+              <a:schemeClr val="accent1">
+                <a:shade val="50000"/>
+              </a:schemeClr>
+            </a:lnRef>
+            <a:fillRef idx="1">
+              <a:schemeClr val="accent1"/>
+            </a:fillRef>
+            <a:effectRef idx="0">
+              <a:schemeClr val="accent1"/>
+            </a:effectRef>
+            <a:fontRef idx="minor">
+              <a:schemeClr val="lt1"/>
+            </a:fontRef>
+          </p:style>
+          <p:txBody>
+            <a:bodyPr lIns="0" tIns="0" rIns="0" bIns="0" rtlCol="0" anchor="ctr"/>
+            <a:lstStyle/>
+            <a:p>
+              <a:pPr algn="ctr"/>
+              <a:r>
+                <a:rPr lang="en-US" sz="2000" dirty="0" smtClean="0"/>
+                <a:t>ARM evicts the </a:t>
+              </a:r>
+              <a:r>
+                <a:rPr lang="en-US" sz="2000" dirty="0" smtClean="0"/>
+                <a:t>line.</a:t>
+              </a:r>
+              <a:endParaRPr lang="en-US" sz="2000" dirty="0"/>
+            </a:p>
+          </p:txBody>
+        </p:sp>
+        <p:sp>
+          <p:nvSpPr>
+            <p:cNvPr id="17" name="Rounded Rectangular Callout 16"/>
+            <p:cNvSpPr/>
+            <p:nvPr/>
+          </p:nvSpPr>
+          <p:spPr>
+            <a:xfrm>
+              <a:off x="732099" y="1551008"/>
+              <a:ext cx="1600200" cy="1545220"/>
+            </a:xfrm>
+            <a:prstGeom prst="wedgeRoundRectCallout">
+              <a:avLst>
+                <a:gd name="adj1" fmla="val 104219"/>
+                <a:gd name="adj2" fmla="val 101009"/>
+                <a:gd name="adj3" fmla="val 16667"/>
+              </a:avLst>
+            </a:prstGeom>
+          </p:spPr>
+          <p:style>
+            <a:lnRef idx="2">
+              <a:schemeClr val="accent1">
+                <a:shade val="50000"/>
+              </a:schemeClr>
+            </a:lnRef>
+            <a:fillRef idx="1">
+              <a:schemeClr val="accent1"/>
+            </a:fillRef>
+            <a:effectRef idx="0">
+              <a:schemeClr val="accent1"/>
+            </a:effectRef>
+            <a:fontRef idx="minor">
+              <a:schemeClr val="lt1"/>
+            </a:fontRef>
+          </p:style>
+          <p:txBody>
+            <a:bodyPr lIns="0" tIns="0" rIns="0" bIns="0" rtlCol="0" anchor="ctr"/>
+            <a:lstStyle/>
+            <a:p>
+              <a:pPr algn="ctr"/>
+              <a:r>
+                <a:rPr lang="en-US" sz="2000" dirty="0" smtClean="0"/>
+                <a:t>Coherence Controller issues </a:t>
+              </a:r>
+              <a:r>
+                <a:rPr lang="en-US" sz="2000" dirty="0" err="1" smtClean="0"/>
+                <a:t>WBInv</a:t>
+              </a:r>
+              <a:r>
+                <a:rPr lang="en-US" sz="2000" dirty="0" smtClean="0"/>
+                <a:t> snoops to </a:t>
+              </a:r>
+              <a:r>
+                <a:rPr lang="en-US" sz="2000" dirty="0" smtClean="0"/>
+                <a:t>ARM.</a:t>
+              </a:r>
+              <a:endParaRPr lang="en-US" sz="2000" dirty="0"/>
+            </a:p>
+          </p:txBody>
+        </p:sp>
+        <p:sp>
+          <p:nvSpPr>
+            <p:cNvPr id="19" name="Rounded Rectangular Callout 18"/>
+            <p:cNvSpPr/>
+            <p:nvPr/>
+          </p:nvSpPr>
+          <p:spPr>
+            <a:xfrm>
+              <a:off x="457200" y="5486400"/>
+              <a:ext cx="1600200" cy="1066800"/>
+            </a:xfrm>
+            <a:prstGeom prst="wedgeRoundRectCallout">
+              <a:avLst>
+                <a:gd name="adj1" fmla="val 52045"/>
+                <a:gd name="adj2" fmla="val -151165"/>
+                <a:gd name="adj3" fmla="val 16667"/>
+              </a:avLst>
+            </a:prstGeom>
+          </p:spPr>
+          <p:style>
+            <a:lnRef idx="2">
+              <a:schemeClr val="accent1">
+                <a:shade val="50000"/>
+              </a:schemeClr>
+            </a:lnRef>
+            <a:fillRef idx="1">
+              <a:schemeClr val="accent1"/>
+            </a:fillRef>
+            <a:effectRef idx="0">
+              <a:schemeClr val="accent1"/>
+            </a:effectRef>
+            <a:fontRef idx="minor">
+              <a:schemeClr val="lt1"/>
+            </a:fontRef>
+          </p:style>
+          <p:txBody>
+            <a:bodyPr lIns="0" tIns="0" rIns="0" bIns="0" rtlCol="0" anchor="ctr"/>
+            <a:lstStyle/>
+            <a:p>
+              <a:pPr algn="ctr"/>
+              <a:r>
+                <a:rPr lang="en-US" sz="2000" dirty="0" smtClean="0"/>
+                <a:t>EDMA issues write to shared </a:t>
+              </a:r>
+              <a:r>
+                <a:rPr lang="en-US" sz="2000" dirty="0" smtClean="0"/>
+                <a:t>SRAM.</a:t>
+              </a:r>
+              <a:endParaRPr lang="en-US" sz="2000" dirty="0"/>
+            </a:p>
+          </p:txBody>
+        </p:sp>
+      </p:grpSp>
+      <p:sp>
+        <p:nvSpPr>
+          <p:cNvPr id="20" name="Rounded Rectangular Callout 19"/>
+          <p:cNvSpPr/>
+          <p:nvPr/>
+        </p:nvSpPr>
+        <p:spPr>
+          <a:xfrm>
+            <a:off x="6340510" y="5411880"/>
+            <a:ext cx="2448451" cy="990600"/>
+          </a:xfrm>
+          <a:prstGeom prst="wedgeRoundRectCallout">
+            <a:avLst>
+              <a:gd name="adj1" fmla="val 2108"/>
+              <a:gd name="adj2" fmla="val -132589"/>
+              <a:gd name="adj3" fmla="val 16667"/>
+            </a:avLst>
+          </a:prstGeom>
+        </p:spPr>
+        <p:style>
+          <a:lnRef idx="2">
+            <a:schemeClr val="accent1">
+              <a:shade val="50000"/>
+            </a:schemeClr>
+          </a:lnRef>
+          <a:fillRef idx="1">
+            <a:schemeClr val="accent1"/>
+          </a:fillRef>
+          <a:effectRef idx="0">
+            <a:schemeClr val="accent1"/>
+          </a:effectRef>
+          <a:fontRef idx="minor">
+            <a:schemeClr val="lt1"/>
+          </a:fontRef>
+        </p:style>
+        <p:txBody>
+          <a:bodyPr lIns="0" tIns="0" rIns="0" bIns="0" rtlCol="0" anchor="ctr"/>
+          <a:lstStyle/>
+          <a:p>
+            <a:pPr algn="ctr"/>
+            <a:r>
+              <a:rPr lang="en-US" sz="1800" dirty="0" smtClean="0"/>
+              <a:t>Coherence controller merges EDMA write with victim &amp; writes to </a:t>
+            </a:r>
+            <a:r>
+              <a:rPr lang="en-US" sz="1800" dirty="0" smtClean="0"/>
+              <a:t>SRAM.</a:t>
+            </a:r>
+            <a:endParaRPr lang="en-US" sz="1800" dirty="0"/>
+          </a:p>
+        </p:txBody>
+      </p:sp>
+      <p:sp>
+        <p:nvSpPr>
+          <p:cNvPr id="21" name="Freeform 20"/>
+          <p:cNvSpPr/>
+          <p:nvPr/>
+        </p:nvSpPr>
+        <p:spPr>
+          <a:xfrm>
+            <a:off x="6642109" y="4341767"/>
+            <a:ext cx="1099930" cy="704574"/>
+          </a:xfrm>
+          <a:custGeom>
+            <a:avLst/>
+            <a:gdLst>
+              <a:gd name="connsiteX0" fmla="*/ 0 w 1099930"/>
+              <a:gd name="connsiteY0" fmla="*/ 649356 h 704574"/>
+              <a:gd name="connsiteX1" fmla="*/ 755374 w 1099930"/>
+              <a:gd name="connsiteY1" fmla="*/ 596348 h 704574"/>
+              <a:gd name="connsiteX2" fmla="*/ 1099930 w 1099930"/>
+              <a:gd name="connsiteY2" fmla="*/ 0 h 704574"/>
+            </a:gdLst>
+            <a:ahLst/>
+            <a:cxnLst>
+              <a:cxn ang="0">
+                <a:pos x="connsiteX0" y="connsiteY0"/>
+              </a:cxn>
+              <a:cxn ang="0">
+                <a:pos x="connsiteX1" y="connsiteY1"/>
+              </a:cxn>
+              <a:cxn ang="0">
+                <a:pos x="connsiteX2" y="connsiteY2"/>
+              </a:cxn>
+            </a:cxnLst>
+            <a:rect l="l" t="t" r="r" b="b"/>
+            <a:pathLst>
+              <a:path w="1099930" h="704574">
+                <a:moveTo>
+                  <a:pt x="0" y="649356"/>
+                </a:moveTo>
+                <a:cubicBezTo>
+                  <a:pt x="286026" y="676965"/>
+                  <a:pt x="572052" y="704574"/>
+                  <a:pt x="755374" y="596348"/>
+                </a:cubicBezTo>
+                <a:cubicBezTo>
+                  <a:pt x="938696" y="488122"/>
+                  <a:pt x="1019313" y="244061"/>
+                  <a:pt x="1099930" y="0"/>
+                </a:cubicBezTo>
+              </a:path>
+            </a:pathLst>
+          </a:custGeom>
+          <a:ln w="25400">
+            <a:solidFill>
+              <a:schemeClr val="tx1"/>
+            </a:solidFill>
+            <a:tailEnd type="triangle" w="lg" len="lg"/>
+          </a:ln>
+        </p:spPr>
+        <p:style>
+          <a:lnRef idx="1">
+            <a:schemeClr val="accent1"/>
+          </a:lnRef>
+          <a:fillRef idx="0">
+            <a:schemeClr val="accent1"/>
+          </a:fillRef>
+          <a:effectRef idx="0">
+            <a:schemeClr val="accent1"/>
+          </a:effectRef>
+          <a:fontRef idx="minor">
+            <a:schemeClr val="tx1"/>
+          </a:fontRef>
+        </p:style>
+        <p:txBody>
+          <a:bodyPr rtlCol="0" anchor="ctr"/>
+          <a:lstStyle/>
+          <a:p>
+            <a:pPr algn="ctr"/>
+            <a:endParaRPr lang="en-US"/>
+          </a:p>
+        </p:txBody>
+      </p:sp>
+      <p:sp>
+        <p:nvSpPr>
+          <p:cNvPr id="22" name="Oval 21"/>
+          <p:cNvSpPr/>
+          <p:nvPr/>
+        </p:nvSpPr>
+        <p:spPr>
+          <a:xfrm>
+            <a:off x="7417361" y="4878480"/>
+            <a:ext cx="457200" cy="381000"/>
+          </a:xfrm>
+          <a:prstGeom prst="ellipse">
+            <a:avLst/>
+          </a:prstGeom>
+          <a:solidFill>
+            <a:srgbClr val="FF0000"/>
+          </a:solidFill>
+        </p:spPr>
+        <p:style>
+          <a:lnRef idx="2">
+            <a:schemeClr val="accent1">
+              <a:shade val="50000"/>
+            </a:schemeClr>
+          </a:lnRef>
+          <a:fillRef idx="1">
+            <a:schemeClr val="accent1"/>
+          </a:fillRef>
+          <a:effectRef idx="0">
+            <a:schemeClr val="accent1"/>
+          </a:effectRef>
+          <a:fontRef idx="minor">
+            <a:schemeClr val="lt1"/>
+          </a:fontRef>
+        </p:style>
+        <p:txBody>
+          <a:bodyPr rtlCol="0" anchor="ctr"/>
+          <a:lstStyle/>
+          <a:p>
+            <a:pPr algn="ctr"/>
+            <a:r>
+              <a:rPr lang="en-US" b="1" dirty="0" smtClean="0">
+                <a:solidFill>
+                  <a:schemeClr val="bg1"/>
+                </a:solidFill>
+              </a:rPr>
+              <a:t>4</a:t>
+            </a:r>
+            <a:endParaRPr lang="en-US" b="1" dirty="0">
+              <a:solidFill>
+                <a:schemeClr val="bg1"/>
+              </a:solidFill>
+            </a:endParaRPr>
+          </a:p>
+        </p:txBody>
+      </p:sp>
+    </p:spTree>
+  </p:cSld>
+  <p:clrMapOvr>
+    <a:masterClrMapping/>
+  </p:clrMapOvr>
+  <p:timing>
+    <p:tnLst>
+      <p:par>
+        <p:cTn id="1" dur="indefinite" restart="never" nodeType="tmRoot"/>
+      </p:par>
+    </p:tnLst>
+  </p:timing>
+</p:sld>
+</file>
+
+<file path=ppt/slides/slide32.xml><?xml version="1.0" encoding="utf-8"?>
+<p:sld xmlns:a="http://schemas.openxmlformats.org/drawingml/2006/main" xmlns:r="http://schemas.openxmlformats.org/officeDocument/2006/relationships" xmlns:p="http://schemas.openxmlformats.org/presentationml/2006/main">
+  <p:cSld>
+    <p:spTree>
+      <p:nvGrpSpPr>
+        <p:cNvPr id="1" name=""/>
+        <p:cNvGrpSpPr/>
+        <p:nvPr/>
+      </p:nvGrpSpPr>
+      <p:grpSpPr>
+        <a:xfrm>
+          <a:off x="0" y="0"/>
+          <a:ext cx="0" cy="0"/>
+          <a:chOff x="0" y="0"/>
+          <a:chExt cx="0" cy="0"/>
+        </a:xfrm>
+      </p:grpSpPr>
+      <p:sp>
+        <p:nvSpPr>
+          <p:cNvPr id="4" name="Title 3"/>
+          <p:cNvSpPr>
+            <a:spLocks noGrp="1"/>
+          </p:cNvSpPr>
+          <p:nvPr>
+            <p:ph type="title"/>
+          </p:nvPr>
+        </p:nvSpPr>
+        <p:spPr/>
+        <p:txBody>
+          <a:bodyPr>
+            <a:noAutofit/>
+          </a:bodyPr>
+          <a:lstStyle/>
+          <a:p>
+            <a:r>
+              <a:rPr lang="en-US" sz="3200" dirty="0" smtClean="0"/>
+              <a:t>Keystone </a:t>
+            </a:r>
+            <a:r>
+              <a:rPr lang="en-US" sz="3200" dirty="0" err="1" smtClean="0"/>
+              <a:t>ll</a:t>
+            </a:r>
+            <a:r>
+              <a:rPr lang="en-US" sz="3200" smtClean="0"/>
+              <a:t>: ARM - IO </a:t>
+            </a:r>
+            <a:r>
+              <a:rPr lang="en-US" sz="3200" dirty="0" smtClean="0"/>
+              <a:t>Coherency</a:t>
+            </a:r>
+            <a:br>
+              <a:rPr lang="en-US" sz="3200" dirty="0" smtClean="0"/>
+            </a:br>
+            <a:r>
+              <a:rPr lang="en-US" sz="3200" dirty="0" smtClean="0"/>
+              <a:t>External Read to Shared Memory (MSM/DDR)</a:t>
             </a:r>
             <a:endParaRPr lang="en-US" sz="3200" dirty="0"/>
           </a:p>
@@ -7707,7 +11279,7 @@
         <p:nvPicPr>
           <p:cNvPr id="55303" name="Picture 7"/>
           <p:cNvPicPr>
-            <a:picLocks noChangeAspect="1" noChangeArrowheads="1"/>
+            <a:picLocks noChangeArrowheads="1"/>
           </p:cNvPicPr>
           <p:nvPr/>
         </p:nvPicPr>
@@ -7720,8 +11292,8 @@
         </p:blipFill>
         <p:spPr bwMode="auto">
           <a:xfrm>
-            <a:off x="457200" y="1462087"/>
-            <a:ext cx="8458200" cy="5014913"/>
+            <a:off x="346672" y="1170694"/>
+            <a:ext cx="8458200" cy="5303520"/>
           </a:xfrm>
           <a:prstGeom prst="rect">
             <a:avLst/>
@@ -7735,15 +11307,119 @@
           </a:ln>
         </p:spPr>
       </p:pic>
-      <p:sp>
-        <p:nvSpPr>
-          <p:cNvPr id="14" name="Freeform 13"/>
+    </p:spTree>
+  </p:cSld>
+  <p:clrMapOvr>
+    <a:masterClrMapping/>
+  </p:clrMapOvr>
+  <p:timing>
+    <p:tnLst>
+      <p:par>
+        <p:cTn id="1" dur="indefinite" restart="never" nodeType="tmRoot"/>
+      </p:par>
+    </p:tnLst>
+  </p:timing>
+</p:sld>
+</file>
+
+<file path=ppt/slides/slide33.xml><?xml version="1.0" encoding="utf-8"?>
+<p:sld xmlns:a="http://schemas.openxmlformats.org/drawingml/2006/main" xmlns:r="http://schemas.openxmlformats.org/officeDocument/2006/relationships" xmlns:p="http://schemas.openxmlformats.org/presentationml/2006/main">
+  <p:cSld>
+    <p:spTree>
+      <p:nvGrpSpPr>
+        <p:cNvPr id="1" name=""/>
+        <p:cNvGrpSpPr/>
+        <p:nvPr/>
+      </p:nvGrpSpPr>
+      <p:grpSpPr>
+        <a:xfrm>
+          <a:off x="0" y="0"/>
+          <a:ext cx="0" cy="0"/>
+          <a:chOff x="0" y="0"/>
+          <a:chExt cx="0" cy="0"/>
+        </a:xfrm>
+      </p:grpSpPr>
+      <p:pic>
+        <p:nvPicPr>
+          <p:cNvPr id="7" name="Picture 7"/>
+          <p:cNvPicPr>
+            <a:picLocks noChangeArrowheads="1"/>
+          </p:cNvPicPr>
+          <p:nvPr/>
+        </p:nvPicPr>
+        <p:blipFill>
+          <a:blip r:embed="rId2" cstate="print"/>
+          <a:srcRect/>
+          <a:stretch>
+            <a:fillRect/>
+          </a:stretch>
+        </p:blipFill>
+        <p:spPr bwMode="auto">
+          <a:xfrm>
+            <a:off x="346672" y="1170694"/>
+            <a:ext cx="8458200" cy="5303520"/>
+          </a:xfrm>
+          <a:prstGeom prst="rect">
+            <a:avLst/>
+          </a:prstGeom>
+          <a:noFill/>
+          <a:ln w="9525">
+            <a:noFill/>
+            <a:miter lim="800000"/>
+            <a:headEnd/>
+            <a:tailEnd/>
+          </a:ln>
+        </p:spPr>
+      </p:pic>
+      <p:sp>
+        <p:nvSpPr>
+          <p:cNvPr id="4" name="Title 3"/>
+          <p:cNvSpPr>
+            <a:spLocks noGrp="1"/>
+          </p:cNvSpPr>
+          <p:nvPr>
+            <p:ph type="title"/>
+          </p:nvPr>
+        </p:nvSpPr>
+        <p:spPr/>
+        <p:txBody>
+          <a:bodyPr>
+            <a:noAutofit/>
+          </a:bodyPr>
+          <a:lstStyle/>
+          <a:p>
+            <a:r>
+              <a:rPr lang="en-US" sz="3200" dirty="0" smtClean="0"/>
+              <a:t>Keystone </a:t>
+            </a:r>
+            <a:r>
+              <a:rPr lang="en-US" sz="3200" dirty="0" err="1" smtClean="0"/>
+              <a:t>ll</a:t>
+            </a:r>
+            <a:r>
+              <a:rPr lang="en-US" sz="3200" dirty="0" smtClean="0"/>
+              <a:t>: ARM - IO Coherency</a:t>
+            </a:r>
+            <a:br>
+              <a:rPr lang="en-US" sz="3200" dirty="0" smtClean="0"/>
+            </a:br>
+            <a:r>
+              <a:rPr lang="en-US" sz="3200" dirty="0" smtClean="0"/>
+              <a:t>External Read to Shared Memory (MSM/DDR)</a:t>
+            </a:r>
+            <a:endParaRPr lang="en-US" sz="3200" dirty="0"/>
+          </a:p>
+        </p:txBody>
+      </p:sp>
+      <p:sp>
+        <p:nvSpPr>
+          <p:cNvPr id="5" name="Freeform 4"/>
           <p:cNvSpPr/>
           <p:nvPr/>
         </p:nvSpPr>
         <p:spPr>
           <a:xfrm>
-            <a:off x="1656522" y="4006574"/>
+            <a:off x="1535946" y="4006574"/>
             <a:ext cx="4081669" cy="384313"/>
           </a:xfrm>
           <a:custGeom>
@@ -7829,13 +11505,13 @@
       </p:sp>
       <p:sp>
         <p:nvSpPr>
-          <p:cNvPr id="18" name="Oval 17"/>
+          <p:cNvPr id="6" name="Oval 5"/>
           <p:cNvSpPr/>
           <p:nvPr/>
         </p:nvSpPr>
         <p:spPr>
           <a:xfrm>
-            <a:off x="1752600" y="3962400"/>
+            <a:off x="1632024" y="3962400"/>
             <a:ext cx="457200" cy="381000"/>
           </a:xfrm>
           <a:prstGeom prst="ellipse">
@@ -7890,8 +11566,363 @@
         </p:nvSpPr>
         <p:spPr>
           <a:xfrm>
-            <a:off x="755248" y="1435261"/>
-            <a:ext cx="1600200" cy="1666754"/>
+            <a:off x="336624" y="5228454"/>
+            <a:ext cx="1600200" cy="1194122"/>
+          </a:xfrm>
+          <a:prstGeom prst="wedgeRoundRectCallout">
+            <a:avLst>
+              <a:gd name="adj1" fmla="val 48905"/>
+              <a:gd name="adj2" fmla="val -119149"/>
+              <a:gd name="adj3" fmla="val 16667"/>
+            </a:avLst>
+          </a:prstGeom>
+        </p:spPr>
+        <p:style>
+          <a:lnRef idx="2">
+            <a:schemeClr val="accent1">
+              <a:shade val="50000"/>
+            </a:schemeClr>
+          </a:lnRef>
+          <a:fillRef idx="1">
+            <a:schemeClr val="accent1"/>
+          </a:fillRef>
+          <a:effectRef idx="0">
+            <a:schemeClr val="accent1"/>
+          </a:effectRef>
+          <a:fontRef idx="minor">
+            <a:schemeClr val="lt1"/>
+          </a:fontRef>
+        </p:style>
+        <p:txBody>
+          <a:bodyPr lIns="0" tIns="0" rIns="0" bIns="0" rtlCol="0" anchor="ctr"/>
+          <a:lstStyle/>
+          <a:p>
+            <a:pPr algn="ctr"/>
+            <a:r>
+              <a:rPr lang="en-US" sz="2000" dirty="0" smtClean="0"/>
+              <a:t>EDMA issues read to shared </a:t>
+            </a:r>
+            <a:r>
+              <a:rPr lang="en-US" sz="2000" dirty="0" smtClean="0"/>
+              <a:t>SRAM.</a:t>
+            </a:r>
+            <a:endParaRPr lang="en-US" sz="2000" dirty="0"/>
+          </a:p>
+        </p:txBody>
+      </p:sp>
+    </p:spTree>
+  </p:cSld>
+  <p:clrMapOvr>
+    <a:masterClrMapping/>
+  </p:clrMapOvr>
+  <p:timing>
+    <p:tnLst>
+      <p:par>
+        <p:cTn id="1" dur="indefinite" restart="never" nodeType="tmRoot"/>
+      </p:par>
+    </p:tnLst>
+  </p:timing>
+</p:sld>
+</file>
+
+<file path=ppt/slides/slide34.xml><?xml version="1.0" encoding="utf-8"?>
+<p:sld xmlns:a="http://schemas.openxmlformats.org/drawingml/2006/main" xmlns:r="http://schemas.openxmlformats.org/officeDocument/2006/relationships" xmlns:p="http://schemas.openxmlformats.org/presentationml/2006/main">
+  <p:cSld>
+    <p:spTree>
+      <p:nvGrpSpPr>
+        <p:cNvPr id="1" name=""/>
+        <p:cNvGrpSpPr/>
+        <p:nvPr/>
+      </p:nvGrpSpPr>
+      <p:grpSpPr>
+        <a:xfrm>
+          <a:off x="0" y="0"/>
+          <a:ext cx="0" cy="0"/>
+          <a:chOff x="0" y="0"/>
+          <a:chExt cx="0" cy="0"/>
+        </a:xfrm>
+      </p:grpSpPr>
+      <p:pic>
+        <p:nvPicPr>
+          <p:cNvPr id="7" name="Picture 7"/>
+          <p:cNvPicPr>
+            <a:picLocks noChangeArrowheads="1"/>
+          </p:cNvPicPr>
+          <p:nvPr/>
+        </p:nvPicPr>
+        <p:blipFill>
+          <a:blip r:embed="rId2" cstate="print"/>
+          <a:srcRect/>
+          <a:stretch>
+            <a:fillRect/>
+          </a:stretch>
+        </p:blipFill>
+        <p:spPr bwMode="auto">
+          <a:xfrm>
+            <a:off x="346672" y="1170694"/>
+            <a:ext cx="8458200" cy="5303520"/>
+          </a:xfrm>
+          <a:prstGeom prst="rect">
+            <a:avLst/>
+          </a:prstGeom>
+          <a:noFill/>
+          <a:ln w="9525">
+            <a:noFill/>
+            <a:miter lim="800000"/>
+            <a:headEnd/>
+            <a:tailEnd/>
+          </a:ln>
+        </p:spPr>
+      </p:pic>
+      <p:sp>
+        <p:nvSpPr>
+          <p:cNvPr id="4" name="Title 3"/>
+          <p:cNvSpPr>
+            <a:spLocks noGrp="1"/>
+          </p:cNvSpPr>
+          <p:nvPr>
+            <p:ph type="title"/>
+          </p:nvPr>
+        </p:nvSpPr>
+        <p:spPr/>
+        <p:txBody>
+          <a:bodyPr>
+            <a:noAutofit/>
+          </a:bodyPr>
+          <a:lstStyle/>
+          <a:p>
+            <a:r>
+              <a:rPr lang="en-US" sz="3200" dirty="0" smtClean="0"/>
+              <a:t>Keystone </a:t>
+            </a:r>
+            <a:r>
+              <a:rPr lang="en-US" sz="3200" dirty="0" err="1" smtClean="0"/>
+              <a:t>ll</a:t>
+            </a:r>
+            <a:r>
+              <a:rPr lang="en-US" sz="3200" dirty="0" smtClean="0"/>
+              <a:t>: ARM - IO Coherency</a:t>
+            </a:r>
+            <a:br>
+              <a:rPr lang="en-US" sz="3200" dirty="0" smtClean="0"/>
+            </a:br>
+            <a:r>
+              <a:rPr lang="en-US" sz="3200" dirty="0" smtClean="0"/>
+              <a:t>External Read to Shared Memory (MSM/DDR)</a:t>
+            </a:r>
+            <a:endParaRPr lang="en-US" sz="3200" dirty="0"/>
+          </a:p>
+        </p:txBody>
+      </p:sp>
+      <p:sp>
+        <p:nvSpPr>
+          <p:cNvPr id="5" name="Freeform 4"/>
+          <p:cNvSpPr/>
+          <p:nvPr/>
+        </p:nvSpPr>
+        <p:spPr>
+          <a:xfrm>
+            <a:off x="1535946" y="4006574"/>
+            <a:ext cx="4081669" cy="384313"/>
+          </a:xfrm>
+          <a:custGeom>
+            <a:avLst/>
+            <a:gdLst>
+              <a:gd name="connsiteX0" fmla="*/ 0 w 4081669"/>
+              <a:gd name="connsiteY0" fmla="*/ 379896 h 384313"/>
+              <a:gd name="connsiteX1" fmla="*/ 1868556 w 4081669"/>
+              <a:gd name="connsiteY1" fmla="*/ 326887 h 384313"/>
+              <a:gd name="connsiteX2" fmla="*/ 2981739 w 4081669"/>
+              <a:gd name="connsiteY2" fmla="*/ 35339 h 384313"/>
+              <a:gd name="connsiteX3" fmla="*/ 4081669 w 4081669"/>
+              <a:gd name="connsiteY3" fmla="*/ 114852 h 384313"/>
+            </a:gdLst>
+            <a:ahLst/>
+            <a:cxnLst>
+              <a:cxn ang="0">
+                <a:pos x="connsiteX0" y="connsiteY0"/>
+              </a:cxn>
+              <a:cxn ang="0">
+                <a:pos x="connsiteX1" y="connsiteY1"/>
+              </a:cxn>
+              <a:cxn ang="0">
+                <a:pos x="connsiteX2" y="connsiteY2"/>
+              </a:cxn>
+              <a:cxn ang="0">
+                <a:pos x="connsiteX3" y="connsiteY3"/>
+              </a:cxn>
+            </a:cxnLst>
+            <a:rect l="l" t="t" r="r" b="b"/>
+            <a:pathLst>
+              <a:path w="4081669" h="384313">
+                <a:moveTo>
+                  <a:pt x="0" y="379896"/>
+                </a:moveTo>
+                <a:cubicBezTo>
+                  <a:pt x="685800" y="382104"/>
+                  <a:pt x="1371600" y="384313"/>
+                  <a:pt x="1868556" y="326887"/>
+                </a:cubicBezTo>
+                <a:cubicBezTo>
+                  <a:pt x="2365513" y="269461"/>
+                  <a:pt x="2612887" y="70678"/>
+                  <a:pt x="2981739" y="35339"/>
+                </a:cubicBezTo>
+                <a:cubicBezTo>
+                  <a:pt x="3350591" y="0"/>
+                  <a:pt x="3716130" y="57426"/>
+                  <a:pt x="4081669" y="114852"/>
+                </a:cubicBezTo>
+              </a:path>
+            </a:pathLst>
+          </a:custGeom>
+          <a:ln w="25400">
+            <a:solidFill>
+              <a:schemeClr val="tx1"/>
+            </a:solidFill>
+            <a:tailEnd type="triangle" w="lg" len="lg"/>
+          </a:ln>
+        </p:spPr>
+        <p:style>
+          <a:lnRef idx="1">
+            <a:schemeClr val="accent1"/>
+          </a:lnRef>
+          <a:fillRef idx="0">
+            <a:schemeClr val="accent1"/>
+          </a:fillRef>
+          <a:effectRef idx="0">
+            <a:schemeClr val="accent1"/>
+          </a:effectRef>
+          <a:fontRef idx="minor">
+            <a:schemeClr val="tx1"/>
+          </a:fontRef>
+        </p:style>
+        <p:txBody>
+          <a:bodyPr rtlCol="0" anchor="ctr"/>
+          <a:lstStyle/>
+          <a:p>
+            <a:pPr algn="ctr"/>
+            <a:endParaRPr lang="en-US"/>
+          </a:p>
+        </p:txBody>
+      </p:sp>
+      <p:sp>
+        <p:nvSpPr>
+          <p:cNvPr id="6" name="Oval 5"/>
+          <p:cNvSpPr/>
+          <p:nvPr/>
+        </p:nvSpPr>
+        <p:spPr>
+          <a:xfrm>
+            <a:off x="1632024" y="3962400"/>
+            <a:ext cx="457200" cy="381000"/>
+          </a:xfrm>
+          <a:prstGeom prst="ellipse">
+            <a:avLst/>
+          </a:prstGeom>
+          <a:solidFill>
+            <a:srgbClr val="FF0000"/>
+          </a:solidFill>
+        </p:spPr>
+        <p:style>
+          <a:lnRef idx="2">
+            <a:schemeClr val="accent1">
+              <a:shade val="50000"/>
+            </a:schemeClr>
+          </a:lnRef>
+          <a:fillRef idx="1">
+            <a:schemeClr val="accent1"/>
+          </a:fillRef>
+          <a:effectRef idx="0">
+            <a:schemeClr val="accent1"/>
+          </a:effectRef>
+          <a:fontRef idx="minor">
+            <a:schemeClr val="lt1"/>
+          </a:fontRef>
+        </p:style>
+        <p:txBody>
+          <a:bodyPr rtlCol="0" anchor="ctr"/>
+          <a:lstStyle/>
+          <a:p>
+            <a:pPr algn="ctr"/>
+            <a:r>
+              <a:rPr lang="en-US" b="1" dirty="0" smtClean="0">
+                <a:solidFill>
+                  <a:schemeClr val="bg1"/>
+                </a:solidFill>
+              </a:rPr>
+              <a:t>1</a:t>
+            </a:r>
+            <a:endParaRPr lang="en-US" b="1" dirty="0">
+              <a:solidFill>
+                <a:schemeClr val="bg1"/>
+              </a:solidFill>
+            </a:endParaRPr>
+          </a:p>
+        </p:txBody>
+      </p:sp>
+      <p:sp>
+        <p:nvSpPr>
+          <p:cNvPr id="8" name="Rounded Rectangular Callout 7"/>
+          <p:cNvSpPr/>
+          <p:nvPr/>
+        </p:nvSpPr>
+        <p:spPr>
+          <a:xfrm>
+            <a:off x="336624" y="5228454"/>
+            <a:ext cx="1600200" cy="1194122"/>
+          </a:xfrm>
+          <a:prstGeom prst="wedgeRoundRectCallout">
+            <a:avLst>
+              <a:gd name="adj1" fmla="val 48905"/>
+              <a:gd name="adj2" fmla="val -119149"/>
+              <a:gd name="adj3" fmla="val 16667"/>
+            </a:avLst>
+          </a:prstGeom>
+        </p:spPr>
+        <p:style>
+          <a:lnRef idx="2">
+            <a:schemeClr val="accent1">
+              <a:shade val="50000"/>
+            </a:schemeClr>
+          </a:lnRef>
+          <a:fillRef idx="1">
+            <a:schemeClr val="accent1"/>
+          </a:fillRef>
+          <a:effectRef idx="0">
+            <a:schemeClr val="accent1"/>
+          </a:effectRef>
+          <a:fontRef idx="minor">
+            <a:schemeClr val="lt1"/>
+          </a:fontRef>
+        </p:style>
+        <p:txBody>
+          <a:bodyPr lIns="0" tIns="0" rIns="0" bIns="0" rtlCol="0" anchor="ctr"/>
+          <a:lstStyle/>
+          <a:p>
+            <a:pPr algn="ctr"/>
+            <a:r>
+              <a:rPr lang="en-US" sz="2000" dirty="0" smtClean="0"/>
+              <a:t>EDMA issues read to shared </a:t>
+            </a:r>
+            <a:r>
+              <a:rPr lang="en-US" sz="2000" dirty="0" smtClean="0"/>
+              <a:t>SRAM.</a:t>
+            </a:r>
+            <a:endParaRPr lang="en-US" sz="2000" dirty="0"/>
+          </a:p>
+        </p:txBody>
+      </p:sp>
+      <p:sp>
+        <p:nvSpPr>
+          <p:cNvPr id="9" name="Rounded Rectangular Callout 8"/>
+          <p:cNvSpPr/>
+          <p:nvPr/>
+        </p:nvSpPr>
+        <p:spPr>
+          <a:xfrm>
+            <a:off x="685800" y="1374085"/>
+            <a:ext cx="1600200" cy="1695691"/>
           </a:xfrm>
           <a:prstGeom prst="wedgeRoundRectCallout">
             <a:avLst>
@@ -7923,20 +11954,12 @@
           <a:p>
             <a:pPr algn="ctr"/>
             <a:r>
-              <a:rPr lang="en-US" dirty="0" smtClean="0"/>
-              <a:t>Coherence </a:t>
-            </a:r>
-            <a:r>
               <a:rPr lang="en-US" sz="2000" dirty="0" smtClean="0"/>
-              <a:t>Controller issues </a:t>
-            </a:r>
-            <a:r>
-              <a:rPr lang="en-US" sz="2000" dirty="0" err="1" smtClean="0"/>
-              <a:t>WBInv</a:t>
+              <a:t>Coherence Controller issues read snoops to </a:t>
             </a:r>
             <a:r>
               <a:rPr lang="en-US" sz="2000" dirty="0" smtClean="0"/>
-              <a:t> snoops to ARM</a:t>
+              <a:t>ARM.</a:t>
             </a:r>
             <a:endParaRPr lang="en-US" sz="2000" dirty="0"/>
           </a:p>
@@ -7944,13 +11967,13 @@
       </p:sp>
       <p:sp>
         <p:nvSpPr>
-          <p:cNvPr id="9" name="Freeform 8"/>
+          <p:cNvPr id="10" name="Freeform 9"/>
           <p:cNvSpPr/>
           <p:nvPr/>
         </p:nvSpPr>
         <p:spPr>
           <a:xfrm>
-            <a:off x="3200401" y="3366052"/>
+            <a:off x="3200401" y="3235428"/>
             <a:ext cx="2362200" cy="1510748"/>
           </a:xfrm>
           <a:custGeom>
@@ -8036,13 +12059,13 @@
       </p:sp>
       <p:sp>
         <p:nvSpPr>
-          <p:cNvPr id="10" name="Oval 9"/>
+          <p:cNvPr id="11" name="Oval 10"/>
           <p:cNvSpPr/>
           <p:nvPr/>
         </p:nvSpPr>
         <p:spPr>
           <a:xfrm>
-            <a:off x="3276600" y="3657600"/>
+            <a:off x="3276600" y="3526976"/>
             <a:ext cx="457200" cy="381000"/>
           </a:xfrm>
           <a:prstGeom prst="ellipse">
@@ -8089,54 +12112,6 @@
           </a:p>
         </p:txBody>
       </p:sp>
-      <p:sp>
-        <p:nvSpPr>
-          <p:cNvPr id="11" name="Rounded Rectangular Callout 10"/>
-          <p:cNvSpPr/>
-          <p:nvPr/>
-        </p:nvSpPr>
-        <p:spPr>
-          <a:xfrm>
-            <a:off x="457200" y="5486400"/>
-            <a:ext cx="1600200" cy="1066800"/>
-          </a:xfrm>
-          <a:prstGeom prst="wedgeRoundRectCallout">
-            <a:avLst>
-              <a:gd name="adj1" fmla="val 52045"/>
-              <a:gd name="adj2" fmla="val -151165"/>
-              <a:gd name="adj3" fmla="val 16667"/>
-            </a:avLst>
-          </a:prstGeom>
-        </p:spPr>
-        <p:style>
-          <a:lnRef idx="2">
-            <a:schemeClr val="accent1">
-              <a:shade val="50000"/>
-            </a:schemeClr>
-          </a:lnRef>
-          <a:fillRef idx="1">
-            <a:schemeClr val="accent1"/>
-          </a:fillRef>
-          <a:effectRef idx="0">
-            <a:schemeClr val="accent1"/>
-          </a:effectRef>
-          <a:fontRef idx="minor">
-            <a:schemeClr val="lt1"/>
-          </a:fontRef>
-        </p:style>
-        <p:txBody>
-          <a:bodyPr lIns="0" tIns="0" rIns="0" bIns="0" rtlCol="0" anchor="ctr"/>
-          <a:lstStyle/>
-          <a:p>
-            <a:pPr algn="ctr"/>
-            <a:r>
-              <a:rPr lang="en-US" sz="2000" dirty="0" smtClean="0"/>
-              <a:t>EDMA issues write to shared SRAM</a:t>
-            </a:r>
-            <a:endParaRPr lang="en-US" sz="2000" dirty="0"/>
-          </a:p>
-        </p:txBody>
-      </p:sp>
     </p:spTree>
   </p:cSld>
   <p:clrMapOvr>
@@ -8152,7 +12127,7 @@
 </p:sld>
 </file>
 
-<file path=ppt/slides/slide3.xml><?xml version="1.0" encoding="utf-8"?>
+<file path=ppt/slides/slide35.xml><?xml version="1.0" encoding="utf-8"?>
 <p:sld xmlns:a="http://schemas.openxmlformats.org/drawingml/2006/main" xmlns:r="http://schemas.openxmlformats.org/officeDocument/2006/relationships" xmlns:p="http://schemas.openxmlformats.org/presentationml/2006/main">
   <p:cSld>
     <p:spTree>
@@ -8169,167 +12144,11 @@
           <a:chExt cx="0" cy="0"/>
         </a:xfrm>
       </p:grpSpPr>
-      <p:sp>
-        <p:nvSpPr>
-          <p:cNvPr id="2" name="Title 1"/>
-          <p:cNvSpPr>
-            <a:spLocks noGrp="1"/>
-          </p:cNvSpPr>
-          <p:nvPr>
-            <p:ph type="title"/>
-          </p:nvPr>
-        </p:nvSpPr>
-        <p:spPr/>
-        <p:txBody>
-          <a:bodyPr>
-            <a:normAutofit/>
-          </a:bodyPr>
-          <a:lstStyle/>
-          <a:p>
-            <a:r>
-              <a:rPr lang="en-US" sz="4000" dirty="0" smtClean="0"/>
-              <a:t>ARM CorePac in KeyStone II</a:t>
-            </a:r>
-          </a:p>
-        </p:txBody>
-      </p:sp>
-      <p:sp>
-        <p:nvSpPr>
-          <p:cNvPr id="3" name="Content Placeholder 2"/>
-          <p:cNvSpPr>
-            <a:spLocks noGrp="1"/>
-          </p:cNvSpPr>
-          <p:nvPr>
-            <p:ph idx="1"/>
-          </p:nvPr>
-        </p:nvSpPr>
-        <p:spPr/>
-        <p:txBody>
-          <a:bodyPr>
-            <a:normAutofit/>
-          </a:bodyPr>
-          <a:lstStyle/>
-          <a:p>
-            <a:r>
-              <a:rPr lang="en-US" b="1" dirty="0" smtClean="0"/>
-              <a:t>ARM CorePac in KeyStone II</a:t>
-            </a:r>
-          </a:p>
-          <a:p>
-            <a:r>
-              <a:rPr lang="en-US" dirty="0" smtClean="0"/>
-              <a:t>ARM Cortex A-15 Features</a:t>
-            </a:r>
-          </a:p>
-          <a:p>
-            <a:r>
-              <a:rPr lang="en-US" dirty="0" smtClean="0"/>
-              <a:t>Interface to the SOC and Coherency Issues</a:t>
-            </a:r>
-          </a:p>
-          <a:p>
-            <a:r>
-              <a:rPr lang="en-US" dirty="0" smtClean="0"/>
-              <a:t>Benchmarks</a:t>
-            </a:r>
-          </a:p>
-          <a:p>
-            <a:r>
-              <a:rPr lang="en-US" dirty="0" smtClean="0"/>
-              <a:t>Interrupt Controller</a:t>
-            </a:r>
-          </a:p>
-          <a:p>
-            <a:r>
-              <a:rPr lang="en-US" dirty="0" smtClean="0"/>
-              <a:t>Power Management</a:t>
-            </a:r>
-          </a:p>
-          <a:p>
-            <a:r>
-              <a:rPr lang="en-US" dirty="0" smtClean="0"/>
-              <a:t>Debug and Trace</a:t>
-            </a:r>
-          </a:p>
-        </p:txBody>
-      </p:sp>
-    </p:spTree>
-  </p:cSld>
-  <p:clrMapOvr>
-    <a:masterClrMapping/>
-  </p:clrMapOvr>
-  <p:timing>
-    <p:tnLst>
-      <p:par>
-        <p:cTn id="1" dur="indefinite" restart="never" nodeType="tmRoot"/>
-      </p:par>
-    </p:tnLst>
-  </p:timing>
-</p:sld>
-</file>
-
-<file path=ppt/slides/slide30.xml><?xml version="1.0" encoding="utf-8"?>
-<p:sld xmlns:a="http://schemas.openxmlformats.org/drawingml/2006/main" xmlns:r="http://schemas.openxmlformats.org/officeDocument/2006/relationships" xmlns:p="http://schemas.openxmlformats.org/presentationml/2006/main">
-  <p:cSld>
-    <p:spTree>
-      <p:nvGrpSpPr>
-        <p:cNvPr id="1" name=""/>
-        <p:cNvGrpSpPr/>
-        <p:nvPr/>
-      </p:nvGrpSpPr>
-      <p:grpSpPr>
-        <a:xfrm>
-          <a:off x="0" y="0"/>
-          <a:ext cx="0" cy="0"/>
-          <a:chOff x="0" y="0"/>
-          <a:chExt cx="0" cy="0"/>
-        </a:xfrm>
-      </p:grpSpPr>
-      <p:sp>
-        <p:nvSpPr>
-          <p:cNvPr id="4" name="Title 3"/>
-          <p:cNvSpPr>
-            <a:spLocks noGrp="1"/>
-          </p:cNvSpPr>
-          <p:nvPr>
-            <p:ph type="title"/>
-          </p:nvPr>
-        </p:nvSpPr>
-        <p:spPr/>
-        <p:txBody>
-          <a:bodyPr>
-            <a:noAutofit/>
-          </a:bodyPr>
-          <a:lstStyle/>
-          <a:p>
-            <a:r>
-              <a:rPr lang="en-US" sz="3200" dirty="0" smtClean="0"/>
-              <a:t>Keystone </a:t>
-            </a:r>
-            <a:r>
-              <a:rPr lang="en-US" sz="3200" dirty="0" err="1" smtClean="0"/>
-              <a:t>ll</a:t>
-            </a:r>
-            <a:r>
-              <a:rPr lang="en-US" sz="3200" dirty="0" smtClean="0"/>
-              <a:t>: ARM - IO Coherency</a:t>
-            </a:r>
-            <a:br>
-              <a:rPr lang="en-US" sz="3200" dirty="0" smtClean="0"/>
-            </a:br>
-            <a:r>
-              <a:rPr lang="en-US" sz="3200" dirty="0" smtClean="0"/>
-              <a:t>External Write to Shared Memory (MSM/DDR)</a:t>
-            </a:r>
-            <a:endParaRPr lang="en-US" sz="3200" dirty="0"/>
-          </a:p>
-        </p:txBody>
-      </p:sp>
       <p:pic>
         <p:nvPicPr>
-          <p:cNvPr id="55303" name="Picture 7"/>
+          <p:cNvPr id="7" name="Picture 7"/>
           <p:cNvPicPr>
-            <a:picLocks noChangeAspect="1" noChangeArrowheads="1"/>
+            <a:picLocks noChangeArrowheads="1"/>
           </p:cNvPicPr>
           <p:nvPr/>
         </p:nvPicPr>
@@ -8342,8 +12161,8 @@
         </p:blipFill>
         <p:spPr bwMode="auto">
           <a:xfrm>
-            <a:off x="457200" y="1462087"/>
-            <a:ext cx="8458200" cy="5014913"/>
+            <a:off x="346672" y="1170694"/>
+            <a:ext cx="8458200" cy="5303520"/>
           </a:xfrm>
           <a:prstGeom prst="rect">
             <a:avLst/>
@@ -8359,13 +12178,53 @@
       </p:pic>
       <p:sp>
         <p:nvSpPr>
-          <p:cNvPr id="14" name="Freeform 13"/>
+          <p:cNvPr id="4" name="Title 3"/>
+          <p:cNvSpPr>
+            <a:spLocks noGrp="1"/>
+          </p:cNvSpPr>
+          <p:nvPr>
+            <p:ph type="title"/>
+          </p:nvPr>
+        </p:nvSpPr>
+        <p:spPr/>
+        <p:txBody>
+          <a:bodyPr>
+            <a:noAutofit/>
+          </a:bodyPr>
+          <a:lstStyle/>
+          <a:p>
+            <a:r>
+              <a:rPr lang="en-US" sz="3200" dirty="0" smtClean="0"/>
+              <a:t>Keystone </a:t>
+            </a:r>
+            <a:r>
+              <a:rPr lang="en-US" sz="3200" dirty="0" err="1" smtClean="0"/>
+              <a:t>ll</a:t>
+            </a:r>
+            <a:r>
+              <a:rPr lang="en-US" sz="3200" dirty="0" smtClean="0"/>
+              <a:t>: ARM - IO Coherency</a:t>
+            </a:r>
+            <a:br>
+              <a:rPr lang="en-US" sz="3200" dirty="0" smtClean="0"/>
+            </a:br>
+            <a:r>
+              <a:rPr lang="en-US" sz="3200" dirty="0" smtClean="0"/>
+              <a:t>External Read to Shared Memory (MSM/DDR)</a:t>
+            </a:r>
+            <a:endParaRPr lang="en-US" sz="3200" dirty="0"/>
+          </a:p>
+        </p:txBody>
+      </p:sp>
+      <p:sp>
+        <p:nvSpPr>
+          <p:cNvPr id="5" name="Freeform 4"/>
           <p:cNvSpPr/>
           <p:nvPr/>
         </p:nvSpPr>
         <p:spPr>
           <a:xfrm>
-            <a:off x="1656522" y="4006574"/>
+            <a:off x="1535946" y="4006574"/>
             <a:ext cx="4081669" cy="384313"/>
           </a:xfrm>
           <a:custGeom>
@@ -8451,13 +12310,13 @@
       </p:sp>
       <p:sp>
         <p:nvSpPr>
-          <p:cNvPr id="18" name="Oval 17"/>
+          <p:cNvPr id="6" name="Oval 5"/>
           <p:cNvSpPr/>
           <p:nvPr/>
         </p:nvSpPr>
         <p:spPr>
           <a:xfrm>
-            <a:off x="1752600" y="3962400"/>
+            <a:off x="1632024" y="3962400"/>
             <a:ext cx="457200" cy="381000"/>
           </a:xfrm>
           <a:prstGeom prst="ellipse">
@@ -8506,13 +12365,117 @@
       </p:sp>
       <p:sp>
         <p:nvSpPr>
-          <p:cNvPr id="9" name="Freeform 8"/>
+          <p:cNvPr id="8" name="Rounded Rectangular Callout 7"/>
           <p:cNvSpPr/>
           <p:nvPr/>
         </p:nvSpPr>
         <p:spPr>
           <a:xfrm>
-            <a:off x="3200401" y="3366052"/>
+            <a:off x="336624" y="5228454"/>
+            <a:ext cx="1600200" cy="1194122"/>
+          </a:xfrm>
+          <a:prstGeom prst="wedgeRoundRectCallout">
+            <a:avLst>
+              <a:gd name="adj1" fmla="val 48905"/>
+              <a:gd name="adj2" fmla="val -119149"/>
+              <a:gd name="adj3" fmla="val 16667"/>
+            </a:avLst>
+          </a:prstGeom>
+        </p:spPr>
+        <p:style>
+          <a:lnRef idx="2">
+            <a:schemeClr val="accent1">
+              <a:shade val="50000"/>
+            </a:schemeClr>
+          </a:lnRef>
+          <a:fillRef idx="1">
+            <a:schemeClr val="accent1"/>
+          </a:fillRef>
+          <a:effectRef idx="0">
+            <a:schemeClr val="accent1"/>
+          </a:effectRef>
+          <a:fontRef idx="minor">
+            <a:schemeClr val="lt1"/>
+          </a:fontRef>
+        </p:style>
+        <p:txBody>
+          <a:bodyPr lIns="0" tIns="0" rIns="0" bIns="0" rtlCol="0" anchor="ctr"/>
+          <a:lstStyle/>
+          <a:p>
+            <a:pPr algn="ctr"/>
+            <a:r>
+              <a:rPr lang="en-US" sz="2000" dirty="0" smtClean="0"/>
+              <a:t>EDMA issues read to shared </a:t>
+            </a:r>
+            <a:r>
+              <a:rPr lang="en-US" sz="2000" dirty="0" smtClean="0"/>
+              <a:t>SRAM.</a:t>
+            </a:r>
+            <a:endParaRPr lang="en-US" sz="2000" dirty="0"/>
+          </a:p>
+        </p:txBody>
+      </p:sp>
+      <p:sp>
+        <p:nvSpPr>
+          <p:cNvPr id="9" name="Rounded Rectangular Callout 8"/>
+          <p:cNvSpPr/>
+          <p:nvPr/>
+        </p:nvSpPr>
+        <p:spPr>
+          <a:xfrm>
+            <a:off x="685800" y="1374085"/>
+            <a:ext cx="1600200" cy="1695691"/>
+          </a:xfrm>
+          <a:prstGeom prst="wedgeRoundRectCallout">
+            <a:avLst>
+              <a:gd name="adj1" fmla="val 104219"/>
+              <a:gd name="adj2" fmla="val 101009"/>
+              <a:gd name="adj3" fmla="val 16667"/>
+            </a:avLst>
+          </a:prstGeom>
+        </p:spPr>
+        <p:style>
+          <a:lnRef idx="2">
+            <a:schemeClr val="accent1">
+              <a:shade val="50000"/>
+            </a:schemeClr>
+          </a:lnRef>
+          <a:fillRef idx="1">
+            <a:schemeClr val="accent1"/>
+          </a:fillRef>
+          <a:effectRef idx="0">
+            <a:schemeClr val="accent1"/>
+          </a:effectRef>
+          <a:fontRef idx="minor">
+            <a:schemeClr val="lt1"/>
+          </a:fontRef>
+        </p:style>
+        <p:txBody>
+          <a:bodyPr lIns="0" tIns="0" rIns="0" bIns="0" rtlCol="0" anchor="ctr"/>
+          <a:lstStyle/>
+          <a:p>
+            <a:pPr algn="ctr"/>
+            <a:r>
+              <a:rPr lang="en-US" sz="2000" dirty="0" smtClean="0"/>
+              <a:t>Coherence Controller issues read snoops to </a:t>
+            </a:r>
+            <a:r>
+              <a:rPr lang="en-US" sz="2000" dirty="0" smtClean="0"/>
+              <a:t>ARM.</a:t>
+            </a:r>
+            <a:endParaRPr lang="en-US" sz="2000" dirty="0"/>
+          </a:p>
+        </p:txBody>
+      </p:sp>
+      <p:sp>
+        <p:nvSpPr>
+          <p:cNvPr id="10" name="Freeform 9"/>
+          <p:cNvSpPr/>
+          <p:nvPr/>
+        </p:nvSpPr>
+        <p:spPr>
+          <a:xfrm>
+            <a:off x="3200401" y="3235428"/>
             <a:ext cx="2362200" cy="1510748"/>
           </a:xfrm>
           <a:custGeom>
@@ -8598,13 +12561,13 @@
       </p:sp>
       <p:sp>
         <p:nvSpPr>
-          <p:cNvPr id="10" name="Oval 9"/>
+          <p:cNvPr id="11" name="Oval 10"/>
           <p:cNvSpPr/>
           <p:nvPr/>
         </p:nvSpPr>
         <p:spPr>
           <a:xfrm>
-            <a:off x="3276600" y="3657600"/>
+            <a:off x="3276600" y="3526976"/>
             <a:ext cx="457200" cy="381000"/>
           </a:xfrm>
           <a:prstGeom prst="ellipse">
@@ -8653,13 +12616,13 @@
       </p:sp>
       <p:sp>
         <p:nvSpPr>
-          <p:cNvPr id="13" name="Freeform 12"/>
+          <p:cNvPr id="12" name="Freeform 11"/>
           <p:cNvSpPr/>
           <p:nvPr/>
         </p:nvSpPr>
         <p:spPr>
           <a:xfrm>
-            <a:off x="4412974" y="3379304"/>
+            <a:off x="4252206" y="3228584"/>
             <a:ext cx="1325217" cy="1457739"/>
           </a:xfrm>
           <a:custGeom>
@@ -8745,13 +12708,13 @@
       </p:sp>
       <p:sp>
         <p:nvSpPr>
-          <p:cNvPr id="15" name="Oval 14"/>
+          <p:cNvPr id="13" name="Oval 12"/>
           <p:cNvSpPr/>
           <p:nvPr/>
         </p:nvSpPr>
         <p:spPr>
           <a:xfrm>
-            <a:off x="4572000" y="3429000"/>
+            <a:off x="4411232" y="3278280"/>
             <a:ext cx="457200" cy="381000"/>
           </a:xfrm>
           <a:prstGeom prst="ellipse">
@@ -8800,19 +12763,19 @@
       </p:sp>
       <p:sp>
         <p:nvSpPr>
-          <p:cNvPr id="16" name="Rounded Rectangular Callout 15"/>
+          <p:cNvPr id="15" name="Rounded Rectangular Callout 14"/>
           <p:cNvSpPr/>
           <p:nvPr/>
         </p:nvSpPr>
         <p:spPr>
           <a:xfrm>
-            <a:off x="6629400" y="2209800"/>
-            <a:ext cx="1143000" cy="762000"/>
+            <a:off x="6468632" y="1668026"/>
+            <a:ext cx="1143000" cy="1245996"/>
           </a:xfrm>
           <a:prstGeom prst="wedgeRoundRectCallout">
             <a:avLst>
-              <a:gd name="adj1" fmla="val -200211"/>
-              <a:gd name="adj2" fmla="val 177779"/>
+              <a:gd name="adj1" fmla="val -185266"/>
+              <a:gd name="adj2" fmla="val 127779"/>
               <a:gd name="adj3" fmla="val 16667"/>
             </a:avLst>
           </a:prstGeom>
@@ -8840,119 +12803,19 @@
             <a:pPr algn="ctr"/>
             <a:r>
               <a:rPr lang="en-US" sz="2000" dirty="0" smtClean="0"/>
-              <a:t>ARM evicts the line</a:t>
-            </a:r>
-            <a:endParaRPr lang="en-US" sz="2000" dirty="0"/>
-          </a:p>
-        </p:txBody>
-      </p:sp>
-      <p:sp>
-        <p:nvSpPr>
-          <p:cNvPr id="17" name="Rounded Rectangular Callout 16"/>
-          <p:cNvSpPr/>
-          <p:nvPr/>
-        </p:nvSpPr>
-        <p:spPr>
-          <a:xfrm>
-            <a:off x="732099" y="1551008"/>
-            <a:ext cx="1600200" cy="1545220"/>
-          </a:xfrm>
-          <a:prstGeom prst="wedgeRoundRectCallout">
-            <a:avLst>
-              <a:gd name="adj1" fmla="val 104219"/>
-              <a:gd name="adj2" fmla="val 101009"/>
-              <a:gd name="adj3" fmla="val 16667"/>
-            </a:avLst>
-          </a:prstGeom>
-        </p:spPr>
-        <p:style>
-          <a:lnRef idx="2">
-            <a:schemeClr val="accent1">
-              <a:shade val="50000"/>
-            </a:schemeClr>
-          </a:lnRef>
-          <a:fillRef idx="1">
-            <a:schemeClr val="accent1"/>
-          </a:fillRef>
-          <a:effectRef idx="0">
-            <a:schemeClr val="accent1"/>
-          </a:effectRef>
-          <a:fontRef idx="minor">
-            <a:schemeClr val="lt1"/>
-          </a:fontRef>
-        </p:style>
-        <p:txBody>
-          <a:bodyPr lIns="0" tIns="0" rIns="0" bIns="0" rtlCol="0" anchor="ctr"/>
-          <a:lstStyle/>
-          <a:p>
-            <a:pPr algn="ctr"/>
-            <a:r>
-              <a:rPr lang="en-US" dirty="0" smtClean="0"/>
-              <a:t>Coherence </a:t>
+              <a:t>ARM </a:t>
             </a:r>
             <a:r>
               <a:rPr lang="en-US" sz="2000" dirty="0" smtClean="0"/>
-              <a:t>Controller issues </a:t>
-            </a:r>
-            <a:r>
-              <a:rPr lang="en-US" sz="2000" dirty="0" err="1" smtClean="0"/>
-              <a:t>WBInv</a:t>
+              <a:t>evicts </a:t>
             </a:r>
             <a:r>
               <a:rPr lang="en-US" sz="2000" dirty="0" smtClean="0"/>
-              <a:t> snoops to </a:t>
-            </a:r>
-            <a:r>
-              <a:rPr lang="en-US" dirty="0" smtClean="0"/>
-              <a:t>ARM</a:t>
-            </a:r>
-            <a:endParaRPr lang="en-US" dirty="0"/>
-          </a:p>
-        </p:txBody>
-      </p:sp>
-      <p:sp>
-        <p:nvSpPr>
-          <p:cNvPr id="19" name="Rounded Rectangular Callout 18"/>
-          <p:cNvSpPr/>
-          <p:nvPr/>
-        </p:nvSpPr>
-        <p:spPr>
-          <a:xfrm>
-            <a:off x="457200" y="5486400"/>
-            <a:ext cx="1600200" cy="1066800"/>
-          </a:xfrm>
-          <a:prstGeom prst="wedgeRoundRectCallout">
-            <a:avLst>
-              <a:gd name="adj1" fmla="val 52045"/>
-              <a:gd name="adj2" fmla="val -151165"/>
-              <a:gd name="adj3" fmla="val 16667"/>
-            </a:avLst>
-          </a:prstGeom>
-        </p:spPr>
-        <p:style>
-          <a:lnRef idx="2">
-            <a:schemeClr val="accent1">
-              <a:shade val="50000"/>
-            </a:schemeClr>
-          </a:lnRef>
-          <a:fillRef idx="1">
-            <a:schemeClr val="accent1"/>
-          </a:fillRef>
-          <a:effectRef idx="0">
-            <a:schemeClr val="accent1"/>
-          </a:effectRef>
-          <a:fontRef idx="minor">
-            <a:schemeClr val="lt1"/>
-          </a:fontRef>
-        </p:style>
-        <p:txBody>
-          <a:bodyPr lIns="0" tIns="0" rIns="0" bIns="0" rtlCol="0" anchor="ctr"/>
-          <a:lstStyle/>
-          <a:p>
-            <a:pPr algn="ctr"/>
+              <a:t>updated </a:t>
+            </a:r>
             <a:r>
               <a:rPr lang="en-US" sz="2000" dirty="0" smtClean="0"/>
-              <a:t>EDMA issues write to shared SRAM</a:t>
+              <a:t>data.</a:t>
             </a:r>
             <a:endParaRPr lang="en-US" sz="2000" dirty="0"/>
           </a:p>
@@ -8973,7 +12836,7 @@
 </p:sld>
 </file>
 
-<file path=ppt/slides/slide31.xml><?xml version="1.0" encoding="utf-8"?>
+<file path=ppt/slides/slide36.xml><?xml version="1.0" encoding="utf-8"?>
 <p:sld xmlns:a="http://schemas.openxmlformats.org/drawingml/2006/main" xmlns:r="http://schemas.openxmlformats.org/officeDocument/2006/relationships" xmlns:p="http://schemas.openxmlformats.org/presentationml/2006/main">
   <p:cSld>
     <p:spTree>
@@ -8990,51 +12853,11 @@
           <a:chExt cx="0" cy="0"/>
         </a:xfrm>
       </p:grpSpPr>
-      <p:sp>
-        <p:nvSpPr>
-          <p:cNvPr id="4" name="Title 3"/>
-          <p:cNvSpPr>
-            <a:spLocks noGrp="1"/>
-          </p:cNvSpPr>
-          <p:nvPr>
-            <p:ph type="title"/>
-          </p:nvPr>
-        </p:nvSpPr>
-        <p:spPr/>
-        <p:txBody>
-          <a:bodyPr>
-            <a:noAutofit/>
-          </a:bodyPr>
-          <a:lstStyle/>
-          <a:p>
-            <a:r>
-              <a:rPr lang="en-US" sz="3200" dirty="0" smtClean="0"/>
-              <a:t>Keystone </a:t>
-            </a:r>
-            <a:r>
-              <a:rPr lang="en-US" sz="3200" dirty="0" err="1" smtClean="0"/>
-              <a:t>ll</a:t>
-            </a:r>
-            <a:r>
-              <a:rPr lang="en-US" sz="3200" dirty="0" smtClean="0"/>
-              <a:t>: ARM - IO Coherency</a:t>
-            </a:r>
-            <a:br>
-              <a:rPr lang="en-US" sz="3200" dirty="0" smtClean="0"/>
-            </a:br>
-            <a:r>
-              <a:rPr lang="en-US" sz="3200" dirty="0" smtClean="0"/>
-              <a:t>External Write to Shared Memory (MSM/DDR)</a:t>
-            </a:r>
-            <a:endParaRPr lang="en-US" sz="3200" dirty="0"/>
-          </a:p>
-        </p:txBody>
-      </p:sp>
       <p:pic>
         <p:nvPicPr>
-          <p:cNvPr id="55303" name="Picture 7"/>
+          <p:cNvPr id="7" name="Picture 7"/>
           <p:cNvPicPr>
-            <a:picLocks noChangeAspect="1" noChangeArrowheads="1"/>
+            <a:picLocks noChangeArrowheads="1"/>
           </p:cNvPicPr>
           <p:nvPr/>
         </p:nvPicPr>
@@ -9047,8 +12870,8 @@
         </p:blipFill>
         <p:spPr bwMode="auto">
           <a:xfrm>
-            <a:off x="457200" y="1462087"/>
-            <a:ext cx="8458200" cy="5014913"/>
+            <a:off x="346672" y="1170694"/>
+            <a:ext cx="8458200" cy="5303520"/>
           </a:xfrm>
           <a:prstGeom prst="rect">
             <a:avLst/>
@@ -9064,13 +12887,53 @@
       </p:pic>
       <p:sp>
         <p:nvSpPr>
-          <p:cNvPr id="14" name="Freeform 13"/>
+          <p:cNvPr id="4" name="Title 3"/>
+          <p:cNvSpPr>
+            <a:spLocks noGrp="1"/>
+          </p:cNvSpPr>
+          <p:nvPr>
+            <p:ph type="title"/>
+          </p:nvPr>
+        </p:nvSpPr>
+        <p:spPr/>
+        <p:txBody>
+          <a:bodyPr>
+            <a:noAutofit/>
+          </a:bodyPr>
+          <a:lstStyle/>
+          <a:p>
+            <a:r>
+              <a:rPr lang="en-US" sz="3200" dirty="0" smtClean="0"/>
+              <a:t>Keystone </a:t>
+            </a:r>
+            <a:r>
+              <a:rPr lang="en-US" sz="3200" dirty="0" err="1" smtClean="0"/>
+              <a:t>ll</a:t>
+            </a:r>
+            <a:r>
+              <a:rPr lang="en-US" sz="3200" dirty="0" smtClean="0"/>
+              <a:t>: ARM - IO Coherency</a:t>
+            </a:r>
+            <a:br>
+              <a:rPr lang="en-US" sz="3200" dirty="0" smtClean="0"/>
+            </a:br>
+            <a:r>
+              <a:rPr lang="en-US" sz="3200" dirty="0" smtClean="0"/>
+              <a:t>External Read to Shared Memory (MSM/DDR)</a:t>
+            </a:r>
+            <a:endParaRPr lang="en-US" sz="3200" dirty="0"/>
+          </a:p>
+        </p:txBody>
+      </p:sp>
+      <p:sp>
+        <p:nvSpPr>
+          <p:cNvPr id="5" name="Freeform 4"/>
           <p:cNvSpPr/>
           <p:nvPr/>
         </p:nvSpPr>
         <p:spPr>
           <a:xfrm>
-            <a:off x="1656522" y="4006574"/>
+            <a:off x="1535946" y="4006574"/>
             <a:ext cx="4081669" cy="384313"/>
           </a:xfrm>
           <a:custGeom>
@@ -9156,13 +13019,13 @@
       </p:sp>
       <p:sp>
         <p:nvSpPr>
-          <p:cNvPr id="18" name="Oval 17"/>
+          <p:cNvPr id="6" name="Oval 5"/>
           <p:cNvSpPr/>
           <p:nvPr/>
         </p:nvSpPr>
         <p:spPr>
           <a:xfrm>
-            <a:off x="1752600" y="3962400"/>
+            <a:off x="1632024" y="3962400"/>
             <a:ext cx="457200" cy="381000"/>
           </a:xfrm>
           <a:prstGeom prst="ellipse">
@@ -9211,13 +13074,117 @@
       </p:sp>
       <p:sp>
         <p:nvSpPr>
-          <p:cNvPr id="9" name="Freeform 8"/>
+          <p:cNvPr id="8" name="Rounded Rectangular Callout 7"/>
           <p:cNvSpPr/>
           <p:nvPr/>
         </p:nvSpPr>
         <p:spPr>
           <a:xfrm>
-            <a:off x="3200401" y="3366052"/>
+            <a:off x="336624" y="5228454"/>
+            <a:ext cx="1600200" cy="1194122"/>
+          </a:xfrm>
+          <a:prstGeom prst="wedgeRoundRectCallout">
+            <a:avLst>
+              <a:gd name="adj1" fmla="val 48905"/>
+              <a:gd name="adj2" fmla="val -119149"/>
+              <a:gd name="adj3" fmla="val 16667"/>
+            </a:avLst>
+          </a:prstGeom>
+        </p:spPr>
+        <p:style>
+          <a:lnRef idx="2">
+            <a:schemeClr val="accent1">
+              <a:shade val="50000"/>
+            </a:schemeClr>
+          </a:lnRef>
+          <a:fillRef idx="1">
+            <a:schemeClr val="accent1"/>
+          </a:fillRef>
+          <a:effectRef idx="0">
+            <a:schemeClr val="accent1"/>
+          </a:effectRef>
+          <a:fontRef idx="minor">
+            <a:schemeClr val="lt1"/>
+          </a:fontRef>
+        </p:style>
+        <p:txBody>
+          <a:bodyPr lIns="0" tIns="0" rIns="0" bIns="0" rtlCol="0" anchor="ctr"/>
+          <a:lstStyle/>
+          <a:p>
+            <a:pPr algn="ctr"/>
+            <a:r>
+              <a:rPr lang="en-US" sz="2000" dirty="0" smtClean="0"/>
+              <a:t>EDMA issues read to shared </a:t>
+            </a:r>
+            <a:r>
+              <a:rPr lang="en-US" sz="2000" dirty="0" smtClean="0"/>
+              <a:t>SRAM.</a:t>
+            </a:r>
+            <a:endParaRPr lang="en-US" sz="2000" dirty="0"/>
+          </a:p>
+        </p:txBody>
+      </p:sp>
+      <p:sp>
+        <p:nvSpPr>
+          <p:cNvPr id="9" name="Rounded Rectangular Callout 8"/>
+          <p:cNvSpPr/>
+          <p:nvPr/>
+        </p:nvSpPr>
+        <p:spPr>
+          <a:xfrm>
+            <a:off x="685800" y="1374085"/>
+            <a:ext cx="1600200" cy="1695691"/>
+          </a:xfrm>
+          <a:prstGeom prst="wedgeRoundRectCallout">
+            <a:avLst>
+              <a:gd name="adj1" fmla="val 104219"/>
+              <a:gd name="adj2" fmla="val 101009"/>
+              <a:gd name="adj3" fmla="val 16667"/>
+            </a:avLst>
+          </a:prstGeom>
+        </p:spPr>
+        <p:style>
+          <a:lnRef idx="2">
+            <a:schemeClr val="accent1">
+              <a:shade val="50000"/>
+            </a:schemeClr>
+          </a:lnRef>
+          <a:fillRef idx="1">
+            <a:schemeClr val="accent1"/>
+          </a:fillRef>
+          <a:effectRef idx="0">
+            <a:schemeClr val="accent1"/>
+          </a:effectRef>
+          <a:fontRef idx="minor">
+            <a:schemeClr val="lt1"/>
+          </a:fontRef>
+        </p:style>
+        <p:txBody>
+          <a:bodyPr lIns="0" tIns="0" rIns="0" bIns="0" rtlCol="0" anchor="ctr"/>
+          <a:lstStyle/>
+          <a:p>
+            <a:pPr algn="ctr"/>
+            <a:r>
+              <a:rPr lang="en-US" sz="2000" dirty="0" smtClean="0"/>
+              <a:t>Coherence Controller issues read snoops to </a:t>
+            </a:r>
+            <a:r>
+              <a:rPr lang="en-US" sz="2000" dirty="0" smtClean="0"/>
+              <a:t>ARM.</a:t>
+            </a:r>
+            <a:endParaRPr lang="en-US" sz="2000" dirty="0"/>
+          </a:p>
+        </p:txBody>
+      </p:sp>
+      <p:sp>
+        <p:nvSpPr>
+          <p:cNvPr id="10" name="Freeform 9"/>
+          <p:cNvSpPr/>
+          <p:nvPr/>
+        </p:nvSpPr>
+        <p:spPr>
+          <a:xfrm>
+            <a:off x="3200401" y="3235428"/>
             <a:ext cx="2362200" cy="1510748"/>
           </a:xfrm>
           <a:custGeom>
@@ -9303,13 +13270,13 @@
       </p:sp>
       <p:sp>
         <p:nvSpPr>
-          <p:cNvPr id="10" name="Oval 9"/>
+          <p:cNvPr id="11" name="Oval 10"/>
           <p:cNvSpPr/>
           <p:nvPr/>
         </p:nvSpPr>
         <p:spPr>
           <a:xfrm>
-            <a:off x="3276600" y="3657600"/>
+            <a:off x="3276600" y="3526976"/>
             <a:ext cx="457200" cy="381000"/>
           </a:xfrm>
           <a:prstGeom prst="ellipse">
@@ -9358,13 +13325,13 @@
       </p:sp>
       <p:sp>
         <p:nvSpPr>
-          <p:cNvPr id="13" name="Freeform 12"/>
+          <p:cNvPr id="12" name="Freeform 11"/>
           <p:cNvSpPr/>
           <p:nvPr/>
         </p:nvSpPr>
         <p:spPr>
           <a:xfrm>
-            <a:off x="4412974" y="3379304"/>
+            <a:off x="4252206" y="3228584"/>
             <a:ext cx="1325217" cy="1457739"/>
           </a:xfrm>
           <a:custGeom>
@@ -9450,13 +13417,13 @@
       </p:sp>
       <p:sp>
         <p:nvSpPr>
-          <p:cNvPr id="15" name="Oval 14"/>
+          <p:cNvPr id="13" name="Oval 12"/>
           <p:cNvSpPr/>
           <p:nvPr/>
         </p:nvSpPr>
         <p:spPr>
           <a:xfrm>
-            <a:off x="4572000" y="3429000"/>
+            <a:off x="4411232" y="3278280"/>
             <a:ext cx="457200" cy="381000"/>
           </a:xfrm>
           <a:prstGeom prst="ellipse">
@@ -9505,19 +13472,19 @@
       </p:sp>
       <p:sp>
         <p:nvSpPr>
-          <p:cNvPr id="16" name="Rounded Rectangular Callout 15"/>
+          <p:cNvPr id="14" name="Rounded Rectangular Callout 13"/>
           <p:cNvSpPr/>
           <p:nvPr/>
         </p:nvSpPr>
         <p:spPr>
           <a:xfrm>
-            <a:off x="6629400" y="2209800"/>
-            <a:ext cx="1143000" cy="762000"/>
+            <a:off x="6468632" y="1668026"/>
+            <a:ext cx="1143000" cy="1245996"/>
           </a:xfrm>
           <a:prstGeom prst="wedgeRoundRectCallout">
             <a:avLst>
-              <a:gd name="adj1" fmla="val -200211"/>
-              <a:gd name="adj2" fmla="val 177779"/>
+              <a:gd name="adj1" fmla="val -185266"/>
+              <a:gd name="adj2" fmla="val 127779"/>
               <a:gd name="adj3" fmla="val 16667"/>
             </a:avLst>
           </a:prstGeom>
@@ -9544,2594 +13511,22 @@
           <a:p>
             <a:pPr algn="ctr"/>
             <a:r>
-              <a:rPr lang="en-US" sz="1800" dirty="0" smtClean="0"/>
-              <a:t>ARM evicts the victim</a:t>
-            </a:r>
-            <a:endParaRPr lang="en-US" sz="1800" dirty="0"/>
-          </a:p>
-        </p:txBody>
-      </p:sp>
-      <p:sp>
-        <p:nvSpPr>
-          <p:cNvPr id="17" name="Rounded Rectangular Callout 16"/>
-          <p:cNvSpPr/>
-          <p:nvPr/>
-        </p:nvSpPr>
-        <p:spPr>
-          <a:xfrm>
-            <a:off x="6553200" y="5562600"/>
-            <a:ext cx="2286000" cy="990600"/>
-          </a:xfrm>
-          <a:prstGeom prst="wedgeRoundRectCallout">
-            <a:avLst>
-              <a:gd name="adj1" fmla="val 2108"/>
-              <a:gd name="adj2" fmla="val -132589"/>
-              <a:gd name="adj3" fmla="val 16667"/>
-            </a:avLst>
-          </a:prstGeom>
-        </p:spPr>
-        <p:style>
-          <a:lnRef idx="2">
-            <a:schemeClr val="accent1">
-              <a:shade val="50000"/>
-            </a:schemeClr>
-          </a:lnRef>
-          <a:fillRef idx="1">
-            <a:schemeClr val="accent1"/>
-          </a:fillRef>
-          <a:effectRef idx="0">
-            <a:schemeClr val="accent1"/>
-          </a:effectRef>
-          <a:fontRef idx="minor">
-            <a:schemeClr val="lt1"/>
-          </a:fontRef>
-        </p:style>
-        <p:txBody>
-          <a:bodyPr lIns="0" tIns="0" rIns="0" bIns="0" rtlCol="0" anchor="ctr"/>
-          <a:lstStyle/>
-          <a:p>
-            <a:pPr algn="ctr"/>
-            <a:r>
-              <a:rPr lang="en-US" sz="1800" dirty="0" smtClean="0"/>
-              <a:t>Coherence controller merges EDMA write with victim &amp; writes to SRAM</a:t>
-            </a:r>
-            <a:endParaRPr lang="en-US" sz="1800" dirty="0"/>
-          </a:p>
-        </p:txBody>
-      </p:sp>
-      <p:sp>
-        <p:nvSpPr>
-          <p:cNvPr id="19" name="Freeform 18"/>
-          <p:cNvSpPr/>
-          <p:nvPr/>
-        </p:nvSpPr>
-        <p:spPr>
-          <a:xfrm>
-            <a:off x="6692348" y="4492487"/>
-            <a:ext cx="1099930" cy="704574"/>
-          </a:xfrm>
-          <a:custGeom>
-            <a:avLst/>
-            <a:gdLst>
-              <a:gd name="connsiteX0" fmla="*/ 0 w 1099930"/>
-              <a:gd name="connsiteY0" fmla="*/ 649356 h 704574"/>
-              <a:gd name="connsiteX1" fmla="*/ 755374 w 1099930"/>
-              <a:gd name="connsiteY1" fmla="*/ 596348 h 704574"/>
-              <a:gd name="connsiteX2" fmla="*/ 1099930 w 1099930"/>
-              <a:gd name="connsiteY2" fmla="*/ 0 h 704574"/>
-            </a:gdLst>
-            <a:ahLst/>
-            <a:cxnLst>
-              <a:cxn ang="0">
-                <a:pos x="connsiteX0" y="connsiteY0"/>
-              </a:cxn>
-              <a:cxn ang="0">
-                <a:pos x="connsiteX1" y="connsiteY1"/>
-              </a:cxn>
-              <a:cxn ang="0">
-                <a:pos x="connsiteX2" y="connsiteY2"/>
-              </a:cxn>
-            </a:cxnLst>
-            <a:rect l="l" t="t" r="r" b="b"/>
-            <a:pathLst>
-              <a:path w="1099930" h="704574">
-                <a:moveTo>
-                  <a:pt x="0" y="649356"/>
-                </a:moveTo>
-                <a:cubicBezTo>
-                  <a:pt x="286026" y="676965"/>
-                  <a:pt x="572052" y="704574"/>
-                  <a:pt x="755374" y="596348"/>
-                </a:cubicBezTo>
-                <a:cubicBezTo>
-                  <a:pt x="938696" y="488122"/>
-                  <a:pt x="1019313" y="244061"/>
-                  <a:pt x="1099930" y="0"/>
-                </a:cubicBezTo>
-              </a:path>
-            </a:pathLst>
-          </a:custGeom>
-          <a:ln w="25400">
-            <a:solidFill>
-              <a:schemeClr val="tx1"/>
-            </a:solidFill>
-            <a:tailEnd type="triangle" w="lg" len="lg"/>
-          </a:ln>
-        </p:spPr>
-        <p:style>
-          <a:lnRef idx="1">
-            <a:schemeClr val="accent1"/>
-          </a:lnRef>
-          <a:fillRef idx="0">
-            <a:schemeClr val="accent1"/>
-          </a:fillRef>
-          <a:effectRef idx="0">
-            <a:schemeClr val="accent1"/>
-          </a:effectRef>
-          <a:fontRef idx="minor">
-            <a:schemeClr val="tx1"/>
-          </a:fontRef>
-        </p:style>
-        <p:txBody>
-          <a:bodyPr rtlCol="0" anchor="ctr"/>
-          <a:lstStyle/>
-          <a:p>
-            <a:pPr algn="ctr"/>
-            <a:endParaRPr lang="en-US"/>
-          </a:p>
-        </p:txBody>
-      </p:sp>
-      <p:sp>
-        <p:nvSpPr>
-          <p:cNvPr id="20" name="Oval 19"/>
-          <p:cNvSpPr/>
-          <p:nvPr/>
-        </p:nvSpPr>
-        <p:spPr>
-          <a:xfrm>
-            <a:off x="7467600" y="5029200"/>
-            <a:ext cx="457200" cy="381000"/>
-          </a:xfrm>
-          <a:prstGeom prst="ellipse">
-            <a:avLst/>
-          </a:prstGeom>
-          <a:solidFill>
-            <a:srgbClr val="FF0000"/>
-          </a:solidFill>
-        </p:spPr>
-        <p:style>
-          <a:lnRef idx="2">
-            <a:schemeClr val="accent1">
-              <a:shade val="50000"/>
-            </a:schemeClr>
-          </a:lnRef>
-          <a:fillRef idx="1">
-            <a:schemeClr val="accent1"/>
-          </a:fillRef>
-          <a:effectRef idx="0">
-            <a:schemeClr val="accent1"/>
-          </a:effectRef>
-          <a:fontRef idx="minor">
-            <a:schemeClr val="lt1"/>
-          </a:fontRef>
-        </p:style>
-        <p:txBody>
-          <a:bodyPr rtlCol="0" anchor="ctr"/>
-          <a:lstStyle/>
-          <a:p>
-            <a:pPr algn="ctr"/>
-            <a:r>
-              <a:rPr lang="en-US" b="1" dirty="0" smtClean="0">
-                <a:solidFill>
-                  <a:schemeClr val="bg1"/>
-                </a:solidFill>
-              </a:rPr>
-              <a:t>4</a:t>
-            </a:r>
-            <a:endParaRPr lang="en-US" b="1" dirty="0">
-              <a:solidFill>
-                <a:schemeClr val="bg1"/>
-              </a:solidFill>
-            </a:endParaRPr>
-          </a:p>
-        </p:txBody>
-      </p:sp>
-      <p:sp>
-        <p:nvSpPr>
-          <p:cNvPr id="21" name="Rounded Rectangular Callout 20"/>
-          <p:cNvSpPr/>
-          <p:nvPr/>
-        </p:nvSpPr>
-        <p:spPr>
-          <a:xfrm>
-            <a:off x="836271" y="1759352"/>
-            <a:ext cx="1600200" cy="1441048"/>
-          </a:xfrm>
-          <a:prstGeom prst="wedgeRoundRectCallout">
-            <a:avLst>
-              <a:gd name="adj1" fmla="val 104219"/>
-              <a:gd name="adj2" fmla="val 101009"/>
-              <a:gd name="adj3" fmla="val 16667"/>
-            </a:avLst>
-          </a:prstGeom>
-        </p:spPr>
-        <p:style>
-          <a:lnRef idx="2">
-            <a:schemeClr val="accent1">
-              <a:shade val="50000"/>
-            </a:schemeClr>
-          </a:lnRef>
-          <a:fillRef idx="1">
-            <a:schemeClr val="accent1"/>
-          </a:fillRef>
-          <a:effectRef idx="0">
-            <a:schemeClr val="accent1"/>
-          </a:effectRef>
-          <a:fontRef idx="minor">
-            <a:schemeClr val="lt1"/>
-          </a:fontRef>
-        </p:style>
-        <p:txBody>
-          <a:bodyPr lIns="0" tIns="0" rIns="0" bIns="0" rtlCol="0" anchor="ctr"/>
-          <a:lstStyle/>
-          <a:p>
-            <a:pPr algn="ctr"/>
-            <a:r>
-              <a:rPr lang="en-US" dirty="0" smtClean="0"/>
-              <a:t>Coherence </a:t>
-            </a:r>
-            <a:r>
               <a:rPr lang="en-US" sz="2000" dirty="0" smtClean="0"/>
-              <a:t>Controller issues </a:t>
-            </a:r>
-            <a:r>
-              <a:rPr lang="en-US" sz="2000" dirty="0" err="1" smtClean="0"/>
-              <a:t>WBInv</a:t>
+              <a:t>ARM </a:t>
             </a:r>
             <a:r>
               <a:rPr lang="en-US" sz="2000" dirty="0" smtClean="0"/>
-              <a:t> snoops to ARM</a:t>
+              <a:t>evicts </a:t>
+            </a:r>
+            <a:r>
+              <a:rPr lang="en-US" sz="2000" dirty="0" smtClean="0"/>
+              <a:t>updated </a:t>
+            </a:r>
+            <a:r>
+              <a:rPr lang="en-US" sz="2000" dirty="0" smtClean="0"/>
+              <a:t>data.</a:t>
             </a:r>
             <a:endParaRPr lang="en-US" sz="2000" dirty="0"/>
-          </a:p>
-        </p:txBody>
-      </p:sp>
-      <p:sp>
-        <p:nvSpPr>
-          <p:cNvPr id="22" name="Rounded Rectangular Callout 21"/>
-          <p:cNvSpPr/>
-          <p:nvPr/>
-        </p:nvSpPr>
-        <p:spPr>
-          <a:xfrm>
-            <a:off x="457200" y="5486400"/>
-            <a:ext cx="1600200" cy="1066800"/>
-          </a:xfrm>
-          <a:prstGeom prst="wedgeRoundRectCallout">
-            <a:avLst>
-              <a:gd name="adj1" fmla="val 52045"/>
-              <a:gd name="adj2" fmla="val -151165"/>
-              <a:gd name="adj3" fmla="val 16667"/>
-            </a:avLst>
-          </a:prstGeom>
-        </p:spPr>
-        <p:style>
-          <a:lnRef idx="2">
-            <a:schemeClr val="accent1">
-              <a:shade val="50000"/>
-            </a:schemeClr>
-          </a:lnRef>
-          <a:fillRef idx="1">
-            <a:schemeClr val="accent1"/>
-          </a:fillRef>
-          <a:effectRef idx="0">
-            <a:schemeClr val="accent1"/>
-          </a:effectRef>
-          <a:fontRef idx="minor">
-            <a:schemeClr val="lt1"/>
-          </a:fontRef>
-        </p:style>
-        <p:txBody>
-          <a:bodyPr lIns="0" tIns="0" rIns="0" bIns="0" rtlCol="0" anchor="ctr"/>
-          <a:lstStyle/>
-          <a:p>
-            <a:pPr algn="ctr"/>
-            <a:r>
-              <a:rPr lang="en-US" sz="2000" dirty="0" smtClean="0"/>
-              <a:t>EDMA issues write to shared SRAM</a:t>
-            </a:r>
-            <a:endParaRPr lang="en-US" sz="2000" dirty="0"/>
-          </a:p>
-        </p:txBody>
-      </p:sp>
-    </p:spTree>
-  </p:cSld>
-  <p:clrMapOvr>
-    <a:masterClrMapping/>
-  </p:clrMapOvr>
-  <p:timing>
-    <p:tnLst>
-      <p:par>
-        <p:cTn id="1" dur="indefinite" restart="never" nodeType="tmRoot"/>
-      </p:par>
-    </p:tnLst>
-  </p:timing>
-</p:sld>
-</file>
-
-<file path=ppt/slides/slide32.xml><?xml version="1.0" encoding="utf-8"?>
-<p:sld xmlns:a="http://schemas.openxmlformats.org/drawingml/2006/main" xmlns:r="http://schemas.openxmlformats.org/officeDocument/2006/relationships" xmlns:p="http://schemas.openxmlformats.org/presentationml/2006/main">
-  <p:cSld>
-    <p:spTree>
-      <p:nvGrpSpPr>
-        <p:cNvPr id="1" name=""/>
-        <p:cNvGrpSpPr/>
-        <p:nvPr/>
-      </p:nvGrpSpPr>
-      <p:grpSpPr>
-        <a:xfrm>
-          <a:off x="0" y="0"/>
-          <a:ext cx="0" cy="0"/>
-          <a:chOff x="0" y="0"/>
-          <a:chExt cx="0" cy="0"/>
-        </a:xfrm>
-      </p:grpSpPr>
-      <p:sp>
-        <p:nvSpPr>
-          <p:cNvPr id="4" name="Title 3"/>
-          <p:cNvSpPr>
-            <a:spLocks noGrp="1"/>
-          </p:cNvSpPr>
-          <p:nvPr>
-            <p:ph type="title"/>
-          </p:nvPr>
-        </p:nvSpPr>
-        <p:spPr/>
-        <p:txBody>
-          <a:bodyPr>
-            <a:noAutofit/>
-          </a:bodyPr>
-          <a:lstStyle/>
-          <a:p>
-            <a:r>
-              <a:rPr lang="en-US" sz="3200" dirty="0" smtClean="0"/>
-              <a:t>Keystone </a:t>
-            </a:r>
-            <a:r>
-              <a:rPr lang="en-US" sz="3200" dirty="0" err="1" smtClean="0"/>
-              <a:t>ll</a:t>
-            </a:r>
-            <a:r>
-              <a:rPr lang="en-US" sz="3200" smtClean="0"/>
-              <a:t>: ARM - IO </a:t>
-            </a:r>
-            <a:r>
-              <a:rPr lang="en-US" sz="3200" dirty="0" smtClean="0"/>
-              <a:t>Coherency</a:t>
-            </a:r>
-            <a:br>
-              <a:rPr lang="en-US" sz="3200" dirty="0" smtClean="0"/>
-            </a:br>
-            <a:r>
-              <a:rPr lang="en-US" sz="3200" dirty="0" smtClean="0"/>
-              <a:t>External Read to Shared Memory (MSM/DDR)</a:t>
-            </a:r>
-            <a:endParaRPr lang="en-US" sz="3200" dirty="0"/>
-          </a:p>
-        </p:txBody>
-      </p:sp>
-      <p:pic>
-        <p:nvPicPr>
-          <p:cNvPr id="55303" name="Picture 7"/>
-          <p:cNvPicPr>
-            <a:picLocks noChangeAspect="1" noChangeArrowheads="1"/>
-          </p:cNvPicPr>
-          <p:nvPr/>
-        </p:nvPicPr>
-        <p:blipFill>
-          <a:blip r:embed="rId2" cstate="print"/>
-          <a:srcRect/>
-          <a:stretch>
-            <a:fillRect/>
-          </a:stretch>
-        </p:blipFill>
-        <p:spPr bwMode="auto">
-          <a:xfrm>
-            <a:off x="457200" y="1462087"/>
-            <a:ext cx="8458200" cy="5014913"/>
-          </a:xfrm>
-          <a:prstGeom prst="rect">
-            <a:avLst/>
-          </a:prstGeom>
-          <a:noFill/>
-          <a:ln w="9525">
-            <a:noFill/>
-            <a:miter lim="800000"/>
-            <a:headEnd/>
-            <a:tailEnd/>
-          </a:ln>
-        </p:spPr>
-      </p:pic>
-    </p:spTree>
-  </p:cSld>
-  <p:clrMapOvr>
-    <a:masterClrMapping/>
-  </p:clrMapOvr>
-  <p:timing>
-    <p:tnLst>
-      <p:par>
-        <p:cTn id="1" dur="indefinite" restart="never" nodeType="tmRoot"/>
-      </p:par>
-    </p:tnLst>
-  </p:timing>
-</p:sld>
-</file>
-
-<file path=ppt/slides/slide33.xml><?xml version="1.0" encoding="utf-8"?>
-<p:sld xmlns:a="http://schemas.openxmlformats.org/drawingml/2006/main" xmlns:r="http://schemas.openxmlformats.org/officeDocument/2006/relationships" xmlns:p="http://schemas.openxmlformats.org/presentationml/2006/main">
-  <p:cSld>
-    <p:spTree>
-      <p:nvGrpSpPr>
-        <p:cNvPr id="1" name=""/>
-        <p:cNvGrpSpPr/>
-        <p:nvPr/>
-      </p:nvGrpSpPr>
-      <p:grpSpPr>
-        <a:xfrm>
-          <a:off x="0" y="0"/>
-          <a:ext cx="0" cy="0"/>
-          <a:chOff x="0" y="0"/>
-          <a:chExt cx="0" cy="0"/>
-        </a:xfrm>
-      </p:grpSpPr>
-      <p:sp>
-        <p:nvSpPr>
-          <p:cNvPr id="4" name="Title 3"/>
-          <p:cNvSpPr>
-            <a:spLocks noGrp="1"/>
-          </p:cNvSpPr>
-          <p:nvPr>
-            <p:ph type="title"/>
-          </p:nvPr>
-        </p:nvSpPr>
-        <p:spPr/>
-        <p:txBody>
-          <a:bodyPr>
-            <a:noAutofit/>
-          </a:bodyPr>
-          <a:lstStyle/>
-          <a:p>
-            <a:r>
-              <a:rPr lang="en-US" sz="3200" dirty="0" smtClean="0"/>
-              <a:t>Keystone </a:t>
-            </a:r>
-            <a:r>
-              <a:rPr lang="en-US" sz="3200" dirty="0" err="1" smtClean="0"/>
-              <a:t>ll</a:t>
-            </a:r>
-            <a:r>
-              <a:rPr lang="en-US" sz="3200" dirty="0" smtClean="0"/>
-              <a:t>: ARM - IO Coherency</a:t>
-            </a:r>
-            <a:br>
-              <a:rPr lang="en-US" sz="3200" dirty="0" smtClean="0"/>
-            </a:br>
-            <a:r>
-              <a:rPr lang="en-US" sz="3200" dirty="0" smtClean="0"/>
-              <a:t>External Read to Shared Memory (MSM/DDR)</a:t>
-            </a:r>
-            <a:endParaRPr lang="en-US" sz="3200" dirty="0"/>
-          </a:p>
-        </p:txBody>
-      </p:sp>
-      <p:pic>
-        <p:nvPicPr>
-          <p:cNvPr id="55303" name="Picture 7"/>
-          <p:cNvPicPr>
-            <a:picLocks noChangeAspect="1" noChangeArrowheads="1"/>
-          </p:cNvPicPr>
-          <p:nvPr/>
-        </p:nvPicPr>
-        <p:blipFill>
-          <a:blip r:embed="rId2" cstate="print"/>
-          <a:srcRect/>
-          <a:stretch>
-            <a:fillRect/>
-          </a:stretch>
-        </p:blipFill>
-        <p:spPr bwMode="auto">
-          <a:xfrm>
-            <a:off x="457200" y="1462087"/>
-            <a:ext cx="8458200" cy="5014913"/>
-          </a:xfrm>
-          <a:prstGeom prst="rect">
-            <a:avLst/>
-          </a:prstGeom>
-          <a:noFill/>
-          <a:ln w="9525">
-            <a:noFill/>
-            <a:miter lim="800000"/>
-            <a:headEnd/>
-            <a:tailEnd/>
-          </a:ln>
-        </p:spPr>
-      </p:pic>
-      <p:sp>
-        <p:nvSpPr>
-          <p:cNvPr id="5" name="Freeform 4"/>
-          <p:cNvSpPr/>
-          <p:nvPr/>
-        </p:nvSpPr>
-        <p:spPr>
-          <a:xfrm>
-            <a:off x="1656522" y="4006574"/>
-            <a:ext cx="4081669" cy="384313"/>
-          </a:xfrm>
-          <a:custGeom>
-            <a:avLst/>
-            <a:gdLst>
-              <a:gd name="connsiteX0" fmla="*/ 0 w 4081669"/>
-              <a:gd name="connsiteY0" fmla="*/ 379896 h 384313"/>
-              <a:gd name="connsiteX1" fmla="*/ 1868556 w 4081669"/>
-              <a:gd name="connsiteY1" fmla="*/ 326887 h 384313"/>
-              <a:gd name="connsiteX2" fmla="*/ 2981739 w 4081669"/>
-              <a:gd name="connsiteY2" fmla="*/ 35339 h 384313"/>
-              <a:gd name="connsiteX3" fmla="*/ 4081669 w 4081669"/>
-              <a:gd name="connsiteY3" fmla="*/ 114852 h 384313"/>
-            </a:gdLst>
-            <a:ahLst/>
-            <a:cxnLst>
-              <a:cxn ang="0">
-                <a:pos x="connsiteX0" y="connsiteY0"/>
-              </a:cxn>
-              <a:cxn ang="0">
-                <a:pos x="connsiteX1" y="connsiteY1"/>
-              </a:cxn>
-              <a:cxn ang="0">
-                <a:pos x="connsiteX2" y="connsiteY2"/>
-              </a:cxn>
-              <a:cxn ang="0">
-                <a:pos x="connsiteX3" y="connsiteY3"/>
-              </a:cxn>
-            </a:cxnLst>
-            <a:rect l="l" t="t" r="r" b="b"/>
-            <a:pathLst>
-              <a:path w="4081669" h="384313">
-                <a:moveTo>
-                  <a:pt x="0" y="379896"/>
-                </a:moveTo>
-                <a:cubicBezTo>
-                  <a:pt x="685800" y="382104"/>
-                  <a:pt x="1371600" y="384313"/>
-                  <a:pt x="1868556" y="326887"/>
-                </a:cubicBezTo>
-                <a:cubicBezTo>
-                  <a:pt x="2365513" y="269461"/>
-                  <a:pt x="2612887" y="70678"/>
-                  <a:pt x="2981739" y="35339"/>
-                </a:cubicBezTo>
-                <a:cubicBezTo>
-                  <a:pt x="3350591" y="0"/>
-                  <a:pt x="3716130" y="57426"/>
-                  <a:pt x="4081669" y="114852"/>
-                </a:cubicBezTo>
-              </a:path>
-            </a:pathLst>
-          </a:custGeom>
-          <a:ln w="25400">
-            <a:solidFill>
-              <a:schemeClr val="tx1"/>
-            </a:solidFill>
-            <a:tailEnd type="triangle" w="lg" len="lg"/>
-          </a:ln>
-        </p:spPr>
-        <p:style>
-          <a:lnRef idx="1">
-            <a:schemeClr val="accent1"/>
-          </a:lnRef>
-          <a:fillRef idx="0">
-            <a:schemeClr val="accent1"/>
-          </a:fillRef>
-          <a:effectRef idx="0">
-            <a:schemeClr val="accent1"/>
-          </a:effectRef>
-          <a:fontRef idx="minor">
-            <a:schemeClr val="tx1"/>
-          </a:fontRef>
-        </p:style>
-        <p:txBody>
-          <a:bodyPr rtlCol="0" anchor="ctr"/>
-          <a:lstStyle/>
-          <a:p>
-            <a:pPr algn="ctr"/>
-            <a:endParaRPr lang="en-US"/>
-          </a:p>
-        </p:txBody>
-      </p:sp>
-      <p:sp>
-        <p:nvSpPr>
-          <p:cNvPr id="6" name="Oval 5"/>
-          <p:cNvSpPr/>
-          <p:nvPr/>
-        </p:nvSpPr>
-        <p:spPr>
-          <a:xfrm>
-            <a:off x="1752600" y="3962400"/>
-            <a:ext cx="457200" cy="381000"/>
-          </a:xfrm>
-          <a:prstGeom prst="ellipse">
-            <a:avLst/>
-          </a:prstGeom>
-          <a:solidFill>
-            <a:srgbClr val="FF0000"/>
-          </a:solidFill>
-        </p:spPr>
-        <p:style>
-          <a:lnRef idx="2">
-            <a:schemeClr val="accent1">
-              <a:shade val="50000"/>
-            </a:schemeClr>
-          </a:lnRef>
-          <a:fillRef idx="1">
-            <a:schemeClr val="accent1"/>
-          </a:fillRef>
-          <a:effectRef idx="0">
-            <a:schemeClr val="accent1"/>
-          </a:effectRef>
-          <a:fontRef idx="minor">
-            <a:schemeClr val="lt1"/>
-          </a:fontRef>
-        </p:style>
-        <p:txBody>
-          <a:bodyPr rtlCol="0" anchor="ctr"/>
-          <a:lstStyle/>
-          <a:p>
-            <a:pPr algn="ctr"/>
-            <a:r>
-              <a:rPr lang="en-US" b="1" dirty="0" smtClean="0">
-                <a:solidFill>
-                  <a:schemeClr val="bg1"/>
-                </a:solidFill>
-              </a:rPr>
-              <a:t>1</a:t>
-            </a:r>
-            <a:endParaRPr lang="en-US" b="1" dirty="0">
-              <a:solidFill>
-                <a:schemeClr val="bg1"/>
-              </a:solidFill>
-            </a:endParaRPr>
-          </a:p>
-        </p:txBody>
-      </p:sp>
-      <p:sp>
-        <p:nvSpPr>
-          <p:cNvPr id="8" name="Rounded Rectangular Callout 7"/>
-          <p:cNvSpPr/>
-          <p:nvPr/>
-        </p:nvSpPr>
-        <p:spPr>
-          <a:xfrm>
-            <a:off x="457200" y="5359078"/>
-            <a:ext cx="1600200" cy="1194122"/>
-          </a:xfrm>
-          <a:prstGeom prst="wedgeRoundRectCallout">
-            <a:avLst>
-              <a:gd name="adj1" fmla="val 52045"/>
-              <a:gd name="adj2" fmla="val -153650"/>
-              <a:gd name="adj3" fmla="val 16667"/>
-            </a:avLst>
-          </a:prstGeom>
-        </p:spPr>
-        <p:style>
-          <a:lnRef idx="2">
-            <a:schemeClr val="accent1">
-              <a:shade val="50000"/>
-            </a:schemeClr>
-          </a:lnRef>
-          <a:fillRef idx="1">
-            <a:schemeClr val="accent1"/>
-          </a:fillRef>
-          <a:effectRef idx="0">
-            <a:schemeClr val="accent1"/>
-          </a:effectRef>
-          <a:fontRef idx="minor">
-            <a:schemeClr val="lt1"/>
-          </a:fontRef>
-        </p:style>
-        <p:txBody>
-          <a:bodyPr lIns="0" tIns="0" rIns="0" bIns="0" rtlCol="0" anchor="ctr"/>
-          <a:lstStyle/>
-          <a:p>
-            <a:pPr algn="ctr"/>
-            <a:r>
-              <a:rPr lang="en-US" sz="2000" dirty="0" smtClean="0"/>
-              <a:t>EDMA issues read to shared SRAM</a:t>
-            </a:r>
-            <a:endParaRPr lang="en-US" sz="2000" dirty="0"/>
-          </a:p>
-        </p:txBody>
-      </p:sp>
-    </p:spTree>
-  </p:cSld>
-  <p:clrMapOvr>
-    <a:masterClrMapping/>
-  </p:clrMapOvr>
-  <p:timing>
-    <p:tnLst>
-      <p:par>
-        <p:cTn id="1" dur="indefinite" restart="never" nodeType="tmRoot"/>
-      </p:par>
-    </p:tnLst>
-  </p:timing>
-</p:sld>
-</file>
-
-<file path=ppt/slides/slide34.xml><?xml version="1.0" encoding="utf-8"?>
-<p:sld xmlns:a="http://schemas.openxmlformats.org/drawingml/2006/main" xmlns:r="http://schemas.openxmlformats.org/officeDocument/2006/relationships" xmlns:p="http://schemas.openxmlformats.org/presentationml/2006/main">
-  <p:cSld>
-    <p:spTree>
-      <p:nvGrpSpPr>
-        <p:cNvPr id="1" name=""/>
-        <p:cNvGrpSpPr/>
-        <p:nvPr/>
-      </p:nvGrpSpPr>
-      <p:grpSpPr>
-        <a:xfrm>
-          <a:off x="0" y="0"/>
-          <a:ext cx="0" cy="0"/>
-          <a:chOff x="0" y="0"/>
-          <a:chExt cx="0" cy="0"/>
-        </a:xfrm>
-      </p:grpSpPr>
-      <p:sp>
-        <p:nvSpPr>
-          <p:cNvPr id="4" name="Title 3"/>
-          <p:cNvSpPr>
-            <a:spLocks noGrp="1"/>
-          </p:cNvSpPr>
-          <p:nvPr>
-            <p:ph type="title"/>
-          </p:nvPr>
-        </p:nvSpPr>
-        <p:spPr/>
-        <p:txBody>
-          <a:bodyPr>
-            <a:noAutofit/>
-          </a:bodyPr>
-          <a:lstStyle/>
-          <a:p>
-            <a:r>
-              <a:rPr lang="en-US" sz="3200" dirty="0" smtClean="0"/>
-              <a:t>Keystone </a:t>
-            </a:r>
-            <a:r>
-              <a:rPr lang="en-US" sz="3200" dirty="0" err="1" smtClean="0"/>
-              <a:t>ll</a:t>
-            </a:r>
-            <a:r>
-              <a:rPr lang="en-US" sz="3200" dirty="0" smtClean="0"/>
-              <a:t>: ARM - IO Coherency</a:t>
-            </a:r>
-            <a:br>
-              <a:rPr lang="en-US" sz="3200" dirty="0" smtClean="0"/>
-            </a:br>
-            <a:r>
-              <a:rPr lang="en-US" sz="3200" dirty="0" smtClean="0"/>
-              <a:t>External Read to Shared Memory (MSM/DDR)</a:t>
-            </a:r>
-            <a:endParaRPr lang="en-US" sz="3200" dirty="0"/>
-          </a:p>
-        </p:txBody>
-      </p:sp>
-      <p:pic>
-        <p:nvPicPr>
-          <p:cNvPr id="55303" name="Picture 7"/>
-          <p:cNvPicPr>
-            <a:picLocks noChangeAspect="1" noChangeArrowheads="1"/>
-          </p:cNvPicPr>
-          <p:nvPr/>
-        </p:nvPicPr>
-        <p:blipFill>
-          <a:blip r:embed="rId2" cstate="print"/>
-          <a:srcRect/>
-          <a:stretch>
-            <a:fillRect/>
-          </a:stretch>
-        </p:blipFill>
-        <p:spPr bwMode="auto">
-          <a:xfrm>
-            <a:off x="457200" y="1462087"/>
-            <a:ext cx="8458200" cy="5014913"/>
-          </a:xfrm>
-          <a:prstGeom prst="rect">
-            <a:avLst/>
-          </a:prstGeom>
-          <a:noFill/>
-          <a:ln w="9525">
-            <a:noFill/>
-            <a:miter lim="800000"/>
-            <a:headEnd/>
-            <a:tailEnd/>
-          </a:ln>
-        </p:spPr>
-      </p:pic>
-      <p:sp>
-        <p:nvSpPr>
-          <p:cNvPr id="5" name="Freeform 4"/>
-          <p:cNvSpPr/>
-          <p:nvPr/>
-        </p:nvSpPr>
-        <p:spPr>
-          <a:xfrm>
-            <a:off x="1656522" y="4006574"/>
-            <a:ext cx="4081669" cy="384313"/>
-          </a:xfrm>
-          <a:custGeom>
-            <a:avLst/>
-            <a:gdLst>
-              <a:gd name="connsiteX0" fmla="*/ 0 w 4081669"/>
-              <a:gd name="connsiteY0" fmla="*/ 379896 h 384313"/>
-              <a:gd name="connsiteX1" fmla="*/ 1868556 w 4081669"/>
-              <a:gd name="connsiteY1" fmla="*/ 326887 h 384313"/>
-              <a:gd name="connsiteX2" fmla="*/ 2981739 w 4081669"/>
-              <a:gd name="connsiteY2" fmla="*/ 35339 h 384313"/>
-              <a:gd name="connsiteX3" fmla="*/ 4081669 w 4081669"/>
-              <a:gd name="connsiteY3" fmla="*/ 114852 h 384313"/>
-            </a:gdLst>
-            <a:ahLst/>
-            <a:cxnLst>
-              <a:cxn ang="0">
-                <a:pos x="connsiteX0" y="connsiteY0"/>
-              </a:cxn>
-              <a:cxn ang="0">
-                <a:pos x="connsiteX1" y="connsiteY1"/>
-              </a:cxn>
-              <a:cxn ang="0">
-                <a:pos x="connsiteX2" y="connsiteY2"/>
-              </a:cxn>
-              <a:cxn ang="0">
-                <a:pos x="connsiteX3" y="connsiteY3"/>
-              </a:cxn>
-            </a:cxnLst>
-            <a:rect l="l" t="t" r="r" b="b"/>
-            <a:pathLst>
-              <a:path w="4081669" h="384313">
-                <a:moveTo>
-                  <a:pt x="0" y="379896"/>
-                </a:moveTo>
-                <a:cubicBezTo>
-                  <a:pt x="685800" y="382104"/>
-                  <a:pt x="1371600" y="384313"/>
-                  <a:pt x="1868556" y="326887"/>
-                </a:cubicBezTo>
-                <a:cubicBezTo>
-                  <a:pt x="2365513" y="269461"/>
-                  <a:pt x="2612887" y="70678"/>
-                  <a:pt x="2981739" y="35339"/>
-                </a:cubicBezTo>
-                <a:cubicBezTo>
-                  <a:pt x="3350591" y="0"/>
-                  <a:pt x="3716130" y="57426"/>
-                  <a:pt x="4081669" y="114852"/>
-                </a:cubicBezTo>
-              </a:path>
-            </a:pathLst>
-          </a:custGeom>
-          <a:ln w="25400">
-            <a:solidFill>
-              <a:schemeClr val="tx1"/>
-            </a:solidFill>
-            <a:tailEnd type="triangle" w="lg" len="lg"/>
-          </a:ln>
-        </p:spPr>
-        <p:style>
-          <a:lnRef idx="1">
-            <a:schemeClr val="accent1"/>
-          </a:lnRef>
-          <a:fillRef idx="0">
-            <a:schemeClr val="accent1"/>
-          </a:fillRef>
-          <a:effectRef idx="0">
-            <a:schemeClr val="accent1"/>
-          </a:effectRef>
-          <a:fontRef idx="minor">
-            <a:schemeClr val="tx1"/>
-          </a:fontRef>
-        </p:style>
-        <p:txBody>
-          <a:bodyPr rtlCol="0" anchor="ctr"/>
-          <a:lstStyle/>
-          <a:p>
-            <a:pPr algn="ctr"/>
-            <a:endParaRPr lang="en-US"/>
-          </a:p>
-        </p:txBody>
-      </p:sp>
-      <p:sp>
-        <p:nvSpPr>
-          <p:cNvPr id="6" name="Oval 5"/>
-          <p:cNvSpPr/>
-          <p:nvPr/>
-        </p:nvSpPr>
-        <p:spPr>
-          <a:xfrm>
-            <a:off x="1752600" y="3962400"/>
-            <a:ext cx="457200" cy="381000"/>
-          </a:xfrm>
-          <a:prstGeom prst="ellipse">
-            <a:avLst/>
-          </a:prstGeom>
-          <a:solidFill>
-            <a:srgbClr val="FF0000"/>
-          </a:solidFill>
-        </p:spPr>
-        <p:style>
-          <a:lnRef idx="2">
-            <a:schemeClr val="accent1">
-              <a:shade val="50000"/>
-            </a:schemeClr>
-          </a:lnRef>
-          <a:fillRef idx="1">
-            <a:schemeClr val="accent1"/>
-          </a:fillRef>
-          <a:effectRef idx="0">
-            <a:schemeClr val="accent1"/>
-          </a:effectRef>
-          <a:fontRef idx="minor">
-            <a:schemeClr val="lt1"/>
-          </a:fontRef>
-        </p:style>
-        <p:txBody>
-          <a:bodyPr rtlCol="0" anchor="ctr"/>
-          <a:lstStyle/>
-          <a:p>
-            <a:pPr algn="ctr"/>
-            <a:r>
-              <a:rPr lang="en-US" b="1" dirty="0" smtClean="0">
-                <a:solidFill>
-                  <a:schemeClr val="bg1"/>
-                </a:solidFill>
-              </a:rPr>
-              <a:t>1</a:t>
-            </a:r>
-            <a:endParaRPr lang="en-US" b="1" dirty="0">
-              <a:solidFill>
-                <a:schemeClr val="bg1"/>
-              </a:solidFill>
-            </a:endParaRPr>
-          </a:p>
-        </p:txBody>
-      </p:sp>
-      <p:sp>
-        <p:nvSpPr>
-          <p:cNvPr id="8" name="Rounded Rectangular Callout 7"/>
-          <p:cNvSpPr/>
-          <p:nvPr/>
-        </p:nvSpPr>
-        <p:spPr>
-          <a:xfrm>
-            <a:off x="457200" y="5359078"/>
-            <a:ext cx="1600200" cy="1194122"/>
-          </a:xfrm>
-          <a:prstGeom prst="wedgeRoundRectCallout">
-            <a:avLst>
-              <a:gd name="adj1" fmla="val 52045"/>
-              <a:gd name="adj2" fmla="val -153650"/>
-              <a:gd name="adj3" fmla="val 16667"/>
-            </a:avLst>
-          </a:prstGeom>
-        </p:spPr>
-        <p:style>
-          <a:lnRef idx="2">
-            <a:schemeClr val="accent1">
-              <a:shade val="50000"/>
-            </a:schemeClr>
-          </a:lnRef>
-          <a:fillRef idx="1">
-            <a:schemeClr val="accent1"/>
-          </a:fillRef>
-          <a:effectRef idx="0">
-            <a:schemeClr val="accent1"/>
-          </a:effectRef>
-          <a:fontRef idx="minor">
-            <a:schemeClr val="lt1"/>
-          </a:fontRef>
-        </p:style>
-        <p:txBody>
-          <a:bodyPr lIns="0" tIns="0" rIns="0" bIns="0" rtlCol="0" anchor="ctr"/>
-          <a:lstStyle/>
-          <a:p>
-            <a:pPr algn="ctr"/>
-            <a:r>
-              <a:rPr lang="en-US" sz="2000" dirty="0" smtClean="0"/>
-              <a:t>EDMA issues read to shared SRAM</a:t>
-            </a:r>
-            <a:endParaRPr lang="en-US" sz="2000" dirty="0"/>
-          </a:p>
-        </p:txBody>
-      </p:sp>
-      <p:sp>
-        <p:nvSpPr>
-          <p:cNvPr id="9" name="Rounded Rectangular Callout 8"/>
-          <p:cNvSpPr/>
-          <p:nvPr/>
-        </p:nvSpPr>
-        <p:spPr>
-          <a:xfrm>
-            <a:off x="685800" y="1504709"/>
-            <a:ext cx="1600200" cy="1695691"/>
-          </a:xfrm>
-          <a:prstGeom prst="wedgeRoundRectCallout">
-            <a:avLst>
-              <a:gd name="adj1" fmla="val 104219"/>
-              <a:gd name="adj2" fmla="val 101009"/>
-              <a:gd name="adj3" fmla="val 16667"/>
-            </a:avLst>
-          </a:prstGeom>
-        </p:spPr>
-        <p:style>
-          <a:lnRef idx="2">
-            <a:schemeClr val="accent1">
-              <a:shade val="50000"/>
-            </a:schemeClr>
-          </a:lnRef>
-          <a:fillRef idx="1">
-            <a:schemeClr val="accent1"/>
-          </a:fillRef>
-          <a:effectRef idx="0">
-            <a:schemeClr val="accent1"/>
-          </a:effectRef>
-          <a:fontRef idx="minor">
-            <a:schemeClr val="lt1"/>
-          </a:fontRef>
-        </p:style>
-        <p:txBody>
-          <a:bodyPr lIns="0" tIns="0" rIns="0" bIns="0" rtlCol="0" anchor="ctr"/>
-          <a:lstStyle/>
-          <a:p>
-            <a:pPr algn="ctr"/>
-            <a:r>
-              <a:rPr lang="en-US" dirty="0" smtClean="0"/>
-              <a:t>Coherence Controller issues read snoops to ARM</a:t>
-            </a:r>
-            <a:endParaRPr lang="en-US" dirty="0"/>
-          </a:p>
-        </p:txBody>
-      </p:sp>
-      <p:sp>
-        <p:nvSpPr>
-          <p:cNvPr id="10" name="Freeform 9"/>
-          <p:cNvSpPr/>
-          <p:nvPr/>
-        </p:nvSpPr>
-        <p:spPr>
-          <a:xfrm>
-            <a:off x="3200401" y="3366052"/>
-            <a:ext cx="2362200" cy="1510748"/>
-          </a:xfrm>
-          <a:custGeom>
-            <a:avLst/>
-            <a:gdLst>
-              <a:gd name="connsiteX0" fmla="*/ 1442279 w 1442279"/>
-              <a:gd name="connsiteY0" fmla="*/ 1431235 h 1444487"/>
-              <a:gd name="connsiteX1" fmla="*/ 408609 w 1442279"/>
-              <a:gd name="connsiteY1" fmla="*/ 1364974 h 1444487"/>
-              <a:gd name="connsiteX2" fmla="*/ 64052 w 1442279"/>
-              <a:gd name="connsiteY2" fmla="*/ 954157 h 1444487"/>
-              <a:gd name="connsiteX3" fmla="*/ 24296 w 1442279"/>
-              <a:gd name="connsiteY3" fmla="*/ 0 h 1444487"/>
-            </a:gdLst>
-            <a:ahLst/>
-            <a:cxnLst>
-              <a:cxn ang="0">
-                <a:pos x="connsiteX0" y="connsiteY0"/>
-              </a:cxn>
-              <a:cxn ang="0">
-                <a:pos x="connsiteX1" y="connsiteY1"/>
-              </a:cxn>
-              <a:cxn ang="0">
-                <a:pos x="connsiteX2" y="connsiteY2"/>
-              </a:cxn>
-              <a:cxn ang="0">
-                <a:pos x="connsiteX3" y="connsiteY3"/>
-              </a:cxn>
-            </a:cxnLst>
-            <a:rect l="l" t="t" r="r" b="b"/>
-            <a:pathLst>
-              <a:path w="1442279" h="1444487">
-                <a:moveTo>
-                  <a:pt x="1442279" y="1431235"/>
-                </a:moveTo>
-                <a:cubicBezTo>
-                  <a:pt x="1040296" y="1437861"/>
-                  <a:pt x="638314" y="1444487"/>
-                  <a:pt x="408609" y="1364974"/>
-                </a:cubicBezTo>
-                <a:cubicBezTo>
-                  <a:pt x="178905" y="1285461"/>
-                  <a:pt x="128104" y="1181653"/>
-                  <a:pt x="64052" y="954157"/>
-                </a:cubicBezTo>
-                <a:cubicBezTo>
-                  <a:pt x="0" y="726661"/>
-                  <a:pt x="12148" y="363330"/>
-                  <a:pt x="24296" y="0"/>
-                </a:cubicBezTo>
-              </a:path>
-            </a:pathLst>
-          </a:custGeom>
-          <a:ln w="25400">
-            <a:solidFill>
-              <a:schemeClr val="tx1"/>
-            </a:solidFill>
-            <a:tailEnd type="triangle" w="lg" len="lg"/>
-          </a:ln>
-        </p:spPr>
-        <p:style>
-          <a:lnRef idx="1">
-            <a:schemeClr val="accent1"/>
-          </a:lnRef>
-          <a:fillRef idx="0">
-            <a:schemeClr val="accent1"/>
-          </a:fillRef>
-          <a:effectRef idx="0">
-            <a:schemeClr val="accent1"/>
-          </a:effectRef>
-          <a:fontRef idx="minor">
-            <a:schemeClr val="tx1"/>
-          </a:fontRef>
-        </p:style>
-        <p:txBody>
-          <a:bodyPr rtlCol="0" anchor="ctr"/>
-          <a:lstStyle/>
-          <a:p>
-            <a:pPr algn="ctr"/>
-            <a:endParaRPr lang="en-US"/>
-          </a:p>
-        </p:txBody>
-      </p:sp>
-      <p:sp>
-        <p:nvSpPr>
-          <p:cNvPr id="11" name="Oval 10"/>
-          <p:cNvSpPr/>
-          <p:nvPr/>
-        </p:nvSpPr>
-        <p:spPr>
-          <a:xfrm>
-            <a:off x="3276600" y="3657600"/>
-            <a:ext cx="457200" cy="381000"/>
-          </a:xfrm>
-          <a:prstGeom prst="ellipse">
-            <a:avLst/>
-          </a:prstGeom>
-          <a:solidFill>
-            <a:srgbClr val="FF0000"/>
-          </a:solidFill>
-        </p:spPr>
-        <p:style>
-          <a:lnRef idx="2">
-            <a:schemeClr val="accent1">
-              <a:shade val="50000"/>
-            </a:schemeClr>
-          </a:lnRef>
-          <a:fillRef idx="1">
-            <a:schemeClr val="accent1"/>
-          </a:fillRef>
-          <a:effectRef idx="0">
-            <a:schemeClr val="accent1"/>
-          </a:effectRef>
-          <a:fontRef idx="minor">
-            <a:schemeClr val="lt1"/>
-          </a:fontRef>
-        </p:style>
-        <p:txBody>
-          <a:bodyPr rtlCol="0" anchor="ctr"/>
-          <a:lstStyle/>
-          <a:p>
-            <a:pPr algn="ctr"/>
-            <a:r>
-              <a:rPr lang="en-US" b="1" dirty="0" smtClean="0">
-                <a:solidFill>
-                  <a:schemeClr val="bg1"/>
-                </a:solidFill>
-              </a:rPr>
-              <a:t>2</a:t>
-            </a:r>
-            <a:endParaRPr lang="en-US" b="1" dirty="0">
-              <a:solidFill>
-                <a:schemeClr val="bg1"/>
-              </a:solidFill>
-            </a:endParaRPr>
-          </a:p>
-        </p:txBody>
-      </p:sp>
-    </p:spTree>
-  </p:cSld>
-  <p:clrMapOvr>
-    <a:masterClrMapping/>
-  </p:clrMapOvr>
-  <p:timing>
-    <p:tnLst>
-      <p:par>
-        <p:cTn id="1" dur="indefinite" restart="never" nodeType="tmRoot"/>
-      </p:par>
-    </p:tnLst>
-  </p:timing>
-</p:sld>
-</file>
-
-<file path=ppt/slides/slide35.xml><?xml version="1.0" encoding="utf-8"?>
-<p:sld xmlns:a="http://schemas.openxmlformats.org/drawingml/2006/main" xmlns:r="http://schemas.openxmlformats.org/officeDocument/2006/relationships" xmlns:p="http://schemas.openxmlformats.org/presentationml/2006/main">
-  <p:cSld>
-    <p:spTree>
-      <p:nvGrpSpPr>
-        <p:cNvPr id="1" name=""/>
-        <p:cNvGrpSpPr/>
-        <p:nvPr/>
-      </p:nvGrpSpPr>
-      <p:grpSpPr>
-        <a:xfrm>
-          <a:off x="0" y="0"/>
-          <a:ext cx="0" cy="0"/>
-          <a:chOff x="0" y="0"/>
-          <a:chExt cx="0" cy="0"/>
-        </a:xfrm>
-      </p:grpSpPr>
-      <p:sp>
-        <p:nvSpPr>
-          <p:cNvPr id="4" name="Title 3"/>
-          <p:cNvSpPr>
-            <a:spLocks noGrp="1"/>
-          </p:cNvSpPr>
-          <p:nvPr>
-            <p:ph type="title"/>
-          </p:nvPr>
-        </p:nvSpPr>
-        <p:spPr/>
-        <p:txBody>
-          <a:bodyPr>
-            <a:noAutofit/>
-          </a:bodyPr>
-          <a:lstStyle/>
-          <a:p>
-            <a:r>
-              <a:rPr lang="en-US" sz="3200" dirty="0" smtClean="0"/>
-              <a:t>Keystone </a:t>
-            </a:r>
-            <a:r>
-              <a:rPr lang="en-US" sz="3200" dirty="0" err="1" smtClean="0"/>
-              <a:t>ll</a:t>
-            </a:r>
-            <a:r>
-              <a:rPr lang="en-US" sz="3200" dirty="0" smtClean="0"/>
-              <a:t>: ARM - IO Coherency</a:t>
-            </a:r>
-            <a:br>
-              <a:rPr lang="en-US" sz="3200" dirty="0" smtClean="0"/>
-            </a:br>
-            <a:r>
-              <a:rPr lang="en-US" sz="3200" dirty="0" smtClean="0"/>
-              <a:t>External Read to Shared Memory (MSM/DDR)</a:t>
-            </a:r>
-            <a:endParaRPr lang="en-US" sz="3200" dirty="0"/>
-          </a:p>
-        </p:txBody>
-      </p:sp>
-      <p:pic>
-        <p:nvPicPr>
-          <p:cNvPr id="55303" name="Picture 7"/>
-          <p:cNvPicPr>
-            <a:picLocks noChangeAspect="1" noChangeArrowheads="1"/>
-          </p:cNvPicPr>
-          <p:nvPr/>
-        </p:nvPicPr>
-        <p:blipFill>
-          <a:blip r:embed="rId2" cstate="print"/>
-          <a:srcRect/>
-          <a:stretch>
-            <a:fillRect/>
-          </a:stretch>
-        </p:blipFill>
-        <p:spPr bwMode="auto">
-          <a:xfrm>
-            <a:off x="457200" y="1462087"/>
-            <a:ext cx="8458200" cy="5014913"/>
-          </a:xfrm>
-          <a:prstGeom prst="rect">
-            <a:avLst/>
-          </a:prstGeom>
-          <a:noFill/>
-          <a:ln w="9525">
-            <a:noFill/>
-            <a:miter lim="800000"/>
-            <a:headEnd/>
-            <a:tailEnd/>
-          </a:ln>
-        </p:spPr>
-      </p:pic>
-      <p:sp>
-        <p:nvSpPr>
-          <p:cNvPr id="5" name="Freeform 4"/>
-          <p:cNvSpPr/>
-          <p:nvPr/>
-        </p:nvSpPr>
-        <p:spPr>
-          <a:xfrm>
-            <a:off x="1656522" y="4006574"/>
-            <a:ext cx="4081669" cy="384313"/>
-          </a:xfrm>
-          <a:custGeom>
-            <a:avLst/>
-            <a:gdLst>
-              <a:gd name="connsiteX0" fmla="*/ 0 w 4081669"/>
-              <a:gd name="connsiteY0" fmla="*/ 379896 h 384313"/>
-              <a:gd name="connsiteX1" fmla="*/ 1868556 w 4081669"/>
-              <a:gd name="connsiteY1" fmla="*/ 326887 h 384313"/>
-              <a:gd name="connsiteX2" fmla="*/ 2981739 w 4081669"/>
-              <a:gd name="connsiteY2" fmla="*/ 35339 h 384313"/>
-              <a:gd name="connsiteX3" fmla="*/ 4081669 w 4081669"/>
-              <a:gd name="connsiteY3" fmla="*/ 114852 h 384313"/>
-            </a:gdLst>
-            <a:ahLst/>
-            <a:cxnLst>
-              <a:cxn ang="0">
-                <a:pos x="connsiteX0" y="connsiteY0"/>
-              </a:cxn>
-              <a:cxn ang="0">
-                <a:pos x="connsiteX1" y="connsiteY1"/>
-              </a:cxn>
-              <a:cxn ang="0">
-                <a:pos x="connsiteX2" y="connsiteY2"/>
-              </a:cxn>
-              <a:cxn ang="0">
-                <a:pos x="connsiteX3" y="connsiteY3"/>
-              </a:cxn>
-            </a:cxnLst>
-            <a:rect l="l" t="t" r="r" b="b"/>
-            <a:pathLst>
-              <a:path w="4081669" h="384313">
-                <a:moveTo>
-                  <a:pt x="0" y="379896"/>
-                </a:moveTo>
-                <a:cubicBezTo>
-                  <a:pt x="685800" y="382104"/>
-                  <a:pt x="1371600" y="384313"/>
-                  <a:pt x="1868556" y="326887"/>
-                </a:cubicBezTo>
-                <a:cubicBezTo>
-                  <a:pt x="2365513" y="269461"/>
-                  <a:pt x="2612887" y="70678"/>
-                  <a:pt x="2981739" y="35339"/>
-                </a:cubicBezTo>
-                <a:cubicBezTo>
-                  <a:pt x="3350591" y="0"/>
-                  <a:pt x="3716130" y="57426"/>
-                  <a:pt x="4081669" y="114852"/>
-                </a:cubicBezTo>
-              </a:path>
-            </a:pathLst>
-          </a:custGeom>
-          <a:ln w="25400">
-            <a:solidFill>
-              <a:schemeClr val="tx1"/>
-            </a:solidFill>
-            <a:tailEnd type="triangle" w="lg" len="lg"/>
-          </a:ln>
-        </p:spPr>
-        <p:style>
-          <a:lnRef idx="1">
-            <a:schemeClr val="accent1"/>
-          </a:lnRef>
-          <a:fillRef idx="0">
-            <a:schemeClr val="accent1"/>
-          </a:fillRef>
-          <a:effectRef idx="0">
-            <a:schemeClr val="accent1"/>
-          </a:effectRef>
-          <a:fontRef idx="minor">
-            <a:schemeClr val="tx1"/>
-          </a:fontRef>
-        </p:style>
-        <p:txBody>
-          <a:bodyPr rtlCol="0" anchor="ctr"/>
-          <a:lstStyle/>
-          <a:p>
-            <a:pPr algn="ctr"/>
-            <a:endParaRPr lang="en-US"/>
-          </a:p>
-        </p:txBody>
-      </p:sp>
-      <p:sp>
-        <p:nvSpPr>
-          <p:cNvPr id="6" name="Oval 5"/>
-          <p:cNvSpPr/>
-          <p:nvPr/>
-        </p:nvSpPr>
-        <p:spPr>
-          <a:xfrm>
-            <a:off x="1752600" y="3962400"/>
-            <a:ext cx="457200" cy="381000"/>
-          </a:xfrm>
-          <a:prstGeom prst="ellipse">
-            <a:avLst/>
-          </a:prstGeom>
-          <a:solidFill>
-            <a:srgbClr val="FF0000"/>
-          </a:solidFill>
-        </p:spPr>
-        <p:style>
-          <a:lnRef idx="2">
-            <a:schemeClr val="accent1">
-              <a:shade val="50000"/>
-            </a:schemeClr>
-          </a:lnRef>
-          <a:fillRef idx="1">
-            <a:schemeClr val="accent1"/>
-          </a:fillRef>
-          <a:effectRef idx="0">
-            <a:schemeClr val="accent1"/>
-          </a:effectRef>
-          <a:fontRef idx="minor">
-            <a:schemeClr val="lt1"/>
-          </a:fontRef>
-        </p:style>
-        <p:txBody>
-          <a:bodyPr rtlCol="0" anchor="ctr"/>
-          <a:lstStyle/>
-          <a:p>
-            <a:pPr algn="ctr"/>
-            <a:r>
-              <a:rPr lang="en-US" b="1" dirty="0" smtClean="0">
-                <a:solidFill>
-                  <a:schemeClr val="bg1"/>
-                </a:solidFill>
-              </a:rPr>
-              <a:t>1</a:t>
-            </a:r>
-            <a:endParaRPr lang="en-US" b="1" dirty="0">
-              <a:solidFill>
-                <a:schemeClr val="bg1"/>
-              </a:solidFill>
-            </a:endParaRPr>
-          </a:p>
-        </p:txBody>
-      </p:sp>
-      <p:sp>
-        <p:nvSpPr>
-          <p:cNvPr id="8" name="Rounded Rectangular Callout 7"/>
-          <p:cNvSpPr/>
-          <p:nvPr/>
-        </p:nvSpPr>
-        <p:spPr>
-          <a:xfrm>
-            <a:off x="457200" y="5486400"/>
-            <a:ext cx="1600200" cy="1066800"/>
-          </a:xfrm>
-          <a:prstGeom prst="wedgeRoundRectCallout">
-            <a:avLst>
-              <a:gd name="adj1" fmla="val 52045"/>
-              <a:gd name="adj2" fmla="val -153650"/>
-              <a:gd name="adj3" fmla="val 16667"/>
-            </a:avLst>
-          </a:prstGeom>
-        </p:spPr>
-        <p:style>
-          <a:lnRef idx="2">
-            <a:schemeClr val="accent1">
-              <a:shade val="50000"/>
-            </a:schemeClr>
-          </a:lnRef>
-          <a:fillRef idx="1">
-            <a:schemeClr val="accent1"/>
-          </a:fillRef>
-          <a:effectRef idx="0">
-            <a:schemeClr val="accent1"/>
-          </a:effectRef>
-          <a:fontRef idx="minor">
-            <a:schemeClr val="lt1"/>
-          </a:fontRef>
-        </p:style>
-        <p:txBody>
-          <a:bodyPr lIns="0" tIns="0" rIns="0" bIns="0" rtlCol="0" anchor="ctr"/>
-          <a:lstStyle/>
-          <a:p>
-            <a:pPr algn="ctr"/>
-            <a:r>
-              <a:rPr lang="en-US" sz="2000" dirty="0" smtClean="0"/>
-              <a:t>EDMA issues read to shared SRAM</a:t>
-            </a:r>
-            <a:endParaRPr lang="en-US" sz="2000" dirty="0"/>
-          </a:p>
-        </p:txBody>
-      </p:sp>
-      <p:sp>
-        <p:nvSpPr>
-          <p:cNvPr id="9" name="Rounded Rectangular Callout 8"/>
-          <p:cNvSpPr/>
-          <p:nvPr/>
-        </p:nvSpPr>
-        <p:spPr>
-          <a:xfrm>
-            <a:off x="685800" y="1608881"/>
-            <a:ext cx="1600200" cy="1591519"/>
-          </a:xfrm>
-          <a:prstGeom prst="wedgeRoundRectCallout">
-            <a:avLst>
-              <a:gd name="adj1" fmla="val 104219"/>
-              <a:gd name="adj2" fmla="val 101009"/>
-              <a:gd name="adj3" fmla="val 16667"/>
-            </a:avLst>
-          </a:prstGeom>
-        </p:spPr>
-        <p:style>
-          <a:lnRef idx="2">
-            <a:schemeClr val="accent1">
-              <a:shade val="50000"/>
-            </a:schemeClr>
-          </a:lnRef>
-          <a:fillRef idx="1">
-            <a:schemeClr val="accent1"/>
-          </a:fillRef>
-          <a:effectRef idx="0">
-            <a:schemeClr val="accent1"/>
-          </a:effectRef>
-          <a:fontRef idx="minor">
-            <a:schemeClr val="lt1"/>
-          </a:fontRef>
-        </p:style>
-        <p:txBody>
-          <a:bodyPr lIns="0" tIns="0" rIns="0" bIns="0" rtlCol="0" anchor="ctr"/>
-          <a:lstStyle/>
-          <a:p>
-            <a:pPr algn="ctr"/>
-            <a:r>
-              <a:rPr lang="en-US" dirty="0" smtClean="0"/>
-              <a:t>Coherence Controller issues read snoops to ARM</a:t>
-            </a:r>
-            <a:endParaRPr lang="en-US" dirty="0"/>
-          </a:p>
-        </p:txBody>
-      </p:sp>
-      <p:sp>
-        <p:nvSpPr>
-          <p:cNvPr id="10" name="Freeform 9"/>
-          <p:cNvSpPr/>
-          <p:nvPr/>
-        </p:nvSpPr>
-        <p:spPr>
-          <a:xfrm>
-            <a:off x="3200401" y="3366052"/>
-            <a:ext cx="2362200" cy="1510748"/>
-          </a:xfrm>
-          <a:custGeom>
-            <a:avLst/>
-            <a:gdLst>
-              <a:gd name="connsiteX0" fmla="*/ 1442279 w 1442279"/>
-              <a:gd name="connsiteY0" fmla="*/ 1431235 h 1444487"/>
-              <a:gd name="connsiteX1" fmla="*/ 408609 w 1442279"/>
-              <a:gd name="connsiteY1" fmla="*/ 1364974 h 1444487"/>
-              <a:gd name="connsiteX2" fmla="*/ 64052 w 1442279"/>
-              <a:gd name="connsiteY2" fmla="*/ 954157 h 1444487"/>
-              <a:gd name="connsiteX3" fmla="*/ 24296 w 1442279"/>
-              <a:gd name="connsiteY3" fmla="*/ 0 h 1444487"/>
-            </a:gdLst>
-            <a:ahLst/>
-            <a:cxnLst>
-              <a:cxn ang="0">
-                <a:pos x="connsiteX0" y="connsiteY0"/>
-              </a:cxn>
-              <a:cxn ang="0">
-                <a:pos x="connsiteX1" y="connsiteY1"/>
-              </a:cxn>
-              <a:cxn ang="0">
-                <a:pos x="connsiteX2" y="connsiteY2"/>
-              </a:cxn>
-              <a:cxn ang="0">
-                <a:pos x="connsiteX3" y="connsiteY3"/>
-              </a:cxn>
-            </a:cxnLst>
-            <a:rect l="l" t="t" r="r" b="b"/>
-            <a:pathLst>
-              <a:path w="1442279" h="1444487">
-                <a:moveTo>
-                  <a:pt x="1442279" y="1431235"/>
-                </a:moveTo>
-                <a:cubicBezTo>
-                  <a:pt x="1040296" y="1437861"/>
-                  <a:pt x="638314" y="1444487"/>
-                  <a:pt x="408609" y="1364974"/>
-                </a:cubicBezTo>
-                <a:cubicBezTo>
-                  <a:pt x="178905" y="1285461"/>
-                  <a:pt x="128104" y="1181653"/>
-                  <a:pt x="64052" y="954157"/>
-                </a:cubicBezTo>
-                <a:cubicBezTo>
-                  <a:pt x="0" y="726661"/>
-                  <a:pt x="12148" y="363330"/>
-                  <a:pt x="24296" y="0"/>
-                </a:cubicBezTo>
-              </a:path>
-            </a:pathLst>
-          </a:custGeom>
-          <a:ln w="25400">
-            <a:solidFill>
-              <a:schemeClr val="tx1"/>
-            </a:solidFill>
-            <a:tailEnd type="triangle" w="lg" len="lg"/>
-          </a:ln>
-        </p:spPr>
-        <p:style>
-          <a:lnRef idx="1">
-            <a:schemeClr val="accent1"/>
-          </a:lnRef>
-          <a:fillRef idx="0">
-            <a:schemeClr val="accent1"/>
-          </a:fillRef>
-          <a:effectRef idx="0">
-            <a:schemeClr val="accent1"/>
-          </a:effectRef>
-          <a:fontRef idx="minor">
-            <a:schemeClr val="tx1"/>
-          </a:fontRef>
-        </p:style>
-        <p:txBody>
-          <a:bodyPr rtlCol="0" anchor="ctr"/>
-          <a:lstStyle/>
-          <a:p>
-            <a:pPr algn="ctr"/>
-            <a:endParaRPr lang="en-US"/>
-          </a:p>
-        </p:txBody>
-      </p:sp>
-      <p:sp>
-        <p:nvSpPr>
-          <p:cNvPr id="11" name="Oval 10"/>
-          <p:cNvSpPr/>
-          <p:nvPr/>
-        </p:nvSpPr>
-        <p:spPr>
-          <a:xfrm>
-            <a:off x="3276600" y="3657600"/>
-            <a:ext cx="457200" cy="381000"/>
-          </a:xfrm>
-          <a:prstGeom prst="ellipse">
-            <a:avLst/>
-          </a:prstGeom>
-          <a:solidFill>
-            <a:srgbClr val="FF0000"/>
-          </a:solidFill>
-        </p:spPr>
-        <p:style>
-          <a:lnRef idx="2">
-            <a:schemeClr val="accent1">
-              <a:shade val="50000"/>
-            </a:schemeClr>
-          </a:lnRef>
-          <a:fillRef idx="1">
-            <a:schemeClr val="accent1"/>
-          </a:fillRef>
-          <a:effectRef idx="0">
-            <a:schemeClr val="accent1"/>
-          </a:effectRef>
-          <a:fontRef idx="minor">
-            <a:schemeClr val="lt1"/>
-          </a:fontRef>
-        </p:style>
-        <p:txBody>
-          <a:bodyPr rtlCol="0" anchor="ctr"/>
-          <a:lstStyle/>
-          <a:p>
-            <a:pPr algn="ctr"/>
-            <a:r>
-              <a:rPr lang="en-US" b="1" dirty="0" smtClean="0">
-                <a:solidFill>
-                  <a:schemeClr val="bg1"/>
-                </a:solidFill>
-              </a:rPr>
-              <a:t>2</a:t>
-            </a:r>
-            <a:endParaRPr lang="en-US" b="1" dirty="0">
-              <a:solidFill>
-                <a:schemeClr val="bg1"/>
-              </a:solidFill>
-            </a:endParaRPr>
-          </a:p>
-        </p:txBody>
-      </p:sp>
-      <p:sp>
-        <p:nvSpPr>
-          <p:cNvPr id="12" name="Freeform 11"/>
-          <p:cNvSpPr/>
-          <p:nvPr/>
-        </p:nvSpPr>
-        <p:spPr>
-          <a:xfrm>
-            <a:off x="4412974" y="3379304"/>
-            <a:ext cx="1325217" cy="1457739"/>
-          </a:xfrm>
-          <a:custGeom>
-            <a:avLst/>
-            <a:gdLst>
-              <a:gd name="connsiteX0" fmla="*/ 0 w 1325217"/>
-              <a:gd name="connsiteY0" fmla="*/ 0 h 1457739"/>
-              <a:gd name="connsiteX1" fmla="*/ 265043 w 1325217"/>
-              <a:gd name="connsiteY1" fmla="*/ 463826 h 1457739"/>
-              <a:gd name="connsiteX2" fmla="*/ 1126435 w 1325217"/>
-              <a:gd name="connsiteY2" fmla="*/ 914400 h 1457739"/>
-              <a:gd name="connsiteX3" fmla="*/ 1325217 w 1325217"/>
-              <a:gd name="connsiteY3" fmla="*/ 1457739 h 1457739"/>
-            </a:gdLst>
-            <a:ahLst/>
-            <a:cxnLst>
-              <a:cxn ang="0">
-                <a:pos x="connsiteX0" y="connsiteY0"/>
-              </a:cxn>
-              <a:cxn ang="0">
-                <a:pos x="connsiteX1" y="connsiteY1"/>
-              </a:cxn>
-              <a:cxn ang="0">
-                <a:pos x="connsiteX2" y="connsiteY2"/>
-              </a:cxn>
-              <a:cxn ang="0">
-                <a:pos x="connsiteX3" y="connsiteY3"/>
-              </a:cxn>
-            </a:cxnLst>
-            <a:rect l="l" t="t" r="r" b="b"/>
-            <a:pathLst>
-              <a:path w="1325217" h="1457739">
-                <a:moveTo>
-                  <a:pt x="0" y="0"/>
-                </a:moveTo>
-                <a:cubicBezTo>
-                  <a:pt x="38652" y="155713"/>
-                  <a:pt x="77304" y="311426"/>
-                  <a:pt x="265043" y="463826"/>
-                </a:cubicBezTo>
-                <a:cubicBezTo>
-                  <a:pt x="452782" y="616226"/>
-                  <a:pt x="949739" y="748748"/>
-                  <a:pt x="1126435" y="914400"/>
-                </a:cubicBezTo>
-                <a:cubicBezTo>
-                  <a:pt x="1303131" y="1080052"/>
-                  <a:pt x="1314174" y="1268895"/>
-                  <a:pt x="1325217" y="1457739"/>
-                </a:cubicBezTo>
-              </a:path>
-            </a:pathLst>
-          </a:custGeom>
-          <a:ln w="25400">
-            <a:solidFill>
-              <a:schemeClr val="tx1"/>
-            </a:solidFill>
-            <a:tailEnd type="triangle" w="lg" len="lg"/>
-          </a:ln>
-        </p:spPr>
-        <p:style>
-          <a:lnRef idx="1">
-            <a:schemeClr val="accent1"/>
-          </a:lnRef>
-          <a:fillRef idx="0">
-            <a:schemeClr val="accent1"/>
-          </a:fillRef>
-          <a:effectRef idx="0">
-            <a:schemeClr val="accent1"/>
-          </a:effectRef>
-          <a:fontRef idx="minor">
-            <a:schemeClr val="tx1"/>
-          </a:fontRef>
-        </p:style>
-        <p:txBody>
-          <a:bodyPr rtlCol="0" anchor="ctr"/>
-          <a:lstStyle/>
-          <a:p>
-            <a:pPr algn="ctr"/>
-            <a:endParaRPr lang="en-US"/>
-          </a:p>
-        </p:txBody>
-      </p:sp>
-      <p:sp>
-        <p:nvSpPr>
-          <p:cNvPr id="13" name="Oval 12"/>
-          <p:cNvSpPr/>
-          <p:nvPr/>
-        </p:nvSpPr>
-        <p:spPr>
-          <a:xfrm>
-            <a:off x="4572000" y="3429000"/>
-            <a:ext cx="457200" cy="381000"/>
-          </a:xfrm>
-          <a:prstGeom prst="ellipse">
-            <a:avLst/>
-          </a:prstGeom>
-          <a:solidFill>
-            <a:srgbClr val="FF0000"/>
-          </a:solidFill>
-        </p:spPr>
-        <p:style>
-          <a:lnRef idx="2">
-            <a:schemeClr val="accent1">
-              <a:shade val="50000"/>
-            </a:schemeClr>
-          </a:lnRef>
-          <a:fillRef idx="1">
-            <a:schemeClr val="accent1"/>
-          </a:fillRef>
-          <a:effectRef idx="0">
-            <a:schemeClr val="accent1"/>
-          </a:effectRef>
-          <a:fontRef idx="minor">
-            <a:schemeClr val="lt1"/>
-          </a:fontRef>
-        </p:style>
-        <p:txBody>
-          <a:bodyPr rtlCol="0" anchor="ctr"/>
-          <a:lstStyle/>
-          <a:p>
-            <a:pPr algn="ctr"/>
-            <a:r>
-              <a:rPr lang="en-US" b="1" dirty="0" smtClean="0">
-                <a:solidFill>
-                  <a:schemeClr val="bg1"/>
-                </a:solidFill>
-              </a:rPr>
-              <a:t>3</a:t>
-            </a:r>
-            <a:endParaRPr lang="en-US" b="1" dirty="0">
-              <a:solidFill>
-                <a:schemeClr val="bg1"/>
-              </a:solidFill>
-            </a:endParaRPr>
-          </a:p>
-        </p:txBody>
-      </p:sp>
-      <p:sp>
-        <p:nvSpPr>
-          <p:cNvPr id="14" name="Rounded Rectangular Callout 13"/>
-          <p:cNvSpPr/>
-          <p:nvPr/>
-        </p:nvSpPr>
-        <p:spPr>
-          <a:xfrm>
-            <a:off x="6629400" y="2209800"/>
-            <a:ext cx="1143000" cy="762000"/>
-          </a:xfrm>
-          <a:prstGeom prst="wedgeRoundRectCallout">
-            <a:avLst>
-              <a:gd name="adj1" fmla="val -200211"/>
-              <a:gd name="adj2" fmla="val 177779"/>
-              <a:gd name="adj3" fmla="val 16667"/>
-            </a:avLst>
-          </a:prstGeom>
-        </p:spPr>
-        <p:style>
-          <a:lnRef idx="2">
-            <a:schemeClr val="accent1">
-              <a:shade val="50000"/>
-            </a:schemeClr>
-          </a:lnRef>
-          <a:fillRef idx="1">
-            <a:schemeClr val="accent1"/>
-          </a:fillRef>
-          <a:effectRef idx="0">
-            <a:schemeClr val="accent1"/>
-          </a:effectRef>
-          <a:fontRef idx="minor">
-            <a:schemeClr val="lt1"/>
-          </a:fontRef>
-        </p:style>
-        <p:txBody>
-          <a:bodyPr lIns="0" tIns="0" rIns="0" bIns="0" rtlCol="0" anchor="ctr"/>
-          <a:lstStyle/>
-          <a:p>
-            <a:pPr algn="ctr"/>
-            <a:r>
-              <a:rPr lang="en-US" dirty="0" smtClean="0"/>
-              <a:t>ARM evicts updated data</a:t>
-            </a:r>
-            <a:endParaRPr lang="en-US" dirty="0"/>
-          </a:p>
-        </p:txBody>
-      </p:sp>
-    </p:spTree>
-  </p:cSld>
-  <p:clrMapOvr>
-    <a:masterClrMapping/>
-  </p:clrMapOvr>
-  <p:timing>
-    <p:tnLst>
-      <p:par>
-        <p:cTn id="1" dur="indefinite" restart="never" nodeType="tmRoot"/>
-      </p:par>
-    </p:tnLst>
-  </p:timing>
-</p:sld>
-</file>
-
-<file path=ppt/slides/slide36.xml><?xml version="1.0" encoding="utf-8"?>
-<p:sld xmlns:a="http://schemas.openxmlformats.org/drawingml/2006/main" xmlns:r="http://schemas.openxmlformats.org/officeDocument/2006/relationships" xmlns:p="http://schemas.openxmlformats.org/presentationml/2006/main">
-  <p:cSld>
-    <p:spTree>
-      <p:nvGrpSpPr>
-        <p:cNvPr id="1" name=""/>
-        <p:cNvGrpSpPr/>
-        <p:nvPr/>
-      </p:nvGrpSpPr>
-      <p:grpSpPr>
-        <a:xfrm>
-          <a:off x="0" y="0"/>
-          <a:ext cx="0" cy="0"/>
-          <a:chOff x="0" y="0"/>
-          <a:chExt cx="0" cy="0"/>
-        </a:xfrm>
-      </p:grpSpPr>
-      <p:sp>
-        <p:nvSpPr>
-          <p:cNvPr id="4" name="Title 3"/>
-          <p:cNvSpPr>
-            <a:spLocks noGrp="1"/>
-          </p:cNvSpPr>
-          <p:nvPr>
-            <p:ph type="title"/>
-          </p:nvPr>
-        </p:nvSpPr>
-        <p:spPr/>
-        <p:txBody>
-          <a:bodyPr>
-            <a:noAutofit/>
-          </a:bodyPr>
-          <a:lstStyle/>
-          <a:p>
-            <a:r>
-              <a:rPr lang="en-US" sz="3200" dirty="0" smtClean="0"/>
-              <a:t>Keystone </a:t>
-            </a:r>
-            <a:r>
-              <a:rPr lang="en-US" sz="3200" dirty="0" err="1" smtClean="0"/>
-              <a:t>ll</a:t>
-            </a:r>
-            <a:r>
-              <a:rPr lang="en-US" sz="3200" dirty="0" smtClean="0"/>
-              <a:t>: ARM - IO Coherency</a:t>
-            </a:r>
-            <a:br>
-              <a:rPr lang="en-US" sz="3200" dirty="0" smtClean="0"/>
-            </a:br>
-            <a:r>
-              <a:rPr lang="en-US" sz="3200" dirty="0" smtClean="0"/>
-              <a:t>External Read to Shared Memory (MSM/DDR)</a:t>
-            </a:r>
-            <a:endParaRPr lang="en-US" sz="3200" dirty="0"/>
-          </a:p>
-        </p:txBody>
-      </p:sp>
-      <p:pic>
-        <p:nvPicPr>
-          <p:cNvPr id="55303" name="Picture 7"/>
-          <p:cNvPicPr>
-            <a:picLocks noChangeAspect="1" noChangeArrowheads="1"/>
-          </p:cNvPicPr>
-          <p:nvPr/>
-        </p:nvPicPr>
-        <p:blipFill>
-          <a:blip r:embed="rId2" cstate="print"/>
-          <a:srcRect/>
-          <a:stretch>
-            <a:fillRect/>
-          </a:stretch>
-        </p:blipFill>
-        <p:spPr bwMode="auto">
-          <a:xfrm>
-            <a:off x="457200" y="1462087"/>
-            <a:ext cx="8458200" cy="5014913"/>
-          </a:xfrm>
-          <a:prstGeom prst="rect">
-            <a:avLst/>
-          </a:prstGeom>
-          <a:noFill/>
-          <a:ln w="9525">
-            <a:noFill/>
-            <a:miter lim="800000"/>
-            <a:headEnd/>
-            <a:tailEnd/>
-          </a:ln>
-        </p:spPr>
-      </p:pic>
-      <p:sp>
-        <p:nvSpPr>
-          <p:cNvPr id="5" name="Freeform 4"/>
-          <p:cNvSpPr/>
-          <p:nvPr/>
-        </p:nvSpPr>
-        <p:spPr>
-          <a:xfrm>
-            <a:off x="1656522" y="4006574"/>
-            <a:ext cx="4081669" cy="384313"/>
-          </a:xfrm>
-          <a:custGeom>
-            <a:avLst/>
-            <a:gdLst>
-              <a:gd name="connsiteX0" fmla="*/ 0 w 4081669"/>
-              <a:gd name="connsiteY0" fmla="*/ 379896 h 384313"/>
-              <a:gd name="connsiteX1" fmla="*/ 1868556 w 4081669"/>
-              <a:gd name="connsiteY1" fmla="*/ 326887 h 384313"/>
-              <a:gd name="connsiteX2" fmla="*/ 2981739 w 4081669"/>
-              <a:gd name="connsiteY2" fmla="*/ 35339 h 384313"/>
-              <a:gd name="connsiteX3" fmla="*/ 4081669 w 4081669"/>
-              <a:gd name="connsiteY3" fmla="*/ 114852 h 384313"/>
-            </a:gdLst>
-            <a:ahLst/>
-            <a:cxnLst>
-              <a:cxn ang="0">
-                <a:pos x="connsiteX0" y="connsiteY0"/>
-              </a:cxn>
-              <a:cxn ang="0">
-                <a:pos x="connsiteX1" y="connsiteY1"/>
-              </a:cxn>
-              <a:cxn ang="0">
-                <a:pos x="connsiteX2" y="connsiteY2"/>
-              </a:cxn>
-              <a:cxn ang="0">
-                <a:pos x="connsiteX3" y="connsiteY3"/>
-              </a:cxn>
-            </a:cxnLst>
-            <a:rect l="l" t="t" r="r" b="b"/>
-            <a:pathLst>
-              <a:path w="4081669" h="384313">
-                <a:moveTo>
-                  <a:pt x="0" y="379896"/>
-                </a:moveTo>
-                <a:cubicBezTo>
-                  <a:pt x="685800" y="382104"/>
-                  <a:pt x="1371600" y="384313"/>
-                  <a:pt x="1868556" y="326887"/>
-                </a:cubicBezTo>
-                <a:cubicBezTo>
-                  <a:pt x="2365513" y="269461"/>
-                  <a:pt x="2612887" y="70678"/>
-                  <a:pt x="2981739" y="35339"/>
-                </a:cubicBezTo>
-                <a:cubicBezTo>
-                  <a:pt x="3350591" y="0"/>
-                  <a:pt x="3716130" y="57426"/>
-                  <a:pt x="4081669" y="114852"/>
-                </a:cubicBezTo>
-              </a:path>
-            </a:pathLst>
-          </a:custGeom>
-          <a:ln w="25400">
-            <a:solidFill>
-              <a:schemeClr val="tx1"/>
-            </a:solidFill>
-            <a:tailEnd type="triangle" w="lg" len="lg"/>
-          </a:ln>
-        </p:spPr>
-        <p:style>
-          <a:lnRef idx="1">
-            <a:schemeClr val="accent1"/>
-          </a:lnRef>
-          <a:fillRef idx="0">
-            <a:schemeClr val="accent1"/>
-          </a:fillRef>
-          <a:effectRef idx="0">
-            <a:schemeClr val="accent1"/>
-          </a:effectRef>
-          <a:fontRef idx="minor">
-            <a:schemeClr val="tx1"/>
-          </a:fontRef>
-        </p:style>
-        <p:txBody>
-          <a:bodyPr rtlCol="0" anchor="ctr"/>
-          <a:lstStyle/>
-          <a:p>
-            <a:pPr algn="ctr"/>
-            <a:endParaRPr lang="en-US"/>
-          </a:p>
-        </p:txBody>
-      </p:sp>
-      <p:sp>
-        <p:nvSpPr>
-          <p:cNvPr id="6" name="Oval 5"/>
-          <p:cNvSpPr/>
-          <p:nvPr/>
-        </p:nvSpPr>
-        <p:spPr>
-          <a:xfrm>
-            <a:off x="1752600" y="3962400"/>
-            <a:ext cx="457200" cy="381000"/>
-          </a:xfrm>
-          <a:prstGeom prst="ellipse">
-            <a:avLst/>
-          </a:prstGeom>
-          <a:solidFill>
-            <a:srgbClr val="FF0000"/>
-          </a:solidFill>
-        </p:spPr>
-        <p:style>
-          <a:lnRef idx="2">
-            <a:schemeClr val="accent1">
-              <a:shade val="50000"/>
-            </a:schemeClr>
-          </a:lnRef>
-          <a:fillRef idx="1">
-            <a:schemeClr val="accent1"/>
-          </a:fillRef>
-          <a:effectRef idx="0">
-            <a:schemeClr val="accent1"/>
-          </a:effectRef>
-          <a:fontRef idx="minor">
-            <a:schemeClr val="lt1"/>
-          </a:fontRef>
-        </p:style>
-        <p:txBody>
-          <a:bodyPr rtlCol="0" anchor="ctr"/>
-          <a:lstStyle/>
-          <a:p>
-            <a:pPr algn="ctr"/>
-            <a:r>
-              <a:rPr lang="en-US" b="1" dirty="0" smtClean="0">
-                <a:solidFill>
-                  <a:schemeClr val="bg1"/>
-                </a:solidFill>
-              </a:rPr>
-              <a:t>1</a:t>
-            </a:r>
-            <a:endParaRPr lang="en-US" b="1" dirty="0">
-              <a:solidFill>
-                <a:schemeClr val="bg1"/>
-              </a:solidFill>
-            </a:endParaRPr>
-          </a:p>
-        </p:txBody>
-      </p:sp>
-      <p:sp>
-        <p:nvSpPr>
-          <p:cNvPr id="8" name="Rounded Rectangular Callout 7"/>
-          <p:cNvSpPr/>
-          <p:nvPr/>
-        </p:nvSpPr>
-        <p:spPr>
-          <a:xfrm>
-            <a:off x="457200" y="5486400"/>
-            <a:ext cx="1600200" cy="1066800"/>
-          </a:xfrm>
-          <a:prstGeom prst="wedgeRoundRectCallout">
-            <a:avLst>
-              <a:gd name="adj1" fmla="val 52045"/>
-              <a:gd name="adj2" fmla="val -153650"/>
-              <a:gd name="adj3" fmla="val 16667"/>
-            </a:avLst>
-          </a:prstGeom>
-        </p:spPr>
-        <p:style>
-          <a:lnRef idx="2">
-            <a:schemeClr val="accent1">
-              <a:shade val="50000"/>
-            </a:schemeClr>
-          </a:lnRef>
-          <a:fillRef idx="1">
-            <a:schemeClr val="accent1"/>
-          </a:fillRef>
-          <a:effectRef idx="0">
-            <a:schemeClr val="accent1"/>
-          </a:effectRef>
-          <a:fontRef idx="minor">
-            <a:schemeClr val="lt1"/>
-          </a:fontRef>
-        </p:style>
-        <p:txBody>
-          <a:bodyPr lIns="0" tIns="0" rIns="0" bIns="0" rtlCol="0" anchor="ctr"/>
-          <a:lstStyle/>
-          <a:p>
-            <a:pPr algn="ctr"/>
-            <a:r>
-              <a:rPr lang="en-US" sz="1800" dirty="0" smtClean="0"/>
-              <a:t>EDMA issues read to shared SRAM</a:t>
-            </a:r>
-            <a:endParaRPr lang="en-US" sz="1800" dirty="0"/>
-          </a:p>
-        </p:txBody>
-      </p:sp>
-      <p:sp>
-        <p:nvSpPr>
-          <p:cNvPr id="9" name="Rounded Rectangular Callout 8"/>
-          <p:cNvSpPr/>
-          <p:nvPr/>
-        </p:nvSpPr>
-        <p:spPr>
-          <a:xfrm>
-            <a:off x="824697" y="1782502"/>
-            <a:ext cx="1600200" cy="1336876"/>
-          </a:xfrm>
-          <a:prstGeom prst="wedgeRoundRectCallout">
-            <a:avLst>
-              <a:gd name="adj1" fmla="val 104219"/>
-              <a:gd name="adj2" fmla="val 101009"/>
-              <a:gd name="adj3" fmla="val 16667"/>
-            </a:avLst>
-          </a:prstGeom>
-        </p:spPr>
-        <p:style>
-          <a:lnRef idx="2">
-            <a:schemeClr val="accent1">
-              <a:shade val="50000"/>
-            </a:schemeClr>
-          </a:lnRef>
-          <a:fillRef idx="1">
-            <a:schemeClr val="accent1"/>
-          </a:fillRef>
-          <a:effectRef idx="0">
-            <a:schemeClr val="accent1"/>
-          </a:effectRef>
-          <a:fontRef idx="minor">
-            <a:schemeClr val="lt1"/>
-          </a:fontRef>
-        </p:style>
-        <p:txBody>
-          <a:bodyPr lIns="0" tIns="0" rIns="0" bIns="0" rtlCol="0" anchor="ctr"/>
-          <a:lstStyle/>
-          <a:p>
-            <a:pPr algn="ctr"/>
-            <a:r>
-              <a:rPr lang="en-US" sz="1800" dirty="0" smtClean="0"/>
-              <a:t>Coherence Controller issues read snoops to </a:t>
-            </a:r>
-            <a:r>
-              <a:rPr lang="en-US" dirty="0" smtClean="0"/>
-              <a:t>ARM</a:t>
-            </a:r>
-            <a:endParaRPr lang="en-US" dirty="0"/>
-          </a:p>
-        </p:txBody>
-      </p:sp>
-      <p:sp>
-        <p:nvSpPr>
-          <p:cNvPr id="10" name="Freeform 9"/>
-          <p:cNvSpPr/>
-          <p:nvPr/>
-        </p:nvSpPr>
-        <p:spPr>
-          <a:xfrm>
-            <a:off x="3200401" y="3366052"/>
-            <a:ext cx="2362200" cy="1510748"/>
-          </a:xfrm>
-          <a:custGeom>
-            <a:avLst/>
-            <a:gdLst>
-              <a:gd name="connsiteX0" fmla="*/ 1442279 w 1442279"/>
-              <a:gd name="connsiteY0" fmla="*/ 1431235 h 1444487"/>
-              <a:gd name="connsiteX1" fmla="*/ 408609 w 1442279"/>
-              <a:gd name="connsiteY1" fmla="*/ 1364974 h 1444487"/>
-              <a:gd name="connsiteX2" fmla="*/ 64052 w 1442279"/>
-              <a:gd name="connsiteY2" fmla="*/ 954157 h 1444487"/>
-              <a:gd name="connsiteX3" fmla="*/ 24296 w 1442279"/>
-              <a:gd name="connsiteY3" fmla="*/ 0 h 1444487"/>
-            </a:gdLst>
-            <a:ahLst/>
-            <a:cxnLst>
-              <a:cxn ang="0">
-                <a:pos x="connsiteX0" y="connsiteY0"/>
-              </a:cxn>
-              <a:cxn ang="0">
-                <a:pos x="connsiteX1" y="connsiteY1"/>
-              </a:cxn>
-              <a:cxn ang="0">
-                <a:pos x="connsiteX2" y="connsiteY2"/>
-              </a:cxn>
-              <a:cxn ang="0">
-                <a:pos x="connsiteX3" y="connsiteY3"/>
-              </a:cxn>
-            </a:cxnLst>
-            <a:rect l="l" t="t" r="r" b="b"/>
-            <a:pathLst>
-              <a:path w="1442279" h="1444487">
-                <a:moveTo>
-                  <a:pt x="1442279" y="1431235"/>
-                </a:moveTo>
-                <a:cubicBezTo>
-                  <a:pt x="1040296" y="1437861"/>
-                  <a:pt x="638314" y="1444487"/>
-                  <a:pt x="408609" y="1364974"/>
-                </a:cubicBezTo>
-                <a:cubicBezTo>
-                  <a:pt x="178905" y="1285461"/>
-                  <a:pt x="128104" y="1181653"/>
-                  <a:pt x="64052" y="954157"/>
-                </a:cubicBezTo>
-                <a:cubicBezTo>
-                  <a:pt x="0" y="726661"/>
-                  <a:pt x="12148" y="363330"/>
-                  <a:pt x="24296" y="0"/>
-                </a:cubicBezTo>
-              </a:path>
-            </a:pathLst>
-          </a:custGeom>
-          <a:ln w="25400">
-            <a:solidFill>
-              <a:schemeClr val="tx1"/>
-            </a:solidFill>
-            <a:tailEnd type="triangle" w="lg" len="lg"/>
-          </a:ln>
-        </p:spPr>
-        <p:style>
-          <a:lnRef idx="1">
-            <a:schemeClr val="accent1"/>
-          </a:lnRef>
-          <a:fillRef idx="0">
-            <a:schemeClr val="accent1"/>
-          </a:fillRef>
-          <a:effectRef idx="0">
-            <a:schemeClr val="accent1"/>
-          </a:effectRef>
-          <a:fontRef idx="minor">
-            <a:schemeClr val="tx1"/>
-          </a:fontRef>
-        </p:style>
-        <p:txBody>
-          <a:bodyPr rtlCol="0" anchor="ctr"/>
-          <a:lstStyle/>
-          <a:p>
-            <a:pPr algn="ctr"/>
-            <a:endParaRPr lang="en-US"/>
-          </a:p>
-        </p:txBody>
-      </p:sp>
-      <p:sp>
-        <p:nvSpPr>
-          <p:cNvPr id="11" name="Oval 10"/>
-          <p:cNvSpPr/>
-          <p:nvPr/>
-        </p:nvSpPr>
-        <p:spPr>
-          <a:xfrm>
-            <a:off x="3276600" y="3657600"/>
-            <a:ext cx="457200" cy="381000"/>
-          </a:xfrm>
-          <a:prstGeom prst="ellipse">
-            <a:avLst/>
-          </a:prstGeom>
-          <a:solidFill>
-            <a:srgbClr val="FF0000"/>
-          </a:solidFill>
-        </p:spPr>
-        <p:style>
-          <a:lnRef idx="2">
-            <a:schemeClr val="accent1">
-              <a:shade val="50000"/>
-            </a:schemeClr>
-          </a:lnRef>
-          <a:fillRef idx="1">
-            <a:schemeClr val="accent1"/>
-          </a:fillRef>
-          <a:effectRef idx="0">
-            <a:schemeClr val="accent1"/>
-          </a:effectRef>
-          <a:fontRef idx="minor">
-            <a:schemeClr val="lt1"/>
-          </a:fontRef>
-        </p:style>
-        <p:txBody>
-          <a:bodyPr rtlCol="0" anchor="ctr"/>
-          <a:lstStyle/>
-          <a:p>
-            <a:pPr algn="ctr"/>
-            <a:r>
-              <a:rPr lang="en-US" b="1" dirty="0" smtClean="0">
-                <a:solidFill>
-                  <a:schemeClr val="bg1"/>
-                </a:solidFill>
-              </a:rPr>
-              <a:t>2</a:t>
-            </a:r>
-            <a:endParaRPr lang="en-US" b="1" dirty="0">
-              <a:solidFill>
-                <a:schemeClr val="bg1"/>
-              </a:solidFill>
-            </a:endParaRPr>
-          </a:p>
-        </p:txBody>
-      </p:sp>
-      <p:sp>
-        <p:nvSpPr>
-          <p:cNvPr id="12" name="Freeform 11"/>
-          <p:cNvSpPr/>
-          <p:nvPr/>
-        </p:nvSpPr>
-        <p:spPr>
-          <a:xfrm>
-            <a:off x="4412974" y="3379304"/>
-            <a:ext cx="1325217" cy="1457739"/>
-          </a:xfrm>
-          <a:custGeom>
-            <a:avLst/>
-            <a:gdLst>
-              <a:gd name="connsiteX0" fmla="*/ 0 w 1325217"/>
-              <a:gd name="connsiteY0" fmla="*/ 0 h 1457739"/>
-              <a:gd name="connsiteX1" fmla="*/ 265043 w 1325217"/>
-              <a:gd name="connsiteY1" fmla="*/ 463826 h 1457739"/>
-              <a:gd name="connsiteX2" fmla="*/ 1126435 w 1325217"/>
-              <a:gd name="connsiteY2" fmla="*/ 914400 h 1457739"/>
-              <a:gd name="connsiteX3" fmla="*/ 1325217 w 1325217"/>
-              <a:gd name="connsiteY3" fmla="*/ 1457739 h 1457739"/>
-            </a:gdLst>
-            <a:ahLst/>
-            <a:cxnLst>
-              <a:cxn ang="0">
-                <a:pos x="connsiteX0" y="connsiteY0"/>
-              </a:cxn>
-              <a:cxn ang="0">
-                <a:pos x="connsiteX1" y="connsiteY1"/>
-              </a:cxn>
-              <a:cxn ang="0">
-                <a:pos x="connsiteX2" y="connsiteY2"/>
-              </a:cxn>
-              <a:cxn ang="0">
-                <a:pos x="connsiteX3" y="connsiteY3"/>
-              </a:cxn>
-            </a:cxnLst>
-            <a:rect l="l" t="t" r="r" b="b"/>
-            <a:pathLst>
-              <a:path w="1325217" h="1457739">
-                <a:moveTo>
-                  <a:pt x="0" y="0"/>
-                </a:moveTo>
-                <a:cubicBezTo>
-                  <a:pt x="38652" y="155713"/>
-                  <a:pt x="77304" y="311426"/>
-                  <a:pt x="265043" y="463826"/>
-                </a:cubicBezTo>
-                <a:cubicBezTo>
-                  <a:pt x="452782" y="616226"/>
-                  <a:pt x="949739" y="748748"/>
-                  <a:pt x="1126435" y="914400"/>
-                </a:cubicBezTo>
-                <a:cubicBezTo>
-                  <a:pt x="1303131" y="1080052"/>
-                  <a:pt x="1314174" y="1268895"/>
-                  <a:pt x="1325217" y="1457739"/>
-                </a:cubicBezTo>
-              </a:path>
-            </a:pathLst>
-          </a:custGeom>
-          <a:ln w="25400">
-            <a:solidFill>
-              <a:schemeClr val="tx1"/>
-            </a:solidFill>
-            <a:tailEnd type="triangle" w="lg" len="lg"/>
-          </a:ln>
-        </p:spPr>
-        <p:style>
-          <a:lnRef idx="1">
-            <a:schemeClr val="accent1"/>
-          </a:lnRef>
-          <a:fillRef idx="0">
-            <a:schemeClr val="accent1"/>
-          </a:fillRef>
-          <a:effectRef idx="0">
-            <a:schemeClr val="accent1"/>
-          </a:effectRef>
-          <a:fontRef idx="minor">
-            <a:schemeClr val="tx1"/>
-          </a:fontRef>
-        </p:style>
-        <p:txBody>
-          <a:bodyPr rtlCol="0" anchor="ctr"/>
-          <a:lstStyle/>
-          <a:p>
-            <a:pPr algn="ctr"/>
-            <a:endParaRPr lang="en-US"/>
-          </a:p>
-        </p:txBody>
-      </p:sp>
-      <p:sp>
-        <p:nvSpPr>
-          <p:cNvPr id="13" name="Oval 12"/>
-          <p:cNvSpPr/>
-          <p:nvPr/>
-        </p:nvSpPr>
-        <p:spPr>
-          <a:xfrm>
-            <a:off x="4572000" y="3429000"/>
-            <a:ext cx="457200" cy="381000"/>
-          </a:xfrm>
-          <a:prstGeom prst="ellipse">
-            <a:avLst/>
-          </a:prstGeom>
-          <a:solidFill>
-            <a:srgbClr val="FF0000"/>
-          </a:solidFill>
-        </p:spPr>
-        <p:style>
-          <a:lnRef idx="2">
-            <a:schemeClr val="accent1">
-              <a:shade val="50000"/>
-            </a:schemeClr>
-          </a:lnRef>
-          <a:fillRef idx="1">
-            <a:schemeClr val="accent1"/>
-          </a:fillRef>
-          <a:effectRef idx="0">
-            <a:schemeClr val="accent1"/>
-          </a:effectRef>
-          <a:fontRef idx="minor">
-            <a:schemeClr val="lt1"/>
-          </a:fontRef>
-        </p:style>
-        <p:txBody>
-          <a:bodyPr rtlCol="0" anchor="ctr"/>
-          <a:lstStyle/>
-          <a:p>
-            <a:pPr algn="ctr"/>
-            <a:r>
-              <a:rPr lang="en-US" b="1" dirty="0" smtClean="0">
-                <a:solidFill>
-                  <a:schemeClr val="bg1"/>
-                </a:solidFill>
-              </a:rPr>
-              <a:t>3</a:t>
-            </a:r>
-            <a:endParaRPr lang="en-US" b="1" dirty="0">
-              <a:solidFill>
-                <a:schemeClr val="bg1"/>
-              </a:solidFill>
-            </a:endParaRPr>
-          </a:p>
-        </p:txBody>
-      </p:sp>
-      <p:sp>
-        <p:nvSpPr>
-          <p:cNvPr id="14" name="Rounded Rectangular Callout 13"/>
-          <p:cNvSpPr/>
-          <p:nvPr/>
-        </p:nvSpPr>
-        <p:spPr>
-          <a:xfrm>
-            <a:off x="6629400" y="2209800"/>
-            <a:ext cx="1143000" cy="762000"/>
-          </a:xfrm>
-          <a:prstGeom prst="wedgeRoundRectCallout">
-            <a:avLst>
-              <a:gd name="adj1" fmla="val -200211"/>
-              <a:gd name="adj2" fmla="val 177779"/>
-              <a:gd name="adj3" fmla="val 16667"/>
-            </a:avLst>
-          </a:prstGeom>
-        </p:spPr>
-        <p:style>
-          <a:lnRef idx="2">
-            <a:schemeClr val="accent1">
-              <a:shade val="50000"/>
-            </a:schemeClr>
-          </a:lnRef>
-          <a:fillRef idx="1">
-            <a:schemeClr val="accent1"/>
-          </a:fillRef>
-          <a:effectRef idx="0">
-            <a:schemeClr val="accent1"/>
-          </a:effectRef>
-          <a:fontRef idx="minor">
-            <a:schemeClr val="lt1"/>
-          </a:fontRef>
-        </p:style>
-        <p:txBody>
-          <a:bodyPr lIns="0" tIns="0" rIns="0" bIns="0" rtlCol="0" anchor="ctr"/>
-          <a:lstStyle/>
-          <a:p>
-            <a:pPr algn="ctr"/>
-            <a:r>
-              <a:rPr lang="en-US" dirty="0" smtClean="0"/>
-              <a:t>ARM </a:t>
-            </a:r>
-            <a:r>
-              <a:rPr lang="en-US" sz="1800" dirty="0" smtClean="0"/>
-              <a:t>evicts updated </a:t>
-            </a:r>
-            <a:r>
-              <a:rPr lang="en-US" dirty="0" smtClean="0"/>
-              <a:t>data</a:t>
-            </a:r>
-            <a:endParaRPr lang="en-US" dirty="0"/>
           </a:p>
         </p:txBody>
       </p:sp>
@@ -12143,7 +13538,7 @@
         </p:nvSpPr>
         <p:spPr>
           <a:xfrm>
-            <a:off x="1696278" y="4485860"/>
+            <a:off x="1756566" y="4405476"/>
             <a:ext cx="4035288" cy="324679"/>
           </a:xfrm>
           <a:custGeom>
@@ -12225,7 +13620,7 @@
         </p:nvSpPr>
         <p:spPr>
           <a:xfrm>
-            <a:off x="3733800" y="4419600"/>
+            <a:off x="3794088" y="4339216"/>
             <a:ext cx="457200" cy="381000"/>
           </a:xfrm>
           <a:prstGeom prst="ellipse">
@@ -12280,13 +13675,13 @@
         </p:nvSpPr>
         <p:spPr>
           <a:xfrm>
-            <a:off x="7620000" y="5334000"/>
-            <a:ext cx="1524000" cy="1066800"/>
+            <a:off x="7469273" y="4752870"/>
+            <a:ext cx="1524000" cy="1567546"/>
           </a:xfrm>
           <a:prstGeom prst="wedgeRoundRectCallout">
             <a:avLst>
-              <a:gd name="adj1" fmla="val -259632"/>
-              <a:gd name="adj2" fmla="val -120855"/>
+              <a:gd name="adj1" fmla="val -245786"/>
+              <a:gd name="adj2" fmla="val -70214"/>
               <a:gd name="adj3" fmla="val 16667"/>
             </a:avLst>
           </a:prstGeom>
@@ -12313,18 +13708,14 @@
           <a:p>
             <a:pPr algn="ctr"/>
             <a:r>
-              <a:rPr lang="en-US" dirty="0" smtClean="0"/>
-              <a:t>Coherence </a:t>
-            </a:r>
-            <a:r>
-              <a:rPr lang="en-US" sz="1800" dirty="0" smtClean="0"/>
-              <a:t>controller returns read data </a:t>
-            </a:r>
-            <a:r>
-              <a:rPr lang="en-US" dirty="0" smtClean="0"/>
-              <a:t>to EDMA</a:t>
-            </a:r>
-            <a:endParaRPr lang="en-US" dirty="0"/>
+              <a:rPr lang="en-US" sz="2000" dirty="0" smtClean="0"/>
+              <a:t>Coherence controller returns read data to </a:t>
+            </a:r>
+            <a:r>
+              <a:rPr lang="en-US" sz="2000" dirty="0" smtClean="0"/>
+              <a:t>EDMA.</a:t>
+            </a:r>
+            <a:endParaRPr lang="en-US" sz="2000" dirty="0"/>
           </a:p>
         </p:txBody>
       </p:sp>
@@ -13384,7 +14775,7 @@
     </p:custDataLst>
     <p:extLst>
       <p:ext uri="{BB962C8B-B14F-4D97-AF65-F5344CB8AC3E}">
-        <p14:creationId xmlns:p14="http://schemas.microsoft.com/office/powerpoint/2010/main" xmlns="" val="3469200570"/>
+        <p14:creationId xmlns="" xmlns:p14="http://schemas.microsoft.com/office/powerpoint/2010/main" val="3469200570"/>
       </p:ext>
     </p:extLst>
   </p:cSld>
@@ -14166,7 +15557,7 @@
         </p:nvSpPr>
         <p:spPr>
           <a:xfrm>
-            <a:off x="0" y="671332"/>
+            <a:off x="0" y="229204"/>
             <a:ext cx="9144000" cy="646113"/>
           </a:xfrm>
         </p:spPr>
@@ -14193,7 +15584,7 @@
         </p:nvSpPr>
         <p:spPr>
           <a:xfrm>
-            <a:off x="152400" y="2245489"/>
+            <a:off x="191845" y="1431572"/>
             <a:ext cx="8831579" cy="4201031"/>
           </a:xfrm>
         </p:spPr>
@@ -14203,35 +15594,35 @@
           <a:p>
             <a:pPr marL="347472" indent="-347472"/>
             <a:r>
-              <a:rPr lang="en-US" altLang="ko-KR" sz="2000" dirty="0" smtClean="0"/>
+              <a:rPr lang="en-US" altLang="ko-KR" sz="2800" dirty="0" smtClean="0"/>
               <a:t>Masking and unmasking of interrupts and events</a:t>
             </a:r>
           </a:p>
           <a:p>
             <a:pPr marL="347472" indent="-347472"/>
             <a:r>
-              <a:rPr lang="en-US" altLang="ko-KR" sz="2000" dirty="0" smtClean="0"/>
+              <a:rPr lang="en-US" altLang="ko-KR" sz="2800" dirty="0" smtClean="0"/>
               <a:t>Prioritize interrupt</a:t>
             </a:r>
           </a:p>
           <a:p>
             <a:pPr marL="347472" indent="-347472"/>
             <a:r>
-              <a:rPr lang="en-US" altLang="ko-KR" sz="2000" dirty="0" smtClean="0"/>
+              <a:rPr lang="en-US" altLang="ko-KR" sz="2800" dirty="0" smtClean="0"/>
               <a:t>Distribution of interrupts to the appropriate processor</a:t>
             </a:r>
           </a:p>
           <a:p>
             <a:pPr marL="347472" indent="-347472"/>
             <a:r>
-              <a:rPr lang="en-US" altLang="ko-KR" sz="2000" dirty="0" smtClean="0"/>
+              <a:rPr lang="en-US" altLang="ko-KR" sz="2800" dirty="0" smtClean="0"/>
               <a:t>Software generation of interrupts</a:t>
             </a:r>
           </a:p>
           <a:p>
             <a:pPr marL="347472" indent="-347472"/>
             <a:r>
-              <a:rPr lang="en-US" altLang="ko-KR" sz="2000" dirty="0" smtClean="0"/>
+              <a:rPr lang="en-US" altLang="ko-KR" sz="2800" dirty="0" smtClean="0"/>
               <a:t>Tracking the status of interrupt</a:t>
             </a:r>
           </a:p>
@@ -14345,7 +15736,7 @@
         </p:nvSpPr>
         <p:spPr>
           <a:xfrm>
-            <a:off x="196383" y="3920441"/>
+            <a:off x="327007" y="4030969"/>
             <a:ext cx="8153400" cy="2399336"/>
           </a:xfrm>
         </p:spPr>
@@ -15067,7 +16458,7 @@
     </p:custDataLst>
     <p:extLst>
       <p:ext uri="{BB962C8B-B14F-4D97-AF65-F5344CB8AC3E}">
-        <p14:creationId xmlns:p14="http://schemas.microsoft.com/office/powerpoint/2010/main" xmlns="" val="3469200570"/>
+        <p14:creationId xmlns="" xmlns:p14="http://schemas.microsoft.com/office/powerpoint/2010/main" val="3469200570"/>
       </p:ext>
     </p:extLst>
   </p:cSld>
@@ -15740,8 +17131,8 @@
         </p:nvSpPr>
         <p:spPr>
           <a:xfrm>
-            <a:off x="381000" y="1665838"/>
-            <a:ext cx="8229600" cy="3210962"/>
+            <a:off x="381000" y="1665837"/>
+            <a:ext cx="8229600" cy="3398531"/>
           </a:xfrm>
         </p:spPr>
         <p:txBody>
@@ -15762,16 +17153,23 @@
             </a:r>
           </a:p>
           <a:p>
-            <a:pPr lvl="1"/>
-            <a:r>
-              <a:rPr lang="en-US" dirty="0" smtClean="0"/>
+            <a:r>
+              <a:rPr lang="en-US" sz="2800" dirty="0" smtClean="0"/>
               <a:t>GNU Debugger (GDB)</a:t>
             </a:r>
           </a:p>
           <a:p>
             <a:r>
               <a:rPr lang="en-US" sz="2800" dirty="0" smtClean="0"/>
-              <a:t>ARM hardware Debug registers facilitate debugging</a:t>
+              <a:t>ARM hardware </a:t>
+            </a:r>
+            <a:r>
+              <a:rPr lang="en-US" sz="2800" dirty="0" smtClean="0"/>
+              <a:t>debug </a:t>
+            </a:r>
+            <a:r>
+              <a:rPr lang="en-US" sz="2800" dirty="0" smtClean="0"/>
+              <a:t>registers facilitate debugging</a:t>
             </a:r>
             <a:endParaRPr lang="en-US" sz="2800" dirty="0"/>
           </a:p>
@@ -15852,8 +17250,8 @@
         </p:blipFill>
         <p:spPr bwMode="auto">
           <a:xfrm>
-            <a:off x="1319514" y="1099114"/>
-            <a:ext cx="6895799" cy="4939736"/>
+            <a:off x="744100" y="942215"/>
+            <a:ext cx="7606080" cy="5448539"/>
           </a:xfrm>
           <a:prstGeom prst="rect">
             <a:avLst/>
@@ -18911,10 +20309,6 @@
 </file>
 
 <file path=customXml/item1.xml><?xml version="1.0" encoding="utf-8"?>
-<LongProperties xmlns="http://schemas.microsoft.com/office/2006/metadata/longProperties"/>
-</file>
-
-<file path=customXml/item2.xml><?xml version="1.0" encoding="utf-8"?>
 <ct:contentTypeSchema xmlns:ct="http://schemas.microsoft.com/office/2006/metadata/contentType" xmlns:ma="http://schemas.microsoft.com/office/2006/metadata/properties/metaAttributes" ct:_="" ma:_="" ma:contentTypeName="Document" ma:contentTypeID="0x0101006BF34EDD2AB14F49969AD5B68D65D28C" ma:contentTypeVersion="1" ma:contentTypeDescription="Create a new document." ma:contentTypeScope="" ma:versionID="aec3fda75a9471671297bbb4606d1d91">
   <xsd:schema xmlns:xsd="http://www.w3.org/2001/XMLSchema" xmlns:p="http://schemas.microsoft.com/office/2006/metadata/properties" xmlns:ns2="99c847d8-566e-43ce-87b7-3c417d164c47" targetNamespace="http://schemas.microsoft.com/office/2006/metadata/properties" ma:root="true" ma:fieldsID="6b49c4b1e87cfd71c9528e3cb8636bc2" ns2:_="">
     <xsd:import namespace="99c847d8-566e-43ce-87b7-3c417d164c47"/>
@@ -18976,6 +20370,14 @@
 </ct:contentTypeSchema>
 </file>
 
+<file path=customXml/item2.xml><?xml version="1.0" encoding="utf-8"?>
+<p:properties xmlns:p="http://schemas.microsoft.com/office/2006/metadata/properties" xmlns:xsi="http://www.w3.org/2001/XMLSchema-instance">
+  <documentManagement>
+    <Content_x0020_Owner xmlns="99c847d8-566e-43ce-87b7-3c417d164c47">Ramroop, Saffie</Content_x0020_Owner>
+  </documentManagement>
+</p:properties>
+</file>
+
 <file path=customXml/item3.xml><?xml version="1.0" encoding="utf-8"?>
 <?mso-contentType ?>
 <FormTemplates xmlns="http://schemas.microsoft.com/sharepoint/v3/contenttype/forms">
@@ -18986,22 +20388,10 @@
 </file>
 
 <file path=customXml/item4.xml><?xml version="1.0" encoding="utf-8"?>
-<p:properties xmlns:p="http://schemas.microsoft.com/office/2006/metadata/properties" xmlns:xsi="http://www.w3.org/2001/XMLSchema-instance">
-  <documentManagement>
-    <Content_x0020_Owner xmlns="99c847d8-566e-43ce-87b7-3c417d164c47">Ramroop, Saffie</Content_x0020_Owner>
-  </documentManagement>
-</p:properties>
+<LongProperties xmlns="http://schemas.microsoft.com/office/2006/metadata/longProperties"/>
 </file>
 
 <file path=customXml/itemProps1.xml><?xml version="1.0" encoding="utf-8"?>
-<ds:datastoreItem xmlns:ds="http://schemas.openxmlformats.org/officeDocument/2006/customXml" ds:itemID="{08087394-933C-48A1-8AD9-030539CA3EF7}">
-  <ds:schemaRefs>
-    <ds:schemaRef ds:uri="http://schemas.microsoft.com/office/2006/metadata/longProperties"/>
-  </ds:schemaRefs>
-</ds:datastoreItem>
-</file>
-
-<file path=customXml/itemProps2.xml><?xml version="1.0" encoding="utf-8"?>
 <ds:datastoreItem xmlns:ds="http://schemas.openxmlformats.org/officeDocument/2006/customXml" ds:itemID="{83529300-F1B4-4E63-A67B-9E50D1598C67}">
   <ds:schemaRefs>
     <ds:schemaRef ds:uri="http://schemas.microsoft.com/office/2006/metadata/contentType"/>
@@ -19018,6 +20408,15 @@
 </ds:datastoreItem>
 </file>
 
+<file path=customXml/itemProps2.xml><?xml version="1.0" encoding="utf-8"?>
+<ds:datastoreItem xmlns:ds="http://schemas.openxmlformats.org/officeDocument/2006/customXml" ds:itemID="{7CBBC1DF-22C6-4C0C-A1CC-096D390C1463}">
+  <ds:schemaRefs>
+    <ds:schemaRef ds:uri="http://schemas.microsoft.com/office/2006/metadata/properties"/>
+    <ds:schemaRef ds:uri="99c847d8-566e-43ce-87b7-3c417d164c47"/>
+  </ds:schemaRefs>
+</ds:datastoreItem>
+</file>
+
 <file path=customXml/itemProps3.xml><?xml version="1.0" encoding="utf-8"?>
 <ds:datastoreItem xmlns:ds="http://schemas.openxmlformats.org/officeDocument/2006/customXml" ds:itemID="{9247FEFF-82D0-4BBE-AA2E-6E8C28F7BBE5}">
   <ds:schemaRefs>
@@ -19027,10 +20426,9 @@
 </file>
 
 <file path=customXml/itemProps4.xml><?xml version="1.0" encoding="utf-8"?>
-<ds:datastoreItem xmlns:ds="http://schemas.openxmlformats.org/officeDocument/2006/customXml" ds:itemID="{7CBBC1DF-22C6-4C0C-A1CC-096D390C1463}">
+<ds:datastoreItem xmlns:ds="http://schemas.openxmlformats.org/officeDocument/2006/customXml" ds:itemID="{08087394-933C-48A1-8AD9-030539CA3EF7}">
   <ds:schemaRefs>
-    <ds:schemaRef ds:uri="http://schemas.microsoft.com/office/2006/metadata/properties"/>
-    <ds:schemaRef ds:uri="99c847d8-566e-43ce-87b7-3c417d164c47"/>
+    <ds:schemaRef ds:uri="http://schemas.microsoft.com/office/2006/metadata/longProperties"/>
   </ds:schemaRefs>
 </ds:datastoreItem>
 </file>